--- a/slides/01-WhatIsAComputer.pptx
+++ b/slides/01-WhatIsAComputer.pptx
@@ -5,46 +5,47 @@
     <p:sldMasterId id="2147484006" r:id="rId1"/>
   </p:sldMasterIdLst>
   <p:notesMasterIdLst>
-    <p:notesMasterId r:id="rId39"/>
+    <p:notesMasterId r:id="rId40"/>
   </p:notesMasterIdLst>
   <p:sldIdLst>
     <p:sldId id="256" r:id="rId2"/>
     <p:sldId id="272" r:id="rId3"/>
     <p:sldId id="258" r:id="rId4"/>
-    <p:sldId id="267" r:id="rId5"/>
-    <p:sldId id="311" r:id="rId6"/>
-    <p:sldId id="310" r:id="rId7"/>
-    <p:sldId id="313" r:id="rId8"/>
-    <p:sldId id="270" r:id="rId9"/>
-    <p:sldId id="298" r:id="rId10"/>
-    <p:sldId id="278" r:id="rId11"/>
-    <p:sldId id="279" r:id="rId12"/>
-    <p:sldId id="280" r:id="rId13"/>
-    <p:sldId id="316" r:id="rId14"/>
-    <p:sldId id="284" r:id="rId15"/>
-    <p:sldId id="276" r:id="rId16"/>
-    <p:sldId id="286" r:id="rId17"/>
-    <p:sldId id="287" r:id="rId18"/>
-    <p:sldId id="288" r:id="rId19"/>
-    <p:sldId id="289" r:id="rId20"/>
-    <p:sldId id="290" r:id="rId21"/>
-    <p:sldId id="317" r:id="rId22"/>
-    <p:sldId id="314" r:id="rId23"/>
-    <p:sldId id="318" r:id="rId24"/>
-    <p:sldId id="315" r:id="rId25"/>
-    <p:sldId id="300" r:id="rId26"/>
-    <p:sldId id="304" r:id="rId27"/>
-    <p:sldId id="307" r:id="rId28"/>
-    <p:sldId id="319" r:id="rId29"/>
-    <p:sldId id="320" r:id="rId30"/>
-    <p:sldId id="321" r:id="rId31"/>
-    <p:sldId id="309" r:id="rId32"/>
-    <p:sldId id="308" r:id="rId33"/>
-    <p:sldId id="293" r:id="rId34"/>
-    <p:sldId id="291" r:id="rId35"/>
-    <p:sldId id="292" r:id="rId36"/>
-    <p:sldId id="294" r:id="rId37"/>
-    <p:sldId id="322" r:id="rId38"/>
+    <p:sldId id="323" r:id="rId5"/>
+    <p:sldId id="267" r:id="rId6"/>
+    <p:sldId id="311" r:id="rId7"/>
+    <p:sldId id="310" r:id="rId8"/>
+    <p:sldId id="313" r:id="rId9"/>
+    <p:sldId id="270" r:id="rId10"/>
+    <p:sldId id="298" r:id="rId11"/>
+    <p:sldId id="278" r:id="rId12"/>
+    <p:sldId id="279" r:id="rId13"/>
+    <p:sldId id="280" r:id="rId14"/>
+    <p:sldId id="316" r:id="rId15"/>
+    <p:sldId id="284" r:id="rId16"/>
+    <p:sldId id="276" r:id="rId17"/>
+    <p:sldId id="286" r:id="rId18"/>
+    <p:sldId id="287" r:id="rId19"/>
+    <p:sldId id="288" r:id="rId20"/>
+    <p:sldId id="289" r:id="rId21"/>
+    <p:sldId id="290" r:id="rId22"/>
+    <p:sldId id="317" r:id="rId23"/>
+    <p:sldId id="314" r:id="rId24"/>
+    <p:sldId id="318" r:id="rId25"/>
+    <p:sldId id="315" r:id="rId26"/>
+    <p:sldId id="300" r:id="rId27"/>
+    <p:sldId id="304" r:id="rId28"/>
+    <p:sldId id="307" r:id="rId29"/>
+    <p:sldId id="319" r:id="rId30"/>
+    <p:sldId id="320" r:id="rId31"/>
+    <p:sldId id="321" r:id="rId32"/>
+    <p:sldId id="309" r:id="rId33"/>
+    <p:sldId id="308" r:id="rId34"/>
+    <p:sldId id="293" r:id="rId35"/>
+    <p:sldId id="291" r:id="rId36"/>
+    <p:sldId id="292" r:id="rId37"/>
+    <p:sldId id="294" r:id="rId38"/>
+    <p:sldId id="322" r:id="rId39"/>
   </p:sldIdLst>
   <p:sldSz cx="12192000" cy="6858000"/>
   <p:notesSz cx="6858000" cy="9144000"/>
@@ -233,7 +234,7 @@
           <a:p>
             <a:fld id="{C5B45307-6ED4-B142-BD64-10F739779302}" type="datetimeFigureOut">
               <a:rPr lang="en-US" smtClean="0"/>
-              <a:t>7/28/23</a:t>
+              <a:t>8/9/23</a:t>
             </a:fld>
             <a:endParaRPr lang="en-US"/>
           </a:p>
@@ -628,7 +629,7 @@
             <a:fld id="{83F4FCF5-D06B-4B02-A485-F60D91AD8E87}" type="slidenum">
               <a:rPr lang="en-US"/>
               <a:pPr/>
-              <a:t>16</a:t>
+              <a:t>17</a:t>
             </a:fld>
             <a:endParaRPr lang="en-US"/>
           </a:p>
@@ -739,7 +740,7 @@
             <a:fld id="{8F023C5C-4532-4BD5-9936-F28A7206018D}" type="slidenum">
               <a:rPr lang="en-US"/>
               <a:pPr/>
-              <a:t>18</a:t>
+              <a:t>19</a:t>
             </a:fld>
             <a:endParaRPr lang="en-US"/>
           </a:p>
@@ -850,7 +851,7 @@
             <a:fld id="{51B7C5CC-8735-47F3-8FD6-DF4356A08766}" type="slidenum">
               <a:rPr lang="en-US"/>
               <a:pPr/>
-              <a:t>20</a:t>
+              <a:t>21</a:t>
             </a:fld>
             <a:endParaRPr lang="en-US"/>
           </a:p>
@@ -961,7 +962,7 @@
             <a:fld id="{51B7C5CC-8735-47F3-8FD6-DF4356A08766}" type="slidenum">
               <a:rPr lang="en-US"/>
               <a:pPr/>
-              <a:t>21</a:t>
+              <a:t>22</a:t>
             </a:fld>
             <a:endParaRPr lang="en-US"/>
           </a:p>
@@ -1072,7 +1073,7 @@
             <a:fld id="{51B7C5CC-8735-47F3-8FD6-DF4356A08766}" type="slidenum">
               <a:rPr lang="en-US"/>
               <a:pPr/>
-              <a:t>23</a:t>
+              <a:t>24</a:t>
             </a:fld>
             <a:endParaRPr lang="en-US"/>
           </a:p>
@@ -1196,7 +1197,7 @@
           <a:noFill/>
           <a:extLst>
             <a:ext uri="{909E8E84-426E-40dd-AFC4-6F175D3DCCD1}">
-              <a14:hiddenFill xmlns:a14="http://schemas.microsoft.com/office/drawing/2010/main" xmlns="">
+              <a14:hiddenFill xmlns="" xmlns:a14="http://schemas.microsoft.com/office/drawing/2010/main">
                 <a:solidFill>
                   <a:srgbClr val="FFFFFF"/>
                 </a:solidFill>
@@ -1255,7 +1256,7 @@
             </a:ln>
             <a:extLst>
               <a:ext uri="{91240B29-F687-4f45-9708-019B960494DF}">
-                <a14:hiddenLine xmlns:a14="http://schemas.microsoft.com/office/drawing/2010/main" xmlns="" w="9525">
+                <a14:hiddenLine xmlns="" xmlns:a14="http://schemas.microsoft.com/office/drawing/2010/main" w="9525">
                   <a:solidFill>
                     <a:srgbClr val="000000"/>
                   </a:solidFill>
@@ -1345,7 +1346,7 @@
             </a:ln>
             <a:extLst>
               <a:ext uri="{91240B29-F687-4f45-9708-019B960494DF}">
-                <a14:hiddenLine xmlns:a14="http://schemas.microsoft.com/office/drawing/2010/main" xmlns="" w="9525">
+                <a14:hiddenLine xmlns="" xmlns:a14="http://schemas.microsoft.com/office/drawing/2010/main" w="9525">
                   <a:solidFill>
                     <a:srgbClr val="000000"/>
                   </a:solidFill>
@@ -1435,7 +1436,7 @@
             </a:ln>
             <a:extLst>
               <a:ext uri="{91240B29-F687-4f45-9708-019B960494DF}">
-                <a14:hiddenLine xmlns:a14="http://schemas.microsoft.com/office/drawing/2010/main" xmlns="" w="9525">
+                <a14:hiddenLine xmlns="" xmlns:a14="http://schemas.microsoft.com/office/drawing/2010/main" w="9525">
                   <a:solidFill>
                     <a:srgbClr val="000000"/>
                   </a:solidFill>
@@ -1469,7 +1470,7 @@
             </a:ln>
             <a:extLst>
               <a:ext uri="{91240B29-F687-4f45-9708-019B960494DF}">
-                <a14:hiddenLine xmlns:a14="http://schemas.microsoft.com/office/drawing/2010/main" xmlns="" w="9525">
+                <a14:hiddenLine xmlns="" xmlns:a14="http://schemas.microsoft.com/office/drawing/2010/main" w="9525">
                   <a:solidFill>
                     <a:srgbClr val="000000"/>
                   </a:solidFill>
@@ -1559,7 +1560,7 @@
             </a:ln>
             <a:extLst>
               <a:ext uri="{91240B29-F687-4f45-9708-019B960494DF}">
-                <a14:hiddenLine xmlns:a14="http://schemas.microsoft.com/office/drawing/2010/main" xmlns="" w="9525">
+                <a14:hiddenLine xmlns="" xmlns:a14="http://schemas.microsoft.com/office/drawing/2010/main" w="9525">
                   <a:solidFill>
                     <a:srgbClr val="000000"/>
                   </a:solidFill>
@@ -1621,7 +1622,7 @@
             </a:ln>
             <a:extLst>
               <a:ext uri="{91240B29-F687-4f45-9708-019B960494DF}">
-                <a14:hiddenLine xmlns:a14="http://schemas.microsoft.com/office/drawing/2010/main" xmlns="" w="9525">
+                <a14:hiddenLine xmlns="" xmlns:a14="http://schemas.microsoft.com/office/drawing/2010/main" w="9525">
                   <a:solidFill>
                     <a:srgbClr val="000000"/>
                   </a:solidFill>
@@ -1683,7 +1684,7 @@
             </a:ln>
             <a:extLst>
               <a:ext uri="{91240B29-F687-4f45-9708-019B960494DF}">
-                <a14:hiddenLine xmlns:a14="http://schemas.microsoft.com/office/drawing/2010/main" xmlns="" w="9525">
+                <a14:hiddenLine xmlns="" xmlns:a14="http://schemas.microsoft.com/office/drawing/2010/main" w="9525">
                   <a:solidFill>
                     <a:srgbClr val="000000"/>
                   </a:solidFill>
@@ -1773,7 +1774,7 @@
             </a:ln>
             <a:extLst>
               <a:ext uri="{91240B29-F687-4f45-9708-019B960494DF}">
-                <a14:hiddenLine xmlns:a14="http://schemas.microsoft.com/office/drawing/2010/main" xmlns="" w="9525">
+                <a14:hiddenLine xmlns="" xmlns:a14="http://schemas.microsoft.com/office/drawing/2010/main" w="9525">
                   <a:solidFill>
                     <a:srgbClr val="000000"/>
                   </a:solidFill>
@@ -1835,7 +1836,7 @@
             </a:ln>
             <a:extLst>
               <a:ext uri="{91240B29-F687-4f45-9708-019B960494DF}">
-                <a14:hiddenLine xmlns:a14="http://schemas.microsoft.com/office/drawing/2010/main" xmlns="" w="9525">
+                <a14:hiddenLine xmlns="" xmlns:a14="http://schemas.microsoft.com/office/drawing/2010/main" w="9525">
                   <a:solidFill>
                     <a:srgbClr val="000000"/>
                   </a:solidFill>
@@ -1897,7 +1898,7 @@
             </a:ln>
             <a:extLst>
               <a:ext uri="{91240B29-F687-4f45-9708-019B960494DF}">
-                <a14:hiddenLine xmlns:a14="http://schemas.microsoft.com/office/drawing/2010/main" xmlns="" w="9525">
+                <a14:hiddenLine xmlns="" xmlns:a14="http://schemas.microsoft.com/office/drawing/2010/main" w="9525">
                   <a:solidFill>
                     <a:srgbClr val="000000"/>
                   </a:solidFill>
@@ -1987,7 +1988,7 @@
             </a:ln>
             <a:extLst>
               <a:ext uri="{91240B29-F687-4f45-9708-019B960494DF}">
-                <a14:hiddenLine xmlns:a14="http://schemas.microsoft.com/office/drawing/2010/main" xmlns="" w="9525">
+                <a14:hiddenLine xmlns="" xmlns:a14="http://schemas.microsoft.com/office/drawing/2010/main" w="9525">
                   <a:solidFill>
                     <a:srgbClr val="000000"/>
                   </a:solidFill>
@@ -2077,7 +2078,7 @@
             </a:ln>
             <a:extLst>
               <a:ext uri="{91240B29-F687-4f45-9708-019B960494DF}">
-                <a14:hiddenLine xmlns:a14="http://schemas.microsoft.com/office/drawing/2010/main" xmlns="" w="9525">
+                <a14:hiddenLine xmlns="" xmlns:a14="http://schemas.microsoft.com/office/drawing/2010/main" w="9525">
                   <a:solidFill>
                     <a:srgbClr val="000000"/>
                   </a:solidFill>
@@ -2139,7 +2140,7 @@
             </a:ln>
             <a:extLst>
               <a:ext uri="{91240B29-F687-4f45-9708-019B960494DF}">
-                <a14:hiddenLine xmlns:a14="http://schemas.microsoft.com/office/drawing/2010/main" xmlns="" w="9525">
+                <a14:hiddenLine xmlns="" xmlns:a14="http://schemas.microsoft.com/office/drawing/2010/main" w="9525">
                   <a:solidFill>
                     <a:srgbClr val="000000"/>
                   </a:solidFill>
@@ -2249,7 +2250,7 @@
             </a:ln>
             <a:extLst>
               <a:ext uri="{91240B29-F687-4f45-9708-019B960494DF}">
-                <a14:hiddenLine xmlns:a14="http://schemas.microsoft.com/office/drawing/2010/main" xmlns="" w="9525">
+                <a14:hiddenLine xmlns="" xmlns:a14="http://schemas.microsoft.com/office/drawing/2010/main" w="9525">
                   <a:solidFill>
                     <a:srgbClr val="000000"/>
                   </a:solidFill>
@@ -2311,7 +2312,7 @@
             </a:ln>
             <a:extLst>
               <a:ext uri="{91240B29-F687-4f45-9708-019B960494DF}">
-                <a14:hiddenLine xmlns:a14="http://schemas.microsoft.com/office/drawing/2010/main" xmlns="" w="9525">
+                <a14:hiddenLine xmlns="" xmlns:a14="http://schemas.microsoft.com/office/drawing/2010/main" w="9525">
                   <a:solidFill>
                     <a:srgbClr val="000000"/>
                   </a:solidFill>
@@ -2401,7 +2402,7 @@
             </a:ln>
             <a:extLst>
               <a:ext uri="{91240B29-F687-4f45-9708-019B960494DF}">
-                <a14:hiddenLine xmlns:a14="http://schemas.microsoft.com/office/drawing/2010/main" xmlns="" w="9525">
+                <a14:hiddenLine xmlns="" xmlns:a14="http://schemas.microsoft.com/office/drawing/2010/main" w="9525">
                   <a:solidFill>
                     <a:srgbClr val="000000"/>
                   </a:solidFill>
@@ -2491,7 +2492,7 @@
             </a:ln>
             <a:extLst>
               <a:ext uri="{91240B29-F687-4f45-9708-019B960494DF}">
-                <a14:hiddenLine xmlns:a14="http://schemas.microsoft.com/office/drawing/2010/main" xmlns="" w="9525">
+                <a14:hiddenLine xmlns="" xmlns:a14="http://schemas.microsoft.com/office/drawing/2010/main" w="9525">
                   <a:solidFill>
                     <a:srgbClr val="000000"/>
                   </a:solidFill>
@@ -2553,7 +2554,7 @@
             </a:ln>
             <a:extLst>
               <a:ext uri="{91240B29-F687-4f45-9708-019B960494DF}">
-                <a14:hiddenLine xmlns:a14="http://schemas.microsoft.com/office/drawing/2010/main" xmlns="" w="9525">
+                <a14:hiddenLine xmlns="" xmlns:a14="http://schemas.microsoft.com/office/drawing/2010/main" w="9525">
                   <a:solidFill>
                     <a:srgbClr val="000000"/>
                   </a:solidFill>
@@ -2643,7 +2644,7 @@
             </a:ln>
             <a:extLst>
               <a:ext uri="{91240B29-F687-4f45-9708-019B960494DF}">
-                <a14:hiddenLine xmlns:a14="http://schemas.microsoft.com/office/drawing/2010/main" xmlns="" w="9525">
+                <a14:hiddenLine xmlns="" xmlns:a14="http://schemas.microsoft.com/office/drawing/2010/main" w="9525">
                   <a:solidFill>
                     <a:srgbClr val="000000"/>
                   </a:solidFill>
@@ -2733,7 +2734,7 @@
             </a:ln>
             <a:extLst>
               <a:ext uri="{91240B29-F687-4f45-9708-019B960494DF}">
-                <a14:hiddenLine xmlns:a14="http://schemas.microsoft.com/office/drawing/2010/main" xmlns="" w="9525">
+                <a14:hiddenLine xmlns="" xmlns:a14="http://schemas.microsoft.com/office/drawing/2010/main" w="9525">
                   <a:solidFill>
                     <a:srgbClr val="000000"/>
                   </a:solidFill>
@@ -2789,7 +2790,7 @@
             </a:ln>
             <a:extLst>
               <a:ext uri="{91240B29-F687-4f45-9708-019B960494DF}">
-                <a14:hiddenLine xmlns:a14="http://schemas.microsoft.com/office/drawing/2010/main" xmlns="" w="9525">
+                <a14:hiddenLine xmlns="" xmlns:a14="http://schemas.microsoft.com/office/drawing/2010/main" w="9525">
                   <a:solidFill>
                     <a:srgbClr val="000000"/>
                   </a:solidFill>
@@ -2879,7 +2880,7 @@
             </a:ln>
             <a:extLst>
               <a:ext uri="{91240B29-F687-4f45-9708-019B960494DF}">
-                <a14:hiddenLine xmlns:a14="http://schemas.microsoft.com/office/drawing/2010/main" xmlns="" w="9525">
+                <a14:hiddenLine xmlns="" xmlns:a14="http://schemas.microsoft.com/office/drawing/2010/main" w="9525">
                   <a:solidFill>
                     <a:srgbClr val="000000"/>
                   </a:solidFill>
@@ -2935,7 +2936,7 @@
             </a:ln>
             <a:extLst>
               <a:ext uri="{91240B29-F687-4f45-9708-019B960494DF}">
-                <a14:hiddenLine xmlns:a14="http://schemas.microsoft.com/office/drawing/2010/main" xmlns="" w="9525">
+                <a14:hiddenLine xmlns="" xmlns:a14="http://schemas.microsoft.com/office/drawing/2010/main" w="9525">
                   <a:solidFill>
                     <a:srgbClr val="000000"/>
                   </a:solidFill>
@@ -3025,7 +3026,7 @@
             </a:ln>
             <a:extLst>
               <a:ext uri="{91240B29-F687-4f45-9708-019B960494DF}">
-                <a14:hiddenLine xmlns:a14="http://schemas.microsoft.com/office/drawing/2010/main" xmlns="" w="9525">
+                <a14:hiddenLine xmlns="" xmlns:a14="http://schemas.microsoft.com/office/drawing/2010/main" w="9525">
                   <a:solidFill>
                     <a:srgbClr val="000000"/>
                   </a:solidFill>
@@ -3093,7 +3094,7 @@
             </a:ln>
             <a:extLst>
               <a:ext uri="{91240B29-F687-4f45-9708-019B960494DF}">
-                <a14:hiddenLine xmlns:a14="http://schemas.microsoft.com/office/drawing/2010/main" xmlns="" w="9525">
+                <a14:hiddenLine xmlns="" xmlns:a14="http://schemas.microsoft.com/office/drawing/2010/main" w="9525">
                   <a:solidFill>
                     <a:srgbClr val="000000"/>
                   </a:solidFill>
@@ -3183,7 +3184,7 @@
             </a:ln>
             <a:extLst>
               <a:ext uri="{91240B29-F687-4f45-9708-019B960494DF}">
-                <a14:hiddenLine xmlns:a14="http://schemas.microsoft.com/office/drawing/2010/main" xmlns="" w="9525">
+                <a14:hiddenLine xmlns="" xmlns:a14="http://schemas.microsoft.com/office/drawing/2010/main" w="9525">
                   <a:solidFill>
                     <a:srgbClr val="000000"/>
                   </a:solidFill>
@@ -3251,7 +3252,7 @@
             </a:ln>
             <a:extLst>
               <a:ext uri="{91240B29-F687-4f45-9708-019B960494DF}">
-                <a14:hiddenLine xmlns:a14="http://schemas.microsoft.com/office/drawing/2010/main" xmlns="" w="9525">
+                <a14:hiddenLine xmlns="" xmlns:a14="http://schemas.microsoft.com/office/drawing/2010/main" w="9525">
                   <a:solidFill>
                     <a:srgbClr val="000000"/>
                   </a:solidFill>
@@ -3341,7 +3342,7 @@
             </a:ln>
             <a:extLst>
               <a:ext uri="{91240B29-F687-4f45-9708-019B960494DF}">
-                <a14:hiddenLine xmlns:a14="http://schemas.microsoft.com/office/drawing/2010/main" xmlns="" w="9525">
+                <a14:hiddenLine xmlns="" xmlns:a14="http://schemas.microsoft.com/office/drawing/2010/main" w="9525">
                   <a:solidFill>
                     <a:srgbClr val="000000"/>
                   </a:solidFill>
@@ -3375,7 +3376,7 @@
             </a:ln>
             <a:extLst>
               <a:ext uri="{91240B29-F687-4f45-9708-019B960494DF}">
-                <a14:hiddenLine xmlns:a14="http://schemas.microsoft.com/office/drawing/2010/main" xmlns="" w="9525">
+                <a14:hiddenLine xmlns="" xmlns:a14="http://schemas.microsoft.com/office/drawing/2010/main" w="9525">
                   <a:solidFill>
                     <a:srgbClr val="000000"/>
                   </a:solidFill>
@@ -3465,7 +3466,7 @@
             </a:ln>
             <a:extLst>
               <a:ext uri="{91240B29-F687-4f45-9708-019B960494DF}">
-                <a14:hiddenLine xmlns:a14="http://schemas.microsoft.com/office/drawing/2010/main" xmlns="" w="9525">
+                <a14:hiddenLine xmlns="" xmlns:a14="http://schemas.microsoft.com/office/drawing/2010/main" w="9525">
                   <a:solidFill>
                     <a:srgbClr val="000000"/>
                   </a:solidFill>
@@ -3527,7 +3528,7 @@
             </a:ln>
             <a:extLst>
               <a:ext uri="{91240B29-F687-4f45-9708-019B960494DF}">
-                <a14:hiddenLine xmlns:a14="http://schemas.microsoft.com/office/drawing/2010/main" xmlns="" w="9525">
+                <a14:hiddenLine xmlns="" xmlns:a14="http://schemas.microsoft.com/office/drawing/2010/main" w="9525">
                   <a:solidFill>
                     <a:srgbClr val="000000"/>
                   </a:solidFill>
@@ -3589,7 +3590,7 @@
             </a:ln>
             <a:extLst>
               <a:ext uri="{91240B29-F687-4f45-9708-019B960494DF}">
-                <a14:hiddenLine xmlns:a14="http://schemas.microsoft.com/office/drawing/2010/main" xmlns="" w="9525">
+                <a14:hiddenLine xmlns="" xmlns:a14="http://schemas.microsoft.com/office/drawing/2010/main" w="9525">
                   <a:solidFill>
                     <a:srgbClr val="000000"/>
                   </a:solidFill>
@@ -3679,7 +3680,7 @@
             </a:ln>
             <a:extLst>
               <a:ext uri="{91240B29-F687-4f45-9708-019B960494DF}">
-                <a14:hiddenLine xmlns:a14="http://schemas.microsoft.com/office/drawing/2010/main" xmlns="" w="9525">
+                <a14:hiddenLine xmlns="" xmlns:a14="http://schemas.microsoft.com/office/drawing/2010/main" w="9525">
                   <a:solidFill>
                     <a:srgbClr val="000000"/>
                   </a:solidFill>
@@ -3747,7 +3748,7 @@
             </a:ln>
             <a:extLst>
               <a:ext uri="{91240B29-F687-4f45-9708-019B960494DF}">
-                <a14:hiddenLine xmlns:a14="http://schemas.microsoft.com/office/drawing/2010/main" xmlns="" w="9525">
+                <a14:hiddenLine xmlns="" xmlns:a14="http://schemas.microsoft.com/office/drawing/2010/main" w="9525">
                   <a:solidFill>
                     <a:srgbClr val="000000"/>
                   </a:solidFill>
@@ -3809,7 +3810,7 @@
             </a:ln>
             <a:extLst>
               <a:ext uri="{91240B29-F687-4f45-9708-019B960494DF}">
-                <a14:hiddenLine xmlns:a14="http://schemas.microsoft.com/office/drawing/2010/main" xmlns="" w="9525">
+                <a14:hiddenLine xmlns="" xmlns:a14="http://schemas.microsoft.com/office/drawing/2010/main" w="9525">
                   <a:solidFill>
                     <a:srgbClr val="000000"/>
                   </a:solidFill>
@@ -3899,7 +3900,7 @@
             </a:ln>
             <a:extLst>
               <a:ext uri="{91240B29-F687-4f45-9708-019B960494DF}">
-                <a14:hiddenLine xmlns:a14="http://schemas.microsoft.com/office/drawing/2010/main" xmlns="" w="9525">
+                <a14:hiddenLine xmlns="" xmlns:a14="http://schemas.microsoft.com/office/drawing/2010/main" w="9525">
                   <a:solidFill>
                     <a:srgbClr val="000000"/>
                   </a:solidFill>
@@ -3961,7 +3962,7 @@
             </a:ln>
             <a:extLst>
               <a:ext uri="{91240B29-F687-4f45-9708-019B960494DF}">
-                <a14:hiddenLine xmlns:a14="http://schemas.microsoft.com/office/drawing/2010/main" xmlns="" w="9525">
+                <a14:hiddenLine xmlns="" xmlns:a14="http://schemas.microsoft.com/office/drawing/2010/main" w="9525">
                   <a:solidFill>
                     <a:srgbClr val="000000"/>
                   </a:solidFill>
@@ -4051,7 +4052,7 @@
             </a:ln>
             <a:extLst>
               <a:ext uri="{91240B29-F687-4f45-9708-019B960494DF}">
-                <a14:hiddenLine xmlns:a14="http://schemas.microsoft.com/office/drawing/2010/main" xmlns="" w="9525">
+                <a14:hiddenLine xmlns="" xmlns:a14="http://schemas.microsoft.com/office/drawing/2010/main" w="9525">
                   <a:solidFill>
                     <a:srgbClr val="000000"/>
                   </a:solidFill>
@@ -4113,7 +4114,7 @@
             </a:ln>
             <a:extLst>
               <a:ext uri="{91240B29-F687-4f45-9708-019B960494DF}">
-                <a14:hiddenLine xmlns:a14="http://schemas.microsoft.com/office/drawing/2010/main" xmlns="" w="9525">
+                <a14:hiddenLine xmlns="" xmlns:a14="http://schemas.microsoft.com/office/drawing/2010/main" w="9525">
                   <a:solidFill>
                     <a:srgbClr val="000000"/>
                   </a:solidFill>
@@ -4203,7 +4204,7 @@
             </a:ln>
             <a:extLst>
               <a:ext uri="{91240B29-F687-4f45-9708-019B960494DF}">
-                <a14:hiddenLine xmlns:a14="http://schemas.microsoft.com/office/drawing/2010/main" xmlns="" w="9525">
+                <a14:hiddenLine xmlns="" xmlns:a14="http://schemas.microsoft.com/office/drawing/2010/main" w="9525">
                   <a:solidFill>
                     <a:srgbClr val="000000"/>
                   </a:solidFill>
@@ -4237,7 +4238,7 @@
             </a:ln>
             <a:extLst>
               <a:ext uri="{91240B29-F687-4f45-9708-019B960494DF}">
-                <a14:hiddenLine xmlns:a14="http://schemas.microsoft.com/office/drawing/2010/main" xmlns="" w="9525">
+                <a14:hiddenLine xmlns="" xmlns:a14="http://schemas.microsoft.com/office/drawing/2010/main" w="9525">
                   <a:solidFill>
                     <a:srgbClr val="000000"/>
                   </a:solidFill>
@@ -4302,7 +4303,7 @@
             </a:ln>
             <a:extLst>
               <a:ext uri="{91240B29-F687-4f45-9708-019B960494DF}">
-                <a14:hiddenLine xmlns:a14="http://schemas.microsoft.com/office/drawing/2010/main" xmlns="" w="9525">
+                <a14:hiddenLine xmlns="" xmlns:a14="http://schemas.microsoft.com/office/drawing/2010/main" w="9525">
                   <a:solidFill>
                     <a:srgbClr val="000000"/>
                   </a:solidFill>
@@ -4392,7 +4393,7 @@
             </a:ln>
             <a:extLst>
               <a:ext uri="{91240B29-F687-4f45-9708-019B960494DF}">
-                <a14:hiddenLine xmlns:a14="http://schemas.microsoft.com/office/drawing/2010/main" xmlns="" w="9525">
+                <a14:hiddenLine xmlns="" xmlns:a14="http://schemas.microsoft.com/office/drawing/2010/main" w="9525">
                   <a:solidFill>
                     <a:srgbClr val="000000"/>
                   </a:solidFill>
@@ -4454,7 +4455,7 @@
             </a:ln>
             <a:extLst>
               <a:ext uri="{91240B29-F687-4f45-9708-019B960494DF}">
-                <a14:hiddenLine xmlns:a14="http://schemas.microsoft.com/office/drawing/2010/main" xmlns="" w="9525">
+                <a14:hiddenLine xmlns="" xmlns:a14="http://schemas.microsoft.com/office/drawing/2010/main" w="9525">
                   <a:solidFill>
                     <a:srgbClr val="000000"/>
                   </a:solidFill>
@@ -4544,7 +4545,7 @@
             </a:ln>
             <a:extLst>
               <a:ext uri="{91240B29-F687-4f45-9708-019B960494DF}">
-                <a14:hiddenLine xmlns:a14="http://schemas.microsoft.com/office/drawing/2010/main" xmlns="" w="9525">
+                <a14:hiddenLine xmlns="" xmlns:a14="http://schemas.microsoft.com/office/drawing/2010/main" w="9525">
                   <a:solidFill>
                     <a:srgbClr val="000000"/>
                   </a:solidFill>
@@ -4634,7 +4635,7 @@
             </a:ln>
             <a:extLst>
               <a:ext uri="{91240B29-F687-4f45-9708-019B960494DF}">
-                <a14:hiddenLine xmlns:a14="http://schemas.microsoft.com/office/drawing/2010/main" xmlns="" w="9525">
+                <a14:hiddenLine xmlns="" xmlns:a14="http://schemas.microsoft.com/office/drawing/2010/main" w="9525">
                   <a:solidFill>
                     <a:srgbClr val="000000"/>
                   </a:solidFill>
@@ -4699,7 +4700,7 @@
             </a:ln>
             <a:extLst>
               <a:ext uri="{91240B29-F687-4f45-9708-019B960494DF}">
-                <a14:hiddenLine xmlns:a14="http://schemas.microsoft.com/office/drawing/2010/main" xmlns="" w="9525">
+                <a14:hiddenLine xmlns="" xmlns:a14="http://schemas.microsoft.com/office/drawing/2010/main" w="9525">
                   <a:solidFill>
                     <a:srgbClr val="000000"/>
                   </a:solidFill>
@@ -4761,7 +4762,7 @@
             </a:ln>
             <a:extLst>
               <a:ext uri="{91240B29-F687-4f45-9708-019B960494DF}">
-                <a14:hiddenLine xmlns:a14="http://schemas.microsoft.com/office/drawing/2010/main" xmlns="" w="9525">
+                <a14:hiddenLine xmlns="" xmlns:a14="http://schemas.microsoft.com/office/drawing/2010/main" w="9525">
                   <a:solidFill>
                     <a:srgbClr val="000000"/>
                   </a:solidFill>
@@ -4851,7 +4852,7 @@
             </a:ln>
             <a:extLst>
               <a:ext uri="{91240B29-F687-4f45-9708-019B960494DF}">
-                <a14:hiddenLine xmlns:a14="http://schemas.microsoft.com/office/drawing/2010/main" xmlns="" w="9525">
+                <a14:hiddenLine xmlns="" xmlns:a14="http://schemas.microsoft.com/office/drawing/2010/main" w="9525">
                   <a:solidFill>
                     <a:srgbClr val="000000"/>
                   </a:solidFill>
@@ -4941,7 +4942,7 @@
             </a:ln>
             <a:extLst>
               <a:ext uri="{91240B29-F687-4f45-9708-019B960494DF}">
-                <a14:hiddenLine xmlns:a14="http://schemas.microsoft.com/office/drawing/2010/main" xmlns="" w="9525">
+                <a14:hiddenLine xmlns="" xmlns:a14="http://schemas.microsoft.com/office/drawing/2010/main" w="9525">
                   <a:solidFill>
                     <a:srgbClr val="000000"/>
                   </a:solidFill>
@@ -5003,7 +5004,7 @@
             </a:ln>
             <a:extLst>
               <a:ext uri="{91240B29-F687-4f45-9708-019B960494DF}">
-                <a14:hiddenLine xmlns:a14="http://schemas.microsoft.com/office/drawing/2010/main" xmlns="" w="9525">
+                <a14:hiddenLine xmlns="" xmlns:a14="http://schemas.microsoft.com/office/drawing/2010/main" w="9525">
                   <a:solidFill>
                     <a:srgbClr val="000000"/>
                   </a:solidFill>
@@ -5123,7 +5124,7 @@
             </a:ln>
             <a:extLst>
               <a:ext uri="{91240B29-F687-4f45-9708-019B960494DF}">
-                <a14:hiddenLine xmlns:a14="http://schemas.microsoft.com/office/drawing/2010/main" xmlns="" w="9525">
+                <a14:hiddenLine xmlns="" xmlns:a14="http://schemas.microsoft.com/office/drawing/2010/main" w="9525">
                   <a:solidFill>
                     <a:srgbClr val="000000"/>
                   </a:solidFill>
@@ -5191,7 +5192,7 @@
             </a:ln>
             <a:extLst>
               <a:ext uri="{91240B29-F687-4f45-9708-019B960494DF}">
-                <a14:hiddenLine xmlns:a14="http://schemas.microsoft.com/office/drawing/2010/main" xmlns="" w="9525">
+                <a14:hiddenLine xmlns="" xmlns:a14="http://schemas.microsoft.com/office/drawing/2010/main" w="9525">
                   <a:solidFill>
                     <a:srgbClr val="000000"/>
                   </a:solidFill>
@@ -5281,7 +5282,7 @@
             </a:ln>
             <a:extLst>
               <a:ext uri="{91240B29-F687-4f45-9708-019B960494DF}">
-                <a14:hiddenLine xmlns:a14="http://schemas.microsoft.com/office/drawing/2010/main" xmlns="" w="9525">
+                <a14:hiddenLine xmlns="" xmlns:a14="http://schemas.microsoft.com/office/drawing/2010/main" w="9525">
                   <a:solidFill>
                     <a:srgbClr val="000000"/>
                   </a:solidFill>
@@ -5421,7 +5422,7 @@
           <a:p>
             <a:fld id="{EC4347D3-4C9A-C240-8F14-750059DFEEB0}" type="datetimeFigureOut">
               <a:rPr lang="en-US" smtClean="0"/>
-              <a:t>7/28/23</a:t>
+              <a:t>8/9/23</a:t>
             </a:fld>
             <a:endParaRPr lang="en-US"/>
           </a:p>
@@ -5688,7 +5689,7 @@
           <a:p>
             <a:fld id="{EC4347D3-4C9A-C240-8F14-750059DFEEB0}" type="datetimeFigureOut">
               <a:rPr lang="en-US" smtClean="0"/>
-              <a:t>7/28/23</a:t>
+              <a:t>8/9/23</a:t>
             </a:fld>
             <a:endParaRPr lang="en-US"/>
           </a:p>
@@ -5884,7 +5885,7 @@
           <a:p>
             <a:fld id="{EC4347D3-4C9A-C240-8F14-750059DFEEB0}" type="datetimeFigureOut">
               <a:rPr lang="en-US" smtClean="0"/>
-              <a:t>7/28/23</a:t>
+              <a:t>8/9/23</a:t>
             </a:fld>
             <a:endParaRPr lang="en-US"/>
           </a:p>
@@ -6147,7 +6148,7 @@
           <a:p>
             <a:fld id="{EC4347D3-4C9A-C240-8F14-750059DFEEB0}" type="datetimeFigureOut">
               <a:rPr lang="en-US" smtClean="0"/>
-              <a:t>7/28/23</a:t>
+              <a:t>8/9/23</a:t>
             </a:fld>
             <a:endParaRPr lang="en-US"/>
           </a:p>
@@ -6581,7 +6582,7 @@
           <a:p>
             <a:fld id="{EC4347D3-4C9A-C240-8F14-750059DFEEB0}" type="datetimeFigureOut">
               <a:rPr lang="en-US" smtClean="0"/>
-              <a:t>7/28/23</a:t>
+              <a:t>8/9/23</a:t>
             </a:fld>
             <a:endParaRPr lang="en-US"/>
           </a:p>
@@ -7127,7 +7128,7 @@
           <a:p>
             <a:fld id="{EC4347D3-4C9A-C240-8F14-750059DFEEB0}" type="datetimeFigureOut">
               <a:rPr lang="en-US" smtClean="0"/>
-              <a:t>7/28/23</a:t>
+              <a:t>8/9/23</a:t>
             </a:fld>
             <a:endParaRPr lang="en-US"/>
           </a:p>
@@ -7847,7 +7848,7 @@
           <a:p>
             <a:fld id="{EC4347D3-4C9A-C240-8F14-750059DFEEB0}" type="datetimeFigureOut">
               <a:rPr lang="en-US" smtClean="0"/>
-              <a:t>7/28/23</a:t>
+              <a:t>8/9/23</a:t>
             </a:fld>
             <a:endParaRPr lang="en-US"/>
           </a:p>
@@ -8017,7 +8018,7 @@
           <a:p>
             <a:fld id="{EC4347D3-4C9A-C240-8F14-750059DFEEB0}" type="datetimeFigureOut">
               <a:rPr lang="en-US" smtClean="0"/>
-              <a:t>7/28/23</a:t>
+              <a:t>8/9/23</a:t>
             </a:fld>
             <a:endParaRPr lang="en-US"/>
           </a:p>
@@ -8197,7 +8198,7 @@
           <a:p>
             <a:fld id="{EC4347D3-4C9A-C240-8F14-750059DFEEB0}" type="datetimeFigureOut">
               <a:rPr lang="en-US" smtClean="0"/>
-              <a:t>7/28/23</a:t>
+              <a:t>8/9/23</a:t>
             </a:fld>
             <a:endParaRPr lang="en-US"/>
           </a:p>
@@ -8367,7 +8368,7 @@
           <a:p>
             <a:fld id="{EC4347D3-4C9A-C240-8F14-750059DFEEB0}" type="datetimeFigureOut">
               <a:rPr lang="en-US" smtClean="0"/>
-              <a:t>7/28/23</a:t>
+              <a:t>8/9/23</a:t>
             </a:fld>
             <a:endParaRPr lang="en-US"/>
           </a:p>
@@ -8617,7 +8618,7 @@
           <a:p>
             <a:fld id="{EC4347D3-4C9A-C240-8F14-750059DFEEB0}" type="datetimeFigureOut">
               <a:rPr lang="en-US" smtClean="0"/>
-              <a:t>7/28/23</a:t>
+              <a:t>8/9/23</a:t>
             </a:fld>
             <a:endParaRPr lang="en-US"/>
           </a:p>
@@ -8849,7 +8850,7 @@
           <a:p>
             <a:fld id="{EC4347D3-4C9A-C240-8F14-750059DFEEB0}" type="datetimeFigureOut">
               <a:rPr lang="en-US" smtClean="0"/>
-              <a:t>7/28/23</a:t>
+              <a:t>8/9/23</a:t>
             </a:fld>
             <a:endParaRPr lang="en-US"/>
           </a:p>
@@ -9235,7 +9236,7 @@
           <a:p>
             <a:fld id="{EC4347D3-4C9A-C240-8F14-750059DFEEB0}" type="datetimeFigureOut">
               <a:rPr lang="en-US" smtClean="0"/>
-              <a:t>7/28/23</a:t>
+              <a:t>8/9/23</a:t>
             </a:fld>
             <a:endParaRPr lang="en-US"/>
           </a:p>
@@ -9358,7 +9359,7 @@
           <a:p>
             <a:fld id="{EC4347D3-4C9A-C240-8F14-750059DFEEB0}" type="datetimeFigureOut">
               <a:rPr lang="en-US" smtClean="0"/>
-              <a:t>7/28/23</a:t>
+              <a:t>8/9/23</a:t>
             </a:fld>
             <a:endParaRPr lang="en-US"/>
           </a:p>
@@ -9453,7 +9454,7 @@
           <a:p>
             <a:fld id="{EC4347D3-4C9A-C240-8F14-750059DFEEB0}" type="datetimeFigureOut">
               <a:rPr lang="en-US" smtClean="0"/>
-              <a:t>7/28/23</a:t>
+              <a:t>8/9/23</a:t>
             </a:fld>
             <a:endParaRPr lang="en-US"/>
           </a:p>
@@ -9702,7 +9703,7 @@
           <a:p>
             <a:fld id="{EC4347D3-4C9A-C240-8F14-750059DFEEB0}" type="datetimeFigureOut">
               <a:rPr lang="en-US" smtClean="0"/>
-              <a:t>7/28/23</a:t>
+              <a:t>8/9/23</a:t>
             </a:fld>
             <a:endParaRPr lang="en-US"/>
           </a:p>
@@ -9987,7 +9988,7 @@
           <a:p>
             <a:fld id="{EC4347D3-4C9A-C240-8F14-750059DFEEB0}" type="datetimeFigureOut">
               <a:rPr lang="en-US" smtClean="0"/>
-              <a:t>7/28/23</a:t>
+              <a:t>8/9/23</a:t>
             </a:fld>
             <a:endParaRPr lang="en-US"/>
           </a:p>
@@ -10110,7 +10111,7 @@
           <a:noFill/>
           <a:extLst>
             <a:ext uri="{909E8E84-426E-40dd-AFC4-6F175D3DCCD1}">
-              <a14:hiddenFill xmlns:a14="http://schemas.microsoft.com/office/drawing/2010/main" xmlns="">
+              <a14:hiddenFill xmlns="" xmlns:a14="http://schemas.microsoft.com/office/drawing/2010/main">
                 <a:solidFill>
                   <a:srgbClr val="FFFFFF"/>
                 </a:solidFill>
@@ -10184,7 +10185,7 @@
               </a:ln>
               <a:extLst>
                 <a:ext uri="{91240B29-F687-4f45-9708-019B960494DF}">
-                  <a14:hiddenLine xmlns:a14="http://schemas.microsoft.com/office/drawing/2010/main" xmlns="" w="9525">
+                  <a14:hiddenLine xmlns="" xmlns:a14="http://schemas.microsoft.com/office/drawing/2010/main" w="9525">
                     <a:solidFill>
                       <a:srgbClr val="000000"/>
                     </a:solidFill>
@@ -10274,7 +10275,7 @@
               </a:ln>
               <a:extLst>
                 <a:ext uri="{91240B29-F687-4f45-9708-019B960494DF}">
-                  <a14:hiddenLine xmlns:a14="http://schemas.microsoft.com/office/drawing/2010/main" xmlns="" w="9525">
+                  <a14:hiddenLine xmlns="" xmlns:a14="http://schemas.microsoft.com/office/drawing/2010/main" w="9525">
                     <a:solidFill>
                       <a:srgbClr val="000000"/>
                     </a:solidFill>
@@ -10364,7 +10365,7 @@
               </a:ln>
               <a:extLst>
                 <a:ext uri="{91240B29-F687-4f45-9708-019B960494DF}">
-                  <a14:hiddenLine xmlns:a14="http://schemas.microsoft.com/office/drawing/2010/main" xmlns="" w="9525">
+                  <a14:hiddenLine xmlns="" xmlns:a14="http://schemas.microsoft.com/office/drawing/2010/main" w="9525">
                     <a:solidFill>
                       <a:srgbClr val="000000"/>
                     </a:solidFill>
@@ -10426,7 +10427,7 @@
               </a:ln>
               <a:extLst>
                 <a:ext uri="{91240B29-F687-4f45-9708-019B960494DF}">
-                  <a14:hiddenLine xmlns:a14="http://schemas.microsoft.com/office/drawing/2010/main" xmlns="" w="9525">
+                  <a14:hiddenLine xmlns="" xmlns:a14="http://schemas.microsoft.com/office/drawing/2010/main" w="9525">
                     <a:solidFill>
                       <a:srgbClr val="000000"/>
                     </a:solidFill>
@@ -10516,7 +10517,7 @@
               </a:ln>
               <a:extLst>
                 <a:ext uri="{91240B29-F687-4f45-9708-019B960494DF}">
-                  <a14:hiddenLine xmlns:a14="http://schemas.microsoft.com/office/drawing/2010/main" xmlns="" w="9525">
+                  <a14:hiddenLine xmlns="" xmlns:a14="http://schemas.microsoft.com/office/drawing/2010/main" w="9525">
                     <a:solidFill>
                       <a:srgbClr val="000000"/>
                     </a:solidFill>
@@ -10578,7 +10579,7 @@
               </a:ln>
               <a:extLst>
                 <a:ext uri="{91240B29-F687-4f45-9708-019B960494DF}">
-                  <a14:hiddenLine xmlns:a14="http://schemas.microsoft.com/office/drawing/2010/main" xmlns="" w="9525">
+                  <a14:hiddenLine xmlns="" xmlns:a14="http://schemas.microsoft.com/office/drawing/2010/main" w="9525">
                     <a:solidFill>
                       <a:srgbClr val="000000"/>
                     </a:solidFill>
@@ -10640,7 +10641,7 @@
               </a:ln>
               <a:extLst>
                 <a:ext uri="{91240B29-F687-4f45-9708-019B960494DF}">
-                  <a14:hiddenLine xmlns:a14="http://schemas.microsoft.com/office/drawing/2010/main" xmlns="" w="9525">
+                  <a14:hiddenLine xmlns="" xmlns:a14="http://schemas.microsoft.com/office/drawing/2010/main" w="9525">
                     <a:solidFill>
                       <a:srgbClr val="000000"/>
                     </a:solidFill>
@@ -10730,7 +10731,7 @@
               </a:ln>
               <a:extLst>
                 <a:ext uri="{91240B29-F687-4f45-9708-019B960494DF}">
-                  <a14:hiddenLine xmlns:a14="http://schemas.microsoft.com/office/drawing/2010/main" xmlns="" w="9525">
+                  <a14:hiddenLine xmlns="" xmlns:a14="http://schemas.microsoft.com/office/drawing/2010/main" w="9525">
                     <a:solidFill>
                       <a:srgbClr val="000000"/>
                     </a:solidFill>
@@ -10820,7 +10821,7 @@
               </a:ln>
               <a:extLst>
                 <a:ext uri="{91240B29-F687-4f45-9708-019B960494DF}">
-                  <a14:hiddenLine xmlns:a14="http://schemas.microsoft.com/office/drawing/2010/main" xmlns="" w="9525">
+                  <a14:hiddenLine xmlns="" xmlns:a14="http://schemas.microsoft.com/office/drawing/2010/main" w="9525">
                     <a:solidFill>
                       <a:srgbClr val="000000"/>
                     </a:solidFill>
@@ -10882,7 +10883,7 @@
               </a:ln>
               <a:extLst>
                 <a:ext uri="{91240B29-F687-4f45-9708-019B960494DF}">
-                  <a14:hiddenLine xmlns:a14="http://schemas.microsoft.com/office/drawing/2010/main" xmlns="" w="9525">
+                  <a14:hiddenLine xmlns="" xmlns:a14="http://schemas.microsoft.com/office/drawing/2010/main" w="9525">
                     <a:solidFill>
                       <a:srgbClr val="000000"/>
                     </a:solidFill>
@@ -10992,7 +10993,7 @@
               </a:ln>
               <a:extLst>
                 <a:ext uri="{91240B29-F687-4f45-9708-019B960494DF}">
-                  <a14:hiddenLine xmlns:a14="http://schemas.microsoft.com/office/drawing/2010/main" xmlns="" w="9525">
+                  <a14:hiddenLine xmlns="" xmlns:a14="http://schemas.microsoft.com/office/drawing/2010/main" w="9525">
                     <a:solidFill>
                       <a:srgbClr val="000000"/>
                     </a:solidFill>
@@ -11076,7 +11077,7 @@
               </a:ln>
               <a:extLst>
                 <a:ext uri="{91240B29-F687-4f45-9708-019B960494DF}">
-                  <a14:hiddenLine xmlns:a14="http://schemas.microsoft.com/office/drawing/2010/main" xmlns="" w="9525">
+                  <a14:hiddenLine xmlns="" xmlns:a14="http://schemas.microsoft.com/office/drawing/2010/main" w="9525">
                     <a:solidFill>
                       <a:srgbClr val="000000"/>
                     </a:solidFill>
@@ -11138,7 +11139,7 @@
               </a:ln>
               <a:extLst>
                 <a:ext uri="{91240B29-F687-4f45-9708-019B960494DF}">
-                  <a14:hiddenLine xmlns:a14="http://schemas.microsoft.com/office/drawing/2010/main" xmlns="" w="9525">
+                  <a14:hiddenLine xmlns="" xmlns:a14="http://schemas.microsoft.com/office/drawing/2010/main" w="9525">
                     <a:solidFill>
                       <a:srgbClr val="000000"/>
                     </a:solidFill>
@@ -11200,7 +11201,7 @@
               </a:ln>
               <a:extLst>
                 <a:ext uri="{91240B29-F687-4f45-9708-019B960494DF}">
-                  <a14:hiddenLine xmlns:a14="http://schemas.microsoft.com/office/drawing/2010/main" xmlns="" w="9525">
+                  <a14:hiddenLine xmlns="" xmlns:a14="http://schemas.microsoft.com/office/drawing/2010/main" w="9525">
                     <a:solidFill>
                       <a:srgbClr val="000000"/>
                     </a:solidFill>
@@ -11290,7 +11291,7 @@
               </a:ln>
               <a:extLst>
                 <a:ext uri="{91240B29-F687-4f45-9708-019B960494DF}">
-                  <a14:hiddenLine xmlns:a14="http://schemas.microsoft.com/office/drawing/2010/main" xmlns="" w="9525">
+                  <a14:hiddenLine xmlns="" xmlns:a14="http://schemas.microsoft.com/office/drawing/2010/main" w="9525">
                     <a:solidFill>
                       <a:srgbClr val="000000"/>
                     </a:solidFill>
@@ -11324,7 +11325,7 @@
               </a:ln>
               <a:extLst>
                 <a:ext uri="{91240B29-F687-4f45-9708-019B960494DF}">
-                  <a14:hiddenLine xmlns:a14="http://schemas.microsoft.com/office/drawing/2010/main" xmlns="" w="9525">
+                  <a14:hiddenLine xmlns="" xmlns:a14="http://schemas.microsoft.com/office/drawing/2010/main" w="9525">
                     <a:solidFill>
                       <a:srgbClr val="000000"/>
                     </a:solidFill>
@@ -11389,7 +11390,7 @@
               </a:ln>
               <a:extLst>
                 <a:ext uri="{91240B29-F687-4f45-9708-019B960494DF}">
-                  <a14:hiddenLine xmlns:a14="http://schemas.microsoft.com/office/drawing/2010/main" xmlns="" w="9525">
+                  <a14:hiddenLine xmlns="" xmlns:a14="http://schemas.microsoft.com/office/drawing/2010/main" w="9525">
                     <a:solidFill>
                       <a:srgbClr val="000000"/>
                     </a:solidFill>
@@ -11479,7 +11480,7 @@
               </a:ln>
               <a:extLst>
                 <a:ext uri="{91240B29-F687-4f45-9708-019B960494DF}">
-                  <a14:hiddenLine xmlns:a14="http://schemas.microsoft.com/office/drawing/2010/main" xmlns="" w="9525">
+                  <a14:hiddenLine xmlns="" xmlns:a14="http://schemas.microsoft.com/office/drawing/2010/main" w="9525">
                     <a:solidFill>
                       <a:srgbClr val="000000"/>
                     </a:solidFill>
@@ -11541,7 +11542,7 @@
               </a:ln>
               <a:extLst>
                 <a:ext uri="{91240B29-F687-4f45-9708-019B960494DF}">
-                  <a14:hiddenLine xmlns:a14="http://schemas.microsoft.com/office/drawing/2010/main" xmlns="" w="9525">
+                  <a14:hiddenLine xmlns="" xmlns:a14="http://schemas.microsoft.com/office/drawing/2010/main" w="9525">
                     <a:solidFill>
                       <a:srgbClr val="000000"/>
                     </a:solidFill>
@@ -11631,7 +11632,7 @@
               </a:ln>
               <a:extLst>
                 <a:ext uri="{91240B29-F687-4f45-9708-019B960494DF}">
-                  <a14:hiddenLine xmlns:a14="http://schemas.microsoft.com/office/drawing/2010/main" xmlns="" w="9525">
+                  <a14:hiddenLine xmlns="" xmlns:a14="http://schemas.microsoft.com/office/drawing/2010/main" w="9525">
                     <a:solidFill>
                       <a:srgbClr val="000000"/>
                     </a:solidFill>
@@ -11696,7 +11697,7 @@
               </a:ln>
               <a:extLst>
                 <a:ext uri="{91240B29-F687-4f45-9708-019B960494DF}">
-                  <a14:hiddenLine xmlns:a14="http://schemas.microsoft.com/office/drawing/2010/main" xmlns="" w="9525">
+                  <a14:hiddenLine xmlns="" xmlns:a14="http://schemas.microsoft.com/office/drawing/2010/main" w="9525">
                     <a:solidFill>
                       <a:srgbClr val="000000"/>
                     </a:solidFill>
@@ -11758,7 +11759,7 @@
               </a:ln>
               <a:extLst>
                 <a:ext uri="{91240B29-F687-4f45-9708-019B960494DF}">
-                  <a14:hiddenLine xmlns:a14="http://schemas.microsoft.com/office/drawing/2010/main" xmlns="" w="9525">
+                  <a14:hiddenLine xmlns="" xmlns:a14="http://schemas.microsoft.com/office/drawing/2010/main" w="9525">
                     <a:solidFill>
                       <a:srgbClr val="000000"/>
                     </a:solidFill>
@@ -11848,7 +11849,7 @@
               </a:ln>
               <a:extLst>
                 <a:ext uri="{91240B29-F687-4f45-9708-019B960494DF}">
-                  <a14:hiddenLine xmlns:a14="http://schemas.microsoft.com/office/drawing/2010/main" xmlns="" w="9525">
+                  <a14:hiddenLine xmlns="" xmlns:a14="http://schemas.microsoft.com/office/drawing/2010/main" w="9525">
                     <a:solidFill>
                       <a:srgbClr val="000000"/>
                     </a:solidFill>
@@ -11938,7 +11939,7 @@
               </a:ln>
               <a:extLst>
                 <a:ext uri="{91240B29-F687-4f45-9708-019B960494DF}">
-                  <a14:hiddenLine xmlns:a14="http://schemas.microsoft.com/office/drawing/2010/main" xmlns="" w="9525">
+                  <a14:hiddenLine xmlns="" xmlns:a14="http://schemas.microsoft.com/office/drawing/2010/main" w="9525">
                     <a:solidFill>
                       <a:srgbClr val="000000"/>
                     </a:solidFill>
@@ -12003,7 +12004,7 @@
               </a:ln>
               <a:extLst>
                 <a:ext uri="{91240B29-F687-4f45-9708-019B960494DF}">
-                  <a14:hiddenLine xmlns:a14="http://schemas.microsoft.com/office/drawing/2010/main" xmlns="" w="9525">
+                  <a14:hiddenLine xmlns="" xmlns:a14="http://schemas.microsoft.com/office/drawing/2010/main" w="9525">
                     <a:solidFill>
                       <a:srgbClr val="000000"/>
                     </a:solidFill>
@@ -12123,7 +12124,7 @@
               </a:ln>
               <a:extLst>
                 <a:ext uri="{91240B29-F687-4f45-9708-019B960494DF}">
-                  <a14:hiddenLine xmlns:a14="http://schemas.microsoft.com/office/drawing/2010/main" xmlns="" w="9525">
+                  <a14:hiddenLine xmlns="" xmlns:a14="http://schemas.microsoft.com/office/drawing/2010/main" w="9525">
                     <a:solidFill>
                       <a:srgbClr val="000000"/>
                     </a:solidFill>
@@ -12204,7 +12205,7 @@
               </a:ln>
               <a:extLst>
                 <a:ext uri="{91240B29-F687-4f45-9708-019B960494DF}">
-                  <a14:hiddenLine xmlns:a14="http://schemas.microsoft.com/office/drawing/2010/main" xmlns="" w="9525">
+                  <a14:hiddenLine xmlns="" xmlns:a14="http://schemas.microsoft.com/office/drawing/2010/main" w="9525">
                     <a:solidFill>
                       <a:srgbClr val="000000"/>
                     </a:solidFill>
@@ -12319,7 +12320,7 @@
               </a:ln>
               <a:extLst>
                 <a:ext uri="{91240B29-F687-4f45-9708-019B960494DF}">
-                  <a14:hiddenLine xmlns:a14="http://schemas.microsoft.com/office/drawing/2010/main" xmlns="" w="9525">
+                  <a14:hiddenLine xmlns="" xmlns:a14="http://schemas.microsoft.com/office/drawing/2010/main" w="9525">
                     <a:solidFill>
                       <a:srgbClr val="000000"/>
                     </a:solidFill>
@@ -12409,7 +12410,7 @@
               </a:ln>
               <a:extLst>
                 <a:ext uri="{91240B29-F687-4f45-9708-019B960494DF}">
-                  <a14:hiddenLine xmlns:a14="http://schemas.microsoft.com/office/drawing/2010/main" xmlns="" w="9525">
+                  <a14:hiddenLine xmlns="" xmlns:a14="http://schemas.microsoft.com/office/drawing/2010/main" w="9525">
                     <a:solidFill>
                       <a:srgbClr val="000000"/>
                     </a:solidFill>
@@ -12474,7 +12475,7 @@
               </a:ln>
               <a:extLst>
                 <a:ext uri="{91240B29-F687-4f45-9708-019B960494DF}">
-                  <a14:hiddenLine xmlns:a14="http://schemas.microsoft.com/office/drawing/2010/main" xmlns="" w="9525">
+                  <a14:hiddenLine xmlns="" xmlns:a14="http://schemas.microsoft.com/office/drawing/2010/main" w="9525">
                     <a:solidFill>
                       <a:srgbClr val="000000"/>
                     </a:solidFill>
@@ -12564,7 +12565,7 @@
               </a:ln>
               <a:extLst>
                 <a:ext uri="{91240B29-F687-4f45-9708-019B960494DF}">
-                  <a14:hiddenLine xmlns:a14="http://schemas.microsoft.com/office/drawing/2010/main" xmlns="" w="9525">
+                  <a14:hiddenLine xmlns="" xmlns:a14="http://schemas.microsoft.com/office/drawing/2010/main" w="9525">
                     <a:solidFill>
                       <a:srgbClr val="000000"/>
                     </a:solidFill>
@@ -12632,7 +12633,7 @@
               </a:ln>
               <a:extLst>
                 <a:ext uri="{91240B29-F687-4f45-9708-019B960494DF}">
-                  <a14:hiddenLine xmlns:a14="http://schemas.microsoft.com/office/drawing/2010/main" xmlns="" w="9525">
+                  <a14:hiddenLine xmlns="" xmlns:a14="http://schemas.microsoft.com/office/drawing/2010/main" w="9525">
                     <a:solidFill>
                       <a:srgbClr val="000000"/>
                     </a:solidFill>
@@ -12722,7 +12723,7 @@
               </a:ln>
               <a:extLst>
                 <a:ext uri="{91240B29-F687-4f45-9708-019B960494DF}">
-                  <a14:hiddenLine xmlns:a14="http://schemas.microsoft.com/office/drawing/2010/main" xmlns="" w="9525">
+                  <a14:hiddenLine xmlns="" xmlns:a14="http://schemas.microsoft.com/office/drawing/2010/main" w="9525">
                     <a:solidFill>
                       <a:srgbClr val="000000"/>
                     </a:solidFill>
@@ -12790,7 +12791,7 @@
               </a:ln>
               <a:extLst>
                 <a:ext uri="{91240B29-F687-4f45-9708-019B960494DF}">
-                  <a14:hiddenLine xmlns:a14="http://schemas.microsoft.com/office/drawing/2010/main" xmlns="" w="9525">
+                  <a14:hiddenLine xmlns="" xmlns:a14="http://schemas.microsoft.com/office/drawing/2010/main" w="9525">
                     <a:solidFill>
                       <a:srgbClr val="000000"/>
                     </a:solidFill>
@@ -12880,7 +12881,7 @@
               </a:ln>
               <a:extLst>
                 <a:ext uri="{91240B29-F687-4f45-9708-019B960494DF}">
-                  <a14:hiddenLine xmlns:a14="http://schemas.microsoft.com/office/drawing/2010/main" xmlns="" w="9525">
+                  <a14:hiddenLine xmlns="" xmlns:a14="http://schemas.microsoft.com/office/drawing/2010/main" w="9525">
                     <a:solidFill>
                       <a:srgbClr val="000000"/>
                     </a:solidFill>
@@ -12914,7 +12915,7 @@
               </a:ln>
               <a:extLst>
                 <a:ext uri="{91240B29-F687-4f45-9708-019B960494DF}">
-                  <a14:hiddenLine xmlns:a14="http://schemas.microsoft.com/office/drawing/2010/main" xmlns="" w="9525">
+                  <a14:hiddenLine xmlns="" xmlns:a14="http://schemas.microsoft.com/office/drawing/2010/main" w="9525">
                     <a:solidFill>
                       <a:srgbClr val="000000"/>
                     </a:solidFill>
@@ -13054,7 +13055,7 @@
           <a:p>
             <a:fld id="{EC4347D3-4C9A-C240-8F14-750059DFEEB0}" type="datetimeFigureOut">
               <a:rPr lang="en-US" smtClean="0"/>
-              <a:t>7/28/23</a:t>
+              <a:t>8/9/23</a:t>
             </a:fld>
             <a:endParaRPr lang="en-US"/>
           </a:p>
@@ -13593,6 +13594,502 @@
         </p:nvSpPr>
         <p:spPr>
           <a:xfrm>
+            <a:off x="1141413" y="228904"/>
+            <a:ext cx="9905998" cy="909358"/>
+          </a:xfrm>
+        </p:spPr>
+        <p:txBody>
+          <a:bodyPr/>
+          <a:lstStyle/>
+          <a:p>
+            <a:pPr algn="ctr"/>
+            <a:r>
+              <a:rPr lang="en-US" dirty="0"/>
+              <a:t>Defining INPUT and Output</a:t>
+            </a:r>
+          </a:p>
+        </p:txBody>
+      </p:sp>
+      <p:sp>
+        <p:nvSpPr>
+          <p:cNvPr id="3" name="Content Placeholder 2"/>
+          <p:cNvSpPr>
+            <a:spLocks noGrp="1"/>
+          </p:cNvSpPr>
+          <p:nvPr>
+            <p:ph idx="1"/>
+          </p:nvPr>
+        </p:nvSpPr>
+        <p:spPr>
+          <a:xfrm>
+            <a:off x="2337683" y="3698394"/>
+            <a:ext cx="6981246" cy="3010507"/>
+          </a:xfrm>
+        </p:spPr>
+        <p:txBody>
+          <a:bodyPr/>
+          <a:lstStyle/>
+          <a:p>
+            <a:r>
+              <a:rPr lang="en-US" dirty="0"/>
+              <a:t>Input and output are </a:t>
+            </a:r>
+            <a:r>
+              <a:rPr lang="en-US" b="1" i="1" u="sng" dirty="0"/>
+              <a:t>strings</a:t>
+            </a:r>
+          </a:p>
+          <a:p>
+            <a:r>
+              <a:rPr lang="en-US" dirty="0"/>
+              <a:t>Black box is an </a:t>
+            </a:r>
+            <a:r>
+              <a:rPr lang="en-US" b="1" i="1" u="sng" dirty="0"/>
+              <a:t>implementation</a:t>
+            </a:r>
+          </a:p>
+          <a:p>
+            <a:r>
+              <a:rPr lang="en-US" dirty="0"/>
+              <a:t>What are we implementing?</a:t>
+            </a:r>
+          </a:p>
+          <a:p>
+            <a:pPr lvl="1"/>
+            <a:r>
+              <a:rPr lang="en-US" b="1" i="1" u="sng" dirty="0"/>
+              <a:t>Functions</a:t>
+            </a:r>
+            <a:r>
+              <a:rPr lang="en-US" dirty="0"/>
+              <a:t>: Transformations from a set of strings to another set of strings. More on this soon!</a:t>
+            </a:r>
+            <a:endParaRPr lang="en-US" b="1" i="1" u="sng" dirty="0"/>
+          </a:p>
+        </p:txBody>
+      </p:sp>
+      <p:sp>
+        <p:nvSpPr>
+          <p:cNvPr id="4" name="Slide Number Placeholder 3"/>
+          <p:cNvSpPr>
+            <a:spLocks noGrp="1"/>
+          </p:cNvSpPr>
+          <p:nvPr>
+            <p:ph type="sldNum" sz="quarter" idx="12"/>
+          </p:nvPr>
+        </p:nvSpPr>
+        <p:spPr/>
+        <p:txBody>
+          <a:bodyPr/>
+          <a:lstStyle/>
+          <a:p>
+            <a:fld id="{9BB9F8D7-E2A3-4222-BD86-A63794DF33E7}" type="slidenum">
+              <a:rPr lang="en-US" smtClean="0"/>
+              <a:t>10</a:t>
+            </a:fld>
+            <a:endParaRPr lang="en-US"/>
+          </a:p>
+        </p:txBody>
+      </p:sp>
+      <p:grpSp>
+        <p:nvGrpSpPr>
+          <p:cNvPr id="5" name="Group 4"/>
+          <p:cNvGrpSpPr/>
+          <p:nvPr/>
+        </p:nvGrpSpPr>
+        <p:grpSpPr>
+          <a:xfrm>
+            <a:off x="3620025" y="1475213"/>
+            <a:ext cx="4948774" cy="1479676"/>
+            <a:chOff x="1103586" y="2333312"/>
+            <a:chExt cx="9837683" cy="2941452"/>
+          </a:xfrm>
+        </p:grpSpPr>
+        <p:sp>
+          <p:nvSpPr>
+            <p:cNvPr id="6" name="Rectangle 5"/>
+            <p:cNvSpPr/>
+            <p:nvPr/>
+          </p:nvSpPr>
+          <p:spPr>
+            <a:xfrm>
+              <a:off x="4004463" y="2333312"/>
+              <a:ext cx="3689131" cy="2941452"/>
+            </a:xfrm>
+            <a:prstGeom prst="rect">
+              <a:avLst/>
+            </a:prstGeom>
+            <a:solidFill>
+              <a:schemeClr val="tx1"/>
+            </a:solidFill>
+            <a:ln>
+              <a:solidFill>
+                <a:schemeClr val="tx1"/>
+              </a:solidFill>
+            </a:ln>
+          </p:spPr>
+          <p:style>
+            <a:lnRef idx="2">
+              <a:schemeClr val="accent1">
+                <a:shade val="50000"/>
+              </a:schemeClr>
+            </a:lnRef>
+            <a:fillRef idx="1">
+              <a:schemeClr val="accent1"/>
+            </a:fillRef>
+            <a:effectRef idx="0">
+              <a:schemeClr val="accent1"/>
+            </a:effectRef>
+            <a:fontRef idx="minor">
+              <a:schemeClr val="lt1"/>
+            </a:fontRef>
+          </p:style>
+          <p:txBody>
+            <a:bodyPr rtlCol="0" anchor="ctr"/>
+            <a:lstStyle/>
+            <a:p>
+              <a:pPr algn="ctr"/>
+              <a:r>
+                <a:rPr lang="en-US" sz="1600" dirty="0">
+                  <a:solidFill>
+                    <a:schemeClr val="bg1"/>
+                  </a:solidFill>
+                </a:rPr>
+                <a:t>Computing Machine </a:t>
+              </a:r>
+            </a:p>
+            <a:p>
+              <a:pPr algn="ctr"/>
+              <a:r>
+                <a:rPr lang="en-US" sz="1600">
+                  <a:solidFill>
+                    <a:schemeClr val="bg1"/>
+                  </a:solidFill>
+                </a:rPr>
+                <a:t>/ Program / Algorithm</a:t>
+              </a:r>
+              <a:endParaRPr lang="en-US" sz="1600" dirty="0">
+                <a:solidFill>
+                  <a:schemeClr val="bg1"/>
+                </a:solidFill>
+              </a:endParaRPr>
+            </a:p>
+          </p:txBody>
+        </p:sp>
+        <p:sp>
+          <p:nvSpPr>
+            <p:cNvPr id="7" name="Rectangle 6"/>
+            <p:cNvSpPr/>
+            <p:nvPr/>
+          </p:nvSpPr>
+          <p:spPr>
+            <a:xfrm>
+              <a:off x="1103586" y="3500745"/>
+              <a:ext cx="1481960" cy="1182414"/>
+            </a:xfrm>
+            <a:prstGeom prst="rect">
+              <a:avLst/>
+            </a:prstGeom>
+            <a:solidFill>
+              <a:srgbClr val="FF0000"/>
+            </a:solidFill>
+            <a:ln>
+              <a:solidFill>
+                <a:srgbClr val="FF0000"/>
+              </a:solidFill>
+            </a:ln>
+          </p:spPr>
+          <p:style>
+            <a:lnRef idx="2">
+              <a:schemeClr val="accent1">
+                <a:shade val="50000"/>
+              </a:schemeClr>
+            </a:lnRef>
+            <a:fillRef idx="1">
+              <a:schemeClr val="accent1"/>
+            </a:fillRef>
+            <a:effectRef idx="0">
+              <a:schemeClr val="accent1"/>
+            </a:effectRef>
+            <a:fontRef idx="minor">
+              <a:schemeClr val="lt1"/>
+            </a:fontRef>
+          </p:style>
+          <p:txBody>
+            <a:bodyPr rtlCol="0" anchor="ctr"/>
+            <a:lstStyle/>
+            <a:p>
+              <a:pPr algn="ctr"/>
+              <a:r>
+                <a:rPr lang="en-US" sz="1400" dirty="0"/>
+                <a:t>Input</a:t>
+              </a:r>
+            </a:p>
+          </p:txBody>
+        </p:sp>
+        <p:sp>
+          <p:nvSpPr>
+            <p:cNvPr id="8" name="Rectangle 7"/>
+            <p:cNvSpPr/>
+            <p:nvPr/>
+          </p:nvSpPr>
+          <p:spPr>
+            <a:xfrm>
+              <a:off x="9406758" y="3208286"/>
+              <a:ext cx="1534511" cy="1206087"/>
+            </a:xfrm>
+            <a:prstGeom prst="rect">
+              <a:avLst/>
+            </a:prstGeom>
+            <a:solidFill>
+              <a:srgbClr val="00B050"/>
+            </a:solidFill>
+            <a:ln>
+              <a:solidFill>
+                <a:srgbClr val="00B050"/>
+              </a:solidFill>
+            </a:ln>
+          </p:spPr>
+          <p:style>
+            <a:lnRef idx="2">
+              <a:schemeClr val="accent1">
+                <a:shade val="50000"/>
+              </a:schemeClr>
+            </a:lnRef>
+            <a:fillRef idx="1">
+              <a:schemeClr val="accent1"/>
+            </a:fillRef>
+            <a:effectRef idx="0">
+              <a:schemeClr val="accent1"/>
+            </a:effectRef>
+            <a:fontRef idx="minor">
+              <a:schemeClr val="lt1"/>
+            </a:fontRef>
+          </p:style>
+          <p:txBody>
+            <a:bodyPr rtlCol="0" anchor="ctr"/>
+            <a:lstStyle/>
+            <a:p>
+              <a:pPr algn="ctr"/>
+              <a:r>
+                <a:rPr lang="en-US" sz="1400"/>
+                <a:t>Output</a:t>
+              </a:r>
+              <a:endParaRPr lang="en-US" sz="1400" dirty="0"/>
+            </a:p>
+          </p:txBody>
+        </p:sp>
+        <p:cxnSp>
+          <p:nvCxnSpPr>
+            <p:cNvPr id="9" name="Straight Arrow Connector 8"/>
+            <p:cNvCxnSpPr>
+              <a:stCxn id="7" idx="3"/>
+            </p:cNvCxnSpPr>
+            <p:nvPr/>
+          </p:nvCxnSpPr>
+          <p:spPr>
+            <a:xfrm>
+              <a:off x="2585546" y="4091952"/>
+              <a:ext cx="1418919" cy="0"/>
+            </a:xfrm>
+            <a:prstGeom prst="straightConnector1">
+              <a:avLst/>
+            </a:prstGeom>
+            <a:ln w="57150">
+              <a:solidFill>
+                <a:srgbClr val="0070C0"/>
+              </a:solidFill>
+              <a:tailEnd type="arrow"/>
+            </a:ln>
+          </p:spPr>
+          <p:style>
+            <a:lnRef idx="1">
+              <a:schemeClr val="accent1"/>
+            </a:lnRef>
+            <a:fillRef idx="0">
+              <a:schemeClr val="accent1"/>
+            </a:fillRef>
+            <a:effectRef idx="0">
+              <a:schemeClr val="accent1"/>
+            </a:effectRef>
+            <a:fontRef idx="minor">
+              <a:schemeClr val="tx1"/>
+            </a:fontRef>
+          </p:style>
+        </p:cxnSp>
+        <p:cxnSp>
+          <p:nvCxnSpPr>
+            <p:cNvPr id="10" name="Straight Arrow Connector 9"/>
+            <p:cNvCxnSpPr>
+              <a:endCxn id="8" idx="1"/>
+            </p:cNvCxnSpPr>
+            <p:nvPr/>
+          </p:nvCxnSpPr>
+          <p:spPr>
+            <a:xfrm>
+              <a:off x="7693594" y="3811329"/>
+              <a:ext cx="1713164" cy="1"/>
+            </a:xfrm>
+            <a:prstGeom prst="straightConnector1">
+              <a:avLst/>
+            </a:prstGeom>
+            <a:ln w="57150">
+              <a:solidFill>
+                <a:srgbClr val="0070C0"/>
+              </a:solidFill>
+              <a:tailEnd type="arrow"/>
+            </a:ln>
+          </p:spPr>
+          <p:style>
+            <a:lnRef idx="1">
+              <a:schemeClr val="accent1"/>
+            </a:lnRef>
+            <a:fillRef idx="0">
+              <a:schemeClr val="accent1"/>
+            </a:fillRef>
+            <a:effectRef idx="0">
+              <a:schemeClr val="accent1"/>
+            </a:effectRef>
+            <a:fontRef idx="minor">
+              <a:schemeClr val="tx1"/>
+            </a:fontRef>
+          </p:style>
+        </p:cxnSp>
+      </p:grpSp>
+    </p:spTree>
+    <p:extLst>
+      <p:ext uri="{BB962C8B-B14F-4D97-AF65-F5344CB8AC3E}">
+        <p14:creationId xmlns:p14="http://schemas.microsoft.com/office/powerpoint/2010/main" val="1020154803"/>
+      </p:ext>
+    </p:extLst>
+  </p:cSld>
+  <p:clrMapOvr>
+    <a:masterClrMapping/>
+  </p:clrMapOvr>
+  <p:timing>
+    <p:tnLst>
+      <p:par>
+        <p:cTn id="1" dur="indefinite" restart="never" nodeType="tmRoot">
+          <p:childTnLst>
+            <p:seq concurrent="1" nextAc="seek">
+              <p:cTn id="2" dur="indefinite" nodeType="mainSeq">
+                <p:childTnLst>
+                  <p:par>
+                    <p:cTn id="3" fill="hold">
+                      <p:stCondLst>
+                        <p:cond delay="indefinite"/>
+                      </p:stCondLst>
+                      <p:childTnLst>
+                        <p:par>
+                          <p:cTn id="4" fill="hold">
+                            <p:stCondLst>
+                              <p:cond delay="0"/>
+                            </p:stCondLst>
+                            <p:childTnLst>
+                              <p:par>
+                                <p:cTn id="5" presetID="10" presetClass="entr" presetSubtype="0" fill="hold" nodeType="clickEffect">
+                                  <p:stCondLst>
+                                    <p:cond delay="0"/>
+                                  </p:stCondLst>
+                                  <p:childTnLst>
+                                    <p:set>
+                                      <p:cBhvr>
+                                        <p:cTn id="6" dur="1" fill="hold">
+                                          <p:stCondLst>
+                                            <p:cond delay="0"/>
+                                          </p:stCondLst>
+                                        </p:cTn>
+                                        <p:tgtEl>
+                                          <p:spTgt spid="3">
+                                            <p:txEl>
+                                              <p:pRg st="3" end="3"/>
+                                            </p:txEl>
+                                          </p:spTgt>
+                                        </p:tgtEl>
+                                        <p:attrNameLst>
+                                          <p:attrName>style.visibility</p:attrName>
+                                        </p:attrNameLst>
+                                      </p:cBhvr>
+                                      <p:to>
+                                        <p:strVal val="visible"/>
+                                      </p:to>
+                                    </p:set>
+                                    <p:animEffect transition="in" filter="fade">
+                                      <p:cBhvr>
+                                        <p:cTn id="7" dur="500"/>
+                                        <p:tgtEl>
+                                          <p:spTgt spid="3">
+                                            <p:txEl>
+                                              <p:pRg st="3" end="3"/>
+                                            </p:txEl>
+                                          </p:spTgt>
+                                        </p:tgtEl>
+                                      </p:cBhvr>
+                                    </p:animEffect>
+                                  </p:childTnLst>
+                                </p:cTn>
+                              </p:par>
+                            </p:childTnLst>
+                          </p:cTn>
+                        </p:par>
+                      </p:childTnLst>
+                    </p:cTn>
+                  </p:par>
+                </p:childTnLst>
+              </p:cTn>
+              <p:prevCondLst>
+                <p:cond evt="onPrev" delay="0">
+                  <p:tgtEl>
+                    <p:sldTgt/>
+                  </p:tgtEl>
+                </p:cond>
+              </p:prevCondLst>
+              <p:nextCondLst>
+                <p:cond evt="onNext" delay="0">
+                  <p:tgtEl>
+                    <p:sldTgt/>
+                  </p:tgtEl>
+                </p:cond>
+              </p:nextCondLst>
+            </p:seq>
+          </p:childTnLst>
+        </p:cTn>
+      </p:par>
+    </p:tnLst>
+  </p:timing>
+</p:sld>
+</file>
+
+<file path=ppt/slides/slide11.xml><?xml version="1.0" encoding="utf-8"?>
+<p:sld xmlns:a="http://schemas.openxmlformats.org/drawingml/2006/main" xmlns:r="http://schemas.openxmlformats.org/officeDocument/2006/relationships" xmlns:p="http://schemas.openxmlformats.org/presentationml/2006/main">
+  <p:cSld>
+    <p:spTree>
+      <p:nvGrpSpPr>
+        <p:cNvPr id="1" name=""/>
+        <p:cNvGrpSpPr/>
+        <p:nvPr/>
+      </p:nvGrpSpPr>
+      <p:grpSpPr>
+        <a:xfrm>
+          <a:off x="0" y="0"/>
+          <a:ext cx="0" cy="0"/>
+          <a:chOff x="0" y="0"/>
+          <a:chExt cx="0" cy="0"/>
+        </a:xfrm>
+      </p:grpSpPr>
+      <p:sp>
+        <p:nvSpPr>
+          <p:cNvPr id="2" name="Title 1"/>
+          <p:cNvSpPr>
+            <a:spLocks noGrp="1"/>
+          </p:cNvSpPr>
+          <p:nvPr>
+            <p:ph type="title"/>
+          </p:nvPr>
+        </p:nvSpPr>
+        <p:spPr>
+          <a:xfrm>
             <a:off x="1141412" y="348174"/>
             <a:ext cx="9905998" cy="987645"/>
           </a:xfrm>
@@ -13609,8 +14106,8 @@
           </a:p>
         </p:txBody>
       </p:sp>
-      <mc:AlternateContent xmlns:mc="http://schemas.openxmlformats.org/markup-compatibility/2006" xmlns:a14="http://schemas.microsoft.com/office/drawing/2010/main">
-        <mc:Choice Requires="a14">
+      <mc:AlternateContent xmlns:mc="http://schemas.openxmlformats.org/markup-compatibility/2006">
+        <mc:Choice xmlns:a14="http://schemas.microsoft.com/office/drawing/2010/main" Requires="a14">
           <p:sp>
             <p:nvSpPr>
               <p:cNvPr id="3" name="Content Placeholder 2"/>
@@ -13623,51 +14120,43 @@
             </p:nvSpPr>
             <p:spPr>
               <a:xfrm>
-                <a:off x="1963973" y="2249487"/>
-                <a:ext cx="8173940" cy="3541714"/>
+                <a:off x="1928815" y="2726267"/>
+                <a:ext cx="3168121" cy="3056466"/>
               </a:xfrm>
+              <a:solidFill>
+                <a:schemeClr val="tx1">
+                  <a:lumMod val="95000"/>
+                </a:schemeClr>
+              </a:solidFill>
             </p:spPr>
             <p:txBody>
               <a:bodyPr/>
               <a:lstStyle/>
               <a:p>
+                <a:pPr marL="457200" lvl="1" indent="0">
+                  <a:buNone/>
+                </a:pPr>
                 <a:r>
-                  <a:rPr lang="en-US" b="1" i="1" dirty="0"/>
-                  <a:t>Strings </a:t>
+                  <a:rPr lang="en-US" b="1" u="sng" dirty="0">
+                    <a:solidFill>
+                      <a:sysClr val="windowText" lastClr="000000"/>
+                    </a:solidFill>
+                  </a:rPr>
+                  <a:t>Notation</a:t>
                 </a:r>
                 <a:r>
-                  <a:rPr lang="en-US" dirty="0"/>
-                  <a:t>are built up from an </a:t>
-                </a:r>
-                <a:r>
-                  <a:rPr lang="en-US" b="1" i="1" dirty="0"/>
-                  <a:t>Alphabet</a:t>
-                </a:r>
-                <a:r>
-                  <a:rPr lang="en-US" dirty="0"/>
-                  <a:t> </a:t>
+                  <a:rPr lang="en-US" dirty="0">
+                    <a:solidFill>
+                      <a:sysClr val="windowText" lastClr="000000"/>
+                    </a:solidFill>
+                  </a:rPr>
+                  <a:t>: </a:t>
                 </a:r>
               </a:p>
               <a:p>
-                <a:r>
-                  <a:rPr lang="en-US" dirty="0"/>
-                  <a:t>An </a:t>
-                </a:r>
-                <a:r>
-                  <a:rPr lang="en-US" b="1" i="1" dirty="0"/>
-                  <a:t>Alphabet</a:t>
-                </a:r>
-                <a:r>
-                  <a:rPr lang="en-US" dirty="0"/>
-                  <a:t> is a finite set of characters</a:t>
-                </a:r>
-              </a:p>
-              <a:p>
-                <a:pPr lvl="1"/>
-                <a:r>
-                  <a:rPr lang="en-US" dirty="0"/>
-                  <a:t>Notation: </a:t>
-                </a:r>
+                <a:pPr marL="457200" lvl="1" indent="0">
+                  <a:buNone/>
+                </a:pPr>
                 <a14:m>
                   <m:oMath xmlns:m="http://schemas.openxmlformats.org/officeDocument/2006/math">
                     <m:r>
@@ -13675,6 +14164,9 @@
                         <m:sty m:val="p"/>
                       </m:rPr>
                       <a:rPr lang="en-US">
+                        <a:solidFill>
+                          <a:sysClr val="windowText" lastClr="000000"/>
+                        </a:solidFill>
                         <a:latin typeface="Cambria Math"/>
                       </a:rPr>
                       <m:t>Σ</m:t>
@@ -13682,173 +14174,318 @@
                   </m:oMath>
                 </a14:m>
                 <a:r>
-                  <a:rPr lang="en-US" dirty="0"/>
+                  <a:rPr lang="en-US" dirty="0">
+                    <a:solidFill>
+                      <a:sysClr val="windowText" lastClr="000000"/>
+                    </a:solidFill>
+                  </a:rPr>
                   <a:t> (\Sigma in </a:t>
                 </a:r>
                 <a:r>
-                  <a:rPr lang="en-US" dirty="0" err="1"/>
+                  <a:rPr lang="en-US" dirty="0" err="1">
+                    <a:solidFill>
+                      <a:sysClr val="windowText" lastClr="000000"/>
+                    </a:solidFill>
+                  </a:rPr>
                   <a:t>LaTeX</a:t>
                 </a:r>
                 <a:r>
-                  <a:rPr lang="en-US" dirty="0"/>
+                  <a:rPr lang="en-US" dirty="0">
+                    <a:solidFill>
+                      <a:sysClr val="windowText" lastClr="000000"/>
+                    </a:solidFill>
+                  </a:rPr>
                   <a:t>)</a:t>
                 </a:r>
               </a:p>
               <a:p>
-                <a:pPr lvl="1"/>
+                <a:pPr marL="457200" lvl="1" indent="0">
+                  <a:buNone/>
+                </a:pPr>
+                <a:endParaRPr lang="en-US" dirty="0">
+                  <a:solidFill>
+                    <a:sysClr val="windowText" lastClr="000000"/>
+                  </a:solidFill>
+                </a:endParaRPr>
+              </a:p>
+              <a:p>
+                <a:pPr marL="457200" lvl="1" indent="0">
+                  <a:buNone/>
+                </a:pPr>
                 <a:r>
-                  <a:rPr lang="en-US" dirty="0"/>
-                  <a:t>Examples: </a:t>
+                  <a:rPr lang="en-US" b="1" u="sng" dirty="0">
+                    <a:solidFill>
+                      <a:sysClr val="windowText" lastClr="000000"/>
+                    </a:solidFill>
+                  </a:rPr>
+                  <a:t>Examples</a:t>
                 </a:r>
+                <a:r>
+                  <a:rPr lang="en-US" dirty="0">
+                    <a:solidFill>
+                      <a:sysClr val="windowText" lastClr="000000"/>
+                    </a:solidFill>
+                  </a:rPr>
+                  <a:t>:</a:t>
+                </a:r>
+              </a:p>
+              <a:p>
+                <a:pPr marL="457200" lvl="1" indent="0">
+                  <a:buNone/>
+                </a:pPr>
                 <a14:m>
-                  <m:oMath xmlns:m="http://schemas.openxmlformats.org/officeDocument/2006/math">
-                    <m:r>
-                      <m:rPr>
-                        <m:sty m:val="p"/>
-                      </m:rPr>
-                      <a:rPr lang="en-US" b="0" i="0" smtClean="0">
-                        <a:latin typeface="Cambria Math" panose="02040503050406030204" pitchFamily="18" charset="0"/>
-                      </a:rPr>
-                      <m:t>Σ</m:t>
-                    </m:r>
-                    <m:r>
-                      <a:rPr lang="en-US" b="0" i="1" smtClean="0">
-                        <a:latin typeface="Cambria Math" panose="02040503050406030204" pitchFamily="18" charset="0"/>
-                      </a:rPr>
-                      <m:t>=</m:t>
-                    </m:r>
-                    <m:r>
-                      <a:rPr lang="en-US" i="1">
-                        <a:latin typeface="Cambria Math"/>
-                      </a:rPr>
-                      <m:t>{0,1}</m:t>
-                    </m:r>
-                  </m:oMath>
+                  <m:oMathPara xmlns:m="http://schemas.openxmlformats.org/officeDocument/2006/math">
+                    <m:oMathParaPr>
+                      <m:jc m:val="left"/>
+                    </m:oMathParaPr>
+                    <m:oMath xmlns:m="http://schemas.openxmlformats.org/officeDocument/2006/math">
+                      <m:r>
+                        <m:rPr>
+                          <m:sty m:val="p"/>
+                        </m:rPr>
+                        <a:rPr lang="en-US" b="0" i="0" smtClean="0">
+                          <a:solidFill>
+                            <a:sysClr val="windowText" lastClr="000000"/>
+                          </a:solidFill>
+                          <a:latin typeface="Cambria Math" panose="02040503050406030204" pitchFamily="18" charset="0"/>
+                        </a:rPr>
+                        <m:t>Σ</m:t>
+                      </m:r>
+                      <m:r>
+                        <a:rPr lang="en-US" b="0" i="1" smtClean="0">
+                          <a:solidFill>
+                            <a:sysClr val="windowText" lastClr="000000"/>
+                          </a:solidFill>
+                          <a:latin typeface="Cambria Math" panose="02040503050406030204" pitchFamily="18" charset="0"/>
+                        </a:rPr>
+                        <m:t>=</m:t>
+                      </m:r>
+                      <m:d>
+                        <m:dPr>
+                          <m:begChr m:val="{"/>
+                          <m:endChr m:val="}"/>
+                          <m:ctrlPr>
+                            <a:rPr lang="en-US" i="1">
+                              <a:solidFill>
+                                <a:sysClr val="windowText" lastClr="000000"/>
+                              </a:solidFill>
+                              <a:latin typeface="Cambria Math"/>
+                            </a:rPr>
+                          </m:ctrlPr>
+                        </m:dPr>
+                        <m:e>
+                          <m:r>
+                            <a:rPr lang="en-US" i="1">
+                              <a:solidFill>
+                                <a:sysClr val="windowText" lastClr="000000"/>
+                              </a:solidFill>
+                              <a:latin typeface="Cambria Math"/>
+                            </a:rPr>
+                            <m:t>0,1</m:t>
+                          </m:r>
+                        </m:e>
+                      </m:d>
+                    </m:oMath>
+                  </m:oMathPara>
                 </a14:m>
-                <a:r>
-                  <a:rPr lang="en-US" dirty="0"/>
-                  <a:t>, </a:t>
-                </a:r>
+                <a:endParaRPr lang="en-US" i="1" dirty="0">
+                  <a:solidFill>
+                    <a:sysClr val="windowText" lastClr="000000"/>
+                  </a:solidFill>
+                  <a:latin typeface="Cambria Math"/>
+                </a:endParaRPr>
+              </a:p>
+              <a:p>
+                <a:pPr marL="457200" lvl="1" indent="0">
+                  <a:buNone/>
+                </a:pPr>
                 <a14:m>
-                  <m:oMath xmlns:m="http://schemas.openxmlformats.org/officeDocument/2006/math">
-                    <m:r>
-                      <m:rPr>
-                        <m:sty m:val="p"/>
-                      </m:rPr>
-                      <a:rPr lang="en-US" b="0" i="0" smtClean="0">
-                        <a:latin typeface="Cambria Math" panose="02040503050406030204" pitchFamily="18" charset="0"/>
-                      </a:rPr>
-                      <m:t>Σ</m:t>
-                    </m:r>
-                    <m:r>
-                      <a:rPr lang="en-US" b="0" i="1" smtClean="0">
-                        <a:latin typeface="Cambria Math" panose="02040503050406030204" pitchFamily="18" charset="0"/>
-                      </a:rPr>
-                      <m:t>=</m:t>
-                    </m:r>
-                    <m:r>
-                      <a:rPr lang="en-US" i="1">
-                        <a:latin typeface="Cambria Math"/>
-                      </a:rPr>
-                      <m:t>{</m:t>
-                    </m:r>
-                    <m:r>
-                      <a:rPr lang="en-US" i="1">
-                        <a:latin typeface="Cambria Math"/>
-                      </a:rPr>
-                      <m:t>𝑎</m:t>
-                    </m:r>
-                    <m:r>
-                      <a:rPr lang="en-US" i="1">
-                        <a:latin typeface="Cambria Math"/>
-                      </a:rPr>
-                      <m:t>,</m:t>
-                    </m:r>
-                    <m:r>
-                      <a:rPr lang="en-US" i="1">
-                        <a:latin typeface="Cambria Math"/>
-                      </a:rPr>
-                      <m:t>𝑏</m:t>
-                    </m:r>
-                    <m:r>
-                      <a:rPr lang="en-US" i="1">
-                        <a:latin typeface="Cambria Math"/>
-                      </a:rPr>
-                      <m:t>,</m:t>
-                    </m:r>
-                    <m:r>
-                      <a:rPr lang="en-US" i="1">
-                        <a:latin typeface="Cambria Math"/>
-                      </a:rPr>
-                      <m:t>𝑐</m:t>
-                    </m:r>
-                    <m:r>
-                      <a:rPr lang="en-US" i="1">
-                        <a:latin typeface="Cambria Math"/>
-                      </a:rPr>
-                      <m:t>,</m:t>
-                    </m:r>
-                    <m:r>
-                      <a:rPr lang="en-US" i="1">
-                        <a:latin typeface="Cambria Math"/>
-                      </a:rPr>
-                      <m:t>𝑑</m:t>
-                    </m:r>
-                    <m:r>
-                      <a:rPr lang="en-US" i="1">
-                        <a:latin typeface="Cambria Math"/>
-                      </a:rPr>
-                      <m:t>,…,</m:t>
-                    </m:r>
-                    <m:r>
-                      <a:rPr lang="en-US" i="1">
-                        <a:latin typeface="Cambria Math"/>
-                      </a:rPr>
-                      <m:t>𝑧</m:t>
-                    </m:r>
-                    <m:r>
-                      <a:rPr lang="en-US" i="1">
-                        <a:latin typeface="Cambria Math"/>
-                      </a:rPr>
-                      <m:t>}</m:t>
-                    </m:r>
-                  </m:oMath>
+                  <m:oMathPara xmlns:m="http://schemas.openxmlformats.org/officeDocument/2006/math">
+                    <m:oMathParaPr>
+                      <m:jc m:val="centerGroup"/>
+                    </m:oMathParaPr>
+                    <m:oMath xmlns:m="http://schemas.openxmlformats.org/officeDocument/2006/math">
+                      <m:r>
+                        <m:rPr>
+                          <m:sty m:val="p"/>
+                        </m:rPr>
+                        <a:rPr lang="en-US" b="0" i="0" smtClean="0">
+                          <a:solidFill>
+                            <a:sysClr val="windowText" lastClr="000000"/>
+                          </a:solidFill>
+                          <a:latin typeface="Cambria Math" panose="02040503050406030204" pitchFamily="18" charset="0"/>
+                        </a:rPr>
+                        <m:t>Σ</m:t>
+                      </m:r>
+                      <m:r>
+                        <a:rPr lang="en-US" b="0" i="1" smtClean="0">
+                          <a:solidFill>
+                            <a:sysClr val="windowText" lastClr="000000"/>
+                          </a:solidFill>
+                          <a:latin typeface="Cambria Math" panose="02040503050406030204" pitchFamily="18" charset="0"/>
+                        </a:rPr>
+                        <m:t>=</m:t>
+                      </m:r>
+                      <m:d>
+                        <m:dPr>
+                          <m:begChr m:val="{"/>
+                          <m:endChr m:val="}"/>
+                          <m:ctrlPr>
+                            <a:rPr lang="en-US" i="1">
+                              <a:solidFill>
+                                <a:sysClr val="windowText" lastClr="000000"/>
+                              </a:solidFill>
+                              <a:latin typeface="Cambria Math"/>
+                            </a:rPr>
+                          </m:ctrlPr>
+                        </m:dPr>
+                        <m:e>
+                          <m:r>
+                            <a:rPr lang="en-US" i="1">
+                              <a:solidFill>
+                                <a:sysClr val="windowText" lastClr="000000"/>
+                              </a:solidFill>
+                              <a:latin typeface="Cambria Math"/>
+                            </a:rPr>
+                            <m:t>𝑎</m:t>
+                          </m:r>
+                          <m:r>
+                            <a:rPr lang="en-US" i="1">
+                              <a:solidFill>
+                                <a:sysClr val="windowText" lastClr="000000"/>
+                              </a:solidFill>
+                              <a:latin typeface="Cambria Math"/>
+                            </a:rPr>
+                            <m:t>,</m:t>
+                          </m:r>
+                          <m:r>
+                            <a:rPr lang="en-US" i="1">
+                              <a:solidFill>
+                                <a:sysClr val="windowText" lastClr="000000"/>
+                              </a:solidFill>
+                              <a:latin typeface="Cambria Math"/>
+                            </a:rPr>
+                            <m:t>𝑏</m:t>
+                          </m:r>
+                          <m:r>
+                            <a:rPr lang="en-US" i="1">
+                              <a:solidFill>
+                                <a:sysClr val="windowText" lastClr="000000"/>
+                              </a:solidFill>
+                              <a:latin typeface="Cambria Math"/>
+                            </a:rPr>
+                            <m:t>,</m:t>
+                          </m:r>
+                          <m:r>
+                            <a:rPr lang="en-US" i="1">
+                              <a:solidFill>
+                                <a:sysClr val="windowText" lastClr="000000"/>
+                              </a:solidFill>
+                              <a:latin typeface="Cambria Math"/>
+                            </a:rPr>
+                            <m:t>𝑐</m:t>
+                          </m:r>
+                          <m:r>
+                            <a:rPr lang="en-US" i="1">
+                              <a:solidFill>
+                                <a:sysClr val="windowText" lastClr="000000"/>
+                              </a:solidFill>
+                              <a:latin typeface="Cambria Math"/>
+                            </a:rPr>
+                            <m:t>,</m:t>
+                          </m:r>
+                          <m:r>
+                            <a:rPr lang="en-US" i="1">
+                              <a:solidFill>
+                                <a:sysClr val="windowText" lastClr="000000"/>
+                              </a:solidFill>
+                              <a:latin typeface="Cambria Math"/>
+                            </a:rPr>
+                            <m:t>𝑑</m:t>
+                          </m:r>
+                          <m:r>
+                            <a:rPr lang="en-US" i="1">
+                              <a:solidFill>
+                                <a:sysClr val="windowText" lastClr="000000"/>
+                              </a:solidFill>
+                              <a:latin typeface="Cambria Math"/>
+                            </a:rPr>
+                            <m:t>,…,</m:t>
+                          </m:r>
+                          <m:r>
+                            <a:rPr lang="en-US" i="1">
+                              <a:solidFill>
+                                <a:sysClr val="windowText" lastClr="000000"/>
+                              </a:solidFill>
+                              <a:latin typeface="Cambria Math"/>
+                            </a:rPr>
+                            <m:t>𝑧</m:t>
+                          </m:r>
+                        </m:e>
+                      </m:d>
+                    </m:oMath>
+                  </m:oMathPara>
                 </a14:m>
-                <a:r>
-                  <a:rPr lang="en-US" dirty="0"/>
-                  <a:t>, </a:t>
-                </a:r>
+                <a:endParaRPr lang="en-US" i="1" dirty="0">
+                  <a:solidFill>
+                    <a:sysClr val="windowText" lastClr="000000"/>
+                  </a:solidFill>
+                  <a:latin typeface="Cambria Math"/>
+                </a:endParaRPr>
+              </a:p>
+              <a:p>
+                <a:pPr marL="457200" lvl="1" indent="0">
+                  <a:buNone/>
+                </a:pPr>
                 <a14:m>
-                  <m:oMath xmlns:m="http://schemas.openxmlformats.org/officeDocument/2006/math">
-                    <m:r>
-                      <m:rPr>
-                        <m:sty m:val="p"/>
-                      </m:rPr>
-                      <a:rPr lang="en-US" b="0" i="0" smtClean="0">
-                        <a:latin typeface="Cambria Math" panose="02040503050406030204" pitchFamily="18" charset="0"/>
-                      </a:rPr>
-                      <m:t>Σ</m:t>
-                    </m:r>
-                    <m:r>
-                      <a:rPr lang="en-US" b="0" i="1" smtClean="0">
-                        <a:latin typeface="Cambria Math" panose="02040503050406030204" pitchFamily="18" charset="0"/>
-                      </a:rPr>
-                      <m:t>=</m:t>
-                    </m:r>
-                    <m:r>
-                      <a:rPr lang="en-US" i="1">
-                        <a:latin typeface="Cambria Math"/>
-                      </a:rPr>
-                      <m:t>{0,1,2,…,9}</m:t>
-                    </m:r>
-                  </m:oMath>
+                  <m:oMathPara xmlns:m="http://schemas.openxmlformats.org/officeDocument/2006/math">
+                    <m:oMathParaPr>
+                      <m:jc m:val="centerGroup"/>
+                    </m:oMathParaPr>
+                    <m:oMath xmlns:m="http://schemas.openxmlformats.org/officeDocument/2006/math">
+                      <m:r>
+                        <m:rPr>
+                          <m:sty m:val="p"/>
+                        </m:rPr>
+                        <a:rPr lang="en-US" b="0" i="0" smtClean="0">
+                          <a:solidFill>
+                            <a:sysClr val="windowText" lastClr="000000"/>
+                          </a:solidFill>
+                          <a:latin typeface="Cambria Math" panose="02040503050406030204" pitchFamily="18" charset="0"/>
+                        </a:rPr>
+                        <m:t>Σ</m:t>
+                      </m:r>
+                      <m:r>
+                        <a:rPr lang="en-US" b="0" i="1" smtClean="0">
+                          <a:solidFill>
+                            <a:sysClr val="windowText" lastClr="000000"/>
+                          </a:solidFill>
+                          <a:latin typeface="Cambria Math" panose="02040503050406030204" pitchFamily="18" charset="0"/>
+                        </a:rPr>
+                        <m:t>=</m:t>
+                      </m:r>
+                      <m:r>
+                        <a:rPr lang="en-US" i="1">
+                          <a:solidFill>
+                            <a:sysClr val="windowText" lastClr="000000"/>
+                          </a:solidFill>
+                          <a:latin typeface="Cambria Math"/>
+                        </a:rPr>
+                        <m:t>{0,1,2,…,9}</m:t>
+                      </m:r>
+                    </m:oMath>
+                  </m:oMathPara>
                 </a14:m>
-                <a:endParaRPr lang="en-US" dirty="0"/>
+                <a:endParaRPr lang="en-US" dirty="0">
+                  <a:solidFill>
+                    <a:sysClr val="windowText" lastClr="000000"/>
+                  </a:solidFill>
+                </a:endParaRPr>
               </a:p>
             </p:txBody>
           </p:sp>
         </mc:Choice>
-        <mc:Fallback xmlns="">
+        <mc:Fallback>
           <p:sp>
             <p:nvSpPr>
               <p:cNvPr id="3" name="Content Placeholder 2"/>
@@ -13861,13 +14498,13 @@
             </p:nvSpPr>
             <p:spPr>
               <a:xfrm>
-                <a:off x="1963973" y="2249487"/>
-                <a:ext cx="8173940" cy="3541714"/>
+                <a:off x="1928815" y="2726267"/>
+                <a:ext cx="3168121" cy="3056466"/>
               </a:xfrm>
               <a:blipFill>
                 <a:blip r:embed="rId2"/>
                 <a:stretch>
-                  <a:fillRect l="-1553" t="-2143"/>
+                  <a:fillRect/>
                 </a:stretch>
               </a:blipFill>
             </p:spPr>
@@ -13903,12 +14540,929 @@
           <a:p>
             <a:fld id="{9BB9F8D7-E2A3-4222-BD86-A63794DF33E7}" type="slidenum">
               <a:rPr lang="en-US" smtClean="0"/>
-              <a:t>10</a:t>
+              <a:t>11</a:t>
             </a:fld>
             <a:endParaRPr lang="en-US"/>
           </a:p>
         </p:txBody>
       </p:sp>
+      <p:sp>
+        <p:nvSpPr>
+          <p:cNvPr id="5" name="Content Placeholder 2">
+            <a:extLst>
+              <a:ext uri="{FF2B5EF4-FFF2-40B4-BE49-F238E27FC236}">
+                <a16:creationId xmlns:a16="http://schemas.microsoft.com/office/drawing/2014/main" id="{B30719D6-F1BB-6C4E-8461-8795BD937C61}"/>
+              </a:ext>
+            </a:extLst>
+          </p:cNvPr>
+          <p:cNvSpPr txBox="1">
+            <a:spLocks/>
+          </p:cNvSpPr>
+          <p:nvPr/>
+        </p:nvSpPr>
+        <p:spPr>
+          <a:xfrm>
+            <a:off x="6272215" y="1762489"/>
+            <a:ext cx="4455055" cy="963778"/>
+          </a:xfrm>
+          <a:prstGeom prst="rect">
+            <a:avLst/>
+          </a:prstGeom>
+        </p:spPr>
+        <p:txBody>
+          <a:bodyPr vert="horz" lIns="91440" tIns="45720" rIns="91440" bIns="45720" rtlCol="0">
+            <a:normAutofit/>
+          </a:bodyPr>
+          <a:lstStyle>
+            <a:lvl1pPr marL="228600" indent="-228600" algn="l" defTabSz="914400" rtl="0" eaLnBrk="1" latinLnBrk="0" hangingPunct="1">
+              <a:lnSpc>
+                <a:spcPct val="120000"/>
+              </a:lnSpc>
+              <a:spcBef>
+                <a:spcPts val="1000"/>
+              </a:spcBef>
+              <a:buSzPct val="125000"/>
+              <a:buFont typeface="Arial" panose="020B0604020202020204" pitchFamily="34" charset="0"/>
+              <a:buChar char="•"/>
+              <a:defRPr sz="2400" kern="1200">
+                <a:solidFill>
+                  <a:schemeClr val="tx1"/>
+                </a:solidFill>
+                <a:latin typeface="+mn-lt"/>
+                <a:ea typeface="+mn-ea"/>
+                <a:cs typeface="+mn-cs"/>
+              </a:defRPr>
+            </a:lvl1pPr>
+            <a:lvl2pPr marL="685800" indent="-228600" algn="l" defTabSz="914400" rtl="0" eaLnBrk="1" latinLnBrk="0" hangingPunct="1">
+              <a:lnSpc>
+                <a:spcPct val="120000"/>
+              </a:lnSpc>
+              <a:spcBef>
+                <a:spcPts val="500"/>
+              </a:spcBef>
+              <a:buSzPct val="125000"/>
+              <a:buFont typeface="Arial" panose="020B0604020202020204" pitchFamily="34" charset="0"/>
+              <a:buChar char="•"/>
+              <a:defRPr sz="2000" kern="1200">
+                <a:solidFill>
+                  <a:schemeClr val="tx1"/>
+                </a:solidFill>
+                <a:latin typeface="+mn-lt"/>
+                <a:ea typeface="+mn-ea"/>
+                <a:cs typeface="+mn-cs"/>
+              </a:defRPr>
+            </a:lvl2pPr>
+            <a:lvl3pPr marL="1143000" indent="-228600" algn="l" defTabSz="914400" rtl="0" eaLnBrk="1" latinLnBrk="0" hangingPunct="1">
+              <a:lnSpc>
+                <a:spcPct val="120000"/>
+              </a:lnSpc>
+              <a:spcBef>
+                <a:spcPts val="500"/>
+              </a:spcBef>
+              <a:buSzPct val="125000"/>
+              <a:buFont typeface="Arial" panose="020B0604020202020204" pitchFamily="34" charset="0"/>
+              <a:buChar char="•"/>
+              <a:defRPr sz="1800" kern="1200">
+                <a:solidFill>
+                  <a:schemeClr val="tx1"/>
+                </a:solidFill>
+                <a:latin typeface="+mn-lt"/>
+                <a:ea typeface="+mn-ea"/>
+                <a:cs typeface="+mn-cs"/>
+              </a:defRPr>
+            </a:lvl3pPr>
+            <a:lvl4pPr marL="1600200" indent="-228600" algn="l" defTabSz="914400" rtl="0" eaLnBrk="1" latinLnBrk="0" hangingPunct="1">
+              <a:lnSpc>
+                <a:spcPct val="120000"/>
+              </a:lnSpc>
+              <a:spcBef>
+                <a:spcPts val="500"/>
+              </a:spcBef>
+              <a:buSzPct val="125000"/>
+              <a:buFont typeface="Arial" panose="020B0604020202020204" pitchFamily="34" charset="0"/>
+              <a:buChar char="•"/>
+              <a:defRPr sz="1600" kern="1200">
+                <a:solidFill>
+                  <a:schemeClr val="tx1"/>
+                </a:solidFill>
+                <a:latin typeface="+mn-lt"/>
+                <a:ea typeface="+mn-ea"/>
+                <a:cs typeface="+mn-cs"/>
+              </a:defRPr>
+            </a:lvl4pPr>
+            <a:lvl5pPr marL="2057400" indent="-228600" algn="l" defTabSz="914400" rtl="0" eaLnBrk="1" latinLnBrk="0" hangingPunct="1">
+              <a:lnSpc>
+                <a:spcPct val="120000"/>
+              </a:lnSpc>
+              <a:spcBef>
+                <a:spcPts val="500"/>
+              </a:spcBef>
+              <a:buSzPct val="125000"/>
+              <a:buFont typeface="Arial" panose="020B0604020202020204" pitchFamily="34" charset="0"/>
+              <a:buChar char="•"/>
+              <a:defRPr sz="1600" kern="1200">
+                <a:solidFill>
+                  <a:schemeClr val="tx1"/>
+                </a:solidFill>
+                <a:latin typeface="+mn-lt"/>
+                <a:ea typeface="+mn-ea"/>
+                <a:cs typeface="+mn-cs"/>
+              </a:defRPr>
+            </a:lvl5pPr>
+            <a:lvl6pPr marL="2514600" indent="-228600" algn="l" defTabSz="914400" rtl="0" eaLnBrk="1" latinLnBrk="0" hangingPunct="1">
+              <a:lnSpc>
+                <a:spcPct val="120000"/>
+              </a:lnSpc>
+              <a:spcBef>
+                <a:spcPts val="500"/>
+              </a:spcBef>
+              <a:buSzPct val="125000"/>
+              <a:buFont typeface="Arial" panose="020B0604020202020204" pitchFamily="34" charset="0"/>
+              <a:buChar char="•"/>
+              <a:defRPr sz="1400" kern="1200">
+                <a:solidFill>
+                  <a:schemeClr val="tx1"/>
+                </a:solidFill>
+                <a:latin typeface="+mn-lt"/>
+                <a:ea typeface="+mn-ea"/>
+                <a:cs typeface="+mn-cs"/>
+              </a:defRPr>
+            </a:lvl6pPr>
+            <a:lvl7pPr marL="2971800" indent="-228600" algn="l" defTabSz="914400" rtl="0" eaLnBrk="1" latinLnBrk="0" hangingPunct="1">
+              <a:lnSpc>
+                <a:spcPct val="120000"/>
+              </a:lnSpc>
+              <a:spcBef>
+                <a:spcPts val="500"/>
+              </a:spcBef>
+              <a:buSzPct val="125000"/>
+              <a:buFont typeface="Arial" panose="020B0604020202020204" pitchFamily="34" charset="0"/>
+              <a:buChar char="•"/>
+              <a:defRPr sz="1400" kern="1200">
+                <a:solidFill>
+                  <a:schemeClr val="tx1"/>
+                </a:solidFill>
+                <a:latin typeface="+mn-lt"/>
+                <a:ea typeface="+mn-ea"/>
+                <a:cs typeface="+mn-cs"/>
+              </a:defRPr>
+            </a:lvl7pPr>
+            <a:lvl8pPr marL="3429000" indent="-228600" algn="l" defTabSz="914400" rtl="0" eaLnBrk="1" latinLnBrk="0" hangingPunct="1">
+              <a:lnSpc>
+                <a:spcPct val="120000"/>
+              </a:lnSpc>
+              <a:spcBef>
+                <a:spcPts val="500"/>
+              </a:spcBef>
+              <a:buSzPct val="125000"/>
+              <a:buFont typeface="Arial" panose="020B0604020202020204" pitchFamily="34" charset="0"/>
+              <a:buChar char="•"/>
+              <a:defRPr sz="1400" kern="1200">
+                <a:solidFill>
+                  <a:schemeClr val="tx1"/>
+                </a:solidFill>
+                <a:latin typeface="+mn-lt"/>
+                <a:ea typeface="+mn-ea"/>
+                <a:cs typeface="+mn-cs"/>
+              </a:defRPr>
+            </a:lvl8pPr>
+            <a:lvl9pPr marL="3886200" indent="-228600" algn="l" defTabSz="914400" rtl="0" eaLnBrk="1" latinLnBrk="0" hangingPunct="1">
+              <a:lnSpc>
+                <a:spcPct val="120000"/>
+              </a:lnSpc>
+              <a:spcBef>
+                <a:spcPts val="500"/>
+              </a:spcBef>
+              <a:buSzPct val="125000"/>
+              <a:buFont typeface="Arial" panose="020B0604020202020204" pitchFamily="34" charset="0"/>
+              <a:buChar char="•"/>
+              <a:defRPr sz="1400" kern="1200">
+                <a:solidFill>
+                  <a:schemeClr val="tx1"/>
+                </a:solidFill>
+                <a:latin typeface="+mn-lt"/>
+                <a:ea typeface="+mn-ea"/>
+                <a:cs typeface="+mn-cs"/>
+              </a:defRPr>
+            </a:lvl9pPr>
+          </a:lstStyle>
+          <a:p>
+            <a:pPr marL="0" indent="0" algn="ctr">
+              <a:buNone/>
+            </a:pPr>
+            <a:r>
+              <a:rPr lang="en-US" b="1" i="1" dirty="0"/>
+              <a:t>Strings </a:t>
+            </a:r>
+            <a:r>
+              <a:rPr lang="en-US" dirty="0"/>
+              <a:t>are built up from an </a:t>
+            </a:r>
+            <a:r>
+              <a:rPr lang="en-US" b="1" i="1" dirty="0"/>
+              <a:t>Alphabet</a:t>
+            </a:r>
+            <a:r>
+              <a:rPr lang="en-US" dirty="0"/>
+              <a:t> </a:t>
+            </a:r>
+          </a:p>
+        </p:txBody>
+      </p:sp>
+      <p:sp>
+        <p:nvSpPr>
+          <p:cNvPr id="6" name="Content Placeholder 2">
+            <a:extLst>
+              <a:ext uri="{FF2B5EF4-FFF2-40B4-BE49-F238E27FC236}">
+                <a16:creationId xmlns:a16="http://schemas.microsoft.com/office/drawing/2014/main" id="{A4F7C935-6BC2-884A-9FC3-DAC02CA078EB}"/>
+              </a:ext>
+            </a:extLst>
+          </p:cNvPr>
+          <p:cNvSpPr txBox="1">
+            <a:spLocks/>
+          </p:cNvSpPr>
+          <p:nvPr/>
+        </p:nvSpPr>
+        <p:spPr>
+          <a:xfrm>
+            <a:off x="1713311" y="1629588"/>
+            <a:ext cx="3599128" cy="989178"/>
+          </a:xfrm>
+          <a:prstGeom prst="rect">
+            <a:avLst/>
+          </a:prstGeom>
+        </p:spPr>
+        <p:txBody>
+          <a:bodyPr vert="horz" lIns="91440" tIns="45720" rIns="91440" bIns="45720" rtlCol="0">
+            <a:normAutofit/>
+          </a:bodyPr>
+          <a:lstStyle>
+            <a:lvl1pPr marL="228600" indent="-228600" algn="l" defTabSz="914400" rtl="0" eaLnBrk="1" latinLnBrk="0" hangingPunct="1">
+              <a:lnSpc>
+                <a:spcPct val="120000"/>
+              </a:lnSpc>
+              <a:spcBef>
+                <a:spcPts val="1000"/>
+              </a:spcBef>
+              <a:buSzPct val="125000"/>
+              <a:buFont typeface="Arial" panose="020B0604020202020204" pitchFamily="34" charset="0"/>
+              <a:buChar char="•"/>
+              <a:defRPr sz="2400" kern="1200">
+                <a:solidFill>
+                  <a:schemeClr val="tx1"/>
+                </a:solidFill>
+                <a:latin typeface="+mn-lt"/>
+                <a:ea typeface="+mn-ea"/>
+                <a:cs typeface="+mn-cs"/>
+              </a:defRPr>
+            </a:lvl1pPr>
+            <a:lvl2pPr marL="685800" indent="-228600" algn="l" defTabSz="914400" rtl="0" eaLnBrk="1" latinLnBrk="0" hangingPunct="1">
+              <a:lnSpc>
+                <a:spcPct val="120000"/>
+              </a:lnSpc>
+              <a:spcBef>
+                <a:spcPts val="500"/>
+              </a:spcBef>
+              <a:buSzPct val="125000"/>
+              <a:buFont typeface="Arial" panose="020B0604020202020204" pitchFamily="34" charset="0"/>
+              <a:buChar char="•"/>
+              <a:defRPr sz="2000" kern="1200">
+                <a:solidFill>
+                  <a:schemeClr val="tx1"/>
+                </a:solidFill>
+                <a:latin typeface="+mn-lt"/>
+                <a:ea typeface="+mn-ea"/>
+                <a:cs typeface="+mn-cs"/>
+              </a:defRPr>
+            </a:lvl2pPr>
+            <a:lvl3pPr marL="1143000" indent="-228600" algn="l" defTabSz="914400" rtl="0" eaLnBrk="1" latinLnBrk="0" hangingPunct="1">
+              <a:lnSpc>
+                <a:spcPct val="120000"/>
+              </a:lnSpc>
+              <a:spcBef>
+                <a:spcPts val="500"/>
+              </a:spcBef>
+              <a:buSzPct val="125000"/>
+              <a:buFont typeface="Arial" panose="020B0604020202020204" pitchFamily="34" charset="0"/>
+              <a:buChar char="•"/>
+              <a:defRPr sz="1800" kern="1200">
+                <a:solidFill>
+                  <a:schemeClr val="tx1"/>
+                </a:solidFill>
+                <a:latin typeface="+mn-lt"/>
+                <a:ea typeface="+mn-ea"/>
+                <a:cs typeface="+mn-cs"/>
+              </a:defRPr>
+            </a:lvl3pPr>
+            <a:lvl4pPr marL="1600200" indent="-228600" algn="l" defTabSz="914400" rtl="0" eaLnBrk="1" latinLnBrk="0" hangingPunct="1">
+              <a:lnSpc>
+                <a:spcPct val="120000"/>
+              </a:lnSpc>
+              <a:spcBef>
+                <a:spcPts val="500"/>
+              </a:spcBef>
+              <a:buSzPct val="125000"/>
+              <a:buFont typeface="Arial" panose="020B0604020202020204" pitchFamily="34" charset="0"/>
+              <a:buChar char="•"/>
+              <a:defRPr sz="1600" kern="1200">
+                <a:solidFill>
+                  <a:schemeClr val="tx1"/>
+                </a:solidFill>
+                <a:latin typeface="+mn-lt"/>
+                <a:ea typeface="+mn-ea"/>
+                <a:cs typeface="+mn-cs"/>
+              </a:defRPr>
+            </a:lvl4pPr>
+            <a:lvl5pPr marL="2057400" indent="-228600" algn="l" defTabSz="914400" rtl="0" eaLnBrk="1" latinLnBrk="0" hangingPunct="1">
+              <a:lnSpc>
+                <a:spcPct val="120000"/>
+              </a:lnSpc>
+              <a:spcBef>
+                <a:spcPts val="500"/>
+              </a:spcBef>
+              <a:buSzPct val="125000"/>
+              <a:buFont typeface="Arial" panose="020B0604020202020204" pitchFamily="34" charset="0"/>
+              <a:buChar char="•"/>
+              <a:defRPr sz="1600" kern="1200">
+                <a:solidFill>
+                  <a:schemeClr val="tx1"/>
+                </a:solidFill>
+                <a:latin typeface="+mn-lt"/>
+                <a:ea typeface="+mn-ea"/>
+                <a:cs typeface="+mn-cs"/>
+              </a:defRPr>
+            </a:lvl5pPr>
+            <a:lvl6pPr marL="2514600" indent="-228600" algn="l" defTabSz="914400" rtl="0" eaLnBrk="1" latinLnBrk="0" hangingPunct="1">
+              <a:lnSpc>
+                <a:spcPct val="120000"/>
+              </a:lnSpc>
+              <a:spcBef>
+                <a:spcPts val="500"/>
+              </a:spcBef>
+              <a:buSzPct val="125000"/>
+              <a:buFont typeface="Arial" panose="020B0604020202020204" pitchFamily="34" charset="0"/>
+              <a:buChar char="•"/>
+              <a:defRPr sz="1400" kern="1200">
+                <a:solidFill>
+                  <a:schemeClr val="tx1"/>
+                </a:solidFill>
+                <a:latin typeface="+mn-lt"/>
+                <a:ea typeface="+mn-ea"/>
+                <a:cs typeface="+mn-cs"/>
+              </a:defRPr>
+            </a:lvl6pPr>
+            <a:lvl7pPr marL="2971800" indent="-228600" algn="l" defTabSz="914400" rtl="0" eaLnBrk="1" latinLnBrk="0" hangingPunct="1">
+              <a:lnSpc>
+                <a:spcPct val="120000"/>
+              </a:lnSpc>
+              <a:spcBef>
+                <a:spcPts val="500"/>
+              </a:spcBef>
+              <a:buSzPct val="125000"/>
+              <a:buFont typeface="Arial" panose="020B0604020202020204" pitchFamily="34" charset="0"/>
+              <a:buChar char="•"/>
+              <a:defRPr sz="1400" kern="1200">
+                <a:solidFill>
+                  <a:schemeClr val="tx1"/>
+                </a:solidFill>
+                <a:latin typeface="+mn-lt"/>
+                <a:ea typeface="+mn-ea"/>
+                <a:cs typeface="+mn-cs"/>
+              </a:defRPr>
+            </a:lvl7pPr>
+            <a:lvl8pPr marL="3429000" indent="-228600" algn="l" defTabSz="914400" rtl="0" eaLnBrk="1" latinLnBrk="0" hangingPunct="1">
+              <a:lnSpc>
+                <a:spcPct val="120000"/>
+              </a:lnSpc>
+              <a:spcBef>
+                <a:spcPts val="500"/>
+              </a:spcBef>
+              <a:buSzPct val="125000"/>
+              <a:buFont typeface="Arial" panose="020B0604020202020204" pitchFamily="34" charset="0"/>
+              <a:buChar char="•"/>
+              <a:defRPr sz="1400" kern="1200">
+                <a:solidFill>
+                  <a:schemeClr val="tx1"/>
+                </a:solidFill>
+                <a:latin typeface="+mn-lt"/>
+                <a:ea typeface="+mn-ea"/>
+                <a:cs typeface="+mn-cs"/>
+              </a:defRPr>
+            </a:lvl8pPr>
+            <a:lvl9pPr marL="3886200" indent="-228600" algn="l" defTabSz="914400" rtl="0" eaLnBrk="1" latinLnBrk="0" hangingPunct="1">
+              <a:lnSpc>
+                <a:spcPct val="120000"/>
+              </a:lnSpc>
+              <a:spcBef>
+                <a:spcPts val="500"/>
+              </a:spcBef>
+              <a:buSzPct val="125000"/>
+              <a:buFont typeface="Arial" panose="020B0604020202020204" pitchFamily="34" charset="0"/>
+              <a:buChar char="•"/>
+              <a:defRPr sz="1400" kern="1200">
+                <a:solidFill>
+                  <a:schemeClr val="tx1"/>
+                </a:solidFill>
+                <a:latin typeface="+mn-lt"/>
+                <a:ea typeface="+mn-ea"/>
+                <a:cs typeface="+mn-cs"/>
+              </a:defRPr>
+            </a:lvl9pPr>
+          </a:lstStyle>
+          <a:p>
+            <a:pPr marL="0" indent="0" algn="ctr">
+              <a:buNone/>
+            </a:pPr>
+            <a:r>
+              <a:rPr lang="en-US" dirty="0"/>
+              <a:t>An </a:t>
+            </a:r>
+            <a:r>
+              <a:rPr lang="en-US" b="1" i="1" dirty="0"/>
+              <a:t>Alphabet</a:t>
+            </a:r>
+            <a:r>
+              <a:rPr lang="en-US" dirty="0"/>
+              <a:t> is a finite set of characters</a:t>
+            </a:r>
+          </a:p>
+        </p:txBody>
+      </p:sp>
+      <mc:AlternateContent xmlns:mc="http://schemas.openxmlformats.org/markup-compatibility/2006">
+        <mc:Choice xmlns:a14="http://schemas.microsoft.com/office/drawing/2010/main" Requires="a14">
+          <p:sp>
+            <p:nvSpPr>
+              <p:cNvPr id="7" name="Content Placeholder 2">
+                <a:extLst>
+                  <a:ext uri="{FF2B5EF4-FFF2-40B4-BE49-F238E27FC236}">
+                    <a16:creationId xmlns:a16="http://schemas.microsoft.com/office/drawing/2014/main" id="{E3F35B29-DD03-D642-B6A3-295C902D9712}"/>
+                  </a:ext>
+                </a:extLst>
+              </p:cNvPr>
+              <p:cNvSpPr txBox="1">
+                <a:spLocks/>
+              </p:cNvSpPr>
+              <p:nvPr/>
+            </p:nvSpPr>
+            <p:spPr>
+              <a:xfrm>
+                <a:off x="6915681" y="2726267"/>
+                <a:ext cx="3168121" cy="3056466"/>
+              </a:xfrm>
+              <a:prstGeom prst="rect">
+                <a:avLst/>
+              </a:prstGeom>
+              <a:solidFill>
+                <a:schemeClr val="tx1">
+                  <a:lumMod val="95000"/>
+                </a:schemeClr>
+              </a:solidFill>
+            </p:spPr>
+            <p:txBody>
+              <a:bodyPr vert="horz" lIns="91440" tIns="45720" rIns="91440" bIns="45720" rtlCol="0">
+                <a:normAutofit/>
+              </a:bodyPr>
+              <a:lstStyle>
+                <a:lvl1pPr marL="228600" indent="-228600" algn="l" defTabSz="914400" rtl="0" eaLnBrk="1" latinLnBrk="0" hangingPunct="1">
+                  <a:lnSpc>
+                    <a:spcPct val="120000"/>
+                  </a:lnSpc>
+                  <a:spcBef>
+                    <a:spcPts val="1000"/>
+                  </a:spcBef>
+                  <a:buSzPct val="125000"/>
+                  <a:buFont typeface="Arial" panose="020B0604020202020204" pitchFamily="34" charset="0"/>
+                  <a:buChar char="•"/>
+                  <a:defRPr sz="2400" kern="1200">
+                    <a:solidFill>
+                      <a:schemeClr val="tx1"/>
+                    </a:solidFill>
+                    <a:latin typeface="+mn-lt"/>
+                    <a:ea typeface="+mn-ea"/>
+                    <a:cs typeface="+mn-cs"/>
+                  </a:defRPr>
+                </a:lvl1pPr>
+                <a:lvl2pPr marL="685800" indent="-228600" algn="l" defTabSz="914400" rtl="0" eaLnBrk="1" latinLnBrk="0" hangingPunct="1">
+                  <a:lnSpc>
+                    <a:spcPct val="120000"/>
+                  </a:lnSpc>
+                  <a:spcBef>
+                    <a:spcPts val="500"/>
+                  </a:spcBef>
+                  <a:buSzPct val="125000"/>
+                  <a:buFont typeface="Arial" panose="020B0604020202020204" pitchFamily="34" charset="0"/>
+                  <a:buChar char="•"/>
+                  <a:defRPr sz="2000" kern="1200">
+                    <a:solidFill>
+                      <a:schemeClr val="tx1"/>
+                    </a:solidFill>
+                    <a:latin typeface="+mn-lt"/>
+                    <a:ea typeface="+mn-ea"/>
+                    <a:cs typeface="+mn-cs"/>
+                  </a:defRPr>
+                </a:lvl2pPr>
+                <a:lvl3pPr marL="1143000" indent="-228600" algn="l" defTabSz="914400" rtl="0" eaLnBrk="1" latinLnBrk="0" hangingPunct="1">
+                  <a:lnSpc>
+                    <a:spcPct val="120000"/>
+                  </a:lnSpc>
+                  <a:spcBef>
+                    <a:spcPts val="500"/>
+                  </a:spcBef>
+                  <a:buSzPct val="125000"/>
+                  <a:buFont typeface="Arial" panose="020B0604020202020204" pitchFamily="34" charset="0"/>
+                  <a:buChar char="•"/>
+                  <a:defRPr sz="1800" kern="1200">
+                    <a:solidFill>
+                      <a:schemeClr val="tx1"/>
+                    </a:solidFill>
+                    <a:latin typeface="+mn-lt"/>
+                    <a:ea typeface="+mn-ea"/>
+                    <a:cs typeface="+mn-cs"/>
+                  </a:defRPr>
+                </a:lvl3pPr>
+                <a:lvl4pPr marL="1600200" indent="-228600" algn="l" defTabSz="914400" rtl="0" eaLnBrk="1" latinLnBrk="0" hangingPunct="1">
+                  <a:lnSpc>
+                    <a:spcPct val="120000"/>
+                  </a:lnSpc>
+                  <a:spcBef>
+                    <a:spcPts val="500"/>
+                  </a:spcBef>
+                  <a:buSzPct val="125000"/>
+                  <a:buFont typeface="Arial" panose="020B0604020202020204" pitchFamily="34" charset="0"/>
+                  <a:buChar char="•"/>
+                  <a:defRPr sz="1600" kern="1200">
+                    <a:solidFill>
+                      <a:schemeClr val="tx1"/>
+                    </a:solidFill>
+                    <a:latin typeface="+mn-lt"/>
+                    <a:ea typeface="+mn-ea"/>
+                    <a:cs typeface="+mn-cs"/>
+                  </a:defRPr>
+                </a:lvl4pPr>
+                <a:lvl5pPr marL="2057400" indent="-228600" algn="l" defTabSz="914400" rtl="0" eaLnBrk="1" latinLnBrk="0" hangingPunct="1">
+                  <a:lnSpc>
+                    <a:spcPct val="120000"/>
+                  </a:lnSpc>
+                  <a:spcBef>
+                    <a:spcPts val="500"/>
+                  </a:spcBef>
+                  <a:buSzPct val="125000"/>
+                  <a:buFont typeface="Arial" panose="020B0604020202020204" pitchFamily="34" charset="0"/>
+                  <a:buChar char="•"/>
+                  <a:defRPr sz="1600" kern="1200">
+                    <a:solidFill>
+                      <a:schemeClr val="tx1"/>
+                    </a:solidFill>
+                    <a:latin typeface="+mn-lt"/>
+                    <a:ea typeface="+mn-ea"/>
+                    <a:cs typeface="+mn-cs"/>
+                  </a:defRPr>
+                </a:lvl5pPr>
+                <a:lvl6pPr marL="2514600" indent="-228600" algn="l" defTabSz="914400" rtl="0" eaLnBrk="1" latinLnBrk="0" hangingPunct="1">
+                  <a:lnSpc>
+                    <a:spcPct val="120000"/>
+                  </a:lnSpc>
+                  <a:spcBef>
+                    <a:spcPts val="500"/>
+                  </a:spcBef>
+                  <a:buSzPct val="125000"/>
+                  <a:buFont typeface="Arial" panose="020B0604020202020204" pitchFamily="34" charset="0"/>
+                  <a:buChar char="•"/>
+                  <a:defRPr sz="1400" kern="1200">
+                    <a:solidFill>
+                      <a:schemeClr val="tx1"/>
+                    </a:solidFill>
+                    <a:latin typeface="+mn-lt"/>
+                    <a:ea typeface="+mn-ea"/>
+                    <a:cs typeface="+mn-cs"/>
+                  </a:defRPr>
+                </a:lvl6pPr>
+                <a:lvl7pPr marL="2971800" indent="-228600" algn="l" defTabSz="914400" rtl="0" eaLnBrk="1" latinLnBrk="0" hangingPunct="1">
+                  <a:lnSpc>
+                    <a:spcPct val="120000"/>
+                  </a:lnSpc>
+                  <a:spcBef>
+                    <a:spcPts val="500"/>
+                  </a:spcBef>
+                  <a:buSzPct val="125000"/>
+                  <a:buFont typeface="Arial" panose="020B0604020202020204" pitchFamily="34" charset="0"/>
+                  <a:buChar char="•"/>
+                  <a:defRPr sz="1400" kern="1200">
+                    <a:solidFill>
+                      <a:schemeClr val="tx1"/>
+                    </a:solidFill>
+                    <a:latin typeface="+mn-lt"/>
+                    <a:ea typeface="+mn-ea"/>
+                    <a:cs typeface="+mn-cs"/>
+                  </a:defRPr>
+                </a:lvl7pPr>
+                <a:lvl8pPr marL="3429000" indent="-228600" algn="l" defTabSz="914400" rtl="0" eaLnBrk="1" latinLnBrk="0" hangingPunct="1">
+                  <a:lnSpc>
+                    <a:spcPct val="120000"/>
+                  </a:lnSpc>
+                  <a:spcBef>
+                    <a:spcPts val="500"/>
+                  </a:spcBef>
+                  <a:buSzPct val="125000"/>
+                  <a:buFont typeface="Arial" panose="020B0604020202020204" pitchFamily="34" charset="0"/>
+                  <a:buChar char="•"/>
+                  <a:defRPr sz="1400" kern="1200">
+                    <a:solidFill>
+                      <a:schemeClr val="tx1"/>
+                    </a:solidFill>
+                    <a:latin typeface="+mn-lt"/>
+                    <a:ea typeface="+mn-ea"/>
+                    <a:cs typeface="+mn-cs"/>
+                  </a:defRPr>
+                </a:lvl8pPr>
+                <a:lvl9pPr marL="3886200" indent="-228600" algn="l" defTabSz="914400" rtl="0" eaLnBrk="1" latinLnBrk="0" hangingPunct="1">
+                  <a:lnSpc>
+                    <a:spcPct val="120000"/>
+                  </a:lnSpc>
+                  <a:spcBef>
+                    <a:spcPts val="500"/>
+                  </a:spcBef>
+                  <a:buSzPct val="125000"/>
+                  <a:buFont typeface="Arial" panose="020B0604020202020204" pitchFamily="34" charset="0"/>
+                  <a:buChar char="•"/>
+                  <a:defRPr sz="1400" kern="1200">
+                    <a:solidFill>
+                      <a:schemeClr val="tx1"/>
+                    </a:solidFill>
+                    <a:latin typeface="+mn-lt"/>
+                    <a:ea typeface="+mn-ea"/>
+                    <a:cs typeface="+mn-cs"/>
+                  </a:defRPr>
+                </a:lvl9pPr>
+              </a:lstStyle>
+              <a:p>
+                <a:pPr marL="457200" lvl="1" indent="0">
+                  <a:buFont typeface="Arial" panose="020B0604020202020204" pitchFamily="34" charset="0"/>
+                  <a:buNone/>
+                </a:pPr>
+                <a:r>
+                  <a:rPr lang="en-US" b="1" u="sng" dirty="0">
+                    <a:solidFill>
+                      <a:sysClr val="windowText" lastClr="000000"/>
+                    </a:solidFill>
+                  </a:rPr>
+                  <a:t>If</a:t>
+                </a:r>
+                <a:r>
+                  <a:rPr lang="en-US" dirty="0">
+                    <a:solidFill>
+                      <a:sysClr val="windowText" lastClr="000000"/>
+                    </a:solidFill>
+                  </a:rPr>
+                  <a:t>:</a:t>
+                </a:r>
+              </a:p>
+              <a:p>
+                <a:pPr marL="457200" lvl="1" indent="0">
+                  <a:buFont typeface="Arial" panose="020B0604020202020204" pitchFamily="34" charset="0"/>
+                  <a:buNone/>
+                </a:pPr>
+                <a14:m>
+                  <m:oMathPara xmlns:m="http://schemas.openxmlformats.org/officeDocument/2006/math">
+                    <m:oMathParaPr>
+                      <m:jc m:val="left"/>
+                    </m:oMathParaPr>
+                    <m:oMath xmlns:m="http://schemas.openxmlformats.org/officeDocument/2006/math">
+                      <m:r>
+                        <m:rPr>
+                          <m:sty m:val="p"/>
+                        </m:rPr>
+                        <a:rPr lang="en-US" smtClean="0">
+                          <a:solidFill>
+                            <a:sysClr val="windowText" lastClr="000000"/>
+                          </a:solidFill>
+                          <a:latin typeface="Cambria Math" panose="02040503050406030204" pitchFamily="18" charset="0"/>
+                        </a:rPr>
+                        <m:t>Σ</m:t>
+                      </m:r>
+                      <m:r>
+                        <a:rPr lang="en-US" i="1" smtClean="0">
+                          <a:solidFill>
+                            <a:sysClr val="windowText" lastClr="000000"/>
+                          </a:solidFill>
+                          <a:latin typeface="Cambria Math" panose="02040503050406030204" pitchFamily="18" charset="0"/>
+                        </a:rPr>
+                        <m:t>=</m:t>
+                      </m:r>
+                      <m:d>
+                        <m:dPr>
+                          <m:begChr m:val="{"/>
+                          <m:endChr m:val="}"/>
+                          <m:ctrlPr>
+                            <a:rPr lang="en-US" i="1">
+                              <a:solidFill>
+                                <a:sysClr val="windowText" lastClr="000000"/>
+                              </a:solidFill>
+                              <a:latin typeface="Cambria Math"/>
+                            </a:rPr>
+                          </m:ctrlPr>
+                        </m:dPr>
+                        <m:e>
+                          <m:r>
+                            <a:rPr lang="en-US" i="1">
+                              <a:solidFill>
+                                <a:sysClr val="windowText" lastClr="000000"/>
+                              </a:solidFill>
+                              <a:latin typeface="Cambria Math"/>
+                            </a:rPr>
+                            <m:t>0,1</m:t>
+                          </m:r>
+                          <m:r>
+                            <a:rPr lang="en-US" b="0" i="1" smtClean="0">
+                              <a:solidFill>
+                                <a:sysClr val="windowText" lastClr="000000"/>
+                              </a:solidFill>
+                              <a:latin typeface="Cambria Math" panose="02040503050406030204" pitchFamily="18" charset="0"/>
+                            </a:rPr>
+                            <m:t>,</m:t>
+                          </m:r>
+                          <m:r>
+                            <a:rPr lang="en-US" b="0" i="1" smtClean="0">
+                              <a:solidFill>
+                                <a:sysClr val="windowText" lastClr="000000"/>
+                              </a:solidFill>
+                              <a:latin typeface="Cambria Math" panose="02040503050406030204" pitchFamily="18" charset="0"/>
+                            </a:rPr>
+                            <m:t>𝑎</m:t>
+                          </m:r>
+                          <m:r>
+                            <a:rPr lang="en-US" b="0" i="1" smtClean="0">
+                              <a:solidFill>
+                                <a:sysClr val="windowText" lastClr="000000"/>
+                              </a:solidFill>
+                              <a:latin typeface="Cambria Math" panose="02040503050406030204" pitchFamily="18" charset="0"/>
+                            </a:rPr>
+                            <m:t>,</m:t>
+                          </m:r>
+                          <m:r>
+                            <a:rPr lang="en-US" b="0" i="1" smtClean="0">
+                              <a:solidFill>
+                                <a:sysClr val="windowText" lastClr="000000"/>
+                              </a:solidFill>
+                              <a:latin typeface="Cambria Math" panose="02040503050406030204" pitchFamily="18" charset="0"/>
+                            </a:rPr>
+                            <m:t>𝑏</m:t>
+                          </m:r>
+                          <m:r>
+                            <a:rPr lang="en-US" b="0" i="1" smtClean="0">
+                              <a:solidFill>
+                                <a:sysClr val="windowText" lastClr="000000"/>
+                              </a:solidFill>
+                              <a:latin typeface="Cambria Math" panose="02040503050406030204" pitchFamily="18" charset="0"/>
+                            </a:rPr>
+                            <m:t>,</m:t>
+                          </m:r>
+                          <m:r>
+                            <a:rPr lang="en-US" b="0" i="1" smtClean="0">
+                              <a:solidFill>
+                                <a:sysClr val="windowText" lastClr="000000"/>
+                              </a:solidFill>
+                              <a:latin typeface="Cambria Math" panose="02040503050406030204" pitchFamily="18" charset="0"/>
+                            </a:rPr>
+                            <m:t>𝑐</m:t>
+                          </m:r>
+                        </m:e>
+                      </m:d>
+                    </m:oMath>
+                  </m:oMathPara>
+                </a14:m>
+                <a:endParaRPr lang="en-US" i="1" dirty="0">
+                  <a:solidFill>
+                    <a:sysClr val="windowText" lastClr="000000"/>
+                  </a:solidFill>
+                  <a:latin typeface="Cambria Math"/>
+                </a:endParaRPr>
+              </a:p>
+              <a:p>
+                <a:pPr marL="457200" lvl="1" indent="0">
+                  <a:buFont typeface="Arial" panose="020B0604020202020204" pitchFamily="34" charset="0"/>
+                  <a:buNone/>
+                </a:pPr>
+                <a:endParaRPr lang="en-US" dirty="0">
+                  <a:solidFill>
+                    <a:sysClr val="windowText" lastClr="000000"/>
+                  </a:solidFill>
+                </a:endParaRPr>
+              </a:p>
+              <a:p>
+                <a:pPr marL="457200" lvl="1" indent="0">
+                  <a:buFont typeface="Arial" panose="020B0604020202020204" pitchFamily="34" charset="0"/>
+                  <a:buNone/>
+                </a:pPr>
+                <a:r>
+                  <a:rPr lang="en-US" b="1" i="1" u="sng" dirty="0">
+                    <a:solidFill>
+                      <a:sysClr val="windowText" lastClr="000000"/>
+                    </a:solidFill>
+                  </a:rPr>
+                  <a:t>Valid Strings</a:t>
+                </a:r>
+                <a:r>
+                  <a:rPr lang="en-US" dirty="0">
+                    <a:solidFill>
+                      <a:sysClr val="windowText" lastClr="000000"/>
+                    </a:solidFill>
+                  </a:rPr>
+                  <a:t>:</a:t>
+                </a:r>
+              </a:p>
+              <a:p>
+                <a:pPr marL="457200" lvl="1" indent="0">
+                  <a:buFont typeface="Arial" panose="020B0604020202020204" pitchFamily="34" charset="0"/>
+                  <a:buNone/>
+                </a:pPr>
+                <a:r>
+                  <a:rPr lang="en-US" dirty="0">
+                    <a:solidFill>
+                      <a:sysClr val="windowText" lastClr="000000"/>
+                    </a:solidFill>
+                  </a:rPr>
+                  <a:t>00abc10</a:t>
+                </a:r>
+                <a:br>
+                  <a:rPr lang="en-US" dirty="0">
+                    <a:solidFill>
+                      <a:sysClr val="windowText" lastClr="000000"/>
+                    </a:solidFill>
+                  </a:rPr>
+                </a:br>
+                <a:r>
+                  <a:rPr lang="en-US" dirty="0" err="1">
+                    <a:solidFill>
+                      <a:sysClr val="windowText" lastClr="000000"/>
+                    </a:solidFill>
+                  </a:rPr>
+                  <a:t>cccccc</a:t>
+                </a:r>
+                <a:br>
+                  <a:rPr lang="en-US" dirty="0">
+                    <a:solidFill>
+                      <a:sysClr val="windowText" lastClr="000000"/>
+                    </a:solidFill>
+                  </a:rPr>
+                </a:br>
+                <a:r>
+                  <a:rPr lang="en-US" dirty="0">
+                    <a:solidFill>
+                      <a:sysClr val="windowText" lastClr="000000"/>
+                    </a:solidFill>
+                  </a:rPr>
+                  <a:t>a11</a:t>
+                </a:r>
+              </a:p>
+            </p:txBody>
+          </p:sp>
+        </mc:Choice>
+        <mc:Fallback>
+          <p:sp>
+            <p:nvSpPr>
+              <p:cNvPr id="7" name="Content Placeholder 2">
+                <a:extLst>
+                  <a:ext uri="{FF2B5EF4-FFF2-40B4-BE49-F238E27FC236}">
+                    <a16:creationId xmlns:a16="http://schemas.microsoft.com/office/drawing/2014/main" id="{E3F35B29-DD03-D642-B6A3-295C902D9712}"/>
+                  </a:ext>
+                </a:extLst>
+              </p:cNvPr>
+              <p:cNvSpPr txBox="1">
+                <a:spLocks noRot="1" noChangeAspect="1" noMove="1" noResize="1" noEditPoints="1" noAdjustHandles="1" noChangeArrowheads="1" noChangeShapeType="1" noTextEdit="1"/>
+              </p:cNvSpPr>
+              <p:nvPr/>
+            </p:nvSpPr>
+            <p:spPr>
+              <a:xfrm>
+                <a:off x="6915681" y="2726267"/>
+                <a:ext cx="3168121" cy="3056466"/>
+              </a:xfrm>
+              <a:prstGeom prst="rect">
+                <a:avLst/>
+              </a:prstGeom>
+              <a:blipFill>
+                <a:blip r:embed="rId3"/>
+                <a:stretch>
+                  <a:fillRect/>
+                </a:stretch>
+              </a:blipFill>
+            </p:spPr>
+            <p:txBody>
+              <a:bodyPr/>
+              <a:lstStyle/>
+              <a:p>
+                <a:r>
+                  <a:rPr lang="en-US">
+                    <a:noFill/>
+                  </a:rPr>
+                  <a:t> </a:t>
+                </a:r>
+              </a:p>
+            </p:txBody>
+          </p:sp>
+        </mc:Fallback>
+      </mc:AlternateContent>
     </p:spTree>
     <p:extLst>
       <p:ext uri="{BB962C8B-B14F-4D97-AF65-F5344CB8AC3E}">
@@ -13922,7 +15476,7 @@
 </p:sld>
 </file>
 
-<file path=ppt/slides/slide11.xml><?xml version="1.0" encoding="utf-8"?>
+<file path=ppt/slides/slide12.xml><?xml version="1.0" encoding="utf-8"?>
 <p:sld xmlns:a="http://schemas.openxmlformats.org/drawingml/2006/main" xmlns:r="http://schemas.openxmlformats.org/officeDocument/2006/relationships" xmlns:p="http://schemas.openxmlformats.org/presentationml/2006/main">
   <p:cSld>
     <p:spTree>
@@ -13979,7 +15533,7 @@
         </p:nvSpPr>
         <p:spPr>
           <a:xfrm>
-            <a:off x="1353497" y="1425933"/>
+            <a:off x="1353497" y="1400533"/>
             <a:ext cx="9481829" cy="660946"/>
           </a:xfrm>
         </p:spPr>
@@ -13989,7 +15543,7 @@
           </a:bodyPr>
           <a:lstStyle/>
           <a:p>
-            <a:pPr marL="0" indent="0">
+            <a:pPr marL="0" indent="0" algn="ctr">
               <a:buNone/>
             </a:pPr>
             <a:r>
@@ -14016,14 +15570,14 @@
           <a:p>
             <a:fld id="{9BB9F8D7-E2A3-4222-BD86-A63794DF33E7}" type="slidenum">
               <a:rPr lang="en-US" smtClean="0"/>
-              <a:t>11</a:t>
+              <a:t>12</a:t>
             </a:fld>
             <a:endParaRPr lang="en-US"/>
           </a:p>
         </p:txBody>
       </p:sp>
-      <mc:AlternateContent xmlns:mc="http://schemas.openxmlformats.org/markup-compatibility/2006" xmlns:a14="http://schemas.microsoft.com/office/drawing/2010/main">
-        <mc:Choice Requires="a14">
+      <mc:AlternateContent xmlns:mc="http://schemas.openxmlformats.org/markup-compatibility/2006">
+        <mc:Choice xmlns:a14="http://schemas.microsoft.com/office/drawing/2010/main" Requires="a14">
           <p:sp>
             <p:nvSpPr>
               <p:cNvPr id="5" name="Content Placeholder 2">
@@ -14040,7 +15594,7 @@
             </p:nvSpPr>
             <p:spPr>
               <a:xfrm>
-                <a:off x="3442914" y="2675283"/>
+                <a:off x="3265110" y="2675283"/>
                 <a:ext cx="7172076" cy="693090"/>
               </a:xfrm>
               <a:prstGeom prst="rect">
@@ -14266,7 +15820,7 @@
             </p:txBody>
           </p:sp>
         </mc:Choice>
-        <mc:Fallback xmlns="">
+        <mc:Fallback>
           <p:sp>
             <p:nvSpPr>
               <p:cNvPr id="5" name="Content Placeholder 2">
@@ -14283,7 +15837,7 @@
             </p:nvSpPr>
             <p:spPr>
               <a:xfrm>
-                <a:off x="3442914" y="2675283"/>
+                <a:off x="3265110" y="2675283"/>
                 <a:ext cx="7172076" cy="693090"/>
               </a:xfrm>
               <a:prstGeom prst="rect">
@@ -14311,8 +15865,8 @@
           </p:sp>
         </mc:Fallback>
       </mc:AlternateContent>
-      <mc:AlternateContent xmlns:mc="http://schemas.openxmlformats.org/markup-compatibility/2006" xmlns:a14="http://schemas.microsoft.com/office/drawing/2010/main">
-        <mc:Choice Requires="a14">
+      <mc:AlternateContent xmlns:mc="http://schemas.openxmlformats.org/markup-compatibility/2006">
+        <mc:Choice xmlns:a14="http://schemas.microsoft.com/office/drawing/2010/main" Requires="a14">
           <p:sp>
             <p:nvSpPr>
               <p:cNvPr id="6" name="Content Placeholder 2">
@@ -14329,7 +15883,7 @@
             </p:nvSpPr>
             <p:spPr>
               <a:xfrm>
-                <a:off x="3442912" y="3760932"/>
+                <a:off x="3265108" y="3760932"/>
                 <a:ext cx="7172077" cy="932638"/>
               </a:xfrm>
               <a:prstGeom prst="rect">
@@ -15041,7 +16595,7 @@
             </p:txBody>
           </p:sp>
         </mc:Choice>
-        <mc:Fallback xmlns="">
+        <mc:Fallback>
           <p:sp>
             <p:nvSpPr>
               <p:cNvPr id="6" name="Content Placeholder 2">
@@ -15058,7 +16612,7 @@
             </p:nvSpPr>
             <p:spPr>
               <a:xfrm>
-                <a:off x="3442912" y="3760932"/>
+                <a:off x="3265108" y="3760932"/>
                 <a:ext cx="7172077" cy="932638"/>
               </a:xfrm>
               <a:prstGeom prst="rect">
@@ -15086,8 +16640,8 @@
           </p:sp>
         </mc:Fallback>
       </mc:AlternateContent>
-      <mc:AlternateContent xmlns:mc="http://schemas.openxmlformats.org/markup-compatibility/2006" xmlns:a14="http://schemas.microsoft.com/office/drawing/2010/main">
-        <mc:Choice Requires="a14">
+      <mc:AlternateContent xmlns:mc="http://schemas.openxmlformats.org/markup-compatibility/2006">
+        <mc:Choice xmlns:a14="http://schemas.microsoft.com/office/drawing/2010/main" Requires="a14">
           <p:sp>
             <p:nvSpPr>
               <p:cNvPr id="7" name="Content Placeholder 2">
@@ -15104,8 +16658,8 @@
             </p:nvSpPr>
             <p:spPr>
               <a:xfrm>
-                <a:off x="1565581" y="5975065"/>
-                <a:ext cx="9481829" cy="840847"/>
+                <a:off x="3589116" y="5645412"/>
+                <a:ext cx="5385552" cy="840847"/>
               </a:xfrm>
               <a:prstGeom prst="rect">
                 <a:avLst/>
@@ -15289,7 +16843,7 @@
                 </a:lvl9pPr>
               </a:lstStyle>
               <a:p>
-                <a:pPr marL="0" indent="0">
+                <a:pPr marL="0" indent="0" algn="ctr">
                   <a:buNone/>
                 </a:pPr>
                 <a:r>
@@ -15402,7 +16956,7 @@
             </p:txBody>
           </p:sp>
         </mc:Choice>
-        <mc:Fallback xmlns="">
+        <mc:Fallback>
           <p:sp>
             <p:nvSpPr>
               <p:cNvPr id="7" name="Content Placeholder 2">
@@ -15419,8 +16973,8 @@
             </p:nvSpPr>
             <p:spPr>
               <a:xfrm>
-                <a:off x="1565581" y="5975065"/>
-                <a:ext cx="9481829" cy="840847"/>
+                <a:off x="3589116" y="5645412"/>
+                <a:ext cx="5385552" cy="840847"/>
               </a:xfrm>
               <a:prstGeom prst="rect">
                 <a:avLst/>
@@ -15428,7 +16982,7 @@
               <a:blipFill>
                 <a:blip r:embed="rId4"/>
                 <a:stretch>
-                  <a:fillRect l="-936"/>
+                  <a:fillRect t="-1493"/>
                 </a:stretch>
               </a:blipFill>
             </p:spPr>
@@ -16058,7 +17612,7 @@
 </p:sld>
 </file>
 
-<file path=ppt/slides/slide12.xml><?xml version="1.0" encoding="utf-8"?>
+<file path=ppt/slides/slide13.xml><?xml version="1.0" encoding="utf-8"?>
 <p:sld xmlns:a="http://schemas.openxmlformats.org/drawingml/2006/main" xmlns:r="http://schemas.openxmlformats.org/officeDocument/2006/relationships" xmlns:p="http://schemas.openxmlformats.org/presentationml/2006/main">
   <p:cSld>
     <p:spTree>
@@ -16125,7 +17679,7 @@
           </a:bodyPr>
           <a:lstStyle/>
           <a:p>
-            <a:pPr marL="0" indent="0">
+            <a:pPr marL="0" indent="0" algn="ctr">
               <a:buNone/>
             </a:pPr>
             <a:r>
@@ -16159,7 +17713,7 @@
           <a:p>
             <a:fld id="{9BB9F8D7-E2A3-4222-BD86-A63794DF33E7}" type="slidenum">
               <a:rPr lang="en-US" smtClean="0"/>
-              <a:t>12</a:t>
+              <a:t>13</a:t>
             </a:fld>
             <a:endParaRPr lang="en-US" dirty="0"/>
           </a:p>
@@ -18459,7 +20013,7 @@
 </p:sld>
 </file>
 
-<file path=ppt/slides/slide13.xml><?xml version="1.0" encoding="utf-8"?>
+<file path=ppt/slides/slide14.xml><?xml version="1.0" encoding="utf-8"?>
 <p:sld xmlns:a="http://schemas.openxmlformats.org/drawingml/2006/main" xmlns:r="http://schemas.openxmlformats.org/officeDocument/2006/relationships" xmlns:p="http://schemas.openxmlformats.org/presentationml/2006/main">
   <p:cSld>
     <p:spTree>
@@ -18504,7 +20058,7 @@
           <a:p>
             <a:fld id="{9BB9F8D7-E2A3-4222-BD86-A63794DF33E7}" type="slidenum">
               <a:rPr lang="en-US" smtClean="0"/>
-              <a:t>13</a:t>
+              <a:t>14</a:t>
             </a:fld>
             <a:endParaRPr lang="en-US"/>
           </a:p>
@@ -19427,7 +20981,7 @@
 </p:sld>
 </file>
 
-<file path=ppt/slides/slide14.xml><?xml version="1.0" encoding="utf-8"?>
+<file path=ppt/slides/slide15.xml><?xml version="1.0" encoding="utf-8"?>
 <p:sld xmlns:a="http://schemas.openxmlformats.org/drawingml/2006/main" xmlns:r="http://schemas.openxmlformats.org/officeDocument/2006/relationships" xmlns:p="http://schemas.openxmlformats.org/presentationml/2006/main">
   <p:cSld>
     <p:spTree>
@@ -19692,7 +21246,7 @@
           <a:p>
             <a:fld id="{9BB9F8D7-E2A3-4222-BD86-A63794DF33E7}" type="slidenum">
               <a:rPr lang="en-US" smtClean="0"/>
-              <a:t>14</a:t>
+              <a:t>15</a:t>
             </a:fld>
             <a:endParaRPr lang="en-US"/>
           </a:p>
@@ -19971,7 +21525,7 @@
 </p:sld>
 </file>
 
-<file path=ppt/slides/slide15.xml><?xml version="1.0" encoding="utf-8"?>
+<file path=ppt/slides/slide16.xml><?xml version="1.0" encoding="utf-8"?>
 <p:sld xmlns:a="http://schemas.openxmlformats.org/drawingml/2006/main" xmlns:r="http://schemas.openxmlformats.org/officeDocument/2006/relationships" xmlns:p="http://schemas.openxmlformats.org/presentationml/2006/main">
   <p:cSld>
     <p:spTree>
@@ -20081,7 +21635,7 @@
           <a:p>
             <a:fld id="{9BB9F8D7-E2A3-4222-BD86-A63794DF33E7}" type="slidenum">
               <a:rPr lang="en-US" smtClean="0"/>
-              <a:t>15</a:t>
+              <a:t>16</a:t>
             </a:fld>
             <a:endParaRPr lang="en-US"/>
           </a:p>
@@ -21278,7 +22832,7 @@
 </p:sld>
 </file>
 
-<file path=ppt/slides/slide16.xml><?xml version="1.0" encoding="utf-8"?>
+<file path=ppt/slides/slide17.xml><?xml version="1.0" encoding="utf-8"?>
 <p:sld xmlns:a="http://schemas.openxmlformats.org/drawingml/2006/main" xmlns:r="http://schemas.openxmlformats.org/officeDocument/2006/relationships" xmlns:p="http://schemas.openxmlformats.org/presentationml/2006/main">
   <p:cSld>
     <p:spTree>
@@ -21347,7 +22901,7 @@
               <a:pPr>
                 <a:defRPr/>
               </a:pPr>
-              <a:t>16</a:t>
+              <a:t>17</a:t>
             </a:fld>
             <a:endParaRPr lang="en-US"/>
           </a:p>
@@ -23386,7 +24940,7 @@
 </p:sld>
 </file>
 
-<file path=ppt/slides/slide17.xml><?xml version="1.0" encoding="utf-8"?>
+<file path=ppt/slides/slide18.xml><?xml version="1.0" encoding="utf-8"?>
 <p:sld xmlns:a="http://schemas.openxmlformats.org/drawingml/2006/main" xmlns:r="http://schemas.openxmlformats.org/officeDocument/2006/relationships" xmlns:p="http://schemas.openxmlformats.org/presentationml/2006/main">
   <p:cSld>
     <p:spTree>
@@ -23413,20 +24967,26 @@
             <p:ph type="title"/>
           </p:nvPr>
         </p:nvSpPr>
-        <p:spPr/>
+        <p:spPr>
+          <a:xfrm>
+            <a:off x="1141413" y="542318"/>
+            <a:ext cx="9905998" cy="863149"/>
+          </a:xfrm>
+        </p:spPr>
         <p:txBody>
           <a:bodyPr/>
           <a:lstStyle/>
           <a:p>
+            <a:pPr algn="ctr"/>
             <a:r>
-              <a:rPr lang="en-US"/>
+              <a:rPr lang="en-US" dirty="0"/>
               <a:t>Properties of Functions</a:t>
             </a:r>
           </a:p>
         </p:txBody>
       </p:sp>
-      <mc:AlternateContent xmlns:mc="http://schemas.openxmlformats.org/markup-compatibility/2006" xmlns:a14="http://schemas.microsoft.com/office/drawing/2010/main">
-        <mc:Choice Requires="a14">
+      <mc:AlternateContent xmlns:mc="http://schemas.openxmlformats.org/markup-compatibility/2006">
+        <mc:Choice xmlns:a14="http://schemas.microsoft.com/office/drawing/2010/main" Requires="a14">
           <p:sp>
             <p:nvSpPr>
               <p:cNvPr id="3" name="Content Placeholder 2"/>
@@ -23437,245 +24997,154 @@
                 <p:ph idx="1"/>
               </p:nvPr>
             </p:nvSpPr>
-            <p:spPr/>
+            <p:spPr>
+              <a:xfrm>
+                <a:off x="1361547" y="3183467"/>
+                <a:ext cx="3455987" cy="702734"/>
+              </a:xfrm>
+              <a:solidFill>
+                <a:schemeClr val="tx1">
+                  <a:lumMod val="95000"/>
+                </a:schemeClr>
+              </a:solidFill>
+            </p:spPr>
             <p:txBody>
               <a:bodyPr>
                 <a:normAutofit/>
               </a:bodyPr>
               <a:lstStyle/>
               <a:p>
-                <a:r>
-                  <a:rPr lang="en-US"/>
-                  <a:t>One-to-one (injective)</a:t>
-                </a:r>
-              </a:p>
-              <a:p>
-                <a:pPr lvl="1"/>
+                <a:pPr marL="457200" lvl="1" indent="0" algn="ctr">
+                  <a:buNone/>
+                </a:pPr>
                 <a14:m>
-                  <m:oMath xmlns:m="http://schemas.openxmlformats.org/officeDocument/2006/math">
-                    <m:r>
-                      <a:rPr lang="en-US" b="0" i="1" smtClean="0">
-                        <a:latin typeface="Cambria Math"/>
-                      </a:rPr>
-                      <m:t>𝑥</m:t>
-                    </m:r>
-                    <m:r>
-                      <a:rPr lang="en-US" b="0" i="1" smtClean="0">
-                        <a:latin typeface="Cambria Math"/>
-                      </a:rPr>
-                      <m:t>≠</m:t>
-                    </m:r>
-                    <m:r>
-                      <a:rPr lang="en-US" b="0" i="1" smtClean="0">
-                        <a:latin typeface="Cambria Math"/>
-                      </a:rPr>
-                      <m:t>𝑦</m:t>
-                    </m:r>
-                    <m:r>
-                      <a:rPr lang="en-US" b="0" i="1" smtClean="0">
-                        <a:latin typeface="Cambria Math"/>
-                      </a:rPr>
-                      <m:t>⇒</m:t>
-                    </m:r>
-                    <m:r>
-                      <a:rPr lang="en-US" b="0" i="1" smtClean="0">
-                        <a:latin typeface="Cambria Math"/>
-                      </a:rPr>
-                      <m:t>𝑓</m:t>
-                    </m:r>
-                    <m:d>
-                      <m:dPr>
-                        <m:ctrlPr>
-                          <a:rPr lang="en-US" b="0" i="1" smtClean="0">
-                            <a:latin typeface="Cambria Math" panose="02040503050406030204" pitchFamily="18" charset="0"/>
-                          </a:rPr>
-                        </m:ctrlPr>
-                      </m:dPr>
-                      <m:e>
-                        <m:r>
-                          <a:rPr lang="en-US" b="0" i="1" smtClean="0">
-                            <a:latin typeface="Cambria Math"/>
-                          </a:rPr>
-                          <m:t>𝑥</m:t>
-                        </m:r>
-                      </m:e>
-                    </m:d>
-                    <m:r>
-                      <a:rPr lang="en-US" b="0" i="1" smtClean="0">
-                        <a:latin typeface="Cambria Math"/>
-                      </a:rPr>
-                      <m:t>≠</m:t>
-                    </m:r>
-                    <m:r>
-                      <a:rPr lang="en-US" b="0" i="1" smtClean="0">
-                        <a:latin typeface="Cambria Math"/>
-                      </a:rPr>
-                      <m:t>𝑓</m:t>
-                    </m:r>
-                    <m:d>
-                      <m:dPr>
-                        <m:ctrlPr>
-                          <a:rPr lang="en-US" b="0" i="1" smtClean="0">
-                            <a:latin typeface="Cambria Math" panose="02040503050406030204" pitchFamily="18" charset="0"/>
-                          </a:rPr>
-                        </m:ctrlPr>
-                      </m:dPr>
-                      <m:e>
-                        <m:r>
-                          <a:rPr lang="en-US" b="0" i="1" smtClean="0">
-                            <a:latin typeface="Cambria Math"/>
-                          </a:rPr>
-                          <m:t>𝑦</m:t>
-                        </m:r>
-                      </m:e>
-                    </m:d>
-                  </m:oMath>
+                  <m:oMathPara xmlns:m="http://schemas.openxmlformats.org/officeDocument/2006/math">
+                    <m:oMathParaPr>
+                      <m:jc m:val="left"/>
+                    </m:oMathParaPr>
+                    <m:oMath xmlns:m="http://schemas.openxmlformats.org/officeDocument/2006/math">
+                      <m:r>
+                        <a:rPr lang="en-US" b="0" i="1" smtClean="0">
+                          <a:solidFill>
+                            <a:sysClr val="windowText" lastClr="000000"/>
+                          </a:solidFill>
+                          <a:latin typeface="Cambria Math"/>
+                        </a:rPr>
+                        <m:t>𝑥</m:t>
+                      </m:r>
+                      <m:r>
+                        <a:rPr lang="en-US" b="0" i="1" smtClean="0">
+                          <a:solidFill>
+                            <a:sysClr val="windowText" lastClr="000000"/>
+                          </a:solidFill>
+                          <a:latin typeface="Cambria Math"/>
+                        </a:rPr>
+                        <m:t>≠</m:t>
+                      </m:r>
+                      <m:r>
+                        <a:rPr lang="en-US" b="0" i="1" smtClean="0">
+                          <a:solidFill>
+                            <a:sysClr val="windowText" lastClr="000000"/>
+                          </a:solidFill>
+                          <a:latin typeface="Cambria Math"/>
+                        </a:rPr>
+                        <m:t>𝑦</m:t>
+                      </m:r>
+                      <m:r>
+                        <a:rPr lang="en-US" b="0" i="1" smtClean="0">
+                          <a:solidFill>
+                            <a:sysClr val="windowText" lastClr="000000"/>
+                          </a:solidFill>
+                          <a:latin typeface="Cambria Math"/>
+                        </a:rPr>
+                        <m:t>⇒</m:t>
+                      </m:r>
+                      <m:r>
+                        <a:rPr lang="en-US" b="0" i="1" smtClean="0">
+                          <a:solidFill>
+                            <a:sysClr val="windowText" lastClr="000000"/>
+                          </a:solidFill>
+                          <a:latin typeface="Cambria Math"/>
+                        </a:rPr>
+                        <m:t>𝑓</m:t>
+                      </m:r>
+                      <m:d>
+                        <m:dPr>
+                          <m:ctrlPr>
+                            <a:rPr lang="en-US" b="0" i="1" smtClean="0">
+                              <a:solidFill>
+                                <a:sysClr val="windowText" lastClr="000000"/>
+                              </a:solidFill>
+                              <a:latin typeface="Cambria Math" panose="02040503050406030204" pitchFamily="18" charset="0"/>
+                            </a:rPr>
+                          </m:ctrlPr>
+                        </m:dPr>
+                        <m:e>
+                          <m:r>
+                            <a:rPr lang="en-US" b="0" i="1" smtClean="0">
+                              <a:solidFill>
+                                <a:sysClr val="windowText" lastClr="000000"/>
+                              </a:solidFill>
+                              <a:latin typeface="Cambria Math"/>
+                            </a:rPr>
+                            <m:t>𝑥</m:t>
+                          </m:r>
+                        </m:e>
+                      </m:d>
+                      <m:r>
+                        <a:rPr lang="en-US" b="0" i="1" smtClean="0">
+                          <a:solidFill>
+                            <a:sysClr val="windowText" lastClr="000000"/>
+                          </a:solidFill>
+                          <a:latin typeface="Cambria Math"/>
+                        </a:rPr>
+                        <m:t>≠</m:t>
+                      </m:r>
+                      <m:r>
+                        <a:rPr lang="en-US" b="0" i="1" smtClean="0">
+                          <a:solidFill>
+                            <a:sysClr val="windowText" lastClr="000000"/>
+                          </a:solidFill>
+                          <a:latin typeface="Cambria Math"/>
+                        </a:rPr>
+                        <m:t>𝑓</m:t>
+                      </m:r>
+                      <m:d>
+                        <m:dPr>
+                          <m:ctrlPr>
+                            <a:rPr lang="en-US" b="0" i="1" smtClean="0">
+                              <a:solidFill>
+                                <a:sysClr val="windowText" lastClr="000000"/>
+                              </a:solidFill>
+                              <a:latin typeface="Cambria Math" panose="02040503050406030204" pitchFamily="18" charset="0"/>
+                            </a:rPr>
+                          </m:ctrlPr>
+                        </m:dPr>
+                        <m:e>
+                          <m:r>
+                            <a:rPr lang="en-US" b="0" i="1" smtClean="0">
+                              <a:solidFill>
+                                <a:sysClr val="windowText" lastClr="000000"/>
+                              </a:solidFill>
+                              <a:latin typeface="Cambria Math"/>
+                            </a:rPr>
+                            <m:t>𝑦</m:t>
+                          </m:r>
+                        </m:e>
+                      </m:d>
+                    </m:oMath>
+                  </m:oMathPara>
                 </a14:m>
-                <a:endParaRPr lang="en-US" b="0"/>
-              </a:p>
-              <a:p>
-                <a:r>
-                  <a:rPr lang="en-US"/>
-                  <a:t>Onto (surjective)</a:t>
-                </a:r>
-              </a:p>
-              <a:p>
-                <a:pPr lvl="1"/>
-                <a14:m>
-                  <m:oMath xmlns:m="http://schemas.openxmlformats.org/officeDocument/2006/math">
-                    <m:r>
-                      <a:rPr lang="en-US" b="0" i="1" smtClean="0">
-                        <a:latin typeface="Cambria Math"/>
-                      </a:rPr>
-                      <m:t>∀</m:t>
-                    </m:r>
-                    <m:r>
-                      <a:rPr lang="en-US" b="0" i="1" smtClean="0">
-                        <a:latin typeface="Cambria Math"/>
-                      </a:rPr>
-                      <m:t>𝑐</m:t>
-                    </m:r>
-                    <m:r>
-                      <a:rPr lang="en-US" b="0" i="1" smtClean="0">
-                        <a:latin typeface="Cambria Math"/>
-                      </a:rPr>
-                      <m:t>∈</m:t>
-                    </m:r>
-                    <m:r>
-                      <a:rPr lang="en-US" b="0" i="1" smtClean="0">
-                        <a:latin typeface="Cambria Math"/>
-                      </a:rPr>
-                      <m:t>𝐶</m:t>
-                    </m:r>
-                    <m:r>
-                      <a:rPr lang="en-US" b="0" i="1" smtClean="0">
-                        <a:latin typeface="Cambria Math"/>
-                      </a:rPr>
-                      <m:t>, ∃</m:t>
-                    </m:r>
-                    <m:r>
-                      <a:rPr lang="en-US" b="0" i="1" smtClean="0">
-                        <a:latin typeface="Cambria Math"/>
-                      </a:rPr>
-                      <m:t>𝑑</m:t>
-                    </m:r>
-                    <m:r>
-                      <a:rPr lang="en-US" b="0" i="1" smtClean="0">
-                        <a:latin typeface="Cambria Math"/>
-                      </a:rPr>
-                      <m:t>∈</m:t>
-                    </m:r>
-                    <m:r>
-                      <a:rPr lang="en-US" b="0" i="1" smtClean="0">
-                        <a:latin typeface="Cambria Math"/>
-                      </a:rPr>
-                      <m:t>𝐷</m:t>
-                    </m:r>
-                    <m:r>
-                      <a:rPr lang="en-US" b="0" i="1" smtClean="0">
-                        <a:latin typeface="Cambria Math"/>
-                      </a:rPr>
-                      <m:t> :</m:t>
-                    </m:r>
-                    <m:r>
-                      <a:rPr lang="en-US" b="0" i="1" smtClean="0">
-                        <a:latin typeface="Cambria Math"/>
-                      </a:rPr>
-                      <m:t>𝑓</m:t>
-                    </m:r>
-                    <m:d>
-                      <m:dPr>
-                        <m:ctrlPr>
-                          <a:rPr lang="en-US" b="0" i="1" smtClean="0">
-                            <a:latin typeface="Cambria Math" panose="02040503050406030204" pitchFamily="18" charset="0"/>
-                          </a:rPr>
-                        </m:ctrlPr>
-                      </m:dPr>
-                      <m:e>
-                        <m:r>
-                          <a:rPr lang="en-US" b="0" i="1" smtClean="0">
-                            <a:latin typeface="Cambria Math"/>
-                          </a:rPr>
-                          <m:t>𝑑</m:t>
-                        </m:r>
-                      </m:e>
-                    </m:d>
-                    <m:r>
-                      <a:rPr lang="en-US" b="0" i="1" smtClean="0">
-                        <a:latin typeface="Cambria Math"/>
-                      </a:rPr>
-                      <m:t>=</m:t>
-                    </m:r>
-                    <m:r>
-                      <a:rPr lang="en-US" b="0" i="1" smtClean="0">
-                        <a:latin typeface="Cambria Math"/>
-                      </a:rPr>
-                      <m:t>𝑐</m:t>
-                    </m:r>
-                  </m:oMath>
-                </a14:m>
-                <a:endParaRPr lang="en-US"/>
-              </a:p>
-              <a:p>
-                <a:pPr lvl="1"/>
-                <a:r>
-                  <a:rPr lang="en-US"/>
-                  <a:t>Everything in </a:t>
-                </a:r>
-                <a14:m>
-                  <m:oMath xmlns:m="http://schemas.openxmlformats.org/officeDocument/2006/math">
-                    <m:r>
-                      <a:rPr lang="en-US" b="0" i="1" smtClean="0">
-                        <a:latin typeface="Cambria Math"/>
-                      </a:rPr>
-                      <m:t>𝐶</m:t>
-                    </m:r>
-                  </m:oMath>
-                </a14:m>
-                <a:r>
-                  <a:rPr lang="en-US"/>
-                  <a:t> is the output of something in </a:t>
-                </a:r>
-                <a14:m>
-                  <m:oMath xmlns:m="http://schemas.openxmlformats.org/officeDocument/2006/math">
-                    <m:r>
-                      <a:rPr lang="en-US" b="0" i="1" smtClean="0">
-                        <a:latin typeface="Cambria Math"/>
-                      </a:rPr>
-                      <m:t>𝑑</m:t>
-                    </m:r>
-                  </m:oMath>
-                </a14:m>
-                <a:endParaRPr lang="en-US"/>
-              </a:p>
-              <a:p>
-                <a:pPr lvl="1"/>
-                <a:endParaRPr lang="en-US"/>
+                <a:endParaRPr lang="en-US" b="0" dirty="0">
+                  <a:solidFill>
+                    <a:sysClr val="windowText" lastClr="000000"/>
+                  </a:solidFill>
+                </a:endParaRPr>
               </a:p>
             </p:txBody>
           </p:sp>
         </mc:Choice>
-        <mc:Fallback xmlns="">
+        <mc:Fallback>
           <p:sp>
             <p:nvSpPr>
               <p:cNvPr id="3" name="Content Placeholder 2"/>
@@ -23687,10 +25156,14 @@
               </p:nvPr>
             </p:nvSpPr>
             <p:spPr>
-              <a:blipFill rotWithShape="1">
+              <a:xfrm>
+                <a:off x="1361547" y="3183467"/>
+                <a:ext cx="3455987" cy="702734"/>
+              </a:xfrm>
+              <a:blipFill>
                 <a:blip r:embed="rId2"/>
                 <a:stretch>
-                  <a:fillRect l="-1722" t="-2426"/>
+                  <a:fillRect/>
                 </a:stretch>
               </a:blipFill>
             </p:spPr>
@@ -23726,9 +25199,906 @@
           <a:p>
             <a:fld id="{9BB9F8D7-E2A3-4222-BD86-A63794DF33E7}" type="slidenum">
               <a:rPr lang="en-US" smtClean="0"/>
-              <a:t>17</a:t>
+              <a:t>18</a:t>
             </a:fld>
             <a:endParaRPr lang="en-US"/>
+          </a:p>
+        </p:txBody>
+      </p:sp>
+      <mc:AlternateContent xmlns:mc="http://schemas.openxmlformats.org/markup-compatibility/2006">
+        <mc:Choice xmlns:a14="http://schemas.microsoft.com/office/drawing/2010/main" Requires="a14">
+          <p:sp>
+            <p:nvSpPr>
+              <p:cNvPr id="5" name="Content Placeholder 2">
+                <a:extLst>
+                  <a:ext uri="{FF2B5EF4-FFF2-40B4-BE49-F238E27FC236}">
+                    <a16:creationId xmlns:a16="http://schemas.microsoft.com/office/drawing/2014/main" id="{C37B560D-5EA4-D14B-91EB-DA73D955C05A}"/>
+                  </a:ext>
+                </a:extLst>
+              </p:cNvPr>
+              <p:cNvSpPr txBox="1">
+                <a:spLocks/>
+              </p:cNvSpPr>
+              <p:nvPr/>
+            </p:nvSpPr>
+            <p:spPr>
+              <a:xfrm>
+                <a:off x="5931333" y="3183467"/>
+                <a:ext cx="4344988" cy="1794933"/>
+              </a:xfrm>
+              <a:prstGeom prst="rect">
+                <a:avLst/>
+              </a:prstGeom>
+              <a:solidFill>
+                <a:schemeClr val="tx1">
+                  <a:lumMod val="95000"/>
+                </a:schemeClr>
+              </a:solidFill>
+            </p:spPr>
+            <p:txBody>
+              <a:bodyPr vert="horz" lIns="91440" tIns="45720" rIns="91440" bIns="45720" rtlCol="0">
+                <a:normAutofit/>
+              </a:bodyPr>
+              <a:lstStyle>
+                <a:lvl1pPr marL="228600" indent="-228600" algn="l" defTabSz="914400" rtl="0" eaLnBrk="1" latinLnBrk="0" hangingPunct="1">
+                  <a:lnSpc>
+                    <a:spcPct val="120000"/>
+                  </a:lnSpc>
+                  <a:spcBef>
+                    <a:spcPts val="1000"/>
+                  </a:spcBef>
+                  <a:buSzPct val="125000"/>
+                  <a:buFont typeface="Arial" panose="020B0604020202020204" pitchFamily="34" charset="0"/>
+                  <a:buChar char="•"/>
+                  <a:defRPr sz="2400" kern="1200">
+                    <a:solidFill>
+                      <a:schemeClr val="tx1"/>
+                    </a:solidFill>
+                    <a:latin typeface="+mn-lt"/>
+                    <a:ea typeface="+mn-ea"/>
+                    <a:cs typeface="+mn-cs"/>
+                  </a:defRPr>
+                </a:lvl1pPr>
+                <a:lvl2pPr marL="685800" indent="-228600" algn="l" defTabSz="914400" rtl="0" eaLnBrk="1" latinLnBrk="0" hangingPunct="1">
+                  <a:lnSpc>
+                    <a:spcPct val="120000"/>
+                  </a:lnSpc>
+                  <a:spcBef>
+                    <a:spcPts val="500"/>
+                  </a:spcBef>
+                  <a:buSzPct val="125000"/>
+                  <a:buFont typeface="Arial" panose="020B0604020202020204" pitchFamily="34" charset="0"/>
+                  <a:buChar char="•"/>
+                  <a:defRPr sz="2000" kern="1200">
+                    <a:solidFill>
+                      <a:schemeClr val="tx1"/>
+                    </a:solidFill>
+                    <a:latin typeface="+mn-lt"/>
+                    <a:ea typeface="+mn-ea"/>
+                    <a:cs typeface="+mn-cs"/>
+                  </a:defRPr>
+                </a:lvl2pPr>
+                <a:lvl3pPr marL="1143000" indent="-228600" algn="l" defTabSz="914400" rtl="0" eaLnBrk="1" latinLnBrk="0" hangingPunct="1">
+                  <a:lnSpc>
+                    <a:spcPct val="120000"/>
+                  </a:lnSpc>
+                  <a:spcBef>
+                    <a:spcPts val="500"/>
+                  </a:spcBef>
+                  <a:buSzPct val="125000"/>
+                  <a:buFont typeface="Arial" panose="020B0604020202020204" pitchFamily="34" charset="0"/>
+                  <a:buChar char="•"/>
+                  <a:defRPr sz="1800" kern="1200">
+                    <a:solidFill>
+                      <a:schemeClr val="tx1"/>
+                    </a:solidFill>
+                    <a:latin typeface="+mn-lt"/>
+                    <a:ea typeface="+mn-ea"/>
+                    <a:cs typeface="+mn-cs"/>
+                  </a:defRPr>
+                </a:lvl3pPr>
+                <a:lvl4pPr marL="1600200" indent="-228600" algn="l" defTabSz="914400" rtl="0" eaLnBrk="1" latinLnBrk="0" hangingPunct="1">
+                  <a:lnSpc>
+                    <a:spcPct val="120000"/>
+                  </a:lnSpc>
+                  <a:spcBef>
+                    <a:spcPts val="500"/>
+                  </a:spcBef>
+                  <a:buSzPct val="125000"/>
+                  <a:buFont typeface="Arial" panose="020B0604020202020204" pitchFamily="34" charset="0"/>
+                  <a:buChar char="•"/>
+                  <a:defRPr sz="1600" kern="1200">
+                    <a:solidFill>
+                      <a:schemeClr val="tx1"/>
+                    </a:solidFill>
+                    <a:latin typeface="+mn-lt"/>
+                    <a:ea typeface="+mn-ea"/>
+                    <a:cs typeface="+mn-cs"/>
+                  </a:defRPr>
+                </a:lvl4pPr>
+                <a:lvl5pPr marL="2057400" indent="-228600" algn="l" defTabSz="914400" rtl="0" eaLnBrk="1" latinLnBrk="0" hangingPunct="1">
+                  <a:lnSpc>
+                    <a:spcPct val="120000"/>
+                  </a:lnSpc>
+                  <a:spcBef>
+                    <a:spcPts val="500"/>
+                  </a:spcBef>
+                  <a:buSzPct val="125000"/>
+                  <a:buFont typeface="Arial" panose="020B0604020202020204" pitchFamily="34" charset="0"/>
+                  <a:buChar char="•"/>
+                  <a:defRPr sz="1600" kern="1200">
+                    <a:solidFill>
+                      <a:schemeClr val="tx1"/>
+                    </a:solidFill>
+                    <a:latin typeface="+mn-lt"/>
+                    <a:ea typeface="+mn-ea"/>
+                    <a:cs typeface="+mn-cs"/>
+                  </a:defRPr>
+                </a:lvl5pPr>
+                <a:lvl6pPr marL="2514600" indent="-228600" algn="l" defTabSz="914400" rtl="0" eaLnBrk="1" latinLnBrk="0" hangingPunct="1">
+                  <a:lnSpc>
+                    <a:spcPct val="120000"/>
+                  </a:lnSpc>
+                  <a:spcBef>
+                    <a:spcPts val="500"/>
+                  </a:spcBef>
+                  <a:buSzPct val="125000"/>
+                  <a:buFont typeface="Arial" panose="020B0604020202020204" pitchFamily="34" charset="0"/>
+                  <a:buChar char="•"/>
+                  <a:defRPr sz="1400" kern="1200">
+                    <a:solidFill>
+                      <a:schemeClr val="tx1"/>
+                    </a:solidFill>
+                    <a:latin typeface="+mn-lt"/>
+                    <a:ea typeface="+mn-ea"/>
+                    <a:cs typeface="+mn-cs"/>
+                  </a:defRPr>
+                </a:lvl6pPr>
+                <a:lvl7pPr marL="2971800" indent="-228600" algn="l" defTabSz="914400" rtl="0" eaLnBrk="1" latinLnBrk="0" hangingPunct="1">
+                  <a:lnSpc>
+                    <a:spcPct val="120000"/>
+                  </a:lnSpc>
+                  <a:spcBef>
+                    <a:spcPts val="500"/>
+                  </a:spcBef>
+                  <a:buSzPct val="125000"/>
+                  <a:buFont typeface="Arial" panose="020B0604020202020204" pitchFamily="34" charset="0"/>
+                  <a:buChar char="•"/>
+                  <a:defRPr sz="1400" kern="1200">
+                    <a:solidFill>
+                      <a:schemeClr val="tx1"/>
+                    </a:solidFill>
+                    <a:latin typeface="+mn-lt"/>
+                    <a:ea typeface="+mn-ea"/>
+                    <a:cs typeface="+mn-cs"/>
+                  </a:defRPr>
+                </a:lvl7pPr>
+                <a:lvl8pPr marL="3429000" indent="-228600" algn="l" defTabSz="914400" rtl="0" eaLnBrk="1" latinLnBrk="0" hangingPunct="1">
+                  <a:lnSpc>
+                    <a:spcPct val="120000"/>
+                  </a:lnSpc>
+                  <a:spcBef>
+                    <a:spcPts val="500"/>
+                  </a:spcBef>
+                  <a:buSzPct val="125000"/>
+                  <a:buFont typeface="Arial" panose="020B0604020202020204" pitchFamily="34" charset="0"/>
+                  <a:buChar char="•"/>
+                  <a:defRPr sz="1400" kern="1200">
+                    <a:solidFill>
+                      <a:schemeClr val="tx1"/>
+                    </a:solidFill>
+                    <a:latin typeface="+mn-lt"/>
+                    <a:ea typeface="+mn-ea"/>
+                    <a:cs typeface="+mn-cs"/>
+                  </a:defRPr>
+                </a:lvl8pPr>
+                <a:lvl9pPr marL="3886200" indent="-228600" algn="l" defTabSz="914400" rtl="0" eaLnBrk="1" latinLnBrk="0" hangingPunct="1">
+                  <a:lnSpc>
+                    <a:spcPct val="120000"/>
+                  </a:lnSpc>
+                  <a:spcBef>
+                    <a:spcPts val="500"/>
+                  </a:spcBef>
+                  <a:buSzPct val="125000"/>
+                  <a:buFont typeface="Arial" panose="020B0604020202020204" pitchFamily="34" charset="0"/>
+                  <a:buChar char="•"/>
+                  <a:defRPr sz="1400" kern="1200">
+                    <a:solidFill>
+                      <a:schemeClr val="tx1"/>
+                    </a:solidFill>
+                    <a:latin typeface="+mn-lt"/>
+                    <a:ea typeface="+mn-ea"/>
+                    <a:cs typeface="+mn-cs"/>
+                  </a:defRPr>
+                </a:lvl9pPr>
+              </a:lstStyle>
+              <a:p>
+                <a:pPr marL="457200" lvl="1" indent="0">
+                  <a:buNone/>
+                </a:pPr>
+                <a14:m>
+                  <m:oMathPara xmlns:m="http://schemas.openxmlformats.org/officeDocument/2006/math">
+                    <m:oMathParaPr>
+                      <m:jc m:val="centerGroup"/>
+                    </m:oMathParaPr>
+                    <m:oMath xmlns:m="http://schemas.openxmlformats.org/officeDocument/2006/math">
+                      <m:r>
+                        <a:rPr lang="en-US" i="1" smtClean="0">
+                          <a:solidFill>
+                            <a:sysClr val="windowText" lastClr="000000"/>
+                          </a:solidFill>
+                          <a:latin typeface="Cambria Math"/>
+                        </a:rPr>
+                        <m:t>∀</m:t>
+                      </m:r>
+                      <m:r>
+                        <a:rPr lang="en-US" i="1" smtClean="0">
+                          <a:solidFill>
+                            <a:sysClr val="windowText" lastClr="000000"/>
+                          </a:solidFill>
+                          <a:latin typeface="Cambria Math"/>
+                        </a:rPr>
+                        <m:t>𝑐</m:t>
+                      </m:r>
+                      <m:r>
+                        <a:rPr lang="en-US" i="1" smtClean="0">
+                          <a:solidFill>
+                            <a:sysClr val="windowText" lastClr="000000"/>
+                          </a:solidFill>
+                          <a:latin typeface="Cambria Math"/>
+                        </a:rPr>
+                        <m:t>∈</m:t>
+                      </m:r>
+                      <m:r>
+                        <a:rPr lang="en-US" i="1" smtClean="0">
+                          <a:solidFill>
+                            <a:sysClr val="windowText" lastClr="000000"/>
+                          </a:solidFill>
+                          <a:latin typeface="Cambria Math"/>
+                        </a:rPr>
+                        <m:t>𝐶</m:t>
+                      </m:r>
+                      <m:r>
+                        <a:rPr lang="en-US" i="1" smtClean="0">
+                          <a:solidFill>
+                            <a:sysClr val="windowText" lastClr="000000"/>
+                          </a:solidFill>
+                          <a:latin typeface="Cambria Math"/>
+                        </a:rPr>
+                        <m:t>, ∃</m:t>
+                      </m:r>
+                      <m:r>
+                        <a:rPr lang="en-US" i="1" smtClean="0">
+                          <a:solidFill>
+                            <a:sysClr val="windowText" lastClr="000000"/>
+                          </a:solidFill>
+                          <a:latin typeface="Cambria Math"/>
+                        </a:rPr>
+                        <m:t>𝑑</m:t>
+                      </m:r>
+                      <m:r>
+                        <a:rPr lang="en-US" i="1" smtClean="0">
+                          <a:solidFill>
+                            <a:sysClr val="windowText" lastClr="000000"/>
+                          </a:solidFill>
+                          <a:latin typeface="Cambria Math"/>
+                        </a:rPr>
+                        <m:t>∈</m:t>
+                      </m:r>
+                      <m:r>
+                        <a:rPr lang="en-US" i="1" smtClean="0">
+                          <a:solidFill>
+                            <a:sysClr val="windowText" lastClr="000000"/>
+                          </a:solidFill>
+                          <a:latin typeface="Cambria Math"/>
+                        </a:rPr>
+                        <m:t>𝐷</m:t>
+                      </m:r>
+                      <m:r>
+                        <a:rPr lang="en-US" i="1" smtClean="0">
+                          <a:solidFill>
+                            <a:sysClr val="windowText" lastClr="000000"/>
+                          </a:solidFill>
+                          <a:latin typeface="Cambria Math"/>
+                        </a:rPr>
+                        <m:t> :</m:t>
+                      </m:r>
+                      <m:r>
+                        <a:rPr lang="en-US" i="1" smtClean="0">
+                          <a:solidFill>
+                            <a:sysClr val="windowText" lastClr="000000"/>
+                          </a:solidFill>
+                          <a:latin typeface="Cambria Math"/>
+                        </a:rPr>
+                        <m:t>𝑓</m:t>
+                      </m:r>
+                      <m:d>
+                        <m:dPr>
+                          <m:ctrlPr>
+                            <a:rPr lang="en-US" i="1" smtClean="0">
+                              <a:solidFill>
+                                <a:sysClr val="windowText" lastClr="000000"/>
+                              </a:solidFill>
+                              <a:latin typeface="Cambria Math" panose="02040503050406030204" pitchFamily="18" charset="0"/>
+                            </a:rPr>
+                          </m:ctrlPr>
+                        </m:dPr>
+                        <m:e>
+                          <m:r>
+                            <a:rPr lang="en-US" i="1" smtClean="0">
+                              <a:solidFill>
+                                <a:sysClr val="windowText" lastClr="000000"/>
+                              </a:solidFill>
+                              <a:latin typeface="Cambria Math"/>
+                            </a:rPr>
+                            <m:t>𝑑</m:t>
+                          </m:r>
+                        </m:e>
+                      </m:d>
+                      <m:r>
+                        <a:rPr lang="en-US" i="1" smtClean="0">
+                          <a:solidFill>
+                            <a:sysClr val="windowText" lastClr="000000"/>
+                          </a:solidFill>
+                          <a:latin typeface="Cambria Math"/>
+                        </a:rPr>
+                        <m:t>=</m:t>
+                      </m:r>
+                      <m:r>
+                        <a:rPr lang="en-US" i="1" smtClean="0">
+                          <a:solidFill>
+                            <a:sysClr val="windowText" lastClr="000000"/>
+                          </a:solidFill>
+                          <a:latin typeface="Cambria Math"/>
+                        </a:rPr>
+                        <m:t>𝑐</m:t>
+                      </m:r>
+                    </m:oMath>
+                  </m:oMathPara>
+                </a14:m>
+                <a:endParaRPr lang="en-US" dirty="0">
+                  <a:solidFill>
+                    <a:sysClr val="windowText" lastClr="000000"/>
+                  </a:solidFill>
+                </a:endParaRPr>
+              </a:p>
+              <a:p>
+                <a:pPr marL="457200" lvl="1" indent="0">
+                  <a:buNone/>
+                </a:pPr>
+                <a:endParaRPr lang="en-US" dirty="0">
+                  <a:solidFill>
+                    <a:sysClr val="windowText" lastClr="000000"/>
+                  </a:solidFill>
+                </a:endParaRPr>
+              </a:p>
+              <a:p>
+                <a:pPr marL="457200" lvl="1" indent="0">
+                  <a:buNone/>
+                </a:pPr>
+                <a:r>
+                  <a:rPr lang="en-US" dirty="0">
+                    <a:solidFill>
+                      <a:sysClr val="windowText" lastClr="000000"/>
+                    </a:solidFill>
+                  </a:rPr>
+                  <a:t>Everything in </a:t>
+                </a:r>
+                <a14:m>
+                  <m:oMath xmlns:m="http://schemas.openxmlformats.org/officeDocument/2006/math">
+                    <m:r>
+                      <a:rPr lang="en-US" i="1" smtClean="0">
+                        <a:solidFill>
+                          <a:sysClr val="windowText" lastClr="000000"/>
+                        </a:solidFill>
+                        <a:latin typeface="Cambria Math"/>
+                      </a:rPr>
+                      <m:t>𝐶</m:t>
+                    </m:r>
+                  </m:oMath>
+                </a14:m>
+                <a:r>
+                  <a:rPr lang="en-US" dirty="0">
+                    <a:solidFill>
+                      <a:sysClr val="windowText" lastClr="000000"/>
+                    </a:solidFill>
+                  </a:rPr>
+                  <a:t> is the output of something in </a:t>
+                </a:r>
+                <a14:m>
+                  <m:oMath xmlns:m="http://schemas.openxmlformats.org/officeDocument/2006/math">
+                    <m:r>
+                      <a:rPr lang="en-US" i="1" smtClean="0">
+                        <a:solidFill>
+                          <a:sysClr val="windowText" lastClr="000000"/>
+                        </a:solidFill>
+                        <a:latin typeface="Cambria Math"/>
+                      </a:rPr>
+                      <m:t>𝑑</m:t>
+                    </m:r>
+                  </m:oMath>
+                </a14:m>
+                <a:endParaRPr lang="en-US" dirty="0">
+                  <a:solidFill>
+                    <a:sysClr val="windowText" lastClr="000000"/>
+                  </a:solidFill>
+                </a:endParaRPr>
+              </a:p>
+              <a:p>
+                <a:pPr lvl="1"/>
+                <a:endParaRPr lang="en-US" dirty="0">
+                  <a:solidFill>
+                    <a:sysClr val="windowText" lastClr="000000"/>
+                  </a:solidFill>
+                </a:endParaRPr>
+              </a:p>
+            </p:txBody>
+          </p:sp>
+        </mc:Choice>
+        <mc:Fallback>
+          <p:sp>
+            <p:nvSpPr>
+              <p:cNvPr id="5" name="Content Placeholder 2">
+                <a:extLst>
+                  <a:ext uri="{FF2B5EF4-FFF2-40B4-BE49-F238E27FC236}">
+                    <a16:creationId xmlns:a16="http://schemas.microsoft.com/office/drawing/2014/main" id="{C37B560D-5EA4-D14B-91EB-DA73D955C05A}"/>
+                  </a:ext>
+                </a:extLst>
+              </p:cNvPr>
+              <p:cNvSpPr txBox="1">
+                <a:spLocks noRot="1" noChangeAspect="1" noMove="1" noResize="1" noEditPoints="1" noAdjustHandles="1" noChangeArrowheads="1" noChangeShapeType="1" noTextEdit="1"/>
+              </p:cNvSpPr>
+              <p:nvPr/>
+            </p:nvSpPr>
+            <p:spPr>
+              <a:xfrm>
+                <a:off x="5931333" y="3183467"/>
+                <a:ext cx="4344988" cy="1794933"/>
+              </a:xfrm>
+              <a:prstGeom prst="rect">
+                <a:avLst/>
+              </a:prstGeom>
+              <a:blipFill>
+                <a:blip r:embed="rId3"/>
+                <a:stretch>
+                  <a:fillRect/>
+                </a:stretch>
+              </a:blipFill>
+            </p:spPr>
+            <p:txBody>
+              <a:bodyPr/>
+              <a:lstStyle/>
+              <a:p>
+                <a:r>
+                  <a:rPr lang="en-US">
+                    <a:noFill/>
+                  </a:rPr>
+                  <a:t> </a:t>
+                </a:r>
+              </a:p>
+            </p:txBody>
+          </p:sp>
+        </mc:Fallback>
+      </mc:AlternateContent>
+      <p:sp>
+        <p:nvSpPr>
+          <p:cNvPr id="6" name="Content Placeholder 2">
+            <a:extLst>
+              <a:ext uri="{FF2B5EF4-FFF2-40B4-BE49-F238E27FC236}">
+                <a16:creationId xmlns:a16="http://schemas.microsoft.com/office/drawing/2014/main" id="{92A1A9F6-49F9-A84C-9AB8-8F78D8925BE3}"/>
+              </a:ext>
+            </a:extLst>
+          </p:cNvPr>
+          <p:cNvSpPr txBox="1">
+            <a:spLocks/>
+          </p:cNvSpPr>
+          <p:nvPr/>
+        </p:nvSpPr>
+        <p:spPr>
+          <a:xfrm>
+            <a:off x="6992793" y="2362200"/>
+            <a:ext cx="2222067" cy="651933"/>
+          </a:xfrm>
+          <a:prstGeom prst="rect">
+            <a:avLst/>
+          </a:prstGeom>
+        </p:spPr>
+        <p:txBody>
+          <a:bodyPr vert="horz" lIns="91440" tIns="45720" rIns="91440" bIns="45720" rtlCol="0">
+            <a:normAutofit/>
+          </a:bodyPr>
+          <a:lstStyle>
+            <a:lvl1pPr marL="228600" indent="-228600" algn="l" defTabSz="914400" rtl="0" eaLnBrk="1" latinLnBrk="0" hangingPunct="1">
+              <a:lnSpc>
+                <a:spcPct val="120000"/>
+              </a:lnSpc>
+              <a:spcBef>
+                <a:spcPts val="1000"/>
+              </a:spcBef>
+              <a:buSzPct val="125000"/>
+              <a:buFont typeface="Arial" panose="020B0604020202020204" pitchFamily="34" charset="0"/>
+              <a:buChar char="•"/>
+              <a:defRPr sz="2400" kern="1200">
+                <a:solidFill>
+                  <a:schemeClr val="tx1"/>
+                </a:solidFill>
+                <a:latin typeface="+mn-lt"/>
+                <a:ea typeface="+mn-ea"/>
+                <a:cs typeface="+mn-cs"/>
+              </a:defRPr>
+            </a:lvl1pPr>
+            <a:lvl2pPr marL="685800" indent="-228600" algn="l" defTabSz="914400" rtl="0" eaLnBrk="1" latinLnBrk="0" hangingPunct="1">
+              <a:lnSpc>
+                <a:spcPct val="120000"/>
+              </a:lnSpc>
+              <a:spcBef>
+                <a:spcPts val="500"/>
+              </a:spcBef>
+              <a:buSzPct val="125000"/>
+              <a:buFont typeface="Arial" panose="020B0604020202020204" pitchFamily="34" charset="0"/>
+              <a:buChar char="•"/>
+              <a:defRPr sz="2000" kern="1200">
+                <a:solidFill>
+                  <a:schemeClr val="tx1"/>
+                </a:solidFill>
+                <a:latin typeface="+mn-lt"/>
+                <a:ea typeface="+mn-ea"/>
+                <a:cs typeface="+mn-cs"/>
+              </a:defRPr>
+            </a:lvl2pPr>
+            <a:lvl3pPr marL="1143000" indent="-228600" algn="l" defTabSz="914400" rtl="0" eaLnBrk="1" latinLnBrk="0" hangingPunct="1">
+              <a:lnSpc>
+                <a:spcPct val="120000"/>
+              </a:lnSpc>
+              <a:spcBef>
+                <a:spcPts val="500"/>
+              </a:spcBef>
+              <a:buSzPct val="125000"/>
+              <a:buFont typeface="Arial" panose="020B0604020202020204" pitchFamily="34" charset="0"/>
+              <a:buChar char="•"/>
+              <a:defRPr sz="1800" kern="1200">
+                <a:solidFill>
+                  <a:schemeClr val="tx1"/>
+                </a:solidFill>
+                <a:latin typeface="+mn-lt"/>
+                <a:ea typeface="+mn-ea"/>
+                <a:cs typeface="+mn-cs"/>
+              </a:defRPr>
+            </a:lvl3pPr>
+            <a:lvl4pPr marL="1600200" indent="-228600" algn="l" defTabSz="914400" rtl="0" eaLnBrk="1" latinLnBrk="0" hangingPunct="1">
+              <a:lnSpc>
+                <a:spcPct val="120000"/>
+              </a:lnSpc>
+              <a:spcBef>
+                <a:spcPts val="500"/>
+              </a:spcBef>
+              <a:buSzPct val="125000"/>
+              <a:buFont typeface="Arial" panose="020B0604020202020204" pitchFamily="34" charset="0"/>
+              <a:buChar char="•"/>
+              <a:defRPr sz="1600" kern="1200">
+                <a:solidFill>
+                  <a:schemeClr val="tx1"/>
+                </a:solidFill>
+                <a:latin typeface="+mn-lt"/>
+                <a:ea typeface="+mn-ea"/>
+                <a:cs typeface="+mn-cs"/>
+              </a:defRPr>
+            </a:lvl4pPr>
+            <a:lvl5pPr marL="2057400" indent="-228600" algn="l" defTabSz="914400" rtl="0" eaLnBrk="1" latinLnBrk="0" hangingPunct="1">
+              <a:lnSpc>
+                <a:spcPct val="120000"/>
+              </a:lnSpc>
+              <a:spcBef>
+                <a:spcPts val="500"/>
+              </a:spcBef>
+              <a:buSzPct val="125000"/>
+              <a:buFont typeface="Arial" panose="020B0604020202020204" pitchFamily="34" charset="0"/>
+              <a:buChar char="•"/>
+              <a:defRPr sz="1600" kern="1200">
+                <a:solidFill>
+                  <a:schemeClr val="tx1"/>
+                </a:solidFill>
+                <a:latin typeface="+mn-lt"/>
+                <a:ea typeface="+mn-ea"/>
+                <a:cs typeface="+mn-cs"/>
+              </a:defRPr>
+            </a:lvl5pPr>
+            <a:lvl6pPr marL="2514600" indent="-228600" algn="l" defTabSz="914400" rtl="0" eaLnBrk="1" latinLnBrk="0" hangingPunct="1">
+              <a:lnSpc>
+                <a:spcPct val="120000"/>
+              </a:lnSpc>
+              <a:spcBef>
+                <a:spcPts val="500"/>
+              </a:spcBef>
+              <a:buSzPct val="125000"/>
+              <a:buFont typeface="Arial" panose="020B0604020202020204" pitchFamily="34" charset="0"/>
+              <a:buChar char="•"/>
+              <a:defRPr sz="1400" kern="1200">
+                <a:solidFill>
+                  <a:schemeClr val="tx1"/>
+                </a:solidFill>
+                <a:latin typeface="+mn-lt"/>
+                <a:ea typeface="+mn-ea"/>
+                <a:cs typeface="+mn-cs"/>
+              </a:defRPr>
+            </a:lvl6pPr>
+            <a:lvl7pPr marL="2971800" indent="-228600" algn="l" defTabSz="914400" rtl="0" eaLnBrk="1" latinLnBrk="0" hangingPunct="1">
+              <a:lnSpc>
+                <a:spcPct val="120000"/>
+              </a:lnSpc>
+              <a:spcBef>
+                <a:spcPts val="500"/>
+              </a:spcBef>
+              <a:buSzPct val="125000"/>
+              <a:buFont typeface="Arial" panose="020B0604020202020204" pitchFamily="34" charset="0"/>
+              <a:buChar char="•"/>
+              <a:defRPr sz="1400" kern="1200">
+                <a:solidFill>
+                  <a:schemeClr val="tx1"/>
+                </a:solidFill>
+                <a:latin typeface="+mn-lt"/>
+                <a:ea typeface="+mn-ea"/>
+                <a:cs typeface="+mn-cs"/>
+              </a:defRPr>
+            </a:lvl7pPr>
+            <a:lvl8pPr marL="3429000" indent="-228600" algn="l" defTabSz="914400" rtl="0" eaLnBrk="1" latinLnBrk="0" hangingPunct="1">
+              <a:lnSpc>
+                <a:spcPct val="120000"/>
+              </a:lnSpc>
+              <a:spcBef>
+                <a:spcPts val="500"/>
+              </a:spcBef>
+              <a:buSzPct val="125000"/>
+              <a:buFont typeface="Arial" panose="020B0604020202020204" pitchFamily="34" charset="0"/>
+              <a:buChar char="•"/>
+              <a:defRPr sz="1400" kern="1200">
+                <a:solidFill>
+                  <a:schemeClr val="tx1"/>
+                </a:solidFill>
+                <a:latin typeface="+mn-lt"/>
+                <a:ea typeface="+mn-ea"/>
+                <a:cs typeface="+mn-cs"/>
+              </a:defRPr>
+            </a:lvl8pPr>
+            <a:lvl9pPr marL="3886200" indent="-228600" algn="l" defTabSz="914400" rtl="0" eaLnBrk="1" latinLnBrk="0" hangingPunct="1">
+              <a:lnSpc>
+                <a:spcPct val="120000"/>
+              </a:lnSpc>
+              <a:spcBef>
+                <a:spcPts val="500"/>
+              </a:spcBef>
+              <a:buSzPct val="125000"/>
+              <a:buFont typeface="Arial" panose="020B0604020202020204" pitchFamily="34" charset="0"/>
+              <a:buChar char="•"/>
+              <a:defRPr sz="1400" kern="1200">
+                <a:solidFill>
+                  <a:schemeClr val="tx1"/>
+                </a:solidFill>
+                <a:latin typeface="+mn-lt"/>
+                <a:ea typeface="+mn-ea"/>
+                <a:cs typeface="+mn-cs"/>
+              </a:defRPr>
+            </a:lvl9pPr>
+          </a:lstStyle>
+          <a:p>
+            <a:pPr marL="0" indent="0">
+              <a:buNone/>
+            </a:pPr>
+            <a:r>
+              <a:rPr lang="en-US" dirty="0"/>
+              <a:t>Onto (surjective)</a:t>
+            </a:r>
+          </a:p>
+        </p:txBody>
+      </p:sp>
+      <p:sp>
+        <p:nvSpPr>
+          <p:cNvPr id="7" name="Content Placeholder 2">
+            <a:extLst>
+              <a:ext uri="{FF2B5EF4-FFF2-40B4-BE49-F238E27FC236}">
+                <a16:creationId xmlns:a16="http://schemas.microsoft.com/office/drawing/2014/main" id="{B47805C6-0E42-884C-9329-F61388B5B038}"/>
+              </a:ext>
+            </a:extLst>
+          </p:cNvPr>
+          <p:cNvSpPr txBox="1">
+            <a:spLocks/>
+          </p:cNvSpPr>
+          <p:nvPr/>
+        </p:nvSpPr>
+        <p:spPr>
+          <a:xfrm>
+            <a:off x="1420815" y="2446864"/>
+            <a:ext cx="3337453" cy="550335"/>
+          </a:xfrm>
+          <a:prstGeom prst="rect">
+            <a:avLst/>
+          </a:prstGeom>
+        </p:spPr>
+        <p:txBody>
+          <a:bodyPr vert="horz" lIns="91440" tIns="45720" rIns="91440" bIns="45720" rtlCol="0">
+            <a:normAutofit/>
+          </a:bodyPr>
+          <a:lstStyle>
+            <a:lvl1pPr marL="228600" indent="-228600" algn="l" defTabSz="914400" rtl="0" eaLnBrk="1" latinLnBrk="0" hangingPunct="1">
+              <a:lnSpc>
+                <a:spcPct val="120000"/>
+              </a:lnSpc>
+              <a:spcBef>
+                <a:spcPts val="1000"/>
+              </a:spcBef>
+              <a:buSzPct val="125000"/>
+              <a:buFont typeface="Arial" panose="020B0604020202020204" pitchFamily="34" charset="0"/>
+              <a:buChar char="•"/>
+              <a:defRPr sz="2400" kern="1200">
+                <a:solidFill>
+                  <a:schemeClr val="tx1"/>
+                </a:solidFill>
+                <a:latin typeface="+mn-lt"/>
+                <a:ea typeface="+mn-ea"/>
+                <a:cs typeface="+mn-cs"/>
+              </a:defRPr>
+            </a:lvl1pPr>
+            <a:lvl2pPr marL="685800" indent="-228600" algn="l" defTabSz="914400" rtl="0" eaLnBrk="1" latinLnBrk="0" hangingPunct="1">
+              <a:lnSpc>
+                <a:spcPct val="120000"/>
+              </a:lnSpc>
+              <a:spcBef>
+                <a:spcPts val="500"/>
+              </a:spcBef>
+              <a:buSzPct val="125000"/>
+              <a:buFont typeface="Arial" panose="020B0604020202020204" pitchFamily="34" charset="0"/>
+              <a:buChar char="•"/>
+              <a:defRPr sz="2000" kern="1200">
+                <a:solidFill>
+                  <a:schemeClr val="tx1"/>
+                </a:solidFill>
+                <a:latin typeface="+mn-lt"/>
+                <a:ea typeface="+mn-ea"/>
+                <a:cs typeface="+mn-cs"/>
+              </a:defRPr>
+            </a:lvl2pPr>
+            <a:lvl3pPr marL="1143000" indent="-228600" algn="l" defTabSz="914400" rtl="0" eaLnBrk="1" latinLnBrk="0" hangingPunct="1">
+              <a:lnSpc>
+                <a:spcPct val="120000"/>
+              </a:lnSpc>
+              <a:spcBef>
+                <a:spcPts val="500"/>
+              </a:spcBef>
+              <a:buSzPct val="125000"/>
+              <a:buFont typeface="Arial" panose="020B0604020202020204" pitchFamily="34" charset="0"/>
+              <a:buChar char="•"/>
+              <a:defRPr sz="1800" kern="1200">
+                <a:solidFill>
+                  <a:schemeClr val="tx1"/>
+                </a:solidFill>
+                <a:latin typeface="+mn-lt"/>
+                <a:ea typeface="+mn-ea"/>
+                <a:cs typeface="+mn-cs"/>
+              </a:defRPr>
+            </a:lvl3pPr>
+            <a:lvl4pPr marL="1600200" indent="-228600" algn="l" defTabSz="914400" rtl="0" eaLnBrk="1" latinLnBrk="0" hangingPunct="1">
+              <a:lnSpc>
+                <a:spcPct val="120000"/>
+              </a:lnSpc>
+              <a:spcBef>
+                <a:spcPts val="500"/>
+              </a:spcBef>
+              <a:buSzPct val="125000"/>
+              <a:buFont typeface="Arial" panose="020B0604020202020204" pitchFamily="34" charset="0"/>
+              <a:buChar char="•"/>
+              <a:defRPr sz="1600" kern="1200">
+                <a:solidFill>
+                  <a:schemeClr val="tx1"/>
+                </a:solidFill>
+                <a:latin typeface="+mn-lt"/>
+                <a:ea typeface="+mn-ea"/>
+                <a:cs typeface="+mn-cs"/>
+              </a:defRPr>
+            </a:lvl4pPr>
+            <a:lvl5pPr marL="2057400" indent="-228600" algn="l" defTabSz="914400" rtl="0" eaLnBrk="1" latinLnBrk="0" hangingPunct="1">
+              <a:lnSpc>
+                <a:spcPct val="120000"/>
+              </a:lnSpc>
+              <a:spcBef>
+                <a:spcPts val="500"/>
+              </a:spcBef>
+              <a:buSzPct val="125000"/>
+              <a:buFont typeface="Arial" panose="020B0604020202020204" pitchFamily="34" charset="0"/>
+              <a:buChar char="•"/>
+              <a:defRPr sz="1600" kern="1200">
+                <a:solidFill>
+                  <a:schemeClr val="tx1"/>
+                </a:solidFill>
+                <a:latin typeface="+mn-lt"/>
+                <a:ea typeface="+mn-ea"/>
+                <a:cs typeface="+mn-cs"/>
+              </a:defRPr>
+            </a:lvl5pPr>
+            <a:lvl6pPr marL="2514600" indent="-228600" algn="l" defTabSz="914400" rtl="0" eaLnBrk="1" latinLnBrk="0" hangingPunct="1">
+              <a:lnSpc>
+                <a:spcPct val="120000"/>
+              </a:lnSpc>
+              <a:spcBef>
+                <a:spcPts val="500"/>
+              </a:spcBef>
+              <a:buSzPct val="125000"/>
+              <a:buFont typeface="Arial" panose="020B0604020202020204" pitchFamily="34" charset="0"/>
+              <a:buChar char="•"/>
+              <a:defRPr sz="1400" kern="1200">
+                <a:solidFill>
+                  <a:schemeClr val="tx1"/>
+                </a:solidFill>
+                <a:latin typeface="+mn-lt"/>
+                <a:ea typeface="+mn-ea"/>
+                <a:cs typeface="+mn-cs"/>
+              </a:defRPr>
+            </a:lvl6pPr>
+            <a:lvl7pPr marL="2971800" indent="-228600" algn="l" defTabSz="914400" rtl="0" eaLnBrk="1" latinLnBrk="0" hangingPunct="1">
+              <a:lnSpc>
+                <a:spcPct val="120000"/>
+              </a:lnSpc>
+              <a:spcBef>
+                <a:spcPts val="500"/>
+              </a:spcBef>
+              <a:buSzPct val="125000"/>
+              <a:buFont typeface="Arial" panose="020B0604020202020204" pitchFamily="34" charset="0"/>
+              <a:buChar char="•"/>
+              <a:defRPr sz="1400" kern="1200">
+                <a:solidFill>
+                  <a:schemeClr val="tx1"/>
+                </a:solidFill>
+                <a:latin typeface="+mn-lt"/>
+                <a:ea typeface="+mn-ea"/>
+                <a:cs typeface="+mn-cs"/>
+              </a:defRPr>
+            </a:lvl7pPr>
+            <a:lvl8pPr marL="3429000" indent="-228600" algn="l" defTabSz="914400" rtl="0" eaLnBrk="1" latinLnBrk="0" hangingPunct="1">
+              <a:lnSpc>
+                <a:spcPct val="120000"/>
+              </a:lnSpc>
+              <a:spcBef>
+                <a:spcPts val="500"/>
+              </a:spcBef>
+              <a:buSzPct val="125000"/>
+              <a:buFont typeface="Arial" panose="020B0604020202020204" pitchFamily="34" charset="0"/>
+              <a:buChar char="•"/>
+              <a:defRPr sz="1400" kern="1200">
+                <a:solidFill>
+                  <a:schemeClr val="tx1"/>
+                </a:solidFill>
+                <a:latin typeface="+mn-lt"/>
+                <a:ea typeface="+mn-ea"/>
+                <a:cs typeface="+mn-cs"/>
+              </a:defRPr>
+            </a:lvl8pPr>
+            <a:lvl9pPr marL="3886200" indent="-228600" algn="l" defTabSz="914400" rtl="0" eaLnBrk="1" latinLnBrk="0" hangingPunct="1">
+              <a:lnSpc>
+                <a:spcPct val="120000"/>
+              </a:lnSpc>
+              <a:spcBef>
+                <a:spcPts val="500"/>
+              </a:spcBef>
+              <a:buSzPct val="125000"/>
+              <a:buFont typeface="Arial" panose="020B0604020202020204" pitchFamily="34" charset="0"/>
+              <a:buChar char="•"/>
+              <a:defRPr sz="1400" kern="1200">
+                <a:solidFill>
+                  <a:schemeClr val="tx1"/>
+                </a:solidFill>
+                <a:latin typeface="+mn-lt"/>
+                <a:ea typeface="+mn-ea"/>
+                <a:cs typeface="+mn-cs"/>
+              </a:defRPr>
+            </a:lvl9pPr>
+          </a:lstStyle>
+          <a:p>
+            <a:pPr marL="0" indent="0" algn="ctr">
+              <a:buNone/>
+            </a:pPr>
+            <a:r>
+              <a:rPr lang="en-US" dirty="0"/>
+              <a:t>One-to-one (injective)</a:t>
+            </a:r>
           </a:p>
         </p:txBody>
       </p:sp>
@@ -23745,7 +26115,7 @@
 </p:sld>
 </file>
 
-<file path=ppt/slides/slide18.xml><?xml version="1.0" encoding="utf-8"?>
+<file path=ppt/slides/slide19.xml><?xml version="1.0" encoding="utf-8"?>
 <p:sld xmlns:a="http://schemas.openxmlformats.org/drawingml/2006/main" xmlns:r="http://schemas.openxmlformats.org/officeDocument/2006/relationships" xmlns:p="http://schemas.openxmlformats.org/presentationml/2006/main">
   <p:cSld>
     <p:spTree>
@@ -25388,7 +27758,7 @@
               <a:pPr>
                 <a:defRPr/>
               </a:pPr>
-              <a:t>18</a:t>
+              <a:t>19</a:t>
             </a:fld>
             <a:endParaRPr lang="en-US"/>
           </a:p>
@@ -25402,7 +27772,7 @@
         </p:nvSpPr>
         <p:spPr>
           <a:xfrm>
-            <a:off x="1537997" y="5562601"/>
+            <a:off x="3048794" y="5505545"/>
             <a:ext cx="6707349" cy="523220"/>
           </a:xfrm>
           <a:prstGeom prst="rect">
@@ -25612,7 +27982,574 @@
 </p:sld>
 </file>
 
-<file path=ppt/slides/slide19.xml><?xml version="1.0" encoding="utf-8"?>
+<file path=ppt/slides/slide2.xml><?xml version="1.0" encoding="utf-8"?>
+<p:sld xmlns:a="http://schemas.openxmlformats.org/drawingml/2006/main" xmlns:r="http://schemas.openxmlformats.org/officeDocument/2006/relationships" xmlns:p="http://schemas.openxmlformats.org/presentationml/2006/main">
+  <p:cSld>
+    <p:spTree>
+      <p:nvGrpSpPr>
+        <p:cNvPr id="1" name=""/>
+        <p:cNvGrpSpPr/>
+        <p:nvPr/>
+      </p:nvGrpSpPr>
+      <p:grpSpPr>
+        <a:xfrm>
+          <a:off x="0" y="0"/>
+          <a:ext cx="0" cy="0"/>
+          <a:chOff x="0" y="0"/>
+          <a:chExt cx="0" cy="0"/>
+        </a:xfrm>
+      </p:grpSpPr>
+      <p:sp>
+        <p:nvSpPr>
+          <p:cNvPr id="2" name="Title 1">
+            <a:extLst>
+              <a:ext uri="{FF2B5EF4-FFF2-40B4-BE49-F238E27FC236}">
+                <a16:creationId xmlns:a16="http://schemas.microsoft.com/office/drawing/2014/main" id="{D63C04CD-2329-4D47-84D9-12CB3EDD9F46}"/>
+              </a:ext>
+            </a:extLst>
+          </p:cNvPr>
+          <p:cNvSpPr>
+            <a:spLocks noGrp="1"/>
+          </p:cNvSpPr>
+          <p:nvPr>
+            <p:ph type="title"/>
+          </p:nvPr>
+        </p:nvSpPr>
+        <p:spPr>
+          <a:xfrm>
+            <a:off x="1141413" y="125537"/>
+            <a:ext cx="9905998" cy="860425"/>
+          </a:xfrm>
+        </p:spPr>
+        <p:txBody>
+          <a:bodyPr/>
+          <a:lstStyle/>
+          <a:p>
+            <a:pPr algn="ctr"/>
+            <a:r>
+              <a:rPr lang="en-US" dirty="0"/>
+              <a:t>Goals!</a:t>
+            </a:r>
+          </a:p>
+        </p:txBody>
+      </p:sp>
+      <p:sp>
+        <p:nvSpPr>
+          <p:cNvPr id="3" name="Content Placeholder 2">
+            <a:extLst>
+              <a:ext uri="{FF2B5EF4-FFF2-40B4-BE49-F238E27FC236}">
+                <a16:creationId xmlns:a16="http://schemas.microsoft.com/office/drawing/2014/main" id="{14278F5F-F936-6145-9FF8-704886F1A386}"/>
+              </a:ext>
+            </a:extLst>
+          </p:cNvPr>
+          <p:cNvSpPr>
+            <a:spLocks noGrp="1"/>
+          </p:cNvSpPr>
+          <p:nvPr>
+            <p:ph idx="1"/>
+          </p:nvPr>
+        </p:nvSpPr>
+        <p:spPr>
+          <a:xfrm>
+            <a:off x="1141412" y="1455090"/>
+            <a:ext cx="9905999" cy="1089328"/>
+          </a:xfrm>
+          <a:solidFill>
+            <a:schemeClr val="tx1">
+              <a:lumMod val="95000"/>
+            </a:schemeClr>
+          </a:solidFill>
+        </p:spPr>
+        <p:txBody>
+          <a:bodyPr/>
+          <a:lstStyle/>
+          <a:p>
+            <a:pPr marL="0" indent="0">
+              <a:buNone/>
+            </a:pPr>
+            <a:r>
+              <a:rPr lang="en-US" dirty="0">
+                <a:solidFill>
+                  <a:schemeClr val="bg1"/>
+                </a:solidFill>
+              </a:rPr>
+              <a:t>1. What exactly is “computation”. What exactly do we mean by “computation”? Let’s define these things clearly and explicitly.</a:t>
+            </a:r>
+          </a:p>
+        </p:txBody>
+      </p:sp>
+      <p:sp>
+        <p:nvSpPr>
+          <p:cNvPr id="4" name="Content Placeholder 2">
+            <a:extLst>
+              <a:ext uri="{FF2B5EF4-FFF2-40B4-BE49-F238E27FC236}">
+                <a16:creationId xmlns:a16="http://schemas.microsoft.com/office/drawing/2014/main" id="{C3CBD30C-EB51-C249-A8FC-E343315276A6}"/>
+              </a:ext>
+            </a:extLst>
+          </p:cNvPr>
+          <p:cNvSpPr txBox="1">
+            <a:spLocks/>
+          </p:cNvSpPr>
+          <p:nvPr/>
+        </p:nvSpPr>
+        <p:spPr>
+          <a:xfrm>
+            <a:off x="1141412" y="2744527"/>
+            <a:ext cx="9905999" cy="1089328"/>
+          </a:xfrm>
+          <a:prstGeom prst="rect">
+            <a:avLst/>
+          </a:prstGeom>
+          <a:solidFill>
+            <a:schemeClr val="tx1">
+              <a:lumMod val="95000"/>
+            </a:schemeClr>
+          </a:solidFill>
+        </p:spPr>
+        <p:txBody>
+          <a:bodyPr vert="horz" lIns="91440" tIns="45720" rIns="91440" bIns="45720" rtlCol="0">
+            <a:normAutofit/>
+          </a:bodyPr>
+          <a:lstStyle>
+            <a:lvl1pPr marL="228600" indent="-228600" algn="l" defTabSz="914400" rtl="0" eaLnBrk="1" latinLnBrk="0" hangingPunct="1">
+              <a:lnSpc>
+                <a:spcPct val="120000"/>
+              </a:lnSpc>
+              <a:spcBef>
+                <a:spcPts val="1000"/>
+              </a:spcBef>
+              <a:buSzPct val="125000"/>
+              <a:buFont typeface="Arial" panose="020B0604020202020204" pitchFamily="34" charset="0"/>
+              <a:buChar char="•"/>
+              <a:defRPr sz="2400" kern="1200">
+                <a:solidFill>
+                  <a:schemeClr val="tx1"/>
+                </a:solidFill>
+                <a:latin typeface="+mn-lt"/>
+                <a:ea typeface="+mn-ea"/>
+                <a:cs typeface="+mn-cs"/>
+              </a:defRPr>
+            </a:lvl1pPr>
+            <a:lvl2pPr marL="685800" indent="-228600" algn="l" defTabSz="914400" rtl="0" eaLnBrk="1" latinLnBrk="0" hangingPunct="1">
+              <a:lnSpc>
+                <a:spcPct val="120000"/>
+              </a:lnSpc>
+              <a:spcBef>
+                <a:spcPts val="500"/>
+              </a:spcBef>
+              <a:buSzPct val="125000"/>
+              <a:buFont typeface="Arial" panose="020B0604020202020204" pitchFamily="34" charset="0"/>
+              <a:buChar char="•"/>
+              <a:defRPr sz="2000" kern="1200">
+                <a:solidFill>
+                  <a:schemeClr val="tx1"/>
+                </a:solidFill>
+                <a:latin typeface="+mn-lt"/>
+                <a:ea typeface="+mn-ea"/>
+                <a:cs typeface="+mn-cs"/>
+              </a:defRPr>
+            </a:lvl2pPr>
+            <a:lvl3pPr marL="1143000" indent="-228600" algn="l" defTabSz="914400" rtl="0" eaLnBrk="1" latinLnBrk="0" hangingPunct="1">
+              <a:lnSpc>
+                <a:spcPct val="120000"/>
+              </a:lnSpc>
+              <a:spcBef>
+                <a:spcPts val="500"/>
+              </a:spcBef>
+              <a:buSzPct val="125000"/>
+              <a:buFont typeface="Arial" panose="020B0604020202020204" pitchFamily="34" charset="0"/>
+              <a:buChar char="•"/>
+              <a:defRPr sz="1800" kern="1200">
+                <a:solidFill>
+                  <a:schemeClr val="tx1"/>
+                </a:solidFill>
+                <a:latin typeface="+mn-lt"/>
+                <a:ea typeface="+mn-ea"/>
+                <a:cs typeface="+mn-cs"/>
+              </a:defRPr>
+            </a:lvl3pPr>
+            <a:lvl4pPr marL="1600200" indent="-228600" algn="l" defTabSz="914400" rtl="0" eaLnBrk="1" latinLnBrk="0" hangingPunct="1">
+              <a:lnSpc>
+                <a:spcPct val="120000"/>
+              </a:lnSpc>
+              <a:spcBef>
+                <a:spcPts val="500"/>
+              </a:spcBef>
+              <a:buSzPct val="125000"/>
+              <a:buFont typeface="Arial" panose="020B0604020202020204" pitchFamily="34" charset="0"/>
+              <a:buChar char="•"/>
+              <a:defRPr sz="1600" kern="1200">
+                <a:solidFill>
+                  <a:schemeClr val="tx1"/>
+                </a:solidFill>
+                <a:latin typeface="+mn-lt"/>
+                <a:ea typeface="+mn-ea"/>
+                <a:cs typeface="+mn-cs"/>
+              </a:defRPr>
+            </a:lvl4pPr>
+            <a:lvl5pPr marL="2057400" indent="-228600" algn="l" defTabSz="914400" rtl="0" eaLnBrk="1" latinLnBrk="0" hangingPunct="1">
+              <a:lnSpc>
+                <a:spcPct val="120000"/>
+              </a:lnSpc>
+              <a:spcBef>
+                <a:spcPts val="500"/>
+              </a:spcBef>
+              <a:buSzPct val="125000"/>
+              <a:buFont typeface="Arial" panose="020B0604020202020204" pitchFamily="34" charset="0"/>
+              <a:buChar char="•"/>
+              <a:defRPr sz="1600" kern="1200">
+                <a:solidFill>
+                  <a:schemeClr val="tx1"/>
+                </a:solidFill>
+                <a:latin typeface="+mn-lt"/>
+                <a:ea typeface="+mn-ea"/>
+                <a:cs typeface="+mn-cs"/>
+              </a:defRPr>
+            </a:lvl5pPr>
+            <a:lvl6pPr marL="2514600" indent="-228600" algn="l" defTabSz="914400" rtl="0" eaLnBrk="1" latinLnBrk="0" hangingPunct="1">
+              <a:lnSpc>
+                <a:spcPct val="120000"/>
+              </a:lnSpc>
+              <a:spcBef>
+                <a:spcPts val="500"/>
+              </a:spcBef>
+              <a:buSzPct val="125000"/>
+              <a:buFont typeface="Arial" panose="020B0604020202020204" pitchFamily="34" charset="0"/>
+              <a:buChar char="•"/>
+              <a:defRPr sz="1400" kern="1200">
+                <a:solidFill>
+                  <a:schemeClr val="tx1"/>
+                </a:solidFill>
+                <a:latin typeface="+mn-lt"/>
+                <a:ea typeface="+mn-ea"/>
+                <a:cs typeface="+mn-cs"/>
+              </a:defRPr>
+            </a:lvl6pPr>
+            <a:lvl7pPr marL="2971800" indent="-228600" algn="l" defTabSz="914400" rtl="0" eaLnBrk="1" latinLnBrk="0" hangingPunct="1">
+              <a:lnSpc>
+                <a:spcPct val="120000"/>
+              </a:lnSpc>
+              <a:spcBef>
+                <a:spcPts val="500"/>
+              </a:spcBef>
+              <a:buSzPct val="125000"/>
+              <a:buFont typeface="Arial" panose="020B0604020202020204" pitchFamily="34" charset="0"/>
+              <a:buChar char="•"/>
+              <a:defRPr sz="1400" kern="1200">
+                <a:solidFill>
+                  <a:schemeClr val="tx1"/>
+                </a:solidFill>
+                <a:latin typeface="+mn-lt"/>
+                <a:ea typeface="+mn-ea"/>
+                <a:cs typeface="+mn-cs"/>
+              </a:defRPr>
+            </a:lvl7pPr>
+            <a:lvl8pPr marL="3429000" indent="-228600" algn="l" defTabSz="914400" rtl="0" eaLnBrk="1" latinLnBrk="0" hangingPunct="1">
+              <a:lnSpc>
+                <a:spcPct val="120000"/>
+              </a:lnSpc>
+              <a:spcBef>
+                <a:spcPts val="500"/>
+              </a:spcBef>
+              <a:buSzPct val="125000"/>
+              <a:buFont typeface="Arial" panose="020B0604020202020204" pitchFamily="34" charset="0"/>
+              <a:buChar char="•"/>
+              <a:defRPr sz="1400" kern="1200">
+                <a:solidFill>
+                  <a:schemeClr val="tx1"/>
+                </a:solidFill>
+                <a:latin typeface="+mn-lt"/>
+                <a:ea typeface="+mn-ea"/>
+                <a:cs typeface="+mn-cs"/>
+              </a:defRPr>
+            </a:lvl8pPr>
+            <a:lvl9pPr marL="3886200" indent="-228600" algn="l" defTabSz="914400" rtl="0" eaLnBrk="1" latinLnBrk="0" hangingPunct="1">
+              <a:lnSpc>
+                <a:spcPct val="120000"/>
+              </a:lnSpc>
+              <a:spcBef>
+                <a:spcPts val="500"/>
+              </a:spcBef>
+              <a:buSzPct val="125000"/>
+              <a:buFont typeface="Arial" panose="020B0604020202020204" pitchFamily="34" charset="0"/>
+              <a:buChar char="•"/>
+              <a:defRPr sz="1400" kern="1200">
+                <a:solidFill>
+                  <a:schemeClr val="tx1"/>
+                </a:solidFill>
+                <a:latin typeface="+mn-lt"/>
+                <a:ea typeface="+mn-ea"/>
+                <a:cs typeface="+mn-cs"/>
+              </a:defRPr>
+            </a:lvl9pPr>
+          </a:lstStyle>
+          <a:p>
+            <a:pPr marL="0" indent="0">
+              <a:buFont typeface="Arial" panose="020B0604020202020204" pitchFamily="34" charset="0"/>
+              <a:buNone/>
+            </a:pPr>
+            <a:r>
+              <a:rPr lang="en-US" dirty="0">
+                <a:solidFill>
+                  <a:schemeClr val="bg1"/>
+                </a:solidFill>
+              </a:rPr>
+              <a:t>2. What is the </a:t>
+            </a:r>
+            <a:r>
+              <a:rPr lang="en-US" b="1" i="1" u="sng" dirty="0">
+                <a:solidFill>
+                  <a:schemeClr val="bg1"/>
+                </a:solidFill>
+              </a:rPr>
+              <a:t>birds-eye view</a:t>
+            </a:r>
+            <a:r>
+              <a:rPr lang="en-US" dirty="0">
+                <a:solidFill>
+                  <a:schemeClr val="bg1"/>
+                </a:solidFill>
+              </a:rPr>
+              <a:t> of theory of computation (for our course!). Are there different ways to “compute” that have strengths and weaknesses?</a:t>
+            </a:r>
+          </a:p>
+        </p:txBody>
+      </p:sp>
+      <p:sp>
+        <p:nvSpPr>
+          <p:cNvPr id="5" name="Content Placeholder 2">
+            <a:extLst>
+              <a:ext uri="{FF2B5EF4-FFF2-40B4-BE49-F238E27FC236}">
+                <a16:creationId xmlns:a16="http://schemas.microsoft.com/office/drawing/2014/main" id="{A91AA56F-4E0D-8B4C-BC8F-6E9814219099}"/>
+              </a:ext>
+            </a:extLst>
+          </p:cNvPr>
+          <p:cNvSpPr txBox="1">
+            <a:spLocks/>
+          </p:cNvSpPr>
+          <p:nvPr/>
+        </p:nvSpPr>
+        <p:spPr>
+          <a:xfrm>
+            <a:off x="1141411" y="4033964"/>
+            <a:ext cx="9905999" cy="1089328"/>
+          </a:xfrm>
+          <a:prstGeom prst="rect">
+            <a:avLst/>
+          </a:prstGeom>
+          <a:solidFill>
+            <a:schemeClr val="tx1">
+              <a:lumMod val="95000"/>
+            </a:schemeClr>
+          </a:solidFill>
+        </p:spPr>
+        <p:txBody>
+          <a:bodyPr vert="horz" lIns="91440" tIns="45720" rIns="91440" bIns="45720" rtlCol="0">
+            <a:normAutofit/>
+          </a:bodyPr>
+          <a:lstStyle>
+            <a:lvl1pPr marL="228600" indent="-228600" algn="l" defTabSz="914400" rtl="0" eaLnBrk="1" latinLnBrk="0" hangingPunct="1">
+              <a:lnSpc>
+                <a:spcPct val="120000"/>
+              </a:lnSpc>
+              <a:spcBef>
+                <a:spcPts val="1000"/>
+              </a:spcBef>
+              <a:buSzPct val="125000"/>
+              <a:buFont typeface="Arial" panose="020B0604020202020204" pitchFamily="34" charset="0"/>
+              <a:buChar char="•"/>
+              <a:defRPr sz="2400" kern="1200">
+                <a:solidFill>
+                  <a:schemeClr val="tx1"/>
+                </a:solidFill>
+                <a:latin typeface="+mn-lt"/>
+                <a:ea typeface="+mn-ea"/>
+                <a:cs typeface="+mn-cs"/>
+              </a:defRPr>
+            </a:lvl1pPr>
+            <a:lvl2pPr marL="685800" indent="-228600" algn="l" defTabSz="914400" rtl="0" eaLnBrk="1" latinLnBrk="0" hangingPunct="1">
+              <a:lnSpc>
+                <a:spcPct val="120000"/>
+              </a:lnSpc>
+              <a:spcBef>
+                <a:spcPts val="500"/>
+              </a:spcBef>
+              <a:buSzPct val="125000"/>
+              <a:buFont typeface="Arial" panose="020B0604020202020204" pitchFamily="34" charset="0"/>
+              <a:buChar char="•"/>
+              <a:defRPr sz="2000" kern="1200">
+                <a:solidFill>
+                  <a:schemeClr val="tx1"/>
+                </a:solidFill>
+                <a:latin typeface="+mn-lt"/>
+                <a:ea typeface="+mn-ea"/>
+                <a:cs typeface="+mn-cs"/>
+              </a:defRPr>
+            </a:lvl2pPr>
+            <a:lvl3pPr marL="1143000" indent="-228600" algn="l" defTabSz="914400" rtl="0" eaLnBrk="1" latinLnBrk="0" hangingPunct="1">
+              <a:lnSpc>
+                <a:spcPct val="120000"/>
+              </a:lnSpc>
+              <a:spcBef>
+                <a:spcPts val="500"/>
+              </a:spcBef>
+              <a:buSzPct val="125000"/>
+              <a:buFont typeface="Arial" panose="020B0604020202020204" pitchFamily="34" charset="0"/>
+              <a:buChar char="•"/>
+              <a:defRPr sz="1800" kern="1200">
+                <a:solidFill>
+                  <a:schemeClr val="tx1"/>
+                </a:solidFill>
+                <a:latin typeface="+mn-lt"/>
+                <a:ea typeface="+mn-ea"/>
+                <a:cs typeface="+mn-cs"/>
+              </a:defRPr>
+            </a:lvl3pPr>
+            <a:lvl4pPr marL="1600200" indent="-228600" algn="l" defTabSz="914400" rtl="0" eaLnBrk="1" latinLnBrk="0" hangingPunct="1">
+              <a:lnSpc>
+                <a:spcPct val="120000"/>
+              </a:lnSpc>
+              <a:spcBef>
+                <a:spcPts val="500"/>
+              </a:spcBef>
+              <a:buSzPct val="125000"/>
+              <a:buFont typeface="Arial" panose="020B0604020202020204" pitchFamily="34" charset="0"/>
+              <a:buChar char="•"/>
+              <a:defRPr sz="1600" kern="1200">
+                <a:solidFill>
+                  <a:schemeClr val="tx1"/>
+                </a:solidFill>
+                <a:latin typeface="+mn-lt"/>
+                <a:ea typeface="+mn-ea"/>
+                <a:cs typeface="+mn-cs"/>
+              </a:defRPr>
+            </a:lvl4pPr>
+            <a:lvl5pPr marL="2057400" indent="-228600" algn="l" defTabSz="914400" rtl="0" eaLnBrk="1" latinLnBrk="0" hangingPunct="1">
+              <a:lnSpc>
+                <a:spcPct val="120000"/>
+              </a:lnSpc>
+              <a:spcBef>
+                <a:spcPts val="500"/>
+              </a:spcBef>
+              <a:buSzPct val="125000"/>
+              <a:buFont typeface="Arial" panose="020B0604020202020204" pitchFamily="34" charset="0"/>
+              <a:buChar char="•"/>
+              <a:defRPr sz="1600" kern="1200">
+                <a:solidFill>
+                  <a:schemeClr val="tx1"/>
+                </a:solidFill>
+                <a:latin typeface="+mn-lt"/>
+                <a:ea typeface="+mn-ea"/>
+                <a:cs typeface="+mn-cs"/>
+              </a:defRPr>
+            </a:lvl5pPr>
+            <a:lvl6pPr marL="2514600" indent="-228600" algn="l" defTabSz="914400" rtl="0" eaLnBrk="1" latinLnBrk="0" hangingPunct="1">
+              <a:lnSpc>
+                <a:spcPct val="120000"/>
+              </a:lnSpc>
+              <a:spcBef>
+                <a:spcPts val="500"/>
+              </a:spcBef>
+              <a:buSzPct val="125000"/>
+              <a:buFont typeface="Arial" panose="020B0604020202020204" pitchFamily="34" charset="0"/>
+              <a:buChar char="•"/>
+              <a:defRPr sz="1400" kern="1200">
+                <a:solidFill>
+                  <a:schemeClr val="tx1"/>
+                </a:solidFill>
+                <a:latin typeface="+mn-lt"/>
+                <a:ea typeface="+mn-ea"/>
+                <a:cs typeface="+mn-cs"/>
+              </a:defRPr>
+            </a:lvl6pPr>
+            <a:lvl7pPr marL="2971800" indent="-228600" algn="l" defTabSz="914400" rtl="0" eaLnBrk="1" latinLnBrk="0" hangingPunct="1">
+              <a:lnSpc>
+                <a:spcPct val="120000"/>
+              </a:lnSpc>
+              <a:spcBef>
+                <a:spcPts val="500"/>
+              </a:spcBef>
+              <a:buSzPct val="125000"/>
+              <a:buFont typeface="Arial" panose="020B0604020202020204" pitchFamily="34" charset="0"/>
+              <a:buChar char="•"/>
+              <a:defRPr sz="1400" kern="1200">
+                <a:solidFill>
+                  <a:schemeClr val="tx1"/>
+                </a:solidFill>
+                <a:latin typeface="+mn-lt"/>
+                <a:ea typeface="+mn-ea"/>
+                <a:cs typeface="+mn-cs"/>
+              </a:defRPr>
+            </a:lvl7pPr>
+            <a:lvl8pPr marL="3429000" indent="-228600" algn="l" defTabSz="914400" rtl="0" eaLnBrk="1" latinLnBrk="0" hangingPunct="1">
+              <a:lnSpc>
+                <a:spcPct val="120000"/>
+              </a:lnSpc>
+              <a:spcBef>
+                <a:spcPts val="500"/>
+              </a:spcBef>
+              <a:buSzPct val="125000"/>
+              <a:buFont typeface="Arial" panose="020B0604020202020204" pitchFamily="34" charset="0"/>
+              <a:buChar char="•"/>
+              <a:defRPr sz="1400" kern="1200">
+                <a:solidFill>
+                  <a:schemeClr val="tx1"/>
+                </a:solidFill>
+                <a:latin typeface="+mn-lt"/>
+                <a:ea typeface="+mn-ea"/>
+                <a:cs typeface="+mn-cs"/>
+              </a:defRPr>
+            </a:lvl8pPr>
+            <a:lvl9pPr marL="3886200" indent="-228600" algn="l" defTabSz="914400" rtl="0" eaLnBrk="1" latinLnBrk="0" hangingPunct="1">
+              <a:lnSpc>
+                <a:spcPct val="120000"/>
+              </a:lnSpc>
+              <a:spcBef>
+                <a:spcPts val="500"/>
+              </a:spcBef>
+              <a:buSzPct val="125000"/>
+              <a:buFont typeface="Arial" panose="020B0604020202020204" pitchFamily="34" charset="0"/>
+              <a:buChar char="•"/>
+              <a:defRPr sz="1400" kern="1200">
+                <a:solidFill>
+                  <a:schemeClr val="tx1"/>
+                </a:solidFill>
+                <a:latin typeface="+mn-lt"/>
+                <a:ea typeface="+mn-ea"/>
+                <a:cs typeface="+mn-cs"/>
+              </a:defRPr>
+            </a:lvl9pPr>
+          </a:lstStyle>
+          <a:p>
+            <a:pPr marL="0" indent="0">
+              <a:buFont typeface="Arial" panose="020B0604020202020204" pitchFamily="34" charset="0"/>
+              <a:buNone/>
+            </a:pPr>
+            <a:r>
+              <a:rPr lang="en-US" dirty="0">
+                <a:solidFill>
+                  <a:schemeClr val="bg1"/>
+                </a:solidFill>
+              </a:rPr>
+              <a:t>3. What ”Math” do we need in order to start thinking about computation properly, and why?</a:t>
+            </a:r>
+          </a:p>
+        </p:txBody>
+      </p:sp>
+    </p:spTree>
+    <p:extLst>
+      <p:ext uri="{BB962C8B-B14F-4D97-AF65-F5344CB8AC3E}">
+        <p14:creationId xmlns:p14="http://schemas.microsoft.com/office/powerpoint/2010/main" val="2987249196"/>
+      </p:ext>
+    </p:extLst>
+  </p:cSld>
+  <p:clrMapOvr>
+    <a:masterClrMapping/>
+  </p:clrMapOvr>
+</p:sld>
+</file>
+
+<file path=ppt/slides/slide20.xml><?xml version="1.0" encoding="utf-8"?>
 <p:sld xmlns:a="http://schemas.openxmlformats.org/drawingml/2006/main" xmlns:r="http://schemas.openxmlformats.org/officeDocument/2006/relationships" xmlns:p="http://schemas.openxmlformats.org/presentationml/2006/main">
   <p:cSld>
     <p:spTree>
@@ -25983,7 +28920,7 @@
           <a:p>
             <a:fld id="{9BB9F8D7-E2A3-4222-BD86-A63794DF33E7}" type="slidenum">
               <a:rPr lang="en-US" smtClean="0"/>
-              <a:t>19</a:t>
+              <a:t>20</a:t>
             </a:fld>
             <a:endParaRPr lang="en-US"/>
           </a:p>
@@ -26002,574 +28939,7 @@
 </p:sld>
 </file>
 
-<file path=ppt/slides/slide2.xml><?xml version="1.0" encoding="utf-8"?>
-<p:sld xmlns:a="http://schemas.openxmlformats.org/drawingml/2006/main" xmlns:r="http://schemas.openxmlformats.org/officeDocument/2006/relationships" xmlns:p="http://schemas.openxmlformats.org/presentationml/2006/main">
-  <p:cSld>
-    <p:spTree>
-      <p:nvGrpSpPr>
-        <p:cNvPr id="1" name=""/>
-        <p:cNvGrpSpPr/>
-        <p:nvPr/>
-      </p:nvGrpSpPr>
-      <p:grpSpPr>
-        <a:xfrm>
-          <a:off x="0" y="0"/>
-          <a:ext cx="0" cy="0"/>
-          <a:chOff x="0" y="0"/>
-          <a:chExt cx="0" cy="0"/>
-        </a:xfrm>
-      </p:grpSpPr>
-      <p:sp>
-        <p:nvSpPr>
-          <p:cNvPr id="2" name="Title 1">
-            <a:extLst>
-              <a:ext uri="{FF2B5EF4-FFF2-40B4-BE49-F238E27FC236}">
-                <a16:creationId xmlns:a16="http://schemas.microsoft.com/office/drawing/2014/main" id="{D63C04CD-2329-4D47-84D9-12CB3EDD9F46}"/>
-              </a:ext>
-            </a:extLst>
-          </p:cNvPr>
-          <p:cNvSpPr>
-            <a:spLocks noGrp="1"/>
-          </p:cNvSpPr>
-          <p:nvPr>
-            <p:ph type="title"/>
-          </p:nvPr>
-        </p:nvSpPr>
-        <p:spPr>
-          <a:xfrm>
-            <a:off x="1141413" y="125537"/>
-            <a:ext cx="9905998" cy="860425"/>
-          </a:xfrm>
-        </p:spPr>
-        <p:txBody>
-          <a:bodyPr/>
-          <a:lstStyle/>
-          <a:p>
-            <a:pPr algn="ctr"/>
-            <a:r>
-              <a:rPr lang="en-US" dirty="0"/>
-              <a:t>Goals!</a:t>
-            </a:r>
-          </a:p>
-        </p:txBody>
-      </p:sp>
-      <p:sp>
-        <p:nvSpPr>
-          <p:cNvPr id="3" name="Content Placeholder 2">
-            <a:extLst>
-              <a:ext uri="{FF2B5EF4-FFF2-40B4-BE49-F238E27FC236}">
-                <a16:creationId xmlns:a16="http://schemas.microsoft.com/office/drawing/2014/main" id="{14278F5F-F936-6145-9FF8-704886F1A386}"/>
-              </a:ext>
-            </a:extLst>
-          </p:cNvPr>
-          <p:cNvSpPr>
-            <a:spLocks noGrp="1"/>
-          </p:cNvSpPr>
-          <p:nvPr>
-            <p:ph idx="1"/>
-          </p:nvPr>
-        </p:nvSpPr>
-        <p:spPr>
-          <a:xfrm>
-            <a:off x="1141412" y="1455090"/>
-            <a:ext cx="9905999" cy="1089328"/>
-          </a:xfrm>
-          <a:solidFill>
-            <a:schemeClr val="tx1">
-              <a:lumMod val="95000"/>
-            </a:schemeClr>
-          </a:solidFill>
-        </p:spPr>
-        <p:txBody>
-          <a:bodyPr/>
-          <a:lstStyle/>
-          <a:p>
-            <a:pPr marL="0" indent="0">
-              <a:buNone/>
-            </a:pPr>
-            <a:r>
-              <a:rPr lang="en-US" dirty="0">
-                <a:solidFill>
-                  <a:schemeClr val="bg1"/>
-                </a:solidFill>
-              </a:rPr>
-              <a:t>1. What exactly is “computation”. What exactly do we mean by “computation”? Let’s define these things clearly and explicitly.</a:t>
-            </a:r>
-          </a:p>
-        </p:txBody>
-      </p:sp>
-      <p:sp>
-        <p:nvSpPr>
-          <p:cNvPr id="4" name="Content Placeholder 2">
-            <a:extLst>
-              <a:ext uri="{FF2B5EF4-FFF2-40B4-BE49-F238E27FC236}">
-                <a16:creationId xmlns:a16="http://schemas.microsoft.com/office/drawing/2014/main" id="{C3CBD30C-EB51-C249-A8FC-E343315276A6}"/>
-              </a:ext>
-            </a:extLst>
-          </p:cNvPr>
-          <p:cNvSpPr txBox="1">
-            <a:spLocks/>
-          </p:cNvSpPr>
-          <p:nvPr/>
-        </p:nvSpPr>
-        <p:spPr>
-          <a:xfrm>
-            <a:off x="1141412" y="2744527"/>
-            <a:ext cx="9905999" cy="1089328"/>
-          </a:xfrm>
-          <a:prstGeom prst="rect">
-            <a:avLst/>
-          </a:prstGeom>
-          <a:solidFill>
-            <a:schemeClr val="tx1">
-              <a:lumMod val="95000"/>
-            </a:schemeClr>
-          </a:solidFill>
-        </p:spPr>
-        <p:txBody>
-          <a:bodyPr vert="horz" lIns="91440" tIns="45720" rIns="91440" bIns="45720" rtlCol="0">
-            <a:normAutofit/>
-          </a:bodyPr>
-          <a:lstStyle>
-            <a:lvl1pPr marL="228600" indent="-228600" algn="l" defTabSz="914400" rtl="0" eaLnBrk="1" latinLnBrk="0" hangingPunct="1">
-              <a:lnSpc>
-                <a:spcPct val="120000"/>
-              </a:lnSpc>
-              <a:spcBef>
-                <a:spcPts val="1000"/>
-              </a:spcBef>
-              <a:buSzPct val="125000"/>
-              <a:buFont typeface="Arial" panose="020B0604020202020204" pitchFamily="34" charset="0"/>
-              <a:buChar char="•"/>
-              <a:defRPr sz="2400" kern="1200">
-                <a:solidFill>
-                  <a:schemeClr val="tx1"/>
-                </a:solidFill>
-                <a:latin typeface="+mn-lt"/>
-                <a:ea typeface="+mn-ea"/>
-                <a:cs typeface="+mn-cs"/>
-              </a:defRPr>
-            </a:lvl1pPr>
-            <a:lvl2pPr marL="685800" indent="-228600" algn="l" defTabSz="914400" rtl="0" eaLnBrk="1" latinLnBrk="0" hangingPunct="1">
-              <a:lnSpc>
-                <a:spcPct val="120000"/>
-              </a:lnSpc>
-              <a:spcBef>
-                <a:spcPts val="500"/>
-              </a:spcBef>
-              <a:buSzPct val="125000"/>
-              <a:buFont typeface="Arial" panose="020B0604020202020204" pitchFamily="34" charset="0"/>
-              <a:buChar char="•"/>
-              <a:defRPr sz="2000" kern="1200">
-                <a:solidFill>
-                  <a:schemeClr val="tx1"/>
-                </a:solidFill>
-                <a:latin typeface="+mn-lt"/>
-                <a:ea typeface="+mn-ea"/>
-                <a:cs typeface="+mn-cs"/>
-              </a:defRPr>
-            </a:lvl2pPr>
-            <a:lvl3pPr marL="1143000" indent="-228600" algn="l" defTabSz="914400" rtl="0" eaLnBrk="1" latinLnBrk="0" hangingPunct="1">
-              <a:lnSpc>
-                <a:spcPct val="120000"/>
-              </a:lnSpc>
-              <a:spcBef>
-                <a:spcPts val="500"/>
-              </a:spcBef>
-              <a:buSzPct val="125000"/>
-              <a:buFont typeface="Arial" panose="020B0604020202020204" pitchFamily="34" charset="0"/>
-              <a:buChar char="•"/>
-              <a:defRPr sz="1800" kern="1200">
-                <a:solidFill>
-                  <a:schemeClr val="tx1"/>
-                </a:solidFill>
-                <a:latin typeface="+mn-lt"/>
-                <a:ea typeface="+mn-ea"/>
-                <a:cs typeface="+mn-cs"/>
-              </a:defRPr>
-            </a:lvl3pPr>
-            <a:lvl4pPr marL="1600200" indent="-228600" algn="l" defTabSz="914400" rtl="0" eaLnBrk="1" latinLnBrk="0" hangingPunct="1">
-              <a:lnSpc>
-                <a:spcPct val="120000"/>
-              </a:lnSpc>
-              <a:spcBef>
-                <a:spcPts val="500"/>
-              </a:spcBef>
-              <a:buSzPct val="125000"/>
-              <a:buFont typeface="Arial" panose="020B0604020202020204" pitchFamily="34" charset="0"/>
-              <a:buChar char="•"/>
-              <a:defRPr sz="1600" kern="1200">
-                <a:solidFill>
-                  <a:schemeClr val="tx1"/>
-                </a:solidFill>
-                <a:latin typeface="+mn-lt"/>
-                <a:ea typeface="+mn-ea"/>
-                <a:cs typeface="+mn-cs"/>
-              </a:defRPr>
-            </a:lvl4pPr>
-            <a:lvl5pPr marL="2057400" indent="-228600" algn="l" defTabSz="914400" rtl="0" eaLnBrk="1" latinLnBrk="0" hangingPunct="1">
-              <a:lnSpc>
-                <a:spcPct val="120000"/>
-              </a:lnSpc>
-              <a:spcBef>
-                <a:spcPts val="500"/>
-              </a:spcBef>
-              <a:buSzPct val="125000"/>
-              <a:buFont typeface="Arial" panose="020B0604020202020204" pitchFamily="34" charset="0"/>
-              <a:buChar char="•"/>
-              <a:defRPr sz="1600" kern="1200">
-                <a:solidFill>
-                  <a:schemeClr val="tx1"/>
-                </a:solidFill>
-                <a:latin typeface="+mn-lt"/>
-                <a:ea typeface="+mn-ea"/>
-                <a:cs typeface="+mn-cs"/>
-              </a:defRPr>
-            </a:lvl5pPr>
-            <a:lvl6pPr marL="2514600" indent="-228600" algn="l" defTabSz="914400" rtl="0" eaLnBrk="1" latinLnBrk="0" hangingPunct="1">
-              <a:lnSpc>
-                <a:spcPct val="120000"/>
-              </a:lnSpc>
-              <a:spcBef>
-                <a:spcPts val="500"/>
-              </a:spcBef>
-              <a:buSzPct val="125000"/>
-              <a:buFont typeface="Arial" panose="020B0604020202020204" pitchFamily="34" charset="0"/>
-              <a:buChar char="•"/>
-              <a:defRPr sz="1400" kern="1200">
-                <a:solidFill>
-                  <a:schemeClr val="tx1"/>
-                </a:solidFill>
-                <a:latin typeface="+mn-lt"/>
-                <a:ea typeface="+mn-ea"/>
-                <a:cs typeface="+mn-cs"/>
-              </a:defRPr>
-            </a:lvl6pPr>
-            <a:lvl7pPr marL="2971800" indent="-228600" algn="l" defTabSz="914400" rtl="0" eaLnBrk="1" latinLnBrk="0" hangingPunct="1">
-              <a:lnSpc>
-                <a:spcPct val="120000"/>
-              </a:lnSpc>
-              <a:spcBef>
-                <a:spcPts val="500"/>
-              </a:spcBef>
-              <a:buSzPct val="125000"/>
-              <a:buFont typeface="Arial" panose="020B0604020202020204" pitchFamily="34" charset="0"/>
-              <a:buChar char="•"/>
-              <a:defRPr sz="1400" kern="1200">
-                <a:solidFill>
-                  <a:schemeClr val="tx1"/>
-                </a:solidFill>
-                <a:latin typeface="+mn-lt"/>
-                <a:ea typeface="+mn-ea"/>
-                <a:cs typeface="+mn-cs"/>
-              </a:defRPr>
-            </a:lvl7pPr>
-            <a:lvl8pPr marL="3429000" indent="-228600" algn="l" defTabSz="914400" rtl="0" eaLnBrk="1" latinLnBrk="0" hangingPunct="1">
-              <a:lnSpc>
-                <a:spcPct val="120000"/>
-              </a:lnSpc>
-              <a:spcBef>
-                <a:spcPts val="500"/>
-              </a:spcBef>
-              <a:buSzPct val="125000"/>
-              <a:buFont typeface="Arial" panose="020B0604020202020204" pitchFamily="34" charset="0"/>
-              <a:buChar char="•"/>
-              <a:defRPr sz="1400" kern="1200">
-                <a:solidFill>
-                  <a:schemeClr val="tx1"/>
-                </a:solidFill>
-                <a:latin typeface="+mn-lt"/>
-                <a:ea typeface="+mn-ea"/>
-                <a:cs typeface="+mn-cs"/>
-              </a:defRPr>
-            </a:lvl8pPr>
-            <a:lvl9pPr marL="3886200" indent="-228600" algn="l" defTabSz="914400" rtl="0" eaLnBrk="1" latinLnBrk="0" hangingPunct="1">
-              <a:lnSpc>
-                <a:spcPct val="120000"/>
-              </a:lnSpc>
-              <a:spcBef>
-                <a:spcPts val="500"/>
-              </a:spcBef>
-              <a:buSzPct val="125000"/>
-              <a:buFont typeface="Arial" panose="020B0604020202020204" pitchFamily="34" charset="0"/>
-              <a:buChar char="•"/>
-              <a:defRPr sz="1400" kern="1200">
-                <a:solidFill>
-                  <a:schemeClr val="tx1"/>
-                </a:solidFill>
-                <a:latin typeface="+mn-lt"/>
-                <a:ea typeface="+mn-ea"/>
-                <a:cs typeface="+mn-cs"/>
-              </a:defRPr>
-            </a:lvl9pPr>
-          </a:lstStyle>
-          <a:p>
-            <a:pPr marL="0" indent="0">
-              <a:buFont typeface="Arial" panose="020B0604020202020204" pitchFamily="34" charset="0"/>
-              <a:buNone/>
-            </a:pPr>
-            <a:r>
-              <a:rPr lang="en-US" dirty="0">
-                <a:solidFill>
-                  <a:schemeClr val="bg1"/>
-                </a:solidFill>
-              </a:rPr>
-              <a:t>2. What is the </a:t>
-            </a:r>
-            <a:r>
-              <a:rPr lang="en-US" b="1" i="1" u="sng" dirty="0">
-                <a:solidFill>
-                  <a:schemeClr val="bg1"/>
-                </a:solidFill>
-              </a:rPr>
-              <a:t>birds-eye view</a:t>
-            </a:r>
-            <a:r>
-              <a:rPr lang="en-US" dirty="0">
-                <a:solidFill>
-                  <a:schemeClr val="bg1"/>
-                </a:solidFill>
-              </a:rPr>
-              <a:t> of theory of computation (for our course!). Are there different ways to “compute” that have strengths and weaknesses?</a:t>
-            </a:r>
-          </a:p>
-        </p:txBody>
-      </p:sp>
-      <p:sp>
-        <p:nvSpPr>
-          <p:cNvPr id="5" name="Content Placeholder 2">
-            <a:extLst>
-              <a:ext uri="{FF2B5EF4-FFF2-40B4-BE49-F238E27FC236}">
-                <a16:creationId xmlns:a16="http://schemas.microsoft.com/office/drawing/2014/main" id="{A91AA56F-4E0D-8B4C-BC8F-6E9814219099}"/>
-              </a:ext>
-            </a:extLst>
-          </p:cNvPr>
-          <p:cNvSpPr txBox="1">
-            <a:spLocks/>
-          </p:cNvSpPr>
-          <p:nvPr/>
-        </p:nvSpPr>
-        <p:spPr>
-          <a:xfrm>
-            <a:off x="1141411" y="4033964"/>
-            <a:ext cx="9905999" cy="1089328"/>
-          </a:xfrm>
-          <a:prstGeom prst="rect">
-            <a:avLst/>
-          </a:prstGeom>
-          <a:solidFill>
-            <a:schemeClr val="tx1">
-              <a:lumMod val="95000"/>
-            </a:schemeClr>
-          </a:solidFill>
-        </p:spPr>
-        <p:txBody>
-          <a:bodyPr vert="horz" lIns="91440" tIns="45720" rIns="91440" bIns="45720" rtlCol="0">
-            <a:normAutofit/>
-          </a:bodyPr>
-          <a:lstStyle>
-            <a:lvl1pPr marL="228600" indent="-228600" algn="l" defTabSz="914400" rtl="0" eaLnBrk="1" latinLnBrk="0" hangingPunct="1">
-              <a:lnSpc>
-                <a:spcPct val="120000"/>
-              </a:lnSpc>
-              <a:spcBef>
-                <a:spcPts val="1000"/>
-              </a:spcBef>
-              <a:buSzPct val="125000"/>
-              <a:buFont typeface="Arial" panose="020B0604020202020204" pitchFamily="34" charset="0"/>
-              <a:buChar char="•"/>
-              <a:defRPr sz="2400" kern="1200">
-                <a:solidFill>
-                  <a:schemeClr val="tx1"/>
-                </a:solidFill>
-                <a:latin typeface="+mn-lt"/>
-                <a:ea typeface="+mn-ea"/>
-                <a:cs typeface="+mn-cs"/>
-              </a:defRPr>
-            </a:lvl1pPr>
-            <a:lvl2pPr marL="685800" indent="-228600" algn="l" defTabSz="914400" rtl="0" eaLnBrk="1" latinLnBrk="0" hangingPunct="1">
-              <a:lnSpc>
-                <a:spcPct val="120000"/>
-              </a:lnSpc>
-              <a:spcBef>
-                <a:spcPts val="500"/>
-              </a:spcBef>
-              <a:buSzPct val="125000"/>
-              <a:buFont typeface="Arial" panose="020B0604020202020204" pitchFamily="34" charset="0"/>
-              <a:buChar char="•"/>
-              <a:defRPr sz="2000" kern="1200">
-                <a:solidFill>
-                  <a:schemeClr val="tx1"/>
-                </a:solidFill>
-                <a:latin typeface="+mn-lt"/>
-                <a:ea typeface="+mn-ea"/>
-                <a:cs typeface="+mn-cs"/>
-              </a:defRPr>
-            </a:lvl2pPr>
-            <a:lvl3pPr marL="1143000" indent="-228600" algn="l" defTabSz="914400" rtl="0" eaLnBrk="1" latinLnBrk="0" hangingPunct="1">
-              <a:lnSpc>
-                <a:spcPct val="120000"/>
-              </a:lnSpc>
-              <a:spcBef>
-                <a:spcPts val="500"/>
-              </a:spcBef>
-              <a:buSzPct val="125000"/>
-              <a:buFont typeface="Arial" panose="020B0604020202020204" pitchFamily="34" charset="0"/>
-              <a:buChar char="•"/>
-              <a:defRPr sz="1800" kern="1200">
-                <a:solidFill>
-                  <a:schemeClr val="tx1"/>
-                </a:solidFill>
-                <a:latin typeface="+mn-lt"/>
-                <a:ea typeface="+mn-ea"/>
-                <a:cs typeface="+mn-cs"/>
-              </a:defRPr>
-            </a:lvl3pPr>
-            <a:lvl4pPr marL="1600200" indent="-228600" algn="l" defTabSz="914400" rtl="0" eaLnBrk="1" latinLnBrk="0" hangingPunct="1">
-              <a:lnSpc>
-                <a:spcPct val="120000"/>
-              </a:lnSpc>
-              <a:spcBef>
-                <a:spcPts val="500"/>
-              </a:spcBef>
-              <a:buSzPct val="125000"/>
-              <a:buFont typeface="Arial" panose="020B0604020202020204" pitchFamily="34" charset="0"/>
-              <a:buChar char="•"/>
-              <a:defRPr sz="1600" kern="1200">
-                <a:solidFill>
-                  <a:schemeClr val="tx1"/>
-                </a:solidFill>
-                <a:latin typeface="+mn-lt"/>
-                <a:ea typeface="+mn-ea"/>
-                <a:cs typeface="+mn-cs"/>
-              </a:defRPr>
-            </a:lvl4pPr>
-            <a:lvl5pPr marL="2057400" indent="-228600" algn="l" defTabSz="914400" rtl="0" eaLnBrk="1" latinLnBrk="0" hangingPunct="1">
-              <a:lnSpc>
-                <a:spcPct val="120000"/>
-              </a:lnSpc>
-              <a:spcBef>
-                <a:spcPts val="500"/>
-              </a:spcBef>
-              <a:buSzPct val="125000"/>
-              <a:buFont typeface="Arial" panose="020B0604020202020204" pitchFamily="34" charset="0"/>
-              <a:buChar char="•"/>
-              <a:defRPr sz="1600" kern="1200">
-                <a:solidFill>
-                  <a:schemeClr val="tx1"/>
-                </a:solidFill>
-                <a:latin typeface="+mn-lt"/>
-                <a:ea typeface="+mn-ea"/>
-                <a:cs typeface="+mn-cs"/>
-              </a:defRPr>
-            </a:lvl5pPr>
-            <a:lvl6pPr marL="2514600" indent="-228600" algn="l" defTabSz="914400" rtl="0" eaLnBrk="1" latinLnBrk="0" hangingPunct="1">
-              <a:lnSpc>
-                <a:spcPct val="120000"/>
-              </a:lnSpc>
-              <a:spcBef>
-                <a:spcPts val="500"/>
-              </a:spcBef>
-              <a:buSzPct val="125000"/>
-              <a:buFont typeface="Arial" panose="020B0604020202020204" pitchFamily="34" charset="0"/>
-              <a:buChar char="•"/>
-              <a:defRPr sz="1400" kern="1200">
-                <a:solidFill>
-                  <a:schemeClr val="tx1"/>
-                </a:solidFill>
-                <a:latin typeface="+mn-lt"/>
-                <a:ea typeface="+mn-ea"/>
-                <a:cs typeface="+mn-cs"/>
-              </a:defRPr>
-            </a:lvl6pPr>
-            <a:lvl7pPr marL="2971800" indent="-228600" algn="l" defTabSz="914400" rtl="0" eaLnBrk="1" latinLnBrk="0" hangingPunct="1">
-              <a:lnSpc>
-                <a:spcPct val="120000"/>
-              </a:lnSpc>
-              <a:spcBef>
-                <a:spcPts val="500"/>
-              </a:spcBef>
-              <a:buSzPct val="125000"/>
-              <a:buFont typeface="Arial" panose="020B0604020202020204" pitchFamily="34" charset="0"/>
-              <a:buChar char="•"/>
-              <a:defRPr sz="1400" kern="1200">
-                <a:solidFill>
-                  <a:schemeClr val="tx1"/>
-                </a:solidFill>
-                <a:latin typeface="+mn-lt"/>
-                <a:ea typeface="+mn-ea"/>
-                <a:cs typeface="+mn-cs"/>
-              </a:defRPr>
-            </a:lvl7pPr>
-            <a:lvl8pPr marL="3429000" indent="-228600" algn="l" defTabSz="914400" rtl="0" eaLnBrk="1" latinLnBrk="0" hangingPunct="1">
-              <a:lnSpc>
-                <a:spcPct val="120000"/>
-              </a:lnSpc>
-              <a:spcBef>
-                <a:spcPts val="500"/>
-              </a:spcBef>
-              <a:buSzPct val="125000"/>
-              <a:buFont typeface="Arial" panose="020B0604020202020204" pitchFamily="34" charset="0"/>
-              <a:buChar char="•"/>
-              <a:defRPr sz="1400" kern="1200">
-                <a:solidFill>
-                  <a:schemeClr val="tx1"/>
-                </a:solidFill>
-                <a:latin typeface="+mn-lt"/>
-                <a:ea typeface="+mn-ea"/>
-                <a:cs typeface="+mn-cs"/>
-              </a:defRPr>
-            </a:lvl8pPr>
-            <a:lvl9pPr marL="3886200" indent="-228600" algn="l" defTabSz="914400" rtl="0" eaLnBrk="1" latinLnBrk="0" hangingPunct="1">
-              <a:lnSpc>
-                <a:spcPct val="120000"/>
-              </a:lnSpc>
-              <a:spcBef>
-                <a:spcPts val="500"/>
-              </a:spcBef>
-              <a:buSzPct val="125000"/>
-              <a:buFont typeface="Arial" panose="020B0604020202020204" pitchFamily="34" charset="0"/>
-              <a:buChar char="•"/>
-              <a:defRPr sz="1400" kern="1200">
-                <a:solidFill>
-                  <a:schemeClr val="tx1"/>
-                </a:solidFill>
-                <a:latin typeface="+mn-lt"/>
-                <a:ea typeface="+mn-ea"/>
-                <a:cs typeface="+mn-cs"/>
-              </a:defRPr>
-            </a:lvl9pPr>
-          </a:lstStyle>
-          <a:p>
-            <a:pPr marL="0" indent="0">
-              <a:buFont typeface="Arial" panose="020B0604020202020204" pitchFamily="34" charset="0"/>
-              <a:buNone/>
-            </a:pPr>
-            <a:r>
-              <a:rPr lang="en-US" dirty="0">
-                <a:solidFill>
-                  <a:schemeClr val="bg1"/>
-                </a:solidFill>
-              </a:rPr>
-              <a:t>3. What ”Math” do we need in order to start thinking about computation properly, and why?</a:t>
-            </a:r>
-          </a:p>
-        </p:txBody>
-      </p:sp>
-    </p:spTree>
-    <p:extLst>
-      <p:ext uri="{BB962C8B-B14F-4D97-AF65-F5344CB8AC3E}">
-        <p14:creationId xmlns:p14="http://schemas.microsoft.com/office/powerpoint/2010/main" val="2987249196"/>
-      </p:ext>
-    </p:extLst>
-  </p:cSld>
-  <p:clrMapOvr>
-    <a:masterClrMapping/>
-  </p:clrMapOvr>
-</p:sld>
-</file>
-
-<file path=ppt/slides/slide20.xml><?xml version="1.0" encoding="utf-8"?>
+<file path=ppt/slides/slide21.xml><?xml version="1.0" encoding="utf-8"?>
 <p:sld xmlns:a="http://schemas.openxmlformats.org/drawingml/2006/main" xmlns:r="http://schemas.openxmlformats.org/officeDocument/2006/relationships" xmlns:p="http://schemas.openxmlformats.org/presentationml/2006/main">
   <p:cSld>
     <p:spTree>
@@ -26642,7 +29012,7 @@
               <a:pPr>
                 <a:defRPr/>
               </a:pPr>
-              <a:t>20</a:t>
+              <a:t>21</a:t>
             </a:fld>
             <a:endParaRPr lang="en-US"/>
           </a:p>
@@ -27734,7 +30104,7 @@
 </p:sld>
 </file>
 
-<file path=ppt/slides/slide21.xml><?xml version="1.0" encoding="utf-8"?>
+<file path=ppt/slides/slide22.xml><?xml version="1.0" encoding="utf-8"?>
 <p:sld xmlns:a="http://schemas.openxmlformats.org/drawingml/2006/main" xmlns:r="http://schemas.openxmlformats.org/officeDocument/2006/relationships" xmlns:p="http://schemas.openxmlformats.org/presentationml/2006/main">
   <p:cSld>
     <p:spTree>
@@ -28635,7 +31005,7 @@
 </p:sld>
 </file>
 
-<file path=ppt/slides/slide22.xml><?xml version="1.0" encoding="utf-8"?>
+<file path=ppt/slides/slide23.xml><?xml version="1.0" encoding="utf-8"?>
 <p:sld xmlns:a="http://schemas.openxmlformats.org/drawingml/2006/main" xmlns:r="http://schemas.openxmlformats.org/officeDocument/2006/relationships" xmlns:p="http://schemas.openxmlformats.org/presentationml/2006/main">
   <p:cSld>
     <p:spTree>
@@ -28694,7 +31064,7 @@
 </p:sld>
 </file>
 
-<file path=ppt/slides/slide23.xml><?xml version="1.0" encoding="utf-8"?>
+<file path=ppt/slides/slide24.xml><?xml version="1.0" encoding="utf-8"?>
 <p:sld xmlns:a="http://schemas.openxmlformats.org/drawingml/2006/main" xmlns:r="http://schemas.openxmlformats.org/officeDocument/2006/relationships" xmlns:p="http://schemas.openxmlformats.org/presentationml/2006/main">
   <p:cSld>
     <p:spTree>
@@ -33219,7 +35589,7 @@
 </p:sld>
 </file>
 
-<file path=ppt/slides/slide24.xml><?xml version="1.0" encoding="utf-8"?>
+<file path=ppt/slides/slide25.xml><?xml version="1.0" encoding="utf-8"?>
 <p:sld xmlns:a="http://schemas.openxmlformats.org/drawingml/2006/main" xmlns:r="http://schemas.openxmlformats.org/officeDocument/2006/relationships" xmlns:p="http://schemas.openxmlformats.org/presentationml/2006/main">
   <p:cSld>
     <p:spTree>
@@ -33278,7 +35648,7 @@
 </p:sld>
 </file>
 
-<file path=ppt/slides/slide25.xml><?xml version="1.0" encoding="utf-8"?>
+<file path=ppt/slides/slide26.xml><?xml version="1.0" encoding="utf-8"?>
 <p:sld xmlns:a="http://schemas.openxmlformats.org/drawingml/2006/main" xmlns:r="http://schemas.openxmlformats.org/officeDocument/2006/relationships" xmlns:p="http://schemas.openxmlformats.org/presentationml/2006/main">
   <p:cSld>
     <p:spTree>
@@ -33397,7 +35767,7 @@
           <a:p>
             <a:fld id="{9BB9F8D7-E2A3-4222-BD86-A63794DF33E7}" type="slidenum">
               <a:rPr lang="en-US" smtClean="0"/>
-              <a:t>25</a:t>
+              <a:t>26</a:t>
             </a:fld>
             <a:endParaRPr lang="en-US"/>
           </a:p>
@@ -33416,7 +35786,7 @@
 </p:sld>
 </file>
 
-<file path=ppt/slides/slide26.xml><?xml version="1.0" encoding="utf-8"?>
+<file path=ppt/slides/slide27.xml><?xml version="1.0" encoding="utf-8"?>
 <p:sld xmlns:a="http://schemas.openxmlformats.org/drawingml/2006/main" xmlns:r="http://schemas.openxmlformats.org/officeDocument/2006/relationships" xmlns:p="http://schemas.openxmlformats.org/presentationml/2006/main">
   <p:cSld>
     <p:spTree>
@@ -34038,7 +36408,7 @@
           <a:p>
             <a:fld id="{9BB9F8D7-E2A3-4222-BD86-A63794DF33E7}" type="slidenum">
               <a:rPr lang="en-US" smtClean="0"/>
-              <a:t>26</a:t>
+              <a:t>27</a:t>
             </a:fld>
             <a:endParaRPr lang="en-US"/>
           </a:p>
@@ -34048,433 +36418,6 @@
     <p:extLst>
       <p:ext uri="{BB962C8B-B14F-4D97-AF65-F5344CB8AC3E}">
         <p14:creationId xmlns:p14="http://schemas.microsoft.com/office/powerpoint/2010/main" val="1690862661"/>
-      </p:ext>
-    </p:extLst>
-  </p:cSld>
-  <p:clrMapOvr>
-    <a:masterClrMapping/>
-  </p:clrMapOvr>
-</p:sld>
-</file>
-
-<file path=ppt/slides/slide27.xml><?xml version="1.0" encoding="utf-8"?>
-<p:sld xmlns:a="http://schemas.openxmlformats.org/drawingml/2006/main" xmlns:r="http://schemas.openxmlformats.org/officeDocument/2006/relationships" xmlns:p="http://schemas.openxmlformats.org/presentationml/2006/main">
-  <p:cSld>
-    <p:spTree>
-      <p:nvGrpSpPr>
-        <p:cNvPr id="1" name=""/>
-        <p:cNvGrpSpPr/>
-        <p:nvPr/>
-      </p:nvGrpSpPr>
-      <p:grpSpPr>
-        <a:xfrm>
-          <a:off x="0" y="0"/>
-          <a:ext cx="0" cy="0"/>
-          <a:chOff x="0" y="0"/>
-          <a:chExt cx="0" cy="0"/>
-        </a:xfrm>
-      </p:grpSpPr>
-      <p:sp>
-        <p:nvSpPr>
-          <p:cNvPr id="2" name="Title 1">
-            <a:extLst>
-              <a:ext uri="{FF2B5EF4-FFF2-40B4-BE49-F238E27FC236}">
-                <a16:creationId xmlns:a16="http://schemas.microsoft.com/office/drawing/2014/main" id="{10F2FFA1-7ECC-4060-954D-3D940DEA3368}"/>
-              </a:ext>
-            </a:extLst>
-          </p:cNvPr>
-          <p:cNvSpPr>
-            <a:spLocks noGrp="1"/>
-          </p:cNvSpPr>
-          <p:nvPr>
-            <p:ph type="title"/>
-          </p:nvPr>
-        </p:nvSpPr>
-        <p:spPr>
-          <a:xfrm>
-            <a:off x="1141412" y="292515"/>
-            <a:ext cx="9905998" cy="598032"/>
-          </a:xfrm>
-        </p:spPr>
-        <p:txBody>
-          <a:bodyPr/>
-          <a:lstStyle/>
-          <a:p>
-            <a:pPr algn="ctr"/>
-            <a:r>
-              <a:rPr lang="en-US" dirty="0"/>
-              <a:t>Review: Set Operators</a:t>
-            </a:r>
-          </a:p>
-        </p:txBody>
-      </p:sp>
-      <mc:AlternateContent xmlns:mc="http://schemas.openxmlformats.org/markup-compatibility/2006" xmlns:a14="http://schemas.microsoft.com/office/drawing/2010/main">
-        <mc:Choice Requires="a14">
-          <p:sp>
-            <p:nvSpPr>
-              <p:cNvPr id="3" name="Content Placeholder 2">
-                <a:extLst>
-                  <a:ext uri="{FF2B5EF4-FFF2-40B4-BE49-F238E27FC236}">
-                    <a16:creationId xmlns:a16="http://schemas.microsoft.com/office/drawing/2014/main" id="{8B45E4BD-10FA-4BB6-A9A7-209810D9D064}"/>
-                  </a:ext>
-                </a:extLst>
-              </p:cNvPr>
-              <p:cNvSpPr>
-                <a:spLocks noGrp="1"/>
-              </p:cNvSpPr>
-              <p:nvPr>
-                <p:ph sz="half" idx="1"/>
-              </p:nvPr>
-            </p:nvSpPr>
-            <p:spPr>
-              <a:xfrm>
-                <a:off x="1286889" y="1826519"/>
-                <a:ext cx="979231" cy="3492903"/>
-              </a:xfrm>
-            </p:spPr>
-            <p:txBody>
-              <a:bodyPr>
-                <a:normAutofit/>
-              </a:bodyPr>
-              <a:lstStyle/>
-              <a:p>
-                <a14:m>
-                  <m:oMath xmlns:m="http://schemas.openxmlformats.org/officeDocument/2006/math">
-                    <m:r>
-                      <a:rPr lang="en-US" b="0" i="1" smtClean="0">
-                        <a:latin typeface="Cambria Math" panose="02040503050406030204" pitchFamily="18" charset="0"/>
-                      </a:rPr>
-                      <m:t>=</m:t>
-                    </m:r>
-                  </m:oMath>
-                </a14:m>
-                <a:endParaRPr lang="en-US" dirty="0"/>
-              </a:p>
-              <a:p>
-                <a14:m>
-                  <m:oMath xmlns:m="http://schemas.openxmlformats.org/officeDocument/2006/math">
-                    <m:r>
-                      <a:rPr lang="en-US" b="0" i="1" smtClean="0">
-                        <a:latin typeface="Cambria Math" panose="02040503050406030204" pitchFamily="18" charset="0"/>
-                      </a:rPr>
-                      <m:t>∈</m:t>
-                    </m:r>
-                  </m:oMath>
-                </a14:m>
-                <a:endParaRPr lang="en-US" dirty="0"/>
-              </a:p>
-              <a:p>
-                <a14:m>
-                  <m:oMath xmlns:m="http://schemas.openxmlformats.org/officeDocument/2006/math">
-                    <m:r>
-                      <a:rPr lang="en-US" b="0" i="1" smtClean="0">
-                        <a:latin typeface="Cambria Math" panose="02040503050406030204" pitchFamily="18" charset="0"/>
-                      </a:rPr>
-                      <m:t>⊆</m:t>
-                    </m:r>
-                  </m:oMath>
-                </a14:m>
-                <a:endParaRPr lang="en-US" b="0" dirty="0"/>
-              </a:p>
-              <a:p>
-                <a14:m>
-                  <m:oMath xmlns:m="http://schemas.openxmlformats.org/officeDocument/2006/math">
-                    <m:r>
-                      <a:rPr lang="en-US" b="0" i="1" smtClean="0">
-                        <a:latin typeface="Cambria Math" panose="02040503050406030204" pitchFamily="18" charset="0"/>
-                      </a:rPr>
-                      <m:t>⊇</m:t>
-                    </m:r>
-                  </m:oMath>
-                </a14:m>
-                <a:endParaRPr lang="en-US" dirty="0"/>
-              </a:p>
-              <a:p>
-                <a14:m>
-                  <m:oMath xmlns:m="http://schemas.openxmlformats.org/officeDocument/2006/math">
-                    <m:r>
-                      <a:rPr lang="en-US" b="0" i="1" smtClean="0">
-                        <a:latin typeface="Cambria Math" panose="02040503050406030204" pitchFamily="18" charset="0"/>
-                      </a:rPr>
-                      <m:t>⊂</m:t>
-                    </m:r>
-                  </m:oMath>
-                </a14:m>
-                <a:endParaRPr lang="en-US" dirty="0"/>
-              </a:p>
-              <a:p>
-                <a14:m>
-                  <m:oMath xmlns:m="http://schemas.openxmlformats.org/officeDocument/2006/math">
-                    <m:r>
-                      <a:rPr lang="en-US" b="0" i="1" smtClean="0">
-                        <a:latin typeface="Cambria Math" panose="02040503050406030204" pitchFamily="18" charset="0"/>
-                      </a:rPr>
-                      <m:t>⊃</m:t>
-                    </m:r>
-                  </m:oMath>
-                </a14:m>
-                <a:endParaRPr lang="en-US" dirty="0"/>
-              </a:p>
-              <a:p>
-                <a:endParaRPr lang="en-US" dirty="0"/>
-              </a:p>
-              <a:p>
-                <a:endParaRPr lang="en-US" dirty="0"/>
-              </a:p>
-            </p:txBody>
-          </p:sp>
-        </mc:Choice>
-        <mc:Fallback xmlns="">
-          <p:sp>
-            <p:nvSpPr>
-              <p:cNvPr id="3" name="Content Placeholder 2">
-                <a:extLst>
-                  <a:ext uri="{FF2B5EF4-FFF2-40B4-BE49-F238E27FC236}">
-                    <a16:creationId xmlns:a16="http://schemas.microsoft.com/office/drawing/2014/main" id="{8B45E4BD-10FA-4BB6-A9A7-209810D9D064}"/>
-                  </a:ext>
-                </a:extLst>
-              </p:cNvPr>
-              <p:cNvSpPr>
-                <a:spLocks noGrp="1" noRot="1" noChangeAspect="1" noMove="1" noResize="1" noEditPoints="1" noAdjustHandles="1" noChangeArrowheads="1" noChangeShapeType="1" noTextEdit="1"/>
-              </p:cNvSpPr>
-              <p:nvPr>
-                <p:ph sz="half" idx="1"/>
-              </p:nvPr>
-            </p:nvSpPr>
-            <p:spPr>
-              <a:xfrm>
-                <a:off x="1286889" y="1826519"/>
-                <a:ext cx="979231" cy="3492903"/>
-              </a:xfrm>
-              <a:blipFill>
-                <a:blip r:embed="rId2"/>
-                <a:stretch>
-                  <a:fillRect l="-11538" t="-2545"/>
-                </a:stretch>
-              </a:blipFill>
-            </p:spPr>
-            <p:txBody>
-              <a:bodyPr/>
-              <a:lstStyle/>
-              <a:p>
-                <a:r>
-                  <a:rPr lang="en-US">
-                    <a:noFill/>
-                  </a:rPr>
-                  <a:t> </a:t>
-                </a:r>
-              </a:p>
-            </p:txBody>
-          </p:sp>
-        </mc:Fallback>
-      </mc:AlternateContent>
-      <mc:AlternateContent xmlns:mc="http://schemas.openxmlformats.org/markup-compatibility/2006" xmlns:a14="http://schemas.microsoft.com/office/drawing/2010/main">
-        <mc:Choice Requires="a14">
-          <p:sp>
-            <p:nvSpPr>
-              <p:cNvPr id="4" name="Content Placeholder 3">
-                <a:extLst>
-                  <a:ext uri="{FF2B5EF4-FFF2-40B4-BE49-F238E27FC236}">
-                    <a16:creationId xmlns:a16="http://schemas.microsoft.com/office/drawing/2014/main" id="{F635B299-1CDE-4FC9-A126-75031EC69F95}"/>
-                  </a:ext>
-                </a:extLst>
-              </p:cNvPr>
-              <p:cNvSpPr>
-                <a:spLocks noGrp="1"/>
-              </p:cNvSpPr>
-              <p:nvPr>
-                <p:ph sz="half" idx="2"/>
-              </p:nvPr>
-            </p:nvSpPr>
-            <p:spPr>
-              <a:xfrm>
-                <a:off x="6563334" y="1855144"/>
-                <a:ext cx="1443630" cy="3492903"/>
-              </a:xfrm>
-            </p:spPr>
-            <p:txBody>
-              <a:bodyPr>
-                <a:normAutofit/>
-              </a:bodyPr>
-              <a:lstStyle/>
-              <a:p>
-                <a14:m>
-                  <m:oMath xmlns:m="http://schemas.openxmlformats.org/officeDocument/2006/math">
-                    <m:r>
-                      <a:rPr lang="en-US" b="0" i="1" smtClean="0">
-                        <a:latin typeface="Cambria Math" panose="02040503050406030204" pitchFamily="18" charset="0"/>
-                      </a:rPr>
-                      <m:t>∪</m:t>
-                    </m:r>
-                  </m:oMath>
-                </a14:m>
-                <a:endParaRPr lang="en-US" b="0" dirty="0"/>
-              </a:p>
-              <a:p>
-                <a14:m>
-                  <m:oMath xmlns:m="http://schemas.openxmlformats.org/officeDocument/2006/math">
-                    <m:r>
-                      <a:rPr lang="en-US" b="0" i="1" smtClean="0">
-                        <a:latin typeface="Cambria Math" panose="02040503050406030204" pitchFamily="18" charset="0"/>
-                      </a:rPr>
-                      <m:t>∩</m:t>
-                    </m:r>
-                  </m:oMath>
-                </a14:m>
-                <a:endParaRPr lang="en-US" dirty="0"/>
-              </a:p>
-              <a:p>
-                <a14:m>
-                  <m:oMath xmlns:m="http://schemas.openxmlformats.org/officeDocument/2006/math">
-                    <m:r>
-                      <a:rPr lang="en-US" b="0" i="1" smtClean="0">
-                        <a:latin typeface="Cambria Math" panose="02040503050406030204" pitchFamily="18" charset="0"/>
-                      </a:rPr>
-                      <m:t>∖</m:t>
-                    </m:r>
-                  </m:oMath>
-                </a14:m>
-                <a:r>
-                  <a:rPr lang="en-US" dirty="0"/>
-                  <a:t> or </a:t>
-                </a:r>
-                <a14:m>
-                  <m:oMath xmlns:m="http://schemas.openxmlformats.org/officeDocument/2006/math">
-                    <m:r>
-                      <a:rPr lang="en-US" b="0" i="1" smtClean="0">
-                        <a:latin typeface="Cambria Math" panose="02040503050406030204" pitchFamily="18" charset="0"/>
-                      </a:rPr>
-                      <m:t>−</m:t>
-                    </m:r>
-                  </m:oMath>
-                </a14:m>
-                <a:endParaRPr lang="en-US" dirty="0"/>
-              </a:p>
-              <a:p>
-                <a14:m>
-                  <m:oMath xmlns:m="http://schemas.openxmlformats.org/officeDocument/2006/math">
-                    <m:r>
-                      <a:rPr lang="en-US" b="0" i="1" smtClean="0">
-                        <a:latin typeface="Cambria Math" panose="02040503050406030204" pitchFamily="18" charset="0"/>
-                      </a:rPr>
-                      <m:t>×</m:t>
-                    </m:r>
-                  </m:oMath>
-                </a14:m>
-                <a:endParaRPr lang="en-US" b="0" i="1" dirty="0">
-                  <a:latin typeface="Cambria Math" panose="02040503050406030204" pitchFamily="18" charset="0"/>
-                </a:endParaRPr>
-              </a:p>
-              <a:p>
-                <a14:m>
-                  <m:oMath xmlns:m="http://schemas.openxmlformats.org/officeDocument/2006/math">
-                    <m:r>
-                      <a:rPr lang="en-US" b="0" i="1" smtClean="0">
-                        <a:latin typeface="Cambria Math" panose="02040503050406030204" pitchFamily="18" charset="0"/>
-                      </a:rPr>
-                      <m:t>𝒫</m:t>
-                    </m:r>
-                    <m:d>
-                      <m:dPr>
-                        <m:ctrlPr>
-                          <a:rPr lang="en-US" b="0" i="1" smtClean="0">
-                            <a:latin typeface="Cambria Math" panose="02040503050406030204" pitchFamily="18" charset="0"/>
-                          </a:rPr>
-                        </m:ctrlPr>
-                      </m:dPr>
-                      <m:e>
-                        <m:r>
-                          <a:rPr lang="en-US" b="0" i="1" smtClean="0">
-                            <a:latin typeface="Cambria Math" panose="02040503050406030204" pitchFamily="18" charset="0"/>
-                          </a:rPr>
-                          <m:t>𝑆</m:t>
-                        </m:r>
-                      </m:e>
-                    </m:d>
-                  </m:oMath>
-                </a14:m>
-                <a:endParaRPr lang="en-US" dirty="0"/>
-              </a:p>
-            </p:txBody>
-          </p:sp>
-        </mc:Choice>
-        <mc:Fallback xmlns="">
-          <p:sp>
-            <p:nvSpPr>
-              <p:cNvPr id="4" name="Content Placeholder 3">
-                <a:extLst>
-                  <a:ext uri="{FF2B5EF4-FFF2-40B4-BE49-F238E27FC236}">
-                    <a16:creationId xmlns:a16="http://schemas.microsoft.com/office/drawing/2014/main" id="{F635B299-1CDE-4FC9-A126-75031EC69F95}"/>
-                  </a:ext>
-                </a:extLst>
-              </p:cNvPr>
-              <p:cNvSpPr>
-                <a:spLocks noGrp="1" noRot="1" noChangeAspect="1" noMove="1" noResize="1" noEditPoints="1" noAdjustHandles="1" noChangeArrowheads="1" noChangeShapeType="1" noTextEdit="1"/>
-              </p:cNvSpPr>
-              <p:nvPr>
-                <p:ph sz="half" idx="2"/>
-              </p:nvPr>
-            </p:nvSpPr>
-            <p:spPr>
-              <a:xfrm>
-                <a:off x="6563334" y="1855144"/>
-                <a:ext cx="1443630" cy="3492903"/>
-              </a:xfrm>
-              <a:blipFill>
-                <a:blip r:embed="rId3"/>
-                <a:stretch>
-                  <a:fillRect l="-8772" t="-1812"/>
-                </a:stretch>
-              </a:blipFill>
-            </p:spPr>
-            <p:txBody>
-              <a:bodyPr/>
-              <a:lstStyle/>
-              <a:p>
-                <a:r>
-                  <a:rPr lang="en-US">
-                    <a:noFill/>
-                  </a:rPr>
-                  <a:t> </a:t>
-                </a:r>
-              </a:p>
-            </p:txBody>
-          </p:sp>
-        </mc:Fallback>
-      </mc:AlternateContent>
-      <p:sp>
-        <p:nvSpPr>
-          <p:cNvPr id="5" name="Slide Number Placeholder 4">
-            <a:extLst>
-              <a:ext uri="{FF2B5EF4-FFF2-40B4-BE49-F238E27FC236}">
-                <a16:creationId xmlns:a16="http://schemas.microsoft.com/office/drawing/2014/main" id="{279D0001-D1C8-4602-8330-5B9E2A59181F}"/>
-              </a:ext>
-            </a:extLst>
-          </p:cNvPr>
-          <p:cNvSpPr>
-            <a:spLocks noGrp="1"/>
-          </p:cNvSpPr>
-          <p:nvPr>
-            <p:ph type="sldNum" sz="quarter" idx="12"/>
-          </p:nvPr>
-        </p:nvSpPr>
-        <p:spPr/>
-        <p:txBody>
-          <a:bodyPr/>
-          <a:lstStyle/>
-          <a:p>
-            <a:fld id="{9BB9F8D7-E2A3-4222-BD86-A63794DF33E7}" type="slidenum">
-              <a:rPr lang="en-US" smtClean="0"/>
-              <a:t>27</a:t>
-            </a:fld>
-            <a:endParaRPr lang="en-US"/>
-          </a:p>
-        </p:txBody>
-      </p:sp>
-    </p:spTree>
-    <p:extLst>
-      <p:ext uri="{BB962C8B-B14F-4D97-AF65-F5344CB8AC3E}">
-        <p14:creationId xmlns:p14="http://schemas.microsoft.com/office/powerpoint/2010/main" val="3697290897"/>
       </p:ext>
     </p:extLst>
   </p:cSld>
@@ -34898,6 +36841,433 @@
           </a:p>
         </p:txBody>
       </p:sp>
+    </p:spTree>
+    <p:extLst>
+      <p:ext uri="{BB962C8B-B14F-4D97-AF65-F5344CB8AC3E}">
+        <p14:creationId xmlns:p14="http://schemas.microsoft.com/office/powerpoint/2010/main" val="3697290897"/>
+      </p:ext>
+    </p:extLst>
+  </p:cSld>
+  <p:clrMapOvr>
+    <a:masterClrMapping/>
+  </p:clrMapOvr>
+</p:sld>
+</file>
+
+<file path=ppt/slides/slide29.xml><?xml version="1.0" encoding="utf-8"?>
+<p:sld xmlns:a="http://schemas.openxmlformats.org/drawingml/2006/main" xmlns:r="http://schemas.openxmlformats.org/officeDocument/2006/relationships" xmlns:p="http://schemas.openxmlformats.org/presentationml/2006/main">
+  <p:cSld>
+    <p:spTree>
+      <p:nvGrpSpPr>
+        <p:cNvPr id="1" name=""/>
+        <p:cNvGrpSpPr/>
+        <p:nvPr/>
+      </p:nvGrpSpPr>
+      <p:grpSpPr>
+        <a:xfrm>
+          <a:off x="0" y="0"/>
+          <a:ext cx="0" cy="0"/>
+          <a:chOff x="0" y="0"/>
+          <a:chExt cx="0" cy="0"/>
+        </a:xfrm>
+      </p:grpSpPr>
+      <p:sp>
+        <p:nvSpPr>
+          <p:cNvPr id="2" name="Title 1">
+            <a:extLst>
+              <a:ext uri="{FF2B5EF4-FFF2-40B4-BE49-F238E27FC236}">
+                <a16:creationId xmlns:a16="http://schemas.microsoft.com/office/drawing/2014/main" id="{10F2FFA1-7ECC-4060-954D-3D940DEA3368}"/>
+              </a:ext>
+            </a:extLst>
+          </p:cNvPr>
+          <p:cNvSpPr>
+            <a:spLocks noGrp="1"/>
+          </p:cNvSpPr>
+          <p:nvPr>
+            <p:ph type="title"/>
+          </p:nvPr>
+        </p:nvSpPr>
+        <p:spPr>
+          <a:xfrm>
+            <a:off x="1141412" y="292515"/>
+            <a:ext cx="9905998" cy="598032"/>
+          </a:xfrm>
+        </p:spPr>
+        <p:txBody>
+          <a:bodyPr/>
+          <a:lstStyle/>
+          <a:p>
+            <a:pPr algn="ctr"/>
+            <a:r>
+              <a:rPr lang="en-US" dirty="0"/>
+              <a:t>Review: Set Operators</a:t>
+            </a:r>
+          </a:p>
+        </p:txBody>
+      </p:sp>
+      <mc:AlternateContent xmlns:mc="http://schemas.openxmlformats.org/markup-compatibility/2006" xmlns:a14="http://schemas.microsoft.com/office/drawing/2010/main">
+        <mc:Choice Requires="a14">
+          <p:sp>
+            <p:nvSpPr>
+              <p:cNvPr id="3" name="Content Placeholder 2">
+                <a:extLst>
+                  <a:ext uri="{FF2B5EF4-FFF2-40B4-BE49-F238E27FC236}">
+                    <a16:creationId xmlns:a16="http://schemas.microsoft.com/office/drawing/2014/main" id="{8B45E4BD-10FA-4BB6-A9A7-209810D9D064}"/>
+                  </a:ext>
+                </a:extLst>
+              </p:cNvPr>
+              <p:cNvSpPr>
+                <a:spLocks noGrp="1"/>
+              </p:cNvSpPr>
+              <p:nvPr>
+                <p:ph sz="half" idx="1"/>
+              </p:nvPr>
+            </p:nvSpPr>
+            <p:spPr>
+              <a:xfrm>
+                <a:off x="1286889" y="1826519"/>
+                <a:ext cx="979231" cy="3492903"/>
+              </a:xfrm>
+            </p:spPr>
+            <p:txBody>
+              <a:bodyPr>
+                <a:normAutofit/>
+              </a:bodyPr>
+              <a:lstStyle/>
+              <a:p>
+                <a14:m>
+                  <m:oMath xmlns:m="http://schemas.openxmlformats.org/officeDocument/2006/math">
+                    <m:r>
+                      <a:rPr lang="en-US" b="0" i="1" smtClean="0">
+                        <a:latin typeface="Cambria Math" panose="02040503050406030204" pitchFamily="18" charset="0"/>
+                      </a:rPr>
+                      <m:t>=</m:t>
+                    </m:r>
+                  </m:oMath>
+                </a14:m>
+                <a:endParaRPr lang="en-US" dirty="0"/>
+              </a:p>
+              <a:p>
+                <a14:m>
+                  <m:oMath xmlns:m="http://schemas.openxmlformats.org/officeDocument/2006/math">
+                    <m:r>
+                      <a:rPr lang="en-US" b="0" i="1" smtClean="0">
+                        <a:latin typeface="Cambria Math" panose="02040503050406030204" pitchFamily="18" charset="0"/>
+                      </a:rPr>
+                      <m:t>∈</m:t>
+                    </m:r>
+                  </m:oMath>
+                </a14:m>
+                <a:endParaRPr lang="en-US" dirty="0"/>
+              </a:p>
+              <a:p>
+                <a14:m>
+                  <m:oMath xmlns:m="http://schemas.openxmlformats.org/officeDocument/2006/math">
+                    <m:r>
+                      <a:rPr lang="en-US" b="0" i="1" smtClean="0">
+                        <a:latin typeface="Cambria Math" panose="02040503050406030204" pitchFamily="18" charset="0"/>
+                      </a:rPr>
+                      <m:t>⊆</m:t>
+                    </m:r>
+                  </m:oMath>
+                </a14:m>
+                <a:endParaRPr lang="en-US" b="0" dirty="0"/>
+              </a:p>
+              <a:p>
+                <a14:m>
+                  <m:oMath xmlns:m="http://schemas.openxmlformats.org/officeDocument/2006/math">
+                    <m:r>
+                      <a:rPr lang="en-US" b="0" i="1" smtClean="0">
+                        <a:latin typeface="Cambria Math" panose="02040503050406030204" pitchFamily="18" charset="0"/>
+                      </a:rPr>
+                      <m:t>⊇</m:t>
+                    </m:r>
+                  </m:oMath>
+                </a14:m>
+                <a:endParaRPr lang="en-US" dirty="0"/>
+              </a:p>
+              <a:p>
+                <a14:m>
+                  <m:oMath xmlns:m="http://schemas.openxmlformats.org/officeDocument/2006/math">
+                    <m:r>
+                      <a:rPr lang="en-US" b="0" i="1" smtClean="0">
+                        <a:latin typeface="Cambria Math" panose="02040503050406030204" pitchFamily="18" charset="0"/>
+                      </a:rPr>
+                      <m:t>⊂</m:t>
+                    </m:r>
+                  </m:oMath>
+                </a14:m>
+                <a:endParaRPr lang="en-US" dirty="0"/>
+              </a:p>
+              <a:p>
+                <a14:m>
+                  <m:oMath xmlns:m="http://schemas.openxmlformats.org/officeDocument/2006/math">
+                    <m:r>
+                      <a:rPr lang="en-US" b="0" i="1" smtClean="0">
+                        <a:latin typeface="Cambria Math" panose="02040503050406030204" pitchFamily="18" charset="0"/>
+                      </a:rPr>
+                      <m:t>⊃</m:t>
+                    </m:r>
+                  </m:oMath>
+                </a14:m>
+                <a:endParaRPr lang="en-US" dirty="0"/>
+              </a:p>
+              <a:p>
+                <a:endParaRPr lang="en-US" dirty="0"/>
+              </a:p>
+              <a:p>
+                <a:endParaRPr lang="en-US" dirty="0"/>
+              </a:p>
+            </p:txBody>
+          </p:sp>
+        </mc:Choice>
+        <mc:Fallback xmlns="">
+          <p:sp>
+            <p:nvSpPr>
+              <p:cNvPr id="3" name="Content Placeholder 2">
+                <a:extLst>
+                  <a:ext uri="{FF2B5EF4-FFF2-40B4-BE49-F238E27FC236}">
+                    <a16:creationId xmlns:a16="http://schemas.microsoft.com/office/drawing/2014/main" id="{8B45E4BD-10FA-4BB6-A9A7-209810D9D064}"/>
+                  </a:ext>
+                </a:extLst>
+              </p:cNvPr>
+              <p:cNvSpPr>
+                <a:spLocks noGrp="1" noRot="1" noChangeAspect="1" noMove="1" noResize="1" noEditPoints="1" noAdjustHandles="1" noChangeArrowheads="1" noChangeShapeType="1" noTextEdit="1"/>
+              </p:cNvSpPr>
+              <p:nvPr>
+                <p:ph sz="half" idx="1"/>
+              </p:nvPr>
+            </p:nvSpPr>
+            <p:spPr>
+              <a:xfrm>
+                <a:off x="1286889" y="1826519"/>
+                <a:ext cx="979231" cy="3492903"/>
+              </a:xfrm>
+              <a:blipFill>
+                <a:blip r:embed="rId2"/>
+                <a:stretch>
+                  <a:fillRect l="-11538" t="-2545"/>
+                </a:stretch>
+              </a:blipFill>
+            </p:spPr>
+            <p:txBody>
+              <a:bodyPr/>
+              <a:lstStyle/>
+              <a:p>
+                <a:r>
+                  <a:rPr lang="en-US">
+                    <a:noFill/>
+                  </a:rPr>
+                  <a:t> </a:t>
+                </a:r>
+              </a:p>
+            </p:txBody>
+          </p:sp>
+        </mc:Fallback>
+      </mc:AlternateContent>
+      <mc:AlternateContent xmlns:mc="http://schemas.openxmlformats.org/markup-compatibility/2006" xmlns:a14="http://schemas.microsoft.com/office/drawing/2010/main">
+        <mc:Choice Requires="a14">
+          <p:sp>
+            <p:nvSpPr>
+              <p:cNvPr id="4" name="Content Placeholder 3">
+                <a:extLst>
+                  <a:ext uri="{FF2B5EF4-FFF2-40B4-BE49-F238E27FC236}">
+                    <a16:creationId xmlns:a16="http://schemas.microsoft.com/office/drawing/2014/main" id="{F635B299-1CDE-4FC9-A126-75031EC69F95}"/>
+                  </a:ext>
+                </a:extLst>
+              </p:cNvPr>
+              <p:cNvSpPr>
+                <a:spLocks noGrp="1"/>
+              </p:cNvSpPr>
+              <p:nvPr>
+                <p:ph sz="half" idx="2"/>
+              </p:nvPr>
+            </p:nvSpPr>
+            <p:spPr>
+              <a:xfrm>
+                <a:off x="6563334" y="1855144"/>
+                <a:ext cx="1443630" cy="3492903"/>
+              </a:xfrm>
+            </p:spPr>
+            <p:txBody>
+              <a:bodyPr>
+                <a:normAutofit/>
+              </a:bodyPr>
+              <a:lstStyle/>
+              <a:p>
+                <a14:m>
+                  <m:oMath xmlns:m="http://schemas.openxmlformats.org/officeDocument/2006/math">
+                    <m:r>
+                      <a:rPr lang="en-US" b="0" i="1" smtClean="0">
+                        <a:latin typeface="Cambria Math" panose="02040503050406030204" pitchFamily="18" charset="0"/>
+                      </a:rPr>
+                      <m:t>∪</m:t>
+                    </m:r>
+                  </m:oMath>
+                </a14:m>
+                <a:endParaRPr lang="en-US" b="0" dirty="0"/>
+              </a:p>
+              <a:p>
+                <a14:m>
+                  <m:oMath xmlns:m="http://schemas.openxmlformats.org/officeDocument/2006/math">
+                    <m:r>
+                      <a:rPr lang="en-US" b="0" i="1" smtClean="0">
+                        <a:latin typeface="Cambria Math" panose="02040503050406030204" pitchFamily="18" charset="0"/>
+                      </a:rPr>
+                      <m:t>∩</m:t>
+                    </m:r>
+                  </m:oMath>
+                </a14:m>
+                <a:endParaRPr lang="en-US" dirty="0"/>
+              </a:p>
+              <a:p>
+                <a14:m>
+                  <m:oMath xmlns:m="http://schemas.openxmlformats.org/officeDocument/2006/math">
+                    <m:r>
+                      <a:rPr lang="en-US" b="0" i="1" smtClean="0">
+                        <a:latin typeface="Cambria Math" panose="02040503050406030204" pitchFamily="18" charset="0"/>
+                      </a:rPr>
+                      <m:t>∖</m:t>
+                    </m:r>
+                  </m:oMath>
+                </a14:m>
+                <a:r>
+                  <a:rPr lang="en-US" dirty="0"/>
+                  <a:t> or </a:t>
+                </a:r>
+                <a14:m>
+                  <m:oMath xmlns:m="http://schemas.openxmlformats.org/officeDocument/2006/math">
+                    <m:r>
+                      <a:rPr lang="en-US" b="0" i="1" smtClean="0">
+                        <a:latin typeface="Cambria Math" panose="02040503050406030204" pitchFamily="18" charset="0"/>
+                      </a:rPr>
+                      <m:t>−</m:t>
+                    </m:r>
+                  </m:oMath>
+                </a14:m>
+                <a:endParaRPr lang="en-US" dirty="0"/>
+              </a:p>
+              <a:p>
+                <a14:m>
+                  <m:oMath xmlns:m="http://schemas.openxmlformats.org/officeDocument/2006/math">
+                    <m:r>
+                      <a:rPr lang="en-US" b="0" i="1" smtClean="0">
+                        <a:latin typeface="Cambria Math" panose="02040503050406030204" pitchFamily="18" charset="0"/>
+                      </a:rPr>
+                      <m:t>×</m:t>
+                    </m:r>
+                  </m:oMath>
+                </a14:m>
+                <a:endParaRPr lang="en-US" b="0" i="1" dirty="0">
+                  <a:latin typeface="Cambria Math" panose="02040503050406030204" pitchFamily="18" charset="0"/>
+                </a:endParaRPr>
+              </a:p>
+              <a:p>
+                <a14:m>
+                  <m:oMath xmlns:m="http://schemas.openxmlformats.org/officeDocument/2006/math">
+                    <m:r>
+                      <a:rPr lang="en-US" b="0" i="1" smtClean="0">
+                        <a:latin typeface="Cambria Math" panose="02040503050406030204" pitchFamily="18" charset="0"/>
+                      </a:rPr>
+                      <m:t>𝒫</m:t>
+                    </m:r>
+                    <m:d>
+                      <m:dPr>
+                        <m:ctrlPr>
+                          <a:rPr lang="en-US" b="0" i="1" smtClean="0">
+                            <a:latin typeface="Cambria Math" panose="02040503050406030204" pitchFamily="18" charset="0"/>
+                          </a:rPr>
+                        </m:ctrlPr>
+                      </m:dPr>
+                      <m:e>
+                        <m:r>
+                          <a:rPr lang="en-US" b="0" i="1" smtClean="0">
+                            <a:latin typeface="Cambria Math" panose="02040503050406030204" pitchFamily="18" charset="0"/>
+                          </a:rPr>
+                          <m:t>𝑆</m:t>
+                        </m:r>
+                      </m:e>
+                    </m:d>
+                  </m:oMath>
+                </a14:m>
+                <a:endParaRPr lang="en-US" dirty="0"/>
+              </a:p>
+            </p:txBody>
+          </p:sp>
+        </mc:Choice>
+        <mc:Fallback xmlns="">
+          <p:sp>
+            <p:nvSpPr>
+              <p:cNvPr id="4" name="Content Placeholder 3">
+                <a:extLst>
+                  <a:ext uri="{FF2B5EF4-FFF2-40B4-BE49-F238E27FC236}">
+                    <a16:creationId xmlns:a16="http://schemas.microsoft.com/office/drawing/2014/main" id="{F635B299-1CDE-4FC9-A126-75031EC69F95}"/>
+                  </a:ext>
+                </a:extLst>
+              </p:cNvPr>
+              <p:cNvSpPr>
+                <a:spLocks noGrp="1" noRot="1" noChangeAspect="1" noMove="1" noResize="1" noEditPoints="1" noAdjustHandles="1" noChangeArrowheads="1" noChangeShapeType="1" noTextEdit="1"/>
+              </p:cNvSpPr>
+              <p:nvPr>
+                <p:ph sz="half" idx="2"/>
+              </p:nvPr>
+            </p:nvSpPr>
+            <p:spPr>
+              <a:xfrm>
+                <a:off x="6563334" y="1855144"/>
+                <a:ext cx="1443630" cy="3492903"/>
+              </a:xfrm>
+              <a:blipFill>
+                <a:blip r:embed="rId3"/>
+                <a:stretch>
+                  <a:fillRect l="-8772" t="-1812"/>
+                </a:stretch>
+              </a:blipFill>
+            </p:spPr>
+            <p:txBody>
+              <a:bodyPr/>
+              <a:lstStyle/>
+              <a:p>
+                <a:r>
+                  <a:rPr lang="en-US">
+                    <a:noFill/>
+                  </a:rPr>
+                  <a:t> </a:t>
+                </a:r>
+              </a:p>
+            </p:txBody>
+          </p:sp>
+        </mc:Fallback>
+      </mc:AlternateContent>
+      <p:sp>
+        <p:nvSpPr>
+          <p:cNvPr id="5" name="Slide Number Placeholder 4">
+            <a:extLst>
+              <a:ext uri="{FF2B5EF4-FFF2-40B4-BE49-F238E27FC236}">
+                <a16:creationId xmlns:a16="http://schemas.microsoft.com/office/drawing/2014/main" id="{279D0001-D1C8-4602-8330-5B9E2A59181F}"/>
+              </a:ext>
+            </a:extLst>
+          </p:cNvPr>
+          <p:cNvSpPr>
+            <a:spLocks noGrp="1"/>
+          </p:cNvSpPr>
+          <p:nvPr>
+            <p:ph type="sldNum" sz="quarter" idx="12"/>
+          </p:nvPr>
+        </p:nvSpPr>
+        <p:spPr/>
+        <p:txBody>
+          <a:bodyPr/>
+          <a:lstStyle/>
+          <a:p>
+            <a:fld id="{9BB9F8D7-E2A3-4222-BD86-A63794DF33E7}" type="slidenum">
+              <a:rPr lang="en-US" smtClean="0"/>
+              <a:t>29</a:t>
+            </a:fld>
+            <a:endParaRPr lang="en-US"/>
+          </a:p>
+        </p:txBody>
+      </p:sp>
       <p:sp>
         <p:nvSpPr>
           <p:cNvPr id="6" name="Content Placeholder 3">
@@ -37322,316 +39692,6 @@
     <p:extLst>
       <p:ext uri="{BB962C8B-B14F-4D97-AF65-F5344CB8AC3E}">
         <p14:creationId xmlns:p14="http://schemas.microsoft.com/office/powerpoint/2010/main" val="11940468"/>
-      </p:ext>
-    </p:extLst>
-  </p:cSld>
-  <p:clrMapOvr>
-    <a:masterClrMapping/>
-  </p:clrMapOvr>
-</p:sld>
-</file>
-
-<file path=ppt/slides/slide29.xml><?xml version="1.0" encoding="utf-8"?>
-<p:sld xmlns:a="http://schemas.openxmlformats.org/drawingml/2006/main" xmlns:r="http://schemas.openxmlformats.org/officeDocument/2006/relationships" xmlns:p="http://schemas.openxmlformats.org/presentationml/2006/main">
-  <p:cSld>
-    <p:spTree>
-      <p:nvGrpSpPr>
-        <p:cNvPr id="1" name=""/>
-        <p:cNvGrpSpPr/>
-        <p:nvPr/>
-      </p:nvGrpSpPr>
-      <p:grpSpPr>
-        <a:xfrm>
-          <a:off x="0" y="0"/>
-          <a:ext cx="0" cy="0"/>
-          <a:chOff x="0" y="0"/>
-          <a:chExt cx="0" cy="0"/>
-        </a:xfrm>
-      </p:grpSpPr>
-      <p:sp>
-        <p:nvSpPr>
-          <p:cNvPr id="2" name="Title 1">
-            <a:extLst>
-              <a:ext uri="{FF2B5EF4-FFF2-40B4-BE49-F238E27FC236}">
-                <a16:creationId xmlns:a16="http://schemas.microsoft.com/office/drawing/2014/main" id="{FCD699E2-F31C-4115-B953-9F94F35415C5}"/>
-              </a:ext>
-            </a:extLst>
-          </p:cNvPr>
-          <p:cNvSpPr>
-            <a:spLocks noGrp="1"/>
-          </p:cNvSpPr>
-          <p:nvPr>
-            <p:ph type="title"/>
-          </p:nvPr>
-        </p:nvSpPr>
-        <p:spPr>
-          <a:xfrm>
-            <a:off x="1141413" y="403833"/>
-            <a:ext cx="9905998" cy="701399"/>
-          </a:xfrm>
-        </p:spPr>
-        <p:txBody>
-          <a:bodyPr/>
-          <a:lstStyle/>
-          <a:p>
-            <a:pPr algn="ctr"/>
-            <a:r>
-              <a:rPr lang="en-US" dirty="0"/>
-              <a:t>Important Sets</a:t>
-            </a:r>
-          </a:p>
-        </p:txBody>
-      </p:sp>
-      <mc:AlternateContent xmlns:mc="http://schemas.openxmlformats.org/markup-compatibility/2006" xmlns:a14="http://schemas.microsoft.com/office/drawing/2010/main">
-        <mc:Choice Requires="a14">
-          <p:sp>
-            <p:nvSpPr>
-              <p:cNvPr id="3" name="Content Placeholder 2">
-                <a:extLst>
-                  <a:ext uri="{FF2B5EF4-FFF2-40B4-BE49-F238E27FC236}">
-                    <a16:creationId xmlns:a16="http://schemas.microsoft.com/office/drawing/2014/main" id="{E5DC3E92-B7A7-4203-8FB1-07CE06342135}"/>
-                  </a:ext>
-                </a:extLst>
-              </p:cNvPr>
-              <p:cNvSpPr>
-                <a:spLocks noGrp="1"/>
-              </p:cNvSpPr>
-              <p:nvPr>
-                <p:ph idx="1"/>
-              </p:nvPr>
-            </p:nvSpPr>
-            <p:spPr>
-              <a:xfrm>
-                <a:off x="2397719" y="1557724"/>
-                <a:ext cx="1236028" cy="4501170"/>
-              </a:xfrm>
-            </p:spPr>
-            <p:txBody>
-              <a:bodyPr>
-                <a:normAutofit lnSpcReduction="10000"/>
-              </a:bodyPr>
-              <a:lstStyle/>
-              <a:p>
-                <a:pPr marL="0" indent="0">
-                  <a:buNone/>
-                </a:pPr>
-                <a14:m>
-                  <m:oMathPara xmlns:m="http://schemas.openxmlformats.org/officeDocument/2006/math">
-                    <m:oMathParaPr>
-                      <m:jc m:val="centerGroup"/>
-                    </m:oMathParaPr>
-                    <m:oMath xmlns:m="http://schemas.openxmlformats.org/officeDocument/2006/math">
-                      <m:r>
-                        <a:rPr lang="en-US" b="0" i="1" smtClean="0">
-                          <a:latin typeface="Cambria Math" panose="02040503050406030204" pitchFamily="18" charset="0"/>
-                        </a:rPr>
-                        <m:t>∅</m:t>
-                      </m:r>
-                    </m:oMath>
-                  </m:oMathPara>
-                </a14:m>
-                <a:endParaRPr lang="en-US" dirty="0"/>
-              </a:p>
-              <a:p>
-                <a:pPr marL="0" indent="0">
-                  <a:buNone/>
-                </a:pPr>
-                <a:br>
-                  <a:rPr lang="en-US" b="0" i="1" dirty="0">
-                    <a:latin typeface="Cambria Math" panose="02040503050406030204" pitchFamily="18" charset="0"/>
-                  </a:rPr>
-                </a:br>
-                <a14:m>
-                  <m:oMathPara xmlns:m="http://schemas.openxmlformats.org/officeDocument/2006/math">
-                    <m:oMathParaPr>
-                      <m:jc m:val="centerGroup"/>
-                    </m:oMathParaPr>
-                    <m:oMath xmlns:m="http://schemas.openxmlformats.org/officeDocument/2006/math">
-                      <m:r>
-                        <a:rPr lang="en-US" b="0" i="1" smtClean="0">
-                          <a:latin typeface="Cambria Math" panose="02040503050406030204" pitchFamily="18" charset="0"/>
-                        </a:rPr>
-                        <m:t>ℕ</m:t>
-                      </m:r>
-                    </m:oMath>
-                  </m:oMathPara>
-                </a14:m>
-                <a:endParaRPr lang="en-US" dirty="0"/>
-              </a:p>
-              <a:p>
-                <a:pPr marL="0" indent="0">
-                  <a:buNone/>
-                </a:pPr>
-                <a:br>
-                  <a:rPr lang="en-US" b="0" i="1" dirty="0">
-                    <a:latin typeface="Cambria Math" panose="02040503050406030204" pitchFamily="18" charset="0"/>
-                  </a:rPr>
-                </a:br>
-                <a14:m>
-                  <m:oMathPara xmlns:m="http://schemas.openxmlformats.org/officeDocument/2006/math">
-                    <m:oMathParaPr>
-                      <m:jc m:val="centerGroup"/>
-                    </m:oMathParaPr>
-                    <m:oMath xmlns:m="http://schemas.openxmlformats.org/officeDocument/2006/math">
-                      <m:r>
-                        <a:rPr lang="en-US" b="0" i="1" smtClean="0">
-                          <a:latin typeface="Cambria Math" panose="02040503050406030204" pitchFamily="18" charset="0"/>
-                        </a:rPr>
-                        <m:t>ℤ</m:t>
-                      </m:r>
-                    </m:oMath>
-                  </m:oMathPara>
-                </a14:m>
-                <a:endParaRPr lang="en-US" dirty="0"/>
-              </a:p>
-              <a:p>
-                <a:pPr marL="0" indent="0">
-                  <a:buNone/>
-                </a:pPr>
-                <a:br>
-                  <a:rPr lang="en-US" b="0" i="1" dirty="0">
-                    <a:latin typeface="Cambria Math" panose="02040503050406030204" pitchFamily="18" charset="0"/>
-                  </a:rPr>
-                </a:br>
-                <a14:m>
-                  <m:oMathPara xmlns:m="http://schemas.openxmlformats.org/officeDocument/2006/math">
-                    <m:oMathParaPr>
-                      <m:jc m:val="centerGroup"/>
-                    </m:oMathParaPr>
-                    <m:oMath xmlns:m="http://schemas.openxmlformats.org/officeDocument/2006/math">
-                      <m:r>
-                        <a:rPr lang="en-US" b="0" i="1" smtClean="0">
-                          <a:latin typeface="Cambria Math" panose="02040503050406030204" pitchFamily="18" charset="0"/>
-                        </a:rPr>
-                        <m:t>ℚ</m:t>
-                      </m:r>
-                    </m:oMath>
-                  </m:oMathPara>
-                </a14:m>
-                <a:endParaRPr lang="en-US" dirty="0"/>
-              </a:p>
-              <a:p>
-                <a:pPr marL="0" indent="0">
-                  <a:buNone/>
-                </a:pPr>
-                <a:br>
-                  <a:rPr lang="en-US" i="1" dirty="0">
-                    <a:latin typeface="Cambria Math" panose="02040503050406030204" pitchFamily="18" charset="0"/>
-                  </a:rPr>
-                </a:br>
-                <a14:m>
-                  <m:oMathPara xmlns:m="http://schemas.openxmlformats.org/officeDocument/2006/math">
-                    <m:oMathParaPr>
-                      <m:jc m:val="centerGroup"/>
-                    </m:oMathParaPr>
-                    <m:oMath xmlns:m="http://schemas.openxmlformats.org/officeDocument/2006/math">
-                      <m:d>
-                        <m:dPr>
-                          <m:begChr m:val="{"/>
-                          <m:endChr m:val="}"/>
-                          <m:ctrlPr>
-                            <a:rPr lang="en-US" b="0" i="1" smtClean="0">
-                              <a:latin typeface="Cambria Math" panose="02040503050406030204" pitchFamily="18" charset="0"/>
-                            </a:rPr>
-                          </m:ctrlPr>
-                        </m:dPr>
-                        <m:e>
-                          <m:r>
-                            <a:rPr lang="en-US" b="0" i="1" smtClean="0">
-                              <a:latin typeface="Cambria Math" panose="02040503050406030204" pitchFamily="18" charset="0"/>
-                            </a:rPr>
-                            <m:t>0,1</m:t>
-                          </m:r>
-                        </m:e>
-                      </m:d>
-                    </m:oMath>
-                  </m:oMathPara>
-                </a14:m>
-                <a:endParaRPr lang="en-US" dirty="0"/>
-              </a:p>
-              <a:p>
-                <a:endParaRPr lang="en-US" dirty="0"/>
-              </a:p>
-            </p:txBody>
-          </p:sp>
-        </mc:Choice>
-        <mc:Fallback xmlns="">
-          <p:sp>
-            <p:nvSpPr>
-              <p:cNvPr id="3" name="Content Placeholder 2">
-                <a:extLst>
-                  <a:ext uri="{FF2B5EF4-FFF2-40B4-BE49-F238E27FC236}">
-                    <a16:creationId xmlns:a16="http://schemas.microsoft.com/office/drawing/2014/main" id="{E5DC3E92-B7A7-4203-8FB1-07CE06342135}"/>
-                  </a:ext>
-                </a:extLst>
-              </p:cNvPr>
-              <p:cNvSpPr>
-                <a:spLocks noGrp="1" noRot="1" noChangeAspect="1" noMove="1" noResize="1" noEditPoints="1" noAdjustHandles="1" noChangeArrowheads="1" noChangeShapeType="1" noTextEdit="1"/>
-              </p:cNvSpPr>
-              <p:nvPr>
-                <p:ph idx="1"/>
-              </p:nvPr>
-            </p:nvSpPr>
-            <p:spPr>
-              <a:xfrm>
-                <a:off x="2397719" y="1557724"/>
-                <a:ext cx="1236028" cy="4501170"/>
-              </a:xfrm>
-              <a:blipFill>
-                <a:blip r:embed="rId2"/>
-                <a:stretch>
-                  <a:fillRect/>
-                </a:stretch>
-              </a:blipFill>
-            </p:spPr>
-            <p:txBody>
-              <a:bodyPr/>
-              <a:lstStyle/>
-              <a:p>
-                <a:r>
-                  <a:rPr lang="en-US">
-                    <a:noFill/>
-                  </a:rPr>
-                  <a:t> </a:t>
-                </a:r>
-              </a:p>
-            </p:txBody>
-          </p:sp>
-        </mc:Fallback>
-      </mc:AlternateContent>
-      <p:sp>
-        <p:nvSpPr>
-          <p:cNvPr id="4" name="Slide Number Placeholder 3">
-            <a:extLst>
-              <a:ext uri="{FF2B5EF4-FFF2-40B4-BE49-F238E27FC236}">
-                <a16:creationId xmlns:a16="http://schemas.microsoft.com/office/drawing/2014/main" id="{EDADDA50-B651-4132-BCED-737AA0214DF8}"/>
-              </a:ext>
-            </a:extLst>
-          </p:cNvPr>
-          <p:cNvSpPr>
-            <a:spLocks noGrp="1"/>
-          </p:cNvSpPr>
-          <p:nvPr>
-            <p:ph type="sldNum" sz="quarter" idx="12"/>
-          </p:nvPr>
-        </p:nvSpPr>
-        <p:spPr/>
-        <p:txBody>
-          <a:bodyPr/>
-          <a:lstStyle/>
-          <a:p>
-            <a:fld id="{9BB9F8D7-E2A3-4222-BD86-A63794DF33E7}" type="slidenum">
-              <a:rPr lang="en-US" smtClean="0"/>
-              <a:t>29</a:t>
-            </a:fld>
-            <a:endParaRPr lang="en-US"/>
-          </a:p>
-        </p:txBody>
-      </p:sp>
-    </p:spTree>
-    <p:extLst>
-      <p:ext uri="{BB962C8B-B14F-4D97-AF65-F5344CB8AC3E}">
-        <p14:creationId xmlns:p14="http://schemas.microsoft.com/office/powerpoint/2010/main" val="750589573"/>
       </p:ext>
     </p:extLst>
   </p:cSld>
@@ -37992,6 +40052,316 @@
             <a:fld id="{9BB9F8D7-E2A3-4222-BD86-A63794DF33E7}" type="slidenum">
               <a:rPr lang="en-US" smtClean="0"/>
               <a:t>30</a:t>
+            </a:fld>
+            <a:endParaRPr lang="en-US"/>
+          </a:p>
+        </p:txBody>
+      </p:sp>
+    </p:spTree>
+    <p:extLst>
+      <p:ext uri="{BB962C8B-B14F-4D97-AF65-F5344CB8AC3E}">
+        <p14:creationId xmlns:p14="http://schemas.microsoft.com/office/powerpoint/2010/main" val="750589573"/>
+      </p:ext>
+    </p:extLst>
+  </p:cSld>
+  <p:clrMapOvr>
+    <a:masterClrMapping/>
+  </p:clrMapOvr>
+</p:sld>
+</file>
+
+<file path=ppt/slides/slide31.xml><?xml version="1.0" encoding="utf-8"?>
+<p:sld xmlns:a="http://schemas.openxmlformats.org/drawingml/2006/main" xmlns:r="http://schemas.openxmlformats.org/officeDocument/2006/relationships" xmlns:p="http://schemas.openxmlformats.org/presentationml/2006/main">
+  <p:cSld>
+    <p:spTree>
+      <p:nvGrpSpPr>
+        <p:cNvPr id="1" name=""/>
+        <p:cNvGrpSpPr/>
+        <p:nvPr/>
+      </p:nvGrpSpPr>
+      <p:grpSpPr>
+        <a:xfrm>
+          <a:off x="0" y="0"/>
+          <a:ext cx="0" cy="0"/>
+          <a:chOff x="0" y="0"/>
+          <a:chExt cx="0" cy="0"/>
+        </a:xfrm>
+      </p:grpSpPr>
+      <p:sp>
+        <p:nvSpPr>
+          <p:cNvPr id="2" name="Title 1">
+            <a:extLst>
+              <a:ext uri="{FF2B5EF4-FFF2-40B4-BE49-F238E27FC236}">
+                <a16:creationId xmlns:a16="http://schemas.microsoft.com/office/drawing/2014/main" id="{FCD699E2-F31C-4115-B953-9F94F35415C5}"/>
+              </a:ext>
+            </a:extLst>
+          </p:cNvPr>
+          <p:cNvSpPr>
+            <a:spLocks noGrp="1"/>
+          </p:cNvSpPr>
+          <p:nvPr>
+            <p:ph type="title"/>
+          </p:nvPr>
+        </p:nvSpPr>
+        <p:spPr>
+          <a:xfrm>
+            <a:off x="1141413" y="403833"/>
+            <a:ext cx="9905998" cy="701399"/>
+          </a:xfrm>
+        </p:spPr>
+        <p:txBody>
+          <a:bodyPr/>
+          <a:lstStyle/>
+          <a:p>
+            <a:pPr algn="ctr"/>
+            <a:r>
+              <a:rPr lang="en-US" dirty="0"/>
+              <a:t>Important Sets</a:t>
+            </a:r>
+          </a:p>
+        </p:txBody>
+      </p:sp>
+      <mc:AlternateContent xmlns:mc="http://schemas.openxmlformats.org/markup-compatibility/2006" xmlns:a14="http://schemas.microsoft.com/office/drawing/2010/main">
+        <mc:Choice Requires="a14">
+          <p:sp>
+            <p:nvSpPr>
+              <p:cNvPr id="3" name="Content Placeholder 2">
+                <a:extLst>
+                  <a:ext uri="{FF2B5EF4-FFF2-40B4-BE49-F238E27FC236}">
+                    <a16:creationId xmlns:a16="http://schemas.microsoft.com/office/drawing/2014/main" id="{E5DC3E92-B7A7-4203-8FB1-07CE06342135}"/>
+                  </a:ext>
+                </a:extLst>
+              </p:cNvPr>
+              <p:cNvSpPr>
+                <a:spLocks noGrp="1"/>
+              </p:cNvSpPr>
+              <p:nvPr>
+                <p:ph idx="1"/>
+              </p:nvPr>
+            </p:nvSpPr>
+            <p:spPr>
+              <a:xfrm>
+                <a:off x="2397719" y="1557724"/>
+                <a:ext cx="1236028" cy="4501170"/>
+              </a:xfrm>
+            </p:spPr>
+            <p:txBody>
+              <a:bodyPr>
+                <a:normAutofit lnSpcReduction="10000"/>
+              </a:bodyPr>
+              <a:lstStyle/>
+              <a:p>
+                <a:pPr marL="0" indent="0">
+                  <a:buNone/>
+                </a:pPr>
+                <a14:m>
+                  <m:oMathPara xmlns:m="http://schemas.openxmlformats.org/officeDocument/2006/math">
+                    <m:oMathParaPr>
+                      <m:jc m:val="centerGroup"/>
+                    </m:oMathParaPr>
+                    <m:oMath xmlns:m="http://schemas.openxmlformats.org/officeDocument/2006/math">
+                      <m:r>
+                        <a:rPr lang="en-US" b="0" i="1" smtClean="0">
+                          <a:latin typeface="Cambria Math" panose="02040503050406030204" pitchFamily="18" charset="0"/>
+                        </a:rPr>
+                        <m:t>∅</m:t>
+                      </m:r>
+                    </m:oMath>
+                  </m:oMathPara>
+                </a14:m>
+                <a:endParaRPr lang="en-US" dirty="0"/>
+              </a:p>
+              <a:p>
+                <a:pPr marL="0" indent="0">
+                  <a:buNone/>
+                </a:pPr>
+                <a:br>
+                  <a:rPr lang="en-US" b="0" i="1" dirty="0">
+                    <a:latin typeface="Cambria Math" panose="02040503050406030204" pitchFamily="18" charset="0"/>
+                  </a:rPr>
+                </a:br>
+                <a14:m>
+                  <m:oMathPara xmlns:m="http://schemas.openxmlformats.org/officeDocument/2006/math">
+                    <m:oMathParaPr>
+                      <m:jc m:val="centerGroup"/>
+                    </m:oMathParaPr>
+                    <m:oMath xmlns:m="http://schemas.openxmlformats.org/officeDocument/2006/math">
+                      <m:r>
+                        <a:rPr lang="en-US" b="0" i="1" smtClean="0">
+                          <a:latin typeface="Cambria Math" panose="02040503050406030204" pitchFamily="18" charset="0"/>
+                        </a:rPr>
+                        <m:t>ℕ</m:t>
+                      </m:r>
+                    </m:oMath>
+                  </m:oMathPara>
+                </a14:m>
+                <a:endParaRPr lang="en-US" dirty="0"/>
+              </a:p>
+              <a:p>
+                <a:pPr marL="0" indent="0">
+                  <a:buNone/>
+                </a:pPr>
+                <a:br>
+                  <a:rPr lang="en-US" b="0" i="1" dirty="0">
+                    <a:latin typeface="Cambria Math" panose="02040503050406030204" pitchFamily="18" charset="0"/>
+                  </a:rPr>
+                </a:br>
+                <a14:m>
+                  <m:oMathPara xmlns:m="http://schemas.openxmlformats.org/officeDocument/2006/math">
+                    <m:oMathParaPr>
+                      <m:jc m:val="centerGroup"/>
+                    </m:oMathParaPr>
+                    <m:oMath xmlns:m="http://schemas.openxmlformats.org/officeDocument/2006/math">
+                      <m:r>
+                        <a:rPr lang="en-US" b="0" i="1" smtClean="0">
+                          <a:latin typeface="Cambria Math" panose="02040503050406030204" pitchFamily="18" charset="0"/>
+                        </a:rPr>
+                        <m:t>ℤ</m:t>
+                      </m:r>
+                    </m:oMath>
+                  </m:oMathPara>
+                </a14:m>
+                <a:endParaRPr lang="en-US" dirty="0"/>
+              </a:p>
+              <a:p>
+                <a:pPr marL="0" indent="0">
+                  <a:buNone/>
+                </a:pPr>
+                <a:br>
+                  <a:rPr lang="en-US" b="0" i="1" dirty="0">
+                    <a:latin typeface="Cambria Math" panose="02040503050406030204" pitchFamily="18" charset="0"/>
+                  </a:rPr>
+                </a:br>
+                <a14:m>
+                  <m:oMathPara xmlns:m="http://schemas.openxmlformats.org/officeDocument/2006/math">
+                    <m:oMathParaPr>
+                      <m:jc m:val="centerGroup"/>
+                    </m:oMathParaPr>
+                    <m:oMath xmlns:m="http://schemas.openxmlformats.org/officeDocument/2006/math">
+                      <m:r>
+                        <a:rPr lang="en-US" b="0" i="1" smtClean="0">
+                          <a:latin typeface="Cambria Math" panose="02040503050406030204" pitchFamily="18" charset="0"/>
+                        </a:rPr>
+                        <m:t>ℚ</m:t>
+                      </m:r>
+                    </m:oMath>
+                  </m:oMathPara>
+                </a14:m>
+                <a:endParaRPr lang="en-US" dirty="0"/>
+              </a:p>
+              <a:p>
+                <a:pPr marL="0" indent="0">
+                  <a:buNone/>
+                </a:pPr>
+                <a:br>
+                  <a:rPr lang="en-US" i="1" dirty="0">
+                    <a:latin typeface="Cambria Math" panose="02040503050406030204" pitchFamily="18" charset="0"/>
+                  </a:rPr>
+                </a:br>
+                <a14:m>
+                  <m:oMathPara xmlns:m="http://schemas.openxmlformats.org/officeDocument/2006/math">
+                    <m:oMathParaPr>
+                      <m:jc m:val="centerGroup"/>
+                    </m:oMathParaPr>
+                    <m:oMath xmlns:m="http://schemas.openxmlformats.org/officeDocument/2006/math">
+                      <m:d>
+                        <m:dPr>
+                          <m:begChr m:val="{"/>
+                          <m:endChr m:val="}"/>
+                          <m:ctrlPr>
+                            <a:rPr lang="en-US" b="0" i="1" smtClean="0">
+                              <a:latin typeface="Cambria Math" panose="02040503050406030204" pitchFamily="18" charset="0"/>
+                            </a:rPr>
+                          </m:ctrlPr>
+                        </m:dPr>
+                        <m:e>
+                          <m:r>
+                            <a:rPr lang="en-US" b="0" i="1" smtClean="0">
+                              <a:latin typeface="Cambria Math" panose="02040503050406030204" pitchFamily="18" charset="0"/>
+                            </a:rPr>
+                            <m:t>0,1</m:t>
+                          </m:r>
+                        </m:e>
+                      </m:d>
+                    </m:oMath>
+                  </m:oMathPara>
+                </a14:m>
+                <a:endParaRPr lang="en-US" dirty="0"/>
+              </a:p>
+              <a:p>
+                <a:endParaRPr lang="en-US" dirty="0"/>
+              </a:p>
+            </p:txBody>
+          </p:sp>
+        </mc:Choice>
+        <mc:Fallback xmlns="">
+          <p:sp>
+            <p:nvSpPr>
+              <p:cNvPr id="3" name="Content Placeholder 2">
+                <a:extLst>
+                  <a:ext uri="{FF2B5EF4-FFF2-40B4-BE49-F238E27FC236}">
+                    <a16:creationId xmlns:a16="http://schemas.microsoft.com/office/drawing/2014/main" id="{E5DC3E92-B7A7-4203-8FB1-07CE06342135}"/>
+                  </a:ext>
+                </a:extLst>
+              </p:cNvPr>
+              <p:cNvSpPr>
+                <a:spLocks noGrp="1" noRot="1" noChangeAspect="1" noMove="1" noResize="1" noEditPoints="1" noAdjustHandles="1" noChangeArrowheads="1" noChangeShapeType="1" noTextEdit="1"/>
+              </p:cNvSpPr>
+              <p:nvPr>
+                <p:ph idx="1"/>
+              </p:nvPr>
+            </p:nvSpPr>
+            <p:spPr>
+              <a:xfrm>
+                <a:off x="2397719" y="1557724"/>
+                <a:ext cx="1236028" cy="4501170"/>
+              </a:xfrm>
+              <a:blipFill>
+                <a:blip r:embed="rId2"/>
+                <a:stretch>
+                  <a:fillRect/>
+                </a:stretch>
+              </a:blipFill>
+            </p:spPr>
+            <p:txBody>
+              <a:bodyPr/>
+              <a:lstStyle/>
+              <a:p>
+                <a:r>
+                  <a:rPr lang="en-US">
+                    <a:noFill/>
+                  </a:rPr>
+                  <a:t> </a:t>
+                </a:r>
+              </a:p>
+            </p:txBody>
+          </p:sp>
+        </mc:Fallback>
+      </mc:AlternateContent>
+      <p:sp>
+        <p:nvSpPr>
+          <p:cNvPr id="4" name="Slide Number Placeholder 3">
+            <a:extLst>
+              <a:ext uri="{FF2B5EF4-FFF2-40B4-BE49-F238E27FC236}">
+                <a16:creationId xmlns:a16="http://schemas.microsoft.com/office/drawing/2014/main" id="{EDADDA50-B651-4132-BCED-737AA0214DF8}"/>
+              </a:ext>
+            </a:extLst>
+          </p:cNvPr>
+          <p:cNvSpPr>
+            <a:spLocks noGrp="1"/>
+          </p:cNvSpPr>
+          <p:nvPr>
+            <p:ph type="sldNum" sz="quarter" idx="12"/>
+          </p:nvPr>
+        </p:nvSpPr>
+        <p:spPr/>
+        <p:txBody>
+          <a:bodyPr/>
+          <a:lstStyle/>
+          <a:p>
+            <a:fld id="{9BB9F8D7-E2A3-4222-BD86-A63794DF33E7}" type="slidenum">
+              <a:rPr lang="en-US" smtClean="0"/>
+              <a:t>31</a:t>
             </a:fld>
             <a:endParaRPr lang="en-US"/>
           </a:p>
@@ -39271,7 +41641,7 @@
 </p:sld>
 </file>
 
-<file path=ppt/slides/slide31.xml><?xml version="1.0" encoding="utf-8"?>
+<file path=ppt/slides/slide32.xml><?xml version="1.0" encoding="utf-8"?>
 <p:sld xmlns:a="http://schemas.openxmlformats.org/drawingml/2006/main" xmlns:r="http://schemas.openxmlformats.org/officeDocument/2006/relationships" xmlns:p="http://schemas.openxmlformats.org/presentationml/2006/main">
   <p:cSld>
     <p:spTree>
@@ -39448,7 +41818,7 @@
           <a:p>
             <a:fld id="{9BB9F8D7-E2A3-4222-BD86-A63794DF33E7}" type="slidenum">
               <a:rPr lang="en-US" smtClean="0"/>
-              <a:t>31</a:t>
+              <a:t>32</a:t>
             </a:fld>
             <a:endParaRPr lang="en-US"/>
           </a:p>
@@ -40128,7 +42498,7 @@
 </p:sld>
 </file>
 
-<file path=ppt/slides/slide32.xml><?xml version="1.0" encoding="utf-8"?>
+<file path=ppt/slides/slide33.xml><?xml version="1.0" encoding="utf-8"?>
 <p:sld xmlns:a="http://schemas.openxmlformats.org/drawingml/2006/main" xmlns:r="http://schemas.openxmlformats.org/officeDocument/2006/relationships" xmlns:p="http://schemas.openxmlformats.org/presentationml/2006/main">
   <p:cSld>
     <p:spTree>
@@ -40240,7 +42610,7 @@
           <a:p>
             <a:fld id="{9BB9F8D7-E2A3-4222-BD86-A63794DF33E7}" type="slidenum">
               <a:rPr lang="en-US" smtClean="0"/>
-              <a:t>32</a:t>
+              <a:t>33</a:t>
             </a:fld>
             <a:endParaRPr lang="en-US"/>
           </a:p>
@@ -41541,7 +43911,7 @@
 </p:sld>
 </file>
 
-<file path=ppt/slides/slide33.xml><?xml version="1.0" encoding="utf-8"?>
+<file path=ppt/slides/slide34.xml><?xml version="1.0" encoding="utf-8"?>
 <p:sld xmlns:a="http://schemas.openxmlformats.org/drawingml/2006/main" xmlns:r="http://schemas.openxmlformats.org/officeDocument/2006/relationships" xmlns:p="http://schemas.openxmlformats.org/presentationml/2006/main">
   <p:cSld>
     <p:spTree>
@@ -41964,7 +44334,7 @@
           <a:p>
             <a:fld id="{9BB9F8D7-E2A3-4222-BD86-A63794DF33E7}" type="slidenum">
               <a:rPr lang="en-US" smtClean="0"/>
-              <a:t>33</a:t>
+              <a:t>34</a:t>
             </a:fld>
             <a:endParaRPr lang="en-US"/>
           </a:p>
@@ -41983,7 +44353,7 @@
 </p:sld>
 </file>
 
-<file path=ppt/slides/slide34.xml><?xml version="1.0" encoding="utf-8"?>
+<file path=ppt/slides/slide35.xml><?xml version="1.0" encoding="utf-8"?>
 <p:sld xmlns:a="http://schemas.openxmlformats.org/drawingml/2006/main" xmlns:r="http://schemas.openxmlformats.org/officeDocument/2006/relationships" xmlns:p="http://schemas.openxmlformats.org/presentationml/2006/main">
   <p:cSld>
     <p:spTree>
@@ -42081,7 +44451,7 @@
           <a:p>
             <a:fld id="{9BB9F8D7-E2A3-4222-BD86-A63794DF33E7}" type="slidenum">
               <a:rPr lang="en-US" smtClean="0"/>
-              <a:t>34</a:t>
+              <a:t>35</a:t>
             </a:fld>
             <a:endParaRPr lang="en-US"/>
           </a:p>
@@ -42100,7 +44470,7 @@
 </p:sld>
 </file>
 
-<file path=ppt/slides/slide35.xml><?xml version="1.0" encoding="utf-8"?>
+<file path=ppt/slides/slide36.xml><?xml version="1.0" encoding="utf-8"?>
 <p:sld xmlns:a="http://schemas.openxmlformats.org/drawingml/2006/main" xmlns:r="http://schemas.openxmlformats.org/officeDocument/2006/relationships" xmlns:p="http://schemas.openxmlformats.org/presentationml/2006/main">
   <p:cSld>
     <p:spTree>
@@ -42203,7 +44573,7 @@
           <a:p>
             <a:fld id="{9BB9F8D7-E2A3-4222-BD86-A63794DF33E7}" type="slidenum">
               <a:rPr lang="en-US" smtClean="0"/>
-              <a:t>35</a:t>
+              <a:t>36</a:t>
             </a:fld>
             <a:endParaRPr lang="en-US"/>
           </a:p>
@@ -42222,7 +44592,7 @@
 </p:sld>
 </file>
 
-<file path=ppt/slides/slide36.xml><?xml version="1.0" encoding="utf-8"?>
+<file path=ppt/slides/slide37.xml><?xml version="1.0" encoding="utf-8"?>
 <p:sld xmlns:a="http://schemas.openxmlformats.org/drawingml/2006/main" xmlns:r="http://schemas.openxmlformats.org/officeDocument/2006/relationships" xmlns:p="http://schemas.openxmlformats.org/presentationml/2006/main">
   <p:cSld>
     <p:spTree>
@@ -42306,7 +44676,7 @@
           <a:p>
             <a:fld id="{9BB9F8D7-E2A3-4222-BD86-A63794DF33E7}" type="slidenum">
               <a:rPr lang="en-US" smtClean="0"/>
-              <a:t>36</a:t>
+              <a:t>37</a:t>
             </a:fld>
             <a:endParaRPr lang="en-US"/>
           </a:p>
@@ -42325,7 +44695,7 @@
 </p:sld>
 </file>
 
-<file path=ppt/slides/slide37.xml><?xml version="1.0" encoding="utf-8"?>
+<file path=ppt/slides/slide38.xml><?xml version="1.0" encoding="utf-8"?>
 <p:sld xmlns:a="http://schemas.openxmlformats.org/drawingml/2006/main" xmlns:r="http://schemas.openxmlformats.org/officeDocument/2006/relationships" xmlns:p="http://schemas.openxmlformats.org/presentationml/2006/main">
   <p:cSld>
     <p:spTree>
@@ -42444,7 +44814,7 @@
           <a:p>
             <a:fld id="{9BB9F8D7-E2A3-4222-BD86-A63794DF33E7}" type="slidenum">
               <a:rPr lang="en-US" smtClean="0"/>
-              <a:t>37</a:t>
+              <a:t>38</a:t>
             </a:fld>
             <a:endParaRPr lang="en-US"/>
           </a:p>
@@ -42464,6 +44834,338 @@
 </file>
 
 <file path=ppt/slides/slide4.xml><?xml version="1.0" encoding="utf-8"?>
+<p:sld xmlns:a="http://schemas.openxmlformats.org/drawingml/2006/main" xmlns:r="http://schemas.openxmlformats.org/officeDocument/2006/relationships" xmlns:p="http://schemas.openxmlformats.org/presentationml/2006/main">
+  <p:cSld>
+    <p:spTree>
+      <p:nvGrpSpPr>
+        <p:cNvPr id="1" name=""/>
+        <p:cNvGrpSpPr/>
+        <p:nvPr/>
+      </p:nvGrpSpPr>
+      <p:grpSpPr>
+        <a:xfrm>
+          <a:off x="0" y="0"/>
+          <a:ext cx="0" cy="0"/>
+          <a:chOff x="0" y="0"/>
+          <a:chExt cx="0" cy="0"/>
+        </a:xfrm>
+      </p:grpSpPr>
+      <p:sp>
+        <p:nvSpPr>
+          <p:cNvPr id="2" name="Title 1"/>
+          <p:cNvSpPr>
+            <a:spLocks noGrp="1"/>
+          </p:cNvSpPr>
+          <p:nvPr>
+            <p:ph type="title"/>
+          </p:nvPr>
+        </p:nvSpPr>
+        <p:spPr>
+          <a:xfrm>
+            <a:off x="1141412" y="348174"/>
+            <a:ext cx="9905998" cy="987645"/>
+          </a:xfrm>
+        </p:spPr>
+        <p:txBody>
+          <a:bodyPr/>
+          <a:lstStyle/>
+          <a:p>
+            <a:pPr algn="ctr"/>
+            <a:r>
+              <a:rPr lang="en-US" dirty="0"/>
+              <a:t>What is a Computer?</a:t>
+            </a:r>
+          </a:p>
+        </p:txBody>
+      </p:sp>
+      <p:sp>
+        <p:nvSpPr>
+          <p:cNvPr id="3" name="Content Placeholder 2"/>
+          <p:cNvSpPr>
+            <a:spLocks noGrp="1"/>
+          </p:cNvSpPr>
+          <p:nvPr>
+            <p:ph idx="1"/>
+          </p:nvPr>
+        </p:nvSpPr>
+        <p:spPr>
+          <a:xfrm>
+            <a:off x="1963973" y="2249487"/>
+            <a:ext cx="8173940" cy="773113"/>
+          </a:xfrm>
+        </p:spPr>
+        <p:txBody>
+          <a:bodyPr/>
+          <a:lstStyle/>
+          <a:p>
+            <a:pPr marL="0" indent="0" algn="ctr">
+              <a:buNone/>
+            </a:pPr>
+            <a:r>
+              <a:rPr lang="en-US" dirty="0"/>
+              <a:t>Class discussion:</a:t>
+            </a:r>
+          </a:p>
+        </p:txBody>
+      </p:sp>
+      <p:sp>
+        <p:nvSpPr>
+          <p:cNvPr id="4" name="Slide Number Placeholder 3"/>
+          <p:cNvSpPr>
+            <a:spLocks noGrp="1"/>
+          </p:cNvSpPr>
+          <p:nvPr>
+            <p:ph type="sldNum" sz="quarter" idx="12"/>
+          </p:nvPr>
+        </p:nvSpPr>
+        <p:spPr/>
+        <p:txBody>
+          <a:bodyPr/>
+          <a:lstStyle/>
+          <a:p>
+            <a:fld id="{9BB9F8D7-E2A3-4222-BD86-A63794DF33E7}" type="slidenum">
+              <a:rPr lang="en-US" smtClean="0"/>
+              <a:t>4</a:t>
+            </a:fld>
+            <a:endParaRPr lang="en-US"/>
+          </a:p>
+        </p:txBody>
+      </p:sp>
+      <p:sp>
+        <p:nvSpPr>
+          <p:cNvPr id="5" name="Content Placeholder 2">
+            <a:extLst>
+              <a:ext uri="{FF2B5EF4-FFF2-40B4-BE49-F238E27FC236}">
+                <a16:creationId xmlns:a16="http://schemas.microsoft.com/office/drawing/2014/main" id="{77FCFF6E-E6BE-4541-B02B-71452ED09DCC}"/>
+              </a:ext>
+            </a:extLst>
+          </p:cNvPr>
+          <p:cNvSpPr txBox="1">
+            <a:spLocks/>
+          </p:cNvSpPr>
+          <p:nvPr/>
+        </p:nvSpPr>
+        <p:spPr>
+          <a:xfrm>
+            <a:off x="1963973" y="2943021"/>
+            <a:ext cx="8173940" cy="773113"/>
+          </a:xfrm>
+          <a:prstGeom prst="rect">
+            <a:avLst/>
+          </a:prstGeom>
+          <a:solidFill>
+            <a:schemeClr val="tx1">
+              <a:lumMod val="95000"/>
+            </a:schemeClr>
+          </a:solidFill>
+        </p:spPr>
+        <p:txBody>
+          <a:bodyPr vert="horz" lIns="91440" tIns="45720" rIns="91440" bIns="45720" rtlCol="0" anchor="ctr">
+            <a:normAutofit/>
+          </a:bodyPr>
+          <a:lstStyle>
+            <a:lvl1pPr marL="228600" indent="-228600" algn="l" defTabSz="914400" rtl="0" eaLnBrk="1" latinLnBrk="0" hangingPunct="1">
+              <a:lnSpc>
+                <a:spcPct val="120000"/>
+              </a:lnSpc>
+              <a:spcBef>
+                <a:spcPts val="1000"/>
+              </a:spcBef>
+              <a:buSzPct val="125000"/>
+              <a:buFont typeface="Arial" panose="020B0604020202020204" pitchFamily="34" charset="0"/>
+              <a:buChar char="•"/>
+              <a:defRPr sz="2400" kern="1200">
+                <a:solidFill>
+                  <a:schemeClr val="tx1"/>
+                </a:solidFill>
+                <a:latin typeface="+mn-lt"/>
+                <a:ea typeface="+mn-ea"/>
+                <a:cs typeface="+mn-cs"/>
+              </a:defRPr>
+            </a:lvl1pPr>
+            <a:lvl2pPr marL="685800" indent="-228600" algn="l" defTabSz="914400" rtl="0" eaLnBrk="1" latinLnBrk="0" hangingPunct="1">
+              <a:lnSpc>
+                <a:spcPct val="120000"/>
+              </a:lnSpc>
+              <a:spcBef>
+                <a:spcPts val="500"/>
+              </a:spcBef>
+              <a:buSzPct val="125000"/>
+              <a:buFont typeface="Arial" panose="020B0604020202020204" pitchFamily="34" charset="0"/>
+              <a:buChar char="•"/>
+              <a:defRPr sz="2000" kern="1200">
+                <a:solidFill>
+                  <a:schemeClr val="tx1"/>
+                </a:solidFill>
+                <a:latin typeface="+mn-lt"/>
+                <a:ea typeface="+mn-ea"/>
+                <a:cs typeface="+mn-cs"/>
+              </a:defRPr>
+            </a:lvl2pPr>
+            <a:lvl3pPr marL="1143000" indent="-228600" algn="l" defTabSz="914400" rtl="0" eaLnBrk="1" latinLnBrk="0" hangingPunct="1">
+              <a:lnSpc>
+                <a:spcPct val="120000"/>
+              </a:lnSpc>
+              <a:spcBef>
+                <a:spcPts val="500"/>
+              </a:spcBef>
+              <a:buSzPct val="125000"/>
+              <a:buFont typeface="Arial" panose="020B0604020202020204" pitchFamily="34" charset="0"/>
+              <a:buChar char="•"/>
+              <a:defRPr sz="1800" kern="1200">
+                <a:solidFill>
+                  <a:schemeClr val="tx1"/>
+                </a:solidFill>
+                <a:latin typeface="+mn-lt"/>
+                <a:ea typeface="+mn-ea"/>
+                <a:cs typeface="+mn-cs"/>
+              </a:defRPr>
+            </a:lvl3pPr>
+            <a:lvl4pPr marL="1600200" indent="-228600" algn="l" defTabSz="914400" rtl="0" eaLnBrk="1" latinLnBrk="0" hangingPunct="1">
+              <a:lnSpc>
+                <a:spcPct val="120000"/>
+              </a:lnSpc>
+              <a:spcBef>
+                <a:spcPts val="500"/>
+              </a:spcBef>
+              <a:buSzPct val="125000"/>
+              <a:buFont typeface="Arial" panose="020B0604020202020204" pitchFamily="34" charset="0"/>
+              <a:buChar char="•"/>
+              <a:defRPr sz="1600" kern="1200">
+                <a:solidFill>
+                  <a:schemeClr val="tx1"/>
+                </a:solidFill>
+                <a:latin typeface="+mn-lt"/>
+                <a:ea typeface="+mn-ea"/>
+                <a:cs typeface="+mn-cs"/>
+              </a:defRPr>
+            </a:lvl4pPr>
+            <a:lvl5pPr marL="2057400" indent="-228600" algn="l" defTabSz="914400" rtl="0" eaLnBrk="1" latinLnBrk="0" hangingPunct="1">
+              <a:lnSpc>
+                <a:spcPct val="120000"/>
+              </a:lnSpc>
+              <a:spcBef>
+                <a:spcPts val="500"/>
+              </a:spcBef>
+              <a:buSzPct val="125000"/>
+              <a:buFont typeface="Arial" panose="020B0604020202020204" pitchFamily="34" charset="0"/>
+              <a:buChar char="•"/>
+              <a:defRPr sz="1600" kern="1200">
+                <a:solidFill>
+                  <a:schemeClr val="tx1"/>
+                </a:solidFill>
+                <a:latin typeface="+mn-lt"/>
+                <a:ea typeface="+mn-ea"/>
+                <a:cs typeface="+mn-cs"/>
+              </a:defRPr>
+            </a:lvl5pPr>
+            <a:lvl6pPr marL="2514600" indent="-228600" algn="l" defTabSz="914400" rtl="0" eaLnBrk="1" latinLnBrk="0" hangingPunct="1">
+              <a:lnSpc>
+                <a:spcPct val="120000"/>
+              </a:lnSpc>
+              <a:spcBef>
+                <a:spcPts val="500"/>
+              </a:spcBef>
+              <a:buSzPct val="125000"/>
+              <a:buFont typeface="Arial" panose="020B0604020202020204" pitchFamily="34" charset="0"/>
+              <a:buChar char="•"/>
+              <a:defRPr sz="1400" kern="1200">
+                <a:solidFill>
+                  <a:schemeClr val="tx1"/>
+                </a:solidFill>
+                <a:latin typeface="+mn-lt"/>
+                <a:ea typeface="+mn-ea"/>
+                <a:cs typeface="+mn-cs"/>
+              </a:defRPr>
+            </a:lvl6pPr>
+            <a:lvl7pPr marL="2971800" indent="-228600" algn="l" defTabSz="914400" rtl="0" eaLnBrk="1" latinLnBrk="0" hangingPunct="1">
+              <a:lnSpc>
+                <a:spcPct val="120000"/>
+              </a:lnSpc>
+              <a:spcBef>
+                <a:spcPts val="500"/>
+              </a:spcBef>
+              <a:buSzPct val="125000"/>
+              <a:buFont typeface="Arial" panose="020B0604020202020204" pitchFamily="34" charset="0"/>
+              <a:buChar char="•"/>
+              <a:defRPr sz="1400" kern="1200">
+                <a:solidFill>
+                  <a:schemeClr val="tx1"/>
+                </a:solidFill>
+                <a:latin typeface="+mn-lt"/>
+                <a:ea typeface="+mn-ea"/>
+                <a:cs typeface="+mn-cs"/>
+              </a:defRPr>
+            </a:lvl7pPr>
+            <a:lvl8pPr marL="3429000" indent="-228600" algn="l" defTabSz="914400" rtl="0" eaLnBrk="1" latinLnBrk="0" hangingPunct="1">
+              <a:lnSpc>
+                <a:spcPct val="120000"/>
+              </a:lnSpc>
+              <a:spcBef>
+                <a:spcPts val="500"/>
+              </a:spcBef>
+              <a:buSzPct val="125000"/>
+              <a:buFont typeface="Arial" panose="020B0604020202020204" pitchFamily="34" charset="0"/>
+              <a:buChar char="•"/>
+              <a:defRPr sz="1400" kern="1200">
+                <a:solidFill>
+                  <a:schemeClr val="tx1"/>
+                </a:solidFill>
+                <a:latin typeface="+mn-lt"/>
+                <a:ea typeface="+mn-ea"/>
+                <a:cs typeface="+mn-cs"/>
+              </a:defRPr>
+            </a:lvl8pPr>
+            <a:lvl9pPr marL="3886200" indent="-228600" algn="l" defTabSz="914400" rtl="0" eaLnBrk="1" latinLnBrk="0" hangingPunct="1">
+              <a:lnSpc>
+                <a:spcPct val="120000"/>
+              </a:lnSpc>
+              <a:spcBef>
+                <a:spcPts val="500"/>
+              </a:spcBef>
+              <a:buSzPct val="125000"/>
+              <a:buFont typeface="Arial" panose="020B0604020202020204" pitchFamily="34" charset="0"/>
+              <a:buChar char="•"/>
+              <a:defRPr sz="1400" kern="1200">
+                <a:solidFill>
+                  <a:schemeClr val="tx1"/>
+                </a:solidFill>
+                <a:latin typeface="+mn-lt"/>
+                <a:ea typeface="+mn-ea"/>
+                <a:cs typeface="+mn-cs"/>
+              </a:defRPr>
+            </a:lvl9pPr>
+          </a:lstStyle>
+          <a:p>
+            <a:pPr marL="0" indent="0" algn="ctr">
+              <a:buFont typeface="Arial" panose="020B0604020202020204" pitchFamily="34" charset="0"/>
+              <a:buNone/>
+            </a:pPr>
+            <a:r>
+              <a:rPr lang="en-US" dirty="0">
+                <a:solidFill>
+                  <a:sysClr val="windowText" lastClr="000000"/>
+                </a:solidFill>
+              </a:rPr>
+              <a:t>What is a computer? What do you think?</a:t>
+            </a:r>
+          </a:p>
+        </p:txBody>
+      </p:sp>
+    </p:spTree>
+    <p:extLst>
+      <p:ext uri="{BB962C8B-B14F-4D97-AF65-F5344CB8AC3E}">
+        <p14:creationId xmlns:p14="http://schemas.microsoft.com/office/powerpoint/2010/main" val="3779907049"/>
+      </p:ext>
+    </p:extLst>
+  </p:cSld>
+  <p:clrMapOvr>
+    <a:masterClrMapping/>
+  </p:clrMapOvr>
+</p:sld>
+</file>
+
+<file path=ppt/slides/slide5.xml><?xml version="1.0" encoding="utf-8"?>
 <p:sld xmlns:a="http://schemas.openxmlformats.org/drawingml/2006/main" xmlns:r="http://schemas.openxmlformats.org/officeDocument/2006/relationships" xmlns:p="http://schemas.openxmlformats.org/presentationml/2006/main">
   <p:cSld>
     <p:spTree>
@@ -42527,7 +45229,7 @@
           <a:p>
             <a:fld id="{9BB9F8D7-E2A3-4222-BD86-A63794DF33E7}" type="slidenum">
               <a:rPr lang="en-US" smtClean="0"/>
-              <a:t>4</a:t>
+              <a:t>5</a:t>
             </a:fld>
             <a:endParaRPr lang="en-US"/>
           </a:p>
@@ -42587,7 +45289,7 @@
 </p:sld>
 </file>
 
-<file path=ppt/slides/slide5.xml><?xml version="1.0" encoding="utf-8"?>
+<file path=ppt/slides/slide6.xml><?xml version="1.0" encoding="utf-8"?>
 <p:sld xmlns:a="http://schemas.openxmlformats.org/drawingml/2006/main" xmlns:r="http://schemas.openxmlformats.org/officeDocument/2006/relationships" xmlns:p="http://schemas.openxmlformats.org/presentationml/2006/main">
   <p:cSld>
     <p:spTree>
@@ -42632,7 +45334,7 @@
           <a:p>
             <a:fld id="{9BB9F8D7-E2A3-4222-BD86-A63794DF33E7}" type="slidenum">
               <a:rPr lang="en-US" smtClean="0"/>
-              <a:t>5</a:t>
+              <a:t>6</a:t>
             </a:fld>
             <a:endParaRPr lang="en-US"/>
           </a:p>
@@ -43471,7 +46173,7 @@
 </p:sld>
 </file>
 
-<file path=ppt/slides/slide6.xml><?xml version="1.0" encoding="utf-8"?>
+<file path=ppt/slides/slide7.xml><?xml version="1.0" encoding="utf-8"?>
 <p:sld xmlns:a="http://schemas.openxmlformats.org/drawingml/2006/main" xmlns:r="http://schemas.openxmlformats.org/officeDocument/2006/relationships" xmlns:p="http://schemas.openxmlformats.org/presentationml/2006/main">
   <p:cSld>
     <p:spTree>
@@ -43516,7 +46218,7 @@
           <a:p>
             <a:fld id="{9BB9F8D7-E2A3-4222-BD86-A63794DF33E7}" type="slidenum">
               <a:rPr lang="en-US" smtClean="0"/>
-              <a:t>6</a:t>
+              <a:t>7</a:t>
             </a:fld>
             <a:endParaRPr lang="en-US"/>
           </a:p>
@@ -44936,7 +47638,7 @@
 </p:sld>
 </file>
 
-<file path=ppt/slides/slide7.xml><?xml version="1.0" encoding="utf-8"?>
+<file path=ppt/slides/slide8.xml><?xml version="1.0" encoding="utf-8"?>
 <p:sld xmlns:a="http://schemas.openxmlformats.org/drawingml/2006/main" xmlns:r="http://schemas.openxmlformats.org/officeDocument/2006/relationships" xmlns:p="http://schemas.openxmlformats.org/presentationml/2006/main">
   <p:cSld>
     <p:spTree>
@@ -44981,7 +47683,7 @@
           <a:p>
             <a:fld id="{9BB9F8D7-E2A3-4222-BD86-A63794DF33E7}" type="slidenum">
               <a:rPr lang="en-US" smtClean="0"/>
-              <a:t>7</a:t>
+              <a:t>8</a:t>
             </a:fld>
             <a:endParaRPr lang="en-US"/>
           </a:p>
@@ -45934,7 +48636,7 @@
 </p:sld>
 </file>
 
-<file path=ppt/slides/slide8.xml><?xml version="1.0" encoding="utf-8"?>
+<file path=ppt/slides/slide9.xml><?xml version="1.0" encoding="utf-8"?>
 <p:sld xmlns:a="http://schemas.openxmlformats.org/drawingml/2006/main" xmlns:r="http://schemas.openxmlformats.org/officeDocument/2006/relationships" xmlns:p="http://schemas.openxmlformats.org/presentationml/2006/main">
   <p:cSld>
     <p:spTree>
@@ -45996,7 +48698,7 @@
           <a:p>
             <a:fld id="{9BB9F8D7-E2A3-4222-BD86-A63794DF33E7}" type="slidenum">
               <a:rPr lang="en-US" smtClean="0"/>
-              <a:t>8</a:t>
+              <a:t>9</a:t>
             </a:fld>
             <a:endParaRPr lang="en-US"/>
           </a:p>
@@ -46611,502 +49313,6 @@
     <p:bldLst>
       <p:bldP spid="3" grpId="0"/>
     </p:bldLst>
-  </p:timing>
-</p:sld>
-</file>
-
-<file path=ppt/slides/slide9.xml><?xml version="1.0" encoding="utf-8"?>
-<p:sld xmlns:a="http://schemas.openxmlformats.org/drawingml/2006/main" xmlns:r="http://schemas.openxmlformats.org/officeDocument/2006/relationships" xmlns:p="http://schemas.openxmlformats.org/presentationml/2006/main">
-  <p:cSld>
-    <p:spTree>
-      <p:nvGrpSpPr>
-        <p:cNvPr id="1" name=""/>
-        <p:cNvGrpSpPr/>
-        <p:nvPr/>
-      </p:nvGrpSpPr>
-      <p:grpSpPr>
-        <a:xfrm>
-          <a:off x="0" y="0"/>
-          <a:ext cx="0" cy="0"/>
-          <a:chOff x="0" y="0"/>
-          <a:chExt cx="0" cy="0"/>
-        </a:xfrm>
-      </p:grpSpPr>
-      <p:sp>
-        <p:nvSpPr>
-          <p:cNvPr id="2" name="Title 1"/>
-          <p:cNvSpPr>
-            <a:spLocks noGrp="1"/>
-          </p:cNvSpPr>
-          <p:nvPr>
-            <p:ph type="title"/>
-          </p:nvPr>
-        </p:nvSpPr>
-        <p:spPr>
-          <a:xfrm>
-            <a:off x="1141413" y="228904"/>
-            <a:ext cx="9905998" cy="909358"/>
-          </a:xfrm>
-        </p:spPr>
-        <p:txBody>
-          <a:bodyPr/>
-          <a:lstStyle/>
-          <a:p>
-            <a:pPr algn="ctr"/>
-            <a:r>
-              <a:rPr lang="en-US" dirty="0"/>
-              <a:t>Defining INPUT and Output</a:t>
-            </a:r>
-          </a:p>
-        </p:txBody>
-      </p:sp>
-      <p:sp>
-        <p:nvSpPr>
-          <p:cNvPr id="3" name="Content Placeholder 2"/>
-          <p:cNvSpPr>
-            <a:spLocks noGrp="1"/>
-          </p:cNvSpPr>
-          <p:nvPr>
-            <p:ph idx="1"/>
-          </p:nvPr>
-        </p:nvSpPr>
-        <p:spPr>
-          <a:xfrm>
-            <a:off x="2337683" y="3698394"/>
-            <a:ext cx="6981246" cy="3010507"/>
-          </a:xfrm>
-        </p:spPr>
-        <p:txBody>
-          <a:bodyPr/>
-          <a:lstStyle/>
-          <a:p>
-            <a:r>
-              <a:rPr lang="en-US" dirty="0"/>
-              <a:t>Input and output are </a:t>
-            </a:r>
-            <a:r>
-              <a:rPr lang="en-US" b="1" i="1" u="sng" dirty="0"/>
-              <a:t>strings</a:t>
-            </a:r>
-          </a:p>
-          <a:p>
-            <a:r>
-              <a:rPr lang="en-US" dirty="0"/>
-              <a:t>Black box is an </a:t>
-            </a:r>
-            <a:r>
-              <a:rPr lang="en-US" b="1" i="1" u="sng" dirty="0"/>
-              <a:t>implementation</a:t>
-            </a:r>
-          </a:p>
-          <a:p>
-            <a:r>
-              <a:rPr lang="en-US" dirty="0"/>
-              <a:t>What are we implementing?</a:t>
-            </a:r>
-          </a:p>
-          <a:p>
-            <a:pPr lvl="1"/>
-            <a:r>
-              <a:rPr lang="en-US" b="1" i="1" u="sng" dirty="0"/>
-              <a:t>Functions</a:t>
-            </a:r>
-            <a:r>
-              <a:rPr lang="en-US" dirty="0"/>
-              <a:t>: Transformations from a set of strings to another set of strings. More on this soon!</a:t>
-            </a:r>
-            <a:endParaRPr lang="en-US" b="1" i="1" u="sng" dirty="0"/>
-          </a:p>
-        </p:txBody>
-      </p:sp>
-      <p:sp>
-        <p:nvSpPr>
-          <p:cNvPr id="4" name="Slide Number Placeholder 3"/>
-          <p:cNvSpPr>
-            <a:spLocks noGrp="1"/>
-          </p:cNvSpPr>
-          <p:nvPr>
-            <p:ph type="sldNum" sz="quarter" idx="12"/>
-          </p:nvPr>
-        </p:nvSpPr>
-        <p:spPr/>
-        <p:txBody>
-          <a:bodyPr/>
-          <a:lstStyle/>
-          <a:p>
-            <a:fld id="{9BB9F8D7-E2A3-4222-BD86-A63794DF33E7}" type="slidenum">
-              <a:rPr lang="en-US" smtClean="0"/>
-              <a:t>9</a:t>
-            </a:fld>
-            <a:endParaRPr lang="en-US"/>
-          </a:p>
-        </p:txBody>
-      </p:sp>
-      <p:grpSp>
-        <p:nvGrpSpPr>
-          <p:cNvPr id="5" name="Group 4"/>
-          <p:cNvGrpSpPr/>
-          <p:nvPr/>
-        </p:nvGrpSpPr>
-        <p:grpSpPr>
-          <a:xfrm>
-            <a:off x="3620025" y="1475213"/>
-            <a:ext cx="4948774" cy="1479676"/>
-            <a:chOff x="1103586" y="2333312"/>
-            <a:chExt cx="9837683" cy="2941452"/>
-          </a:xfrm>
-        </p:grpSpPr>
-        <p:sp>
-          <p:nvSpPr>
-            <p:cNvPr id="6" name="Rectangle 5"/>
-            <p:cNvSpPr/>
-            <p:nvPr/>
-          </p:nvSpPr>
-          <p:spPr>
-            <a:xfrm>
-              <a:off x="4004463" y="2333312"/>
-              <a:ext cx="3689131" cy="2941452"/>
-            </a:xfrm>
-            <a:prstGeom prst="rect">
-              <a:avLst/>
-            </a:prstGeom>
-            <a:solidFill>
-              <a:schemeClr val="tx1"/>
-            </a:solidFill>
-            <a:ln>
-              <a:solidFill>
-                <a:schemeClr val="tx1"/>
-              </a:solidFill>
-            </a:ln>
-          </p:spPr>
-          <p:style>
-            <a:lnRef idx="2">
-              <a:schemeClr val="accent1">
-                <a:shade val="50000"/>
-              </a:schemeClr>
-            </a:lnRef>
-            <a:fillRef idx="1">
-              <a:schemeClr val="accent1"/>
-            </a:fillRef>
-            <a:effectRef idx="0">
-              <a:schemeClr val="accent1"/>
-            </a:effectRef>
-            <a:fontRef idx="minor">
-              <a:schemeClr val="lt1"/>
-            </a:fontRef>
-          </p:style>
-          <p:txBody>
-            <a:bodyPr rtlCol="0" anchor="ctr"/>
-            <a:lstStyle/>
-            <a:p>
-              <a:pPr algn="ctr"/>
-              <a:r>
-                <a:rPr lang="en-US" sz="1600" dirty="0">
-                  <a:solidFill>
-                    <a:schemeClr val="bg1"/>
-                  </a:solidFill>
-                </a:rPr>
-                <a:t>Computing Machine </a:t>
-              </a:r>
-            </a:p>
-            <a:p>
-              <a:pPr algn="ctr"/>
-              <a:r>
-                <a:rPr lang="en-US" sz="1600">
-                  <a:solidFill>
-                    <a:schemeClr val="bg1"/>
-                  </a:solidFill>
-                </a:rPr>
-                <a:t>/ Program / Algorithm</a:t>
-              </a:r>
-              <a:endParaRPr lang="en-US" sz="1600" dirty="0">
-                <a:solidFill>
-                  <a:schemeClr val="bg1"/>
-                </a:solidFill>
-              </a:endParaRPr>
-            </a:p>
-          </p:txBody>
-        </p:sp>
-        <p:sp>
-          <p:nvSpPr>
-            <p:cNvPr id="7" name="Rectangle 6"/>
-            <p:cNvSpPr/>
-            <p:nvPr/>
-          </p:nvSpPr>
-          <p:spPr>
-            <a:xfrm>
-              <a:off x="1103586" y="3500745"/>
-              <a:ext cx="1481960" cy="1182414"/>
-            </a:xfrm>
-            <a:prstGeom prst="rect">
-              <a:avLst/>
-            </a:prstGeom>
-            <a:solidFill>
-              <a:srgbClr val="FF0000"/>
-            </a:solidFill>
-            <a:ln>
-              <a:solidFill>
-                <a:srgbClr val="FF0000"/>
-              </a:solidFill>
-            </a:ln>
-          </p:spPr>
-          <p:style>
-            <a:lnRef idx="2">
-              <a:schemeClr val="accent1">
-                <a:shade val="50000"/>
-              </a:schemeClr>
-            </a:lnRef>
-            <a:fillRef idx="1">
-              <a:schemeClr val="accent1"/>
-            </a:fillRef>
-            <a:effectRef idx="0">
-              <a:schemeClr val="accent1"/>
-            </a:effectRef>
-            <a:fontRef idx="minor">
-              <a:schemeClr val="lt1"/>
-            </a:fontRef>
-          </p:style>
-          <p:txBody>
-            <a:bodyPr rtlCol="0" anchor="ctr"/>
-            <a:lstStyle/>
-            <a:p>
-              <a:pPr algn="ctr"/>
-              <a:r>
-                <a:rPr lang="en-US" sz="1400" dirty="0"/>
-                <a:t>Input</a:t>
-              </a:r>
-            </a:p>
-          </p:txBody>
-        </p:sp>
-        <p:sp>
-          <p:nvSpPr>
-            <p:cNvPr id="8" name="Rectangle 7"/>
-            <p:cNvSpPr/>
-            <p:nvPr/>
-          </p:nvSpPr>
-          <p:spPr>
-            <a:xfrm>
-              <a:off x="9406758" y="3208286"/>
-              <a:ext cx="1534511" cy="1206087"/>
-            </a:xfrm>
-            <a:prstGeom prst="rect">
-              <a:avLst/>
-            </a:prstGeom>
-            <a:solidFill>
-              <a:srgbClr val="00B050"/>
-            </a:solidFill>
-            <a:ln>
-              <a:solidFill>
-                <a:srgbClr val="00B050"/>
-              </a:solidFill>
-            </a:ln>
-          </p:spPr>
-          <p:style>
-            <a:lnRef idx="2">
-              <a:schemeClr val="accent1">
-                <a:shade val="50000"/>
-              </a:schemeClr>
-            </a:lnRef>
-            <a:fillRef idx="1">
-              <a:schemeClr val="accent1"/>
-            </a:fillRef>
-            <a:effectRef idx="0">
-              <a:schemeClr val="accent1"/>
-            </a:effectRef>
-            <a:fontRef idx="minor">
-              <a:schemeClr val="lt1"/>
-            </a:fontRef>
-          </p:style>
-          <p:txBody>
-            <a:bodyPr rtlCol="0" anchor="ctr"/>
-            <a:lstStyle/>
-            <a:p>
-              <a:pPr algn="ctr"/>
-              <a:r>
-                <a:rPr lang="en-US" sz="1400"/>
-                <a:t>Output</a:t>
-              </a:r>
-              <a:endParaRPr lang="en-US" sz="1400" dirty="0"/>
-            </a:p>
-          </p:txBody>
-        </p:sp>
-        <p:cxnSp>
-          <p:nvCxnSpPr>
-            <p:cNvPr id="9" name="Straight Arrow Connector 8"/>
-            <p:cNvCxnSpPr>
-              <a:stCxn id="7" idx="3"/>
-            </p:cNvCxnSpPr>
-            <p:nvPr/>
-          </p:nvCxnSpPr>
-          <p:spPr>
-            <a:xfrm>
-              <a:off x="2585546" y="4091952"/>
-              <a:ext cx="1418919" cy="0"/>
-            </a:xfrm>
-            <a:prstGeom prst="straightConnector1">
-              <a:avLst/>
-            </a:prstGeom>
-            <a:ln w="57150">
-              <a:solidFill>
-                <a:srgbClr val="0070C0"/>
-              </a:solidFill>
-              <a:tailEnd type="arrow"/>
-            </a:ln>
-          </p:spPr>
-          <p:style>
-            <a:lnRef idx="1">
-              <a:schemeClr val="accent1"/>
-            </a:lnRef>
-            <a:fillRef idx="0">
-              <a:schemeClr val="accent1"/>
-            </a:fillRef>
-            <a:effectRef idx="0">
-              <a:schemeClr val="accent1"/>
-            </a:effectRef>
-            <a:fontRef idx="minor">
-              <a:schemeClr val="tx1"/>
-            </a:fontRef>
-          </p:style>
-        </p:cxnSp>
-        <p:cxnSp>
-          <p:nvCxnSpPr>
-            <p:cNvPr id="10" name="Straight Arrow Connector 9"/>
-            <p:cNvCxnSpPr>
-              <a:endCxn id="8" idx="1"/>
-            </p:cNvCxnSpPr>
-            <p:nvPr/>
-          </p:nvCxnSpPr>
-          <p:spPr>
-            <a:xfrm>
-              <a:off x="7693594" y="3811329"/>
-              <a:ext cx="1713164" cy="1"/>
-            </a:xfrm>
-            <a:prstGeom prst="straightConnector1">
-              <a:avLst/>
-            </a:prstGeom>
-            <a:ln w="57150">
-              <a:solidFill>
-                <a:srgbClr val="0070C0"/>
-              </a:solidFill>
-              <a:tailEnd type="arrow"/>
-            </a:ln>
-          </p:spPr>
-          <p:style>
-            <a:lnRef idx="1">
-              <a:schemeClr val="accent1"/>
-            </a:lnRef>
-            <a:fillRef idx="0">
-              <a:schemeClr val="accent1"/>
-            </a:fillRef>
-            <a:effectRef idx="0">
-              <a:schemeClr val="accent1"/>
-            </a:effectRef>
-            <a:fontRef idx="minor">
-              <a:schemeClr val="tx1"/>
-            </a:fontRef>
-          </p:style>
-        </p:cxnSp>
-      </p:grpSp>
-    </p:spTree>
-    <p:extLst>
-      <p:ext uri="{BB962C8B-B14F-4D97-AF65-F5344CB8AC3E}">
-        <p14:creationId xmlns:p14="http://schemas.microsoft.com/office/powerpoint/2010/main" val="1020154803"/>
-      </p:ext>
-    </p:extLst>
-  </p:cSld>
-  <p:clrMapOvr>
-    <a:masterClrMapping/>
-  </p:clrMapOvr>
-  <p:timing>
-    <p:tnLst>
-      <p:par>
-        <p:cTn id="1" dur="indefinite" restart="never" nodeType="tmRoot">
-          <p:childTnLst>
-            <p:seq concurrent="1" nextAc="seek">
-              <p:cTn id="2" dur="indefinite" nodeType="mainSeq">
-                <p:childTnLst>
-                  <p:par>
-                    <p:cTn id="3" fill="hold">
-                      <p:stCondLst>
-                        <p:cond delay="indefinite"/>
-                      </p:stCondLst>
-                      <p:childTnLst>
-                        <p:par>
-                          <p:cTn id="4" fill="hold">
-                            <p:stCondLst>
-                              <p:cond delay="0"/>
-                            </p:stCondLst>
-                            <p:childTnLst>
-                              <p:par>
-                                <p:cTn id="5" presetID="10" presetClass="entr" presetSubtype="0" fill="hold" nodeType="clickEffect">
-                                  <p:stCondLst>
-                                    <p:cond delay="0"/>
-                                  </p:stCondLst>
-                                  <p:childTnLst>
-                                    <p:set>
-                                      <p:cBhvr>
-                                        <p:cTn id="6" dur="1" fill="hold">
-                                          <p:stCondLst>
-                                            <p:cond delay="0"/>
-                                          </p:stCondLst>
-                                        </p:cTn>
-                                        <p:tgtEl>
-                                          <p:spTgt spid="3">
-                                            <p:txEl>
-                                              <p:pRg st="3" end="3"/>
-                                            </p:txEl>
-                                          </p:spTgt>
-                                        </p:tgtEl>
-                                        <p:attrNameLst>
-                                          <p:attrName>style.visibility</p:attrName>
-                                        </p:attrNameLst>
-                                      </p:cBhvr>
-                                      <p:to>
-                                        <p:strVal val="visible"/>
-                                      </p:to>
-                                    </p:set>
-                                    <p:animEffect transition="in" filter="fade">
-                                      <p:cBhvr>
-                                        <p:cTn id="7" dur="500"/>
-                                        <p:tgtEl>
-                                          <p:spTgt spid="3">
-                                            <p:txEl>
-                                              <p:pRg st="3" end="3"/>
-                                            </p:txEl>
-                                          </p:spTgt>
-                                        </p:tgtEl>
-                                      </p:cBhvr>
-                                    </p:animEffect>
-                                  </p:childTnLst>
-                                </p:cTn>
-                              </p:par>
-                            </p:childTnLst>
-                          </p:cTn>
-                        </p:par>
-                      </p:childTnLst>
-                    </p:cTn>
-                  </p:par>
-                </p:childTnLst>
-              </p:cTn>
-              <p:prevCondLst>
-                <p:cond evt="onPrev" delay="0">
-                  <p:tgtEl>
-                    <p:sldTgt/>
-                  </p:tgtEl>
-                </p:cond>
-              </p:prevCondLst>
-              <p:nextCondLst>
-                <p:cond evt="onNext" delay="0">
-                  <p:tgtEl>
-                    <p:sldTgt/>
-                  </p:tgtEl>
-                </p:cond>
-              </p:nextCondLst>
-            </p:seq>
-          </p:childTnLst>
-        </p:cTn>
-      </p:par>
-    </p:tnLst>
   </p:timing>
 </p:sld>
 </file>

--- a/slides/01-WhatIsAComputer.pptx
+++ b/slides/01-WhatIsAComputer.pptx
@@ -234,7 +234,7 @@
           <a:p>
             <a:fld id="{C5B45307-6ED4-B142-BD64-10F739779302}" type="datetimeFigureOut">
               <a:rPr lang="en-US" smtClean="0"/>
-              <a:t>8/9/23</a:t>
+              <a:t>8/22/23</a:t>
             </a:fld>
             <a:endParaRPr lang="en-US"/>
           </a:p>
@@ -1197,7 +1197,7 @@
           <a:noFill/>
           <a:extLst>
             <a:ext uri="{909E8E84-426E-40dd-AFC4-6F175D3DCCD1}">
-              <a14:hiddenFill xmlns="" xmlns:a14="http://schemas.microsoft.com/office/drawing/2010/main">
+              <a14:hiddenFill xmlns:a14="http://schemas.microsoft.com/office/drawing/2010/main" xmlns="">
                 <a:solidFill>
                   <a:srgbClr val="FFFFFF"/>
                 </a:solidFill>
@@ -1256,7 +1256,7 @@
             </a:ln>
             <a:extLst>
               <a:ext uri="{91240B29-F687-4f45-9708-019B960494DF}">
-                <a14:hiddenLine xmlns="" xmlns:a14="http://schemas.microsoft.com/office/drawing/2010/main" w="9525">
+                <a14:hiddenLine xmlns:a14="http://schemas.microsoft.com/office/drawing/2010/main" xmlns="" w="9525">
                   <a:solidFill>
                     <a:srgbClr val="000000"/>
                   </a:solidFill>
@@ -1346,7 +1346,7 @@
             </a:ln>
             <a:extLst>
               <a:ext uri="{91240B29-F687-4f45-9708-019B960494DF}">
-                <a14:hiddenLine xmlns="" xmlns:a14="http://schemas.microsoft.com/office/drawing/2010/main" w="9525">
+                <a14:hiddenLine xmlns:a14="http://schemas.microsoft.com/office/drawing/2010/main" xmlns="" w="9525">
                   <a:solidFill>
                     <a:srgbClr val="000000"/>
                   </a:solidFill>
@@ -1436,7 +1436,7 @@
             </a:ln>
             <a:extLst>
               <a:ext uri="{91240B29-F687-4f45-9708-019B960494DF}">
-                <a14:hiddenLine xmlns="" xmlns:a14="http://schemas.microsoft.com/office/drawing/2010/main" w="9525">
+                <a14:hiddenLine xmlns:a14="http://schemas.microsoft.com/office/drawing/2010/main" xmlns="" w="9525">
                   <a:solidFill>
                     <a:srgbClr val="000000"/>
                   </a:solidFill>
@@ -1470,7 +1470,7 @@
             </a:ln>
             <a:extLst>
               <a:ext uri="{91240B29-F687-4f45-9708-019B960494DF}">
-                <a14:hiddenLine xmlns="" xmlns:a14="http://schemas.microsoft.com/office/drawing/2010/main" w="9525">
+                <a14:hiddenLine xmlns:a14="http://schemas.microsoft.com/office/drawing/2010/main" xmlns="" w="9525">
                   <a:solidFill>
                     <a:srgbClr val="000000"/>
                   </a:solidFill>
@@ -1560,7 +1560,7 @@
             </a:ln>
             <a:extLst>
               <a:ext uri="{91240B29-F687-4f45-9708-019B960494DF}">
-                <a14:hiddenLine xmlns="" xmlns:a14="http://schemas.microsoft.com/office/drawing/2010/main" w="9525">
+                <a14:hiddenLine xmlns:a14="http://schemas.microsoft.com/office/drawing/2010/main" xmlns="" w="9525">
                   <a:solidFill>
                     <a:srgbClr val="000000"/>
                   </a:solidFill>
@@ -1622,7 +1622,7 @@
             </a:ln>
             <a:extLst>
               <a:ext uri="{91240B29-F687-4f45-9708-019B960494DF}">
-                <a14:hiddenLine xmlns="" xmlns:a14="http://schemas.microsoft.com/office/drawing/2010/main" w="9525">
+                <a14:hiddenLine xmlns:a14="http://schemas.microsoft.com/office/drawing/2010/main" xmlns="" w="9525">
                   <a:solidFill>
                     <a:srgbClr val="000000"/>
                   </a:solidFill>
@@ -1684,7 +1684,7 @@
             </a:ln>
             <a:extLst>
               <a:ext uri="{91240B29-F687-4f45-9708-019B960494DF}">
-                <a14:hiddenLine xmlns="" xmlns:a14="http://schemas.microsoft.com/office/drawing/2010/main" w="9525">
+                <a14:hiddenLine xmlns:a14="http://schemas.microsoft.com/office/drawing/2010/main" xmlns="" w="9525">
                   <a:solidFill>
                     <a:srgbClr val="000000"/>
                   </a:solidFill>
@@ -1774,7 +1774,7 @@
             </a:ln>
             <a:extLst>
               <a:ext uri="{91240B29-F687-4f45-9708-019B960494DF}">
-                <a14:hiddenLine xmlns="" xmlns:a14="http://schemas.microsoft.com/office/drawing/2010/main" w="9525">
+                <a14:hiddenLine xmlns:a14="http://schemas.microsoft.com/office/drawing/2010/main" xmlns="" w="9525">
                   <a:solidFill>
                     <a:srgbClr val="000000"/>
                   </a:solidFill>
@@ -1836,7 +1836,7 @@
             </a:ln>
             <a:extLst>
               <a:ext uri="{91240B29-F687-4f45-9708-019B960494DF}">
-                <a14:hiddenLine xmlns="" xmlns:a14="http://schemas.microsoft.com/office/drawing/2010/main" w="9525">
+                <a14:hiddenLine xmlns:a14="http://schemas.microsoft.com/office/drawing/2010/main" xmlns="" w="9525">
                   <a:solidFill>
                     <a:srgbClr val="000000"/>
                   </a:solidFill>
@@ -1898,7 +1898,7 @@
             </a:ln>
             <a:extLst>
               <a:ext uri="{91240B29-F687-4f45-9708-019B960494DF}">
-                <a14:hiddenLine xmlns="" xmlns:a14="http://schemas.microsoft.com/office/drawing/2010/main" w="9525">
+                <a14:hiddenLine xmlns:a14="http://schemas.microsoft.com/office/drawing/2010/main" xmlns="" w="9525">
                   <a:solidFill>
                     <a:srgbClr val="000000"/>
                   </a:solidFill>
@@ -1988,7 +1988,7 @@
             </a:ln>
             <a:extLst>
               <a:ext uri="{91240B29-F687-4f45-9708-019B960494DF}">
-                <a14:hiddenLine xmlns="" xmlns:a14="http://schemas.microsoft.com/office/drawing/2010/main" w="9525">
+                <a14:hiddenLine xmlns:a14="http://schemas.microsoft.com/office/drawing/2010/main" xmlns="" w="9525">
                   <a:solidFill>
                     <a:srgbClr val="000000"/>
                   </a:solidFill>
@@ -2078,7 +2078,7 @@
             </a:ln>
             <a:extLst>
               <a:ext uri="{91240B29-F687-4f45-9708-019B960494DF}">
-                <a14:hiddenLine xmlns="" xmlns:a14="http://schemas.microsoft.com/office/drawing/2010/main" w="9525">
+                <a14:hiddenLine xmlns:a14="http://schemas.microsoft.com/office/drawing/2010/main" xmlns="" w="9525">
                   <a:solidFill>
                     <a:srgbClr val="000000"/>
                   </a:solidFill>
@@ -2140,7 +2140,7 @@
             </a:ln>
             <a:extLst>
               <a:ext uri="{91240B29-F687-4f45-9708-019B960494DF}">
-                <a14:hiddenLine xmlns="" xmlns:a14="http://schemas.microsoft.com/office/drawing/2010/main" w="9525">
+                <a14:hiddenLine xmlns:a14="http://schemas.microsoft.com/office/drawing/2010/main" xmlns="" w="9525">
                   <a:solidFill>
                     <a:srgbClr val="000000"/>
                   </a:solidFill>
@@ -2250,7 +2250,7 @@
             </a:ln>
             <a:extLst>
               <a:ext uri="{91240B29-F687-4f45-9708-019B960494DF}">
-                <a14:hiddenLine xmlns="" xmlns:a14="http://schemas.microsoft.com/office/drawing/2010/main" w="9525">
+                <a14:hiddenLine xmlns:a14="http://schemas.microsoft.com/office/drawing/2010/main" xmlns="" w="9525">
                   <a:solidFill>
                     <a:srgbClr val="000000"/>
                   </a:solidFill>
@@ -2312,7 +2312,7 @@
             </a:ln>
             <a:extLst>
               <a:ext uri="{91240B29-F687-4f45-9708-019B960494DF}">
-                <a14:hiddenLine xmlns="" xmlns:a14="http://schemas.microsoft.com/office/drawing/2010/main" w="9525">
+                <a14:hiddenLine xmlns:a14="http://schemas.microsoft.com/office/drawing/2010/main" xmlns="" w="9525">
                   <a:solidFill>
                     <a:srgbClr val="000000"/>
                   </a:solidFill>
@@ -2402,7 +2402,7 @@
             </a:ln>
             <a:extLst>
               <a:ext uri="{91240B29-F687-4f45-9708-019B960494DF}">
-                <a14:hiddenLine xmlns="" xmlns:a14="http://schemas.microsoft.com/office/drawing/2010/main" w="9525">
+                <a14:hiddenLine xmlns:a14="http://schemas.microsoft.com/office/drawing/2010/main" xmlns="" w="9525">
                   <a:solidFill>
                     <a:srgbClr val="000000"/>
                   </a:solidFill>
@@ -2492,7 +2492,7 @@
             </a:ln>
             <a:extLst>
               <a:ext uri="{91240B29-F687-4f45-9708-019B960494DF}">
-                <a14:hiddenLine xmlns="" xmlns:a14="http://schemas.microsoft.com/office/drawing/2010/main" w="9525">
+                <a14:hiddenLine xmlns:a14="http://schemas.microsoft.com/office/drawing/2010/main" xmlns="" w="9525">
                   <a:solidFill>
                     <a:srgbClr val="000000"/>
                   </a:solidFill>
@@ -2554,7 +2554,7 @@
             </a:ln>
             <a:extLst>
               <a:ext uri="{91240B29-F687-4f45-9708-019B960494DF}">
-                <a14:hiddenLine xmlns="" xmlns:a14="http://schemas.microsoft.com/office/drawing/2010/main" w="9525">
+                <a14:hiddenLine xmlns:a14="http://schemas.microsoft.com/office/drawing/2010/main" xmlns="" w="9525">
                   <a:solidFill>
                     <a:srgbClr val="000000"/>
                   </a:solidFill>
@@ -2644,7 +2644,7 @@
             </a:ln>
             <a:extLst>
               <a:ext uri="{91240B29-F687-4f45-9708-019B960494DF}">
-                <a14:hiddenLine xmlns="" xmlns:a14="http://schemas.microsoft.com/office/drawing/2010/main" w="9525">
+                <a14:hiddenLine xmlns:a14="http://schemas.microsoft.com/office/drawing/2010/main" xmlns="" w="9525">
                   <a:solidFill>
                     <a:srgbClr val="000000"/>
                   </a:solidFill>
@@ -2734,7 +2734,7 @@
             </a:ln>
             <a:extLst>
               <a:ext uri="{91240B29-F687-4f45-9708-019B960494DF}">
-                <a14:hiddenLine xmlns="" xmlns:a14="http://schemas.microsoft.com/office/drawing/2010/main" w="9525">
+                <a14:hiddenLine xmlns:a14="http://schemas.microsoft.com/office/drawing/2010/main" xmlns="" w="9525">
                   <a:solidFill>
                     <a:srgbClr val="000000"/>
                   </a:solidFill>
@@ -2790,7 +2790,7 @@
             </a:ln>
             <a:extLst>
               <a:ext uri="{91240B29-F687-4f45-9708-019B960494DF}">
-                <a14:hiddenLine xmlns="" xmlns:a14="http://schemas.microsoft.com/office/drawing/2010/main" w="9525">
+                <a14:hiddenLine xmlns:a14="http://schemas.microsoft.com/office/drawing/2010/main" xmlns="" w="9525">
                   <a:solidFill>
                     <a:srgbClr val="000000"/>
                   </a:solidFill>
@@ -2880,7 +2880,7 @@
             </a:ln>
             <a:extLst>
               <a:ext uri="{91240B29-F687-4f45-9708-019B960494DF}">
-                <a14:hiddenLine xmlns="" xmlns:a14="http://schemas.microsoft.com/office/drawing/2010/main" w="9525">
+                <a14:hiddenLine xmlns:a14="http://schemas.microsoft.com/office/drawing/2010/main" xmlns="" w="9525">
                   <a:solidFill>
                     <a:srgbClr val="000000"/>
                   </a:solidFill>
@@ -2936,7 +2936,7 @@
             </a:ln>
             <a:extLst>
               <a:ext uri="{91240B29-F687-4f45-9708-019B960494DF}">
-                <a14:hiddenLine xmlns="" xmlns:a14="http://schemas.microsoft.com/office/drawing/2010/main" w="9525">
+                <a14:hiddenLine xmlns:a14="http://schemas.microsoft.com/office/drawing/2010/main" xmlns="" w="9525">
                   <a:solidFill>
                     <a:srgbClr val="000000"/>
                   </a:solidFill>
@@ -3026,7 +3026,7 @@
             </a:ln>
             <a:extLst>
               <a:ext uri="{91240B29-F687-4f45-9708-019B960494DF}">
-                <a14:hiddenLine xmlns="" xmlns:a14="http://schemas.microsoft.com/office/drawing/2010/main" w="9525">
+                <a14:hiddenLine xmlns:a14="http://schemas.microsoft.com/office/drawing/2010/main" xmlns="" w="9525">
                   <a:solidFill>
                     <a:srgbClr val="000000"/>
                   </a:solidFill>
@@ -3094,7 +3094,7 @@
             </a:ln>
             <a:extLst>
               <a:ext uri="{91240B29-F687-4f45-9708-019B960494DF}">
-                <a14:hiddenLine xmlns="" xmlns:a14="http://schemas.microsoft.com/office/drawing/2010/main" w="9525">
+                <a14:hiddenLine xmlns:a14="http://schemas.microsoft.com/office/drawing/2010/main" xmlns="" w="9525">
                   <a:solidFill>
                     <a:srgbClr val="000000"/>
                   </a:solidFill>
@@ -3184,7 +3184,7 @@
             </a:ln>
             <a:extLst>
               <a:ext uri="{91240B29-F687-4f45-9708-019B960494DF}">
-                <a14:hiddenLine xmlns="" xmlns:a14="http://schemas.microsoft.com/office/drawing/2010/main" w="9525">
+                <a14:hiddenLine xmlns:a14="http://schemas.microsoft.com/office/drawing/2010/main" xmlns="" w="9525">
                   <a:solidFill>
                     <a:srgbClr val="000000"/>
                   </a:solidFill>
@@ -3252,7 +3252,7 @@
             </a:ln>
             <a:extLst>
               <a:ext uri="{91240B29-F687-4f45-9708-019B960494DF}">
-                <a14:hiddenLine xmlns="" xmlns:a14="http://schemas.microsoft.com/office/drawing/2010/main" w="9525">
+                <a14:hiddenLine xmlns:a14="http://schemas.microsoft.com/office/drawing/2010/main" xmlns="" w="9525">
                   <a:solidFill>
                     <a:srgbClr val="000000"/>
                   </a:solidFill>
@@ -3342,7 +3342,7 @@
             </a:ln>
             <a:extLst>
               <a:ext uri="{91240B29-F687-4f45-9708-019B960494DF}">
-                <a14:hiddenLine xmlns="" xmlns:a14="http://schemas.microsoft.com/office/drawing/2010/main" w="9525">
+                <a14:hiddenLine xmlns:a14="http://schemas.microsoft.com/office/drawing/2010/main" xmlns="" w="9525">
                   <a:solidFill>
                     <a:srgbClr val="000000"/>
                   </a:solidFill>
@@ -3376,7 +3376,7 @@
             </a:ln>
             <a:extLst>
               <a:ext uri="{91240B29-F687-4f45-9708-019B960494DF}">
-                <a14:hiddenLine xmlns="" xmlns:a14="http://schemas.microsoft.com/office/drawing/2010/main" w="9525">
+                <a14:hiddenLine xmlns:a14="http://schemas.microsoft.com/office/drawing/2010/main" xmlns="" w="9525">
                   <a:solidFill>
                     <a:srgbClr val="000000"/>
                   </a:solidFill>
@@ -3466,7 +3466,7 @@
             </a:ln>
             <a:extLst>
               <a:ext uri="{91240B29-F687-4f45-9708-019B960494DF}">
-                <a14:hiddenLine xmlns="" xmlns:a14="http://schemas.microsoft.com/office/drawing/2010/main" w="9525">
+                <a14:hiddenLine xmlns:a14="http://schemas.microsoft.com/office/drawing/2010/main" xmlns="" w="9525">
                   <a:solidFill>
                     <a:srgbClr val="000000"/>
                   </a:solidFill>
@@ -3528,7 +3528,7 @@
             </a:ln>
             <a:extLst>
               <a:ext uri="{91240B29-F687-4f45-9708-019B960494DF}">
-                <a14:hiddenLine xmlns="" xmlns:a14="http://schemas.microsoft.com/office/drawing/2010/main" w="9525">
+                <a14:hiddenLine xmlns:a14="http://schemas.microsoft.com/office/drawing/2010/main" xmlns="" w="9525">
                   <a:solidFill>
                     <a:srgbClr val="000000"/>
                   </a:solidFill>
@@ -3590,7 +3590,7 @@
             </a:ln>
             <a:extLst>
               <a:ext uri="{91240B29-F687-4f45-9708-019B960494DF}">
-                <a14:hiddenLine xmlns="" xmlns:a14="http://schemas.microsoft.com/office/drawing/2010/main" w="9525">
+                <a14:hiddenLine xmlns:a14="http://schemas.microsoft.com/office/drawing/2010/main" xmlns="" w="9525">
                   <a:solidFill>
                     <a:srgbClr val="000000"/>
                   </a:solidFill>
@@ -3680,7 +3680,7 @@
             </a:ln>
             <a:extLst>
               <a:ext uri="{91240B29-F687-4f45-9708-019B960494DF}">
-                <a14:hiddenLine xmlns="" xmlns:a14="http://schemas.microsoft.com/office/drawing/2010/main" w="9525">
+                <a14:hiddenLine xmlns:a14="http://schemas.microsoft.com/office/drawing/2010/main" xmlns="" w="9525">
                   <a:solidFill>
                     <a:srgbClr val="000000"/>
                   </a:solidFill>
@@ -3748,7 +3748,7 @@
             </a:ln>
             <a:extLst>
               <a:ext uri="{91240B29-F687-4f45-9708-019B960494DF}">
-                <a14:hiddenLine xmlns="" xmlns:a14="http://schemas.microsoft.com/office/drawing/2010/main" w="9525">
+                <a14:hiddenLine xmlns:a14="http://schemas.microsoft.com/office/drawing/2010/main" xmlns="" w="9525">
                   <a:solidFill>
                     <a:srgbClr val="000000"/>
                   </a:solidFill>
@@ -3810,7 +3810,7 @@
             </a:ln>
             <a:extLst>
               <a:ext uri="{91240B29-F687-4f45-9708-019B960494DF}">
-                <a14:hiddenLine xmlns="" xmlns:a14="http://schemas.microsoft.com/office/drawing/2010/main" w="9525">
+                <a14:hiddenLine xmlns:a14="http://schemas.microsoft.com/office/drawing/2010/main" xmlns="" w="9525">
                   <a:solidFill>
                     <a:srgbClr val="000000"/>
                   </a:solidFill>
@@ -3900,7 +3900,7 @@
             </a:ln>
             <a:extLst>
               <a:ext uri="{91240B29-F687-4f45-9708-019B960494DF}">
-                <a14:hiddenLine xmlns="" xmlns:a14="http://schemas.microsoft.com/office/drawing/2010/main" w="9525">
+                <a14:hiddenLine xmlns:a14="http://schemas.microsoft.com/office/drawing/2010/main" xmlns="" w="9525">
                   <a:solidFill>
                     <a:srgbClr val="000000"/>
                   </a:solidFill>
@@ -3962,7 +3962,7 @@
             </a:ln>
             <a:extLst>
               <a:ext uri="{91240B29-F687-4f45-9708-019B960494DF}">
-                <a14:hiddenLine xmlns="" xmlns:a14="http://schemas.microsoft.com/office/drawing/2010/main" w="9525">
+                <a14:hiddenLine xmlns:a14="http://schemas.microsoft.com/office/drawing/2010/main" xmlns="" w="9525">
                   <a:solidFill>
                     <a:srgbClr val="000000"/>
                   </a:solidFill>
@@ -4052,7 +4052,7 @@
             </a:ln>
             <a:extLst>
               <a:ext uri="{91240B29-F687-4f45-9708-019B960494DF}">
-                <a14:hiddenLine xmlns="" xmlns:a14="http://schemas.microsoft.com/office/drawing/2010/main" w="9525">
+                <a14:hiddenLine xmlns:a14="http://schemas.microsoft.com/office/drawing/2010/main" xmlns="" w="9525">
                   <a:solidFill>
                     <a:srgbClr val="000000"/>
                   </a:solidFill>
@@ -4114,7 +4114,7 @@
             </a:ln>
             <a:extLst>
               <a:ext uri="{91240B29-F687-4f45-9708-019B960494DF}">
-                <a14:hiddenLine xmlns="" xmlns:a14="http://schemas.microsoft.com/office/drawing/2010/main" w="9525">
+                <a14:hiddenLine xmlns:a14="http://schemas.microsoft.com/office/drawing/2010/main" xmlns="" w="9525">
                   <a:solidFill>
                     <a:srgbClr val="000000"/>
                   </a:solidFill>
@@ -4204,7 +4204,7 @@
             </a:ln>
             <a:extLst>
               <a:ext uri="{91240B29-F687-4f45-9708-019B960494DF}">
-                <a14:hiddenLine xmlns="" xmlns:a14="http://schemas.microsoft.com/office/drawing/2010/main" w="9525">
+                <a14:hiddenLine xmlns:a14="http://schemas.microsoft.com/office/drawing/2010/main" xmlns="" w="9525">
                   <a:solidFill>
                     <a:srgbClr val="000000"/>
                   </a:solidFill>
@@ -4238,7 +4238,7 @@
             </a:ln>
             <a:extLst>
               <a:ext uri="{91240B29-F687-4f45-9708-019B960494DF}">
-                <a14:hiddenLine xmlns="" xmlns:a14="http://schemas.microsoft.com/office/drawing/2010/main" w="9525">
+                <a14:hiddenLine xmlns:a14="http://schemas.microsoft.com/office/drawing/2010/main" xmlns="" w="9525">
                   <a:solidFill>
                     <a:srgbClr val="000000"/>
                   </a:solidFill>
@@ -4303,7 +4303,7 @@
             </a:ln>
             <a:extLst>
               <a:ext uri="{91240B29-F687-4f45-9708-019B960494DF}">
-                <a14:hiddenLine xmlns="" xmlns:a14="http://schemas.microsoft.com/office/drawing/2010/main" w="9525">
+                <a14:hiddenLine xmlns:a14="http://schemas.microsoft.com/office/drawing/2010/main" xmlns="" w="9525">
                   <a:solidFill>
                     <a:srgbClr val="000000"/>
                   </a:solidFill>
@@ -4393,7 +4393,7 @@
             </a:ln>
             <a:extLst>
               <a:ext uri="{91240B29-F687-4f45-9708-019B960494DF}">
-                <a14:hiddenLine xmlns="" xmlns:a14="http://schemas.microsoft.com/office/drawing/2010/main" w="9525">
+                <a14:hiddenLine xmlns:a14="http://schemas.microsoft.com/office/drawing/2010/main" xmlns="" w="9525">
                   <a:solidFill>
                     <a:srgbClr val="000000"/>
                   </a:solidFill>
@@ -4455,7 +4455,7 @@
             </a:ln>
             <a:extLst>
               <a:ext uri="{91240B29-F687-4f45-9708-019B960494DF}">
-                <a14:hiddenLine xmlns="" xmlns:a14="http://schemas.microsoft.com/office/drawing/2010/main" w="9525">
+                <a14:hiddenLine xmlns:a14="http://schemas.microsoft.com/office/drawing/2010/main" xmlns="" w="9525">
                   <a:solidFill>
                     <a:srgbClr val="000000"/>
                   </a:solidFill>
@@ -4545,7 +4545,7 @@
             </a:ln>
             <a:extLst>
               <a:ext uri="{91240B29-F687-4f45-9708-019B960494DF}">
-                <a14:hiddenLine xmlns="" xmlns:a14="http://schemas.microsoft.com/office/drawing/2010/main" w="9525">
+                <a14:hiddenLine xmlns:a14="http://schemas.microsoft.com/office/drawing/2010/main" xmlns="" w="9525">
                   <a:solidFill>
                     <a:srgbClr val="000000"/>
                   </a:solidFill>
@@ -4635,7 +4635,7 @@
             </a:ln>
             <a:extLst>
               <a:ext uri="{91240B29-F687-4f45-9708-019B960494DF}">
-                <a14:hiddenLine xmlns="" xmlns:a14="http://schemas.microsoft.com/office/drawing/2010/main" w="9525">
+                <a14:hiddenLine xmlns:a14="http://schemas.microsoft.com/office/drawing/2010/main" xmlns="" w="9525">
                   <a:solidFill>
                     <a:srgbClr val="000000"/>
                   </a:solidFill>
@@ -4700,7 +4700,7 @@
             </a:ln>
             <a:extLst>
               <a:ext uri="{91240B29-F687-4f45-9708-019B960494DF}">
-                <a14:hiddenLine xmlns="" xmlns:a14="http://schemas.microsoft.com/office/drawing/2010/main" w="9525">
+                <a14:hiddenLine xmlns:a14="http://schemas.microsoft.com/office/drawing/2010/main" xmlns="" w="9525">
                   <a:solidFill>
                     <a:srgbClr val="000000"/>
                   </a:solidFill>
@@ -4762,7 +4762,7 @@
             </a:ln>
             <a:extLst>
               <a:ext uri="{91240B29-F687-4f45-9708-019B960494DF}">
-                <a14:hiddenLine xmlns="" xmlns:a14="http://schemas.microsoft.com/office/drawing/2010/main" w="9525">
+                <a14:hiddenLine xmlns:a14="http://schemas.microsoft.com/office/drawing/2010/main" xmlns="" w="9525">
                   <a:solidFill>
                     <a:srgbClr val="000000"/>
                   </a:solidFill>
@@ -4852,7 +4852,7 @@
             </a:ln>
             <a:extLst>
               <a:ext uri="{91240B29-F687-4f45-9708-019B960494DF}">
-                <a14:hiddenLine xmlns="" xmlns:a14="http://schemas.microsoft.com/office/drawing/2010/main" w="9525">
+                <a14:hiddenLine xmlns:a14="http://schemas.microsoft.com/office/drawing/2010/main" xmlns="" w="9525">
                   <a:solidFill>
                     <a:srgbClr val="000000"/>
                   </a:solidFill>
@@ -4942,7 +4942,7 @@
             </a:ln>
             <a:extLst>
               <a:ext uri="{91240B29-F687-4f45-9708-019B960494DF}">
-                <a14:hiddenLine xmlns="" xmlns:a14="http://schemas.microsoft.com/office/drawing/2010/main" w="9525">
+                <a14:hiddenLine xmlns:a14="http://schemas.microsoft.com/office/drawing/2010/main" xmlns="" w="9525">
                   <a:solidFill>
                     <a:srgbClr val="000000"/>
                   </a:solidFill>
@@ -5004,7 +5004,7 @@
             </a:ln>
             <a:extLst>
               <a:ext uri="{91240B29-F687-4f45-9708-019B960494DF}">
-                <a14:hiddenLine xmlns="" xmlns:a14="http://schemas.microsoft.com/office/drawing/2010/main" w="9525">
+                <a14:hiddenLine xmlns:a14="http://schemas.microsoft.com/office/drawing/2010/main" xmlns="" w="9525">
                   <a:solidFill>
                     <a:srgbClr val="000000"/>
                   </a:solidFill>
@@ -5124,7 +5124,7 @@
             </a:ln>
             <a:extLst>
               <a:ext uri="{91240B29-F687-4f45-9708-019B960494DF}">
-                <a14:hiddenLine xmlns="" xmlns:a14="http://schemas.microsoft.com/office/drawing/2010/main" w="9525">
+                <a14:hiddenLine xmlns:a14="http://schemas.microsoft.com/office/drawing/2010/main" xmlns="" w="9525">
                   <a:solidFill>
                     <a:srgbClr val="000000"/>
                   </a:solidFill>
@@ -5192,7 +5192,7 @@
             </a:ln>
             <a:extLst>
               <a:ext uri="{91240B29-F687-4f45-9708-019B960494DF}">
-                <a14:hiddenLine xmlns="" xmlns:a14="http://schemas.microsoft.com/office/drawing/2010/main" w="9525">
+                <a14:hiddenLine xmlns:a14="http://schemas.microsoft.com/office/drawing/2010/main" xmlns="" w="9525">
                   <a:solidFill>
                     <a:srgbClr val="000000"/>
                   </a:solidFill>
@@ -5282,7 +5282,7 @@
             </a:ln>
             <a:extLst>
               <a:ext uri="{91240B29-F687-4f45-9708-019B960494DF}">
-                <a14:hiddenLine xmlns="" xmlns:a14="http://schemas.microsoft.com/office/drawing/2010/main" w="9525">
+                <a14:hiddenLine xmlns:a14="http://schemas.microsoft.com/office/drawing/2010/main" xmlns="" w="9525">
                   <a:solidFill>
                     <a:srgbClr val="000000"/>
                   </a:solidFill>
@@ -5422,7 +5422,7 @@
           <a:p>
             <a:fld id="{EC4347D3-4C9A-C240-8F14-750059DFEEB0}" type="datetimeFigureOut">
               <a:rPr lang="en-US" smtClean="0"/>
-              <a:t>8/9/23</a:t>
+              <a:t>8/22/23</a:t>
             </a:fld>
             <a:endParaRPr lang="en-US"/>
           </a:p>
@@ -5689,7 +5689,7 @@
           <a:p>
             <a:fld id="{EC4347D3-4C9A-C240-8F14-750059DFEEB0}" type="datetimeFigureOut">
               <a:rPr lang="en-US" smtClean="0"/>
-              <a:t>8/9/23</a:t>
+              <a:t>8/22/23</a:t>
             </a:fld>
             <a:endParaRPr lang="en-US"/>
           </a:p>
@@ -5885,7 +5885,7 @@
           <a:p>
             <a:fld id="{EC4347D3-4C9A-C240-8F14-750059DFEEB0}" type="datetimeFigureOut">
               <a:rPr lang="en-US" smtClean="0"/>
-              <a:t>8/9/23</a:t>
+              <a:t>8/22/23</a:t>
             </a:fld>
             <a:endParaRPr lang="en-US"/>
           </a:p>
@@ -6148,7 +6148,7 @@
           <a:p>
             <a:fld id="{EC4347D3-4C9A-C240-8F14-750059DFEEB0}" type="datetimeFigureOut">
               <a:rPr lang="en-US" smtClean="0"/>
-              <a:t>8/9/23</a:t>
+              <a:t>8/22/23</a:t>
             </a:fld>
             <a:endParaRPr lang="en-US"/>
           </a:p>
@@ -6582,7 +6582,7 @@
           <a:p>
             <a:fld id="{EC4347D3-4C9A-C240-8F14-750059DFEEB0}" type="datetimeFigureOut">
               <a:rPr lang="en-US" smtClean="0"/>
-              <a:t>8/9/23</a:t>
+              <a:t>8/22/23</a:t>
             </a:fld>
             <a:endParaRPr lang="en-US"/>
           </a:p>
@@ -7128,7 +7128,7 @@
           <a:p>
             <a:fld id="{EC4347D3-4C9A-C240-8F14-750059DFEEB0}" type="datetimeFigureOut">
               <a:rPr lang="en-US" smtClean="0"/>
-              <a:t>8/9/23</a:t>
+              <a:t>8/22/23</a:t>
             </a:fld>
             <a:endParaRPr lang="en-US"/>
           </a:p>
@@ -7848,7 +7848,7 @@
           <a:p>
             <a:fld id="{EC4347D3-4C9A-C240-8F14-750059DFEEB0}" type="datetimeFigureOut">
               <a:rPr lang="en-US" smtClean="0"/>
-              <a:t>8/9/23</a:t>
+              <a:t>8/22/23</a:t>
             </a:fld>
             <a:endParaRPr lang="en-US"/>
           </a:p>
@@ -8018,7 +8018,7 @@
           <a:p>
             <a:fld id="{EC4347D3-4C9A-C240-8F14-750059DFEEB0}" type="datetimeFigureOut">
               <a:rPr lang="en-US" smtClean="0"/>
-              <a:t>8/9/23</a:t>
+              <a:t>8/22/23</a:t>
             </a:fld>
             <a:endParaRPr lang="en-US"/>
           </a:p>
@@ -8198,7 +8198,7 @@
           <a:p>
             <a:fld id="{EC4347D3-4C9A-C240-8F14-750059DFEEB0}" type="datetimeFigureOut">
               <a:rPr lang="en-US" smtClean="0"/>
-              <a:t>8/9/23</a:t>
+              <a:t>8/22/23</a:t>
             </a:fld>
             <a:endParaRPr lang="en-US"/>
           </a:p>
@@ -8368,7 +8368,7 @@
           <a:p>
             <a:fld id="{EC4347D3-4C9A-C240-8F14-750059DFEEB0}" type="datetimeFigureOut">
               <a:rPr lang="en-US" smtClean="0"/>
-              <a:t>8/9/23</a:t>
+              <a:t>8/22/23</a:t>
             </a:fld>
             <a:endParaRPr lang="en-US"/>
           </a:p>
@@ -8618,7 +8618,7 @@
           <a:p>
             <a:fld id="{EC4347D3-4C9A-C240-8F14-750059DFEEB0}" type="datetimeFigureOut">
               <a:rPr lang="en-US" smtClean="0"/>
-              <a:t>8/9/23</a:t>
+              <a:t>8/22/23</a:t>
             </a:fld>
             <a:endParaRPr lang="en-US"/>
           </a:p>
@@ -8850,7 +8850,7 @@
           <a:p>
             <a:fld id="{EC4347D3-4C9A-C240-8F14-750059DFEEB0}" type="datetimeFigureOut">
               <a:rPr lang="en-US" smtClean="0"/>
-              <a:t>8/9/23</a:t>
+              <a:t>8/22/23</a:t>
             </a:fld>
             <a:endParaRPr lang="en-US"/>
           </a:p>
@@ -9236,7 +9236,7 @@
           <a:p>
             <a:fld id="{EC4347D3-4C9A-C240-8F14-750059DFEEB0}" type="datetimeFigureOut">
               <a:rPr lang="en-US" smtClean="0"/>
-              <a:t>8/9/23</a:t>
+              <a:t>8/22/23</a:t>
             </a:fld>
             <a:endParaRPr lang="en-US"/>
           </a:p>
@@ -9359,7 +9359,7 @@
           <a:p>
             <a:fld id="{EC4347D3-4C9A-C240-8F14-750059DFEEB0}" type="datetimeFigureOut">
               <a:rPr lang="en-US" smtClean="0"/>
-              <a:t>8/9/23</a:t>
+              <a:t>8/22/23</a:t>
             </a:fld>
             <a:endParaRPr lang="en-US"/>
           </a:p>
@@ -9454,7 +9454,7 @@
           <a:p>
             <a:fld id="{EC4347D3-4C9A-C240-8F14-750059DFEEB0}" type="datetimeFigureOut">
               <a:rPr lang="en-US" smtClean="0"/>
-              <a:t>8/9/23</a:t>
+              <a:t>8/22/23</a:t>
             </a:fld>
             <a:endParaRPr lang="en-US"/>
           </a:p>
@@ -9703,7 +9703,7 @@
           <a:p>
             <a:fld id="{EC4347D3-4C9A-C240-8F14-750059DFEEB0}" type="datetimeFigureOut">
               <a:rPr lang="en-US" smtClean="0"/>
-              <a:t>8/9/23</a:t>
+              <a:t>8/22/23</a:t>
             </a:fld>
             <a:endParaRPr lang="en-US"/>
           </a:p>
@@ -9988,7 +9988,7 @@
           <a:p>
             <a:fld id="{EC4347D3-4C9A-C240-8F14-750059DFEEB0}" type="datetimeFigureOut">
               <a:rPr lang="en-US" smtClean="0"/>
-              <a:t>8/9/23</a:t>
+              <a:t>8/22/23</a:t>
             </a:fld>
             <a:endParaRPr lang="en-US"/>
           </a:p>
@@ -10111,7 +10111,7 @@
           <a:noFill/>
           <a:extLst>
             <a:ext uri="{909E8E84-426E-40dd-AFC4-6F175D3DCCD1}">
-              <a14:hiddenFill xmlns="" xmlns:a14="http://schemas.microsoft.com/office/drawing/2010/main">
+              <a14:hiddenFill xmlns:a14="http://schemas.microsoft.com/office/drawing/2010/main" xmlns="">
                 <a:solidFill>
                   <a:srgbClr val="FFFFFF"/>
                 </a:solidFill>
@@ -10185,7 +10185,7 @@
               </a:ln>
               <a:extLst>
                 <a:ext uri="{91240B29-F687-4f45-9708-019B960494DF}">
-                  <a14:hiddenLine xmlns="" xmlns:a14="http://schemas.microsoft.com/office/drawing/2010/main" w="9525">
+                  <a14:hiddenLine xmlns:a14="http://schemas.microsoft.com/office/drawing/2010/main" xmlns="" w="9525">
                     <a:solidFill>
                       <a:srgbClr val="000000"/>
                     </a:solidFill>
@@ -10275,7 +10275,7 @@
               </a:ln>
               <a:extLst>
                 <a:ext uri="{91240B29-F687-4f45-9708-019B960494DF}">
-                  <a14:hiddenLine xmlns="" xmlns:a14="http://schemas.microsoft.com/office/drawing/2010/main" w="9525">
+                  <a14:hiddenLine xmlns:a14="http://schemas.microsoft.com/office/drawing/2010/main" xmlns="" w="9525">
                     <a:solidFill>
                       <a:srgbClr val="000000"/>
                     </a:solidFill>
@@ -10365,7 +10365,7 @@
               </a:ln>
               <a:extLst>
                 <a:ext uri="{91240B29-F687-4f45-9708-019B960494DF}">
-                  <a14:hiddenLine xmlns="" xmlns:a14="http://schemas.microsoft.com/office/drawing/2010/main" w="9525">
+                  <a14:hiddenLine xmlns:a14="http://schemas.microsoft.com/office/drawing/2010/main" xmlns="" w="9525">
                     <a:solidFill>
                       <a:srgbClr val="000000"/>
                     </a:solidFill>
@@ -10427,7 +10427,7 @@
               </a:ln>
               <a:extLst>
                 <a:ext uri="{91240B29-F687-4f45-9708-019B960494DF}">
-                  <a14:hiddenLine xmlns="" xmlns:a14="http://schemas.microsoft.com/office/drawing/2010/main" w="9525">
+                  <a14:hiddenLine xmlns:a14="http://schemas.microsoft.com/office/drawing/2010/main" xmlns="" w="9525">
                     <a:solidFill>
                       <a:srgbClr val="000000"/>
                     </a:solidFill>
@@ -10517,7 +10517,7 @@
               </a:ln>
               <a:extLst>
                 <a:ext uri="{91240B29-F687-4f45-9708-019B960494DF}">
-                  <a14:hiddenLine xmlns="" xmlns:a14="http://schemas.microsoft.com/office/drawing/2010/main" w="9525">
+                  <a14:hiddenLine xmlns:a14="http://schemas.microsoft.com/office/drawing/2010/main" xmlns="" w="9525">
                     <a:solidFill>
                       <a:srgbClr val="000000"/>
                     </a:solidFill>
@@ -10579,7 +10579,7 @@
               </a:ln>
               <a:extLst>
                 <a:ext uri="{91240B29-F687-4f45-9708-019B960494DF}">
-                  <a14:hiddenLine xmlns="" xmlns:a14="http://schemas.microsoft.com/office/drawing/2010/main" w="9525">
+                  <a14:hiddenLine xmlns:a14="http://schemas.microsoft.com/office/drawing/2010/main" xmlns="" w="9525">
                     <a:solidFill>
                       <a:srgbClr val="000000"/>
                     </a:solidFill>
@@ -10641,7 +10641,7 @@
               </a:ln>
               <a:extLst>
                 <a:ext uri="{91240B29-F687-4f45-9708-019B960494DF}">
-                  <a14:hiddenLine xmlns="" xmlns:a14="http://schemas.microsoft.com/office/drawing/2010/main" w="9525">
+                  <a14:hiddenLine xmlns:a14="http://schemas.microsoft.com/office/drawing/2010/main" xmlns="" w="9525">
                     <a:solidFill>
                       <a:srgbClr val="000000"/>
                     </a:solidFill>
@@ -10731,7 +10731,7 @@
               </a:ln>
               <a:extLst>
                 <a:ext uri="{91240B29-F687-4f45-9708-019B960494DF}">
-                  <a14:hiddenLine xmlns="" xmlns:a14="http://schemas.microsoft.com/office/drawing/2010/main" w="9525">
+                  <a14:hiddenLine xmlns:a14="http://schemas.microsoft.com/office/drawing/2010/main" xmlns="" w="9525">
                     <a:solidFill>
                       <a:srgbClr val="000000"/>
                     </a:solidFill>
@@ -10821,7 +10821,7 @@
               </a:ln>
               <a:extLst>
                 <a:ext uri="{91240B29-F687-4f45-9708-019B960494DF}">
-                  <a14:hiddenLine xmlns="" xmlns:a14="http://schemas.microsoft.com/office/drawing/2010/main" w="9525">
+                  <a14:hiddenLine xmlns:a14="http://schemas.microsoft.com/office/drawing/2010/main" xmlns="" w="9525">
                     <a:solidFill>
                       <a:srgbClr val="000000"/>
                     </a:solidFill>
@@ -10883,7 +10883,7 @@
               </a:ln>
               <a:extLst>
                 <a:ext uri="{91240B29-F687-4f45-9708-019B960494DF}">
-                  <a14:hiddenLine xmlns="" xmlns:a14="http://schemas.microsoft.com/office/drawing/2010/main" w="9525">
+                  <a14:hiddenLine xmlns:a14="http://schemas.microsoft.com/office/drawing/2010/main" xmlns="" w="9525">
                     <a:solidFill>
                       <a:srgbClr val="000000"/>
                     </a:solidFill>
@@ -10993,7 +10993,7 @@
               </a:ln>
               <a:extLst>
                 <a:ext uri="{91240B29-F687-4f45-9708-019B960494DF}">
-                  <a14:hiddenLine xmlns="" xmlns:a14="http://schemas.microsoft.com/office/drawing/2010/main" w="9525">
+                  <a14:hiddenLine xmlns:a14="http://schemas.microsoft.com/office/drawing/2010/main" xmlns="" w="9525">
                     <a:solidFill>
                       <a:srgbClr val="000000"/>
                     </a:solidFill>
@@ -11077,7 +11077,7 @@
               </a:ln>
               <a:extLst>
                 <a:ext uri="{91240B29-F687-4f45-9708-019B960494DF}">
-                  <a14:hiddenLine xmlns="" xmlns:a14="http://schemas.microsoft.com/office/drawing/2010/main" w="9525">
+                  <a14:hiddenLine xmlns:a14="http://schemas.microsoft.com/office/drawing/2010/main" xmlns="" w="9525">
                     <a:solidFill>
                       <a:srgbClr val="000000"/>
                     </a:solidFill>
@@ -11139,7 +11139,7 @@
               </a:ln>
               <a:extLst>
                 <a:ext uri="{91240B29-F687-4f45-9708-019B960494DF}">
-                  <a14:hiddenLine xmlns="" xmlns:a14="http://schemas.microsoft.com/office/drawing/2010/main" w="9525">
+                  <a14:hiddenLine xmlns:a14="http://schemas.microsoft.com/office/drawing/2010/main" xmlns="" w="9525">
                     <a:solidFill>
                       <a:srgbClr val="000000"/>
                     </a:solidFill>
@@ -11201,7 +11201,7 @@
               </a:ln>
               <a:extLst>
                 <a:ext uri="{91240B29-F687-4f45-9708-019B960494DF}">
-                  <a14:hiddenLine xmlns="" xmlns:a14="http://schemas.microsoft.com/office/drawing/2010/main" w="9525">
+                  <a14:hiddenLine xmlns:a14="http://schemas.microsoft.com/office/drawing/2010/main" xmlns="" w="9525">
                     <a:solidFill>
                       <a:srgbClr val="000000"/>
                     </a:solidFill>
@@ -11291,7 +11291,7 @@
               </a:ln>
               <a:extLst>
                 <a:ext uri="{91240B29-F687-4f45-9708-019B960494DF}">
-                  <a14:hiddenLine xmlns="" xmlns:a14="http://schemas.microsoft.com/office/drawing/2010/main" w="9525">
+                  <a14:hiddenLine xmlns:a14="http://schemas.microsoft.com/office/drawing/2010/main" xmlns="" w="9525">
                     <a:solidFill>
                       <a:srgbClr val="000000"/>
                     </a:solidFill>
@@ -11325,7 +11325,7 @@
               </a:ln>
               <a:extLst>
                 <a:ext uri="{91240B29-F687-4f45-9708-019B960494DF}">
-                  <a14:hiddenLine xmlns="" xmlns:a14="http://schemas.microsoft.com/office/drawing/2010/main" w="9525">
+                  <a14:hiddenLine xmlns:a14="http://schemas.microsoft.com/office/drawing/2010/main" xmlns="" w="9525">
                     <a:solidFill>
                       <a:srgbClr val="000000"/>
                     </a:solidFill>
@@ -11390,7 +11390,7 @@
               </a:ln>
               <a:extLst>
                 <a:ext uri="{91240B29-F687-4f45-9708-019B960494DF}">
-                  <a14:hiddenLine xmlns="" xmlns:a14="http://schemas.microsoft.com/office/drawing/2010/main" w="9525">
+                  <a14:hiddenLine xmlns:a14="http://schemas.microsoft.com/office/drawing/2010/main" xmlns="" w="9525">
                     <a:solidFill>
                       <a:srgbClr val="000000"/>
                     </a:solidFill>
@@ -11480,7 +11480,7 @@
               </a:ln>
               <a:extLst>
                 <a:ext uri="{91240B29-F687-4f45-9708-019B960494DF}">
-                  <a14:hiddenLine xmlns="" xmlns:a14="http://schemas.microsoft.com/office/drawing/2010/main" w="9525">
+                  <a14:hiddenLine xmlns:a14="http://schemas.microsoft.com/office/drawing/2010/main" xmlns="" w="9525">
                     <a:solidFill>
                       <a:srgbClr val="000000"/>
                     </a:solidFill>
@@ -11542,7 +11542,7 @@
               </a:ln>
               <a:extLst>
                 <a:ext uri="{91240B29-F687-4f45-9708-019B960494DF}">
-                  <a14:hiddenLine xmlns="" xmlns:a14="http://schemas.microsoft.com/office/drawing/2010/main" w="9525">
+                  <a14:hiddenLine xmlns:a14="http://schemas.microsoft.com/office/drawing/2010/main" xmlns="" w="9525">
                     <a:solidFill>
                       <a:srgbClr val="000000"/>
                     </a:solidFill>
@@ -11632,7 +11632,7 @@
               </a:ln>
               <a:extLst>
                 <a:ext uri="{91240B29-F687-4f45-9708-019B960494DF}">
-                  <a14:hiddenLine xmlns="" xmlns:a14="http://schemas.microsoft.com/office/drawing/2010/main" w="9525">
+                  <a14:hiddenLine xmlns:a14="http://schemas.microsoft.com/office/drawing/2010/main" xmlns="" w="9525">
                     <a:solidFill>
                       <a:srgbClr val="000000"/>
                     </a:solidFill>
@@ -11697,7 +11697,7 @@
               </a:ln>
               <a:extLst>
                 <a:ext uri="{91240B29-F687-4f45-9708-019B960494DF}">
-                  <a14:hiddenLine xmlns="" xmlns:a14="http://schemas.microsoft.com/office/drawing/2010/main" w="9525">
+                  <a14:hiddenLine xmlns:a14="http://schemas.microsoft.com/office/drawing/2010/main" xmlns="" w="9525">
                     <a:solidFill>
                       <a:srgbClr val="000000"/>
                     </a:solidFill>
@@ -11759,7 +11759,7 @@
               </a:ln>
               <a:extLst>
                 <a:ext uri="{91240B29-F687-4f45-9708-019B960494DF}">
-                  <a14:hiddenLine xmlns="" xmlns:a14="http://schemas.microsoft.com/office/drawing/2010/main" w="9525">
+                  <a14:hiddenLine xmlns:a14="http://schemas.microsoft.com/office/drawing/2010/main" xmlns="" w="9525">
                     <a:solidFill>
                       <a:srgbClr val="000000"/>
                     </a:solidFill>
@@ -11849,7 +11849,7 @@
               </a:ln>
               <a:extLst>
                 <a:ext uri="{91240B29-F687-4f45-9708-019B960494DF}">
-                  <a14:hiddenLine xmlns="" xmlns:a14="http://schemas.microsoft.com/office/drawing/2010/main" w="9525">
+                  <a14:hiddenLine xmlns:a14="http://schemas.microsoft.com/office/drawing/2010/main" xmlns="" w="9525">
                     <a:solidFill>
                       <a:srgbClr val="000000"/>
                     </a:solidFill>
@@ -11939,7 +11939,7 @@
               </a:ln>
               <a:extLst>
                 <a:ext uri="{91240B29-F687-4f45-9708-019B960494DF}">
-                  <a14:hiddenLine xmlns="" xmlns:a14="http://schemas.microsoft.com/office/drawing/2010/main" w="9525">
+                  <a14:hiddenLine xmlns:a14="http://schemas.microsoft.com/office/drawing/2010/main" xmlns="" w="9525">
                     <a:solidFill>
                       <a:srgbClr val="000000"/>
                     </a:solidFill>
@@ -12004,7 +12004,7 @@
               </a:ln>
               <a:extLst>
                 <a:ext uri="{91240B29-F687-4f45-9708-019B960494DF}">
-                  <a14:hiddenLine xmlns="" xmlns:a14="http://schemas.microsoft.com/office/drawing/2010/main" w="9525">
+                  <a14:hiddenLine xmlns:a14="http://schemas.microsoft.com/office/drawing/2010/main" xmlns="" w="9525">
                     <a:solidFill>
                       <a:srgbClr val="000000"/>
                     </a:solidFill>
@@ -12124,7 +12124,7 @@
               </a:ln>
               <a:extLst>
                 <a:ext uri="{91240B29-F687-4f45-9708-019B960494DF}">
-                  <a14:hiddenLine xmlns="" xmlns:a14="http://schemas.microsoft.com/office/drawing/2010/main" w="9525">
+                  <a14:hiddenLine xmlns:a14="http://schemas.microsoft.com/office/drawing/2010/main" xmlns="" w="9525">
                     <a:solidFill>
                       <a:srgbClr val="000000"/>
                     </a:solidFill>
@@ -12205,7 +12205,7 @@
               </a:ln>
               <a:extLst>
                 <a:ext uri="{91240B29-F687-4f45-9708-019B960494DF}">
-                  <a14:hiddenLine xmlns="" xmlns:a14="http://schemas.microsoft.com/office/drawing/2010/main" w="9525">
+                  <a14:hiddenLine xmlns:a14="http://schemas.microsoft.com/office/drawing/2010/main" xmlns="" w="9525">
                     <a:solidFill>
                       <a:srgbClr val="000000"/>
                     </a:solidFill>
@@ -12320,7 +12320,7 @@
               </a:ln>
               <a:extLst>
                 <a:ext uri="{91240B29-F687-4f45-9708-019B960494DF}">
-                  <a14:hiddenLine xmlns="" xmlns:a14="http://schemas.microsoft.com/office/drawing/2010/main" w="9525">
+                  <a14:hiddenLine xmlns:a14="http://schemas.microsoft.com/office/drawing/2010/main" xmlns="" w="9525">
                     <a:solidFill>
                       <a:srgbClr val="000000"/>
                     </a:solidFill>
@@ -12410,7 +12410,7 @@
               </a:ln>
               <a:extLst>
                 <a:ext uri="{91240B29-F687-4f45-9708-019B960494DF}">
-                  <a14:hiddenLine xmlns="" xmlns:a14="http://schemas.microsoft.com/office/drawing/2010/main" w="9525">
+                  <a14:hiddenLine xmlns:a14="http://schemas.microsoft.com/office/drawing/2010/main" xmlns="" w="9525">
                     <a:solidFill>
                       <a:srgbClr val="000000"/>
                     </a:solidFill>
@@ -12475,7 +12475,7 @@
               </a:ln>
               <a:extLst>
                 <a:ext uri="{91240B29-F687-4f45-9708-019B960494DF}">
-                  <a14:hiddenLine xmlns="" xmlns:a14="http://schemas.microsoft.com/office/drawing/2010/main" w="9525">
+                  <a14:hiddenLine xmlns:a14="http://schemas.microsoft.com/office/drawing/2010/main" xmlns="" w="9525">
                     <a:solidFill>
                       <a:srgbClr val="000000"/>
                     </a:solidFill>
@@ -12565,7 +12565,7 @@
               </a:ln>
               <a:extLst>
                 <a:ext uri="{91240B29-F687-4f45-9708-019B960494DF}">
-                  <a14:hiddenLine xmlns="" xmlns:a14="http://schemas.microsoft.com/office/drawing/2010/main" w="9525">
+                  <a14:hiddenLine xmlns:a14="http://schemas.microsoft.com/office/drawing/2010/main" xmlns="" w="9525">
                     <a:solidFill>
                       <a:srgbClr val="000000"/>
                     </a:solidFill>
@@ -12633,7 +12633,7 @@
               </a:ln>
               <a:extLst>
                 <a:ext uri="{91240B29-F687-4f45-9708-019B960494DF}">
-                  <a14:hiddenLine xmlns="" xmlns:a14="http://schemas.microsoft.com/office/drawing/2010/main" w="9525">
+                  <a14:hiddenLine xmlns:a14="http://schemas.microsoft.com/office/drawing/2010/main" xmlns="" w="9525">
                     <a:solidFill>
                       <a:srgbClr val="000000"/>
                     </a:solidFill>
@@ -12723,7 +12723,7 @@
               </a:ln>
               <a:extLst>
                 <a:ext uri="{91240B29-F687-4f45-9708-019B960494DF}">
-                  <a14:hiddenLine xmlns="" xmlns:a14="http://schemas.microsoft.com/office/drawing/2010/main" w="9525">
+                  <a14:hiddenLine xmlns:a14="http://schemas.microsoft.com/office/drawing/2010/main" xmlns="" w="9525">
                     <a:solidFill>
                       <a:srgbClr val="000000"/>
                     </a:solidFill>
@@ -12791,7 +12791,7 @@
               </a:ln>
               <a:extLst>
                 <a:ext uri="{91240B29-F687-4f45-9708-019B960494DF}">
-                  <a14:hiddenLine xmlns="" xmlns:a14="http://schemas.microsoft.com/office/drawing/2010/main" w="9525">
+                  <a14:hiddenLine xmlns:a14="http://schemas.microsoft.com/office/drawing/2010/main" xmlns="" w="9525">
                     <a:solidFill>
                       <a:srgbClr val="000000"/>
                     </a:solidFill>
@@ -12881,7 +12881,7 @@
               </a:ln>
               <a:extLst>
                 <a:ext uri="{91240B29-F687-4f45-9708-019B960494DF}">
-                  <a14:hiddenLine xmlns="" xmlns:a14="http://schemas.microsoft.com/office/drawing/2010/main" w="9525">
+                  <a14:hiddenLine xmlns:a14="http://schemas.microsoft.com/office/drawing/2010/main" xmlns="" w="9525">
                     <a:solidFill>
                       <a:srgbClr val="000000"/>
                     </a:solidFill>
@@ -12915,7 +12915,7 @@
               </a:ln>
               <a:extLst>
                 <a:ext uri="{91240B29-F687-4f45-9708-019B960494DF}">
-                  <a14:hiddenLine xmlns="" xmlns:a14="http://schemas.microsoft.com/office/drawing/2010/main" w="9525">
+                  <a14:hiddenLine xmlns:a14="http://schemas.microsoft.com/office/drawing/2010/main" xmlns="" w="9525">
                     <a:solidFill>
                       <a:srgbClr val="000000"/>
                     </a:solidFill>
@@ -13055,7 +13055,7 @@
           <a:p>
             <a:fld id="{EC4347D3-4C9A-C240-8F14-750059DFEEB0}" type="datetimeFigureOut">
               <a:rPr lang="en-US" smtClean="0"/>
-              <a:t>8/9/23</a:t>
+              <a:t>8/22/23</a:t>
             </a:fld>
             <a:endParaRPr lang="en-US"/>
           </a:p>
@@ -14106,8 +14106,8 @@
           </a:p>
         </p:txBody>
       </p:sp>
-      <mc:AlternateContent xmlns:mc="http://schemas.openxmlformats.org/markup-compatibility/2006">
-        <mc:Choice xmlns:a14="http://schemas.microsoft.com/office/drawing/2010/main" Requires="a14">
+      <mc:AlternateContent xmlns:mc="http://schemas.openxmlformats.org/markup-compatibility/2006" xmlns:a14="http://schemas.microsoft.com/office/drawing/2010/main">
+        <mc:Choice Requires="a14">
           <p:sp>
             <p:nvSpPr>
               <p:cNvPr id="3" name="Content Placeholder 2"/>
@@ -14269,7 +14269,7 @@
                               <a:solidFill>
                                 <a:sysClr val="windowText" lastClr="000000"/>
                               </a:solidFill>
-                              <a:latin typeface="Cambria Math"/>
+                              <a:latin typeface="Cambria Math" panose="02040503050406030204" pitchFamily="18" charset="0"/>
                             </a:rPr>
                           </m:ctrlPr>
                         </m:dPr>
@@ -14335,7 +14335,7 @@
                               <a:solidFill>
                                 <a:sysClr val="windowText" lastClr="000000"/>
                               </a:solidFill>
-                              <a:latin typeface="Cambria Math"/>
+                              <a:latin typeface="Cambria Math" panose="02040503050406030204" pitchFamily="18" charset="0"/>
                             </a:rPr>
                           </m:ctrlPr>
                         </m:dPr>
@@ -14485,7 +14485,7 @@
             </p:txBody>
           </p:sp>
         </mc:Choice>
-        <mc:Fallback>
+        <mc:Fallback xmlns="">
           <p:sp>
             <p:nvSpPr>
               <p:cNvPr id="3" name="Content Placeholder 2"/>
@@ -14988,8 +14988,8 @@
           </a:p>
         </p:txBody>
       </p:sp>
-      <mc:AlternateContent xmlns:mc="http://schemas.openxmlformats.org/markup-compatibility/2006">
-        <mc:Choice xmlns:a14="http://schemas.microsoft.com/office/drawing/2010/main" Requires="a14">
+      <mc:AlternateContent xmlns:mc="http://schemas.openxmlformats.org/markup-compatibility/2006" xmlns:a14="http://schemas.microsoft.com/office/drawing/2010/main">
+        <mc:Choice Requires="a14">
           <p:sp>
             <p:nvSpPr>
               <p:cNvPr id="7" name="Content Placeholder 2">
@@ -15258,7 +15258,7 @@
                               <a:solidFill>
                                 <a:sysClr val="windowText" lastClr="000000"/>
                               </a:solidFill>
-                              <a:latin typeface="Cambria Math"/>
+                              <a:latin typeface="Cambria Math" panose="02040503050406030204" pitchFamily="18" charset="0"/>
                             </a:rPr>
                           </m:ctrlPr>
                         </m:dPr>
@@ -15418,7 +15418,7 @@
             </p:txBody>
           </p:sp>
         </mc:Choice>
-        <mc:Fallback>
+        <mc:Fallback xmlns="">
           <p:sp>
             <p:nvSpPr>
               <p:cNvPr id="7" name="Content Placeholder 2">
@@ -15576,8 +15576,8 @@
           </a:p>
         </p:txBody>
       </p:sp>
-      <mc:AlternateContent xmlns:mc="http://schemas.openxmlformats.org/markup-compatibility/2006">
-        <mc:Choice xmlns:a14="http://schemas.microsoft.com/office/drawing/2010/main" Requires="a14">
+      <mc:AlternateContent xmlns:mc="http://schemas.openxmlformats.org/markup-compatibility/2006" xmlns:a14="http://schemas.microsoft.com/office/drawing/2010/main">
+        <mc:Choice Requires="a14">
           <p:sp>
             <p:nvSpPr>
               <p:cNvPr id="5" name="Content Placeholder 2">
@@ -15820,7 +15820,7 @@
             </p:txBody>
           </p:sp>
         </mc:Choice>
-        <mc:Fallback>
+        <mc:Fallback xmlns="">
           <p:sp>
             <p:nvSpPr>
               <p:cNvPr id="5" name="Content Placeholder 2">
@@ -15865,8 +15865,8 @@
           </p:sp>
         </mc:Fallback>
       </mc:AlternateContent>
-      <mc:AlternateContent xmlns:mc="http://schemas.openxmlformats.org/markup-compatibility/2006">
-        <mc:Choice xmlns:a14="http://schemas.microsoft.com/office/drawing/2010/main" Requires="a14">
+      <mc:AlternateContent xmlns:mc="http://schemas.openxmlformats.org/markup-compatibility/2006" xmlns:a14="http://schemas.microsoft.com/office/drawing/2010/main">
+        <mc:Choice Requires="a14">
           <p:sp>
             <p:nvSpPr>
               <p:cNvPr id="6" name="Content Placeholder 2">
@@ -16595,7 +16595,7 @@
             </p:txBody>
           </p:sp>
         </mc:Choice>
-        <mc:Fallback>
+        <mc:Fallback xmlns="">
           <p:sp>
             <p:nvSpPr>
               <p:cNvPr id="6" name="Content Placeholder 2">
@@ -16640,8 +16640,8 @@
           </p:sp>
         </mc:Fallback>
       </mc:AlternateContent>
-      <mc:AlternateContent xmlns:mc="http://schemas.openxmlformats.org/markup-compatibility/2006">
-        <mc:Choice xmlns:a14="http://schemas.microsoft.com/office/drawing/2010/main" Requires="a14">
+      <mc:AlternateContent xmlns:mc="http://schemas.openxmlformats.org/markup-compatibility/2006" xmlns:a14="http://schemas.microsoft.com/office/drawing/2010/main">
+        <mc:Choice Requires="a14">
           <p:sp>
             <p:nvSpPr>
               <p:cNvPr id="7" name="Content Placeholder 2">
@@ -16956,7 +16956,7 @@
             </p:txBody>
           </p:sp>
         </mc:Choice>
-        <mc:Fallback>
+        <mc:Fallback xmlns="">
           <p:sp>
             <p:nvSpPr>
               <p:cNvPr id="7" name="Content Placeholder 2">
@@ -17719,8 +17719,8 @@
           </a:p>
         </p:txBody>
       </p:sp>
-      <mc:AlternateContent xmlns:mc="http://schemas.openxmlformats.org/markup-compatibility/2006" xmlns:a14="http://schemas.microsoft.com/office/drawing/2010/main">
-        <mc:Choice Requires="a14">
+      <mc:AlternateContent xmlns:mc="http://schemas.openxmlformats.org/markup-compatibility/2006">
+        <mc:Choice xmlns:a14="http://schemas.microsoft.com/office/drawing/2010/main" Requires="a14">
           <p:sp>
             <p:nvSpPr>
               <p:cNvPr id="5" name="Content Placeholder 2">
@@ -17737,7 +17737,7 @@
             </p:nvSpPr>
             <p:spPr>
               <a:xfrm>
-                <a:off x="6214837" y="4736272"/>
+                <a:off x="6558868" y="4962609"/>
                 <a:ext cx="4200539" cy="1382934"/>
               </a:xfrm>
               <a:prstGeom prst="rect">
@@ -18248,7 +18248,7 @@
             </p:txBody>
           </p:sp>
         </mc:Choice>
-        <mc:Fallback xmlns="">
+        <mc:Fallback>
           <p:sp>
             <p:nvSpPr>
               <p:cNvPr id="5" name="Content Placeholder 2">
@@ -18265,7 +18265,7 @@
             </p:nvSpPr>
             <p:spPr>
               <a:xfrm>
-                <a:off x="6214837" y="4736272"/>
+                <a:off x="6558868" y="4962609"/>
                 <a:ext cx="4200539" cy="1382934"/>
               </a:xfrm>
               <a:prstGeom prst="rect">
@@ -18274,7 +18274,7 @@
               <a:blipFill>
                 <a:blip r:embed="rId2"/>
                 <a:stretch>
-                  <a:fillRect l="-904" b="-19091"/>
+                  <a:fillRect l="-1208" b="-19091"/>
                 </a:stretch>
               </a:blipFill>
             </p:spPr>
@@ -18585,8 +18585,8 @@
           </p:sp>
         </mc:Fallback>
       </mc:AlternateContent>
-      <mc:AlternateContent xmlns:mc="http://schemas.openxmlformats.org/markup-compatibility/2006" xmlns:a14="http://schemas.microsoft.com/office/drawing/2010/main">
-        <mc:Choice Requires="a14">
+      <mc:AlternateContent xmlns:mc="http://schemas.openxmlformats.org/markup-compatibility/2006">
+        <mc:Choice xmlns:a14="http://schemas.microsoft.com/office/drawing/2010/main" Requires="a14">
           <p:sp>
             <p:nvSpPr>
               <p:cNvPr id="7" name="Content Placeholder 2">
@@ -18796,14 +18796,6 @@
                 <a:pPr marL="457200" lvl="1" indent="0" algn="ctr">
                   <a:buNone/>
                 </a:pPr>
-                <a:r>
-                  <a:rPr lang="en-US" sz="1800" dirty="0">
-                    <a:solidFill>
-                      <a:schemeClr val="bg1"/>
-                    </a:solidFill>
-                  </a:rPr>
-                  <a:t>The set of 3-bit strings.</a:t>
-                </a:r>
                 <a:br>
                   <a:rPr lang="en-US" sz="1800" dirty="0">
                     <a:solidFill>
@@ -18857,13 +18849,13 @@
                         </m:e>
                         <m:sup>
                           <m:r>
-                            <a:rPr lang="en-US" i="1">
+                            <a:rPr lang="en-US" b="0" i="1" smtClean="0">
                               <a:solidFill>
                                 <a:schemeClr val="bg1"/>
                               </a:solidFill>
-                              <a:latin typeface="Cambria Math"/>
+                              <a:latin typeface="Cambria Math" panose="02040503050406030204" pitchFamily="18" charset="0"/>
                             </a:rPr>
-                            <m:t>3</m:t>
+                            <m:t>∗</m:t>
                           </m:r>
                         </m:sup>
                       </m:sSup>
@@ -19357,7 +19349,7 @@
             </p:txBody>
           </p:sp>
         </mc:Choice>
-        <mc:Fallback xmlns="">
+        <mc:Fallback>
           <p:sp>
             <p:nvSpPr>
               <p:cNvPr id="7" name="Content Placeholder 2">
@@ -19383,7 +19375,7 @@
               <a:blipFill>
                 <a:blip r:embed="rId4"/>
                 <a:stretch>
-                  <a:fillRect t="-1351"/>
+                  <a:fillRect/>
                 </a:stretch>
               </a:blipFill>
             </p:spPr>
@@ -19696,8 +19688,8 @@
           </p:sp>
         </mc:Fallback>
       </mc:AlternateContent>
-      <mc:AlternateContent xmlns:mc="http://schemas.openxmlformats.org/markup-compatibility/2006" xmlns:a14="http://schemas.microsoft.com/office/drawing/2010/main">
-        <mc:Choice Requires="a14">
+      <mc:AlternateContent xmlns:mc="http://schemas.openxmlformats.org/markup-compatibility/2006">
+        <mc:Choice xmlns:a14="http://schemas.microsoft.com/office/drawing/2010/main" Requires="a14">
           <p:sp>
             <p:nvSpPr>
               <p:cNvPr id="9" name="Content Placeholder 2">
@@ -19955,7 +19947,7 @@
             </p:txBody>
           </p:sp>
         </mc:Choice>
-        <mc:Fallback xmlns="">
+        <mc:Fallback>
           <p:sp>
             <p:nvSpPr>
               <p:cNvPr id="9" name="Content Placeholder 2">
@@ -19982,6 +19974,347 @@
                 <a:blip r:embed="rId6"/>
                 <a:stretch>
                   <a:fillRect/>
+                </a:stretch>
+              </a:blipFill>
+            </p:spPr>
+            <p:txBody>
+              <a:bodyPr/>
+              <a:lstStyle/>
+              <a:p>
+                <a:r>
+                  <a:rPr lang="en-US">
+                    <a:noFill/>
+                  </a:rPr>
+                  <a:t> </a:t>
+                </a:r>
+              </a:p>
+            </p:txBody>
+          </p:sp>
+        </mc:Fallback>
+      </mc:AlternateContent>
+      <mc:AlternateContent xmlns:mc="http://schemas.openxmlformats.org/markup-compatibility/2006">
+        <mc:Choice xmlns:a14="http://schemas.microsoft.com/office/drawing/2010/main" Requires="a14">
+          <p:sp>
+            <p:nvSpPr>
+              <p:cNvPr id="10" name="Content Placeholder 2">
+                <a:extLst>
+                  <a:ext uri="{FF2B5EF4-FFF2-40B4-BE49-F238E27FC236}">
+                    <a16:creationId xmlns:a16="http://schemas.microsoft.com/office/drawing/2014/main" id="{E1E4810F-9DA9-474C-9AB7-147D40DDB741}"/>
+                  </a:ext>
+                </a:extLst>
+              </p:cNvPr>
+              <p:cNvSpPr txBox="1">
+                <a:spLocks/>
+              </p:cNvSpPr>
+              <p:nvPr/>
+            </p:nvSpPr>
+            <p:spPr>
+              <a:xfrm>
+                <a:off x="1659435" y="4962609"/>
+                <a:ext cx="4200539" cy="1382934"/>
+              </a:xfrm>
+              <a:prstGeom prst="rect">
+                <a:avLst/>
+              </a:prstGeom>
+            </p:spPr>
+            <p:txBody>
+              <a:bodyPr vert="horz" lIns="91440" tIns="45720" rIns="91440" bIns="45720" rtlCol="0">
+                <a:normAutofit/>
+              </a:bodyPr>
+              <a:lstStyle>
+                <a:lvl1pPr marL="228600" indent="-228600" algn="l" defTabSz="914400" rtl="0" eaLnBrk="1" latinLnBrk="0" hangingPunct="1">
+                  <a:lnSpc>
+                    <a:spcPct val="120000"/>
+                  </a:lnSpc>
+                  <a:spcBef>
+                    <a:spcPts val="1000"/>
+                  </a:spcBef>
+                  <a:buSzPct val="125000"/>
+                  <a:buFont typeface="Arial" panose="020B0604020202020204" pitchFamily="34" charset="0"/>
+                  <a:buChar char="•"/>
+                  <a:defRPr sz="2400" kern="1200">
+                    <a:solidFill>
+                      <a:schemeClr val="tx1"/>
+                    </a:solidFill>
+                    <a:latin typeface="+mn-lt"/>
+                    <a:ea typeface="+mn-ea"/>
+                    <a:cs typeface="+mn-cs"/>
+                  </a:defRPr>
+                </a:lvl1pPr>
+                <a:lvl2pPr marL="685800" indent="-228600" algn="l" defTabSz="914400" rtl="0" eaLnBrk="1" latinLnBrk="0" hangingPunct="1">
+                  <a:lnSpc>
+                    <a:spcPct val="120000"/>
+                  </a:lnSpc>
+                  <a:spcBef>
+                    <a:spcPts val="500"/>
+                  </a:spcBef>
+                  <a:buSzPct val="125000"/>
+                  <a:buFont typeface="Arial" panose="020B0604020202020204" pitchFamily="34" charset="0"/>
+                  <a:buChar char="•"/>
+                  <a:defRPr sz="2000" kern="1200">
+                    <a:solidFill>
+                      <a:schemeClr val="tx1"/>
+                    </a:solidFill>
+                    <a:latin typeface="+mn-lt"/>
+                    <a:ea typeface="+mn-ea"/>
+                    <a:cs typeface="+mn-cs"/>
+                  </a:defRPr>
+                </a:lvl2pPr>
+                <a:lvl3pPr marL="1143000" indent="-228600" algn="l" defTabSz="914400" rtl="0" eaLnBrk="1" latinLnBrk="0" hangingPunct="1">
+                  <a:lnSpc>
+                    <a:spcPct val="120000"/>
+                  </a:lnSpc>
+                  <a:spcBef>
+                    <a:spcPts val="500"/>
+                  </a:spcBef>
+                  <a:buSzPct val="125000"/>
+                  <a:buFont typeface="Arial" panose="020B0604020202020204" pitchFamily="34" charset="0"/>
+                  <a:buChar char="•"/>
+                  <a:defRPr sz="1800" kern="1200">
+                    <a:solidFill>
+                      <a:schemeClr val="tx1"/>
+                    </a:solidFill>
+                    <a:latin typeface="+mn-lt"/>
+                    <a:ea typeface="+mn-ea"/>
+                    <a:cs typeface="+mn-cs"/>
+                  </a:defRPr>
+                </a:lvl3pPr>
+                <a:lvl4pPr marL="1600200" indent="-228600" algn="l" defTabSz="914400" rtl="0" eaLnBrk="1" latinLnBrk="0" hangingPunct="1">
+                  <a:lnSpc>
+                    <a:spcPct val="120000"/>
+                  </a:lnSpc>
+                  <a:spcBef>
+                    <a:spcPts val="500"/>
+                  </a:spcBef>
+                  <a:buSzPct val="125000"/>
+                  <a:buFont typeface="Arial" panose="020B0604020202020204" pitchFamily="34" charset="0"/>
+                  <a:buChar char="•"/>
+                  <a:defRPr sz="1600" kern="1200">
+                    <a:solidFill>
+                      <a:schemeClr val="tx1"/>
+                    </a:solidFill>
+                    <a:latin typeface="+mn-lt"/>
+                    <a:ea typeface="+mn-ea"/>
+                    <a:cs typeface="+mn-cs"/>
+                  </a:defRPr>
+                </a:lvl4pPr>
+                <a:lvl5pPr marL="2057400" indent="-228600" algn="l" defTabSz="914400" rtl="0" eaLnBrk="1" latinLnBrk="0" hangingPunct="1">
+                  <a:lnSpc>
+                    <a:spcPct val="120000"/>
+                  </a:lnSpc>
+                  <a:spcBef>
+                    <a:spcPts val="500"/>
+                  </a:spcBef>
+                  <a:buSzPct val="125000"/>
+                  <a:buFont typeface="Arial" panose="020B0604020202020204" pitchFamily="34" charset="0"/>
+                  <a:buChar char="•"/>
+                  <a:defRPr sz="1600" kern="1200">
+                    <a:solidFill>
+                      <a:schemeClr val="tx1"/>
+                    </a:solidFill>
+                    <a:latin typeface="+mn-lt"/>
+                    <a:ea typeface="+mn-ea"/>
+                    <a:cs typeface="+mn-cs"/>
+                  </a:defRPr>
+                </a:lvl5pPr>
+                <a:lvl6pPr marL="2514600" indent="-228600" algn="l" defTabSz="914400" rtl="0" eaLnBrk="1" latinLnBrk="0" hangingPunct="1">
+                  <a:lnSpc>
+                    <a:spcPct val="120000"/>
+                  </a:lnSpc>
+                  <a:spcBef>
+                    <a:spcPts val="500"/>
+                  </a:spcBef>
+                  <a:buSzPct val="125000"/>
+                  <a:buFont typeface="Arial" panose="020B0604020202020204" pitchFamily="34" charset="0"/>
+                  <a:buChar char="•"/>
+                  <a:defRPr sz="1400" kern="1200">
+                    <a:solidFill>
+                      <a:schemeClr val="tx1"/>
+                    </a:solidFill>
+                    <a:latin typeface="+mn-lt"/>
+                    <a:ea typeface="+mn-ea"/>
+                    <a:cs typeface="+mn-cs"/>
+                  </a:defRPr>
+                </a:lvl6pPr>
+                <a:lvl7pPr marL="2971800" indent="-228600" algn="l" defTabSz="914400" rtl="0" eaLnBrk="1" latinLnBrk="0" hangingPunct="1">
+                  <a:lnSpc>
+                    <a:spcPct val="120000"/>
+                  </a:lnSpc>
+                  <a:spcBef>
+                    <a:spcPts val="500"/>
+                  </a:spcBef>
+                  <a:buSzPct val="125000"/>
+                  <a:buFont typeface="Arial" panose="020B0604020202020204" pitchFamily="34" charset="0"/>
+                  <a:buChar char="•"/>
+                  <a:defRPr sz="1400" kern="1200">
+                    <a:solidFill>
+                      <a:schemeClr val="tx1"/>
+                    </a:solidFill>
+                    <a:latin typeface="+mn-lt"/>
+                    <a:ea typeface="+mn-ea"/>
+                    <a:cs typeface="+mn-cs"/>
+                  </a:defRPr>
+                </a:lvl7pPr>
+                <a:lvl8pPr marL="3429000" indent="-228600" algn="l" defTabSz="914400" rtl="0" eaLnBrk="1" latinLnBrk="0" hangingPunct="1">
+                  <a:lnSpc>
+                    <a:spcPct val="120000"/>
+                  </a:lnSpc>
+                  <a:spcBef>
+                    <a:spcPts val="500"/>
+                  </a:spcBef>
+                  <a:buSzPct val="125000"/>
+                  <a:buFont typeface="Arial" panose="020B0604020202020204" pitchFamily="34" charset="0"/>
+                  <a:buChar char="•"/>
+                  <a:defRPr sz="1400" kern="1200">
+                    <a:solidFill>
+                      <a:schemeClr val="tx1"/>
+                    </a:solidFill>
+                    <a:latin typeface="+mn-lt"/>
+                    <a:ea typeface="+mn-ea"/>
+                    <a:cs typeface="+mn-cs"/>
+                  </a:defRPr>
+                </a:lvl8pPr>
+                <a:lvl9pPr marL="3886200" indent="-228600" algn="l" defTabSz="914400" rtl="0" eaLnBrk="1" latinLnBrk="0" hangingPunct="1">
+                  <a:lnSpc>
+                    <a:spcPct val="120000"/>
+                  </a:lnSpc>
+                  <a:spcBef>
+                    <a:spcPts val="500"/>
+                  </a:spcBef>
+                  <a:buSzPct val="125000"/>
+                  <a:buFont typeface="Arial" panose="020B0604020202020204" pitchFamily="34" charset="0"/>
+                  <a:buChar char="•"/>
+                  <a:defRPr sz="1400" kern="1200">
+                    <a:solidFill>
+                      <a:schemeClr val="tx1"/>
+                    </a:solidFill>
+                    <a:latin typeface="+mn-lt"/>
+                    <a:ea typeface="+mn-ea"/>
+                    <a:cs typeface="+mn-cs"/>
+                  </a:defRPr>
+                </a:lvl9pPr>
+              </a:lstStyle>
+              <a:p>
+                <a:pPr marL="0" indent="0">
+                  <a:buNone/>
+                </a:pPr>
+                <a:r>
+                  <a:rPr lang="en-US" sz="1600" i="1" dirty="0">
+                    <a:latin typeface="Cambria Math" panose="02040503050406030204" pitchFamily="18" charset="0"/>
+                  </a:rPr>
+                  <a:t>Note that:</a:t>
+                </a:r>
+              </a:p>
+              <a:p>
+                <a14:m>
+                  <m:oMath xmlns:m="http://schemas.openxmlformats.org/officeDocument/2006/math">
+                    <m:sSup>
+                      <m:sSupPr>
+                        <m:ctrlPr>
+                          <a:rPr lang="en-US" sz="1600" i="1" smtClean="0">
+                            <a:latin typeface="Cambria Math" panose="02040503050406030204" pitchFamily="18" charset="0"/>
+                          </a:rPr>
+                        </m:ctrlPr>
+                      </m:sSupPr>
+                      <m:e>
+                        <m:d>
+                          <m:dPr>
+                            <m:begChr m:val="{"/>
+                            <m:endChr m:val="}"/>
+                            <m:ctrlPr>
+                              <a:rPr lang="en-US" sz="1600" i="1" smtClean="0">
+                                <a:latin typeface="Cambria Math" panose="02040503050406030204" pitchFamily="18" charset="0"/>
+                              </a:rPr>
+                            </m:ctrlPr>
+                          </m:dPr>
+                          <m:e>
+                            <m:r>
+                              <a:rPr lang="en-US" sz="1600" i="1" smtClean="0">
+                                <a:latin typeface="Cambria Math"/>
+                              </a:rPr>
+                              <m:t>0,1</m:t>
+                            </m:r>
+                          </m:e>
+                        </m:d>
+                      </m:e>
+                      <m:sup>
+                        <m:r>
+                          <a:rPr lang="en-US" sz="1600" b="0" i="1" smtClean="0">
+                            <a:latin typeface="Cambria Math" panose="02040503050406030204" pitchFamily="18" charset="0"/>
+                          </a:rPr>
+                          <m:t>3</m:t>
+                        </m:r>
+                      </m:sup>
+                    </m:sSup>
+                    <m:r>
+                      <a:rPr lang="en-US" sz="1600" i="1" smtClean="0">
+                        <a:latin typeface="Cambria Math"/>
+                      </a:rPr>
+                      <m:t>=</m:t>
+                    </m:r>
+                    <m:d>
+                      <m:dPr>
+                        <m:begChr m:val="{"/>
+                        <m:endChr m:val="}"/>
+                        <m:ctrlPr>
+                          <a:rPr lang="en-US" sz="1600" b="0" i="1" smtClean="0">
+                            <a:latin typeface="Cambria Math" panose="02040503050406030204" pitchFamily="18" charset="0"/>
+                          </a:rPr>
+                        </m:ctrlPr>
+                      </m:dPr>
+                      <m:e>
+                        <m:r>
+                          <a:rPr lang="en-US" sz="1600" b="0" i="1" smtClean="0">
+                            <a:latin typeface="Cambria Math" panose="02040503050406030204" pitchFamily="18" charset="0"/>
+                          </a:rPr>
+                          <m:t>000, 001, 010, 011,…</m:t>
+                        </m:r>
+                      </m:e>
+                    </m:d>
+                  </m:oMath>
+                </a14:m>
+                <a:endParaRPr lang="en-US" sz="1600" b="0" i="1" dirty="0">
+                  <a:latin typeface="Cambria Math"/>
+                </a:endParaRPr>
+              </a:p>
+              <a:p>
+                <a:r>
+                  <a:rPr lang="en-US" sz="1600" i="1" dirty="0">
+                    <a:latin typeface="Cambria Math"/>
+                  </a:rPr>
+                  <a:t>The set of three-bit strings</a:t>
+                </a:r>
+              </a:p>
+            </p:txBody>
+          </p:sp>
+        </mc:Choice>
+        <mc:Fallback>
+          <p:sp>
+            <p:nvSpPr>
+              <p:cNvPr id="10" name="Content Placeholder 2">
+                <a:extLst>
+                  <a:ext uri="{FF2B5EF4-FFF2-40B4-BE49-F238E27FC236}">
+                    <a16:creationId xmlns:a16="http://schemas.microsoft.com/office/drawing/2014/main" id="{E1E4810F-9DA9-474C-9AB7-147D40DDB741}"/>
+                  </a:ext>
+                </a:extLst>
+              </p:cNvPr>
+              <p:cNvSpPr txBox="1">
+                <a:spLocks noRot="1" noChangeAspect="1" noMove="1" noResize="1" noEditPoints="1" noAdjustHandles="1" noChangeArrowheads="1" noChangeShapeType="1" noTextEdit="1"/>
+              </p:cNvSpPr>
+              <p:nvPr/>
+            </p:nvSpPr>
+            <p:spPr>
+              <a:xfrm>
+                <a:off x="1659435" y="4962609"/>
+                <a:ext cx="4200539" cy="1382934"/>
+              </a:xfrm>
+              <a:prstGeom prst="rect">
+                <a:avLst/>
+              </a:prstGeom>
+              <a:blipFill>
+                <a:blip r:embed="rId7"/>
+                <a:stretch>
+                  <a:fillRect l="-1208"/>
                 </a:stretch>
               </a:blipFill>
             </p:spPr>
@@ -24985,8 +25318,8 @@
           </a:p>
         </p:txBody>
       </p:sp>
-      <mc:AlternateContent xmlns:mc="http://schemas.openxmlformats.org/markup-compatibility/2006">
-        <mc:Choice xmlns:a14="http://schemas.microsoft.com/office/drawing/2010/main" Requires="a14">
+      <mc:AlternateContent xmlns:mc="http://schemas.openxmlformats.org/markup-compatibility/2006" xmlns:a14="http://schemas.microsoft.com/office/drawing/2010/main">
+        <mc:Choice Requires="a14">
           <p:sp>
             <p:nvSpPr>
               <p:cNvPr id="3" name="Content Placeholder 2"/>
@@ -25144,7 +25477,7 @@
             </p:txBody>
           </p:sp>
         </mc:Choice>
-        <mc:Fallback>
+        <mc:Fallback xmlns="">
           <p:sp>
             <p:nvSpPr>
               <p:cNvPr id="3" name="Content Placeholder 2"/>
@@ -25205,8 +25538,8 @@
           </a:p>
         </p:txBody>
       </p:sp>
-      <mc:AlternateContent xmlns:mc="http://schemas.openxmlformats.org/markup-compatibility/2006">
-        <mc:Choice xmlns:a14="http://schemas.microsoft.com/office/drawing/2010/main" Requires="a14">
+      <mc:AlternateContent xmlns:mc="http://schemas.openxmlformats.org/markup-compatibility/2006" xmlns:a14="http://schemas.microsoft.com/office/drawing/2010/main">
+        <mc:Choice Requires="a14">
           <p:sp>
             <p:nvSpPr>
               <p:cNvPr id="5" name="Content Placeholder 2">
@@ -25635,7 +25968,7 @@
             </p:txBody>
           </p:sp>
         </mc:Choice>
-        <mc:Fallback>
+        <mc:Fallback xmlns="">
           <p:sp>
             <p:nvSpPr>
               <p:cNvPr id="5" name="Content Placeholder 2">

--- a/slides/01-WhatIsAComputer.pptx
+++ b/slides/01-WhatIsAComputer.pptx
@@ -234,7 +234,7 @@
           <a:p>
             <a:fld id="{C5B45307-6ED4-B142-BD64-10F739779302}" type="datetimeFigureOut">
               <a:rPr lang="en-US" smtClean="0"/>
-              <a:t>8/22/23</a:t>
+              <a:t>8/24/23</a:t>
             </a:fld>
             <a:endParaRPr lang="en-US"/>
           </a:p>
@@ -1197,7 +1197,7 @@
           <a:noFill/>
           <a:extLst>
             <a:ext uri="{909E8E84-426E-40dd-AFC4-6F175D3DCCD1}">
-              <a14:hiddenFill xmlns:a14="http://schemas.microsoft.com/office/drawing/2010/main" xmlns="">
+              <a14:hiddenFill xmlns="" xmlns:a14="http://schemas.microsoft.com/office/drawing/2010/main">
                 <a:solidFill>
                   <a:srgbClr val="FFFFFF"/>
                 </a:solidFill>
@@ -1256,7 +1256,7 @@
             </a:ln>
             <a:extLst>
               <a:ext uri="{91240B29-F687-4f45-9708-019B960494DF}">
-                <a14:hiddenLine xmlns:a14="http://schemas.microsoft.com/office/drawing/2010/main" xmlns="" w="9525">
+                <a14:hiddenLine xmlns="" xmlns:a14="http://schemas.microsoft.com/office/drawing/2010/main" w="9525">
                   <a:solidFill>
                     <a:srgbClr val="000000"/>
                   </a:solidFill>
@@ -1346,7 +1346,7 @@
             </a:ln>
             <a:extLst>
               <a:ext uri="{91240B29-F687-4f45-9708-019B960494DF}">
-                <a14:hiddenLine xmlns:a14="http://schemas.microsoft.com/office/drawing/2010/main" xmlns="" w="9525">
+                <a14:hiddenLine xmlns="" xmlns:a14="http://schemas.microsoft.com/office/drawing/2010/main" w="9525">
                   <a:solidFill>
                     <a:srgbClr val="000000"/>
                   </a:solidFill>
@@ -1436,7 +1436,7 @@
             </a:ln>
             <a:extLst>
               <a:ext uri="{91240B29-F687-4f45-9708-019B960494DF}">
-                <a14:hiddenLine xmlns:a14="http://schemas.microsoft.com/office/drawing/2010/main" xmlns="" w="9525">
+                <a14:hiddenLine xmlns="" xmlns:a14="http://schemas.microsoft.com/office/drawing/2010/main" w="9525">
                   <a:solidFill>
                     <a:srgbClr val="000000"/>
                   </a:solidFill>
@@ -1470,7 +1470,7 @@
             </a:ln>
             <a:extLst>
               <a:ext uri="{91240B29-F687-4f45-9708-019B960494DF}">
-                <a14:hiddenLine xmlns:a14="http://schemas.microsoft.com/office/drawing/2010/main" xmlns="" w="9525">
+                <a14:hiddenLine xmlns="" xmlns:a14="http://schemas.microsoft.com/office/drawing/2010/main" w="9525">
                   <a:solidFill>
                     <a:srgbClr val="000000"/>
                   </a:solidFill>
@@ -1560,7 +1560,7 @@
             </a:ln>
             <a:extLst>
               <a:ext uri="{91240B29-F687-4f45-9708-019B960494DF}">
-                <a14:hiddenLine xmlns:a14="http://schemas.microsoft.com/office/drawing/2010/main" xmlns="" w="9525">
+                <a14:hiddenLine xmlns="" xmlns:a14="http://schemas.microsoft.com/office/drawing/2010/main" w="9525">
                   <a:solidFill>
                     <a:srgbClr val="000000"/>
                   </a:solidFill>
@@ -1622,7 +1622,7 @@
             </a:ln>
             <a:extLst>
               <a:ext uri="{91240B29-F687-4f45-9708-019B960494DF}">
-                <a14:hiddenLine xmlns:a14="http://schemas.microsoft.com/office/drawing/2010/main" xmlns="" w="9525">
+                <a14:hiddenLine xmlns="" xmlns:a14="http://schemas.microsoft.com/office/drawing/2010/main" w="9525">
                   <a:solidFill>
                     <a:srgbClr val="000000"/>
                   </a:solidFill>
@@ -1684,7 +1684,7 @@
             </a:ln>
             <a:extLst>
               <a:ext uri="{91240B29-F687-4f45-9708-019B960494DF}">
-                <a14:hiddenLine xmlns:a14="http://schemas.microsoft.com/office/drawing/2010/main" xmlns="" w="9525">
+                <a14:hiddenLine xmlns="" xmlns:a14="http://schemas.microsoft.com/office/drawing/2010/main" w="9525">
                   <a:solidFill>
                     <a:srgbClr val="000000"/>
                   </a:solidFill>
@@ -1774,7 +1774,7 @@
             </a:ln>
             <a:extLst>
               <a:ext uri="{91240B29-F687-4f45-9708-019B960494DF}">
-                <a14:hiddenLine xmlns:a14="http://schemas.microsoft.com/office/drawing/2010/main" xmlns="" w="9525">
+                <a14:hiddenLine xmlns="" xmlns:a14="http://schemas.microsoft.com/office/drawing/2010/main" w="9525">
                   <a:solidFill>
                     <a:srgbClr val="000000"/>
                   </a:solidFill>
@@ -1836,7 +1836,7 @@
             </a:ln>
             <a:extLst>
               <a:ext uri="{91240B29-F687-4f45-9708-019B960494DF}">
-                <a14:hiddenLine xmlns:a14="http://schemas.microsoft.com/office/drawing/2010/main" xmlns="" w="9525">
+                <a14:hiddenLine xmlns="" xmlns:a14="http://schemas.microsoft.com/office/drawing/2010/main" w="9525">
                   <a:solidFill>
                     <a:srgbClr val="000000"/>
                   </a:solidFill>
@@ -1898,7 +1898,7 @@
             </a:ln>
             <a:extLst>
               <a:ext uri="{91240B29-F687-4f45-9708-019B960494DF}">
-                <a14:hiddenLine xmlns:a14="http://schemas.microsoft.com/office/drawing/2010/main" xmlns="" w="9525">
+                <a14:hiddenLine xmlns="" xmlns:a14="http://schemas.microsoft.com/office/drawing/2010/main" w="9525">
                   <a:solidFill>
                     <a:srgbClr val="000000"/>
                   </a:solidFill>
@@ -1988,7 +1988,7 @@
             </a:ln>
             <a:extLst>
               <a:ext uri="{91240B29-F687-4f45-9708-019B960494DF}">
-                <a14:hiddenLine xmlns:a14="http://schemas.microsoft.com/office/drawing/2010/main" xmlns="" w="9525">
+                <a14:hiddenLine xmlns="" xmlns:a14="http://schemas.microsoft.com/office/drawing/2010/main" w="9525">
                   <a:solidFill>
                     <a:srgbClr val="000000"/>
                   </a:solidFill>
@@ -2078,7 +2078,7 @@
             </a:ln>
             <a:extLst>
               <a:ext uri="{91240B29-F687-4f45-9708-019B960494DF}">
-                <a14:hiddenLine xmlns:a14="http://schemas.microsoft.com/office/drawing/2010/main" xmlns="" w="9525">
+                <a14:hiddenLine xmlns="" xmlns:a14="http://schemas.microsoft.com/office/drawing/2010/main" w="9525">
                   <a:solidFill>
                     <a:srgbClr val="000000"/>
                   </a:solidFill>
@@ -2140,7 +2140,7 @@
             </a:ln>
             <a:extLst>
               <a:ext uri="{91240B29-F687-4f45-9708-019B960494DF}">
-                <a14:hiddenLine xmlns:a14="http://schemas.microsoft.com/office/drawing/2010/main" xmlns="" w="9525">
+                <a14:hiddenLine xmlns="" xmlns:a14="http://schemas.microsoft.com/office/drawing/2010/main" w="9525">
                   <a:solidFill>
                     <a:srgbClr val="000000"/>
                   </a:solidFill>
@@ -2250,7 +2250,7 @@
             </a:ln>
             <a:extLst>
               <a:ext uri="{91240B29-F687-4f45-9708-019B960494DF}">
-                <a14:hiddenLine xmlns:a14="http://schemas.microsoft.com/office/drawing/2010/main" xmlns="" w="9525">
+                <a14:hiddenLine xmlns="" xmlns:a14="http://schemas.microsoft.com/office/drawing/2010/main" w="9525">
                   <a:solidFill>
                     <a:srgbClr val="000000"/>
                   </a:solidFill>
@@ -2312,7 +2312,7 @@
             </a:ln>
             <a:extLst>
               <a:ext uri="{91240B29-F687-4f45-9708-019B960494DF}">
-                <a14:hiddenLine xmlns:a14="http://schemas.microsoft.com/office/drawing/2010/main" xmlns="" w="9525">
+                <a14:hiddenLine xmlns="" xmlns:a14="http://schemas.microsoft.com/office/drawing/2010/main" w="9525">
                   <a:solidFill>
                     <a:srgbClr val="000000"/>
                   </a:solidFill>
@@ -2402,7 +2402,7 @@
             </a:ln>
             <a:extLst>
               <a:ext uri="{91240B29-F687-4f45-9708-019B960494DF}">
-                <a14:hiddenLine xmlns:a14="http://schemas.microsoft.com/office/drawing/2010/main" xmlns="" w="9525">
+                <a14:hiddenLine xmlns="" xmlns:a14="http://schemas.microsoft.com/office/drawing/2010/main" w="9525">
                   <a:solidFill>
                     <a:srgbClr val="000000"/>
                   </a:solidFill>
@@ -2492,7 +2492,7 @@
             </a:ln>
             <a:extLst>
               <a:ext uri="{91240B29-F687-4f45-9708-019B960494DF}">
-                <a14:hiddenLine xmlns:a14="http://schemas.microsoft.com/office/drawing/2010/main" xmlns="" w="9525">
+                <a14:hiddenLine xmlns="" xmlns:a14="http://schemas.microsoft.com/office/drawing/2010/main" w="9525">
                   <a:solidFill>
                     <a:srgbClr val="000000"/>
                   </a:solidFill>
@@ -2554,7 +2554,7 @@
             </a:ln>
             <a:extLst>
               <a:ext uri="{91240B29-F687-4f45-9708-019B960494DF}">
-                <a14:hiddenLine xmlns:a14="http://schemas.microsoft.com/office/drawing/2010/main" xmlns="" w="9525">
+                <a14:hiddenLine xmlns="" xmlns:a14="http://schemas.microsoft.com/office/drawing/2010/main" w="9525">
                   <a:solidFill>
                     <a:srgbClr val="000000"/>
                   </a:solidFill>
@@ -2644,7 +2644,7 @@
             </a:ln>
             <a:extLst>
               <a:ext uri="{91240B29-F687-4f45-9708-019B960494DF}">
-                <a14:hiddenLine xmlns:a14="http://schemas.microsoft.com/office/drawing/2010/main" xmlns="" w="9525">
+                <a14:hiddenLine xmlns="" xmlns:a14="http://schemas.microsoft.com/office/drawing/2010/main" w="9525">
                   <a:solidFill>
                     <a:srgbClr val="000000"/>
                   </a:solidFill>
@@ -2734,7 +2734,7 @@
             </a:ln>
             <a:extLst>
               <a:ext uri="{91240B29-F687-4f45-9708-019B960494DF}">
-                <a14:hiddenLine xmlns:a14="http://schemas.microsoft.com/office/drawing/2010/main" xmlns="" w="9525">
+                <a14:hiddenLine xmlns="" xmlns:a14="http://schemas.microsoft.com/office/drawing/2010/main" w="9525">
                   <a:solidFill>
                     <a:srgbClr val="000000"/>
                   </a:solidFill>
@@ -2790,7 +2790,7 @@
             </a:ln>
             <a:extLst>
               <a:ext uri="{91240B29-F687-4f45-9708-019B960494DF}">
-                <a14:hiddenLine xmlns:a14="http://schemas.microsoft.com/office/drawing/2010/main" xmlns="" w="9525">
+                <a14:hiddenLine xmlns="" xmlns:a14="http://schemas.microsoft.com/office/drawing/2010/main" w="9525">
                   <a:solidFill>
                     <a:srgbClr val="000000"/>
                   </a:solidFill>
@@ -2880,7 +2880,7 @@
             </a:ln>
             <a:extLst>
               <a:ext uri="{91240B29-F687-4f45-9708-019B960494DF}">
-                <a14:hiddenLine xmlns:a14="http://schemas.microsoft.com/office/drawing/2010/main" xmlns="" w="9525">
+                <a14:hiddenLine xmlns="" xmlns:a14="http://schemas.microsoft.com/office/drawing/2010/main" w="9525">
                   <a:solidFill>
                     <a:srgbClr val="000000"/>
                   </a:solidFill>
@@ -2936,7 +2936,7 @@
             </a:ln>
             <a:extLst>
               <a:ext uri="{91240B29-F687-4f45-9708-019B960494DF}">
-                <a14:hiddenLine xmlns:a14="http://schemas.microsoft.com/office/drawing/2010/main" xmlns="" w="9525">
+                <a14:hiddenLine xmlns="" xmlns:a14="http://schemas.microsoft.com/office/drawing/2010/main" w="9525">
                   <a:solidFill>
                     <a:srgbClr val="000000"/>
                   </a:solidFill>
@@ -3026,7 +3026,7 @@
             </a:ln>
             <a:extLst>
               <a:ext uri="{91240B29-F687-4f45-9708-019B960494DF}">
-                <a14:hiddenLine xmlns:a14="http://schemas.microsoft.com/office/drawing/2010/main" xmlns="" w="9525">
+                <a14:hiddenLine xmlns="" xmlns:a14="http://schemas.microsoft.com/office/drawing/2010/main" w="9525">
                   <a:solidFill>
                     <a:srgbClr val="000000"/>
                   </a:solidFill>
@@ -3094,7 +3094,7 @@
             </a:ln>
             <a:extLst>
               <a:ext uri="{91240B29-F687-4f45-9708-019B960494DF}">
-                <a14:hiddenLine xmlns:a14="http://schemas.microsoft.com/office/drawing/2010/main" xmlns="" w="9525">
+                <a14:hiddenLine xmlns="" xmlns:a14="http://schemas.microsoft.com/office/drawing/2010/main" w="9525">
                   <a:solidFill>
                     <a:srgbClr val="000000"/>
                   </a:solidFill>
@@ -3184,7 +3184,7 @@
             </a:ln>
             <a:extLst>
               <a:ext uri="{91240B29-F687-4f45-9708-019B960494DF}">
-                <a14:hiddenLine xmlns:a14="http://schemas.microsoft.com/office/drawing/2010/main" xmlns="" w="9525">
+                <a14:hiddenLine xmlns="" xmlns:a14="http://schemas.microsoft.com/office/drawing/2010/main" w="9525">
                   <a:solidFill>
                     <a:srgbClr val="000000"/>
                   </a:solidFill>
@@ -3252,7 +3252,7 @@
             </a:ln>
             <a:extLst>
               <a:ext uri="{91240B29-F687-4f45-9708-019B960494DF}">
-                <a14:hiddenLine xmlns:a14="http://schemas.microsoft.com/office/drawing/2010/main" xmlns="" w="9525">
+                <a14:hiddenLine xmlns="" xmlns:a14="http://schemas.microsoft.com/office/drawing/2010/main" w="9525">
                   <a:solidFill>
                     <a:srgbClr val="000000"/>
                   </a:solidFill>
@@ -3342,7 +3342,7 @@
             </a:ln>
             <a:extLst>
               <a:ext uri="{91240B29-F687-4f45-9708-019B960494DF}">
-                <a14:hiddenLine xmlns:a14="http://schemas.microsoft.com/office/drawing/2010/main" xmlns="" w="9525">
+                <a14:hiddenLine xmlns="" xmlns:a14="http://schemas.microsoft.com/office/drawing/2010/main" w="9525">
                   <a:solidFill>
                     <a:srgbClr val="000000"/>
                   </a:solidFill>
@@ -3376,7 +3376,7 @@
             </a:ln>
             <a:extLst>
               <a:ext uri="{91240B29-F687-4f45-9708-019B960494DF}">
-                <a14:hiddenLine xmlns:a14="http://schemas.microsoft.com/office/drawing/2010/main" xmlns="" w="9525">
+                <a14:hiddenLine xmlns="" xmlns:a14="http://schemas.microsoft.com/office/drawing/2010/main" w="9525">
                   <a:solidFill>
                     <a:srgbClr val="000000"/>
                   </a:solidFill>
@@ -3466,7 +3466,7 @@
             </a:ln>
             <a:extLst>
               <a:ext uri="{91240B29-F687-4f45-9708-019B960494DF}">
-                <a14:hiddenLine xmlns:a14="http://schemas.microsoft.com/office/drawing/2010/main" xmlns="" w="9525">
+                <a14:hiddenLine xmlns="" xmlns:a14="http://schemas.microsoft.com/office/drawing/2010/main" w="9525">
                   <a:solidFill>
                     <a:srgbClr val="000000"/>
                   </a:solidFill>
@@ -3528,7 +3528,7 @@
             </a:ln>
             <a:extLst>
               <a:ext uri="{91240B29-F687-4f45-9708-019B960494DF}">
-                <a14:hiddenLine xmlns:a14="http://schemas.microsoft.com/office/drawing/2010/main" xmlns="" w="9525">
+                <a14:hiddenLine xmlns="" xmlns:a14="http://schemas.microsoft.com/office/drawing/2010/main" w="9525">
                   <a:solidFill>
                     <a:srgbClr val="000000"/>
                   </a:solidFill>
@@ -3590,7 +3590,7 @@
             </a:ln>
             <a:extLst>
               <a:ext uri="{91240B29-F687-4f45-9708-019B960494DF}">
-                <a14:hiddenLine xmlns:a14="http://schemas.microsoft.com/office/drawing/2010/main" xmlns="" w="9525">
+                <a14:hiddenLine xmlns="" xmlns:a14="http://schemas.microsoft.com/office/drawing/2010/main" w="9525">
                   <a:solidFill>
                     <a:srgbClr val="000000"/>
                   </a:solidFill>
@@ -3680,7 +3680,7 @@
             </a:ln>
             <a:extLst>
               <a:ext uri="{91240B29-F687-4f45-9708-019B960494DF}">
-                <a14:hiddenLine xmlns:a14="http://schemas.microsoft.com/office/drawing/2010/main" xmlns="" w="9525">
+                <a14:hiddenLine xmlns="" xmlns:a14="http://schemas.microsoft.com/office/drawing/2010/main" w="9525">
                   <a:solidFill>
                     <a:srgbClr val="000000"/>
                   </a:solidFill>
@@ -3748,7 +3748,7 @@
             </a:ln>
             <a:extLst>
               <a:ext uri="{91240B29-F687-4f45-9708-019B960494DF}">
-                <a14:hiddenLine xmlns:a14="http://schemas.microsoft.com/office/drawing/2010/main" xmlns="" w="9525">
+                <a14:hiddenLine xmlns="" xmlns:a14="http://schemas.microsoft.com/office/drawing/2010/main" w="9525">
                   <a:solidFill>
                     <a:srgbClr val="000000"/>
                   </a:solidFill>
@@ -3810,7 +3810,7 @@
             </a:ln>
             <a:extLst>
               <a:ext uri="{91240B29-F687-4f45-9708-019B960494DF}">
-                <a14:hiddenLine xmlns:a14="http://schemas.microsoft.com/office/drawing/2010/main" xmlns="" w="9525">
+                <a14:hiddenLine xmlns="" xmlns:a14="http://schemas.microsoft.com/office/drawing/2010/main" w="9525">
                   <a:solidFill>
                     <a:srgbClr val="000000"/>
                   </a:solidFill>
@@ -3900,7 +3900,7 @@
             </a:ln>
             <a:extLst>
               <a:ext uri="{91240B29-F687-4f45-9708-019B960494DF}">
-                <a14:hiddenLine xmlns:a14="http://schemas.microsoft.com/office/drawing/2010/main" xmlns="" w="9525">
+                <a14:hiddenLine xmlns="" xmlns:a14="http://schemas.microsoft.com/office/drawing/2010/main" w="9525">
                   <a:solidFill>
                     <a:srgbClr val="000000"/>
                   </a:solidFill>
@@ -3962,7 +3962,7 @@
             </a:ln>
             <a:extLst>
               <a:ext uri="{91240B29-F687-4f45-9708-019B960494DF}">
-                <a14:hiddenLine xmlns:a14="http://schemas.microsoft.com/office/drawing/2010/main" xmlns="" w="9525">
+                <a14:hiddenLine xmlns="" xmlns:a14="http://schemas.microsoft.com/office/drawing/2010/main" w="9525">
                   <a:solidFill>
                     <a:srgbClr val="000000"/>
                   </a:solidFill>
@@ -4052,7 +4052,7 @@
             </a:ln>
             <a:extLst>
               <a:ext uri="{91240B29-F687-4f45-9708-019B960494DF}">
-                <a14:hiddenLine xmlns:a14="http://schemas.microsoft.com/office/drawing/2010/main" xmlns="" w="9525">
+                <a14:hiddenLine xmlns="" xmlns:a14="http://schemas.microsoft.com/office/drawing/2010/main" w="9525">
                   <a:solidFill>
                     <a:srgbClr val="000000"/>
                   </a:solidFill>
@@ -4114,7 +4114,7 @@
             </a:ln>
             <a:extLst>
               <a:ext uri="{91240B29-F687-4f45-9708-019B960494DF}">
-                <a14:hiddenLine xmlns:a14="http://schemas.microsoft.com/office/drawing/2010/main" xmlns="" w="9525">
+                <a14:hiddenLine xmlns="" xmlns:a14="http://schemas.microsoft.com/office/drawing/2010/main" w="9525">
                   <a:solidFill>
                     <a:srgbClr val="000000"/>
                   </a:solidFill>
@@ -4204,7 +4204,7 @@
             </a:ln>
             <a:extLst>
               <a:ext uri="{91240B29-F687-4f45-9708-019B960494DF}">
-                <a14:hiddenLine xmlns:a14="http://schemas.microsoft.com/office/drawing/2010/main" xmlns="" w="9525">
+                <a14:hiddenLine xmlns="" xmlns:a14="http://schemas.microsoft.com/office/drawing/2010/main" w="9525">
                   <a:solidFill>
                     <a:srgbClr val="000000"/>
                   </a:solidFill>
@@ -4238,7 +4238,7 @@
             </a:ln>
             <a:extLst>
               <a:ext uri="{91240B29-F687-4f45-9708-019B960494DF}">
-                <a14:hiddenLine xmlns:a14="http://schemas.microsoft.com/office/drawing/2010/main" xmlns="" w="9525">
+                <a14:hiddenLine xmlns="" xmlns:a14="http://schemas.microsoft.com/office/drawing/2010/main" w="9525">
                   <a:solidFill>
                     <a:srgbClr val="000000"/>
                   </a:solidFill>
@@ -4303,7 +4303,7 @@
             </a:ln>
             <a:extLst>
               <a:ext uri="{91240B29-F687-4f45-9708-019B960494DF}">
-                <a14:hiddenLine xmlns:a14="http://schemas.microsoft.com/office/drawing/2010/main" xmlns="" w="9525">
+                <a14:hiddenLine xmlns="" xmlns:a14="http://schemas.microsoft.com/office/drawing/2010/main" w="9525">
                   <a:solidFill>
                     <a:srgbClr val="000000"/>
                   </a:solidFill>
@@ -4393,7 +4393,7 @@
             </a:ln>
             <a:extLst>
               <a:ext uri="{91240B29-F687-4f45-9708-019B960494DF}">
-                <a14:hiddenLine xmlns:a14="http://schemas.microsoft.com/office/drawing/2010/main" xmlns="" w="9525">
+                <a14:hiddenLine xmlns="" xmlns:a14="http://schemas.microsoft.com/office/drawing/2010/main" w="9525">
                   <a:solidFill>
                     <a:srgbClr val="000000"/>
                   </a:solidFill>
@@ -4455,7 +4455,7 @@
             </a:ln>
             <a:extLst>
               <a:ext uri="{91240B29-F687-4f45-9708-019B960494DF}">
-                <a14:hiddenLine xmlns:a14="http://schemas.microsoft.com/office/drawing/2010/main" xmlns="" w="9525">
+                <a14:hiddenLine xmlns="" xmlns:a14="http://schemas.microsoft.com/office/drawing/2010/main" w="9525">
                   <a:solidFill>
                     <a:srgbClr val="000000"/>
                   </a:solidFill>
@@ -4545,7 +4545,7 @@
             </a:ln>
             <a:extLst>
               <a:ext uri="{91240B29-F687-4f45-9708-019B960494DF}">
-                <a14:hiddenLine xmlns:a14="http://schemas.microsoft.com/office/drawing/2010/main" xmlns="" w="9525">
+                <a14:hiddenLine xmlns="" xmlns:a14="http://schemas.microsoft.com/office/drawing/2010/main" w="9525">
                   <a:solidFill>
                     <a:srgbClr val="000000"/>
                   </a:solidFill>
@@ -4635,7 +4635,7 @@
             </a:ln>
             <a:extLst>
               <a:ext uri="{91240B29-F687-4f45-9708-019B960494DF}">
-                <a14:hiddenLine xmlns:a14="http://schemas.microsoft.com/office/drawing/2010/main" xmlns="" w="9525">
+                <a14:hiddenLine xmlns="" xmlns:a14="http://schemas.microsoft.com/office/drawing/2010/main" w="9525">
                   <a:solidFill>
                     <a:srgbClr val="000000"/>
                   </a:solidFill>
@@ -4700,7 +4700,7 @@
             </a:ln>
             <a:extLst>
               <a:ext uri="{91240B29-F687-4f45-9708-019B960494DF}">
-                <a14:hiddenLine xmlns:a14="http://schemas.microsoft.com/office/drawing/2010/main" xmlns="" w="9525">
+                <a14:hiddenLine xmlns="" xmlns:a14="http://schemas.microsoft.com/office/drawing/2010/main" w="9525">
                   <a:solidFill>
                     <a:srgbClr val="000000"/>
                   </a:solidFill>
@@ -4762,7 +4762,7 @@
             </a:ln>
             <a:extLst>
               <a:ext uri="{91240B29-F687-4f45-9708-019B960494DF}">
-                <a14:hiddenLine xmlns:a14="http://schemas.microsoft.com/office/drawing/2010/main" xmlns="" w="9525">
+                <a14:hiddenLine xmlns="" xmlns:a14="http://schemas.microsoft.com/office/drawing/2010/main" w="9525">
                   <a:solidFill>
                     <a:srgbClr val="000000"/>
                   </a:solidFill>
@@ -4852,7 +4852,7 @@
             </a:ln>
             <a:extLst>
               <a:ext uri="{91240B29-F687-4f45-9708-019B960494DF}">
-                <a14:hiddenLine xmlns:a14="http://schemas.microsoft.com/office/drawing/2010/main" xmlns="" w="9525">
+                <a14:hiddenLine xmlns="" xmlns:a14="http://schemas.microsoft.com/office/drawing/2010/main" w="9525">
                   <a:solidFill>
                     <a:srgbClr val="000000"/>
                   </a:solidFill>
@@ -4942,7 +4942,7 @@
             </a:ln>
             <a:extLst>
               <a:ext uri="{91240B29-F687-4f45-9708-019B960494DF}">
-                <a14:hiddenLine xmlns:a14="http://schemas.microsoft.com/office/drawing/2010/main" xmlns="" w="9525">
+                <a14:hiddenLine xmlns="" xmlns:a14="http://schemas.microsoft.com/office/drawing/2010/main" w="9525">
                   <a:solidFill>
                     <a:srgbClr val="000000"/>
                   </a:solidFill>
@@ -5004,7 +5004,7 @@
             </a:ln>
             <a:extLst>
               <a:ext uri="{91240B29-F687-4f45-9708-019B960494DF}">
-                <a14:hiddenLine xmlns:a14="http://schemas.microsoft.com/office/drawing/2010/main" xmlns="" w="9525">
+                <a14:hiddenLine xmlns="" xmlns:a14="http://schemas.microsoft.com/office/drawing/2010/main" w="9525">
                   <a:solidFill>
                     <a:srgbClr val="000000"/>
                   </a:solidFill>
@@ -5124,7 +5124,7 @@
             </a:ln>
             <a:extLst>
               <a:ext uri="{91240B29-F687-4f45-9708-019B960494DF}">
-                <a14:hiddenLine xmlns:a14="http://schemas.microsoft.com/office/drawing/2010/main" xmlns="" w="9525">
+                <a14:hiddenLine xmlns="" xmlns:a14="http://schemas.microsoft.com/office/drawing/2010/main" w="9525">
                   <a:solidFill>
                     <a:srgbClr val="000000"/>
                   </a:solidFill>
@@ -5192,7 +5192,7 @@
             </a:ln>
             <a:extLst>
               <a:ext uri="{91240B29-F687-4f45-9708-019B960494DF}">
-                <a14:hiddenLine xmlns:a14="http://schemas.microsoft.com/office/drawing/2010/main" xmlns="" w="9525">
+                <a14:hiddenLine xmlns="" xmlns:a14="http://schemas.microsoft.com/office/drawing/2010/main" w="9525">
                   <a:solidFill>
                     <a:srgbClr val="000000"/>
                   </a:solidFill>
@@ -5282,7 +5282,7 @@
             </a:ln>
             <a:extLst>
               <a:ext uri="{91240B29-F687-4f45-9708-019B960494DF}">
-                <a14:hiddenLine xmlns:a14="http://schemas.microsoft.com/office/drawing/2010/main" xmlns="" w="9525">
+                <a14:hiddenLine xmlns="" xmlns:a14="http://schemas.microsoft.com/office/drawing/2010/main" w="9525">
                   <a:solidFill>
                     <a:srgbClr val="000000"/>
                   </a:solidFill>
@@ -5422,7 +5422,7 @@
           <a:p>
             <a:fld id="{EC4347D3-4C9A-C240-8F14-750059DFEEB0}" type="datetimeFigureOut">
               <a:rPr lang="en-US" smtClean="0"/>
-              <a:t>8/22/23</a:t>
+              <a:t>8/24/23</a:t>
             </a:fld>
             <a:endParaRPr lang="en-US"/>
           </a:p>
@@ -5689,7 +5689,7 @@
           <a:p>
             <a:fld id="{EC4347D3-4C9A-C240-8F14-750059DFEEB0}" type="datetimeFigureOut">
               <a:rPr lang="en-US" smtClean="0"/>
-              <a:t>8/22/23</a:t>
+              <a:t>8/24/23</a:t>
             </a:fld>
             <a:endParaRPr lang="en-US"/>
           </a:p>
@@ -5885,7 +5885,7 @@
           <a:p>
             <a:fld id="{EC4347D3-4C9A-C240-8F14-750059DFEEB0}" type="datetimeFigureOut">
               <a:rPr lang="en-US" smtClean="0"/>
-              <a:t>8/22/23</a:t>
+              <a:t>8/24/23</a:t>
             </a:fld>
             <a:endParaRPr lang="en-US"/>
           </a:p>
@@ -6148,7 +6148,7 @@
           <a:p>
             <a:fld id="{EC4347D3-4C9A-C240-8F14-750059DFEEB0}" type="datetimeFigureOut">
               <a:rPr lang="en-US" smtClean="0"/>
-              <a:t>8/22/23</a:t>
+              <a:t>8/24/23</a:t>
             </a:fld>
             <a:endParaRPr lang="en-US"/>
           </a:p>
@@ -6582,7 +6582,7 @@
           <a:p>
             <a:fld id="{EC4347D3-4C9A-C240-8F14-750059DFEEB0}" type="datetimeFigureOut">
               <a:rPr lang="en-US" smtClean="0"/>
-              <a:t>8/22/23</a:t>
+              <a:t>8/24/23</a:t>
             </a:fld>
             <a:endParaRPr lang="en-US"/>
           </a:p>
@@ -7128,7 +7128,7 @@
           <a:p>
             <a:fld id="{EC4347D3-4C9A-C240-8F14-750059DFEEB0}" type="datetimeFigureOut">
               <a:rPr lang="en-US" smtClean="0"/>
-              <a:t>8/22/23</a:t>
+              <a:t>8/24/23</a:t>
             </a:fld>
             <a:endParaRPr lang="en-US"/>
           </a:p>
@@ -7848,7 +7848,7 @@
           <a:p>
             <a:fld id="{EC4347D3-4C9A-C240-8F14-750059DFEEB0}" type="datetimeFigureOut">
               <a:rPr lang="en-US" smtClean="0"/>
-              <a:t>8/22/23</a:t>
+              <a:t>8/24/23</a:t>
             </a:fld>
             <a:endParaRPr lang="en-US"/>
           </a:p>
@@ -8018,7 +8018,7 @@
           <a:p>
             <a:fld id="{EC4347D3-4C9A-C240-8F14-750059DFEEB0}" type="datetimeFigureOut">
               <a:rPr lang="en-US" smtClean="0"/>
-              <a:t>8/22/23</a:t>
+              <a:t>8/24/23</a:t>
             </a:fld>
             <a:endParaRPr lang="en-US"/>
           </a:p>
@@ -8198,7 +8198,7 @@
           <a:p>
             <a:fld id="{EC4347D3-4C9A-C240-8F14-750059DFEEB0}" type="datetimeFigureOut">
               <a:rPr lang="en-US" smtClean="0"/>
-              <a:t>8/22/23</a:t>
+              <a:t>8/24/23</a:t>
             </a:fld>
             <a:endParaRPr lang="en-US"/>
           </a:p>
@@ -8368,7 +8368,7 @@
           <a:p>
             <a:fld id="{EC4347D3-4C9A-C240-8F14-750059DFEEB0}" type="datetimeFigureOut">
               <a:rPr lang="en-US" smtClean="0"/>
-              <a:t>8/22/23</a:t>
+              <a:t>8/24/23</a:t>
             </a:fld>
             <a:endParaRPr lang="en-US"/>
           </a:p>
@@ -8618,7 +8618,7 @@
           <a:p>
             <a:fld id="{EC4347D3-4C9A-C240-8F14-750059DFEEB0}" type="datetimeFigureOut">
               <a:rPr lang="en-US" smtClean="0"/>
-              <a:t>8/22/23</a:t>
+              <a:t>8/24/23</a:t>
             </a:fld>
             <a:endParaRPr lang="en-US"/>
           </a:p>
@@ -8850,7 +8850,7 @@
           <a:p>
             <a:fld id="{EC4347D3-4C9A-C240-8F14-750059DFEEB0}" type="datetimeFigureOut">
               <a:rPr lang="en-US" smtClean="0"/>
-              <a:t>8/22/23</a:t>
+              <a:t>8/24/23</a:t>
             </a:fld>
             <a:endParaRPr lang="en-US"/>
           </a:p>
@@ -9236,7 +9236,7 @@
           <a:p>
             <a:fld id="{EC4347D3-4C9A-C240-8F14-750059DFEEB0}" type="datetimeFigureOut">
               <a:rPr lang="en-US" smtClean="0"/>
-              <a:t>8/22/23</a:t>
+              <a:t>8/24/23</a:t>
             </a:fld>
             <a:endParaRPr lang="en-US"/>
           </a:p>
@@ -9359,7 +9359,7 @@
           <a:p>
             <a:fld id="{EC4347D3-4C9A-C240-8F14-750059DFEEB0}" type="datetimeFigureOut">
               <a:rPr lang="en-US" smtClean="0"/>
-              <a:t>8/22/23</a:t>
+              <a:t>8/24/23</a:t>
             </a:fld>
             <a:endParaRPr lang="en-US"/>
           </a:p>
@@ -9454,7 +9454,7 @@
           <a:p>
             <a:fld id="{EC4347D3-4C9A-C240-8F14-750059DFEEB0}" type="datetimeFigureOut">
               <a:rPr lang="en-US" smtClean="0"/>
-              <a:t>8/22/23</a:t>
+              <a:t>8/24/23</a:t>
             </a:fld>
             <a:endParaRPr lang="en-US"/>
           </a:p>
@@ -9703,7 +9703,7 @@
           <a:p>
             <a:fld id="{EC4347D3-4C9A-C240-8F14-750059DFEEB0}" type="datetimeFigureOut">
               <a:rPr lang="en-US" smtClean="0"/>
-              <a:t>8/22/23</a:t>
+              <a:t>8/24/23</a:t>
             </a:fld>
             <a:endParaRPr lang="en-US"/>
           </a:p>
@@ -9988,7 +9988,7 @@
           <a:p>
             <a:fld id="{EC4347D3-4C9A-C240-8F14-750059DFEEB0}" type="datetimeFigureOut">
               <a:rPr lang="en-US" smtClean="0"/>
-              <a:t>8/22/23</a:t>
+              <a:t>8/24/23</a:t>
             </a:fld>
             <a:endParaRPr lang="en-US"/>
           </a:p>
@@ -10111,7 +10111,7 @@
           <a:noFill/>
           <a:extLst>
             <a:ext uri="{909E8E84-426E-40dd-AFC4-6F175D3DCCD1}">
-              <a14:hiddenFill xmlns:a14="http://schemas.microsoft.com/office/drawing/2010/main" xmlns="">
+              <a14:hiddenFill xmlns="" xmlns:a14="http://schemas.microsoft.com/office/drawing/2010/main">
                 <a:solidFill>
                   <a:srgbClr val="FFFFFF"/>
                 </a:solidFill>
@@ -10185,7 +10185,7 @@
               </a:ln>
               <a:extLst>
                 <a:ext uri="{91240B29-F687-4f45-9708-019B960494DF}">
-                  <a14:hiddenLine xmlns:a14="http://schemas.microsoft.com/office/drawing/2010/main" xmlns="" w="9525">
+                  <a14:hiddenLine xmlns="" xmlns:a14="http://schemas.microsoft.com/office/drawing/2010/main" w="9525">
                     <a:solidFill>
                       <a:srgbClr val="000000"/>
                     </a:solidFill>
@@ -10275,7 +10275,7 @@
               </a:ln>
               <a:extLst>
                 <a:ext uri="{91240B29-F687-4f45-9708-019B960494DF}">
-                  <a14:hiddenLine xmlns:a14="http://schemas.microsoft.com/office/drawing/2010/main" xmlns="" w="9525">
+                  <a14:hiddenLine xmlns="" xmlns:a14="http://schemas.microsoft.com/office/drawing/2010/main" w="9525">
                     <a:solidFill>
                       <a:srgbClr val="000000"/>
                     </a:solidFill>
@@ -10365,7 +10365,7 @@
               </a:ln>
               <a:extLst>
                 <a:ext uri="{91240B29-F687-4f45-9708-019B960494DF}">
-                  <a14:hiddenLine xmlns:a14="http://schemas.microsoft.com/office/drawing/2010/main" xmlns="" w="9525">
+                  <a14:hiddenLine xmlns="" xmlns:a14="http://schemas.microsoft.com/office/drawing/2010/main" w="9525">
                     <a:solidFill>
                       <a:srgbClr val="000000"/>
                     </a:solidFill>
@@ -10427,7 +10427,7 @@
               </a:ln>
               <a:extLst>
                 <a:ext uri="{91240B29-F687-4f45-9708-019B960494DF}">
-                  <a14:hiddenLine xmlns:a14="http://schemas.microsoft.com/office/drawing/2010/main" xmlns="" w="9525">
+                  <a14:hiddenLine xmlns="" xmlns:a14="http://schemas.microsoft.com/office/drawing/2010/main" w="9525">
                     <a:solidFill>
                       <a:srgbClr val="000000"/>
                     </a:solidFill>
@@ -10517,7 +10517,7 @@
               </a:ln>
               <a:extLst>
                 <a:ext uri="{91240B29-F687-4f45-9708-019B960494DF}">
-                  <a14:hiddenLine xmlns:a14="http://schemas.microsoft.com/office/drawing/2010/main" xmlns="" w="9525">
+                  <a14:hiddenLine xmlns="" xmlns:a14="http://schemas.microsoft.com/office/drawing/2010/main" w="9525">
                     <a:solidFill>
                       <a:srgbClr val="000000"/>
                     </a:solidFill>
@@ -10579,7 +10579,7 @@
               </a:ln>
               <a:extLst>
                 <a:ext uri="{91240B29-F687-4f45-9708-019B960494DF}">
-                  <a14:hiddenLine xmlns:a14="http://schemas.microsoft.com/office/drawing/2010/main" xmlns="" w="9525">
+                  <a14:hiddenLine xmlns="" xmlns:a14="http://schemas.microsoft.com/office/drawing/2010/main" w="9525">
                     <a:solidFill>
                       <a:srgbClr val="000000"/>
                     </a:solidFill>
@@ -10641,7 +10641,7 @@
               </a:ln>
               <a:extLst>
                 <a:ext uri="{91240B29-F687-4f45-9708-019B960494DF}">
-                  <a14:hiddenLine xmlns:a14="http://schemas.microsoft.com/office/drawing/2010/main" xmlns="" w="9525">
+                  <a14:hiddenLine xmlns="" xmlns:a14="http://schemas.microsoft.com/office/drawing/2010/main" w="9525">
                     <a:solidFill>
                       <a:srgbClr val="000000"/>
                     </a:solidFill>
@@ -10731,7 +10731,7 @@
               </a:ln>
               <a:extLst>
                 <a:ext uri="{91240B29-F687-4f45-9708-019B960494DF}">
-                  <a14:hiddenLine xmlns:a14="http://schemas.microsoft.com/office/drawing/2010/main" xmlns="" w="9525">
+                  <a14:hiddenLine xmlns="" xmlns:a14="http://schemas.microsoft.com/office/drawing/2010/main" w="9525">
                     <a:solidFill>
                       <a:srgbClr val="000000"/>
                     </a:solidFill>
@@ -10821,7 +10821,7 @@
               </a:ln>
               <a:extLst>
                 <a:ext uri="{91240B29-F687-4f45-9708-019B960494DF}">
-                  <a14:hiddenLine xmlns:a14="http://schemas.microsoft.com/office/drawing/2010/main" xmlns="" w="9525">
+                  <a14:hiddenLine xmlns="" xmlns:a14="http://schemas.microsoft.com/office/drawing/2010/main" w="9525">
                     <a:solidFill>
                       <a:srgbClr val="000000"/>
                     </a:solidFill>
@@ -10883,7 +10883,7 @@
               </a:ln>
               <a:extLst>
                 <a:ext uri="{91240B29-F687-4f45-9708-019B960494DF}">
-                  <a14:hiddenLine xmlns:a14="http://schemas.microsoft.com/office/drawing/2010/main" xmlns="" w="9525">
+                  <a14:hiddenLine xmlns="" xmlns:a14="http://schemas.microsoft.com/office/drawing/2010/main" w="9525">
                     <a:solidFill>
                       <a:srgbClr val="000000"/>
                     </a:solidFill>
@@ -10993,7 +10993,7 @@
               </a:ln>
               <a:extLst>
                 <a:ext uri="{91240B29-F687-4f45-9708-019B960494DF}">
-                  <a14:hiddenLine xmlns:a14="http://schemas.microsoft.com/office/drawing/2010/main" xmlns="" w="9525">
+                  <a14:hiddenLine xmlns="" xmlns:a14="http://schemas.microsoft.com/office/drawing/2010/main" w="9525">
                     <a:solidFill>
                       <a:srgbClr val="000000"/>
                     </a:solidFill>
@@ -11077,7 +11077,7 @@
               </a:ln>
               <a:extLst>
                 <a:ext uri="{91240B29-F687-4f45-9708-019B960494DF}">
-                  <a14:hiddenLine xmlns:a14="http://schemas.microsoft.com/office/drawing/2010/main" xmlns="" w="9525">
+                  <a14:hiddenLine xmlns="" xmlns:a14="http://schemas.microsoft.com/office/drawing/2010/main" w="9525">
                     <a:solidFill>
                       <a:srgbClr val="000000"/>
                     </a:solidFill>
@@ -11139,7 +11139,7 @@
               </a:ln>
               <a:extLst>
                 <a:ext uri="{91240B29-F687-4f45-9708-019B960494DF}">
-                  <a14:hiddenLine xmlns:a14="http://schemas.microsoft.com/office/drawing/2010/main" xmlns="" w="9525">
+                  <a14:hiddenLine xmlns="" xmlns:a14="http://schemas.microsoft.com/office/drawing/2010/main" w="9525">
                     <a:solidFill>
                       <a:srgbClr val="000000"/>
                     </a:solidFill>
@@ -11201,7 +11201,7 @@
               </a:ln>
               <a:extLst>
                 <a:ext uri="{91240B29-F687-4f45-9708-019B960494DF}">
-                  <a14:hiddenLine xmlns:a14="http://schemas.microsoft.com/office/drawing/2010/main" xmlns="" w="9525">
+                  <a14:hiddenLine xmlns="" xmlns:a14="http://schemas.microsoft.com/office/drawing/2010/main" w="9525">
                     <a:solidFill>
                       <a:srgbClr val="000000"/>
                     </a:solidFill>
@@ -11291,7 +11291,7 @@
               </a:ln>
               <a:extLst>
                 <a:ext uri="{91240B29-F687-4f45-9708-019B960494DF}">
-                  <a14:hiddenLine xmlns:a14="http://schemas.microsoft.com/office/drawing/2010/main" xmlns="" w="9525">
+                  <a14:hiddenLine xmlns="" xmlns:a14="http://schemas.microsoft.com/office/drawing/2010/main" w="9525">
                     <a:solidFill>
                       <a:srgbClr val="000000"/>
                     </a:solidFill>
@@ -11325,7 +11325,7 @@
               </a:ln>
               <a:extLst>
                 <a:ext uri="{91240B29-F687-4f45-9708-019B960494DF}">
-                  <a14:hiddenLine xmlns:a14="http://schemas.microsoft.com/office/drawing/2010/main" xmlns="" w="9525">
+                  <a14:hiddenLine xmlns="" xmlns:a14="http://schemas.microsoft.com/office/drawing/2010/main" w="9525">
                     <a:solidFill>
                       <a:srgbClr val="000000"/>
                     </a:solidFill>
@@ -11390,7 +11390,7 @@
               </a:ln>
               <a:extLst>
                 <a:ext uri="{91240B29-F687-4f45-9708-019B960494DF}">
-                  <a14:hiddenLine xmlns:a14="http://schemas.microsoft.com/office/drawing/2010/main" xmlns="" w="9525">
+                  <a14:hiddenLine xmlns="" xmlns:a14="http://schemas.microsoft.com/office/drawing/2010/main" w="9525">
                     <a:solidFill>
                       <a:srgbClr val="000000"/>
                     </a:solidFill>
@@ -11480,7 +11480,7 @@
               </a:ln>
               <a:extLst>
                 <a:ext uri="{91240B29-F687-4f45-9708-019B960494DF}">
-                  <a14:hiddenLine xmlns:a14="http://schemas.microsoft.com/office/drawing/2010/main" xmlns="" w="9525">
+                  <a14:hiddenLine xmlns="" xmlns:a14="http://schemas.microsoft.com/office/drawing/2010/main" w="9525">
                     <a:solidFill>
                       <a:srgbClr val="000000"/>
                     </a:solidFill>
@@ -11542,7 +11542,7 @@
               </a:ln>
               <a:extLst>
                 <a:ext uri="{91240B29-F687-4f45-9708-019B960494DF}">
-                  <a14:hiddenLine xmlns:a14="http://schemas.microsoft.com/office/drawing/2010/main" xmlns="" w="9525">
+                  <a14:hiddenLine xmlns="" xmlns:a14="http://schemas.microsoft.com/office/drawing/2010/main" w="9525">
                     <a:solidFill>
                       <a:srgbClr val="000000"/>
                     </a:solidFill>
@@ -11632,7 +11632,7 @@
               </a:ln>
               <a:extLst>
                 <a:ext uri="{91240B29-F687-4f45-9708-019B960494DF}">
-                  <a14:hiddenLine xmlns:a14="http://schemas.microsoft.com/office/drawing/2010/main" xmlns="" w="9525">
+                  <a14:hiddenLine xmlns="" xmlns:a14="http://schemas.microsoft.com/office/drawing/2010/main" w="9525">
                     <a:solidFill>
                       <a:srgbClr val="000000"/>
                     </a:solidFill>
@@ -11697,7 +11697,7 @@
               </a:ln>
               <a:extLst>
                 <a:ext uri="{91240B29-F687-4f45-9708-019B960494DF}">
-                  <a14:hiddenLine xmlns:a14="http://schemas.microsoft.com/office/drawing/2010/main" xmlns="" w="9525">
+                  <a14:hiddenLine xmlns="" xmlns:a14="http://schemas.microsoft.com/office/drawing/2010/main" w="9525">
                     <a:solidFill>
                       <a:srgbClr val="000000"/>
                     </a:solidFill>
@@ -11759,7 +11759,7 @@
               </a:ln>
               <a:extLst>
                 <a:ext uri="{91240B29-F687-4f45-9708-019B960494DF}">
-                  <a14:hiddenLine xmlns:a14="http://schemas.microsoft.com/office/drawing/2010/main" xmlns="" w="9525">
+                  <a14:hiddenLine xmlns="" xmlns:a14="http://schemas.microsoft.com/office/drawing/2010/main" w="9525">
                     <a:solidFill>
                       <a:srgbClr val="000000"/>
                     </a:solidFill>
@@ -11849,7 +11849,7 @@
               </a:ln>
               <a:extLst>
                 <a:ext uri="{91240B29-F687-4f45-9708-019B960494DF}">
-                  <a14:hiddenLine xmlns:a14="http://schemas.microsoft.com/office/drawing/2010/main" xmlns="" w="9525">
+                  <a14:hiddenLine xmlns="" xmlns:a14="http://schemas.microsoft.com/office/drawing/2010/main" w="9525">
                     <a:solidFill>
                       <a:srgbClr val="000000"/>
                     </a:solidFill>
@@ -11939,7 +11939,7 @@
               </a:ln>
               <a:extLst>
                 <a:ext uri="{91240B29-F687-4f45-9708-019B960494DF}">
-                  <a14:hiddenLine xmlns:a14="http://schemas.microsoft.com/office/drawing/2010/main" xmlns="" w="9525">
+                  <a14:hiddenLine xmlns="" xmlns:a14="http://schemas.microsoft.com/office/drawing/2010/main" w="9525">
                     <a:solidFill>
                       <a:srgbClr val="000000"/>
                     </a:solidFill>
@@ -12004,7 +12004,7 @@
               </a:ln>
               <a:extLst>
                 <a:ext uri="{91240B29-F687-4f45-9708-019B960494DF}">
-                  <a14:hiddenLine xmlns:a14="http://schemas.microsoft.com/office/drawing/2010/main" xmlns="" w="9525">
+                  <a14:hiddenLine xmlns="" xmlns:a14="http://schemas.microsoft.com/office/drawing/2010/main" w="9525">
                     <a:solidFill>
                       <a:srgbClr val="000000"/>
                     </a:solidFill>
@@ -12124,7 +12124,7 @@
               </a:ln>
               <a:extLst>
                 <a:ext uri="{91240B29-F687-4f45-9708-019B960494DF}">
-                  <a14:hiddenLine xmlns:a14="http://schemas.microsoft.com/office/drawing/2010/main" xmlns="" w="9525">
+                  <a14:hiddenLine xmlns="" xmlns:a14="http://schemas.microsoft.com/office/drawing/2010/main" w="9525">
                     <a:solidFill>
                       <a:srgbClr val="000000"/>
                     </a:solidFill>
@@ -12205,7 +12205,7 @@
               </a:ln>
               <a:extLst>
                 <a:ext uri="{91240B29-F687-4f45-9708-019B960494DF}">
-                  <a14:hiddenLine xmlns:a14="http://schemas.microsoft.com/office/drawing/2010/main" xmlns="" w="9525">
+                  <a14:hiddenLine xmlns="" xmlns:a14="http://schemas.microsoft.com/office/drawing/2010/main" w="9525">
                     <a:solidFill>
                       <a:srgbClr val="000000"/>
                     </a:solidFill>
@@ -12320,7 +12320,7 @@
               </a:ln>
               <a:extLst>
                 <a:ext uri="{91240B29-F687-4f45-9708-019B960494DF}">
-                  <a14:hiddenLine xmlns:a14="http://schemas.microsoft.com/office/drawing/2010/main" xmlns="" w="9525">
+                  <a14:hiddenLine xmlns="" xmlns:a14="http://schemas.microsoft.com/office/drawing/2010/main" w="9525">
                     <a:solidFill>
                       <a:srgbClr val="000000"/>
                     </a:solidFill>
@@ -12410,7 +12410,7 @@
               </a:ln>
               <a:extLst>
                 <a:ext uri="{91240B29-F687-4f45-9708-019B960494DF}">
-                  <a14:hiddenLine xmlns:a14="http://schemas.microsoft.com/office/drawing/2010/main" xmlns="" w="9525">
+                  <a14:hiddenLine xmlns="" xmlns:a14="http://schemas.microsoft.com/office/drawing/2010/main" w="9525">
                     <a:solidFill>
                       <a:srgbClr val="000000"/>
                     </a:solidFill>
@@ -12475,7 +12475,7 @@
               </a:ln>
               <a:extLst>
                 <a:ext uri="{91240B29-F687-4f45-9708-019B960494DF}">
-                  <a14:hiddenLine xmlns:a14="http://schemas.microsoft.com/office/drawing/2010/main" xmlns="" w="9525">
+                  <a14:hiddenLine xmlns="" xmlns:a14="http://schemas.microsoft.com/office/drawing/2010/main" w="9525">
                     <a:solidFill>
                       <a:srgbClr val="000000"/>
                     </a:solidFill>
@@ -12565,7 +12565,7 @@
               </a:ln>
               <a:extLst>
                 <a:ext uri="{91240B29-F687-4f45-9708-019B960494DF}">
-                  <a14:hiddenLine xmlns:a14="http://schemas.microsoft.com/office/drawing/2010/main" xmlns="" w="9525">
+                  <a14:hiddenLine xmlns="" xmlns:a14="http://schemas.microsoft.com/office/drawing/2010/main" w="9525">
                     <a:solidFill>
                       <a:srgbClr val="000000"/>
                     </a:solidFill>
@@ -12633,7 +12633,7 @@
               </a:ln>
               <a:extLst>
                 <a:ext uri="{91240B29-F687-4f45-9708-019B960494DF}">
-                  <a14:hiddenLine xmlns:a14="http://schemas.microsoft.com/office/drawing/2010/main" xmlns="" w="9525">
+                  <a14:hiddenLine xmlns="" xmlns:a14="http://schemas.microsoft.com/office/drawing/2010/main" w="9525">
                     <a:solidFill>
                       <a:srgbClr val="000000"/>
                     </a:solidFill>
@@ -12723,7 +12723,7 @@
               </a:ln>
               <a:extLst>
                 <a:ext uri="{91240B29-F687-4f45-9708-019B960494DF}">
-                  <a14:hiddenLine xmlns:a14="http://schemas.microsoft.com/office/drawing/2010/main" xmlns="" w="9525">
+                  <a14:hiddenLine xmlns="" xmlns:a14="http://schemas.microsoft.com/office/drawing/2010/main" w="9525">
                     <a:solidFill>
                       <a:srgbClr val="000000"/>
                     </a:solidFill>
@@ -12791,7 +12791,7 @@
               </a:ln>
               <a:extLst>
                 <a:ext uri="{91240B29-F687-4f45-9708-019B960494DF}">
-                  <a14:hiddenLine xmlns:a14="http://schemas.microsoft.com/office/drawing/2010/main" xmlns="" w="9525">
+                  <a14:hiddenLine xmlns="" xmlns:a14="http://schemas.microsoft.com/office/drawing/2010/main" w="9525">
                     <a:solidFill>
                       <a:srgbClr val="000000"/>
                     </a:solidFill>
@@ -12881,7 +12881,7 @@
               </a:ln>
               <a:extLst>
                 <a:ext uri="{91240B29-F687-4f45-9708-019B960494DF}">
-                  <a14:hiddenLine xmlns:a14="http://schemas.microsoft.com/office/drawing/2010/main" xmlns="" w="9525">
+                  <a14:hiddenLine xmlns="" xmlns:a14="http://schemas.microsoft.com/office/drawing/2010/main" w="9525">
                     <a:solidFill>
                       <a:srgbClr val="000000"/>
                     </a:solidFill>
@@ -12915,7 +12915,7 @@
               </a:ln>
               <a:extLst>
                 <a:ext uri="{91240B29-F687-4f45-9708-019B960494DF}">
-                  <a14:hiddenLine xmlns:a14="http://schemas.microsoft.com/office/drawing/2010/main" xmlns="" w="9525">
+                  <a14:hiddenLine xmlns="" xmlns:a14="http://schemas.microsoft.com/office/drawing/2010/main" w="9525">
                     <a:solidFill>
                       <a:srgbClr val="000000"/>
                     </a:solidFill>
@@ -13055,7 +13055,7 @@
           <a:p>
             <a:fld id="{EC4347D3-4C9A-C240-8F14-750059DFEEB0}" type="datetimeFigureOut">
               <a:rPr lang="en-US" smtClean="0"/>
-              <a:t>8/22/23</a:t>
+              <a:t>8/24/23</a:t>
             </a:fld>
             <a:endParaRPr lang="en-US"/>
           </a:p>
@@ -17719,8 +17719,8 @@
           </a:p>
         </p:txBody>
       </p:sp>
-      <mc:AlternateContent xmlns:mc="http://schemas.openxmlformats.org/markup-compatibility/2006">
-        <mc:Choice xmlns:a14="http://schemas.microsoft.com/office/drawing/2010/main" Requires="a14">
+      <mc:AlternateContent xmlns:mc="http://schemas.openxmlformats.org/markup-compatibility/2006" xmlns:a14="http://schemas.microsoft.com/office/drawing/2010/main">
+        <mc:Choice Requires="a14">
           <p:sp>
             <p:nvSpPr>
               <p:cNvPr id="5" name="Content Placeholder 2">
@@ -18248,7 +18248,7 @@
             </p:txBody>
           </p:sp>
         </mc:Choice>
-        <mc:Fallback>
+        <mc:Fallback xmlns="">
           <p:sp>
             <p:nvSpPr>
               <p:cNvPr id="5" name="Content Placeholder 2">
@@ -18585,8 +18585,8 @@
           </p:sp>
         </mc:Fallback>
       </mc:AlternateContent>
-      <mc:AlternateContent xmlns:mc="http://schemas.openxmlformats.org/markup-compatibility/2006">
-        <mc:Choice xmlns:a14="http://schemas.microsoft.com/office/drawing/2010/main" Requires="a14">
+      <mc:AlternateContent xmlns:mc="http://schemas.openxmlformats.org/markup-compatibility/2006" xmlns:a14="http://schemas.microsoft.com/office/drawing/2010/main">
+        <mc:Choice Requires="a14">
           <p:sp>
             <p:nvSpPr>
               <p:cNvPr id="7" name="Content Placeholder 2">
@@ -19349,7 +19349,7 @@
             </p:txBody>
           </p:sp>
         </mc:Choice>
-        <mc:Fallback>
+        <mc:Fallback xmlns="">
           <p:sp>
             <p:nvSpPr>
               <p:cNvPr id="7" name="Content Placeholder 2">
@@ -19688,8 +19688,8 @@
           </p:sp>
         </mc:Fallback>
       </mc:AlternateContent>
-      <mc:AlternateContent xmlns:mc="http://schemas.openxmlformats.org/markup-compatibility/2006">
-        <mc:Choice xmlns:a14="http://schemas.microsoft.com/office/drawing/2010/main" Requires="a14">
+      <mc:AlternateContent xmlns:mc="http://schemas.openxmlformats.org/markup-compatibility/2006" xmlns:a14="http://schemas.microsoft.com/office/drawing/2010/main">
+        <mc:Choice Requires="a14">
           <p:sp>
             <p:nvSpPr>
               <p:cNvPr id="9" name="Content Placeholder 2">
@@ -19947,7 +19947,7 @@
             </p:txBody>
           </p:sp>
         </mc:Choice>
-        <mc:Fallback>
+        <mc:Fallback xmlns="">
           <p:sp>
             <p:nvSpPr>
               <p:cNvPr id="9" name="Content Placeholder 2">
@@ -19992,8 +19992,8 @@
           </p:sp>
         </mc:Fallback>
       </mc:AlternateContent>
-      <mc:AlternateContent xmlns:mc="http://schemas.openxmlformats.org/markup-compatibility/2006">
-        <mc:Choice xmlns:a14="http://schemas.microsoft.com/office/drawing/2010/main" Requires="a14">
+      <mc:AlternateContent xmlns:mc="http://schemas.openxmlformats.org/markup-compatibility/2006" xmlns:a14="http://schemas.microsoft.com/office/drawing/2010/main">
+        <mc:Choice Requires="a14">
           <p:sp>
             <p:nvSpPr>
               <p:cNvPr id="10" name="Content Placeholder 2">
@@ -20288,7 +20288,7 @@
             </p:txBody>
           </p:sp>
         </mc:Choice>
-        <mc:Fallback>
+        <mc:Fallback xmlns="">
           <p:sp>
             <p:nvSpPr>
               <p:cNvPr id="10" name="Content Placeholder 2">
@@ -25260,6 +25260,42 @@
           </p:spPr>
         </p:cxnSp>
       </p:grpSp>
+      <p:cxnSp>
+        <p:nvCxnSpPr>
+          <p:cNvPr id="60" name="AutoShape 43">
+            <a:extLst>
+              <a:ext uri="{FF2B5EF4-FFF2-40B4-BE49-F238E27FC236}">
+                <a16:creationId xmlns:a16="http://schemas.microsoft.com/office/drawing/2014/main" id="{7538ACF1-EBC6-F048-AA7E-F646BF898BC9}"/>
+              </a:ext>
+            </a:extLst>
+          </p:cNvPr>
+          <p:cNvCxnSpPr>
+            <a:cxnSpLocks noChangeShapeType="1"/>
+            <a:stCxn id="207900" idx="6"/>
+            <a:endCxn id="207908" idx="2"/>
+          </p:cNvCxnSpPr>
+          <p:nvPr/>
+        </p:nvCxnSpPr>
+        <p:spPr bwMode="auto">
+          <a:xfrm>
+            <a:off x="7707808" y="1761247"/>
+            <a:ext cx="2234618" cy="0"/>
+          </a:xfrm>
+          <a:prstGeom prst="straightConnector1">
+            <a:avLst/>
+          </a:prstGeom>
+          <a:noFill/>
+          <a:ln w="9525">
+            <a:solidFill>
+              <a:schemeClr val="tx1"/>
+            </a:solidFill>
+            <a:round/>
+            <a:headEnd/>
+            <a:tailEnd type="triangle" w="med" len="med"/>
+          </a:ln>
+          <a:effectLst/>
+        </p:spPr>
+      </p:cxnSp>
     </p:spTree>
     <p:extLst>
       <p:ext uri="{BB962C8B-B14F-4D97-AF65-F5344CB8AC3E}">
@@ -28286,6 +28322,42 @@
           <a:xfrm>
             <a:off x="8025898" y="3048000"/>
             <a:ext cx="2234618" cy="304800"/>
+          </a:xfrm>
+          <a:prstGeom prst="straightConnector1">
+            <a:avLst/>
+          </a:prstGeom>
+          <a:noFill/>
+          <a:ln w="9525">
+            <a:solidFill>
+              <a:schemeClr val="tx1"/>
+            </a:solidFill>
+            <a:round/>
+            <a:headEnd/>
+            <a:tailEnd type="triangle" w="med" len="med"/>
+          </a:ln>
+          <a:effectLst/>
+        </p:spPr>
+      </p:cxnSp>
+      <p:cxnSp>
+        <p:nvCxnSpPr>
+          <p:cNvPr id="57" name="AutoShape 43">
+            <a:extLst>
+              <a:ext uri="{FF2B5EF4-FFF2-40B4-BE49-F238E27FC236}">
+                <a16:creationId xmlns:a16="http://schemas.microsoft.com/office/drawing/2014/main" id="{0EF6F8A8-801D-6340-8BC0-D3023325419F}"/>
+              </a:ext>
+            </a:extLst>
+          </p:cNvPr>
+          <p:cNvCxnSpPr>
+            <a:cxnSpLocks noChangeShapeType="1"/>
+            <a:stCxn id="208924" idx="6"/>
+            <a:endCxn id="208932" idx="2"/>
+          </p:cNvCxnSpPr>
+          <p:nvPr/>
+        </p:nvCxnSpPr>
+        <p:spPr bwMode="auto">
+          <a:xfrm>
+            <a:off x="8025899" y="2133600"/>
+            <a:ext cx="2234618" cy="0"/>
           </a:xfrm>
           <a:prstGeom prst="straightConnector1">
             <a:avLst/>

--- a/slides/01-WhatIsAComputer.pptx
+++ b/slides/01-WhatIsAComputer.pptx
@@ -234,7 +234,7 @@
           <a:p>
             <a:fld id="{C5B45307-6ED4-B142-BD64-10F739779302}" type="datetimeFigureOut">
               <a:rPr lang="en-US" smtClean="0"/>
-              <a:t>8/24/23</a:t>
+              <a:t>10/3/23</a:t>
             </a:fld>
             <a:endParaRPr lang="en-US"/>
           </a:p>
@@ -1197,7 +1197,7 @@
           <a:noFill/>
           <a:extLst>
             <a:ext uri="{909E8E84-426E-40dd-AFC4-6F175D3DCCD1}">
-              <a14:hiddenFill xmlns="" xmlns:a14="http://schemas.microsoft.com/office/drawing/2010/main">
+              <a14:hiddenFill xmlns:a14="http://schemas.microsoft.com/office/drawing/2010/main" xmlns="">
                 <a:solidFill>
                   <a:srgbClr val="FFFFFF"/>
                 </a:solidFill>
@@ -1256,7 +1256,7 @@
             </a:ln>
             <a:extLst>
               <a:ext uri="{91240B29-F687-4f45-9708-019B960494DF}">
-                <a14:hiddenLine xmlns="" xmlns:a14="http://schemas.microsoft.com/office/drawing/2010/main" w="9525">
+                <a14:hiddenLine xmlns:a14="http://schemas.microsoft.com/office/drawing/2010/main" xmlns="" w="9525">
                   <a:solidFill>
                     <a:srgbClr val="000000"/>
                   </a:solidFill>
@@ -1346,7 +1346,7 @@
             </a:ln>
             <a:extLst>
               <a:ext uri="{91240B29-F687-4f45-9708-019B960494DF}">
-                <a14:hiddenLine xmlns="" xmlns:a14="http://schemas.microsoft.com/office/drawing/2010/main" w="9525">
+                <a14:hiddenLine xmlns:a14="http://schemas.microsoft.com/office/drawing/2010/main" xmlns="" w="9525">
                   <a:solidFill>
                     <a:srgbClr val="000000"/>
                   </a:solidFill>
@@ -1436,7 +1436,7 @@
             </a:ln>
             <a:extLst>
               <a:ext uri="{91240B29-F687-4f45-9708-019B960494DF}">
-                <a14:hiddenLine xmlns="" xmlns:a14="http://schemas.microsoft.com/office/drawing/2010/main" w="9525">
+                <a14:hiddenLine xmlns:a14="http://schemas.microsoft.com/office/drawing/2010/main" xmlns="" w="9525">
                   <a:solidFill>
                     <a:srgbClr val="000000"/>
                   </a:solidFill>
@@ -1470,7 +1470,7 @@
             </a:ln>
             <a:extLst>
               <a:ext uri="{91240B29-F687-4f45-9708-019B960494DF}">
-                <a14:hiddenLine xmlns="" xmlns:a14="http://schemas.microsoft.com/office/drawing/2010/main" w="9525">
+                <a14:hiddenLine xmlns:a14="http://schemas.microsoft.com/office/drawing/2010/main" xmlns="" w="9525">
                   <a:solidFill>
                     <a:srgbClr val="000000"/>
                   </a:solidFill>
@@ -1560,7 +1560,7 @@
             </a:ln>
             <a:extLst>
               <a:ext uri="{91240B29-F687-4f45-9708-019B960494DF}">
-                <a14:hiddenLine xmlns="" xmlns:a14="http://schemas.microsoft.com/office/drawing/2010/main" w="9525">
+                <a14:hiddenLine xmlns:a14="http://schemas.microsoft.com/office/drawing/2010/main" xmlns="" w="9525">
                   <a:solidFill>
                     <a:srgbClr val="000000"/>
                   </a:solidFill>
@@ -1622,7 +1622,7 @@
             </a:ln>
             <a:extLst>
               <a:ext uri="{91240B29-F687-4f45-9708-019B960494DF}">
-                <a14:hiddenLine xmlns="" xmlns:a14="http://schemas.microsoft.com/office/drawing/2010/main" w="9525">
+                <a14:hiddenLine xmlns:a14="http://schemas.microsoft.com/office/drawing/2010/main" xmlns="" w="9525">
                   <a:solidFill>
                     <a:srgbClr val="000000"/>
                   </a:solidFill>
@@ -1684,7 +1684,7 @@
             </a:ln>
             <a:extLst>
               <a:ext uri="{91240B29-F687-4f45-9708-019B960494DF}">
-                <a14:hiddenLine xmlns="" xmlns:a14="http://schemas.microsoft.com/office/drawing/2010/main" w="9525">
+                <a14:hiddenLine xmlns:a14="http://schemas.microsoft.com/office/drawing/2010/main" xmlns="" w="9525">
                   <a:solidFill>
                     <a:srgbClr val="000000"/>
                   </a:solidFill>
@@ -1774,7 +1774,7 @@
             </a:ln>
             <a:extLst>
               <a:ext uri="{91240B29-F687-4f45-9708-019B960494DF}">
-                <a14:hiddenLine xmlns="" xmlns:a14="http://schemas.microsoft.com/office/drawing/2010/main" w="9525">
+                <a14:hiddenLine xmlns:a14="http://schemas.microsoft.com/office/drawing/2010/main" xmlns="" w="9525">
                   <a:solidFill>
                     <a:srgbClr val="000000"/>
                   </a:solidFill>
@@ -1836,7 +1836,7 @@
             </a:ln>
             <a:extLst>
               <a:ext uri="{91240B29-F687-4f45-9708-019B960494DF}">
-                <a14:hiddenLine xmlns="" xmlns:a14="http://schemas.microsoft.com/office/drawing/2010/main" w="9525">
+                <a14:hiddenLine xmlns:a14="http://schemas.microsoft.com/office/drawing/2010/main" xmlns="" w="9525">
                   <a:solidFill>
                     <a:srgbClr val="000000"/>
                   </a:solidFill>
@@ -1898,7 +1898,7 @@
             </a:ln>
             <a:extLst>
               <a:ext uri="{91240B29-F687-4f45-9708-019B960494DF}">
-                <a14:hiddenLine xmlns="" xmlns:a14="http://schemas.microsoft.com/office/drawing/2010/main" w="9525">
+                <a14:hiddenLine xmlns:a14="http://schemas.microsoft.com/office/drawing/2010/main" xmlns="" w="9525">
                   <a:solidFill>
                     <a:srgbClr val="000000"/>
                   </a:solidFill>
@@ -1988,7 +1988,7 @@
             </a:ln>
             <a:extLst>
               <a:ext uri="{91240B29-F687-4f45-9708-019B960494DF}">
-                <a14:hiddenLine xmlns="" xmlns:a14="http://schemas.microsoft.com/office/drawing/2010/main" w="9525">
+                <a14:hiddenLine xmlns:a14="http://schemas.microsoft.com/office/drawing/2010/main" xmlns="" w="9525">
                   <a:solidFill>
                     <a:srgbClr val="000000"/>
                   </a:solidFill>
@@ -2078,7 +2078,7 @@
             </a:ln>
             <a:extLst>
               <a:ext uri="{91240B29-F687-4f45-9708-019B960494DF}">
-                <a14:hiddenLine xmlns="" xmlns:a14="http://schemas.microsoft.com/office/drawing/2010/main" w="9525">
+                <a14:hiddenLine xmlns:a14="http://schemas.microsoft.com/office/drawing/2010/main" xmlns="" w="9525">
                   <a:solidFill>
                     <a:srgbClr val="000000"/>
                   </a:solidFill>
@@ -2140,7 +2140,7 @@
             </a:ln>
             <a:extLst>
               <a:ext uri="{91240B29-F687-4f45-9708-019B960494DF}">
-                <a14:hiddenLine xmlns="" xmlns:a14="http://schemas.microsoft.com/office/drawing/2010/main" w="9525">
+                <a14:hiddenLine xmlns:a14="http://schemas.microsoft.com/office/drawing/2010/main" xmlns="" w="9525">
                   <a:solidFill>
                     <a:srgbClr val="000000"/>
                   </a:solidFill>
@@ -2250,7 +2250,7 @@
             </a:ln>
             <a:extLst>
               <a:ext uri="{91240B29-F687-4f45-9708-019B960494DF}">
-                <a14:hiddenLine xmlns="" xmlns:a14="http://schemas.microsoft.com/office/drawing/2010/main" w="9525">
+                <a14:hiddenLine xmlns:a14="http://schemas.microsoft.com/office/drawing/2010/main" xmlns="" w="9525">
                   <a:solidFill>
                     <a:srgbClr val="000000"/>
                   </a:solidFill>
@@ -2312,7 +2312,7 @@
             </a:ln>
             <a:extLst>
               <a:ext uri="{91240B29-F687-4f45-9708-019B960494DF}">
-                <a14:hiddenLine xmlns="" xmlns:a14="http://schemas.microsoft.com/office/drawing/2010/main" w="9525">
+                <a14:hiddenLine xmlns:a14="http://schemas.microsoft.com/office/drawing/2010/main" xmlns="" w="9525">
                   <a:solidFill>
                     <a:srgbClr val="000000"/>
                   </a:solidFill>
@@ -2402,7 +2402,7 @@
             </a:ln>
             <a:extLst>
               <a:ext uri="{91240B29-F687-4f45-9708-019B960494DF}">
-                <a14:hiddenLine xmlns="" xmlns:a14="http://schemas.microsoft.com/office/drawing/2010/main" w="9525">
+                <a14:hiddenLine xmlns:a14="http://schemas.microsoft.com/office/drawing/2010/main" xmlns="" w="9525">
                   <a:solidFill>
                     <a:srgbClr val="000000"/>
                   </a:solidFill>
@@ -2492,7 +2492,7 @@
             </a:ln>
             <a:extLst>
               <a:ext uri="{91240B29-F687-4f45-9708-019B960494DF}">
-                <a14:hiddenLine xmlns="" xmlns:a14="http://schemas.microsoft.com/office/drawing/2010/main" w="9525">
+                <a14:hiddenLine xmlns:a14="http://schemas.microsoft.com/office/drawing/2010/main" xmlns="" w="9525">
                   <a:solidFill>
                     <a:srgbClr val="000000"/>
                   </a:solidFill>
@@ -2554,7 +2554,7 @@
             </a:ln>
             <a:extLst>
               <a:ext uri="{91240B29-F687-4f45-9708-019B960494DF}">
-                <a14:hiddenLine xmlns="" xmlns:a14="http://schemas.microsoft.com/office/drawing/2010/main" w="9525">
+                <a14:hiddenLine xmlns:a14="http://schemas.microsoft.com/office/drawing/2010/main" xmlns="" w="9525">
                   <a:solidFill>
                     <a:srgbClr val="000000"/>
                   </a:solidFill>
@@ -2644,7 +2644,7 @@
             </a:ln>
             <a:extLst>
               <a:ext uri="{91240B29-F687-4f45-9708-019B960494DF}">
-                <a14:hiddenLine xmlns="" xmlns:a14="http://schemas.microsoft.com/office/drawing/2010/main" w="9525">
+                <a14:hiddenLine xmlns:a14="http://schemas.microsoft.com/office/drawing/2010/main" xmlns="" w="9525">
                   <a:solidFill>
                     <a:srgbClr val="000000"/>
                   </a:solidFill>
@@ -2734,7 +2734,7 @@
             </a:ln>
             <a:extLst>
               <a:ext uri="{91240B29-F687-4f45-9708-019B960494DF}">
-                <a14:hiddenLine xmlns="" xmlns:a14="http://schemas.microsoft.com/office/drawing/2010/main" w="9525">
+                <a14:hiddenLine xmlns:a14="http://schemas.microsoft.com/office/drawing/2010/main" xmlns="" w="9525">
                   <a:solidFill>
                     <a:srgbClr val="000000"/>
                   </a:solidFill>
@@ -2790,7 +2790,7 @@
             </a:ln>
             <a:extLst>
               <a:ext uri="{91240B29-F687-4f45-9708-019B960494DF}">
-                <a14:hiddenLine xmlns="" xmlns:a14="http://schemas.microsoft.com/office/drawing/2010/main" w="9525">
+                <a14:hiddenLine xmlns:a14="http://schemas.microsoft.com/office/drawing/2010/main" xmlns="" w="9525">
                   <a:solidFill>
                     <a:srgbClr val="000000"/>
                   </a:solidFill>
@@ -2880,7 +2880,7 @@
             </a:ln>
             <a:extLst>
               <a:ext uri="{91240B29-F687-4f45-9708-019B960494DF}">
-                <a14:hiddenLine xmlns="" xmlns:a14="http://schemas.microsoft.com/office/drawing/2010/main" w="9525">
+                <a14:hiddenLine xmlns:a14="http://schemas.microsoft.com/office/drawing/2010/main" xmlns="" w="9525">
                   <a:solidFill>
                     <a:srgbClr val="000000"/>
                   </a:solidFill>
@@ -2936,7 +2936,7 @@
             </a:ln>
             <a:extLst>
               <a:ext uri="{91240B29-F687-4f45-9708-019B960494DF}">
-                <a14:hiddenLine xmlns="" xmlns:a14="http://schemas.microsoft.com/office/drawing/2010/main" w="9525">
+                <a14:hiddenLine xmlns:a14="http://schemas.microsoft.com/office/drawing/2010/main" xmlns="" w="9525">
                   <a:solidFill>
                     <a:srgbClr val="000000"/>
                   </a:solidFill>
@@ -3026,7 +3026,7 @@
             </a:ln>
             <a:extLst>
               <a:ext uri="{91240B29-F687-4f45-9708-019B960494DF}">
-                <a14:hiddenLine xmlns="" xmlns:a14="http://schemas.microsoft.com/office/drawing/2010/main" w="9525">
+                <a14:hiddenLine xmlns:a14="http://schemas.microsoft.com/office/drawing/2010/main" xmlns="" w="9525">
                   <a:solidFill>
                     <a:srgbClr val="000000"/>
                   </a:solidFill>
@@ -3094,7 +3094,7 @@
             </a:ln>
             <a:extLst>
               <a:ext uri="{91240B29-F687-4f45-9708-019B960494DF}">
-                <a14:hiddenLine xmlns="" xmlns:a14="http://schemas.microsoft.com/office/drawing/2010/main" w="9525">
+                <a14:hiddenLine xmlns:a14="http://schemas.microsoft.com/office/drawing/2010/main" xmlns="" w="9525">
                   <a:solidFill>
                     <a:srgbClr val="000000"/>
                   </a:solidFill>
@@ -3184,7 +3184,7 @@
             </a:ln>
             <a:extLst>
               <a:ext uri="{91240B29-F687-4f45-9708-019B960494DF}">
-                <a14:hiddenLine xmlns="" xmlns:a14="http://schemas.microsoft.com/office/drawing/2010/main" w="9525">
+                <a14:hiddenLine xmlns:a14="http://schemas.microsoft.com/office/drawing/2010/main" xmlns="" w="9525">
                   <a:solidFill>
                     <a:srgbClr val="000000"/>
                   </a:solidFill>
@@ -3252,7 +3252,7 @@
             </a:ln>
             <a:extLst>
               <a:ext uri="{91240B29-F687-4f45-9708-019B960494DF}">
-                <a14:hiddenLine xmlns="" xmlns:a14="http://schemas.microsoft.com/office/drawing/2010/main" w="9525">
+                <a14:hiddenLine xmlns:a14="http://schemas.microsoft.com/office/drawing/2010/main" xmlns="" w="9525">
                   <a:solidFill>
                     <a:srgbClr val="000000"/>
                   </a:solidFill>
@@ -3342,7 +3342,7 @@
             </a:ln>
             <a:extLst>
               <a:ext uri="{91240B29-F687-4f45-9708-019B960494DF}">
-                <a14:hiddenLine xmlns="" xmlns:a14="http://schemas.microsoft.com/office/drawing/2010/main" w="9525">
+                <a14:hiddenLine xmlns:a14="http://schemas.microsoft.com/office/drawing/2010/main" xmlns="" w="9525">
                   <a:solidFill>
                     <a:srgbClr val="000000"/>
                   </a:solidFill>
@@ -3376,7 +3376,7 @@
             </a:ln>
             <a:extLst>
               <a:ext uri="{91240B29-F687-4f45-9708-019B960494DF}">
-                <a14:hiddenLine xmlns="" xmlns:a14="http://schemas.microsoft.com/office/drawing/2010/main" w="9525">
+                <a14:hiddenLine xmlns:a14="http://schemas.microsoft.com/office/drawing/2010/main" xmlns="" w="9525">
                   <a:solidFill>
                     <a:srgbClr val="000000"/>
                   </a:solidFill>
@@ -3466,7 +3466,7 @@
             </a:ln>
             <a:extLst>
               <a:ext uri="{91240B29-F687-4f45-9708-019B960494DF}">
-                <a14:hiddenLine xmlns="" xmlns:a14="http://schemas.microsoft.com/office/drawing/2010/main" w="9525">
+                <a14:hiddenLine xmlns:a14="http://schemas.microsoft.com/office/drawing/2010/main" xmlns="" w="9525">
                   <a:solidFill>
                     <a:srgbClr val="000000"/>
                   </a:solidFill>
@@ -3528,7 +3528,7 @@
             </a:ln>
             <a:extLst>
               <a:ext uri="{91240B29-F687-4f45-9708-019B960494DF}">
-                <a14:hiddenLine xmlns="" xmlns:a14="http://schemas.microsoft.com/office/drawing/2010/main" w="9525">
+                <a14:hiddenLine xmlns:a14="http://schemas.microsoft.com/office/drawing/2010/main" xmlns="" w="9525">
                   <a:solidFill>
                     <a:srgbClr val="000000"/>
                   </a:solidFill>
@@ -3590,7 +3590,7 @@
             </a:ln>
             <a:extLst>
               <a:ext uri="{91240B29-F687-4f45-9708-019B960494DF}">
-                <a14:hiddenLine xmlns="" xmlns:a14="http://schemas.microsoft.com/office/drawing/2010/main" w="9525">
+                <a14:hiddenLine xmlns:a14="http://schemas.microsoft.com/office/drawing/2010/main" xmlns="" w="9525">
                   <a:solidFill>
                     <a:srgbClr val="000000"/>
                   </a:solidFill>
@@ -3680,7 +3680,7 @@
             </a:ln>
             <a:extLst>
               <a:ext uri="{91240B29-F687-4f45-9708-019B960494DF}">
-                <a14:hiddenLine xmlns="" xmlns:a14="http://schemas.microsoft.com/office/drawing/2010/main" w="9525">
+                <a14:hiddenLine xmlns:a14="http://schemas.microsoft.com/office/drawing/2010/main" xmlns="" w="9525">
                   <a:solidFill>
                     <a:srgbClr val="000000"/>
                   </a:solidFill>
@@ -3748,7 +3748,7 @@
             </a:ln>
             <a:extLst>
               <a:ext uri="{91240B29-F687-4f45-9708-019B960494DF}">
-                <a14:hiddenLine xmlns="" xmlns:a14="http://schemas.microsoft.com/office/drawing/2010/main" w="9525">
+                <a14:hiddenLine xmlns:a14="http://schemas.microsoft.com/office/drawing/2010/main" xmlns="" w="9525">
                   <a:solidFill>
                     <a:srgbClr val="000000"/>
                   </a:solidFill>
@@ -3810,7 +3810,7 @@
             </a:ln>
             <a:extLst>
               <a:ext uri="{91240B29-F687-4f45-9708-019B960494DF}">
-                <a14:hiddenLine xmlns="" xmlns:a14="http://schemas.microsoft.com/office/drawing/2010/main" w="9525">
+                <a14:hiddenLine xmlns:a14="http://schemas.microsoft.com/office/drawing/2010/main" xmlns="" w="9525">
                   <a:solidFill>
                     <a:srgbClr val="000000"/>
                   </a:solidFill>
@@ -3900,7 +3900,7 @@
             </a:ln>
             <a:extLst>
               <a:ext uri="{91240B29-F687-4f45-9708-019B960494DF}">
-                <a14:hiddenLine xmlns="" xmlns:a14="http://schemas.microsoft.com/office/drawing/2010/main" w="9525">
+                <a14:hiddenLine xmlns:a14="http://schemas.microsoft.com/office/drawing/2010/main" xmlns="" w="9525">
                   <a:solidFill>
                     <a:srgbClr val="000000"/>
                   </a:solidFill>
@@ -3962,7 +3962,7 @@
             </a:ln>
             <a:extLst>
               <a:ext uri="{91240B29-F687-4f45-9708-019B960494DF}">
-                <a14:hiddenLine xmlns="" xmlns:a14="http://schemas.microsoft.com/office/drawing/2010/main" w="9525">
+                <a14:hiddenLine xmlns:a14="http://schemas.microsoft.com/office/drawing/2010/main" xmlns="" w="9525">
                   <a:solidFill>
                     <a:srgbClr val="000000"/>
                   </a:solidFill>
@@ -4052,7 +4052,7 @@
             </a:ln>
             <a:extLst>
               <a:ext uri="{91240B29-F687-4f45-9708-019B960494DF}">
-                <a14:hiddenLine xmlns="" xmlns:a14="http://schemas.microsoft.com/office/drawing/2010/main" w="9525">
+                <a14:hiddenLine xmlns:a14="http://schemas.microsoft.com/office/drawing/2010/main" xmlns="" w="9525">
                   <a:solidFill>
                     <a:srgbClr val="000000"/>
                   </a:solidFill>
@@ -4114,7 +4114,7 @@
             </a:ln>
             <a:extLst>
               <a:ext uri="{91240B29-F687-4f45-9708-019B960494DF}">
-                <a14:hiddenLine xmlns="" xmlns:a14="http://schemas.microsoft.com/office/drawing/2010/main" w="9525">
+                <a14:hiddenLine xmlns:a14="http://schemas.microsoft.com/office/drawing/2010/main" xmlns="" w="9525">
                   <a:solidFill>
                     <a:srgbClr val="000000"/>
                   </a:solidFill>
@@ -4204,7 +4204,7 @@
             </a:ln>
             <a:extLst>
               <a:ext uri="{91240B29-F687-4f45-9708-019B960494DF}">
-                <a14:hiddenLine xmlns="" xmlns:a14="http://schemas.microsoft.com/office/drawing/2010/main" w="9525">
+                <a14:hiddenLine xmlns:a14="http://schemas.microsoft.com/office/drawing/2010/main" xmlns="" w="9525">
                   <a:solidFill>
                     <a:srgbClr val="000000"/>
                   </a:solidFill>
@@ -4238,7 +4238,7 @@
             </a:ln>
             <a:extLst>
               <a:ext uri="{91240B29-F687-4f45-9708-019B960494DF}">
-                <a14:hiddenLine xmlns="" xmlns:a14="http://schemas.microsoft.com/office/drawing/2010/main" w="9525">
+                <a14:hiddenLine xmlns:a14="http://schemas.microsoft.com/office/drawing/2010/main" xmlns="" w="9525">
                   <a:solidFill>
                     <a:srgbClr val="000000"/>
                   </a:solidFill>
@@ -4303,7 +4303,7 @@
             </a:ln>
             <a:extLst>
               <a:ext uri="{91240B29-F687-4f45-9708-019B960494DF}">
-                <a14:hiddenLine xmlns="" xmlns:a14="http://schemas.microsoft.com/office/drawing/2010/main" w="9525">
+                <a14:hiddenLine xmlns:a14="http://schemas.microsoft.com/office/drawing/2010/main" xmlns="" w="9525">
                   <a:solidFill>
                     <a:srgbClr val="000000"/>
                   </a:solidFill>
@@ -4393,7 +4393,7 @@
             </a:ln>
             <a:extLst>
               <a:ext uri="{91240B29-F687-4f45-9708-019B960494DF}">
-                <a14:hiddenLine xmlns="" xmlns:a14="http://schemas.microsoft.com/office/drawing/2010/main" w="9525">
+                <a14:hiddenLine xmlns:a14="http://schemas.microsoft.com/office/drawing/2010/main" xmlns="" w="9525">
                   <a:solidFill>
                     <a:srgbClr val="000000"/>
                   </a:solidFill>
@@ -4455,7 +4455,7 @@
             </a:ln>
             <a:extLst>
               <a:ext uri="{91240B29-F687-4f45-9708-019B960494DF}">
-                <a14:hiddenLine xmlns="" xmlns:a14="http://schemas.microsoft.com/office/drawing/2010/main" w="9525">
+                <a14:hiddenLine xmlns:a14="http://schemas.microsoft.com/office/drawing/2010/main" xmlns="" w="9525">
                   <a:solidFill>
                     <a:srgbClr val="000000"/>
                   </a:solidFill>
@@ -4545,7 +4545,7 @@
             </a:ln>
             <a:extLst>
               <a:ext uri="{91240B29-F687-4f45-9708-019B960494DF}">
-                <a14:hiddenLine xmlns="" xmlns:a14="http://schemas.microsoft.com/office/drawing/2010/main" w="9525">
+                <a14:hiddenLine xmlns:a14="http://schemas.microsoft.com/office/drawing/2010/main" xmlns="" w="9525">
                   <a:solidFill>
                     <a:srgbClr val="000000"/>
                   </a:solidFill>
@@ -4635,7 +4635,7 @@
             </a:ln>
             <a:extLst>
               <a:ext uri="{91240B29-F687-4f45-9708-019B960494DF}">
-                <a14:hiddenLine xmlns="" xmlns:a14="http://schemas.microsoft.com/office/drawing/2010/main" w="9525">
+                <a14:hiddenLine xmlns:a14="http://schemas.microsoft.com/office/drawing/2010/main" xmlns="" w="9525">
                   <a:solidFill>
                     <a:srgbClr val="000000"/>
                   </a:solidFill>
@@ -4700,7 +4700,7 @@
             </a:ln>
             <a:extLst>
               <a:ext uri="{91240B29-F687-4f45-9708-019B960494DF}">
-                <a14:hiddenLine xmlns="" xmlns:a14="http://schemas.microsoft.com/office/drawing/2010/main" w="9525">
+                <a14:hiddenLine xmlns:a14="http://schemas.microsoft.com/office/drawing/2010/main" xmlns="" w="9525">
                   <a:solidFill>
                     <a:srgbClr val="000000"/>
                   </a:solidFill>
@@ -4762,7 +4762,7 @@
             </a:ln>
             <a:extLst>
               <a:ext uri="{91240B29-F687-4f45-9708-019B960494DF}">
-                <a14:hiddenLine xmlns="" xmlns:a14="http://schemas.microsoft.com/office/drawing/2010/main" w="9525">
+                <a14:hiddenLine xmlns:a14="http://schemas.microsoft.com/office/drawing/2010/main" xmlns="" w="9525">
                   <a:solidFill>
                     <a:srgbClr val="000000"/>
                   </a:solidFill>
@@ -4852,7 +4852,7 @@
             </a:ln>
             <a:extLst>
               <a:ext uri="{91240B29-F687-4f45-9708-019B960494DF}">
-                <a14:hiddenLine xmlns="" xmlns:a14="http://schemas.microsoft.com/office/drawing/2010/main" w="9525">
+                <a14:hiddenLine xmlns:a14="http://schemas.microsoft.com/office/drawing/2010/main" xmlns="" w="9525">
                   <a:solidFill>
                     <a:srgbClr val="000000"/>
                   </a:solidFill>
@@ -4942,7 +4942,7 @@
             </a:ln>
             <a:extLst>
               <a:ext uri="{91240B29-F687-4f45-9708-019B960494DF}">
-                <a14:hiddenLine xmlns="" xmlns:a14="http://schemas.microsoft.com/office/drawing/2010/main" w="9525">
+                <a14:hiddenLine xmlns:a14="http://schemas.microsoft.com/office/drawing/2010/main" xmlns="" w="9525">
                   <a:solidFill>
                     <a:srgbClr val="000000"/>
                   </a:solidFill>
@@ -5004,7 +5004,7 @@
             </a:ln>
             <a:extLst>
               <a:ext uri="{91240B29-F687-4f45-9708-019B960494DF}">
-                <a14:hiddenLine xmlns="" xmlns:a14="http://schemas.microsoft.com/office/drawing/2010/main" w="9525">
+                <a14:hiddenLine xmlns:a14="http://schemas.microsoft.com/office/drawing/2010/main" xmlns="" w="9525">
                   <a:solidFill>
                     <a:srgbClr val="000000"/>
                   </a:solidFill>
@@ -5124,7 +5124,7 @@
             </a:ln>
             <a:extLst>
               <a:ext uri="{91240B29-F687-4f45-9708-019B960494DF}">
-                <a14:hiddenLine xmlns="" xmlns:a14="http://schemas.microsoft.com/office/drawing/2010/main" w="9525">
+                <a14:hiddenLine xmlns:a14="http://schemas.microsoft.com/office/drawing/2010/main" xmlns="" w="9525">
                   <a:solidFill>
                     <a:srgbClr val="000000"/>
                   </a:solidFill>
@@ -5192,7 +5192,7 @@
             </a:ln>
             <a:extLst>
               <a:ext uri="{91240B29-F687-4f45-9708-019B960494DF}">
-                <a14:hiddenLine xmlns="" xmlns:a14="http://schemas.microsoft.com/office/drawing/2010/main" w="9525">
+                <a14:hiddenLine xmlns:a14="http://schemas.microsoft.com/office/drawing/2010/main" xmlns="" w="9525">
                   <a:solidFill>
                     <a:srgbClr val="000000"/>
                   </a:solidFill>
@@ -5282,7 +5282,7 @@
             </a:ln>
             <a:extLst>
               <a:ext uri="{91240B29-F687-4f45-9708-019B960494DF}">
-                <a14:hiddenLine xmlns="" xmlns:a14="http://schemas.microsoft.com/office/drawing/2010/main" w="9525">
+                <a14:hiddenLine xmlns:a14="http://schemas.microsoft.com/office/drawing/2010/main" xmlns="" w="9525">
                   <a:solidFill>
                     <a:srgbClr val="000000"/>
                   </a:solidFill>
@@ -5422,7 +5422,7 @@
           <a:p>
             <a:fld id="{EC4347D3-4C9A-C240-8F14-750059DFEEB0}" type="datetimeFigureOut">
               <a:rPr lang="en-US" smtClean="0"/>
-              <a:t>8/24/23</a:t>
+              <a:t>10/3/23</a:t>
             </a:fld>
             <a:endParaRPr lang="en-US"/>
           </a:p>
@@ -5689,7 +5689,7 @@
           <a:p>
             <a:fld id="{EC4347D3-4C9A-C240-8F14-750059DFEEB0}" type="datetimeFigureOut">
               <a:rPr lang="en-US" smtClean="0"/>
-              <a:t>8/24/23</a:t>
+              <a:t>10/3/23</a:t>
             </a:fld>
             <a:endParaRPr lang="en-US"/>
           </a:p>
@@ -5885,7 +5885,7 @@
           <a:p>
             <a:fld id="{EC4347D3-4C9A-C240-8F14-750059DFEEB0}" type="datetimeFigureOut">
               <a:rPr lang="en-US" smtClean="0"/>
-              <a:t>8/24/23</a:t>
+              <a:t>10/3/23</a:t>
             </a:fld>
             <a:endParaRPr lang="en-US"/>
           </a:p>
@@ -6148,7 +6148,7 @@
           <a:p>
             <a:fld id="{EC4347D3-4C9A-C240-8F14-750059DFEEB0}" type="datetimeFigureOut">
               <a:rPr lang="en-US" smtClean="0"/>
-              <a:t>8/24/23</a:t>
+              <a:t>10/3/23</a:t>
             </a:fld>
             <a:endParaRPr lang="en-US"/>
           </a:p>
@@ -6582,7 +6582,7 @@
           <a:p>
             <a:fld id="{EC4347D3-4C9A-C240-8F14-750059DFEEB0}" type="datetimeFigureOut">
               <a:rPr lang="en-US" smtClean="0"/>
-              <a:t>8/24/23</a:t>
+              <a:t>10/3/23</a:t>
             </a:fld>
             <a:endParaRPr lang="en-US"/>
           </a:p>
@@ -7128,7 +7128,7 @@
           <a:p>
             <a:fld id="{EC4347D3-4C9A-C240-8F14-750059DFEEB0}" type="datetimeFigureOut">
               <a:rPr lang="en-US" smtClean="0"/>
-              <a:t>8/24/23</a:t>
+              <a:t>10/3/23</a:t>
             </a:fld>
             <a:endParaRPr lang="en-US"/>
           </a:p>
@@ -7848,7 +7848,7 @@
           <a:p>
             <a:fld id="{EC4347D3-4C9A-C240-8F14-750059DFEEB0}" type="datetimeFigureOut">
               <a:rPr lang="en-US" smtClean="0"/>
-              <a:t>8/24/23</a:t>
+              <a:t>10/3/23</a:t>
             </a:fld>
             <a:endParaRPr lang="en-US"/>
           </a:p>
@@ -8018,7 +8018,7 @@
           <a:p>
             <a:fld id="{EC4347D3-4C9A-C240-8F14-750059DFEEB0}" type="datetimeFigureOut">
               <a:rPr lang="en-US" smtClean="0"/>
-              <a:t>8/24/23</a:t>
+              <a:t>10/3/23</a:t>
             </a:fld>
             <a:endParaRPr lang="en-US"/>
           </a:p>
@@ -8198,7 +8198,7 @@
           <a:p>
             <a:fld id="{EC4347D3-4C9A-C240-8F14-750059DFEEB0}" type="datetimeFigureOut">
               <a:rPr lang="en-US" smtClean="0"/>
-              <a:t>8/24/23</a:t>
+              <a:t>10/3/23</a:t>
             </a:fld>
             <a:endParaRPr lang="en-US"/>
           </a:p>
@@ -8368,7 +8368,7 @@
           <a:p>
             <a:fld id="{EC4347D3-4C9A-C240-8F14-750059DFEEB0}" type="datetimeFigureOut">
               <a:rPr lang="en-US" smtClean="0"/>
-              <a:t>8/24/23</a:t>
+              <a:t>10/3/23</a:t>
             </a:fld>
             <a:endParaRPr lang="en-US"/>
           </a:p>
@@ -8618,7 +8618,7 @@
           <a:p>
             <a:fld id="{EC4347D3-4C9A-C240-8F14-750059DFEEB0}" type="datetimeFigureOut">
               <a:rPr lang="en-US" smtClean="0"/>
-              <a:t>8/24/23</a:t>
+              <a:t>10/3/23</a:t>
             </a:fld>
             <a:endParaRPr lang="en-US"/>
           </a:p>
@@ -8850,7 +8850,7 @@
           <a:p>
             <a:fld id="{EC4347D3-4C9A-C240-8F14-750059DFEEB0}" type="datetimeFigureOut">
               <a:rPr lang="en-US" smtClean="0"/>
-              <a:t>8/24/23</a:t>
+              <a:t>10/3/23</a:t>
             </a:fld>
             <a:endParaRPr lang="en-US"/>
           </a:p>
@@ -9236,7 +9236,7 @@
           <a:p>
             <a:fld id="{EC4347D3-4C9A-C240-8F14-750059DFEEB0}" type="datetimeFigureOut">
               <a:rPr lang="en-US" smtClean="0"/>
-              <a:t>8/24/23</a:t>
+              <a:t>10/3/23</a:t>
             </a:fld>
             <a:endParaRPr lang="en-US"/>
           </a:p>
@@ -9359,7 +9359,7 @@
           <a:p>
             <a:fld id="{EC4347D3-4C9A-C240-8F14-750059DFEEB0}" type="datetimeFigureOut">
               <a:rPr lang="en-US" smtClean="0"/>
-              <a:t>8/24/23</a:t>
+              <a:t>10/3/23</a:t>
             </a:fld>
             <a:endParaRPr lang="en-US"/>
           </a:p>
@@ -9454,7 +9454,7 @@
           <a:p>
             <a:fld id="{EC4347D3-4C9A-C240-8F14-750059DFEEB0}" type="datetimeFigureOut">
               <a:rPr lang="en-US" smtClean="0"/>
-              <a:t>8/24/23</a:t>
+              <a:t>10/3/23</a:t>
             </a:fld>
             <a:endParaRPr lang="en-US"/>
           </a:p>
@@ -9703,7 +9703,7 @@
           <a:p>
             <a:fld id="{EC4347D3-4C9A-C240-8F14-750059DFEEB0}" type="datetimeFigureOut">
               <a:rPr lang="en-US" smtClean="0"/>
-              <a:t>8/24/23</a:t>
+              <a:t>10/3/23</a:t>
             </a:fld>
             <a:endParaRPr lang="en-US"/>
           </a:p>
@@ -9988,7 +9988,7 @@
           <a:p>
             <a:fld id="{EC4347D3-4C9A-C240-8F14-750059DFEEB0}" type="datetimeFigureOut">
               <a:rPr lang="en-US" smtClean="0"/>
-              <a:t>8/24/23</a:t>
+              <a:t>10/3/23</a:t>
             </a:fld>
             <a:endParaRPr lang="en-US"/>
           </a:p>
@@ -10111,7 +10111,7 @@
           <a:noFill/>
           <a:extLst>
             <a:ext uri="{909E8E84-426E-40dd-AFC4-6F175D3DCCD1}">
-              <a14:hiddenFill xmlns="" xmlns:a14="http://schemas.microsoft.com/office/drawing/2010/main">
+              <a14:hiddenFill xmlns:a14="http://schemas.microsoft.com/office/drawing/2010/main" xmlns="">
                 <a:solidFill>
                   <a:srgbClr val="FFFFFF"/>
                 </a:solidFill>
@@ -10185,7 +10185,7 @@
               </a:ln>
               <a:extLst>
                 <a:ext uri="{91240B29-F687-4f45-9708-019B960494DF}">
-                  <a14:hiddenLine xmlns="" xmlns:a14="http://schemas.microsoft.com/office/drawing/2010/main" w="9525">
+                  <a14:hiddenLine xmlns:a14="http://schemas.microsoft.com/office/drawing/2010/main" xmlns="" w="9525">
                     <a:solidFill>
                       <a:srgbClr val="000000"/>
                     </a:solidFill>
@@ -10275,7 +10275,7 @@
               </a:ln>
               <a:extLst>
                 <a:ext uri="{91240B29-F687-4f45-9708-019B960494DF}">
-                  <a14:hiddenLine xmlns="" xmlns:a14="http://schemas.microsoft.com/office/drawing/2010/main" w="9525">
+                  <a14:hiddenLine xmlns:a14="http://schemas.microsoft.com/office/drawing/2010/main" xmlns="" w="9525">
                     <a:solidFill>
                       <a:srgbClr val="000000"/>
                     </a:solidFill>
@@ -10365,7 +10365,7 @@
               </a:ln>
               <a:extLst>
                 <a:ext uri="{91240B29-F687-4f45-9708-019B960494DF}">
-                  <a14:hiddenLine xmlns="" xmlns:a14="http://schemas.microsoft.com/office/drawing/2010/main" w="9525">
+                  <a14:hiddenLine xmlns:a14="http://schemas.microsoft.com/office/drawing/2010/main" xmlns="" w="9525">
                     <a:solidFill>
                       <a:srgbClr val="000000"/>
                     </a:solidFill>
@@ -10427,7 +10427,7 @@
               </a:ln>
               <a:extLst>
                 <a:ext uri="{91240B29-F687-4f45-9708-019B960494DF}">
-                  <a14:hiddenLine xmlns="" xmlns:a14="http://schemas.microsoft.com/office/drawing/2010/main" w="9525">
+                  <a14:hiddenLine xmlns:a14="http://schemas.microsoft.com/office/drawing/2010/main" xmlns="" w="9525">
                     <a:solidFill>
                       <a:srgbClr val="000000"/>
                     </a:solidFill>
@@ -10517,7 +10517,7 @@
               </a:ln>
               <a:extLst>
                 <a:ext uri="{91240B29-F687-4f45-9708-019B960494DF}">
-                  <a14:hiddenLine xmlns="" xmlns:a14="http://schemas.microsoft.com/office/drawing/2010/main" w="9525">
+                  <a14:hiddenLine xmlns:a14="http://schemas.microsoft.com/office/drawing/2010/main" xmlns="" w="9525">
                     <a:solidFill>
                       <a:srgbClr val="000000"/>
                     </a:solidFill>
@@ -10579,7 +10579,7 @@
               </a:ln>
               <a:extLst>
                 <a:ext uri="{91240B29-F687-4f45-9708-019B960494DF}">
-                  <a14:hiddenLine xmlns="" xmlns:a14="http://schemas.microsoft.com/office/drawing/2010/main" w="9525">
+                  <a14:hiddenLine xmlns:a14="http://schemas.microsoft.com/office/drawing/2010/main" xmlns="" w="9525">
                     <a:solidFill>
                       <a:srgbClr val="000000"/>
                     </a:solidFill>
@@ -10641,7 +10641,7 @@
               </a:ln>
               <a:extLst>
                 <a:ext uri="{91240B29-F687-4f45-9708-019B960494DF}">
-                  <a14:hiddenLine xmlns="" xmlns:a14="http://schemas.microsoft.com/office/drawing/2010/main" w="9525">
+                  <a14:hiddenLine xmlns:a14="http://schemas.microsoft.com/office/drawing/2010/main" xmlns="" w="9525">
                     <a:solidFill>
                       <a:srgbClr val="000000"/>
                     </a:solidFill>
@@ -10731,7 +10731,7 @@
               </a:ln>
               <a:extLst>
                 <a:ext uri="{91240B29-F687-4f45-9708-019B960494DF}">
-                  <a14:hiddenLine xmlns="" xmlns:a14="http://schemas.microsoft.com/office/drawing/2010/main" w="9525">
+                  <a14:hiddenLine xmlns:a14="http://schemas.microsoft.com/office/drawing/2010/main" xmlns="" w="9525">
                     <a:solidFill>
                       <a:srgbClr val="000000"/>
                     </a:solidFill>
@@ -10821,7 +10821,7 @@
               </a:ln>
               <a:extLst>
                 <a:ext uri="{91240B29-F687-4f45-9708-019B960494DF}">
-                  <a14:hiddenLine xmlns="" xmlns:a14="http://schemas.microsoft.com/office/drawing/2010/main" w="9525">
+                  <a14:hiddenLine xmlns:a14="http://schemas.microsoft.com/office/drawing/2010/main" xmlns="" w="9525">
                     <a:solidFill>
                       <a:srgbClr val="000000"/>
                     </a:solidFill>
@@ -10883,7 +10883,7 @@
               </a:ln>
               <a:extLst>
                 <a:ext uri="{91240B29-F687-4f45-9708-019B960494DF}">
-                  <a14:hiddenLine xmlns="" xmlns:a14="http://schemas.microsoft.com/office/drawing/2010/main" w="9525">
+                  <a14:hiddenLine xmlns:a14="http://schemas.microsoft.com/office/drawing/2010/main" xmlns="" w="9525">
                     <a:solidFill>
                       <a:srgbClr val="000000"/>
                     </a:solidFill>
@@ -10993,7 +10993,7 @@
               </a:ln>
               <a:extLst>
                 <a:ext uri="{91240B29-F687-4f45-9708-019B960494DF}">
-                  <a14:hiddenLine xmlns="" xmlns:a14="http://schemas.microsoft.com/office/drawing/2010/main" w="9525">
+                  <a14:hiddenLine xmlns:a14="http://schemas.microsoft.com/office/drawing/2010/main" xmlns="" w="9525">
                     <a:solidFill>
                       <a:srgbClr val="000000"/>
                     </a:solidFill>
@@ -11077,7 +11077,7 @@
               </a:ln>
               <a:extLst>
                 <a:ext uri="{91240B29-F687-4f45-9708-019B960494DF}">
-                  <a14:hiddenLine xmlns="" xmlns:a14="http://schemas.microsoft.com/office/drawing/2010/main" w="9525">
+                  <a14:hiddenLine xmlns:a14="http://schemas.microsoft.com/office/drawing/2010/main" xmlns="" w="9525">
                     <a:solidFill>
                       <a:srgbClr val="000000"/>
                     </a:solidFill>
@@ -11139,7 +11139,7 @@
               </a:ln>
               <a:extLst>
                 <a:ext uri="{91240B29-F687-4f45-9708-019B960494DF}">
-                  <a14:hiddenLine xmlns="" xmlns:a14="http://schemas.microsoft.com/office/drawing/2010/main" w="9525">
+                  <a14:hiddenLine xmlns:a14="http://schemas.microsoft.com/office/drawing/2010/main" xmlns="" w="9525">
                     <a:solidFill>
                       <a:srgbClr val="000000"/>
                     </a:solidFill>
@@ -11201,7 +11201,7 @@
               </a:ln>
               <a:extLst>
                 <a:ext uri="{91240B29-F687-4f45-9708-019B960494DF}">
-                  <a14:hiddenLine xmlns="" xmlns:a14="http://schemas.microsoft.com/office/drawing/2010/main" w="9525">
+                  <a14:hiddenLine xmlns:a14="http://schemas.microsoft.com/office/drawing/2010/main" xmlns="" w="9525">
                     <a:solidFill>
                       <a:srgbClr val="000000"/>
                     </a:solidFill>
@@ -11291,7 +11291,7 @@
               </a:ln>
               <a:extLst>
                 <a:ext uri="{91240B29-F687-4f45-9708-019B960494DF}">
-                  <a14:hiddenLine xmlns="" xmlns:a14="http://schemas.microsoft.com/office/drawing/2010/main" w="9525">
+                  <a14:hiddenLine xmlns:a14="http://schemas.microsoft.com/office/drawing/2010/main" xmlns="" w="9525">
                     <a:solidFill>
                       <a:srgbClr val="000000"/>
                     </a:solidFill>
@@ -11325,7 +11325,7 @@
               </a:ln>
               <a:extLst>
                 <a:ext uri="{91240B29-F687-4f45-9708-019B960494DF}">
-                  <a14:hiddenLine xmlns="" xmlns:a14="http://schemas.microsoft.com/office/drawing/2010/main" w="9525">
+                  <a14:hiddenLine xmlns:a14="http://schemas.microsoft.com/office/drawing/2010/main" xmlns="" w="9525">
                     <a:solidFill>
                       <a:srgbClr val="000000"/>
                     </a:solidFill>
@@ -11390,7 +11390,7 @@
               </a:ln>
               <a:extLst>
                 <a:ext uri="{91240B29-F687-4f45-9708-019B960494DF}">
-                  <a14:hiddenLine xmlns="" xmlns:a14="http://schemas.microsoft.com/office/drawing/2010/main" w="9525">
+                  <a14:hiddenLine xmlns:a14="http://schemas.microsoft.com/office/drawing/2010/main" xmlns="" w="9525">
                     <a:solidFill>
                       <a:srgbClr val="000000"/>
                     </a:solidFill>
@@ -11480,7 +11480,7 @@
               </a:ln>
               <a:extLst>
                 <a:ext uri="{91240B29-F687-4f45-9708-019B960494DF}">
-                  <a14:hiddenLine xmlns="" xmlns:a14="http://schemas.microsoft.com/office/drawing/2010/main" w="9525">
+                  <a14:hiddenLine xmlns:a14="http://schemas.microsoft.com/office/drawing/2010/main" xmlns="" w="9525">
                     <a:solidFill>
                       <a:srgbClr val="000000"/>
                     </a:solidFill>
@@ -11542,7 +11542,7 @@
               </a:ln>
               <a:extLst>
                 <a:ext uri="{91240B29-F687-4f45-9708-019B960494DF}">
-                  <a14:hiddenLine xmlns="" xmlns:a14="http://schemas.microsoft.com/office/drawing/2010/main" w="9525">
+                  <a14:hiddenLine xmlns:a14="http://schemas.microsoft.com/office/drawing/2010/main" xmlns="" w="9525">
                     <a:solidFill>
                       <a:srgbClr val="000000"/>
                     </a:solidFill>
@@ -11632,7 +11632,7 @@
               </a:ln>
               <a:extLst>
                 <a:ext uri="{91240B29-F687-4f45-9708-019B960494DF}">
-                  <a14:hiddenLine xmlns="" xmlns:a14="http://schemas.microsoft.com/office/drawing/2010/main" w="9525">
+                  <a14:hiddenLine xmlns:a14="http://schemas.microsoft.com/office/drawing/2010/main" xmlns="" w="9525">
                     <a:solidFill>
                       <a:srgbClr val="000000"/>
                     </a:solidFill>
@@ -11697,7 +11697,7 @@
               </a:ln>
               <a:extLst>
                 <a:ext uri="{91240B29-F687-4f45-9708-019B960494DF}">
-                  <a14:hiddenLine xmlns="" xmlns:a14="http://schemas.microsoft.com/office/drawing/2010/main" w="9525">
+                  <a14:hiddenLine xmlns:a14="http://schemas.microsoft.com/office/drawing/2010/main" xmlns="" w="9525">
                     <a:solidFill>
                       <a:srgbClr val="000000"/>
                     </a:solidFill>
@@ -11759,7 +11759,7 @@
               </a:ln>
               <a:extLst>
                 <a:ext uri="{91240B29-F687-4f45-9708-019B960494DF}">
-                  <a14:hiddenLine xmlns="" xmlns:a14="http://schemas.microsoft.com/office/drawing/2010/main" w="9525">
+                  <a14:hiddenLine xmlns:a14="http://schemas.microsoft.com/office/drawing/2010/main" xmlns="" w="9525">
                     <a:solidFill>
                       <a:srgbClr val="000000"/>
                     </a:solidFill>
@@ -11849,7 +11849,7 @@
               </a:ln>
               <a:extLst>
                 <a:ext uri="{91240B29-F687-4f45-9708-019B960494DF}">
-                  <a14:hiddenLine xmlns="" xmlns:a14="http://schemas.microsoft.com/office/drawing/2010/main" w="9525">
+                  <a14:hiddenLine xmlns:a14="http://schemas.microsoft.com/office/drawing/2010/main" xmlns="" w="9525">
                     <a:solidFill>
                       <a:srgbClr val="000000"/>
                     </a:solidFill>
@@ -11939,7 +11939,7 @@
               </a:ln>
               <a:extLst>
                 <a:ext uri="{91240B29-F687-4f45-9708-019B960494DF}">
-                  <a14:hiddenLine xmlns="" xmlns:a14="http://schemas.microsoft.com/office/drawing/2010/main" w="9525">
+                  <a14:hiddenLine xmlns:a14="http://schemas.microsoft.com/office/drawing/2010/main" xmlns="" w="9525">
                     <a:solidFill>
                       <a:srgbClr val="000000"/>
                     </a:solidFill>
@@ -12004,7 +12004,7 @@
               </a:ln>
               <a:extLst>
                 <a:ext uri="{91240B29-F687-4f45-9708-019B960494DF}">
-                  <a14:hiddenLine xmlns="" xmlns:a14="http://schemas.microsoft.com/office/drawing/2010/main" w="9525">
+                  <a14:hiddenLine xmlns:a14="http://schemas.microsoft.com/office/drawing/2010/main" xmlns="" w="9525">
                     <a:solidFill>
                       <a:srgbClr val="000000"/>
                     </a:solidFill>
@@ -12124,7 +12124,7 @@
               </a:ln>
               <a:extLst>
                 <a:ext uri="{91240B29-F687-4f45-9708-019B960494DF}">
-                  <a14:hiddenLine xmlns="" xmlns:a14="http://schemas.microsoft.com/office/drawing/2010/main" w="9525">
+                  <a14:hiddenLine xmlns:a14="http://schemas.microsoft.com/office/drawing/2010/main" xmlns="" w="9525">
                     <a:solidFill>
                       <a:srgbClr val="000000"/>
                     </a:solidFill>
@@ -12205,7 +12205,7 @@
               </a:ln>
               <a:extLst>
                 <a:ext uri="{91240B29-F687-4f45-9708-019B960494DF}">
-                  <a14:hiddenLine xmlns="" xmlns:a14="http://schemas.microsoft.com/office/drawing/2010/main" w="9525">
+                  <a14:hiddenLine xmlns:a14="http://schemas.microsoft.com/office/drawing/2010/main" xmlns="" w="9525">
                     <a:solidFill>
                       <a:srgbClr val="000000"/>
                     </a:solidFill>
@@ -12320,7 +12320,7 @@
               </a:ln>
               <a:extLst>
                 <a:ext uri="{91240B29-F687-4f45-9708-019B960494DF}">
-                  <a14:hiddenLine xmlns="" xmlns:a14="http://schemas.microsoft.com/office/drawing/2010/main" w="9525">
+                  <a14:hiddenLine xmlns:a14="http://schemas.microsoft.com/office/drawing/2010/main" xmlns="" w="9525">
                     <a:solidFill>
                       <a:srgbClr val="000000"/>
                     </a:solidFill>
@@ -12410,7 +12410,7 @@
               </a:ln>
               <a:extLst>
                 <a:ext uri="{91240B29-F687-4f45-9708-019B960494DF}">
-                  <a14:hiddenLine xmlns="" xmlns:a14="http://schemas.microsoft.com/office/drawing/2010/main" w="9525">
+                  <a14:hiddenLine xmlns:a14="http://schemas.microsoft.com/office/drawing/2010/main" xmlns="" w="9525">
                     <a:solidFill>
                       <a:srgbClr val="000000"/>
                     </a:solidFill>
@@ -12475,7 +12475,7 @@
               </a:ln>
               <a:extLst>
                 <a:ext uri="{91240B29-F687-4f45-9708-019B960494DF}">
-                  <a14:hiddenLine xmlns="" xmlns:a14="http://schemas.microsoft.com/office/drawing/2010/main" w="9525">
+                  <a14:hiddenLine xmlns:a14="http://schemas.microsoft.com/office/drawing/2010/main" xmlns="" w="9525">
                     <a:solidFill>
                       <a:srgbClr val="000000"/>
                     </a:solidFill>
@@ -12565,7 +12565,7 @@
               </a:ln>
               <a:extLst>
                 <a:ext uri="{91240B29-F687-4f45-9708-019B960494DF}">
-                  <a14:hiddenLine xmlns="" xmlns:a14="http://schemas.microsoft.com/office/drawing/2010/main" w="9525">
+                  <a14:hiddenLine xmlns:a14="http://schemas.microsoft.com/office/drawing/2010/main" xmlns="" w="9525">
                     <a:solidFill>
                       <a:srgbClr val="000000"/>
                     </a:solidFill>
@@ -12633,7 +12633,7 @@
               </a:ln>
               <a:extLst>
                 <a:ext uri="{91240B29-F687-4f45-9708-019B960494DF}">
-                  <a14:hiddenLine xmlns="" xmlns:a14="http://schemas.microsoft.com/office/drawing/2010/main" w="9525">
+                  <a14:hiddenLine xmlns:a14="http://schemas.microsoft.com/office/drawing/2010/main" xmlns="" w="9525">
                     <a:solidFill>
                       <a:srgbClr val="000000"/>
                     </a:solidFill>
@@ -12723,7 +12723,7 @@
               </a:ln>
               <a:extLst>
                 <a:ext uri="{91240B29-F687-4f45-9708-019B960494DF}">
-                  <a14:hiddenLine xmlns="" xmlns:a14="http://schemas.microsoft.com/office/drawing/2010/main" w="9525">
+                  <a14:hiddenLine xmlns:a14="http://schemas.microsoft.com/office/drawing/2010/main" xmlns="" w="9525">
                     <a:solidFill>
                       <a:srgbClr val="000000"/>
                     </a:solidFill>
@@ -12791,7 +12791,7 @@
               </a:ln>
               <a:extLst>
                 <a:ext uri="{91240B29-F687-4f45-9708-019B960494DF}">
-                  <a14:hiddenLine xmlns="" xmlns:a14="http://schemas.microsoft.com/office/drawing/2010/main" w="9525">
+                  <a14:hiddenLine xmlns:a14="http://schemas.microsoft.com/office/drawing/2010/main" xmlns="" w="9525">
                     <a:solidFill>
                       <a:srgbClr val="000000"/>
                     </a:solidFill>
@@ -12881,7 +12881,7 @@
               </a:ln>
               <a:extLst>
                 <a:ext uri="{91240B29-F687-4f45-9708-019B960494DF}">
-                  <a14:hiddenLine xmlns="" xmlns:a14="http://schemas.microsoft.com/office/drawing/2010/main" w="9525">
+                  <a14:hiddenLine xmlns:a14="http://schemas.microsoft.com/office/drawing/2010/main" xmlns="" w="9525">
                     <a:solidFill>
                       <a:srgbClr val="000000"/>
                     </a:solidFill>
@@ -12915,7 +12915,7 @@
               </a:ln>
               <a:extLst>
                 <a:ext uri="{91240B29-F687-4f45-9708-019B960494DF}">
-                  <a14:hiddenLine xmlns="" xmlns:a14="http://schemas.microsoft.com/office/drawing/2010/main" w="9525">
+                  <a14:hiddenLine xmlns:a14="http://schemas.microsoft.com/office/drawing/2010/main" xmlns="" w="9525">
                     <a:solidFill>
                       <a:srgbClr val="000000"/>
                     </a:solidFill>
@@ -13055,7 +13055,7 @@
           <a:p>
             <a:fld id="{EC4347D3-4C9A-C240-8F14-750059DFEEB0}" type="datetimeFigureOut">
               <a:rPr lang="en-US" smtClean="0"/>
-              <a:t>8/24/23</a:t>
+              <a:t>10/3/23</a:t>
             </a:fld>
             <a:endParaRPr lang="en-US"/>
           </a:p>

--- a/slides/01-WhatIsAComputer.pptx
+++ b/slides/01-WhatIsAComputer.pptx
@@ -234,7 +234,7 @@
           <a:p>
             <a:fld id="{C5B45307-6ED4-B142-BD64-10F739779302}" type="datetimeFigureOut">
               <a:rPr lang="en-US" smtClean="0"/>
-              <a:t>10/3/23</a:t>
+              <a:t>1/17/24</a:t>
             </a:fld>
             <a:endParaRPr lang="en-US"/>
           </a:p>
@@ -1197,7 +1197,7 @@
           <a:noFill/>
           <a:extLst>
             <a:ext uri="{909E8E84-426E-40dd-AFC4-6F175D3DCCD1}">
-              <a14:hiddenFill xmlns:a14="http://schemas.microsoft.com/office/drawing/2010/main" xmlns="">
+              <a14:hiddenFill xmlns="" xmlns:a14="http://schemas.microsoft.com/office/drawing/2010/main">
                 <a:solidFill>
                   <a:srgbClr val="FFFFFF"/>
                 </a:solidFill>
@@ -1256,7 +1256,7 @@
             </a:ln>
             <a:extLst>
               <a:ext uri="{91240B29-F687-4f45-9708-019B960494DF}">
-                <a14:hiddenLine xmlns:a14="http://schemas.microsoft.com/office/drawing/2010/main" xmlns="" w="9525">
+                <a14:hiddenLine xmlns="" xmlns:a14="http://schemas.microsoft.com/office/drawing/2010/main" w="9525">
                   <a:solidFill>
                     <a:srgbClr val="000000"/>
                   </a:solidFill>
@@ -1346,7 +1346,7 @@
             </a:ln>
             <a:extLst>
               <a:ext uri="{91240B29-F687-4f45-9708-019B960494DF}">
-                <a14:hiddenLine xmlns:a14="http://schemas.microsoft.com/office/drawing/2010/main" xmlns="" w="9525">
+                <a14:hiddenLine xmlns="" xmlns:a14="http://schemas.microsoft.com/office/drawing/2010/main" w="9525">
                   <a:solidFill>
                     <a:srgbClr val="000000"/>
                   </a:solidFill>
@@ -1436,7 +1436,7 @@
             </a:ln>
             <a:extLst>
               <a:ext uri="{91240B29-F687-4f45-9708-019B960494DF}">
-                <a14:hiddenLine xmlns:a14="http://schemas.microsoft.com/office/drawing/2010/main" xmlns="" w="9525">
+                <a14:hiddenLine xmlns="" xmlns:a14="http://schemas.microsoft.com/office/drawing/2010/main" w="9525">
                   <a:solidFill>
                     <a:srgbClr val="000000"/>
                   </a:solidFill>
@@ -1470,7 +1470,7 @@
             </a:ln>
             <a:extLst>
               <a:ext uri="{91240B29-F687-4f45-9708-019B960494DF}">
-                <a14:hiddenLine xmlns:a14="http://schemas.microsoft.com/office/drawing/2010/main" xmlns="" w="9525">
+                <a14:hiddenLine xmlns="" xmlns:a14="http://schemas.microsoft.com/office/drawing/2010/main" w="9525">
                   <a:solidFill>
                     <a:srgbClr val="000000"/>
                   </a:solidFill>
@@ -1560,7 +1560,7 @@
             </a:ln>
             <a:extLst>
               <a:ext uri="{91240B29-F687-4f45-9708-019B960494DF}">
-                <a14:hiddenLine xmlns:a14="http://schemas.microsoft.com/office/drawing/2010/main" xmlns="" w="9525">
+                <a14:hiddenLine xmlns="" xmlns:a14="http://schemas.microsoft.com/office/drawing/2010/main" w="9525">
                   <a:solidFill>
                     <a:srgbClr val="000000"/>
                   </a:solidFill>
@@ -1622,7 +1622,7 @@
             </a:ln>
             <a:extLst>
               <a:ext uri="{91240B29-F687-4f45-9708-019B960494DF}">
-                <a14:hiddenLine xmlns:a14="http://schemas.microsoft.com/office/drawing/2010/main" xmlns="" w="9525">
+                <a14:hiddenLine xmlns="" xmlns:a14="http://schemas.microsoft.com/office/drawing/2010/main" w="9525">
                   <a:solidFill>
                     <a:srgbClr val="000000"/>
                   </a:solidFill>
@@ -1684,7 +1684,7 @@
             </a:ln>
             <a:extLst>
               <a:ext uri="{91240B29-F687-4f45-9708-019B960494DF}">
-                <a14:hiddenLine xmlns:a14="http://schemas.microsoft.com/office/drawing/2010/main" xmlns="" w="9525">
+                <a14:hiddenLine xmlns="" xmlns:a14="http://schemas.microsoft.com/office/drawing/2010/main" w="9525">
                   <a:solidFill>
                     <a:srgbClr val="000000"/>
                   </a:solidFill>
@@ -1774,7 +1774,7 @@
             </a:ln>
             <a:extLst>
               <a:ext uri="{91240B29-F687-4f45-9708-019B960494DF}">
-                <a14:hiddenLine xmlns:a14="http://schemas.microsoft.com/office/drawing/2010/main" xmlns="" w="9525">
+                <a14:hiddenLine xmlns="" xmlns:a14="http://schemas.microsoft.com/office/drawing/2010/main" w="9525">
                   <a:solidFill>
                     <a:srgbClr val="000000"/>
                   </a:solidFill>
@@ -1836,7 +1836,7 @@
             </a:ln>
             <a:extLst>
               <a:ext uri="{91240B29-F687-4f45-9708-019B960494DF}">
-                <a14:hiddenLine xmlns:a14="http://schemas.microsoft.com/office/drawing/2010/main" xmlns="" w="9525">
+                <a14:hiddenLine xmlns="" xmlns:a14="http://schemas.microsoft.com/office/drawing/2010/main" w="9525">
                   <a:solidFill>
                     <a:srgbClr val="000000"/>
                   </a:solidFill>
@@ -1898,7 +1898,7 @@
             </a:ln>
             <a:extLst>
               <a:ext uri="{91240B29-F687-4f45-9708-019B960494DF}">
-                <a14:hiddenLine xmlns:a14="http://schemas.microsoft.com/office/drawing/2010/main" xmlns="" w="9525">
+                <a14:hiddenLine xmlns="" xmlns:a14="http://schemas.microsoft.com/office/drawing/2010/main" w="9525">
                   <a:solidFill>
                     <a:srgbClr val="000000"/>
                   </a:solidFill>
@@ -1988,7 +1988,7 @@
             </a:ln>
             <a:extLst>
               <a:ext uri="{91240B29-F687-4f45-9708-019B960494DF}">
-                <a14:hiddenLine xmlns:a14="http://schemas.microsoft.com/office/drawing/2010/main" xmlns="" w="9525">
+                <a14:hiddenLine xmlns="" xmlns:a14="http://schemas.microsoft.com/office/drawing/2010/main" w="9525">
                   <a:solidFill>
                     <a:srgbClr val="000000"/>
                   </a:solidFill>
@@ -2078,7 +2078,7 @@
             </a:ln>
             <a:extLst>
               <a:ext uri="{91240B29-F687-4f45-9708-019B960494DF}">
-                <a14:hiddenLine xmlns:a14="http://schemas.microsoft.com/office/drawing/2010/main" xmlns="" w="9525">
+                <a14:hiddenLine xmlns="" xmlns:a14="http://schemas.microsoft.com/office/drawing/2010/main" w="9525">
                   <a:solidFill>
                     <a:srgbClr val="000000"/>
                   </a:solidFill>
@@ -2140,7 +2140,7 @@
             </a:ln>
             <a:extLst>
               <a:ext uri="{91240B29-F687-4f45-9708-019B960494DF}">
-                <a14:hiddenLine xmlns:a14="http://schemas.microsoft.com/office/drawing/2010/main" xmlns="" w="9525">
+                <a14:hiddenLine xmlns="" xmlns:a14="http://schemas.microsoft.com/office/drawing/2010/main" w="9525">
                   <a:solidFill>
                     <a:srgbClr val="000000"/>
                   </a:solidFill>
@@ -2250,7 +2250,7 @@
             </a:ln>
             <a:extLst>
               <a:ext uri="{91240B29-F687-4f45-9708-019B960494DF}">
-                <a14:hiddenLine xmlns:a14="http://schemas.microsoft.com/office/drawing/2010/main" xmlns="" w="9525">
+                <a14:hiddenLine xmlns="" xmlns:a14="http://schemas.microsoft.com/office/drawing/2010/main" w="9525">
                   <a:solidFill>
                     <a:srgbClr val="000000"/>
                   </a:solidFill>
@@ -2312,7 +2312,7 @@
             </a:ln>
             <a:extLst>
               <a:ext uri="{91240B29-F687-4f45-9708-019B960494DF}">
-                <a14:hiddenLine xmlns:a14="http://schemas.microsoft.com/office/drawing/2010/main" xmlns="" w="9525">
+                <a14:hiddenLine xmlns="" xmlns:a14="http://schemas.microsoft.com/office/drawing/2010/main" w="9525">
                   <a:solidFill>
                     <a:srgbClr val="000000"/>
                   </a:solidFill>
@@ -2402,7 +2402,7 @@
             </a:ln>
             <a:extLst>
               <a:ext uri="{91240B29-F687-4f45-9708-019B960494DF}">
-                <a14:hiddenLine xmlns:a14="http://schemas.microsoft.com/office/drawing/2010/main" xmlns="" w="9525">
+                <a14:hiddenLine xmlns="" xmlns:a14="http://schemas.microsoft.com/office/drawing/2010/main" w="9525">
                   <a:solidFill>
                     <a:srgbClr val="000000"/>
                   </a:solidFill>
@@ -2492,7 +2492,7 @@
             </a:ln>
             <a:extLst>
               <a:ext uri="{91240B29-F687-4f45-9708-019B960494DF}">
-                <a14:hiddenLine xmlns:a14="http://schemas.microsoft.com/office/drawing/2010/main" xmlns="" w="9525">
+                <a14:hiddenLine xmlns="" xmlns:a14="http://schemas.microsoft.com/office/drawing/2010/main" w="9525">
                   <a:solidFill>
                     <a:srgbClr val="000000"/>
                   </a:solidFill>
@@ -2554,7 +2554,7 @@
             </a:ln>
             <a:extLst>
               <a:ext uri="{91240B29-F687-4f45-9708-019B960494DF}">
-                <a14:hiddenLine xmlns:a14="http://schemas.microsoft.com/office/drawing/2010/main" xmlns="" w="9525">
+                <a14:hiddenLine xmlns="" xmlns:a14="http://schemas.microsoft.com/office/drawing/2010/main" w="9525">
                   <a:solidFill>
                     <a:srgbClr val="000000"/>
                   </a:solidFill>
@@ -2644,7 +2644,7 @@
             </a:ln>
             <a:extLst>
               <a:ext uri="{91240B29-F687-4f45-9708-019B960494DF}">
-                <a14:hiddenLine xmlns:a14="http://schemas.microsoft.com/office/drawing/2010/main" xmlns="" w="9525">
+                <a14:hiddenLine xmlns="" xmlns:a14="http://schemas.microsoft.com/office/drawing/2010/main" w="9525">
                   <a:solidFill>
                     <a:srgbClr val="000000"/>
                   </a:solidFill>
@@ -2734,7 +2734,7 @@
             </a:ln>
             <a:extLst>
               <a:ext uri="{91240B29-F687-4f45-9708-019B960494DF}">
-                <a14:hiddenLine xmlns:a14="http://schemas.microsoft.com/office/drawing/2010/main" xmlns="" w="9525">
+                <a14:hiddenLine xmlns="" xmlns:a14="http://schemas.microsoft.com/office/drawing/2010/main" w="9525">
                   <a:solidFill>
                     <a:srgbClr val="000000"/>
                   </a:solidFill>
@@ -2790,7 +2790,7 @@
             </a:ln>
             <a:extLst>
               <a:ext uri="{91240B29-F687-4f45-9708-019B960494DF}">
-                <a14:hiddenLine xmlns:a14="http://schemas.microsoft.com/office/drawing/2010/main" xmlns="" w="9525">
+                <a14:hiddenLine xmlns="" xmlns:a14="http://schemas.microsoft.com/office/drawing/2010/main" w="9525">
                   <a:solidFill>
                     <a:srgbClr val="000000"/>
                   </a:solidFill>
@@ -2880,7 +2880,7 @@
             </a:ln>
             <a:extLst>
               <a:ext uri="{91240B29-F687-4f45-9708-019B960494DF}">
-                <a14:hiddenLine xmlns:a14="http://schemas.microsoft.com/office/drawing/2010/main" xmlns="" w="9525">
+                <a14:hiddenLine xmlns="" xmlns:a14="http://schemas.microsoft.com/office/drawing/2010/main" w="9525">
                   <a:solidFill>
                     <a:srgbClr val="000000"/>
                   </a:solidFill>
@@ -2936,7 +2936,7 @@
             </a:ln>
             <a:extLst>
               <a:ext uri="{91240B29-F687-4f45-9708-019B960494DF}">
-                <a14:hiddenLine xmlns:a14="http://schemas.microsoft.com/office/drawing/2010/main" xmlns="" w="9525">
+                <a14:hiddenLine xmlns="" xmlns:a14="http://schemas.microsoft.com/office/drawing/2010/main" w="9525">
                   <a:solidFill>
                     <a:srgbClr val="000000"/>
                   </a:solidFill>
@@ -3026,7 +3026,7 @@
             </a:ln>
             <a:extLst>
               <a:ext uri="{91240B29-F687-4f45-9708-019B960494DF}">
-                <a14:hiddenLine xmlns:a14="http://schemas.microsoft.com/office/drawing/2010/main" xmlns="" w="9525">
+                <a14:hiddenLine xmlns="" xmlns:a14="http://schemas.microsoft.com/office/drawing/2010/main" w="9525">
                   <a:solidFill>
                     <a:srgbClr val="000000"/>
                   </a:solidFill>
@@ -3094,7 +3094,7 @@
             </a:ln>
             <a:extLst>
               <a:ext uri="{91240B29-F687-4f45-9708-019B960494DF}">
-                <a14:hiddenLine xmlns:a14="http://schemas.microsoft.com/office/drawing/2010/main" xmlns="" w="9525">
+                <a14:hiddenLine xmlns="" xmlns:a14="http://schemas.microsoft.com/office/drawing/2010/main" w="9525">
                   <a:solidFill>
                     <a:srgbClr val="000000"/>
                   </a:solidFill>
@@ -3184,7 +3184,7 @@
             </a:ln>
             <a:extLst>
               <a:ext uri="{91240B29-F687-4f45-9708-019B960494DF}">
-                <a14:hiddenLine xmlns:a14="http://schemas.microsoft.com/office/drawing/2010/main" xmlns="" w="9525">
+                <a14:hiddenLine xmlns="" xmlns:a14="http://schemas.microsoft.com/office/drawing/2010/main" w="9525">
                   <a:solidFill>
                     <a:srgbClr val="000000"/>
                   </a:solidFill>
@@ -3252,7 +3252,7 @@
             </a:ln>
             <a:extLst>
               <a:ext uri="{91240B29-F687-4f45-9708-019B960494DF}">
-                <a14:hiddenLine xmlns:a14="http://schemas.microsoft.com/office/drawing/2010/main" xmlns="" w="9525">
+                <a14:hiddenLine xmlns="" xmlns:a14="http://schemas.microsoft.com/office/drawing/2010/main" w="9525">
                   <a:solidFill>
                     <a:srgbClr val="000000"/>
                   </a:solidFill>
@@ -3342,7 +3342,7 @@
             </a:ln>
             <a:extLst>
               <a:ext uri="{91240B29-F687-4f45-9708-019B960494DF}">
-                <a14:hiddenLine xmlns:a14="http://schemas.microsoft.com/office/drawing/2010/main" xmlns="" w="9525">
+                <a14:hiddenLine xmlns="" xmlns:a14="http://schemas.microsoft.com/office/drawing/2010/main" w="9525">
                   <a:solidFill>
                     <a:srgbClr val="000000"/>
                   </a:solidFill>
@@ -3376,7 +3376,7 @@
             </a:ln>
             <a:extLst>
               <a:ext uri="{91240B29-F687-4f45-9708-019B960494DF}">
-                <a14:hiddenLine xmlns:a14="http://schemas.microsoft.com/office/drawing/2010/main" xmlns="" w="9525">
+                <a14:hiddenLine xmlns="" xmlns:a14="http://schemas.microsoft.com/office/drawing/2010/main" w="9525">
                   <a:solidFill>
                     <a:srgbClr val="000000"/>
                   </a:solidFill>
@@ -3466,7 +3466,7 @@
             </a:ln>
             <a:extLst>
               <a:ext uri="{91240B29-F687-4f45-9708-019B960494DF}">
-                <a14:hiddenLine xmlns:a14="http://schemas.microsoft.com/office/drawing/2010/main" xmlns="" w="9525">
+                <a14:hiddenLine xmlns="" xmlns:a14="http://schemas.microsoft.com/office/drawing/2010/main" w="9525">
                   <a:solidFill>
                     <a:srgbClr val="000000"/>
                   </a:solidFill>
@@ -3528,7 +3528,7 @@
             </a:ln>
             <a:extLst>
               <a:ext uri="{91240B29-F687-4f45-9708-019B960494DF}">
-                <a14:hiddenLine xmlns:a14="http://schemas.microsoft.com/office/drawing/2010/main" xmlns="" w="9525">
+                <a14:hiddenLine xmlns="" xmlns:a14="http://schemas.microsoft.com/office/drawing/2010/main" w="9525">
                   <a:solidFill>
                     <a:srgbClr val="000000"/>
                   </a:solidFill>
@@ -3590,7 +3590,7 @@
             </a:ln>
             <a:extLst>
               <a:ext uri="{91240B29-F687-4f45-9708-019B960494DF}">
-                <a14:hiddenLine xmlns:a14="http://schemas.microsoft.com/office/drawing/2010/main" xmlns="" w="9525">
+                <a14:hiddenLine xmlns="" xmlns:a14="http://schemas.microsoft.com/office/drawing/2010/main" w="9525">
                   <a:solidFill>
                     <a:srgbClr val="000000"/>
                   </a:solidFill>
@@ -3680,7 +3680,7 @@
             </a:ln>
             <a:extLst>
               <a:ext uri="{91240B29-F687-4f45-9708-019B960494DF}">
-                <a14:hiddenLine xmlns:a14="http://schemas.microsoft.com/office/drawing/2010/main" xmlns="" w="9525">
+                <a14:hiddenLine xmlns="" xmlns:a14="http://schemas.microsoft.com/office/drawing/2010/main" w="9525">
                   <a:solidFill>
                     <a:srgbClr val="000000"/>
                   </a:solidFill>
@@ -3748,7 +3748,7 @@
             </a:ln>
             <a:extLst>
               <a:ext uri="{91240B29-F687-4f45-9708-019B960494DF}">
-                <a14:hiddenLine xmlns:a14="http://schemas.microsoft.com/office/drawing/2010/main" xmlns="" w="9525">
+                <a14:hiddenLine xmlns="" xmlns:a14="http://schemas.microsoft.com/office/drawing/2010/main" w="9525">
                   <a:solidFill>
                     <a:srgbClr val="000000"/>
                   </a:solidFill>
@@ -3810,7 +3810,7 @@
             </a:ln>
             <a:extLst>
               <a:ext uri="{91240B29-F687-4f45-9708-019B960494DF}">
-                <a14:hiddenLine xmlns:a14="http://schemas.microsoft.com/office/drawing/2010/main" xmlns="" w="9525">
+                <a14:hiddenLine xmlns="" xmlns:a14="http://schemas.microsoft.com/office/drawing/2010/main" w="9525">
                   <a:solidFill>
                     <a:srgbClr val="000000"/>
                   </a:solidFill>
@@ -3900,7 +3900,7 @@
             </a:ln>
             <a:extLst>
               <a:ext uri="{91240B29-F687-4f45-9708-019B960494DF}">
-                <a14:hiddenLine xmlns:a14="http://schemas.microsoft.com/office/drawing/2010/main" xmlns="" w="9525">
+                <a14:hiddenLine xmlns="" xmlns:a14="http://schemas.microsoft.com/office/drawing/2010/main" w="9525">
                   <a:solidFill>
                     <a:srgbClr val="000000"/>
                   </a:solidFill>
@@ -3962,7 +3962,7 @@
             </a:ln>
             <a:extLst>
               <a:ext uri="{91240B29-F687-4f45-9708-019B960494DF}">
-                <a14:hiddenLine xmlns:a14="http://schemas.microsoft.com/office/drawing/2010/main" xmlns="" w="9525">
+                <a14:hiddenLine xmlns="" xmlns:a14="http://schemas.microsoft.com/office/drawing/2010/main" w="9525">
                   <a:solidFill>
                     <a:srgbClr val="000000"/>
                   </a:solidFill>
@@ -4052,7 +4052,7 @@
             </a:ln>
             <a:extLst>
               <a:ext uri="{91240B29-F687-4f45-9708-019B960494DF}">
-                <a14:hiddenLine xmlns:a14="http://schemas.microsoft.com/office/drawing/2010/main" xmlns="" w="9525">
+                <a14:hiddenLine xmlns="" xmlns:a14="http://schemas.microsoft.com/office/drawing/2010/main" w="9525">
                   <a:solidFill>
                     <a:srgbClr val="000000"/>
                   </a:solidFill>
@@ -4114,7 +4114,7 @@
             </a:ln>
             <a:extLst>
               <a:ext uri="{91240B29-F687-4f45-9708-019B960494DF}">
-                <a14:hiddenLine xmlns:a14="http://schemas.microsoft.com/office/drawing/2010/main" xmlns="" w="9525">
+                <a14:hiddenLine xmlns="" xmlns:a14="http://schemas.microsoft.com/office/drawing/2010/main" w="9525">
                   <a:solidFill>
                     <a:srgbClr val="000000"/>
                   </a:solidFill>
@@ -4204,7 +4204,7 @@
             </a:ln>
             <a:extLst>
               <a:ext uri="{91240B29-F687-4f45-9708-019B960494DF}">
-                <a14:hiddenLine xmlns:a14="http://schemas.microsoft.com/office/drawing/2010/main" xmlns="" w="9525">
+                <a14:hiddenLine xmlns="" xmlns:a14="http://schemas.microsoft.com/office/drawing/2010/main" w="9525">
                   <a:solidFill>
                     <a:srgbClr val="000000"/>
                   </a:solidFill>
@@ -4238,7 +4238,7 @@
             </a:ln>
             <a:extLst>
               <a:ext uri="{91240B29-F687-4f45-9708-019B960494DF}">
-                <a14:hiddenLine xmlns:a14="http://schemas.microsoft.com/office/drawing/2010/main" xmlns="" w="9525">
+                <a14:hiddenLine xmlns="" xmlns:a14="http://schemas.microsoft.com/office/drawing/2010/main" w="9525">
                   <a:solidFill>
                     <a:srgbClr val="000000"/>
                   </a:solidFill>
@@ -4303,7 +4303,7 @@
             </a:ln>
             <a:extLst>
               <a:ext uri="{91240B29-F687-4f45-9708-019B960494DF}">
-                <a14:hiddenLine xmlns:a14="http://schemas.microsoft.com/office/drawing/2010/main" xmlns="" w="9525">
+                <a14:hiddenLine xmlns="" xmlns:a14="http://schemas.microsoft.com/office/drawing/2010/main" w="9525">
                   <a:solidFill>
                     <a:srgbClr val="000000"/>
                   </a:solidFill>
@@ -4393,7 +4393,7 @@
             </a:ln>
             <a:extLst>
               <a:ext uri="{91240B29-F687-4f45-9708-019B960494DF}">
-                <a14:hiddenLine xmlns:a14="http://schemas.microsoft.com/office/drawing/2010/main" xmlns="" w="9525">
+                <a14:hiddenLine xmlns="" xmlns:a14="http://schemas.microsoft.com/office/drawing/2010/main" w="9525">
                   <a:solidFill>
                     <a:srgbClr val="000000"/>
                   </a:solidFill>
@@ -4455,7 +4455,7 @@
             </a:ln>
             <a:extLst>
               <a:ext uri="{91240B29-F687-4f45-9708-019B960494DF}">
-                <a14:hiddenLine xmlns:a14="http://schemas.microsoft.com/office/drawing/2010/main" xmlns="" w="9525">
+                <a14:hiddenLine xmlns="" xmlns:a14="http://schemas.microsoft.com/office/drawing/2010/main" w="9525">
                   <a:solidFill>
                     <a:srgbClr val="000000"/>
                   </a:solidFill>
@@ -4545,7 +4545,7 @@
             </a:ln>
             <a:extLst>
               <a:ext uri="{91240B29-F687-4f45-9708-019B960494DF}">
-                <a14:hiddenLine xmlns:a14="http://schemas.microsoft.com/office/drawing/2010/main" xmlns="" w="9525">
+                <a14:hiddenLine xmlns="" xmlns:a14="http://schemas.microsoft.com/office/drawing/2010/main" w="9525">
                   <a:solidFill>
                     <a:srgbClr val="000000"/>
                   </a:solidFill>
@@ -4635,7 +4635,7 @@
             </a:ln>
             <a:extLst>
               <a:ext uri="{91240B29-F687-4f45-9708-019B960494DF}">
-                <a14:hiddenLine xmlns:a14="http://schemas.microsoft.com/office/drawing/2010/main" xmlns="" w="9525">
+                <a14:hiddenLine xmlns="" xmlns:a14="http://schemas.microsoft.com/office/drawing/2010/main" w="9525">
                   <a:solidFill>
                     <a:srgbClr val="000000"/>
                   </a:solidFill>
@@ -4700,7 +4700,7 @@
             </a:ln>
             <a:extLst>
               <a:ext uri="{91240B29-F687-4f45-9708-019B960494DF}">
-                <a14:hiddenLine xmlns:a14="http://schemas.microsoft.com/office/drawing/2010/main" xmlns="" w="9525">
+                <a14:hiddenLine xmlns="" xmlns:a14="http://schemas.microsoft.com/office/drawing/2010/main" w="9525">
                   <a:solidFill>
                     <a:srgbClr val="000000"/>
                   </a:solidFill>
@@ -4762,7 +4762,7 @@
             </a:ln>
             <a:extLst>
               <a:ext uri="{91240B29-F687-4f45-9708-019B960494DF}">
-                <a14:hiddenLine xmlns:a14="http://schemas.microsoft.com/office/drawing/2010/main" xmlns="" w="9525">
+                <a14:hiddenLine xmlns="" xmlns:a14="http://schemas.microsoft.com/office/drawing/2010/main" w="9525">
                   <a:solidFill>
                     <a:srgbClr val="000000"/>
                   </a:solidFill>
@@ -4852,7 +4852,7 @@
             </a:ln>
             <a:extLst>
               <a:ext uri="{91240B29-F687-4f45-9708-019B960494DF}">
-                <a14:hiddenLine xmlns:a14="http://schemas.microsoft.com/office/drawing/2010/main" xmlns="" w="9525">
+                <a14:hiddenLine xmlns="" xmlns:a14="http://schemas.microsoft.com/office/drawing/2010/main" w="9525">
                   <a:solidFill>
                     <a:srgbClr val="000000"/>
                   </a:solidFill>
@@ -4942,7 +4942,7 @@
             </a:ln>
             <a:extLst>
               <a:ext uri="{91240B29-F687-4f45-9708-019B960494DF}">
-                <a14:hiddenLine xmlns:a14="http://schemas.microsoft.com/office/drawing/2010/main" xmlns="" w="9525">
+                <a14:hiddenLine xmlns="" xmlns:a14="http://schemas.microsoft.com/office/drawing/2010/main" w="9525">
                   <a:solidFill>
                     <a:srgbClr val="000000"/>
                   </a:solidFill>
@@ -5004,7 +5004,7 @@
             </a:ln>
             <a:extLst>
               <a:ext uri="{91240B29-F687-4f45-9708-019B960494DF}">
-                <a14:hiddenLine xmlns:a14="http://schemas.microsoft.com/office/drawing/2010/main" xmlns="" w="9525">
+                <a14:hiddenLine xmlns="" xmlns:a14="http://schemas.microsoft.com/office/drawing/2010/main" w="9525">
                   <a:solidFill>
                     <a:srgbClr val="000000"/>
                   </a:solidFill>
@@ -5124,7 +5124,7 @@
             </a:ln>
             <a:extLst>
               <a:ext uri="{91240B29-F687-4f45-9708-019B960494DF}">
-                <a14:hiddenLine xmlns:a14="http://schemas.microsoft.com/office/drawing/2010/main" xmlns="" w="9525">
+                <a14:hiddenLine xmlns="" xmlns:a14="http://schemas.microsoft.com/office/drawing/2010/main" w="9525">
                   <a:solidFill>
                     <a:srgbClr val="000000"/>
                   </a:solidFill>
@@ -5192,7 +5192,7 @@
             </a:ln>
             <a:extLst>
               <a:ext uri="{91240B29-F687-4f45-9708-019B960494DF}">
-                <a14:hiddenLine xmlns:a14="http://schemas.microsoft.com/office/drawing/2010/main" xmlns="" w="9525">
+                <a14:hiddenLine xmlns="" xmlns:a14="http://schemas.microsoft.com/office/drawing/2010/main" w="9525">
                   <a:solidFill>
                     <a:srgbClr val="000000"/>
                   </a:solidFill>
@@ -5282,7 +5282,7 @@
             </a:ln>
             <a:extLst>
               <a:ext uri="{91240B29-F687-4f45-9708-019B960494DF}">
-                <a14:hiddenLine xmlns:a14="http://schemas.microsoft.com/office/drawing/2010/main" xmlns="" w="9525">
+                <a14:hiddenLine xmlns="" xmlns:a14="http://schemas.microsoft.com/office/drawing/2010/main" w="9525">
                   <a:solidFill>
                     <a:srgbClr val="000000"/>
                   </a:solidFill>
@@ -5422,7 +5422,7 @@
           <a:p>
             <a:fld id="{EC4347D3-4C9A-C240-8F14-750059DFEEB0}" type="datetimeFigureOut">
               <a:rPr lang="en-US" smtClean="0"/>
-              <a:t>10/3/23</a:t>
+              <a:t>1/17/24</a:t>
             </a:fld>
             <a:endParaRPr lang="en-US"/>
           </a:p>
@@ -5689,7 +5689,7 @@
           <a:p>
             <a:fld id="{EC4347D3-4C9A-C240-8F14-750059DFEEB0}" type="datetimeFigureOut">
               <a:rPr lang="en-US" smtClean="0"/>
-              <a:t>10/3/23</a:t>
+              <a:t>1/17/24</a:t>
             </a:fld>
             <a:endParaRPr lang="en-US"/>
           </a:p>
@@ -5885,7 +5885,7 @@
           <a:p>
             <a:fld id="{EC4347D3-4C9A-C240-8F14-750059DFEEB0}" type="datetimeFigureOut">
               <a:rPr lang="en-US" smtClean="0"/>
-              <a:t>10/3/23</a:t>
+              <a:t>1/17/24</a:t>
             </a:fld>
             <a:endParaRPr lang="en-US"/>
           </a:p>
@@ -6148,7 +6148,7 @@
           <a:p>
             <a:fld id="{EC4347D3-4C9A-C240-8F14-750059DFEEB0}" type="datetimeFigureOut">
               <a:rPr lang="en-US" smtClean="0"/>
-              <a:t>10/3/23</a:t>
+              <a:t>1/17/24</a:t>
             </a:fld>
             <a:endParaRPr lang="en-US"/>
           </a:p>
@@ -6582,7 +6582,7 @@
           <a:p>
             <a:fld id="{EC4347D3-4C9A-C240-8F14-750059DFEEB0}" type="datetimeFigureOut">
               <a:rPr lang="en-US" smtClean="0"/>
-              <a:t>10/3/23</a:t>
+              <a:t>1/17/24</a:t>
             </a:fld>
             <a:endParaRPr lang="en-US"/>
           </a:p>
@@ -7128,7 +7128,7 @@
           <a:p>
             <a:fld id="{EC4347D3-4C9A-C240-8F14-750059DFEEB0}" type="datetimeFigureOut">
               <a:rPr lang="en-US" smtClean="0"/>
-              <a:t>10/3/23</a:t>
+              <a:t>1/17/24</a:t>
             </a:fld>
             <a:endParaRPr lang="en-US"/>
           </a:p>
@@ -7848,7 +7848,7 @@
           <a:p>
             <a:fld id="{EC4347D3-4C9A-C240-8F14-750059DFEEB0}" type="datetimeFigureOut">
               <a:rPr lang="en-US" smtClean="0"/>
-              <a:t>10/3/23</a:t>
+              <a:t>1/17/24</a:t>
             </a:fld>
             <a:endParaRPr lang="en-US"/>
           </a:p>
@@ -8018,7 +8018,7 @@
           <a:p>
             <a:fld id="{EC4347D3-4C9A-C240-8F14-750059DFEEB0}" type="datetimeFigureOut">
               <a:rPr lang="en-US" smtClean="0"/>
-              <a:t>10/3/23</a:t>
+              <a:t>1/17/24</a:t>
             </a:fld>
             <a:endParaRPr lang="en-US"/>
           </a:p>
@@ -8198,7 +8198,7 @@
           <a:p>
             <a:fld id="{EC4347D3-4C9A-C240-8F14-750059DFEEB0}" type="datetimeFigureOut">
               <a:rPr lang="en-US" smtClean="0"/>
-              <a:t>10/3/23</a:t>
+              <a:t>1/17/24</a:t>
             </a:fld>
             <a:endParaRPr lang="en-US"/>
           </a:p>
@@ -8368,7 +8368,7 @@
           <a:p>
             <a:fld id="{EC4347D3-4C9A-C240-8F14-750059DFEEB0}" type="datetimeFigureOut">
               <a:rPr lang="en-US" smtClean="0"/>
-              <a:t>10/3/23</a:t>
+              <a:t>1/17/24</a:t>
             </a:fld>
             <a:endParaRPr lang="en-US"/>
           </a:p>
@@ -8618,7 +8618,7 @@
           <a:p>
             <a:fld id="{EC4347D3-4C9A-C240-8F14-750059DFEEB0}" type="datetimeFigureOut">
               <a:rPr lang="en-US" smtClean="0"/>
-              <a:t>10/3/23</a:t>
+              <a:t>1/17/24</a:t>
             </a:fld>
             <a:endParaRPr lang="en-US"/>
           </a:p>
@@ -8850,7 +8850,7 @@
           <a:p>
             <a:fld id="{EC4347D3-4C9A-C240-8F14-750059DFEEB0}" type="datetimeFigureOut">
               <a:rPr lang="en-US" smtClean="0"/>
-              <a:t>10/3/23</a:t>
+              <a:t>1/17/24</a:t>
             </a:fld>
             <a:endParaRPr lang="en-US"/>
           </a:p>
@@ -9236,7 +9236,7 @@
           <a:p>
             <a:fld id="{EC4347D3-4C9A-C240-8F14-750059DFEEB0}" type="datetimeFigureOut">
               <a:rPr lang="en-US" smtClean="0"/>
-              <a:t>10/3/23</a:t>
+              <a:t>1/17/24</a:t>
             </a:fld>
             <a:endParaRPr lang="en-US"/>
           </a:p>
@@ -9359,7 +9359,7 @@
           <a:p>
             <a:fld id="{EC4347D3-4C9A-C240-8F14-750059DFEEB0}" type="datetimeFigureOut">
               <a:rPr lang="en-US" smtClean="0"/>
-              <a:t>10/3/23</a:t>
+              <a:t>1/17/24</a:t>
             </a:fld>
             <a:endParaRPr lang="en-US"/>
           </a:p>
@@ -9454,7 +9454,7 @@
           <a:p>
             <a:fld id="{EC4347D3-4C9A-C240-8F14-750059DFEEB0}" type="datetimeFigureOut">
               <a:rPr lang="en-US" smtClean="0"/>
-              <a:t>10/3/23</a:t>
+              <a:t>1/17/24</a:t>
             </a:fld>
             <a:endParaRPr lang="en-US"/>
           </a:p>
@@ -9703,7 +9703,7 @@
           <a:p>
             <a:fld id="{EC4347D3-4C9A-C240-8F14-750059DFEEB0}" type="datetimeFigureOut">
               <a:rPr lang="en-US" smtClean="0"/>
-              <a:t>10/3/23</a:t>
+              <a:t>1/17/24</a:t>
             </a:fld>
             <a:endParaRPr lang="en-US"/>
           </a:p>
@@ -9988,7 +9988,7 @@
           <a:p>
             <a:fld id="{EC4347D3-4C9A-C240-8F14-750059DFEEB0}" type="datetimeFigureOut">
               <a:rPr lang="en-US" smtClean="0"/>
-              <a:t>10/3/23</a:t>
+              <a:t>1/17/24</a:t>
             </a:fld>
             <a:endParaRPr lang="en-US"/>
           </a:p>
@@ -10111,7 +10111,7 @@
           <a:noFill/>
           <a:extLst>
             <a:ext uri="{909E8E84-426E-40dd-AFC4-6F175D3DCCD1}">
-              <a14:hiddenFill xmlns:a14="http://schemas.microsoft.com/office/drawing/2010/main" xmlns="">
+              <a14:hiddenFill xmlns="" xmlns:a14="http://schemas.microsoft.com/office/drawing/2010/main">
                 <a:solidFill>
                   <a:srgbClr val="FFFFFF"/>
                 </a:solidFill>
@@ -10185,7 +10185,7 @@
               </a:ln>
               <a:extLst>
                 <a:ext uri="{91240B29-F687-4f45-9708-019B960494DF}">
-                  <a14:hiddenLine xmlns:a14="http://schemas.microsoft.com/office/drawing/2010/main" xmlns="" w="9525">
+                  <a14:hiddenLine xmlns="" xmlns:a14="http://schemas.microsoft.com/office/drawing/2010/main" w="9525">
                     <a:solidFill>
                       <a:srgbClr val="000000"/>
                     </a:solidFill>
@@ -10275,7 +10275,7 @@
               </a:ln>
               <a:extLst>
                 <a:ext uri="{91240B29-F687-4f45-9708-019B960494DF}">
-                  <a14:hiddenLine xmlns:a14="http://schemas.microsoft.com/office/drawing/2010/main" xmlns="" w="9525">
+                  <a14:hiddenLine xmlns="" xmlns:a14="http://schemas.microsoft.com/office/drawing/2010/main" w="9525">
                     <a:solidFill>
                       <a:srgbClr val="000000"/>
                     </a:solidFill>
@@ -10365,7 +10365,7 @@
               </a:ln>
               <a:extLst>
                 <a:ext uri="{91240B29-F687-4f45-9708-019B960494DF}">
-                  <a14:hiddenLine xmlns:a14="http://schemas.microsoft.com/office/drawing/2010/main" xmlns="" w="9525">
+                  <a14:hiddenLine xmlns="" xmlns:a14="http://schemas.microsoft.com/office/drawing/2010/main" w="9525">
                     <a:solidFill>
                       <a:srgbClr val="000000"/>
                     </a:solidFill>
@@ -10427,7 +10427,7 @@
               </a:ln>
               <a:extLst>
                 <a:ext uri="{91240B29-F687-4f45-9708-019B960494DF}">
-                  <a14:hiddenLine xmlns:a14="http://schemas.microsoft.com/office/drawing/2010/main" xmlns="" w="9525">
+                  <a14:hiddenLine xmlns="" xmlns:a14="http://schemas.microsoft.com/office/drawing/2010/main" w="9525">
                     <a:solidFill>
                       <a:srgbClr val="000000"/>
                     </a:solidFill>
@@ -10517,7 +10517,7 @@
               </a:ln>
               <a:extLst>
                 <a:ext uri="{91240B29-F687-4f45-9708-019B960494DF}">
-                  <a14:hiddenLine xmlns:a14="http://schemas.microsoft.com/office/drawing/2010/main" xmlns="" w="9525">
+                  <a14:hiddenLine xmlns="" xmlns:a14="http://schemas.microsoft.com/office/drawing/2010/main" w="9525">
                     <a:solidFill>
                       <a:srgbClr val="000000"/>
                     </a:solidFill>
@@ -10579,7 +10579,7 @@
               </a:ln>
               <a:extLst>
                 <a:ext uri="{91240B29-F687-4f45-9708-019B960494DF}">
-                  <a14:hiddenLine xmlns:a14="http://schemas.microsoft.com/office/drawing/2010/main" xmlns="" w="9525">
+                  <a14:hiddenLine xmlns="" xmlns:a14="http://schemas.microsoft.com/office/drawing/2010/main" w="9525">
                     <a:solidFill>
                       <a:srgbClr val="000000"/>
                     </a:solidFill>
@@ -10641,7 +10641,7 @@
               </a:ln>
               <a:extLst>
                 <a:ext uri="{91240B29-F687-4f45-9708-019B960494DF}">
-                  <a14:hiddenLine xmlns:a14="http://schemas.microsoft.com/office/drawing/2010/main" xmlns="" w="9525">
+                  <a14:hiddenLine xmlns="" xmlns:a14="http://schemas.microsoft.com/office/drawing/2010/main" w="9525">
                     <a:solidFill>
                       <a:srgbClr val="000000"/>
                     </a:solidFill>
@@ -10731,7 +10731,7 @@
               </a:ln>
               <a:extLst>
                 <a:ext uri="{91240B29-F687-4f45-9708-019B960494DF}">
-                  <a14:hiddenLine xmlns:a14="http://schemas.microsoft.com/office/drawing/2010/main" xmlns="" w="9525">
+                  <a14:hiddenLine xmlns="" xmlns:a14="http://schemas.microsoft.com/office/drawing/2010/main" w="9525">
                     <a:solidFill>
                       <a:srgbClr val="000000"/>
                     </a:solidFill>
@@ -10821,7 +10821,7 @@
               </a:ln>
               <a:extLst>
                 <a:ext uri="{91240B29-F687-4f45-9708-019B960494DF}">
-                  <a14:hiddenLine xmlns:a14="http://schemas.microsoft.com/office/drawing/2010/main" xmlns="" w="9525">
+                  <a14:hiddenLine xmlns="" xmlns:a14="http://schemas.microsoft.com/office/drawing/2010/main" w="9525">
                     <a:solidFill>
                       <a:srgbClr val="000000"/>
                     </a:solidFill>
@@ -10883,7 +10883,7 @@
               </a:ln>
               <a:extLst>
                 <a:ext uri="{91240B29-F687-4f45-9708-019B960494DF}">
-                  <a14:hiddenLine xmlns:a14="http://schemas.microsoft.com/office/drawing/2010/main" xmlns="" w="9525">
+                  <a14:hiddenLine xmlns="" xmlns:a14="http://schemas.microsoft.com/office/drawing/2010/main" w="9525">
                     <a:solidFill>
                       <a:srgbClr val="000000"/>
                     </a:solidFill>
@@ -10993,7 +10993,7 @@
               </a:ln>
               <a:extLst>
                 <a:ext uri="{91240B29-F687-4f45-9708-019B960494DF}">
-                  <a14:hiddenLine xmlns:a14="http://schemas.microsoft.com/office/drawing/2010/main" xmlns="" w="9525">
+                  <a14:hiddenLine xmlns="" xmlns:a14="http://schemas.microsoft.com/office/drawing/2010/main" w="9525">
                     <a:solidFill>
                       <a:srgbClr val="000000"/>
                     </a:solidFill>
@@ -11077,7 +11077,7 @@
               </a:ln>
               <a:extLst>
                 <a:ext uri="{91240B29-F687-4f45-9708-019B960494DF}">
-                  <a14:hiddenLine xmlns:a14="http://schemas.microsoft.com/office/drawing/2010/main" xmlns="" w="9525">
+                  <a14:hiddenLine xmlns="" xmlns:a14="http://schemas.microsoft.com/office/drawing/2010/main" w="9525">
                     <a:solidFill>
                       <a:srgbClr val="000000"/>
                     </a:solidFill>
@@ -11139,7 +11139,7 @@
               </a:ln>
               <a:extLst>
                 <a:ext uri="{91240B29-F687-4f45-9708-019B960494DF}">
-                  <a14:hiddenLine xmlns:a14="http://schemas.microsoft.com/office/drawing/2010/main" xmlns="" w="9525">
+                  <a14:hiddenLine xmlns="" xmlns:a14="http://schemas.microsoft.com/office/drawing/2010/main" w="9525">
                     <a:solidFill>
                       <a:srgbClr val="000000"/>
                     </a:solidFill>
@@ -11201,7 +11201,7 @@
               </a:ln>
               <a:extLst>
                 <a:ext uri="{91240B29-F687-4f45-9708-019B960494DF}">
-                  <a14:hiddenLine xmlns:a14="http://schemas.microsoft.com/office/drawing/2010/main" xmlns="" w="9525">
+                  <a14:hiddenLine xmlns="" xmlns:a14="http://schemas.microsoft.com/office/drawing/2010/main" w="9525">
                     <a:solidFill>
                       <a:srgbClr val="000000"/>
                     </a:solidFill>
@@ -11291,7 +11291,7 @@
               </a:ln>
               <a:extLst>
                 <a:ext uri="{91240B29-F687-4f45-9708-019B960494DF}">
-                  <a14:hiddenLine xmlns:a14="http://schemas.microsoft.com/office/drawing/2010/main" xmlns="" w="9525">
+                  <a14:hiddenLine xmlns="" xmlns:a14="http://schemas.microsoft.com/office/drawing/2010/main" w="9525">
                     <a:solidFill>
                       <a:srgbClr val="000000"/>
                     </a:solidFill>
@@ -11325,7 +11325,7 @@
               </a:ln>
               <a:extLst>
                 <a:ext uri="{91240B29-F687-4f45-9708-019B960494DF}">
-                  <a14:hiddenLine xmlns:a14="http://schemas.microsoft.com/office/drawing/2010/main" xmlns="" w="9525">
+                  <a14:hiddenLine xmlns="" xmlns:a14="http://schemas.microsoft.com/office/drawing/2010/main" w="9525">
                     <a:solidFill>
                       <a:srgbClr val="000000"/>
                     </a:solidFill>
@@ -11390,7 +11390,7 @@
               </a:ln>
               <a:extLst>
                 <a:ext uri="{91240B29-F687-4f45-9708-019B960494DF}">
-                  <a14:hiddenLine xmlns:a14="http://schemas.microsoft.com/office/drawing/2010/main" xmlns="" w="9525">
+                  <a14:hiddenLine xmlns="" xmlns:a14="http://schemas.microsoft.com/office/drawing/2010/main" w="9525">
                     <a:solidFill>
                       <a:srgbClr val="000000"/>
                     </a:solidFill>
@@ -11480,7 +11480,7 @@
               </a:ln>
               <a:extLst>
                 <a:ext uri="{91240B29-F687-4f45-9708-019B960494DF}">
-                  <a14:hiddenLine xmlns:a14="http://schemas.microsoft.com/office/drawing/2010/main" xmlns="" w="9525">
+                  <a14:hiddenLine xmlns="" xmlns:a14="http://schemas.microsoft.com/office/drawing/2010/main" w="9525">
                     <a:solidFill>
                       <a:srgbClr val="000000"/>
                     </a:solidFill>
@@ -11542,7 +11542,7 @@
               </a:ln>
               <a:extLst>
                 <a:ext uri="{91240B29-F687-4f45-9708-019B960494DF}">
-                  <a14:hiddenLine xmlns:a14="http://schemas.microsoft.com/office/drawing/2010/main" xmlns="" w="9525">
+                  <a14:hiddenLine xmlns="" xmlns:a14="http://schemas.microsoft.com/office/drawing/2010/main" w="9525">
                     <a:solidFill>
                       <a:srgbClr val="000000"/>
                     </a:solidFill>
@@ -11632,7 +11632,7 @@
               </a:ln>
               <a:extLst>
                 <a:ext uri="{91240B29-F687-4f45-9708-019B960494DF}">
-                  <a14:hiddenLine xmlns:a14="http://schemas.microsoft.com/office/drawing/2010/main" xmlns="" w="9525">
+                  <a14:hiddenLine xmlns="" xmlns:a14="http://schemas.microsoft.com/office/drawing/2010/main" w="9525">
                     <a:solidFill>
                       <a:srgbClr val="000000"/>
                     </a:solidFill>
@@ -11697,7 +11697,7 @@
               </a:ln>
               <a:extLst>
                 <a:ext uri="{91240B29-F687-4f45-9708-019B960494DF}">
-                  <a14:hiddenLine xmlns:a14="http://schemas.microsoft.com/office/drawing/2010/main" xmlns="" w="9525">
+                  <a14:hiddenLine xmlns="" xmlns:a14="http://schemas.microsoft.com/office/drawing/2010/main" w="9525">
                     <a:solidFill>
                       <a:srgbClr val="000000"/>
                     </a:solidFill>
@@ -11759,7 +11759,7 @@
               </a:ln>
               <a:extLst>
                 <a:ext uri="{91240B29-F687-4f45-9708-019B960494DF}">
-                  <a14:hiddenLine xmlns:a14="http://schemas.microsoft.com/office/drawing/2010/main" xmlns="" w="9525">
+                  <a14:hiddenLine xmlns="" xmlns:a14="http://schemas.microsoft.com/office/drawing/2010/main" w="9525">
                     <a:solidFill>
                       <a:srgbClr val="000000"/>
                     </a:solidFill>
@@ -11849,7 +11849,7 @@
               </a:ln>
               <a:extLst>
                 <a:ext uri="{91240B29-F687-4f45-9708-019B960494DF}">
-                  <a14:hiddenLine xmlns:a14="http://schemas.microsoft.com/office/drawing/2010/main" xmlns="" w="9525">
+                  <a14:hiddenLine xmlns="" xmlns:a14="http://schemas.microsoft.com/office/drawing/2010/main" w="9525">
                     <a:solidFill>
                       <a:srgbClr val="000000"/>
                     </a:solidFill>
@@ -11939,7 +11939,7 @@
               </a:ln>
               <a:extLst>
                 <a:ext uri="{91240B29-F687-4f45-9708-019B960494DF}">
-                  <a14:hiddenLine xmlns:a14="http://schemas.microsoft.com/office/drawing/2010/main" xmlns="" w="9525">
+                  <a14:hiddenLine xmlns="" xmlns:a14="http://schemas.microsoft.com/office/drawing/2010/main" w="9525">
                     <a:solidFill>
                       <a:srgbClr val="000000"/>
                     </a:solidFill>
@@ -12004,7 +12004,7 @@
               </a:ln>
               <a:extLst>
                 <a:ext uri="{91240B29-F687-4f45-9708-019B960494DF}">
-                  <a14:hiddenLine xmlns:a14="http://schemas.microsoft.com/office/drawing/2010/main" xmlns="" w="9525">
+                  <a14:hiddenLine xmlns="" xmlns:a14="http://schemas.microsoft.com/office/drawing/2010/main" w="9525">
                     <a:solidFill>
                       <a:srgbClr val="000000"/>
                     </a:solidFill>
@@ -12124,7 +12124,7 @@
               </a:ln>
               <a:extLst>
                 <a:ext uri="{91240B29-F687-4f45-9708-019B960494DF}">
-                  <a14:hiddenLine xmlns:a14="http://schemas.microsoft.com/office/drawing/2010/main" xmlns="" w="9525">
+                  <a14:hiddenLine xmlns="" xmlns:a14="http://schemas.microsoft.com/office/drawing/2010/main" w="9525">
                     <a:solidFill>
                       <a:srgbClr val="000000"/>
                     </a:solidFill>
@@ -12205,7 +12205,7 @@
               </a:ln>
               <a:extLst>
                 <a:ext uri="{91240B29-F687-4f45-9708-019B960494DF}">
-                  <a14:hiddenLine xmlns:a14="http://schemas.microsoft.com/office/drawing/2010/main" xmlns="" w="9525">
+                  <a14:hiddenLine xmlns="" xmlns:a14="http://schemas.microsoft.com/office/drawing/2010/main" w="9525">
                     <a:solidFill>
                       <a:srgbClr val="000000"/>
                     </a:solidFill>
@@ -12320,7 +12320,7 @@
               </a:ln>
               <a:extLst>
                 <a:ext uri="{91240B29-F687-4f45-9708-019B960494DF}">
-                  <a14:hiddenLine xmlns:a14="http://schemas.microsoft.com/office/drawing/2010/main" xmlns="" w="9525">
+                  <a14:hiddenLine xmlns="" xmlns:a14="http://schemas.microsoft.com/office/drawing/2010/main" w="9525">
                     <a:solidFill>
                       <a:srgbClr val="000000"/>
                     </a:solidFill>
@@ -12410,7 +12410,7 @@
               </a:ln>
               <a:extLst>
                 <a:ext uri="{91240B29-F687-4f45-9708-019B960494DF}">
-                  <a14:hiddenLine xmlns:a14="http://schemas.microsoft.com/office/drawing/2010/main" xmlns="" w="9525">
+                  <a14:hiddenLine xmlns="" xmlns:a14="http://schemas.microsoft.com/office/drawing/2010/main" w="9525">
                     <a:solidFill>
                       <a:srgbClr val="000000"/>
                     </a:solidFill>
@@ -12475,7 +12475,7 @@
               </a:ln>
               <a:extLst>
                 <a:ext uri="{91240B29-F687-4f45-9708-019B960494DF}">
-                  <a14:hiddenLine xmlns:a14="http://schemas.microsoft.com/office/drawing/2010/main" xmlns="" w="9525">
+                  <a14:hiddenLine xmlns="" xmlns:a14="http://schemas.microsoft.com/office/drawing/2010/main" w="9525">
                     <a:solidFill>
                       <a:srgbClr val="000000"/>
                     </a:solidFill>
@@ -12565,7 +12565,7 @@
               </a:ln>
               <a:extLst>
                 <a:ext uri="{91240B29-F687-4f45-9708-019B960494DF}">
-                  <a14:hiddenLine xmlns:a14="http://schemas.microsoft.com/office/drawing/2010/main" xmlns="" w="9525">
+                  <a14:hiddenLine xmlns="" xmlns:a14="http://schemas.microsoft.com/office/drawing/2010/main" w="9525">
                     <a:solidFill>
                       <a:srgbClr val="000000"/>
                     </a:solidFill>
@@ -12633,7 +12633,7 @@
               </a:ln>
               <a:extLst>
                 <a:ext uri="{91240B29-F687-4f45-9708-019B960494DF}">
-                  <a14:hiddenLine xmlns:a14="http://schemas.microsoft.com/office/drawing/2010/main" xmlns="" w="9525">
+                  <a14:hiddenLine xmlns="" xmlns:a14="http://schemas.microsoft.com/office/drawing/2010/main" w="9525">
                     <a:solidFill>
                       <a:srgbClr val="000000"/>
                     </a:solidFill>
@@ -12723,7 +12723,7 @@
               </a:ln>
               <a:extLst>
                 <a:ext uri="{91240B29-F687-4f45-9708-019B960494DF}">
-                  <a14:hiddenLine xmlns:a14="http://schemas.microsoft.com/office/drawing/2010/main" xmlns="" w="9525">
+                  <a14:hiddenLine xmlns="" xmlns:a14="http://schemas.microsoft.com/office/drawing/2010/main" w="9525">
                     <a:solidFill>
                       <a:srgbClr val="000000"/>
                     </a:solidFill>
@@ -12791,7 +12791,7 @@
               </a:ln>
               <a:extLst>
                 <a:ext uri="{91240B29-F687-4f45-9708-019B960494DF}">
-                  <a14:hiddenLine xmlns:a14="http://schemas.microsoft.com/office/drawing/2010/main" xmlns="" w="9525">
+                  <a14:hiddenLine xmlns="" xmlns:a14="http://schemas.microsoft.com/office/drawing/2010/main" w="9525">
                     <a:solidFill>
                       <a:srgbClr val="000000"/>
                     </a:solidFill>
@@ -12881,7 +12881,7 @@
               </a:ln>
               <a:extLst>
                 <a:ext uri="{91240B29-F687-4f45-9708-019B960494DF}">
-                  <a14:hiddenLine xmlns:a14="http://schemas.microsoft.com/office/drawing/2010/main" xmlns="" w="9525">
+                  <a14:hiddenLine xmlns="" xmlns:a14="http://schemas.microsoft.com/office/drawing/2010/main" w="9525">
                     <a:solidFill>
                       <a:srgbClr val="000000"/>
                     </a:solidFill>
@@ -12915,7 +12915,7 @@
               </a:ln>
               <a:extLst>
                 <a:ext uri="{91240B29-F687-4f45-9708-019B960494DF}">
-                  <a14:hiddenLine xmlns:a14="http://schemas.microsoft.com/office/drawing/2010/main" xmlns="" w="9525">
+                  <a14:hiddenLine xmlns="" xmlns:a14="http://schemas.microsoft.com/office/drawing/2010/main" w="9525">
                     <a:solidFill>
                       <a:srgbClr val="000000"/>
                     </a:solidFill>
@@ -13055,7 +13055,7 @@
           <a:p>
             <a:fld id="{EC4347D3-4C9A-C240-8F14-750059DFEEB0}" type="datetimeFigureOut">
               <a:rPr lang="en-US" smtClean="0"/>
-              <a:t>10/3/23</a:t>
+              <a:t>1/17/24</a:t>
             </a:fld>
             <a:endParaRPr lang="en-US"/>
           </a:p>

--- a/slides/01-WhatIsAComputer.pptx
+++ b/slides/01-WhatIsAComputer.pptx
@@ -25,8 +25,8 @@
     <p:sldId id="284" r:id="rId16"/>
     <p:sldId id="276" r:id="rId17"/>
     <p:sldId id="286" r:id="rId18"/>
-    <p:sldId id="287" r:id="rId19"/>
-    <p:sldId id="288" r:id="rId20"/>
+    <p:sldId id="288" r:id="rId19"/>
+    <p:sldId id="287" r:id="rId20"/>
     <p:sldId id="289" r:id="rId21"/>
     <p:sldId id="290" r:id="rId22"/>
     <p:sldId id="317" r:id="rId23"/>
@@ -234,7 +234,7 @@
           <a:p>
             <a:fld id="{C5B45307-6ED4-B142-BD64-10F739779302}" type="datetimeFigureOut">
               <a:rPr lang="en-US" smtClean="0"/>
-              <a:t>1/17/24</a:t>
+              <a:t>1/23/24</a:t>
             </a:fld>
             <a:endParaRPr lang="en-US"/>
           </a:p>
@@ -740,7 +740,7 @@
             <a:fld id="{8F023C5C-4532-4BD5-9936-F28A7206018D}" type="slidenum">
               <a:rPr lang="en-US"/>
               <a:pPr/>
-              <a:t>19</a:t>
+              <a:t>18</a:t>
             </a:fld>
             <a:endParaRPr lang="en-US"/>
           </a:p>
@@ -1197,7 +1197,7 @@
           <a:noFill/>
           <a:extLst>
             <a:ext uri="{909E8E84-426E-40dd-AFC4-6F175D3DCCD1}">
-              <a14:hiddenFill xmlns="" xmlns:a14="http://schemas.microsoft.com/office/drawing/2010/main">
+              <a14:hiddenFill xmlns:a14="http://schemas.microsoft.com/office/drawing/2010/main" xmlns="">
                 <a:solidFill>
                   <a:srgbClr val="FFFFFF"/>
                 </a:solidFill>
@@ -1256,7 +1256,7 @@
             </a:ln>
             <a:extLst>
               <a:ext uri="{91240B29-F687-4f45-9708-019B960494DF}">
-                <a14:hiddenLine xmlns="" xmlns:a14="http://schemas.microsoft.com/office/drawing/2010/main" w="9525">
+                <a14:hiddenLine xmlns:a14="http://schemas.microsoft.com/office/drawing/2010/main" xmlns="" w="9525">
                   <a:solidFill>
                     <a:srgbClr val="000000"/>
                   </a:solidFill>
@@ -1346,7 +1346,7 @@
             </a:ln>
             <a:extLst>
               <a:ext uri="{91240B29-F687-4f45-9708-019B960494DF}">
-                <a14:hiddenLine xmlns="" xmlns:a14="http://schemas.microsoft.com/office/drawing/2010/main" w="9525">
+                <a14:hiddenLine xmlns:a14="http://schemas.microsoft.com/office/drawing/2010/main" xmlns="" w="9525">
                   <a:solidFill>
                     <a:srgbClr val="000000"/>
                   </a:solidFill>
@@ -1436,7 +1436,7 @@
             </a:ln>
             <a:extLst>
               <a:ext uri="{91240B29-F687-4f45-9708-019B960494DF}">
-                <a14:hiddenLine xmlns="" xmlns:a14="http://schemas.microsoft.com/office/drawing/2010/main" w="9525">
+                <a14:hiddenLine xmlns:a14="http://schemas.microsoft.com/office/drawing/2010/main" xmlns="" w="9525">
                   <a:solidFill>
                     <a:srgbClr val="000000"/>
                   </a:solidFill>
@@ -1470,7 +1470,7 @@
             </a:ln>
             <a:extLst>
               <a:ext uri="{91240B29-F687-4f45-9708-019B960494DF}">
-                <a14:hiddenLine xmlns="" xmlns:a14="http://schemas.microsoft.com/office/drawing/2010/main" w="9525">
+                <a14:hiddenLine xmlns:a14="http://schemas.microsoft.com/office/drawing/2010/main" xmlns="" w="9525">
                   <a:solidFill>
                     <a:srgbClr val="000000"/>
                   </a:solidFill>
@@ -1560,7 +1560,7 @@
             </a:ln>
             <a:extLst>
               <a:ext uri="{91240B29-F687-4f45-9708-019B960494DF}">
-                <a14:hiddenLine xmlns="" xmlns:a14="http://schemas.microsoft.com/office/drawing/2010/main" w="9525">
+                <a14:hiddenLine xmlns:a14="http://schemas.microsoft.com/office/drawing/2010/main" xmlns="" w="9525">
                   <a:solidFill>
                     <a:srgbClr val="000000"/>
                   </a:solidFill>
@@ -1622,7 +1622,7 @@
             </a:ln>
             <a:extLst>
               <a:ext uri="{91240B29-F687-4f45-9708-019B960494DF}">
-                <a14:hiddenLine xmlns="" xmlns:a14="http://schemas.microsoft.com/office/drawing/2010/main" w="9525">
+                <a14:hiddenLine xmlns:a14="http://schemas.microsoft.com/office/drawing/2010/main" xmlns="" w="9525">
                   <a:solidFill>
                     <a:srgbClr val="000000"/>
                   </a:solidFill>
@@ -1684,7 +1684,7 @@
             </a:ln>
             <a:extLst>
               <a:ext uri="{91240B29-F687-4f45-9708-019B960494DF}">
-                <a14:hiddenLine xmlns="" xmlns:a14="http://schemas.microsoft.com/office/drawing/2010/main" w="9525">
+                <a14:hiddenLine xmlns:a14="http://schemas.microsoft.com/office/drawing/2010/main" xmlns="" w="9525">
                   <a:solidFill>
                     <a:srgbClr val="000000"/>
                   </a:solidFill>
@@ -1774,7 +1774,7 @@
             </a:ln>
             <a:extLst>
               <a:ext uri="{91240B29-F687-4f45-9708-019B960494DF}">
-                <a14:hiddenLine xmlns="" xmlns:a14="http://schemas.microsoft.com/office/drawing/2010/main" w="9525">
+                <a14:hiddenLine xmlns:a14="http://schemas.microsoft.com/office/drawing/2010/main" xmlns="" w="9525">
                   <a:solidFill>
                     <a:srgbClr val="000000"/>
                   </a:solidFill>
@@ -1836,7 +1836,7 @@
             </a:ln>
             <a:extLst>
               <a:ext uri="{91240B29-F687-4f45-9708-019B960494DF}">
-                <a14:hiddenLine xmlns="" xmlns:a14="http://schemas.microsoft.com/office/drawing/2010/main" w="9525">
+                <a14:hiddenLine xmlns:a14="http://schemas.microsoft.com/office/drawing/2010/main" xmlns="" w="9525">
                   <a:solidFill>
                     <a:srgbClr val="000000"/>
                   </a:solidFill>
@@ -1898,7 +1898,7 @@
             </a:ln>
             <a:extLst>
               <a:ext uri="{91240B29-F687-4f45-9708-019B960494DF}">
-                <a14:hiddenLine xmlns="" xmlns:a14="http://schemas.microsoft.com/office/drawing/2010/main" w="9525">
+                <a14:hiddenLine xmlns:a14="http://schemas.microsoft.com/office/drawing/2010/main" xmlns="" w="9525">
                   <a:solidFill>
                     <a:srgbClr val="000000"/>
                   </a:solidFill>
@@ -1988,7 +1988,7 @@
             </a:ln>
             <a:extLst>
               <a:ext uri="{91240B29-F687-4f45-9708-019B960494DF}">
-                <a14:hiddenLine xmlns="" xmlns:a14="http://schemas.microsoft.com/office/drawing/2010/main" w="9525">
+                <a14:hiddenLine xmlns:a14="http://schemas.microsoft.com/office/drawing/2010/main" xmlns="" w="9525">
                   <a:solidFill>
                     <a:srgbClr val="000000"/>
                   </a:solidFill>
@@ -2078,7 +2078,7 @@
             </a:ln>
             <a:extLst>
               <a:ext uri="{91240B29-F687-4f45-9708-019B960494DF}">
-                <a14:hiddenLine xmlns="" xmlns:a14="http://schemas.microsoft.com/office/drawing/2010/main" w="9525">
+                <a14:hiddenLine xmlns:a14="http://schemas.microsoft.com/office/drawing/2010/main" xmlns="" w="9525">
                   <a:solidFill>
                     <a:srgbClr val="000000"/>
                   </a:solidFill>
@@ -2140,7 +2140,7 @@
             </a:ln>
             <a:extLst>
               <a:ext uri="{91240B29-F687-4f45-9708-019B960494DF}">
-                <a14:hiddenLine xmlns="" xmlns:a14="http://schemas.microsoft.com/office/drawing/2010/main" w="9525">
+                <a14:hiddenLine xmlns:a14="http://schemas.microsoft.com/office/drawing/2010/main" xmlns="" w="9525">
                   <a:solidFill>
                     <a:srgbClr val="000000"/>
                   </a:solidFill>
@@ -2250,7 +2250,7 @@
             </a:ln>
             <a:extLst>
               <a:ext uri="{91240B29-F687-4f45-9708-019B960494DF}">
-                <a14:hiddenLine xmlns="" xmlns:a14="http://schemas.microsoft.com/office/drawing/2010/main" w="9525">
+                <a14:hiddenLine xmlns:a14="http://schemas.microsoft.com/office/drawing/2010/main" xmlns="" w="9525">
                   <a:solidFill>
                     <a:srgbClr val="000000"/>
                   </a:solidFill>
@@ -2312,7 +2312,7 @@
             </a:ln>
             <a:extLst>
               <a:ext uri="{91240B29-F687-4f45-9708-019B960494DF}">
-                <a14:hiddenLine xmlns="" xmlns:a14="http://schemas.microsoft.com/office/drawing/2010/main" w="9525">
+                <a14:hiddenLine xmlns:a14="http://schemas.microsoft.com/office/drawing/2010/main" xmlns="" w="9525">
                   <a:solidFill>
                     <a:srgbClr val="000000"/>
                   </a:solidFill>
@@ -2402,7 +2402,7 @@
             </a:ln>
             <a:extLst>
               <a:ext uri="{91240B29-F687-4f45-9708-019B960494DF}">
-                <a14:hiddenLine xmlns="" xmlns:a14="http://schemas.microsoft.com/office/drawing/2010/main" w="9525">
+                <a14:hiddenLine xmlns:a14="http://schemas.microsoft.com/office/drawing/2010/main" xmlns="" w="9525">
                   <a:solidFill>
                     <a:srgbClr val="000000"/>
                   </a:solidFill>
@@ -2492,7 +2492,7 @@
             </a:ln>
             <a:extLst>
               <a:ext uri="{91240B29-F687-4f45-9708-019B960494DF}">
-                <a14:hiddenLine xmlns="" xmlns:a14="http://schemas.microsoft.com/office/drawing/2010/main" w="9525">
+                <a14:hiddenLine xmlns:a14="http://schemas.microsoft.com/office/drawing/2010/main" xmlns="" w="9525">
                   <a:solidFill>
                     <a:srgbClr val="000000"/>
                   </a:solidFill>
@@ -2554,7 +2554,7 @@
             </a:ln>
             <a:extLst>
               <a:ext uri="{91240B29-F687-4f45-9708-019B960494DF}">
-                <a14:hiddenLine xmlns="" xmlns:a14="http://schemas.microsoft.com/office/drawing/2010/main" w="9525">
+                <a14:hiddenLine xmlns:a14="http://schemas.microsoft.com/office/drawing/2010/main" xmlns="" w="9525">
                   <a:solidFill>
                     <a:srgbClr val="000000"/>
                   </a:solidFill>
@@ -2644,7 +2644,7 @@
             </a:ln>
             <a:extLst>
               <a:ext uri="{91240B29-F687-4f45-9708-019B960494DF}">
-                <a14:hiddenLine xmlns="" xmlns:a14="http://schemas.microsoft.com/office/drawing/2010/main" w="9525">
+                <a14:hiddenLine xmlns:a14="http://schemas.microsoft.com/office/drawing/2010/main" xmlns="" w="9525">
                   <a:solidFill>
                     <a:srgbClr val="000000"/>
                   </a:solidFill>
@@ -2734,7 +2734,7 @@
             </a:ln>
             <a:extLst>
               <a:ext uri="{91240B29-F687-4f45-9708-019B960494DF}">
-                <a14:hiddenLine xmlns="" xmlns:a14="http://schemas.microsoft.com/office/drawing/2010/main" w="9525">
+                <a14:hiddenLine xmlns:a14="http://schemas.microsoft.com/office/drawing/2010/main" xmlns="" w="9525">
                   <a:solidFill>
                     <a:srgbClr val="000000"/>
                   </a:solidFill>
@@ -2790,7 +2790,7 @@
             </a:ln>
             <a:extLst>
               <a:ext uri="{91240B29-F687-4f45-9708-019B960494DF}">
-                <a14:hiddenLine xmlns="" xmlns:a14="http://schemas.microsoft.com/office/drawing/2010/main" w="9525">
+                <a14:hiddenLine xmlns:a14="http://schemas.microsoft.com/office/drawing/2010/main" xmlns="" w="9525">
                   <a:solidFill>
                     <a:srgbClr val="000000"/>
                   </a:solidFill>
@@ -2880,7 +2880,7 @@
             </a:ln>
             <a:extLst>
               <a:ext uri="{91240B29-F687-4f45-9708-019B960494DF}">
-                <a14:hiddenLine xmlns="" xmlns:a14="http://schemas.microsoft.com/office/drawing/2010/main" w="9525">
+                <a14:hiddenLine xmlns:a14="http://schemas.microsoft.com/office/drawing/2010/main" xmlns="" w="9525">
                   <a:solidFill>
                     <a:srgbClr val="000000"/>
                   </a:solidFill>
@@ -2936,7 +2936,7 @@
             </a:ln>
             <a:extLst>
               <a:ext uri="{91240B29-F687-4f45-9708-019B960494DF}">
-                <a14:hiddenLine xmlns="" xmlns:a14="http://schemas.microsoft.com/office/drawing/2010/main" w="9525">
+                <a14:hiddenLine xmlns:a14="http://schemas.microsoft.com/office/drawing/2010/main" xmlns="" w="9525">
                   <a:solidFill>
                     <a:srgbClr val="000000"/>
                   </a:solidFill>
@@ -3026,7 +3026,7 @@
             </a:ln>
             <a:extLst>
               <a:ext uri="{91240B29-F687-4f45-9708-019B960494DF}">
-                <a14:hiddenLine xmlns="" xmlns:a14="http://schemas.microsoft.com/office/drawing/2010/main" w="9525">
+                <a14:hiddenLine xmlns:a14="http://schemas.microsoft.com/office/drawing/2010/main" xmlns="" w="9525">
                   <a:solidFill>
                     <a:srgbClr val="000000"/>
                   </a:solidFill>
@@ -3094,7 +3094,7 @@
             </a:ln>
             <a:extLst>
               <a:ext uri="{91240B29-F687-4f45-9708-019B960494DF}">
-                <a14:hiddenLine xmlns="" xmlns:a14="http://schemas.microsoft.com/office/drawing/2010/main" w="9525">
+                <a14:hiddenLine xmlns:a14="http://schemas.microsoft.com/office/drawing/2010/main" xmlns="" w="9525">
                   <a:solidFill>
                     <a:srgbClr val="000000"/>
                   </a:solidFill>
@@ -3184,7 +3184,7 @@
             </a:ln>
             <a:extLst>
               <a:ext uri="{91240B29-F687-4f45-9708-019B960494DF}">
-                <a14:hiddenLine xmlns="" xmlns:a14="http://schemas.microsoft.com/office/drawing/2010/main" w="9525">
+                <a14:hiddenLine xmlns:a14="http://schemas.microsoft.com/office/drawing/2010/main" xmlns="" w="9525">
                   <a:solidFill>
                     <a:srgbClr val="000000"/>
                   </a:solidFill>
@@ -3252,7 +3252,7 @@
             </a:ln>
             <a:extLst>
               <a:ext uri="{91240B29-F687-4f45-9708-019B960494DF}">
-                <a14:hiddenLine xmlns="" xmlns:a14="http://schemas.microsoft.com/office/drawing/2010/main" w="9525">
+                <a14:hiddenLine xmlns:a14="http://schemas.microsoft.com/office/drawing/2010/main" xmlns="" w="9525">
                   <a:solidFill>
                     <a:srgbClr val="000000"/>
                   </a:solidFill>
@@ -3342,7 +3342,7 @@
             </a:ln>
             <a:extLst>
               <a:ext uri="{91240B29-F687-4f45-9708-019B960494DF}">
-                <a14:hiddenLine xmlns="" xmlns:a14="http://schemas.microsoft.com/office/drawing/2010/main" w="9525">
+                <a14:hiddenLine xmlns:a14="http://schemas.microsoft.com/office/drawing/2010/main" xmlns="" w="9525">
                   <a:solidFill>
                     <a:srgbClr val="000000"/>
                   </a:solidFill>
@@ -3376,7 +3376,7 @@
             </a:ln>
             <a:extLst>
               <a:ext uri="{91240B29-F687-4f45-9708-019B960494DF}">
-                <a14:hiddenLine xmlns="" xmlns:a14="http://schemas.microsoft.com/office/drawing/2010/main" w="9525">
+                <a14:hiddenLine xmlns:a14="http://schemas.microsoft.com/office/drawing/2010/main" xmlns="" w="9525">
                   <a:solidFill>
                     <a:srgbClr val="000000"/>
                   </a:solidFill>
@@ -3466,7 +3466,7 @@
             </a:ln>
             <a:extLst>
               <a:ext uri="{91240B29-F687-4f45-9708-019B960494DF}">
-                <a14:hiddenLine xmlns="" xmlns:a14="http://schemas.microsoft.com/office/drawing/2010/main" w="9525">
+                <a14:hiddenLine xmlns:a14="http://schemas.microsoft.com/office/drawing/2010/main" xmlns="" w="9525">
                   <a:solidFill>
                     <a:srgbClr val="000000"/>
                   </a:solidFill>
@@ -3528,7 +3528,7 @@
             </a:ln>
             <a:extLst>
               <a:ext uri="{91240B29-F687-4f45-9708-019B960494DF}">
-                <a14:hiddenLine xmlns="" xmlns:a14="http://schemas.microsoft.com/office/drawing/2010/main" w="9525">
+                <a14:hiddenLine xmlns:a14="http://schemas.microsoft.com/office/drawing/2010/main" xmlns="" w="9525">
                   <a:solidFill>
                     <a:srgbClr val="000000"/>
                   </a:solidFill>
@@ -3590,7 +3590,7 @@
             </a:ln>
             <a:extLst>
               <a:ext uri="{91240B29-F687-4f45-9708-019B960494DF}">
-                <a14:hiddenLine xmlns="" xmlns:a14="http://schemas.microsoft.com/office/drawing/2010/main" w="9525">
+                <a14:hiddenLine xmlns:a14="http://schemas.microsoft.com/office/drawing/2010/main" xmlns="" w="9525">
                   <a:solidFill>
                     <a:srgbClr val="000000"/>
                   </a:solidFill>
@@ -3680,7 +3680,7 @@
             </a:ln>
             <a:extLst>
               <a:ext uri="{91240B29-F687-4f45-9708-019B960494DF}">
-                <a14:hiddenLine xmlns="" xmlns:a14="http://schemas.microsoft.com/office/drawing/2010/main" w="9525">
+                <a14:hiddenLine xmlns:a14="http://schemas.microsoft.com/office/drawing/2010/main" xmlns="" w="9525">
                   <a:solidFill>
                     <a:srgbClr val="000000"/>
                   </a:solidFill>
@@ -3748,7 +3748,7 @@
             </a:ln>
             <a:extLst>
               <a:ext uri="{91240B29-F687-4f45-9708-019B960494DF}">
-                <a14:hiddenLine xmlns="" xmlns:a14="http://schemas.microsoft.com/office/drawing/2010/main" w="9525">
+                <a14:hiddenLine xmlns:a14="http://schemas.microsoft.com/office/drawing/2010/main" xmlns="" w="9525">
                   <a:solidFill>
                     <a:srgbClr val="000000"/>
                   </a:solidFill>
@@ -3810,7 +3810,7 @@
             </a:ln>
             <a:extLst>
               <a:ext uri="{91240B29-F687-4f45-9708-019B960494DF}">
-                <a14:hiddenLine xmlns="" xmlns:a14="http://schemas.microsoft.com/office/drawing/2010/main" w="9525">
+                <a14:hiddenLine xmlns:a14="http://schemas.microsoft.com/office/drawing/2010/main" xmlns="" w="9525">
                   <a:solidFill>
                     <a:srgbClr val="000000"/>
                   </a:solidFill>
@@ -3900,7 +3900,7 @@
             </a:ln>
             <a:extLst>
               <a:ext uri="{91240B29-F687-4f45-9708-019B960494DF}">
-                <a14:hiddenLine xmlns="" xmlns:a14="http://schemas.microsoft.com/office/drawing/2010/main" w="9525">
+                <a14:hiddenLine xmlns:a14="http://schemas.microsoft.com/office/drawing/2010/main" xmlns="" w="9525">
                   <a:solidFill>
                     <a:srgbClr val="000000"/>
                   </a:solidFill>
@@ -3962,7 +3962,7 @@
             </a:ln>
             <a:extLst>
               <a:ext uri="{91240B29-F687-4f45-9708-019B960494DF}">
-                <a14:hiddenLine xmlns="" xmlns:a14="http://schemas.microsoft.com/office/drawing/2010/main" w="9525">
+                <a14:hiddenLine xmlns:a14="http://schemas.microsoft.com/office/drawing/2010/main" xmlns="" w="9525">
                   <a:solidFill>
                     <a:srgbClr val="000000"/>
                   </a:solidFill>
@@ -4052,7 +4052,7 @@
             </a:ln>
             <a:extLst>
               <a:ext uri="{91240B29-F687-4f45-9708-019B960494DF}">
-                <a14:hiddenLine xmlns="" xmlns:a14="http://schemas.microsoft.com/office/drawing/2010/main" w="9525">
+                <a14:hiddenLine xmlns:a14="http://schemas.microsoft.com/office/drawing/2010/main" xmlns="" w="9525">
                   <a:solidFill>
                     <a:srgbClr val="000000"/>
                   </a:solidFill>
@@ -4114,7 +4114,7 @@
             </a:ln>
             <a:extLst>
               <a:ext uri="{91240B29-F687-4f45-9708-019B960494DF}">
-                <a14:hiddenLine xmlns="" xmlns:a14="http://schemas.microsoft.com/office/drawing/2010/main" w="9525">
+                <a14:hiddenLine xmlns:a14="http://schemas.microsoft.com/office/drawing/2010/main" xmlns="" w="9525">
                   <a:solidFill>
                     <a:srgbClr val="000000"/>
                   </a:solidFill>
@@ -4204,7 +4204,7 @@
             </a:ln>
             <a:extLst>
               <a:ext uri="{91240B29-F687-4f45-9708-019B960494DF}">
-                <a14:hiddenLine xmlns="" xmlns:a14="http://schemas.microsoft.com/office/drawing/2010/main" w="9525">
+                <a14:hiddenLine xmlns:a14="http://schemas.microsoft.com/office/drawing/2010/main" xmlns="" w="9525">
                   <a:solidFill>
                     <a:srgbClr val="000000"/>
                   </a:solidFill>
@@ -4238,7 +4238,7 @@
             </a:ln>
             <a:extLst>
               <a:ext uri="{91240B29-F687-4f45-9708-019B960494DF}">
-                <a14:hiddenLine xmlns="" xmlns:a14="http://schemas.microsoft.com/office/drawing/2010/main" w="9525">
+                <a14:hiddenLine xmlns:a14="http://schemas.microsoft.com/office/drawing/2010/main" xmlns="" w="9525">
                   <a:solidFill>
                     <a:srgbClr val="000000"/>
                   </a:solidFill>
@@ -4303,7 +4303,7 @@
             </a:ln>
             <a:extLst>
               <a:ext uri="{91240B29-F687-4f45-9708-019B960494DF}">
-                <a14:hiddenLine xmlns="" xmlns:a14="http://schemas.microsoft.com/office/drawing/2010/main" w="9525">
+                <a14:hiddenLine xmlns:a14="http://schemas.microsoft.com/office/drawing/2010/main" xmlns="" w="9525">
                   <a:solidFill>
                     <a:srgbClr val="000000"/>
                   </a:solidFill>
@@ -4393,7 +4393,7 @@
             </a:ln>
             <a:extLst>
               <a:ext uri="{91240B29-F687-4f45-9708-019B960494DF}">
-                <a14:hiddenLine xmlns="" xmlns:a14="http://schemas.microsoft.com/office/drawing/2010/main" w="9525">
+                <a14:hiddenLine xmlns:a14="http://schemas.microsoft.com/office/drawing/2010/main" xmlns="" w="9525">
                   <a:solidFill>
                     <a:srgbClr val="000000"/>
                   </a:solidFill>
@@ -4455,7 +4455,7 @@
             </a:ln>
             <a:extLst>
               <a:ext uri="{91240B29-F687-4f45-9708-019B960494DF}">
-                <a14:hiddenLine xmlns="" xmlns:a14="http://schemas.microsoft.com/office/drawing/2010/main" w="9525">
+                <a14:hiddenLine xmlns:a14="http://schemas.microsoft.com/office/drawing/2010/main" xmlns="" w="9525">
                   <a:solidFill>
                     <a:srgbClr val="000000"/>
                   </a:solidFill>
@@ -4545,7 +4545,7 @@
             </a:ln>
             <a:extLst>
               <a:ext uri="{91240B29-F687-4f45-9708-019B960494DF}">
-                <a14:hiddenLine xmlns="" xmlns:a14="http://schemas.microsoft.com/office/drawing/2010/main" w="9525">
+                <a14:hiddenLine xmlns:a14="http://schemas.microsoft.com/office/drawing/2010/main" xmlns="" w="9525">
                   <a:solidFill>
                     <a:srgbClr val="000000"/>
                   </a:solidFill>
@@ -4635,7 +4635,7 @@
             </a:ln>
             <a:extLst>
               <a:ext uri="{91240B29-F687-4f45-9708-019B960494DF}">
-                <a14:hiddenLine xmlns="" xmlns:a14="http://schemas.microsoft.com/office/drawing/2010/main" w="9525">
+                <a14:hiddenLine xmlns:a14="http://schemas.microsoft.com/office/drawing/2010/main" xmlns="" w="9525">
                   <a:solidFill>
                     <a:srgbClr val="000000"/>
                   </a:solidFill>
@@ -4700,7 +4700,7 @@
             </a:ln>
             <a:extLst>
               <a:ext uri="{91240B29-F687-4f45-9708-019B960494DF}">
-                <a14:hiddenLine xmlns="" xmlns:a14="http://schemas.microsoft.com/office/drawing/2010/main" w="9525">
+                <a14:hiddenLine xmlns:a14="http://schemas.microsoft.com/office/drawing/2010/main" xmlns="" w="9525">
                   <a:solidFill>
                     <a:srgbClr val="000000"/>
                   </a:solidFill>
@@ -4762,7 +4762,7 @@
             </a:ln>
             <a:extLst>
               <a:ext uri="{91240B29-F687-4f45-9708-019B960494DF}">
-                <a14:hiddenLine xmlns="" xmlns:a14="http://schemas.microsoft.com/office/drawing/2010/main" w="9525">
+                <a14:hiddenLine xmlns:a14="http://schemas.microsoft.com/office/drawing/2010/main" xmlns="" w="9525">
                   <a:solidFill>
                     <a:srgbClr val="000000"/>
                   </a:solidFill>
@@ -4852,7 +4852,7 @@
             </a:ln>
             <a:extLst>
               <a:ext uri="{91240B29-F687-4f45-9708-019B960494DF}">
-                <a14:hiddenLine xmlns="" xmlns:a14="http://schemas.microsoft.com/office/drawing/2010/main" w="9525">
+                <a14:hiddenLine xmlns:a14="http://schemas.microsoft.com/office/drawing/2010/main" xmlns="" w="9525">
                   <a:solidFill>
                     <a:srgbClr val="000000"/>
                   </a:solidFill>
@@ -4942,7 +4942,7 @@
             </a:ln>
             <a:extLst>
               <a:ext uri="{91240B29-F687-4f45-9708-019B960494DF}">
-                <a14:hiddenLine xmlns="" xmlns:a14="http://schemas.microsoft.com/office/drawing/2010/main" w="9525">
+                <a14:hiddenLine xmlns:a14="http://schemas.microsoft.com/office/drawing/2010/main" xmlns="" w="9525">
                   <a:solidFill>
                     <a:srgbClr val="000000"/>
                   </a:solidFill>
@@ -5004,7 +5004,7 @@
             </a:ln>
             <a:extLst>
               <a:ext uri="{91240B29-F687-4f45-9708-019B960494DF}">
-                <a14:hiddenLine xmlns="" xmlns:a14="http://schemas.microsoft.com/office/drawing/2010/main" w="9525">
+                <a14:hiddenLine xmlns:a14="http://schemas.microsoft.com/office/drawing/2010/main" xmlns="" w="9525">
                   <a:solidFill>
                     <a:srgbClr val="000000"/>
                   </a:solidFill>
@@ -5124,7 +5124,7 @@
             </a:ln>
             <a:extLst>
               <a:ext uri="{91240B29-F687-4f45-9708-019B960494DF}">
-                <a14:hiddenLine xmlns="" xmlns:a14="http://schemas.microsoft.com/office/drawing/2010/main" w="9525">
+                <a14:hiddenLine xmlns:a14="http://schemas.microsoft.com/office/drawing/2010/main" xmlns="" w="9525">
                   <a:solidFill>
                     <a:srgbClr val="000000"/>
                   </a:solidFill>
@@ -5192,7 +5192,7 @@
             </a:ln>
             <a:extLst>
               <a:ext uri="{91240B29-F687-4f45-9708-019B960494DF}">
-                <a14:hiddenLine xmlns="" xmlns:a14="http://schemas.microsoft.com/office/drawing/2010/main" w="9525">
+                <a14:hiddenLine xmlns:a14="http://schemas.microsoft.com/office/drawing/2010/main" xmlns="" w="9525">
                   <a:solidFill>
                     <a:srgbClr val="000000"/>
                   </a:solidFill>
@@ -5282,7 +5282,7 @@
             </a:ln>
             <a:extLst>
               <a:ext uri="{91240B29-F687-4f45-9708-019B960494DF}">
-                <a14:hiddenLine xmlns="" xmlns:a14="http://schemas.microsoft.com/office/drawing/2010/main" w="9525">
+                <a14:hiddenLine xmlns:a14="http://schemas.microsoft.com/office/drawing/2010/main" xmlns="" w="9525">
                   <a:solidFill>
                     <a:srgbClr val="000000"/>
                   </a:solidFill>
@@ -5422,7 +5422,7 @@
           <a:p>
             <a:fld id="{EC4347D3-4C9A-C240-8F14-750059DFEEB0}" type="datetimeFigureOut">
               <a:rPr lang="en-US" smtClean="0"/>
-              <a:t>1/17/24</a:t>
+              <a:t>1/23/24</a:t>
             </a:fld>
             <a:endParaRPr lang="en-US"/>
           </a:p>
@@ -5689,7 +5689,7 @@
           <a:p>
             <a:fld id="{EC4347D3-4C9A-C240-8F14-750059DFEEB0}" type="datetimeFigureOut">
               <a:rPr lang="en-US" smtClean="0"/>
-              <a:t>1/17/24</a:t>
+              <a:t>1/23/24</a:t>
             </a:fld>
             <a:endParaRPr lang="en-US"/>
           </a:p>
@@ -5885,7 +5885,7 @@
           <a:p>
             <a:fld id="{EC4347D3-4C9A-C240-8F14-750059DFEEB0}" type="datetimeFigureOut">
               <a:rPr lang="en-US" smtClean="0"/>
-              <a:t>1/17/24</a:t>
+              <a:t>1/23/24</a:t>
             </a:fld>
             <a:endParaRPr lang="en-US"/>
           </a:p>
@@ -6148,7 +6148,7 @@
           <a:p>
             <a:fld id="{EC4347D3-4C9A-C240-8F14-750059DFEEB0}" type="datetimeFigureOut">
               <a:rPr lang="en-US" smtClean="0"/>
-              <a:t>1/17/24</a:t>
+              <a:t>1/23/24</a:t>
             </a:fld>
             <a:endParaRPr lang="en-US"/>
           </a:p>
@@ -6582,7 +6582,7 @@
           <a:p>
             <a:fld id="{EC4347D3-4C9A-C240-8F14-750059DFEEB0}" type="datetimeFigureOut">
               <a:rPr lang="en-US" smtClean="0"/>
-              <a:t>1/17/24</a:t>
+              <a:t>1/23/24</a:t>
             </a:fld>
             <a:endParaRPr lang="en-US"/>
           </a:p>
@@ -7128,7 +7128,7 @@
           <a:p>
             <a:fld id="{EC4347D3-4C9A-C240-8F14-750059DFEEB0}" type="datetimeFigureOut">
               <a:rPr lang="en-US" smtClean="0"/>
-              <a:t>1/17/24</a:t>
+              <a:t>1/23/24</a:t>
             </a:fld>
             <a:endParaRPr lang="en-US"/>
           </a:p>
@@ -7848,7 +7848,7 @@
           <a:p>
             <a:fld id="{EC4347D3-4C9A-C240-8F14-750059DFEEB0}" type="datetimeFigureOut">
               <a:rPr lang="en-US" smtClean="0"/>
-              <a:t>1/17/24</a:t>
+              <a:t>1/23/24</a:t>
             </a:fld>
             <a:endParaRPr lang="en-US"/>
           </a:p>
@@ -8018,7 +8018,7 @@
           <a:p>
             <a:fld id="{EC4347D3-4C9A-C240-8F14-750059DFEEB0}" type="datetimeFigureOut">
               <a:rPr lang="en-US" smtClean="0"/>
-              <a:t>1/17/24</a:t>
+              <a:t>1/23/24</a:t>
             </a:fld>
             <a:endParaRPr lang="en-US"/>
           </a:p>
@@ -8198,7 +8198,7 @@
           <a:p>
             <a:fld id="{EC4347D3-4C9A-C240-8F14-750059DFEEB0}" type="datetimeFigureOut">
               <a:rPr lang="en-US" smtClean="0"/>
-              <a:t>1/17/24</a:t>
+              <a:t>1/23/24</a:t>
             </a:fld>
             <a:endParaRPr lang="en-US"/>
           </a:p>
@@ -8368,7 +8368,7 @@
           <a:p>
             <a:fld id="{EC4347D3-4C9A-C240-8F14-750059DFEEB0}" type="datetimeFigureOut">
               <a:rPr lang="en-US" smtClean="0"/>
-              <a:t>1/17/24</a:t>
+              <a:t>1/23/24</a:t>
             </a:fld>
             <a:endParaRPr lang="en-US"/>
           </a:p>
@@ -8618,7 +8618,7 @@
           <a:p>
             <a:fld id="{EC4347D3-4C9A-C240-8F14-750059DFEEB0}" type="datetimeFigureOut">
               <a:rPr lang="en-US" smtClean="0"/>
-              <a:t>1/17/24</a:t>
+              <a:t>1/23/24</a:t>
             </a:fld>
             <a:endParaRPr lang="en-US"/>
           </a:p>
@@ -8850,7 +8850,7 @@
           <a:p>
             <a:fld id="{EC4347D3-4C9A-C240-8F14-750059DFEEB0}" type="datetimeFigureOut">
               <a:rPr lang="en-US" smtClean="0"/>
-              <a:t>1/17/24</a:t>
+              <a:t>1/23/24</a:t>
             </a:fld>
             <a:endParaRPr lang="en-US"/>
           </a:p>
@@ -9236,7 +9236,7 @@
           <a:p>
             <a:fld id="{EC4347D3-4C9A-C240-8F14-750059DFEEB0}" type="datetimeFigureOut">
               <a:rPr lang="en-US" smtClean="0"/>
-              <a:t>1/17/24</a:t>
+              <a:t>1/23/24</a:t>
             </a:fld>
             <a:endParaRPr lang="en-US"/>
           </a:p>
@@ -9359,7 +9359,7 @@
           <a:p>
             <a:fld id="{EC4347D3-4C9A-C240-8F14-750059DFEEB0}" type="datetimeFigureOut">
               <a:rPr lang="en-US" smtClean="0"/>
-              <a:t>1/17/24</a:t>
+              <a:t>1/23/24</a:t>
             </a:fld>
             <a:endParaRPr lang="en-US"/>
           </a:p>
@@ -9454,7 +9454,7 @@
           <a:p>
             <a:fld id="{EC4347D3-4C9A-C240-8F14-750059DFEEB0}" type="datetimeFigureOut">
               <a:rPr lang="en-US" smtClean="0"/>
-              <a:t>1/17/24</a:t>
+              <a:t>1/23/24</a:t>
             </a:fld>
             <a:endParaRPr lang="en-US"/>
           </a:p>
@@ -9703,7 +9703,7 @@
           <a:p>
             <a:fld id="{EC4347D3-4C9A-C240-8F14-750059DFEEB0}" type="datetimeFigureOut">
               <a:rPr lang="en-US" smtClean="0"/>
-              <a:t>1/17/24</a:t>
+              <a:t>1/23/24</a:t>
             </a:fld>
             <a:endParaRPr lang="en-US"/>
           </a:p>
@@ -9988,7 +9988,7 @@
           <a:p>
             <a:fld id="{EC4347D3-4C9A-C240-8F14-750059DFEEB0}" type="datetimeFigureOut">
               <a:rPr lang="en-US" smtClean="0"/>
-              <a:t>1/17/24</a:t>
+              <a:t>1/23/24</a:t>
             </a:fld>
             <a:endParaRPr lang="en-US"/>
           </a:p>
@@ -10111,7 +10111,7 @@
           <a:noFill/>
           <a:extLst>
             <a:ext uri="{909E8E84-426E-40dd-AFC4-6F175D3DCCD1}">
-              <a14:hiddenFill xmlns="" xmlns:a14="http://schemas.microsoft.com/office/drawing/2010/main">
+              <a14:hiddenFill xmlns:a14="http://schemas.microsoft.com/office/drawing/2010/main" xmlns="">
                 <a:solidFill>
                   <a:srgbClr val="FFFFFF"/>
                 </a:solidFill>
@@ -10185,7 +10185,7 @@
               </a:ln>
               <a:extLst>
                 <a:ext uri="{91240B29-F687-4f45-9708-019B960494DF}">
-                  <a14:hiddenLine xmlns="" xmlns:a14="http://schemas.microsoft.com/office/drawing/2010/main" w="9525">
+                  <a14:hiddenLine xmlns:a14="http://schemas.microsoft.com/office/drawing/2010/main" xmlns="" w="9525">
                     <a:solidFill>
                       <a:srgbClr val="000000"/>
                     </a:solidFill>
@@ -10275,7 +10275,7 @@
               </a:ln>
               <a:extLst>
                 <a:ext uri="{91240B29-F687-4f45-9708-019B960494DF}">
-                  <a14:hiddenLine xmlns="" xmlns:a14="http://schemas.microsoft.com/office/drawing/2010/main" w="9525">
+                  <a14:hiddenLine xmlns:a14="http://schemas.microsoft.com/office/drawing/2010/main" xmlns="" w="9525">
                     <a:solidFill>
                       <a:srgbClr val="000000"/>
                     </a:solidFill>
@@ -10365,7 +10365,7 @@
               </a:ln>
               <a:extLst>
                 <a:ext uri="{91240B29-F687-4f45-9708-019B960494DF}">
-                  <a14:hiddenLine xmlns="" xmlns:a14="http://schemas.microsoft.com/office/drawing/2010/main" w="9525">
+                  <a14:hiddenLine xmlns:a14="http://schemas.microsoft.com/office/drawing/2010/main" xmlns="" w="9525">
                     <a:solidFill>
                       <a:srgbClr val="000000"/>
                     </a:solidFill>
@@ -10427,7 +10427,7 @@
               </a:ln>
               <a:extLst>
                 <a:ext uri="{91240B29-F687-4f45-9708-019B960494DF}">
-                  <a14:hiddenLine xmlns="" xmlns:a14="http://schemas.microsoft.com/office/drawing/2010/main" w="9525">
+                  <a14:hiddenLine xmlns:a14="http://schemas.microsoft.com/office/drawing/2010/main" xmlns="" w="9525">
                     <a:solidFill>
                       <a:srgbClr val="000000"/>
                     </a:solidFill>
@@ -10517,7 +10517,7 @@
               </a:ln>
               <a:extLst>
                 <a:ext uri="{91240B29-F687-4f45-9708-019B960494DF}">
-                  <a14:hiddenLine xmlns="" xmlns:a14="http://schemas.microsoft.com/office/drawing/2010/main" w="9525">
+                  <a14:hiddenLine xmlns:a14="http://schemas.microsoft.com/office/drawing/2010/main" xmlns="" w="9525">
                     <a:solidFill>
                       <a:srgbClr val="000000"/>
                     </a:solidFill>
@@ -10579,7 +10579,7 @@
               </a:ln>
               <a:extLst>
                 <a:ext uri="{91240B29-F687-4f45-9708-019B960494DF}">
-                  <a14:hiddenLine xmlns="" xmlns:a14="http://schemas.microsoft.com/office/drawing/2010/main" w="9525">
+                  <a14:hiddenLine xmlns:a14="http://schemas.microsoft.com/office/drawing/2010/main" xmlns="" w="9525">
                     <a:solidFill>
                       <a:srgbClr val="000000"/>
                     </a:solidFill>
@@ -10641,7 +10641,7 @@
               </a:ln>
               <a:extLst>
                 <a:ext uri="{91240B29-F687-4f45-9708-019B960494DF}">
-                  <a14:hiddenLine xmlns="" xmlns:a14="http://schemas.microsoft.com/office/drawing/2010/main" w="9525">
+                  <a14:hiddenLine xmlns:a14="http://schemas.microsoft.com/office/drawing/2010/main" xmlns="" w="9525">
                     <a:solidFill>
                       <a:srgbClr val="000000"/>
                     </a:solidFill>
@@ -10731,7 +10731,7 @@
               </a:ln>
               <a:extLst>
                 <a:ext uri="{91240B29-F687-4f45-9708-019B960494DF}">
-                  <a14:hiddenLine xmlns="" xmlns:a14="http://schemas.microsoft.com/office/drawing/2010/main" w="9525">
+                  <a14:hiddenLine xmlns:a14="http://schemas.microsoft.com/office/drawing/2010/main" xmlns="" w="9525">
                     <a:solidFill>
                       <a:srgbClr val="000000"/>
                     </a:solidFill>
@@ -10821,7 +10821,7 @@
               </a:ln>
               <a:extLst>
                 <a:ext uri="{91240B29-F687-4f45-9708-019B960494DF}">
-                  <a14:hiddenLine xmlns="" xmlns:a14="http://schemas.microsoft.com/office/drawing/2010/main" w="9525">
+                  <a14:hiddenLine xmlns:a14="http://schemas.microsoft.com/office/drawing/2010/main" xmlns="" w="9525">
                     <a:solidFill>
                       <a:srgbClr val="000000"/>
                     </a:solidFill>
@@ -10883,7 +10883,7 @@
               </a:ln>
               <a:extLst>
                 <a:ext uri="{91240B29-F687-4f45-9708-019B960494DF}">
-                  <a14:hiddenLine xmlns="" xmlns:a14="http://schemas.microsoft.com/office/drawing/2010/main" w="9525">
+                  <a14:hiddenLine xmlns:a14="http://schemas.microsoft.com/office/drawing/2010/main" xmlns="" w="9525">
                     <a:solidFill>
                       <a:srgbClr val="000000"/>
                     </a:solidFill>
@@ -10993,7 +10993,7 @@
               </a:ln>
               <a:extLst>
                 <a:ext uri="{91240B29-F687-4f45-9708-019B960494DF}">
-                  <a14:hiddenLine xmlns="" xmlns:a14="http://schemas.microsoft.com/office/drawing/2010/main" w="9525">
+                  <a14:hiddenLine xmlns:a14="http://schemas.microsoft.com/office/drawing/2010/main" xmlns="" w="9525">
                     <a:solidFill>
                       <a:srgbClr val="000000"/>
                     </a:solidFill>
@@ -11077,7 +11077,7 @@
               </a:ln>
               <a:extLst>
                 <a:ext uri="{91240B29-F687-4f45-9708-019B960494DF}">
-                  <a14:hiddenLine xmlns="" xmlns:a14="http://schemas.microsoft.com/office/drawing/2010/main" w="9525">
+                  <a14:hiddenLine xmlns:a14="http://schemas.microsoft.com/office/drawing/2010/main" xmlns="" w="9525">
                     <a:solidFill>
                       <a:srgbClr val="000000"/>
                     </a:solidFill>
@@ -11139,7 +11139,7 @@
               </a:ln>
               <a:extLst>
                 <a:ext uri="{91240B29-F687-4f45-9708-019B960494DF}">
-                  <a14:hiddenLine xmlns="" xmlns:a14="http://schemas.microsoft.com/office/drawing/2010/main" w="9525">
+                  <a14:hiddenLine xmlns:a14="http://schemas.microsoft.com/office/drawing/2010/main" xmlns="" w="9525">
                     <a:solidFill>
                       <a:srgbClr val="000000"/>
                     </a:solidFill>
@@ -11201,7 +11201,7 @@
               </a:ln>
               <a:extLst>
                 <a:ext uri="{91240B29-F687-4f45-9708-019B960494DF}">
-                  <a14:hiddenLine xmlns="" xmlns:a14="http://schemas.microsoft.com/office/drawing/2010/main" w="9525">
+                  <a14:hiddenLine xmlns:a14="http://schemas.microsoft.com/office/drawing/2010/main" xmlns="" w="9525">
                     <a:solidFill>
                       <a:srgbClr val="000000"/>
                     </a:solidFill>
@@ -11291,7 +11291,7 @@
               </a:ln>
               <a:extLst>
                 <a:ext uri="{91240B29-F687-4f45-9708-019B960494DF}">
-                  <a14:hiddenLine xmlns="" xmlns:a14="http://schemas.microsoft.com/office/drawing/2010/main" w="9525">
+                  <a14:hiddenLine xmlns:a14="http://schemas.microsoft.com/office/drawing/2010/main" xmlns="" w="9525">
                     <a:solidFill>
                       <a:srgbClr val="000000"/>
                     </a:solidFill>
@@ -11325,7 +11325,7 @@
               </a:ln>
               <a:extLst>
                 <a:ext uri="{91240B29-F687-4f45-9708-019B960494DF}">
-                  <a14:hiddenLine xmlns="" xmlns:a14="http://schemas.microsoft.com/office/drawing/2010/main" w="9525">
+                  <a14:hiddenLine xmlns:a14="http://schemas.microsoft.com/office/drawing/2010/main" xmlns="" w="9525">
                     <a:solidFill>
                       <a:srgbClr val="000000"/>
                     </a:solidFill>
@@ -11390,7 +11390,7 @@
               </a:ln>
               <a:extLst>
                 <a:ext uri="{91240B29-F687-4f45-9708-019B960494DF}">
-                  <a14:hiddenLine xmlns="" xmlns:a14="http://schemas.microsoft.com/office/drawing/2010/main" w="9525">
+                  <a14:hiddenLine xmlns:a14="http://schemas.microsoft.com/office/drawing/2010/main" xmlns="" w="9525">
                     <a:solidFill>
                       <a:srgbClr val="000000"/>
                     </a:solidFill>
@@ -11480,7 +11480,7 @@
               </a:ln>
               <a:extLst>
                 <a:ext uri="{91240B29-F687-4f45-9708-019B960494DF}">
-                  <a14:hiddenLine xmlns="" xmlns:a14="http://schemas.microsoft.com/office/drawing/2010/main" w="9525">
+                  <a14:hiddenLine xmlns:a14="http://schemas.microsoft.com/office/drawing/2010/main" xmlns="" w="9525">
                     <a:solidFill>
                       <a:srgbClr val="000000"/>
                     </a:solidFill>
@@ -11542,7 +11542,7 @@
               </a:ln>
               <a:extLst>
                 <a:ext uri="{91240B29-F687-4f45-9708-019B960494DF}">
-                  <a14:hiddenLine xmlns="" xmlns:a14="http://schemas.microsoft.com/office/drawing/2010/main" w="9525">
+                  <a14:hiddenLine xmlns:a14="http://schemas.microsoft.com/office/drawing/2010/main" xmlns="" w="9525">
                     <a:solidFill>
                       <a:srgbClr val="000000"/>
                     </a:solidFill>
@@ -11632,7 +11632,7 @@
               </a:ln>
               <a:extLst>
                 <a:ext uri="{91240B29-F687-4f45-9708-019B960494DF}">
-                  <a14:hiddenLine xmlns="" xmlns:a14="http://schemas.microsoft.com/office/drawing/2010/main" w="9525">
+                  <a14:hiddenLine xmlns:a14="http://schemas.microsoft.com/office/drawing/2010/main" xmlns="" w="9525">
                     <a:solidFill>
                       <a:srgbClr val="000000"/>
                     </a:solidFill>
@@ -11697,7 +11697,7 @@
               </a:ln>
               <a:extLst>
                 <a:ext uri="{91240B29-F687-4f45-9708-019B960494DF}">
-                  <a14:hiddenLine xmlns="" xmlns:a14="http://schemas.microsoft.com/office/drawing/2010/main" w="9525">
+                  <a14:hiddenLine xmlns:a14="http://schemas.microsoft.com/office/drawing/2010/main" xmlns="" w="9525">
                     <a:solidFill>
                       <a:srgbClr val="000000"/>
                     </a:solidFill>
@@ -11759,7 +11759,7 @@
               </a:ln>
               <a:extLst>
                 <a:ext uri="{91240B29-F687-4f45-9708-019B960494DF}">
-                  <a14:hiddenLine xmlns="" xmlns:a14="http://schemas.microsoft.com/office/drawing/2010/main" w="9525">
+                  <a14:hiddenLine xmlns:a14="http://schemas.microsoft.com/office/drawing/2010/main" xmlns="" w="9525">
                     <a:solidFill>
                       <a:srgbClr val="000000"/>
                     </a:solidFill>
@@ -11849,7 +11849,7 @@
               </a:ln>
               <a:extLst>
                 <a:ext uri="{91240B29-F687-4f45-9708-019B960494DF}">
-                  <a14:hiddenLine xmlns="" xmlns:a14="http://schemas.microsoft.com/office/drawing/2010/main" w="9525">
+                  <a14:hiddenLine xmlns:a14="http://schemas.microsoft.com/office/drawing/2010/main" xmlns="" w="9525">
                     <a:solidFill>
                       <a:srgbClr val="000000"/>
                     </a:solidFill>
@@ -11939,7 +11939,7 @@
               </a:ln>
               <a:extLst>
                 <a:ext uri="{91240B29-F687-4f45-9708-019B960494DF}">
-                  <a14:hiddenLine xmlns="" xmlns:a14="http://schemas.microsoft.com/office/drawing/2010/main" w="9525">
+                  <a14:hiddenLine xmlns:a14="http://schemas.microsoft.com/office/drawing/2010/main" xmlns="" w="9525">
                     <a:solidFill>
                       <a:srgbClr val="000000"/>
                     </a:solidFill>
@@ -12004,7 +12004,7 @@
               </a:ln>
               <a:extLst>
                 <a:ext uri="{91240B29-F687-4f45-9708-019B960494DF}">
-                  <a14:hiddenLine xmlns="" xmlns:a14="http://schemas.microsoft.com/office/drawing/2010/main" w="9525">
+                  <a14:hiddenLine xmlns:a14="http://schemas.microsoft.com/office/drawing/2010/main" xmlns="" w="9525">
                     <a:solidFill>
                       <a:srgbClr val="000000"/>
                     </a:solidFill>
@@ -12124,7 +12124,7 @@
               </a:ln>
               <a:extLst>
                 <a:ext uri="{91240B29-F687-4f45-9708-019B960494DF}">
-                  <a14:hiddenLine xmlns="" xmlns:a14="http://schemas.microsoft.com/office/drawing/2010/main" w="9525">
+                  <a14:hiddenLine xmlns:a14="http://schemas.microsoft.com/office/drawing/2010/main" xmlns="" w="9525">
                     <a:solidFill>
                       <a:srgbClr val="000000"/>
                     </a:solidFill>
@@ -12205,7 +12205,7 @@
               </a:ln>
               <a:extLst>
                 <a:ext uri="{91240B29-F687-4f45-9708-019B960494DF}">
-                  <a14:hiddenLine xmlns="" xmlns:a14="http://schemas.microsoft.com/office/drawing/2010/main" w="9525">
+                  <a14:hiddenLine xmlns:a14="http://schemas.microsoft.com/office/drawing/2010/main" xmlns="" w="9525">
                     <a:solidFill>
                       <a:srgbClr val="000000"/>
                     </a:solidFill>
@@ -12320,7 +12320,7 @@
               </a:ln>
               <a:extLst>
                 <a:ext uri="{91240B29-F687-4f45-9708-019B960494DF}">
-                  <a14:hiddenLine xmlns="" xmlns:a14="http://schemas.microsoft.com/office/drawing/2010/main" w="9525">
+                  <a14:hiddenLine xmlns:a14="http://schemas.microsoft.com/office/drawing/2010/main" xmlns="" w="9525">
                     <a:solidFill>
                       <a:srgbClr val="000000"/>
                     </a:solidFill>
@@ -12410,7 +12410,7 @@
               </a:ln>
               <a:extLst>
                 <a:ext uri="{91240B29-F687-4f45-9708-019B960494DF}">
-                  <a14:hiddenLine xmlns="" xmlns:a14="http://schemas.microsoft.com/office/drawing/2010/main" w="9525">
+                  <a14:hiddenLine xmlns:a14="http://schemas.microsoft.com/office/drawing/2010/main" xmlns="" w="9525">
                     <a:solidFill>
                       <a:srgbClr val="000000"/>
                     </a:solidFill>
@@ -12475,7 +12475,7 @@
               </a:ln>
               <a:extLst>
                 <a:ext uri="{91240B29-F687-4f45-9708-019B960494DF}">
-                  <a14:hiddenLine xmlns="" xmlns:a14="http://schemas.microsoft.com/office/drawing/2010/main" w="9525">
+                  <a14:hiddenLine xmlns:a14="http://schemas.microsoft.com/office/drawing/2010/main" xmlns="" w="9525">
                     <a:solidFill>
                       <a:srgbClr val="000000"/>
                     </a:solidFill>
@@ -12565,7 +12565,7 @@
               </a:ln>
               <a:extLst>
                 <a:ext uri="{91240B29-F687-4f45-9708-019B960494DF}">
-                  <a14:hiddenLine xmlns="" xmlns:a14="http://schemas.microsoft.com/office/drawing/2010/main" w="9525">
+                  <a14:hiddenLine xmlns:a14="http://schemas.microsoft.com/office/drawing/2010/main" xmlns="" w="9525">
                     <a:solidFill>
                       <a:srgbClr val="000000"/>
                     </a:solidFill>
@@ -12633,7 +12633,7 @@
               </a:ln>
               <a:extLst>
                 <a:ext uri="{91240B29-F687-4f45-9708-019B960494DF}">
-                  <a14:hiddenLine xmlns="" xmlns:a14="http://schemas.microsoft.com/office/drawing/2010/main" w="9525">
+                  <a14:hiddenLine xmlns:a14="http://schemas.microsoft.com/office/drawing/2010/main" xmlns="" w="9525">
                     <a:solidFill>
                       <a:srgbClr val="000000"/>
                     </a:solidFill>
@@ -12723,7 +12723,7 @@
               </a:ln>
               <a:extLst>
                 <a:ext uri="{91240B29-F687-4f45-9708-019B960494DF}">
-                  <a14:hiddenLine xmlns="" xmlns:a14="http://schemas.microsoft.com/office/drawing/2010/main" w="9525">
+                  <a14:hiddenLine xmlns:a14="http://schemas.microsoft.com/office/drawing/2010/main" xmlns="" w="9525">
                     <a:solidFill>
                       <a:srgbClr val="000000"/>
                     </a:solidFill>
@@ -12791,7 +12791,7 @@
               </a:ln>
               <a:extLst>
                 <a:ext uri="{91240B29-F687-4f45-9708-019B960494DF}">
-                  <a14:hiddenLine xmlns="" xmlns:a14="http://schemas.microsoft.com/office/drawing/2010/main" w="9525">
+                  <a14:hiddenLine xmlns:a14="http://schemas.microsoft.com/office/drawing/2010/main" xmlns="" w="9525">
                     <a:solidFill>
                       <a:srgbClr val="000000"/>
                     </a:solidFill>
@@ -12881,7 +12881,7 @@
               </a:ln>
               <a:extLst>
                 <a:ext uri="{91240B29-F687-4f45-9708-019B960494DF}">
-                  <a14:hiddenLine xmlns="" xmlns:a14="http://schemas.microsoft.com/office/drawing/2010/main" w="9525">
+                  <a14:hiddenLine xmlns:a14="http://schemas.microsoft.com/office/drawing/2010/main" xmlns="" w="9525">
                     <a:solidFill>
                       <a:srgbClr val="000000"/>
                     </a:solidFill>
@@ -12915,7 +12915,7 @@
               </a:ln>
               <a:extLst>
                 <a:ext uri="{91240B29-F687-4f45-9708-019B960494DF}">
-                  <a14:hiddenLine xmlns="" xmlns:a14="http://schemas.microsoft.com/office/drawing/2010/main" w="9525">
+                  <a14:hiddenLine xmlns:a14="http://schemas.microsoft.com/office/drawing/2010/main" xmlns="" w="9525">
                     <a:solidFill>
                       <a:srgbClr val="000000"/>
                     </a:solidFill>
@@ -13055,7 +13055,7 @@
           <a:p>
             <a:fld id="{EC4347D3-4C9A-C240-8F14-750059DFEEB0}" type="datetimeFigureOut">
               <a:rPr lang="en-US" smtClean="0"/>
-              <a:t>1/17/24</a:t>
+              <a:t>1/23/24</a:t>
             </a:fld>
             <a:endParaRPr lang="en-US"/>
           </a:p>
@@ -25328,1181 +25328,6 @@
       </p:grpSpPr>
       <p:sp>
         <p:nvSpPr>
-          <p:cNvPr id="2" name="Title 1"/>
-          <p:cNvSpPr>
-            <a:spLocks noGrp="1"/>
-          </p:cNvSpPr>
-          <p:nvPr>
-            <p:ph type="title"/>
-          </p:nvPr>
-        </p:nvSpPr>
-        <p:spPr>
-          <a:xfrm>
-            <a:off x="1141413" y="542318"/>
-            <a:ext cx="9905998" cy="863149"/>
-          </a:xfrm>
-        </p:spPr>
-        <p:txBody>
-          <a:bodyPr/>
-          <a:lstStyle/>
-          <a:p>
-            <a:pPr algn="ctr"/>
-            <a:r>
-              <a:rPr lang="en-US" dirty="0"/>
-              <a:t>Properties of Functions</a:t>
-            </a:r>
-          </a:p>
-        </p:txBody>
-      </p:sp>
-      <mc:AlternateContent xmlns:mc="http://schemas.openxmlformats.org/markup-compatibility/2006" xmlns:a14="http://schemas.microsoft.com/office/drawing/2010/main">
-        <mc:Choice Requires="a14">
-          <p:sp>
-            <p:nvSpPr>
-              <p:cNvPr id="3" name="Content Placeholder 2"/>
-              <p:cNvSpPr>
-                <a:spLocks noGrp="1"/>
-              </p:cNvSpPr>
-              <p:nvPr>
-                <p:ph idx="1"/>
-              </p:nvPr>
-            </p:nvSpPr>
-            <p:spPr>
-              <a:xfrm>
-                <a:off x="1361547" y="3183467"/>
-                <a:ext cx="3455987" cy="702734"/>
-              </a:xfrm>
-              <a:solidFill>
-                <a:schemeClr val="tx1">
-                  <a:lumMod val="95000"/>
-                </a:schemeClr>
-              </a:solidFill>
-            </p:spPr>
-            <p:txBody>
-              <a:bodyPr>
-                <a:normAutofit/>
-              </a:bodyPr>
-              <a:lstStyle/>
-              <a:p>
-                <a:pPr marL="457200" lvl="1" indent="0" algn="ctr">
-                  <a:buNone/>
-                </a:pPr>
-                <a14:m>
-                  <m:oMathPara xmlns:m="http://schemas.openxmlformats.org/officeDocument/2006/math">
-                    <m:oMathParaPr>
-                      <m:jc m:val="left"/>
-                    </m:oMathParaPr>
-                    <m:oMath xmlns:m="http://schemas.openxmlformats.org/officeDocument/2006/math">
-                      <m:r>
-                        <a:rPr lang="en-US" b="0" i="1" smtClean="0">
-                          <a:solidFill>
-                            <a:sysClr val="windowText" lastClr="000000"/>
-                          </a:solidFill>
-                          <a:latin typeface="Cambria Math"/>
-                        </a:rPr>
-                        <m:t>𝑥</m:t>
-                      </m:r>
-                      <m:r>
-                        <a:rPr lang="en-US" b="0" i="1" smtClean="0">
-                          <a:solidFill>
-                            <a:sysClr val="windowText" lastClr="000000"/>
-                          </a:solidFill>
-                          <a:latin typeface="Cambria Math"/>
-                        </a:rPr>
-                        <m:t>≠</m:t>
-                      </m:r>
-                      <m:r>
-                        <a:rPr lang="en-US" b="0" i="1" smtClean="0">
-                          <a:solidFill>
-                            <a:sysClr val="windowText" lastClr="000000"/>
-                          </a:solidFill>
-                          <a:latin typeface="Cambria Math"/>
-                        </a:rPr>
-                        <m:t>𝑦</m:t>
-                      </m:r>
-                      <m:r>
-                        <a:rPr lang="en-US" b="0" i="1" smtClean="0">
-                          <a:solidFill>
-                            <a:sysClr val="windowText" lastClr="000000"/>
-                          </a:solidFill>
-                          <a:latin typeface="Cambria Math"/>
-                        </a:rPr>
-                        <m:t>⇒</m:t>
-                      </m:r>
-                      <m:r>
-                        <a:rPr lang="en-US" b="0" i="1" smtClean="0">
-                          <a:solidFill>
-                            <a:sysClr val="windowText" lastClr="000000"/>
-                          </a:solidFill>
-                          <a:latin typeface="Cambria Math"/>
-                        </a:rPr>
-                        <m:t>𝑓</m:t>
-                      </m:r>
-                      <m:d>
-                        <m:dPr>
-                          <m:ctrlPr>
-                            <a:rPr lang="en-US" b="0" i="1" smtClean="0">
-                              <a:solidFill>
-                                <a:sysClr val="windowText" lastClr="000000"/>
-                              </a:solidFill>
-                              <a:latin typeface="Cambria Math" panose="02040503050406030204" pitchFamily="18" charset="0"/>
-                            </a:rPr>
-                          </m:ctrlPr>
-                        </m:dPr>
-                        <m:e>
-                          <m:r>
-                            <a:rPr lang="en-US" b="0" i="1" smtClean="0">
-                              <a:solidFill>
-                                <a:sysClr val="windowText" lastClr="000000"/>
-                              </a:solidFill>
-                              <a:latin typeface="Cambria Math"/>
-                            </a:rPr>
-                            <m:t>𝑥</m:t>
-                          </m:r>
-                        </m:e>
-                      </m:d>
-                      <m:r>
-                        <a:rPr lang="en-US" b="0" i="1" smtClean="0">
-                          <a:solidFill>
-                            <a:sysClr val="windowText" lastClr="000000"/>
-                          </a:solidFill>
-                          <a:latin typeface="Cambria Math"/>
-                        </a:rPr>
-                        <m:t>≠</m:t>
-                      </m:r>
-                      <m:r>
-                        <a:rPr lang="en-US" b="0" i="1" smtClean="0">
-                          <a:solidFill>
-                            <a:sysClr val="windowText" lastClr="000000"/>
-                          </a:solidFill>
-                          <a:latin typeface="Cambria Math"/>
-                        </a:rPr>
-                        <m:t>𝑓</m:t>
-                      </m:r>
-                      <m:d>
-                        <m:dPr>
-                          <m:ctrlPr>
-                            <a:rPr lang="en-US" b="0" i="1" smtClean="0">
-                              <a:solidFill>
-                                <a:sysClr val="windowText" lastClr="000000"/>
-                              </a:solidFill>
-                              <a:latin typeface="Cambria Math" panose="02040503050406030204" pitchFamily="18" charset="0"/>
-                            </a:rPr>
-                          </m:ctrlPr>
-                        </m:dPr>
-                        <m:e>
-                          <m:r>
-                            <a:rPr lang="en-US" b="0" i="1" smtClean="0">
-                              <a:solidFill>
-                                <a:sysClr val="windowText" lastClr="000000"/>
-                              </a:solidFill>
-                              <a:latin typeface="Cambria Math"/>
-                            </a:rPr>
-                            <m:t>𝑦</m:t>
-                          </m:r>
-                        </m:e>
-                      </m:d>
-                    </m:oMath>
-                  </m:oMathPara>
-                </a14:m>
-                <a:endParaRPr lang="en-US" b="0" dirty="0">
-                  <a:solidFill>
-                    <a:sysClr val="windowText" lastClr="000000"/>
-                  </a:solidFill>
-                </a:endParaRPr>
-              </a:p>
-            </p:txBody>
-          </p:sp>
-        </mc:Choice>
-        <mc:Fallback xmlns="">
-          <p:sp>
-            <p:nvSpPr>
-              <p:cNvPr id="3" name="Content Placeholder 2"/>
-              <p:cNvSpPr>
-                <a:spLocks noGrp="1" noRot="1" noChangeAspect="1" noMove="1" noResize="1" noEditPoints="1" noAdjustHandles="1" noChangeArrowheads="1" noChangeShapeType="1" noTextEdit="1"/>
-              </p:cNvSpPr>
-              <p:nvPr>
-                <p:ph idx="1"/>
-              </p:nvPr>
-            </p:nvSpPr>
-            <p:spPr>
-              <a:xfrm>
-                <a:off x="1361547" y="3183467"/>
-                <a:ext cx="3455987" cy="702734"/>
-              </a:xfrm>
-              <a:blipFill>
-                <a:blip r:embed="rId2"/>
-                <a:stretch>
-                  <a:fillRect/>
-                </a:stretch>
-              </a:blipFill>
-            </p:spPr>
-            <p:txBody>
-              <a:bodyPr/>
-              <a:lstStyle/>
-              <a:p>
-                <a:r>
-                  <a:rPr lang="en-US">
-                    <a:noFill/>
-                  </a:rPr>
-                  <a:t> </a:t>
-                </a:r>
-              </a:p>
-            </p:txBody>
-          </p:sp>
-        </mc:Fallback>
-      </mc:AlternateContent>
-      <p:sp>
-        <p:nvSpPr>
-          <p:cNvPr id="4" name="Slide Number Placeholder 3"/>
-          <p:cNvSpPr>
-            <a:spLocks noGrp="1"/>
-          </p:cNvSpPr>
-          <p:nvPr>
-            <p:ph type="sldNum" sz="quarter" idx="12"/>
-          </p:nvPr>
-        </p:nvSpPr>
-        <p:spPr/>
-        <p:txBody>
-          <a:bodyPr/>
-          <a:lstStyle/>
-          <a:p>
-            <a:fld id="{9BB9F8D7-E2A3-4222-BD86-A63794DF33E7}" type="slidenum">
-              <a:rPr lang="en-US" smtClean="0"/>
-              <a:t>18</a:t>
-            </a:fld>
-            <a:endParaRPr lang="en-US"/>
-          </a:p>
-        </p:txBody>
-      </p:sp>
-      <mc:AlternateContent xmlns:mc="http://schemas.openxmlformats.org/markup-compatibility/2006" xmlns:a14="http://schemas.microsoft.com/office/drawing/2010/main">
-        <mc:Choice Requires="a14">
-          <p:sp>
-            <p:nvSpPr>
-              <p:cNvPr id="5" name="Content Placeholder 2">
-                <a:extLst>
-                  <a:ext uri="{FF2B5EF4-FFF2-40B4-BE49-F238E27FC236}">
-                    <a16:creationId xmlns:a16="http://schemas.microsoft.com/office/drawing/2014/main" id="{C37B560D-5EA4-D14B-91EB-DA73D955C05A}"/>
-                  </a:ext>
-                </a:extLst>
-              </p:cNvPr>
-              <p:cNvSpPr txBox="1">
-                <a:spLocks/>
-              </p:cNvSpPr>
-              <p:nvPr/>
-            </p:nvSpPr>
-            <p:spPr>
-              <a:xfrm>
-                <a:off x="5931333" y="3183467"/>
-                <a:ext cx="4344988" cy="1794933"/>
-              </a:xfrm>
-              <a:prstGeom prst="rect">
-                <a:avLst/>
-              </a:prstGeom>
-              <a:solidFill>
-                <a:schemeClr val="tx1">
-                  <a:lumMod val="95000"/>
-                </a:schemeClr>
-              </a:solidFill>
-            </p:spPr>
-            <p:txBody>
-              <a:bodyPr vert="horz" lIns="91440" tIns="45720" rIns="91440" bIns="45720" rtlCol="0">
-                <a:normAutofit/>
-              </a:bodyPr>
-              <a:lstStyle>
-                <a:lvl1pPr marL="228600" indent="-228600" algn="l" defTabSz="914400" rtl="0" eaLnBrk="1" latinLnBrk="0" hangingPunct="1">
-                  <a:lnSpc>
-                    <a:spcPct val="120000"/>
-                  </a:lnSpc>
-                  <a:spcBef>
-                    <a:spcPts val="1000"/>
-                  </a:spcBef>
-                  <a:buSzPct val="125000"/>
-                  <a:buFont typeface="Arial" panose="020B0604020202020204" pitchFamily="34" charset="0"/>
-                  <a:buChar char="•"/>
-                  <a:defRPr sz="2400" kern="1200">
-                    <a:solidFill>
-                      <a:schemeClr val="tx1"/>
-                    </a:solidFill>
-                    <a:latin typeface="+mn-lt"/>
-                    <a:ea typeface="+mn-ea"/>
-                    <a:cs typeface="+mn-cs"/>
-                  </a:defRPr>
-                </a:lvl1pPr>
-                <a:lvl2pPr marL="685800" indent="-228600" algn="l" defTabSz="914400" rtl="0" eaLnBrk="1" latinLnBrk="0" hangingPunct="1">
-                  <a:lnSpc>
-                    <a:spcPct val="120000"/>
-                  </a:lnSpc>
-                  <a:spcBef>
-                    <a:spcPts val="500"/>
-                  </a:spcBef>
-                  <a:buSzPct val="125000"/>
-                  <a:buFont typeface="Arial" panose="020B0604020202020204" pitchFamily="34" charset="0"/>
-                  <a:buChar char="•"/>
-                  <a:defRPr sz="2000" kern="1200">
-                    <a:solidFill>
-                      <a:schemeClr val="tx1"/>
-                    </a:solidFill>
-                    <a:latin typeface="+mn-lt"/>
-                    <a:ea typeface="+mn-ea"/>
-                    <a:cs typeface="+mn-cs"/>
-                  </a:defRPr>
-                </a:lvl2pPr>
-                <a:lvl3pPr marL="1143000" indent="-228600" algn="l" defTabSz="914400" rtl="0" eaLnBrk="1" latinLnBrk="0" hangingPunct="1">
-                  <a:lnSpc>
-                    <a:spcPct val="120000"/>
-                  </a:lnSpc>
-                  <a:spcBef>
-                    <a:spcPts val="500"/>
-                  </a:spcBef>
-                  <a:buSzPct val="125000"/>
-                  <a:buFont typeface="Arial" panose="020B0604020202020204" pitchFamily="34" charset="0"/>
-                  <a:buChar char="•"/>
-                  <a:defRPr sz="1800" kern="1200">
-                    <a:solidFill>
-                      <a:schemeClr val="tx1"/>
-                    </a:solidFill>
-                    <a:latin typeface="+mn-lt"/>
-                    <a:ea typeface="+mn-ea"/>
-                    <a:cs typeface="+mn-cs"/>
-                  </a:defRPr>
-                </a:lvl3pPr>
-                <a:lvl4pPr marL="1600200" indent="-228600" algn="l" defTabSz="914400" rtl="0" eaLnBrk="1" latinLnBrk="0" hangingPunct="1">
-                  <a:lnSpc>
-                    <a:spcPct val="120000"/>
-                  </a:lnSpc>
-                  <a:spcBef>
-                    <a:spcPts val="500"/>
-                  </a:spcBef>
-                  <a:buSzPct val="125000"/>
-                  <a:buFont typeface="Arial" panose="020B0604020202020204" pitchFamily="34" charset="0"/>
-                  <a:buChar char="•"/>
-                  <a:defRPr sz="1600" kern="1200">
-                    <a:solidFill>
-                      <a:schemeClr val="tx1"/>
-                    </a:solidFill>
-                    <a:latin typeface="+mn-lt"/>
-                    <a:ea typeface="+mn-ea"/>
-                    <a:cs typeface="+mn-cs"/>
-                  </a:defRPr>
-                </a:lvl4pPr>
-                <a:lvl5pPr marL="2057400" indent="-228600" algn="l" defTabSz="914400" rtl="0" eaLnBrk="1" latinLnBrk="0" hangingPunct="1">
-                  <a:lnSpc>
-                    <a:spcPct val="120000"/>
-                  </a:lnSpc>
-                  <a:spcBef>
-                    <a:spcPts val="500"/>
-                  </a:spcBef>
-                  <a:buSzPct val="125000"/>
-                  <a:buFont typeface="Arial" panose="020B0604020202020204" pitchFamily="34" charset="0"/>
-                  <a:buChar char="•"/>
-                  <a:defRPr sz="1600" kern="1200">
-                    <a:solidFill>
-                      <a:schemeClr val="tx1"/>
-                    </a:solidFill>
-                    <a:latin typeface="+mn-lt"/>
-                    <a:ea typeface="+mn-ea"/>
-                    <a:cs typeface="+mn-cs"/>
-                  </a:defRPr>
-                </a:lvl5pPr>
-                <a:lvl6pPr marL="2514600" indent="-228600" algn="l" defTabSz="914400" rtl="0" eaLnBrk="1" latinLnBrk="0" hangingPunct="1">
-                  <a:lnSpc>
-                    <a:spcPct val="120000"/>
-                  </a:lnSpc>
-                  <a:spcBef>
-                    <a:spcPts val="500"/>
-                  </a:spcBef>
-                  <a:buSzPct val="125000"/>
-                  <a:buFont typeface="Arial" panose="020B0604020202020204" pitchFamily="34" charset="0"/>
-                  <a:buChar char="•"/>
-                  <a:defRPr sz="1400" kern="1200">
-                    <a:solidFill>
-                      <a:schemeClr val="tx1"/>
-                    </a:solidFill>
-                    <a:latin typeface="+mn-lt"/>
-                    <a:ea typeface="+mn-ea"/>
-                    <a:cs typeface="+mn-cs"/>
-                  </a:defRPr>
-                </a:lvl6pPr>
-                <a:lvl7pPr marL="2971800" indent="-228600" algn="l" defTabSz="914400" rtl="0" eaLnBrk="1" latinLnBrk="0" hangingPunct="1">
-                  <a:lnSpc>
-                    <a:spcPct val="120000"/>
-                  </a:lnSpc>
-                  <a:spcBef>
-                    <a:spcPts val="500"/>
-                  </a:spcBef>
-                  <a:buSzPct val="125000"/>
-                  <a:buFont typeface="Arial" panose="020B0604020202020204" pitchFamily="34" charset="0"/>
-                  <a:buChar char="•"/>
-                  <a:defRPr sz="1400" kern="1200">
-                    <a:solidFill>
-                      <a:schemeClr val="tx1"/>
-                    </a:solidFill>
-                    <a:latin typeface="+mn-lt"/>
-                    <a:ea typeface="+mn-ea"/>
-                    <a:cs typeface="+mn-cs"/>
-                  </a:defRPr>
-                </a:lvl7pPr>
-                <a:lvl8pPr marL="3429000" indent="-228600" algn="l" defTabSz="914400" rtl="0" eaLnBrk="1" latinLnBrk="0" hangingPunct="1">
-                  <a:lnSpc>
-                    <a:spcPct val="120000"/>
-                  </a:lnSpc>
-                  <a:spcBef>
-                    <a:spcPts val="500"/>
-                  </a:spcBef>
-                  <a:buSzPct val="125000"/>
-                  <a:buFont typeface="Arial" panose="020B0604020202020204" pitchFamily="34" charset="0"/>
-                  <a:buChar char="•"/>
-                  <a:defRPr sz="1400" kern="1200">
-                    <a:solidFill>
-                      <a:schemeClr val="tx1"/>
-                    </a:solidFill>
-                    <a:latin typeface="+mn-lt"/>
-                    <a:ea typeface="+mn-ea"/>
-                    <a:cs typeface="+mn-cs"/>
-                  </a:defRPr>
-                </a:lvl8pPr>
-                <a:lvl9pPr marL="3886200" indent="-228600" algn="l" defTabSz="914400" rtl="0" eaLnBrk="1" latinLnBrk="0" hangingPunct="1">
-                  <a:lnSpc>
-                    <a:spcPct val="120000"/>
-                  </a:lnSpc>
-                  <a:spcBef>
-                    <a:spcPts val="500"/>
-                  </a:spcBef>
-                  <a:buSzPct val="125000"/>
-                  <a:buFont typeface="Arial" panose="020B0604020202020204" pitchFamily="34" charset="0"/>
-                  <a:buChar char="•"/>
-                  <a:defRPr sz="1400" kern="1200">
-                    <a:solidFill>
-                      <a:schemeClr val="tx1"/>
-                    </a:solidFill>
-                    <a:latin typeface="+mn-lt"/>
-                    <a:ea typeface="+mn-ea"/>
-                    <a:cs typeface="+mn-cs"/>
-                  </a:defRPr>
-                </a:lvl9pPr>
-              </a:lstStyle>
-              <a:p>
-                <a:pPr marL="457200" lvl="1" indent="0">
-                  <a:buNone/>
-                </a:pPr>
-                <a14:m>
-                  <m:oMathPara xmlns:m="http://schemas.openxmlformats.org/officeDocument/2006/math">
-                    <m:oMathParaPr>
-                      <m:jc m:val="centerGroup"/>
-                    </m:oMathParaPr>
-                    <m:oMath xmlns:m="http://schemas.openxmlformats.org/officeDocument/2006/math">
-                      <m:r>
-                        <a:rPr lang="en-US" i="1" smtClean="0">
-                          <a:solidFill>
-                            <a:sysClr val="windowText" lastClr="000000"/>
-                          </a:solidFill>
-                          <a:latin typeface="Cambria Math"/>
-                        </a:rPr>
-                        <m:t>∀</m:t>
-                      </m:r>
-                      <m:r>
-                        <a:rPr lang="en-US" i="1" smtClean="0">
-                          <a:solidFill>
-                            <a:sysClr val="windowText" lastClr="000000"/>
-                          </a:solidFill>
-                          <a:latin typeface="Cambria Math"/>
-                        </a:rPr>
-                        <m:t>𝑐</m:t>
-                      </m:r>
-                      <m:r>
-                        <a:rPr lang="en-US" i="1" smtClean="0">
-                          <a:solidFill>
-                            <a:sysClr val="windowText" lastClr="000000"/>
-                          </a:solidFill>
-                          <a:latin typeface="Cambria Math"/>
-                        </a:rPr>
-                        <m:t>∈</m:t>
-                      </m:r>
-                      <m:r>
-                        <a:rPr lang="en-US" i="1" smtClean="0">
-                          <a:solidFill>
-                            <a:sysClr val="windowText" lastClr="000000"/>
-                          </a:solidFill>
-                          <a:latin typeface="Cambria Math"/>
-                        </a:rPr>
-                        <m:t>𝐶</m:t>
-                      </m:r>
-                      <m:r>
-                        <a:rPr lang="en-US" i="1" smtClean="0">
-                          <a:solidFill>
-                            <a:sysClr val="windowText" lastClr="000000"/>
-                          </a:solidFill>
-                          <a:latin typeface="Cambria Math"/>
-                        </a:rPr>
-                        <m:t>, ∃</m:t>
-                      </m:r>
-                      <m:r>
-                        <a:rPr lang="en-US" i="1" smtClean="0">
-                          <a:solidFill>
-                            <a:sysClr val="windowText" lastClr="000000"/>
-                          </a:solidFill>
-                          <a:latin typeface="Cambria Math"/>
-                        </a:rPr>
-                        <m:t>𝑑</m:t>
-                      </m:r>
-                      <m:r>
-                        <a:rPr lang="en-US" i="1" smtClean="0">
-                          <a:solidFill>
-                            <a:sysClr val="windowText" lastClr="000000"/>
-                          </a:solidFill>
-                          <a:latin typeface="Cambria Math"/>
-                        </a:rPr>
-                        <m:t>∈</m:t>
-                      </m:r>
-                      <m:r>
-                        <a:rPr lang="en-US" i="1" smtClean="0">
-                          <a:solidFill>
-                            <a:sysClr val="windowText" lastClr="000000"/>
-                          </a:solidFill>
-                          <a:latin typeface="Cambria Math"/>
-                        </a:rPr>
-                        <m:t>𝐷</m:t>
-                      </m:r>
-                      <m:r>
-                        <a:rPr lang="en-US" i="1" smtClean="0">
-                          <a:solidFill>
-                            <a:sysClr val="windowText" lastClr="000000"/>
-                          </a:solidFill>
-                          <a:latin typeface="Cambria Math"/>
-                        </a:rPr>
-                        <m:t> :</m:t>
-                      </m:r>
-                      <m:r>
-                        <a:rPr lang="en-US" i="1" smtClean="0">
-                          <a:solidFill>
-                            <a:sysClr val="windowText" lastClr="000000"/>
-                          </a:solidFill>
-                          <a:latin typeface="Cambria Math"/>
-                        </a:rPr>
-                        <m:t>𝑓</m:t>
-                      </m:r>
-                      <m:d>
-                        <m:dPr>
-                          <m:ctrlPr>
-                            <a:rPr lang="en-US" i="1" smtClean="0">
-                              <a:solidFill>
-                                <a:sysClr val="windowText" lastClr="000000"/>
-                              </a:solidFill>
-                              <a:latin typeface="Cambria Math" panose="02040503050406030204" pitchFamily="18" charset="0"/>
-                            </a:rPr>
-                          </m:ctrlPr>
-                        </m:dPr>
-                        <m:e>
-                          <m:r>
-                            <a:rPr lang="en-US" i="1" smtClean="0">
-                              <a:solidFill>
-                                <a:sysClr val="windowText" lastClr="000000"/>
-                              </a:solidFill>
-                              <a:latin typeface="Cambria Math"/>
-                            </a:rPr>
-                            <m:t>𝑑</m:t>
-                          </m:r>
-                        </m:e>
-                      </m:d>
-                      <m:r>
-                        <a:rPr lang="en-US" i="1" smtClean="0">
-                          <a:solidFill>
-                            <a:sysClr val="windowText" lastClr="000000"/>
-                          </a:solidFill>
-                          <a:latin typeface="Cambria Math"/>
-                        </a:rPr>
-                        <m:t>=</m:t>
-                      </m:r>
-                      <m:r>
-                        <a:rPr lang="en-US" i="1" smtClean="0">
-                          <a:solidFill>
-                            <a:sysClr val="windowText" lastClr="000000"/>
-                          </a:solidFill>
-                          <a:latin typeface="Cambria Math"/>
-                        </a:rPr>
-                        <m:t>𝑐</m:t>
-                      </m:r>
-                    </m:oMath>
-                  </m:oMathPara>
-                </a14:m>
-                <a:endParaRPr lang="en-US" dirty="0">
-                  <a:solidFill>
-                    <a:sysClr val="windowText" lastClr="000000"/>
-                  </a:solidFill>
-                </a:endParaRPr>
-              </a:p>
-              <a:p>
-                <a:pPr marL="457200" lvl="1" indent="0">
-                  <a:buNone/>
-                </a:pPr>
-                <a:endParaRPr lang="en-US" dirty="0">
-                  <a:solidFill>
-                    <a:sysClr val="windowText" lastClr="000000"/>
-                  </a:solidFill>
-                </a:endParaRPr>
-              </a:p>
-              <a:p>
-                <a:pPr marL="457200" lvl="1" indent="0">
-                  <a:buNone/>
-                </a:pPr>
-                <a:r>
-                  <a:rPr lang="en-US" dirty="0">
-                    <a:solidFill>
-                      <a:sysClr val="windowText" lastClr="000000"/>
-                    </a:solidFill>
-                  </a:rPr>
-                  <a:t>Everything in </a:t>
-                </a:r>
-                <a14:m>
-                  <m:oMath xmlns:m="http://schemas.openxmlformats.org/officeDocument/2006/math">
-                    <m:r>
-                      <a:rPr lang="en-US" i="1" smtClean="0">
-                        <a:solidFill>
-                          <a:sysClr val="windowText" lastClr="000000"/>
-                        </a:solidFill>
-                        <a:latin typeface="Cambria Math"/>
-                      </a:rPr>
-                      <m:t>𝐶</m:t>
-                    </m:r>
-                  </m:oMath>
-                </a14:m>
-                <a:r>
-                  <a:rPr lang="en-US" dirty="0">
-                    <a:solidFill>
-                      <a:sysClr val="windowText" lastClr="000000"/>
-                    </a:solidFill>
-                  </a:rPr>
-                  <a:t> is the output of something in </a:t>
-                </a:r>
-                <a14:m>
-                  <m:oMath xmlns:m="http://schemas.openxmlformats.org/officeDocument/2006/math">
-                    <m:r>
-                      <a:rPr lang="en-US" i="1" smtClean="0">
-                        <a:solidFill>
-                          <a:sysClr val="windowText" lastClr="000000"/>
-                        </a:solidFill>
-                        <a:latin typeface="Cambria Math"/>
-                      </a:rPr>
-                      <m:t>𝑑</m:t>
-                    </m:r>
-                  </m:oMath>
-                </a14:m>
-                <a:endParaRPr lang="en-US" dirty="0">
-                  <a:solidFill>
-                    <a:sysClr val="windowText" lastClr="000000"/>
-                  </a:solidFill>
-                </a:endParaRPr>
-              </a:p>
-              <a:p>
-                <a:pPr lvl="1"/>
-                <a:endParaRPr lang="en-US" dirty="0">
-                  <a:solidFill>
-                    <a:sysClr val="windowText" lastClr="000000"/>
-                  </a:solidFill>
-                </a:endParaRPr>
-              </a:p>
-            </p:txBody>
-          </p:sp>
-        </mc:Choice>
-        <mc:Fallback xmlns="">
-          <p:sp>
-            <p:nvSpPr>
-              <p:cNvPr id="5" name="Content Placeholder 2">
-                <a:extLst>
-                  <a:ext uri="{FF2B5EF4-FFF2-40B4-BE49-F238E27FC236}">
-                    <a16:creationId xmlns:a16="http://schemas.microsoft.com/office/drawing/2014/main" id="{C37B560D-5EA4-D14B-91EB-DA73D955C05A}"/>
-                  </a:ext>
-                </a:extLst>
-              </p:cNvPr>
-              <p:cNvSpPr txBox="1">
-                <a:spLocks noRot="1" noChangeAspect="1" noMove="1" noResize="1" noEditPoints="1" noAdjustHandles="1" noChangeArrowheads="1" noChangeShapeType="1" noTextEdit="1"/>
-              </p:cNvSpPr>
-              <p:nvPr/>
-            </p:nvSpPr>
-            <p:spPr>
-              <a:xfrm>
-                <a:off x="5931333" y="3183467"/>
-                <a:ext cx="4344988" cy="1794933"/>
-              </a:xfrm>
-              <a:prstGeom prst="rect">
-                <a:avLst/>
-              </a:prstGeom>
-              <a:blipFill>
-                <a:blip r:embed="rId3"/>
-                <a:stretch>
-                  <a:fillRect/>
-                </a:stretch>
-              </a:blipFill>
-            </p:spPr>
-            <p:txBody>
-              <a:bodyPr/>
-              <a:lstStyle/>
-              <a:p>
-                <a:r>
-                  <a:rPr lang="en-US">
-                    <a:noFill/>
-                  </a:rPr>
-                  <a:t> </a:t>
-                </a:r>
-              </a:p>
-            </p:txBody>
-          </p:sp>
-        </mc:Fallback>
-      </mc:AlternateContent>
-      <p:sp>
-        <p:nvSpPr>
-          <p:cNvPr id="6" name="Content Placeholder 2">
-            <a:extLst>
-              <a:ext uri="{FF2B5EF4-FFF2-40B4-BE49-F238E27FC236}">
-                <a16:creationId xmlns:a16="http://schemas.microsoft.com/office/drawing/2014/main" id="{92A1A9F6-49F9-A84C-9AB8-8F78D8925BE3}"/>
-              </a:ext>
-            </a:extLst>
-          </p:cNvPr>
-          <p:cNvSpPr txBox="1">
-            <a:spLocks/>
-          </p:cNvSpPr>
-          <p:nvPr/>
-        </p:nvSpPr>
-        <p:spPr>
-          <a:xfrm>
-            <a:off x="6992793" y="2362200"/>
-            <a:ext cx="2222067" cy="651933"/>
-          </a:xfrm>
-          <a:prstGeom prst="rect">
-            <a:avLst/>
-          </a:prstGeom>
-        </p:spPr>
-        <p:txBody>
-          <a:bodyPr vert="horz" lIns="91440" tIns="45720" rIns="91440" bIns="45720" rtlCol="0">
-            <a:normAutofit/>
-          </a:bodyPr>
-          <a:lstStyle>
-            <a:lvl1pPr marL="228600" indent="-228600" algn="l" defTabSz="914400" rtl="0" eaLnBrk="1" latinLnBrk="0" hangingPunct="1">
-              <a:lnSpc>
-                <a:spcPct val="120000"/>
-              </a:lnSpc>
-              <a:spcBef>
-                <a:spcPts val="1000"/>
-              </a:spcBef>
-              <a:buSzPct val="125000"/>
-              <a:buFont typeface="Arial" panose="020B0604020202020204" pitchFamily="34" charset="0"/>
-              <a:buChar char="•"/>
-              <a:defRPr sz="2400" kern="1200">
-                <a:solidFill>
-                  <a:schemeClr val="tx1"/>
-                </a:solidFill>
-                <a:latin typeface="+mn-lt"/>
-                <a:ea typeface="+mn-ea"/>
-                <a:cs typeface="+mn-cs"/>
-              </a:defRPr>
-            </a:lvl1pPr>
-            <a:lvl2pPr marL="685800" indent="-228600" algn="l" defTabSz="914400" rtl="0" eaLnBrk="1" latinLnBrk="0" hangingPunct="1">
-              <a:lnSpc>
-                <a:spcPct val="120000"/>
-              </a:lnSpc>
-              <a:spcBef>
-                <a:spcPts val="500"/>
-              </a:spcBef>
-              <a:buSzPct val="125000"/>
-              <a:buFont typeface="Arial" panose="020B0604020202020204" pitchFamily="34" charset="0"/>
-              <a:buChar char="•"/>
-              <a:defRPr sz="2000" kern="1200">
-                <a:solidFill>
-                  <a:schemeClr val="tx1"/>
-                </a:solidFill>
-                <a:latin typeface="+mn-lt"/>
-                <a:ea typeface="+mn-ea"/>
-                <a:cs typeface="+mn-cs"/>
-              </a:defRPr>
-            </a:lvl2pPr>
-            <a:lvl3pPr marL="1143000" indent="-228600" algn="l" defTabSz="914400" rtl="0" eaLnBrk="1" latinLnBrk="0" hangingPunct="1">
-              <a:lnSpc>
-                <a:spcPct val="120000"/>
-              </a:lnSpc>
-              <a:spcBef>
-                <a:spcPts val="500"/>
-              </a:spcBef>
-              <a:buSzPct val="125000"/>
-              <a:buFont typeface="Arial" panose="020B0604020202020204" pitchFamily="34" charset="0"/>
-              <a:buChar char="•"/>
-              <a:defRPr sz="1800" kern="1200">
-                <a:solidFill>
-                  <a:schemeClr val="tx1"/>
-                </a:solidFill>
-                <a:latin typeface="+mn-lt"/>
-                <a:ea typeface="+mn-ea"/>
-                <a:cs typeface="+mn-cs"/>
-              </a:defRPr>
-            </a:lvl3pPr>
-            <a:lvl4pPr marL="1600200" indent="-228600" algn="l" defTabSz="914400" rtl="0" eaLnBrk="1" latinLnBrk="0" hangingPunct="1">
-              <a:lnSpc>
-                <a:spcPct val="120000"/>
-              </a:lnSpc>
-              <a:spcBef>
-                <a:spcPts val="500"/>
-              </a:spcBef>
-              <a:buSzPct val="125000"/>
-              <a:buFont typeface="Arial" panose="020B0604020202020204" pitchFamily="34" charset="0"/>
-              <a:buChar char="•"/>
-              <a:defRPr sz="1600" kern="1200">
-                <a:solidFill>
-                  <a:schemeClr val="tx1"/>
-                </a:solidFill>
-                <a:latin typeface="+mn-lt"/>
-                <a:ea typeface="+mn-ea"/>
-                <a:cs typeface="+mn-cs"/>
-              </a:defRPr>
-            </a:lvl4pPr>
-            <a:lvl5pPr marL="2057400" indent="-228600" algn="l" defTabSz="914400" rtl="0" eaLnBrk="1" latinLnBrk="0" hangingPunct="1">
-              <a:lnSpc>
-                <a:spcPct val="120000"/>
-              </a:lnSpc>
-              <a:spcBef>
-                <a:spcPts val="500"/>
-              </a:spcBef>
-              <a:buSzPct val="125000"/>
-              <a:buFont typeface="Arial" panose="020B0604020202020204" pitchFamily="34" charset="0"/>
-              <a:buChar char="•"/>
-              <a:defRPr sz="1600" kern="1200">
-                <a:solidFill>
-                  <a:schemeClr val="tx1"/>
-                </a:solidFill>
-                <a:latin typeface="+mn-lt"/>
-                <a:ea typeface="+mn-ea"/>
-                <a:cs typeface="+mn-cs"/>
-              </a:defRPr>
-            </a:lvl5pPr>
-            <a:lvl6pPr marL="2514600" indent="-228600" algn="l" defTabSz="914400" rtl="0" eaLnBrk="1" latinLnBrk="0" hangingPunct="1">
-              <a:lnSpc>
-                <a:spcPct val="120000"/>
-              </a:lnSpc>
-              <a:spcBef>
-                <a:spcPts val="500"/>
-              </a:spcBef>
-              <a:buSzPct val="125000"/>
-              <a:buFont typeface="Arial" panose="020B0604020202020204" pitchFamily="34" charset="0"/>
-              <a:buChar char="•"/>
-              <a:defRPr sz="1400" kern="1200">
-                <a:solidFill>
-                  <a:schemeClr val="tx1"/>
-                </a:solidFill>
-                <a:latin typeface="+mn-lt"/>
-                <a:ea typeface="+mn-ea"/>
-                <a:cs typeface="+mn-cs"/>
-              </a:defRPr>
-            </a:lvl6pPr>
-            <a:lvl7pPr marL="2971800" indent="-228600" algn="l" defTabSz="914400" rtl="0" eaLnBrk="1" latinLnBrk="0" hangingPunct="1">
-              <a:lnSpc>
-                <a:spcPct val="120000"/>
-              </a:lnSpc>
-              <a:spcBef>
-                <a:spcPts val="500"/>
-              </a:spcBef>
-              <a:buSzPct val="125000"/>
-              <a:buFont typeface="Arial" panose="020B0604020202020204" pitchFamily="34" charset="0"/>
-              <a:buChar char="•"/>
-              <a:defRPr sz="1400" kern="1200">
-                <a:solidFill>
-                  <a:schemeClr val="tx1"/>
-                </a:solidFill>
-                <a:latin typeface="+mn-lt"/>
-                <a:ea typeface="+mn-ea"/>
-                <a:cs typeface="+mn-cs"/>
-              </a:defRPr>
-            </a:lvl7pPr>
-            <a:lvl8pPr marL="3429000" indent="-228600" algn="l" defTabSz="914400" rtl="0" eaLnBrk="1" latinLnBrk="0" hangingPunct="1">
-              <a:lnSpc>
-                <a:spcPct val="120000"/>
-              </a:lnSpc>
-              <a:spcBef>
-                <a:spcPts val="500"/>
-              </a:spcBef>
-              <a:buSzPct val="125000"/>
-              <a:buFont typeface="Arial" panose="020B0604020202020204" pitchFamily="34" charset="0"/>
-              <a:buChar char="•"/>
-              <a:defRPr sz="1400" kern="1200">
-                <a:solidFill>
-                  <a:schemeClr val="tx1"/>
-                </a:solidFill>
-                <a:latin typeface="+mn-lt"/>
-                <a:ea typeface="+mn-ea"/>
-                <a:cs typeface="+mn-cs"/>
-              </a:defRPr>
-            </a:lvl8pPr>
-            <a:lvl9pPr marL="3886200" indent="-228600" algn="l" defTabSz="914400" rtl="0" eaLnBrk="1" latinLnBrk="0" hangingPunct="1">
-              <a:lnSpc>
-                <a:spcPct val="120000"/>
-              </a:lnSpc>
-              <a:spcBef>
-                <a:spcPts val="500"/>
-              </a:spcBef>
-              <a:buSzPct val="125000"/>
-              <a:buFont typeface="Arial" panose="020B0604020202020204" pitchFamily="34" charset="0"/>
-              <a:buChar char="•"/>
-              <a:defRPr sz="1400" kern="1200">
-                <a:solidFill>
-                  <a:schemeClr val="tx1"/>
-                </a:solidFill>
-                <a:latin typeface="+mn-lt"/>
-                <a:ea typeface="+mn-ea"/>
-                <a:cs typeface="+mn-cs"/>
-              </a:defRPr>
-            </a:lvl9pPr>
-          </a:lstStyle>
-          <a:p>
-            <a:pPr marL="0" indent="0">
-              <a:buNone/>
-            </a:pPr>
-            <a:r>
-              <a:rPr lang="en-US" dirty="0"/>
-              <a:t>Onto (surjective)</a:t>
-            </a:r>
-          </a:p>
-        </p:txBody>
-      </p:sp>
-      <p:sp>
-        <p:nvSpPr>
-          <p:cNvPr id="7" name="Content Placeholder 2">
-            <a:extLst>
-              <a:ext uri="{FF2B5EF4-FFF2-40B4-BE49-F238E27FC236}">
-                <a16:creationId xmlns:a16="http://schemas.microsoft.com/office/drawing/2014/main" id="{B47805C6-0E42-884C-9329-F61388B5B038}"/>
-              </a:ext>
-            </a:extLst>
-          </p:cNvPr>
-          <p:cNvSpPr txBox="1">
-            <a:spLocks/>
-          </p:cNvSpPr>
-          <p:nvPr/>
-        </p:nvSpPr>
-        <p:spPr>
-          <a:xfrm>
-            <a:off x="1420815" y="2446864"/>
-            <a:ext cx="3337453" cy="550335"/>
-          </a:xfrm>
-          <a:prstGeom prst="rect">
-            <a:avLst/>
-          </a:prstGeom>
-        </p:spPr>
-        <p:txBody>
-          <a:bodyPr vert="horz" lIns="91440" tIns="45720" rIns="91440" bIns="45720" rtlCol="0">
-            <a:normAutofit/>
-          </a:bodyPr>
-          <a:lstStyle>
-            <a:lvl1pPr marL="228600" indent="-228600" algn="l" defTabSz="914400" rtl="0" eaLnBrk="1" latinLnBrk="0" hangingPunct="1">
-              <a:lnSpc>
-                <a:spcPct val="120000"/>
-              </a:lnSpc>
-              <a:spcBef>
-                <a:spcPts val="1000"/>
-              </a:spcBef>
-              <a:buSzPct val="125000"/>
-              <a:buFont typeface="Arial" panose="020B0604020202020204" pitchFamily="34" charset="0"/>
-              <a:buChar char="•"/>
-              <a:defRPr sz="2400" kern="1200">
-                <a:solidFill>
-                  <a:schemeClr val="tx1"/>
-                </a:solidFill>
-                <a:latin typeface="+mn-lt"/>
-                <a:ea typeface="+mn-ea"/>
-                <a:cs typeface="+mn-cs"/>
-              </a:defRPr>
-            </a:lvl1pPr>
-            <a:lvl2pPr marL="685800" indent="-228600" algn="l" defTabSz="914400" rtl="0" eaLnBrk="1" latinLnBrk="0" hangingPunct="1">
-              <a:lnSpc>
-                <a:spcPct val="120000"/>
-              </a:lnSpc>
-              <a:spcBef>
-                <a:spcPts val="500"/>
-              </a:spcBef>
-              <a:buSzPct val="125000"/>
-              <a:buFont typeface="Arial" panose="020B0604020202020204" pitchFamily="34" charset="0"/>
-              <a:buChar char="•"/>
-              <a:defRPr sz="2000" kern="1200">
-                <a:solidFill>
-                  <a:schemeClr val="tx1"/>
-                </a:solidFill>
-                <a:latin typeface="+mn-lt"/>
-                <a:ea typeface="+mn-ea"/>
-                <a:cs typeface="+mn-cs"/>
-              </a:defRPr>
-            </a:lvl2pPr>
-            <a:lvl3pPr marL="1143000" indent="-228600" algn="l" defTabSz="914400" rtl="0" eaLnBrk="1" latinLnBrk="0" hangingPunct="1">
-              <a:lnSpc>
-                <a:spcPct val="120000"/>
-              </a:lnSpc>
-              <a:spcBef>
-                <a:spcPts val="500"/>
-              </a:spcBef>
-              <a:buSzPct val="125000"/>
-              <a:buFont typeface="Arial" panose="020B0604020202020204" pitchFamily="34" charset="0"/>
-              <a:buChar char="•"/>
-              <a:defRPr sz="1800" kern="1200">
-                <a:solidFill>
-                  <a:schemeClr val="tx1"/>
-                </a:solidFill>
-                <a:latin typeface="+mn-lt"/>
-                <a:ea typeface="+mn-ea"/>
-                <a:cs typeface="+mn-cs"/>
-              </a:defRPr>
-            </a:lvl3pPr>
-            <a:lvl4pPr marL="1600200" indent="-228600" algn="l" defTabSz="914400" rtl="0" eaLnBrk="1" latinLnBrk="0" hangingPunct="1">
-              <a:lnSpc>
-                <a:spcPct val="120000"/>
-              </a:lnSpc>
-              <a:spcBef>
-                <a:spcPts val="500"/>
-              </a:spcBef>
-              <a:buSzPct val="125000"/>
-              <a:buFont typeface="Arial" panose="020B0604020202020204" pitchFamily="34" charset="0"/>
-              <a:buChar char="•"/>
-              <a:defRPr sz="1600" kern="1200">
-                <a:solidFill>
-                  <a:schemeClr val="tx1"/>
-                </a:solidFill>
-                <a:latin typeface="+mn-lt"/>
-                <a:ea typeface="+mn-ea"/>
-                <a:cs typeface="+mn-cs"/>
-              </a:defRPr>
-            </a:lvl4pPr>
-            <a:lvl5pPr marL="2057400" indent="-228600" algn="l" defTabSz="914400" rtl="0" eaLnBrk="1" latinLnBrk="0" hangingPunct="1">
-              <a:lnSpc>
-                <a:spcPct val="120000"/>
-              </a:lnSpc>
-              <a:spcBef>
-                <a:spcPts val="500"/>
-              </a:spcBef>
-              <a:buSzPct val="125000"/>
-              <a:buFont typeface="Arial" panose="020B0604020202020204" pitchFamily="34" charset="0"/>
-              <a:buChar char="•"/>
-              <a:defRPr sz="1600" kern="1200">
-                <a:solidFill>
-                  <a:schemeClr val="tx1"/>
-                </a:solidFill>
-                <a:latin typeface="+mn-lt"/>
-                <a:ea typeface="+mn-ea"/>
-                <a:cs typeface="+mn-cs"/>
-              </a:defRPr>
-            </a:lvl5pPr>
-            <a:lvl6pPr marL="2514600" indent="-228600" algn="l" defTabSz="914400" rtl="0" eaLnBrk="1" latinLnBrk="0" hangingPunct="1">
-              <a:lnSpc>
-                <a:spcPct val="120000"/>
-              </a:lnSpc>
-              <a:spcBef>
-                <a:spcPts val="500"/>
-              </a:spcBef>
-              <a:buSzPct val="125000"/>
-              <a:buFont typeface="Arial" panose="020B0604020202020204" pitchFamily="34" charset="0"/>
-              <a:buChar char="•"/>
-              <a:defRPr sz="1400" kern="1200">
-                <a:solidFill>
-                  <a:schemeClr val="tx1"/>
-                </a:solidFill>
-                <a:latin typeface="+mn-lt"/>
-                <a:ea typeface="+mn-ea"/>
-                <a:cs typeface="+mn-cs"/>
-              </a:defRPr>
-            </a:lvl6pPr>
-            <a:lvl7pPr marL="2971800" indent="-228600" algn="l" defTabSz="914400" rtl="0" eaLnBrk="1" latinLnBrk="0" hangingPunct="1">
-              <a:lnSpc>
-                <a:spcPct val="120000"/>
-              </a:lnSpc>
-              <a:spcBef>
-                <a:spcPts val="500"/>
-              </a:spcBef>
-              <a:buSzPct val="125000"/>
-              <a:buFont typeface="Arial" panose="020B0604020202020204" pitchFamily="34" charset="0"/>
-              <a:buChar char="•"/>
-              <a:defRPr sz="1400" kern="1200">
-                <a:solidFill>
-                  <a:schemeClr val="tx1"/>
-                </a:solidFill>
-                <a:latin typeface="+mn-lt"/>
-                <a:ea typeface="+mn-ea"/>
-                <a:cs typeface="+mn-cs"/>
-              </a:defRPr>
-            </a:lvl7pPr>
-            <a:lvl8pPr marL="3429000" indent="-228600" algn="l" defTabSz="914400" rtl="0" eaLnBrk="1" latinLnBrk="0" hangingPunct="1">
-              <a:lnSpc>
-                <a:spcPct val="120000"/>
-              </a:lnSpc>
-              <a:spcBef>
-                <a:spcPts val="500"/>
-              </a:spcBef>
-              <a:buSzPct val="125000"/>
-              <a:buFont typeface="Arial" panose="020B0604020202020204" pitchFamily="34" charset="0"/>
-              <a:buChar char="•"/>
-              <a:defRPr sz="1400" kern="1200">
-                <a:solidFill>
-                  <a:schemeClr val="tx1"/>
-                </a:solidFill>
-                <a:latin typeface="+mn-lt"/>
-                <a:ea typeface="+mn-ea"/>
-                <a:cs typeface="+mn-cs"/>
-              </a:defRPr>
-            </a:lvl8pPr>
-            <a:lvl9pPr marL="3886200" indent="-228600" algn="l" defTabSz="914400" rtl="0" eaLnBrk="1" latinLnBrk="0" hangingPunct="1">
-              <a:lnSpc>
-                <a:spcPct val="120000"/>
-              </a:lnSpc>
-              <a:spcBef>
-                <a:spcPts val="500"/>
-              </a:spcBef>
-              <a:buSzPct val="125000"/>
-              <a:buFont typeface="Arial" panose="020B0604020202020204" pitchFamily="34" charset="0"/>
-              <a:buChar char="•"/>
-              <a:defRPr sz="1400" kern="1200">
-                <a:solidFill>
-                  <a:schemeClr val="tx1"/>
-                </a:solidFill>
-                <a:latin typeface="+mn-lt"/>
-                <a:ea typeface="+mn-ea"/>
-                <a:cs typeface="+mn-cs"/>
-              </a:defRPr>
-            </a:lvl9pPr>
-          </a:lstStyle>
-          <a:p>
-            <a:pPr marL="0" indent="0" algn="ctr">
-              <a:buNone/>
-            </a:pPr>
-            <a:r>
-              <a:rPr lang="en-US" dirty="0"/>
-              <a:t>One-to-one (injective)</a:t>
-            </a:r>
-          </a:p>
-        </p:txBody>
-      </p:sp>
-    </p:spTree>
-    <p:extLst>
-      <p:ext uri="{BB962C8B-B14F-4D97-AF65-F5344CB8AC3E}">
-        <p14:creationId xmlns:p14="http://schemas.microsoft.com/office/powerpoint/2010/main" val="1128505750"/>
-      </p:ext>
-    </p:extLst>
-  </p:cSld>
-  <p:clrMapOvr>
-    <a:masterClrMapping/>
-  </p:clrMapOvr>
-</p:sld>
-</file>
-
-<file path=ppt/slides/slide19.xml><?xml version="1.0" encoding="utf-8"?>
-<p:sld xmlns:a="http://schemas.openxmlformats.org/drawingml/2006/main" xmlns:r="http://schemas.openxmlformats.org/officeDocument/2006/relationships" xmlns:p="http://schemas.openxmlformats.org/presentationml/2006/main">
-  <p:cSld>
-    <p:spTree>
-      <p:nvGrpSpPr>
-        <p:cNvPr id="1" name=""/>
-        <p:cNvGrpSpPr/>
-        <p:nvPr/>
-      </p:nvGrpSpPr>
-      <p:grpSpPr>
-        <a:xfrm>
-          <a:off x="0" y="0"/>
-          <a:ext cx="0" cy="0"/>
-          <a:chOff x="0" y="0"/>
-          <a:chExt cx="0" cy="0"/>
-        </a:xfrm>
-      </p:grpSpPr>
-      <p:sp>
-        <p:nvSpPr>
           <p:cNvPr id="208898" name="Rectangle 2"/>
           <p:cNvSpPr>
             <a:spLocks noGrp="1" noChangeArrowheads="1"/>
@@ -28127,7 +26952,7 @@
               <a:pPr>
                 <a:defRPr/>
               </a:pPr>
-              <a:t>19</a:t>
+              <a:t>18</a:t>
             </a:fld>
             <a:endParaRPr lang="en-US"/>
           </a:p>
@@ -28378,6 +27203,1181 @@
     <p:extLst>
       <p:ext uri="{BB962C8B-B14F-4D97-AF65-F5344CB8AC3E}">
         <p14:creationId xmlns:p14="http://schemas.microsoft.com/office/powerpoint/2010/main" val="1540776733"/>
+      </p:ext>
+    </p:extLst>
+  </p:cSld>
+  <p:clrMapOvr>
+    <a:masterClrMapping/>
+  </p:clrMapOvr>
+</p:sld>
+</file>
+
+<file path=ppt/slides/slide19.xml><?xml version="1.0" encoding="utf-8"?>
+<p:sld xmlns:a="http://schemas.openxmlformats.org/drawingml/2006/main" xmlns:r="http://schemas.openxmlformats.org/officeDocument/2006/relationships" xmlns:p="http://schemas.openxmlformats.org/presentationml/2006/main">
+  <p:cSld>
+    <p:spTree>
+      <p:nvGrpSpPr>
+        <p:cNvPr id="1" name=""/>
+        <p:cNvGrpSpPr/>
+        <p:nvPr/>
+      </p:nvGrpSpPr>
+      <p:grpSpPr>
+        <a:xfrm>
+          <a:off x="0" y="0"/>
+          <a:ext cx="0" cy="0"/>
+          <a:chOff x="0" y="0"/>
+          <a:chExt cx="0" cy="0"/>
+        </a:xfrm>
+      </p:grpSpPr>
+      <p:sp>
+        <p:nvSpPr>
+          <p:cNvPr id="2" name="Title 1"/>
+          <p:cNvSpPr>
+            <a:spLocks noGrp="1"/>
+          </p:cNvSpPr>
+          <p:nvPr>
+            <p:ph type="title"/>
+          </p:nvPr>
+        </p:nvSpPr>
+        <p:spPr>
+          <a:xfrm>
+            <a:off x="1141413" y="542318"/>
+            <a:ext cx="9905998" cy="863149"/>
+          </a:xfrm>
+        </p:spPr>
+        <p:txBody>
+          <a:bodyPr/>
+          <a:lstStyle/>
+          <a:p>
+            <a:pPr algn="ctr"/>
+            <a:r>
+              <a:rPr lang="en-US" dirty="0"/>
+              <a:t>Properties of Functions</a:t>
+            </a:r>
+          </a:p>
+        </p:txBody>
+      </p:sp>
+      <mc:AlternateContent xmlns:mc="http://schemas.openxmlformats.org/markup-compatibility/2006" xmlns:a14="http://schemas.microsoft.com/office/drawing/2010/main">
+        <mc:Choice Requires="a14">
+          <p:sp>
+            <p:nvSpPr>
+              <p:cNvPr id="3" name="Content Placeholder 2"/>
+              <p:cNvSpPr>
+                <a:spLocks noGrp="1"/>
+              </p:cNvSpPr>
+              <p:nvPr>
+                <p:ph idx="1"/>
+              </p:nvPr>
+            </p:nvSpPr>
+            <p:spPr>
+              <a:xfrm>
+                <a:off x="1361547" y="3183467"/>
+                <a:ext cx="3455987" cy="702734"/>
+              </a:xfrm>
+              <a:solidFill>
+                <a:schemeClr val="tx1">
+                  <a:lumMod val="95000"/>
+                </a:schemeClr>
+              </a:solidFill>
+            </p:spPr>
+            <p:txBody>
+              <a:bodyPr>
+                <a:normAutofit/>
+              </a:bodyPr>
+              <a:lstStyle/>
+              <a:p>
+                <a:pPr marL="457200" lvl="1" indent="0" algn="ctr">
+                  <a:buNone/>
+                </a:pPr>
+                <a14:m>
+                  <m:oMathPara xmlns:m="http://schemas.openxmlformats.org/officeDocument/2006/math">
+                    <m:oMathParaPr>
+                      <m:jc m:val="left"/>
+                    </m:oMathParaPr>
+                    <m:oMath xmlns:m="http://schemas.openxmlformats.org/officeDocument/2006/math">
+                      <m:r>
+                        <a:rPr lang="en-US" b="0" i="1" smtClean="0">
+                          <a:solidFill>
+                            <a:sysClr val="windowText" lastClr="000000"/>
+                          </a:solidFill>
+                          <a:latin typeface="Cambria Math"/>
+                        </a:rPr>
+                        <m:t>𝑥</m:t>
+                      </m:r>
+                      <m:r>
+                        <a:rPr lang="en-US" b="0" i="1" smtClean="0">
+                          <a:solidFill>
+                            <a:sysClr val="windowText" lastClr="000000"/>
+                          </a:solidFill>
+                          <a:latin typeface="Cambria Math"/>
+                        </a:rPr>
+                        <m:t>≠</m:t>
+                      </m:r>
+                      <m:r>
+                        <a:rPr lang="en-US" b="0" i="1" smtClean="0">
+                          <a:solidFill>
+                            <a:sysClr val="windowText" lastClr="000000"/>
+                          </a:solidFill>
+                          <a:latin typeface="Cambria Math"/>
+                        </a:rPr>
+                        <m:t>𝑦</m:t>
+                      </m:r>
+                      <m:r>
+                        <a:rPr lang="en-US" b="0" i="1" smtClean="0">
+                          <a:solidFill>
+                            <a:sysClr val="windowText" lastClr="000000"/>
+                          </a:solidFill>
+                          <a:latin typeface="Cambria Math"/>
+                        </a:rPr>
+                        <m:t>⇒</m:t>
+                      </m:r>
+                      <m:r>
+                        <a:rPr lang="en-US" b="0" i="1" smtClean="0">
+                          <a:solidFill>
+                            <a:sysClr val="windowText" lastClr="000000"/>
+                          </a:solidFill>
+                          <a:latin typeface="Cambria Math"/>
+                        </a:rPr>
+                        <m:t>𝑓</m:t>
+                      </m:r>
+                      <m:d>
+                        <m:dPr>
+                          <m:ctrlPr>
+                            <a:rPr lang="en-US" b="0" i="1" smtClean="0">
+                              <a:solidFill>
+                                <a:sysClr val="windowText" lastClr="000000"/>
+                              </a:solidFill>
+                              <a:latin typeface="Cambria Math" panose="02040503050406030204" pitchFamily="18" charset="0"/>
+                            </a:rPr>
+                          </m:ctrlPr>
+                        </m:dPr>
+                        <m:e>
+                          <m:r>
+                            <a:rPr lang="en-US" b="0" i="1" smtClean="0">
+                              <a:solidFill>
+                                <a:sysClr val="windowText" lastClr="000000"/>
+                              </a:solidFill>
+                              <a:latin typeface="Cambria Math"/>
+                            </a:rPr>
+                            <m:t>𝑥</m:t>
+                          </m:r>
+                        </m:e>
+                      </m:d>
+                      <m:r>
+                        <a:rPr lang="en-US" b="0" i="1" smtClean="0">
+                          <a:solidFill>
+                            <a:sysClr val="windowText" lastClr="000000"/>
+                          </a:solidFill>
+                          <a:latin typeface="Cambria Math"/>
+                        </a:rPr>
+                        <m:t>≠</m:t>
+                      </m:r>
+                      <m:r>
+                        <a:rPr lang="en-US" b="0" i="1" smtClean="0">
+                          <a:solidFill>
+                            <a:sysClr val="windowText" lastClr="000000"/>
+                          </a:solidFill>
+                          <a:latin typeface="Cambria Math"/>
+                        </a:rPr>
+                        <m:t>𝑓</m:t>
+                      </m:r>
+                      <m:d>
+                        <m:dPr>
+                          <m:ctrlPr>
+                            <a:rPr lang="en-US" b="0" i="1" smtClean="0">
+                              <a:solidFill>
+                                <a:sysClr val="windowText" lastClr="000000"/>
+                              </a:solidFill>
+                              <a:latin typeface="Cambria Math" panose="02040503050406030204" pitchFamily="18" charset="0"/>
+                            </a:rPr>
+                          </m:ctrlPr>
+                        </m:dPr>
+                        <m:e>
+                          <m:r>
+                            <a:rPr lang="en-US" b="0" i="1" smtClean="0">
+                              <a:solidFill>
+                                <a:sysClr val="windowText" lastClr="000000"/>
+                              </a:solidFill>
+                              <a:latin typeface="Cambria Math"/>
+                            </a:rPr>
+                            <m:t>𝑦</m:t>
+                          </m:r>
+                        </m:e>
+                      </m:d>
+                    </m:oMath>
+                  </m:oMathPara>
+                </a14:m>
+                <a:endParaRPr lang="en-US" b="0" dirty="0">
+                  <a:solidFill>
+                    <a:sysClr val="windowText" lastClr="000000"/>
+                  </a:solidFill>
+                </a:endParaRPr>
+              </a:p>
+            </p:txBody>
+          </p:sp>
+        </mc:Choice>
+        <mc:Fallback xmlns="">
+          <p:sp>
+            <p:nvSpPr>
+              <p:cNvPr id="3" name="Content Placeholder 2"/>
+              <p:cNvSpPr>
+                <a:spLocks noGrp="1" noRot="1" noChangeAspect="1" noMove="1" noResize="1" noEditPoints="1" noAdjustHandles="1" noChangeArrowheads="1" noChangeShapeType="1" noTextEdit="1"/>
+              </p:cNvSpPr>
+              <p:nvPr>
+                <p:ph idx="1"/>
+              </p:nvPr>
+            </p:nvSpPr>
+            <p:spPr>
+              <a:xfrm>
+                <a:off x="1361547" y="3183467"/>
+                <a:ext cx="3455987" cy="702734"/>
+              </a:xfrm>
+              <a:blipFill>
+                <a:blip r:embed="rId2"/>
+                <a:stretch>
+                  <a:fillRect/>
+                </a:stretch>
+              </a:blipFill>
+            </p:spPr>
+            <p:txBody>
+              <a:bodyPr/>
+              <a:lstStyle/>
+              <a:p>
+                <a:r>
+                  <a:rPr lang="en-US">
+                    <a:noFill/>
+                  </a:rPr>
+                  <a:t> </a:t>
+                </a:r>
+              </a:p>
+            </p:txBody>
+          </p:sp>
+        </mc:Fallback>
+      </mc:AlternateContent>
+      <p:sp>
+        <p:nvSpPr>
+          <p:cNvPr id="4" name="Slide Number Placeholder 3"/>
+          <p:cNvSpPr>
+            <a:spLocks noGrp="1"/>
+          </p:cNvSpPr>
+          <p:nvPr>
+            <p:ph type="sldNum" sz="quarter" idx="12"/>
+          </p:nvPr>
+        </p:nvSpPr>
+        <p:spPr/>
+        <p:txBody>
+          <a:bodyPr/>
+          <a:lstStyle/>
+          <a:p>
+            <a:fld id="{9BB9F8D7-E2A3-4222-BD86-A63794DF33E7}" type="slidenum">
+              <a:rPr lang="en-US" smtClean="0"/>
+              <a:t>19</a:t>
+            </a:fld>
+            <a:endParaRPr lang="en-US"/>
+          </a:p>
+        </p:txBody>
+      </p:sp>
+      <mc:AlternateContent xmlns:mc="http://schemas.openxmlformats.org/markup-compatibility/2006" xmlns:a14="http://schemas.microsoft.com/office/drawing/2010/main">
+        <mc:Choice Requires="a14">
+          <p:sp>
+            <p:nvSpPr>
+              <p:cNvPr id="5" name="Content Placeholder 2">
+                <a:extLst>
+                  <a:ext uri="{FF2B5EF4-FFF2-40B4-BE49-F238E27FC236}">
+                    <a16:creationId xmlns:a16="http://schemas.microsoft.com/office/drawing/2014/main" id="{C37B560D-5EA4-D14B-91EB-DA73D955C05A}"/>
+                  </a:ext>
+                </a:extLst>
+              </p:cNvPr>
+              <p:cNvSpPr txBox="1">
+                <a:spLocks/>
+              </p:cNvSpPr>
+              <p:nvPr/>
+            </p:nvSpPr>
+            <p:spPr>
+              <a:xfrm>
+                <a:off x="5931333" y="3183467"/>
+                <a:ext cx="4344988" cy="1794933"/>
+              </a:xfrm>
+              <a:prstGeom prst="rect">
+                <a:avLst/>
+              </a:prstGeom>
+              <a:solidFill>
+                <a:schemeClr val="tx1">
+                  <a:lumMod val="95000"/>
+                </a:schemeClr>
+              </a:solidFill>
+            </p:spPr>
+            <p:txBody>
+              <a:bodyPr vert="horz" lIns="91440" tIns="45720" rIns="91440" bIns="45720" rtlCol="0">
+                <a:normAutofit/>
+              </a:bodyPr>
+              <a:lstStyle>
+                <a:lvl1pPr marL="228600" indent="-228600" algn="l" defTabSz="914400" rtl="0" eaLnBrk="1" latinLnBrk="0" hangingPunct="1">
+                  <a:lnSpc>
+                    <a:spcPct val="120000"/>
+                  </a:lnSpc>
+                  <a:spcBef>
+                    <a:spcPts val="1000"/>
+                  </a:spcBef>
+                  <a:buSzPct val="125000"/>
+                  <a:buFont typeface="Arial" panose="020B0604020202020204" pitchFamily="34" charset="0"/>
+                  <a:buChar char="•"/>
+                  <a:defRPr sz="2400" kern="1200">
+                    <a:solidFill>
+                      <a:schemeClr val="tx1"/>
+                    </a:solidFill>
+                    <a:latin typeface="+mn-lt"/>
+                    <a:ea typeface="+mn-ea"/>
+                    <a:cs typeface="+mn-cs"/>
+                  </a:defRPr>
+                </a:lvl1pPr>
+                <a:lvl2pPr marL="685800" indent="-228600" algn="l" defTabSz="914400" rtl="0" eaLnBrk="1" latinLnBrk="0" hangingPunct="1">
+                  <a:lnSpc>
+                    <a:spcPct val="120000"/>
+                  </a:lnSpc>
+                  <a:spcBef>
+                    <a:spcPts val="500"/>
+                  </a:spcBef>
+                  <a:buSzPct val="125000"/>
+                  <a:buFont typeface="Arial" panose="020B0604020202020204" pitchFamily="34" charset="0"/>
+                  <a:buChar char="•"/>
+                  <a:defRPr sz="2000" kern="1200">
+                    <a:solidFill>
+                      <a:schemeClr val="tx1"/>
+                    </a:solidFill>
+                    <a:latin typeface="+mn-lt"/>
+                    <a:ea typeface="+mn-ea"/>
+                    <a:cs typeface="+mn-cs"/>
+                  </a:defRPr>
+                </a:lvl2pPr>
+                <a:lvl3pPr marL="1143000" indent="-228600" algn="l" defTabSz="914400" rtl="0" eaLnBrk="1" latinLnBrk="0" hangingPunct="1">
+                  <a:lnSpc>
+                    <a:spcPct val="120000"/>
+                  </a:lnSpc>
+                  <a:spcBef>
+                    <a:spcPts val="500"/>
+                  </a:spcBef>
+                  <a:buSzPct val="125000"/>
+                  <a:buFont typeface="Arial" panose="020B0604020202020204" pitchFamily="34" charset="0"/>
+                  <a:buChar char="•"/>
+                  <a:defRPr sz="1800" kern="1200">
+                    <a:solidFill>
+                      <a:schemeClr val="tx1"/>
+                    </a:solidFill>
+                    <a:latin typeface="+mn-lt"/>
+                    <a:ea typeface="+mn-ea"/>
+                    <a:cs typeface="+mn-cs"/>
+                  </a:defRPr>
+                </a:lvl3pPr>
+                <a:lvl4pPr marL="1600200" indent="-228600" algn="l" defTabSz="914400" rtl="0" eaLnBrk="1" latinLnBrk="0" hangingPunct="1">
+                  <a:lnSpc>
+                    <a:spcPct val="120000"/>
+                  </a:lnSpc>
+                  <a:spcBef>
+                    <a:spcPts val="500"/>
+                  </a:spcBef>
+                  <a:buSzPct val="125000"/>
+                  <a:buFont typeface="Arial" panose="020B0604020202020204" pitchFamily="34" charset="0"/>
+                  <a:buChar char="•"/>
+                  <a:defRPr sz="1600" kern="1200">
+                    <a:solidFill>
+                      <a:schemeClr val="tx1"/>
+                    </a:solidFill>
+                    <a:latin typeface="+mn-lt"/>
+                    <a:ea typeface="+mn-ea"/>
+                    <a:cs typeface="+mn-cs"/>
+                  </a:defRPr>
+                </a:lvl4pPr>
+                <a:lvl5pPr marL="2057400" indent="-228600" algn="l" defTabSz="914400" rtl="0" eaLnBrk="1" latinLnBrk="0" hangingPunct="1">
+                  <a:lnSpc>
+                    <a:spcPct val="120000"/>
+                  </a:lnSpc>
+                  <a:spcBef>
+                    <a:spcPts val="500"/>
+                  </a:spcBef>
+                  <a:buSzPct val="125000"/>
+                  <a:buFont typeface="Arial" panose="020B0604020202020204" pitchFamily="34" charset="0"/>
+                  <a:buChar char="•"/>
+                  <a:defRPr sz="1600" kern="1200">
+                    <a:solidFill>
+                      <a:schemeClr val="tx1"/>
+                    </a:solidFill>
+                    <a:latin typeface="+mn-lt"/>
+                    <a:ea typeface="+mn-ea"/>
+                    <a:cs typeface="+mn-cs"/>
+                  </a:defRPr>
+                </a:lvl5pPr>
+                <a:lvl6pPr marL="2514600" indent="-228600" algn="l" defTabSz="914400" rtl="0" eaLnBrk="1" latinLnBrk="0" hangingPunct="1">
+                  <a:lnSpc>
+                    <a:spcPct val="120000"/>
+                  </a:lnSpc>
+                  <a:spcBef>
+                    <a:spcPts val="500"/>
+                  </a:spcBef>
+                  <a:buSzPct val="125000"/>
+                  <a:buFont typeface="Arial" panose="020B0604020202020204" pitchFamily="34" charset="0"/>
+                  <a:buChar char="•"/>
+                  <a:defRPr sz="1400" kern="1200">
+                    <a:solidFill>
+                      <a:schemeClr val="tx1"/>
+                    </a:solidFill>
+                    <a:latin typeface="+mn-lt"/>
+                    <a:ea typeface="+mn-ea"/>
+                    <a:cs typeface="+mn-cs"/>
+                  </a:defRPr>
+                </a:lvl6pPr>
+                <a:lvl7pPr marL="2971800" indent="-228600" algn="l" defTabSz="914400" rtl="0" eaLnBrk="1" latinLnBrk="0" hangingPunct="1">
+                  <a:lnSpc>
+                    <a:spcPct val="120000"/>
+                  </a:lnSpc>
+                  <a:spcBef>
+                    <a:spcPts val="500"/>
+                  </a:spcBef>
+                  <a:buSzPct val="125000"/>
+                  <a:buFont typeface="Arial" panose="020B0604020202020204" pitchFamily="34" charset="0"/>
+                  <a:buChar char="•"/>
+                  <a:defRPr sz="1400" kern="1200">
+                    <a:solidFill>
+                      <a:schemeClr val="tx1"/>
+                    </a:solidFill>
+                    <a:latin typeface="+mn-lt"/>
+                    <a:ea typeface="+mn-ea"/>
+                    <a:cs typeface="+mn-cs"/>
+                  </a:defRPr>
+                </a:lvl7pPr>
+                <a:lvl8pPr marL="3429000" indent="-228600" algn="l" defTabSz="914400" rtl="0" eaLnBrk="1" latinLnBrk="0" hangingPunct="1">
+                  <a:lnSpc>
+                    <a:spcPct val="120000"/>
+                  </a:lnSpc>
+                  <a:spcBef>
+                    <a:spcPts val="500"/>
+                  </a:spcBef>
+                  <a:buSzPct val="125000"/>
+                  <a:buFont typeface="Arial" panose="020B0604020202020204" pitchFamily="34" charset="0"/>
+                  <a:buChar char="•"/>
+                  <a:defRPr sz="1400" kern="1200">
+                    <a:solidFill>
+                      <a:schemeClr val="tx1"/>
+                    </a:solidFill>
+                    <a:latin typeface="+mn-lt"/>
+                    <a:ea typeface="+mn-ea"/>
+                    <a:cs typeface="+mn-cs"/>
+                  </a:defRPr>
+                </a:lvl8pPr>
+                <a:lvl9pPr marL="3886200" indent="-228600" algn="l" defTabSz="914400" rtl="0" eaLnBrk="1" latinLnBrk="0" hangingPunct="1">
+                  <a:lnSpc>
+                    <a:spcPct val="120000"/>
+                  </a:lnSpc>
+                  <a:spcBef>
+                    <a:spcPts val="500"/>
+                  </a:spcBef>
+                  <a:buSzPct val="125000"/>
+                  <a:buFont typeface="Arial" panose="020B0604020202020204" pitchFamily="34" charset="0"/>
+                  <a:buChar char="•"/>
+                  <a:defRPr sz="1400" kern="1200">
+                    <a:solidFill>
+                      <a:schemeClr val="tx1"/>
+                    </a:solidFill>
+                    <a:latin typeface="+mn-lt"/>
+                    <a:ea typeface="+mn-ea"/>
+                    <a:cs typeface="+mn-cs"/>
+                  </a:defRPr>
+                </a:lvl9pPr>
+              </a:lstStyle>
+              <a:p>
+                <a:pPr marL="457200" lvl="1" indent="0">
+                  <a:buNone/>
+                </a:pPr>
+                <a14:m>
+                  <m:oMathPara xmlns:m="http://schemas.openxmlformats.org/officeDocument/2006/math">
+                    <m:oMathParaPr>
+                      <m:jc m:val="centerGroup"/>
+                    </m:oMathParaPr>
+                    <m:oMath xmlns:m="http://schemas.openxmlformats.org/officeDocument/2006/math">
+                      <m:r>
+                        <a:rPr lang="en-US" i="1" smtClean="0">
+                          <a:solidFill>
+                            <a:sysClr val="windowText" lastClr="000000"/>
+                          </a:solidFill>
+                          <a:latin typeface="Cambria Math"/>
+                        </a:rPr>
+                        <m:t>∀</m:t>
+                      </m:r>
+                      <m:r>
+                        <a:rPr lang="en-US" i="1" smtClean="0">
+                          <a:solidFill>
+                            <a:sysClr val="windowText" lastClr="000000"/>
+                          </a:solidFill>
+                          <a:latin typeface="Cambria Math"/>
+                        </a:rPr>
+                        <m:t>𝑐</m:t>
+                      </m:r>
+                      <m:r>
+                        <a:rPr lang="en-US" i="1" smtClean="0">
+                          <a:solidFill>
+                            <a:sysClr val="windowText" lastClr="000000"/>
+                          </a:solidFill>
+                          <a:latin typeface="Cambria Math"/>
+                        </a:rPr>
+                        <m:t>∈</m:t>
+                      </m:r>
+                      <m:r>
+                        <a:rPr lang="en-US" i="1" smtClean="0">
+                          <a:solidFill>
+                            <a:sysClr val="windowText" lastClr="000000"/>
+                          </a:solidFill>
+                          <a:latin typeface="Cambria Math"/>
+                        </a:rPr>
+                        <m:t>𝐶</m:t>
+                      </m:r>
+                      <m:r>
+                        <a:rPr lang="en-US" i="1" smtClean="0">
+                          <a:solidFill>
+                            <a:sysClr val="windowText" lastClr="000000"/>
+                          </a:solidFill>
+                          <a:latin typeface="Cambria Math"/>
+                        </a:rPr>
+                        <m:t>, ∃</m:t>
+                      </m:r>
+                      <m:r>
+                        <a:rPr lang="en-US" i="1" smtClean="0">
+                          <a:solidFill>
+                            <a:sysClr val="windowText" lastClr="000000"/>
+                          </a:solidFill>
+                          <a:latin typeface="Cambria Math"/>
+                        </a:rPr>
+                        <m:t>𝑑</m:t>
+                      </m:r>
+                      <m:r>
+                        <a:rPr lang="en-US" i="1" smtClean="0">
+                          <a:solidFill>
+                            <a:sysClr val="windowText" lastClr="000000"/>
+                          </a:solidFill>
+                          <a:latin typeface="Cambria Math"/>
+                        </a:rPr>
+                        <m:t>∈</m:t>
+                      </m:r>
+                      <m:r>
+                        <a:rPr lang="en-US" i="1" smtClean="0">
+                          <a:solidFill>
+                            <a:sysClr val="windowText" lastClr="000000"/>
+                          </a:solidFill>
+                          <a:latin typeface="Cambria Math"/>
+                        </a:rPr>
+                        <m:t>𝐷</m:t>
+                      </m:r>
+                      <m:r>
+                        <a:rPr lang="en-US" i="1" smtClean="0">
+                          <a:solidFill>
+                            <a:sysClr val="windowText" lastClr="000000"/>
+                          </a:solidFill>
+                          <a:latin typeface="Cambria Math"/>
+                        </a:rPr>
+                        <m:t> :</m:t>
+                      </m:r>
+                      <m:r>
+                        <a:rPr lang="en-US" i="1" smtClean="0">
+                          <a:solidFill>
+                            <a:sysClr val="windowText" lastClr="000000"/>
+                          </a:solidFill>
+                          <a:latin typeface="Cambria Math"/>
+                        </a:rPr>
+                        <m:t>𝑓</m:t>
+                      </m:r>
+                      <m:d>
+                        <m:dPr>
+                          <m:ctrlPr>
+                            <a:rPr lang="en-US" i="1" smtClean="0">
+                              <a:solidFill>
+                                <a:sysClr val="windowText" lastClr="000000"/>
+                              </a:solidFill>
+                              <a:latin typeface="Cambria Math" panose="02040503050406030204" pitchFamily="18" charset="0"/>
+                            </a:rPr>
+                          </m:ctrlPr>
+                        </m:dPr>
+                        <m:e>
+                          <m:r>
+                            <a:rPr lang="en-US" i="1" smtClean="0">
+                              <a:solidFill>
+                                <a:sysClr val="windowText" lastClr="000000"/>
+                              </a:solidFill>
+                              <a:latin typeface="Cambria Math"/>
+                            </a:rPr>
+                            <m:t>𝑑</m:t>
+                          </m:r>
+                        </m:e>
+                      </m:d>
+                      <m:r>
+                        <a:rPr lang="en-US" i="1" smtClean="0">
+                          <a:solidFill>
+                            <a:sysClr val="windowText" lastClr="000000"/>
+                          </a:solidFill>
+                          <a:latin typeface="Cambria Math"/>
+                        </a:rPr>
+                        <m:t>=</m:t>
+                      </m:r>
+                      <m:r>
+                        <a:rPr lang="en-US" i="1" smtClean="0">
+                          <a:solidFill>
+                            <a:sysClr val="windowText" lastClr="000000"/>
+                          </a:solidFill>
+                          <a:latin typeface="Cambria Math"/>
+                        </a:rPr>
+                        <m:t>𝑐</m:t>
+                      </m:r>
+                    </m:oMath>
+                  </m:oMathPara>
+                </a14:m>
+                <a:endParaRPr lang="en-US" dirty="0">
+                  <a:solidFill>
+                    <a:sysClr val="windowText" lastClr="000000"/>
+                  </a:solidFill>
+                </a:endParaRPr>
+              </a:p>
+              <a:p>
+                <a:pPr marL="457200" lvl="1" indent="0">
+                  <a:buNone/>
+                </a:pPr>
+                <a:endParaRPr lang="en-US" dirty="0">
+                  <a:solidFill>
+                    <a:sysClr val="windowText" lastClr="000000"/>
+                  </a:solidFill>
+                </a:endParaRPr>
+              </a:p>
+              <a:p>
+                <a:pPr marL="457200" lvl="1" indent="0">
+                  <a:buNone/>
+                </a:pPr>
+                <a:r>
+                  <a:rPr lang="en-US" dirty="0">
+                    <a:solidFill>
+                      <a:sysClr val="windowText" lastClr="000000"/>
+                    </a:solidFill>
+                  </a:rPr>
+                  <a:t>Everything in </a:t>
+                </a:r>
+                <a14:m>
+                  <m:oMath xmlns:m="http://schemas.openxmlformats.org/officeDocument/2006/math">
+                    <m:r>
+                      <a:rPr lang="en-US" i="1" smtClean="0">
+                        <a:solidFill>
+                          <a:sysClr val="windowText" lastClr="000000"/>
+                        </a:solidFill>
+                        <a:latin typeface="Cambria Math"/>
+                      </a:rPr>
+                      <m:t>𝐶</m:t>
+                    </m:r>
+                  </m:oMath>
+                </a14:m>
+                <a:r>
+                  <a:rPr lang="en-US" dirty="0">
+                    <a:solidFill>
+                      <a:sysClr val="windowText" lastClr="000000"/>
+                    </a:solidFill>
+                  </a:rPr>
+                  <a:t> is the output of something in </a:t>
+                </a:r>
+                <a14:m>
+                  <m:oMath xmlns:m="http://schemas.openxmlformats.org/officeDocument/2006/math">
+                    <m:r>
+                      <a:rPr lang="en-US" i="1" smtClean="0">
+                        <a:solidFill>
+                          <a:sysClr val="windowText" lastClr="000000"/>
+                        </a:solidFill>
+                        <a:latin typeface="Cambria Math"/>
+                      </a:rPr>
+                      <m:t>𝑑</m:t>
+                    </m:r>
+                  </m:oMath>
+                </a14:m>
+                <a:endParaRPr lang="en-US" dirty="0">
+                  <a:solidFill>
+                    <a:sysClr val="windowText" lastClr="000000"/>
+                  </a:solidFill>
+                </a:endParaRPr>
+              </a:p>
+              <a:p>
+                <a:pPr lvl="1"/>
+                <a:endParaRPr lang="en-US" dirty="0">
+                  <a:solidFill>
+                    <a:sysClr val="windowText" lastClr="000000"/>
+                  </a:solidFill>
+                </a:endParaRPr>
+              </a:p>
+            </p:txBody>
+          </p:sp>
+        </mc:Choice>
+        <mc:Fallback xmlns="">
+          <p:sp>
+            <p:nvSpPr>
+              <p:cNvPr id="5" name="Content Placeholder 2">
+                <a:extLst>
+                  <a:ext uri="{FF2B5EF4-FFF2-40B4-BE49-F238E27FC236}">
+                    <a16:creationId xmlns:a16="http://schemas.microsoft.com/office/drawing/2014/main" id="{C37B560D-5EA4-D14B-91EB-DA73D955C05A}"/>
+                  </a:ext>
+                </a:extLst>
+              </p:cNvPr>
+              <p:cNvSpPr txBox="1">
+                <a:spLocks noRot="1" noChangeAspect="1" noMove="1" noResize="1" noEditPoints="1" noAdjustHandles="1" noChangeArrowheads="1" noChangeShapeType="1" noTextEdit="1"/>
+              </p:cNvSpPr>
+              <p:nvPr/>
+            </p:nvSpPr>
+            <p:spPr>
+              <a:xfrm>
+                <a:off x="5931333" y="3183467"/>
+                <a:ext cx="4344988" cy="1794933"/>
+              </a:xfrm>
+              <a:prstGeom prst="rect">
+                <a:avLst/>
+              </a:prstGeom>
+              <a:blipFill>
+                <a:blip r:embed="rId3"/>
+                <a:stretch>
+                  <a:fillRect/>
+                </a:stretch>
+              </a:blipFill>
+            </p:spPr>
+            <p:txBody>
+              <a:bodyPr/>
+              <a:lstStyle/>
+              <a:p>
+                <a:r>
+                  <a:rPr lang="en-US">
+                    <a:noFill/>
+                  </a:rPr>
+                  <a:t> </a:t>
+                </a:r>
+              </a:p>
+            </p:txBody>
+          </p:sp>
+        </mc:Fallback>
+      </mc:AlternateContent>
+      <p:sp>
+        <p:nvSpPr>
+          <p:cNvPr id="6" name="Content Placeholder 2">
+            <a:extLst>
+              <a:ext uri="{FF2B5EF4-FFF2-40B4-BE49-F238E27FC236}">
+                <a16:creationId xmlns:a16="http://schemas.microsoft.com/office/drawing/2014/main" id="{92A1A9F6-49F9-A84C-9AB8-8F78D8925BE3}"/>
+              </a:ext>
+            </a:extLst>
+          </p:cNvPr>
+          <p:cNvSpPr txBox="1">
+            <a:spLocks/>
+          </p:cNvSpPr>
+          <p:nvPr/>
+        </p:nvSpPr>
+        <p:spPr>
+          <a:xfrm>
+            <a:off x="6992793" y="2362200"/>
+            <a:ext cx="2222067" cy="651933"/>
+          </a:xfrm>
+          <a:prstGeom prst="rect">
+            <a:avLst/>
+          </a:prstGeom>
+        </p:spPr>
+        <p:txBody>
+          <a:bodyPr vert="horz" lIns="91440" tIns="45720" rIns="91440" bIns="45720" rtlCol="0">
+            <a:normAutofit/>
+          </a:bodyPr>
+          <a:lstStyle>
+            <a:lvl1pPr marL="228600" indent="-228600" algn="l" defTabSz="914400" rtl="0" eaLnBrk="1" latinLnBrk="0" hangingPunct="1">
+              <a:lnSpc>
+                <a:spcPct val="120000"/>
+              </a:lnSpc>
+              <a:spcBef>
+                <a:spcPts val="1000"/>
+              </a:spcBef>
+              <a:buSzPct val="125000"/>
+              <a:buFont typeface="Arial" panose="020B0604020202020204" pitchFamily="34" charset="0"/>
+              <a:buChar char="•"/>
+              <a:defRPr sz="2400" kern="1200">
+                <a:solidFill>
+                  <a:schemeClr val="tx1"/>
+                </a:solidFill>
+                <a:latin typeface="+mn-lt"/>
+                <a:ea typeface="+mn-ea"/>
+                <a:cs typeface="+mn-cs"/>
+              </a:defRPr>
+            </a:lvl1pPr>
+            <a:lvl2pPr marL="685800" indent="-228600" algn="l" defTabSz="914400" rtl="0" eaLnBrk="1" latinLnBrk="0" hangingPunct="1">
+              <a:lnSpc>
+                <a:spcPct val="120000"/>
+              </a:lnSpc>
+              <a:spcBef>
+                <a:spcPts val="500"/>
+              </a:spcBef>
+              <a:buSzPct val="125000"/>
+              <a:buFont typeface="Arial" panose="020B0604020202020204" pitchFamily="34" charset="0"/>
+              <a:buChar char="•"/>
+              <a:defRPr sz="2000" kern="1200">
+                <a:solidFill>
+                  <a:schemeClr val="tx1"/>
+                </a:solidFill>
+                <a:latin typeface="+mn-lt"/>
+                <a:ea typeface="+mn-ea"/>
+                <a:cs typeface="+mn-cs"/>
+              </a:defRPr>
+            </a:lvl2pPr>
+            <a:lvl3pPr marL="1143000" indent="-228600" algn="l" defTabSz="914400" rtl="0" eaLnBrk="1" latinLnBrk="0" hangingPunct="1">
+              <a:lnSpc>
+                <a:spcPct val="120000"/>
+              </a:lnSpc>
+              <a:spcBef>
+                <a:spcPts val="500"/>
+              </a:spcBef>
+              <a:buSzPct val="125000"/>
+              <a:buFont typeface="Arial" panose="020B0604020202020204" pitchFamily="34" charset="0"/>
+              <a:buChar char="•"/>
+              <a:defRPr sz="1800" kern="1200">
+                <a:solidFill>
+                  <a:schemeClr val="tx1"/>
+                </a:solidFill>
+                <a:latin typeface="+mn-lt"/>
+                <a:ea typeface="+mn-ea"/>
+                <a:cs typeface="+mn-cs"/>
+              </a:defRPr>
+            </a:lvl3pPr>
+            <a:lvl4pPr marL="1600200" indent="-228600" algn="l" defTabSz="914400" rtl="0" eaLnBrk="1" latinLnBrk="0" hangingPunct="1">
+              <a:lnSpc>
+                <a:spcPct val="120000"/>
+              </a:lnSpc>
+              <a:spcBef>
+                <a:spcPts val="500"/>
+              </a:spcBef>
+              <a:buSzPct val="125000"/>
+              <a:buFont typeface="Arial" panose="020B0604020202020204" pitchFamily="34" charset="0"/>
+              <a:buChar char="•"/>
+              <a:defRPr sz="1600" kern="1200">
+                <a:solidFill>
+                  <a:schemeClr val="tx1"/>
+                </a:solidFill>
+                <a:latin typeface="+mn-lt"/>
+                <a:ea typeface="+mn-ea"/>
+                <a:cs typeface="+mn-cs"/>
+              </a:defRPr>
+            </a:lvl4pPr>
+            <a:lvl5pPr marL="2057400" indent="-228600" algn="l" defTabSz="914400" rtl="0" eaLnBrk="1" latinLnBrk="0" hangingPunct="1">
+              <a:lnSpc>
+                <a:spcPct val="120000"/>
+              </a:lnSpc>
+              <a:spcBef>
+                <a:spcPts val="500"/>
+              </a:spcBef>
+              <a:buSzPct val="125000"/>
+              <a:buFont typeface="Arial" panose="020B0604020202020204" pitchFamily="34" charset="0"/>
+              <a:buChar char="•"/>
+              <a:defRPr sz="1600" kern="1200">
+                <a:solidFill>
+                  <a:schemeClr val="tx1"/>
+                </a:solidFill>
+                <a:latin typeface="+mn-lt"/>
+                <a:ea typeface="+mn-ea"/>
+                <a:cs typeface="+mn-cs"/>
+              </a:defRPr>
+            </a:lvl5pPr>
+            <a:lvl6pPr marL="2514600" indent="-228600" algn="l" defTabSz="914400" rtl="0" eaLnBrk="1" latinLnBrk="0" hangingPunct="1">
+              <a:lnSpc>
+                <a:spcPct val="120000"/>
+              </a:lnSpc>
+              <a:spcBef>
+                <a:spcPts val="500"/>
+              </a:spcBef>
+              <a:buSzPct val="125000"/>
+              <a:buFont typeface="Arial" panose="020B0604020202020204" pitchFamily="34" charset="0"/>
+              <a:buChar char="•"/>
+              <a:defRPr sz="1400" kern="1200">
+                <a:solidFill>
+                  <a:schemeClr val="tx1"/>
+                </a:solidFill>
+                <a:latin typeface="+mn-lt"/>
+                <a:ea typeface="+mn-ea"/>
+                <a:cs typeface="+mn-cs"/>
+              </a:defRPr>
+            </a:lvl6pPr>
+            <a:lvl7pPr marL="2971800" indent="-228600" algn="l" defTabSz="914400" rtl="0" eaLnBrk="1" latinLnBrk="0" hangingPunct="1">
+              <a:lnSpc>
+                <a:spcPct val="120000"/>
+              </a:lnSpc>
+              <a:spcBef>
+                <a:spcPts val="500"/>
+              </a:spcBef>
+              <a:buSzPct val="125000"/>
+              <a:buFont typeface="Arial" panose="020B0604020202020204" pitchFamily="34" charset="0"/>
+              <a:buChar char="•"/>
+              <a:defRPr sz="1400" kern="1200">
+                <a:solidFill>
+                  <a:schemeClr val="tx1"/>
+                </a:solidFill>
+                <a:latin typeface="+mn-lt"/>
+                <a:ea typeface="+mn-ea"/>
+                <a:cs typeface="+mn-cs"/>
+              </a:defRPr>
+            </a:lvl7pPr>
+            <a:lvl8pPr marL="3429000" indent="-228600" algn="l" defTabSz="914400" rtl="0" eaLnBrk="1" latinLnBrk="0" hangingPunct="1">
+              <a:lnSpc>
+                <a:spcPct val="120000"/>
+              </a:lnSpc>
+              <a:spcBef>
+                <a:spcPts val="500"/>
+              </a:spcBef>
+              <a:buSzPct val="125000"/>
+              <a:buFont typeface="Arial" panose="020B0604020202020204" pitchFamily="34" charset="0"/>
+              <a:buChar char="•"/>
+              <a:defRPr sz="1400" kern="1200">
+                <a:solidFill>
+                  <a:schemeClr val="tx1"/>
+                </a:solidFill>
+                <a:latin typeface="+mn-lt"/>
+                <a:ea typeface="+mn-ea"/>
+                <a:cs typeface="+mn-cs"/>
+              </a:defRPr>
+            </a:lvl8pPr>
+            <a:lvl9pPr marL="3886200" indent="-228600" algn="l" defTabSz="914400" rtl="0" eaLnBrk="1" latinLnBrk="0" hangingPunct="1">
+              <a:lnSpc>
+                <a:spcPct val="120000"/>
+              </a:lnSpc>
+              <a:spcBef>
+                <a:spcPts val="500"/>
+              </a:spcBef>
+              <a:buSzPct val="125000"/>
+              <a:buFont typeface="Arial" panose="020B0604020202020204" pitchFamily="34" charset="0"/>
+              <a:buChar char="•"/>
+              <a:defRPr sz="1400" kern="1200">
+                <a:solidFill>
+                  <a:schemeClr val="tx1"/>
+                </a:solidFill>
+                <a:latin typeface="+mn-lt"/>
+                <a:ea typeface="+mn-ea"/>
+                <a:cs typeface="+mn-cs"/>
+              </a:defRPr>
+            </a:lvl9pPr>
+          </a:lstStyle>
+          <a:p>
+            <a:pPr marL="0" indent="0">
+              <a:buNone/>
+            </a:pPr>
+            <a:r>
+              <a:rPr lang="en-US" dirty="0"/>
+              <a:t>Onto (surjective)</a:t>
+            </a:r>
+          </a:p>
+        </p:txBody>
+      </p:sp>
+      <p:sp>
+        <p:nvSpPr>
+          <p:cNvPr id="7" name="Content Placeholder 2">
+            <a:extLst>
+              <a:ext uri="{FF2B5EF4-FFF2-40B4-BE49-F238E27FC236}">
+                <a16:creationId xmlns:a16="http://schemas.microsoft.com/office/drawing/2014/main" id="{B47805C6-0E42-884C-9329-F61388B5B038}"/>
+              </a:ext>
+            </a:extLst>
+          </p:cNvPr>
+          <p:cNvSpPr txBox="1">
+            <a:spLocks/>
+          </p:cNvSpPr>
+          <p:nvPr/>
+        </p:nvSpPr>
+        <p:spPr>
+          <a:xfrm>
+            <a:off x="1420815" y="2446864"/>
+            <a:ext cx="3337453" cy="550335"/>
+          </a:xfrm>
+          <a:prstGeom prst="rect">
+            <a:avLst/>
+          </a:prstGeom>
+        </p:spPr>
+        <p:txBody>
+          <a:bodyPr vert="horz" lIns="91440" tIns="45720" rIns="91440" bIns="45720" rtlCol="0">
+            <a:normAutofit/>
+          </a:bodyPr>
+          <a:lstStyle>
+            <a:lvl1pPr marL="228600" indent="-228600" algn="l" defTabSz="914400" rtl="0" eaLnBrk="1" latinLnBrk="0" hangingPunct="1">
+              <a:lnSpc>
+                <a:spcPct val="120000"/>
+              </a:lnSpc>
+              <a:spcBef>
+                <a:spcPts val="1000"/>
+              </a:spcBef>
+              <a:buSzPct val="125000"/>
+              <a:buFont typeface="Arial" panose="020B0604020202020204" pitchFamily="34" charset="0"/>
+              <a:buChar char="•"/>
+              <a:defRPr sz="2400" kern="1200">
+                <a:solidFill>
+                  <a:schemeClr val="tx1"/>
+                </a:solidFill>
+                <a:latin typeface="+mn-lt"/>
+                <a:ea typeface="+mn-ea"/>
+                <a:cs typeface="+mn-cs"/>
+              </a:defRPr>
+            </a:lvl1pPr>
+            <a:lvl2pPr marL="685800" indent="-228600" algn="l" defTabSz="914400" rtl="0" eaLnBrk="1" latinLnBrk="0" hangingPunct="1">
+              <a:lnSpc>
+                <a:spcPct val="120000"/>
+              </a:lnSpc>
+              <a:spcBef>
+                <a:spcPts val="500"/>
+              </a:spcBef>
+              <a:buSzPct val="125000"/>
+              <a:buFont typeface="Arial" panose="020B0604020202020204" pitchFamily="34" charset="0"/>
+              <a:buChar char="•"/>
+              <a:defRPr sz="2000" kern="1200">
+                <a:solidFill>
+                  <a:schemeClr val="tx1"/>
+                </a:solidFill>
+                <a:latin typeface="+mn-lt"/>
+                <a:ea typeface="+mn-ea"/>
+                <a:cs typeface="+mn-cs"/>
+              </a:defRPr>
+            </a:lvl2pPr>
+            <a:lvl3pPr marL="1143000" indent="-228600" algn="l" defTabSz="914400" rtl="0" eaLnBrk="1" latinLnBrk="0" hangingPunct="1">
+              <a:lnSpc>
+                <a:spcPct val="120000"/>
+              </a:lnSpc>
+              <a:spcBef>
+                <a:spcPts val="500"/>
+              </a:spcBef>
+              <a:buSzPct val="125000"/>
+              <a:buFont typeface="Arial" panose="020B0604020202020204" pitchFamily="34" charset="0"/>
+              <a:buChar char="•"/>
+              <a:defRPr sz="1800" kern="1200">
+                <a:solidFill>
+                  <a:schemeClr val="tx1"/>
+                </a:solidFill>
+                <a:latin typeface="+mn-lt"/>
+                <a:ea typeface="+mn-ea"/>
+                <a:cs typeface="+mn-cs"/>
+              </a:defRPr>
+            </a:lvl3pPr>
+            <a:lvl4pPr marL="1600200" indent="-228600" algn="l" defTabSz="914400" rtl="0" eaLnBrk="1" latinLnBrk="0" hangingPunct="1">
+              <a:lnSpc>
+                <a:spcPct val="120000"/>
+              </a:lnSpc>
+              <a:spcBef>
+                <a:spcPts val="500"/>
+              </a:spcBef>
+              <a:buSzPct val="125000"/>
+              <a:buFont typeface="Arial" panose="020B0604020202020204" pitchFamily="34" charset="0"/>
+              <a:buChar char="•"/>
+              <a:defRPr sz="1600" kern="1200">
+                <a:solidFill>
+                  <a:schemeClr val="tx1"/>
+                </a:solidFill>
+                <a:latin typeface="+mn-lt"/>
+                <a:ea typeface="+mn-ea"/>
+                <a:cs typeface="+mn-cs"/>
+              </a:defRPr>
+            </a:lvl4pPr>
+            <a:lvl5pPr marL="2057400" indent="-228600" algn="l" defTabSz="914400" rtl="0" eaLnBrk="1" latinLnBrk="0" hangingPunct="1">
+              <a:lnSpc>
+                <a:spcPct val="120000"/>
+              </a:lnSpc>
+              <a:spcBef>
+                <a:spcPts val="500"/>
+              </a:spcBef>
+              <a:buSzPct val="125000"/>
+              <a:buFont typeface="Arial" panose="020B0604020202020204" pitchFamily="34" charset="0"/>
+              <a:buChar char="•"/>
+              <a:defRPr sz="1600" kern="1200">
+                <a:solidFill>
+                  <a:schemeClr val="tx1"/>
+                </a:solidFill>
+                <a:latin typeface="+mn-lt"/>
+                <a:ea typeface="+mn-ea"/>
+                <a:cs typeface="+mn-cs"/>
+              </a:defRPr>
+            </a:lvl5pPr>
+            <a:lvl6pPr marL="2514600" indent="-228600" algn="l" defTabSz="914400" rtl="0" eaLnBrk="1" latinLnBrk="0" hangingPunct="1">
+              <a:lnSpc>
+                <a:spcPct val="120000"/>
+              </a:lnSpc>
+              <a:spcBef>
+                <a:spcPts val="500"/>
+              </a:spcBef>
+              <a:buSzPct val="125000"/>
+              <a:buFont typeface="Arial" panose="020B0604020202020204" pitchFamily="34" charset="0"/>
+              <a:buChar char="•"/>
+              <a:defRPr sz="1400" kern="1200">
+                <a:solidFill>
+                  <a:schemeClr val="tx1"/>
+                </a:solidFill>
+                <a:latin typeface="+mn-lt"/>
+                <a:ea typeface="+mn-ea"/>
+                <a:cs typeface="+mn-cs"/>
+              </a:defRPr>
+            </a:lvl6pPr>
+            <a:lvl7pPr marL="2971800" indent="-228600" algn="l" defTabSz="914400" rtl="0" eaLnBrk="1" latinLnBrk="0" hangingPunct="1">
+              <a:lnSpc>
+                <a:spcPct val="120000"/>
+              </a:lnSpc>
+              <a:spcBef>
+                <a:spcPts val="500"/>
+              </a:spcBef>
+              <a:buSzPct val="125000"/>
+              <a:buFont typeface="Arial" panose="020B0604020202020204" pitchFamily="34" charset="0"/>
+              <a:buChar char="•"/>
+              <a:defRPr sz="1400" kern="1200">
+                <a:solidFill>
+                  <a:schemeClr val="tx1"/>
+                </a:solidFill>
+                <a:latin typeface="+mn-lt"/>
+                <a:ea typeface="+mn-ea"/>
+                <a:cs typeface="+mn-cs"/>
+              </a:defRPr>
+            </a:lvl7pPr>
+            <a:lvl8pPr marL="3429000" indent="-228600" algn="l" defTabSz="914400" rtl="0" eaLnBrk="1" latinLnBrk="0" hangingPunct="1">
+              <a:lnSpc>
+                <a:spcPct val="120000"/>
+              </a:lnSpc>
+              <a:spcBef>
+                <a:spcPts val="500"/>
+              </a:spcBef>
+              <a:buSzPct val="125000"/>
+              <a:buFont typeface="Arial" panose="020B0604020202020204" pitchFamily="34" charset="0"/>
+              <a:buChar char="•"/>
+              <a:defRPr sz="1400" kern="1200">
+                <a:solidFill>
+                  <a:schemeClr val="tx1"/>
+                </a:solidFill>
+                <a:latin typeface="+mn-lt"/>
+                <a:ea typeface="+mn-ea"/>
+                <a:cs typeface="+mn-cs"/>
+              </a:defRPr>
+            </a:lvl8pPr>
+            <a:lvl9pPr marL="3886200" indent="-228600" algn="l" defTabSz="914400" rtl="0" eaLnBrk="1" latinLnBrk="0" hangingPunct="1">
+              <a:lnSpc>
+                <a:spcPct val="120000"/>
+              </a:lnSpc>
+              <a:spcBef>
+                <a:spcPts val="500"/>
+              </a:spcBef>
+              <a:buSzPct val="125000"/>
+              <a:buFont typeface="Arial" panose="020B0604020202020204" pitchFamily="34" charset="0"/>
+              <a:buChar char="•"/>
+              <a:defRPr sz="1400" kern="1200">
+                <a:solidFill>
+                  <a:schemeClr val="tx1"/>
+                </a:solidFill>
+                <a:latin typeface="+mn-lt"/>
+                <a:ea typeface="+mn-ea"/>
+                <a:cs typeface="+mn-cs"/>
+              </a:defRPr>
+            </a:lvl9pPr>
+          </a:lstStyle>
+          <a:p>
+            <a:pPr marL="0" indent="0" algn="ctr">
+              <a:buNone/>
+            </a:pPr>
+            <a:r>
+              <a:rPr lang="en-US" dirty="0"/>
+              <a:t>One-to-one (injective)</a:t>
+            </a:r>
+          </a:p>
+        </p:txBody>
+      </p:sp>
+    </p:spTree>
+    <p:extLst>
+      <p:ext uri="{BB962C8B-B14F-4D97-AF65-F5344CB8AC3E}">
+        <p14:creationId xmlns:p14="http://schemas.microsoft.com/office/powerpoint/2010/main" val="1128505750"/>
       </p:ext>
     </p:extLst>
   </p:cSld>

--- a/slides/01-WhatIsAComputer.pptx
+++ b/slides/01-WhatIsAComputer.pptx
@@ -234,7 +234,7 @@
           <a:p>
             <a:fld id="{C5B45307-6ED4-B142-BD64-10F739779302}" type="datetimeFigureOut">
               <a:rPr lang="en-US" smtClean="0"/>
-              <a:t>1/23/24</a:t>
+              <a:t>8/27/24</a:t>
             </a:fld>
             <a:endParaRPr lang="en-US"/>
           </a:p>
@@ -1197,7 +1197,7 @@
           <a:noFill/>
           <a:extLst>
             <a:ext uri="{909E8E84-426E-40dd-AFC4-6F175D3DCCD1}">
-              <a14:hiddenFill xmlns:a14="http://schemas.microsoft.com/office/drawing/2010/main" xmlns="">
+              <a14:hiddenFill xmlns="" xmlns:a14="http://schemas.microsoft.com/office/drawing/2010/main">
                 <a:solidFill>
                   <a:srgbClr val="FFFFFF"/>
                 </a:solidFill>
@@ -1256,7 +1256,7 @@
             </a:ln>
             <a:extLst>
               <a:ext uri="{91240B29-F687-4f45-9708-019B960494DF}">
-                <a14:hiddenLine xmlns:a14="http://schemas.microsoft.com/office/drawing/2010/main" xmlns="" w="9525">
+                <a14:hiddenLine xmlns="" xmlns:a14="http://schemas.microsoft.com/office/drawing/2010/main" w="9525">
                   <a:solidFill>
                     <a:srgbClr val="000000"/>
                   </a:solidFill>
@@ -1346,7 +1346,7 @@
             </a:ln>
             <a:extLst>
               <a:ext uri="{91240B29-F687-4f45-9708-019B960494DF}">
-                <a14:hiddenLine xmlns:a14="http://schemas.microsoft.com/office/drawing/2010/main" xmlns="" w="9525">
+                <a14:hiddenLine xmlns="" xmlns:a14="http://schemas.microsoft.com/office/drawing/2010/main" w="9525">
                   <a:solidFill>
                     <a:srgbClr val="000000"/>
                   </a:solidFill>
@@ -1436,7 +1436,7 @@
             </a:ln>
             <a:extLst>
               <a:ext uri="{91240B29-F687-4f45-9708-019B960494DF}">
-                <a14:hiddenLine xmlns:a14="http://schemas.microsoft.com/office/drawing/2010/main" xmlns="" w="9525">
+                <a14:hiddenLine xmlns="" xmlns:a14="http://schemas.microsoft.com/office/drawing/2010/main" w="9525">
                   <a:solidFill>
                     <a:srgbClr val="000000"/>
                   </a:solidFill>
@@ -1470,7 +1470,7 @@
             </a:ln>
             <a:extLst>
               <a:ext uri="{91240B29-F687-4f45-9708-019B960494DF}">
-                <a14:hiddenLine xmlns:a14="http://schemas.microsoft.com/office/drawing/2010/main" xmlns="" w="9525">
+                <a14:hiddenLine xmlns="" xmlns:a14="http://schemas.microsoft.com/office/drawing/2010/main" w="9525">
                   <a:solidFill>
                     <a:srgbClr val="000000"/>
                   </a:solidFill>
@@ -1560,7 +1560,7 @@
             </a:ln>
             <a:extLst>
               <a:ext uri="{91240B29-F687-4f45-9708-019B960494DF}">
-                <a14:hiddenLine xmlns:a14="http://schemas.microsoft.com/office/drawing/2010/main" xmlns="" w="9525">
+                <a14:hiddenLine xmlns="" xmlns:a14="http://schemas.microsoft.com/office/drawing/2010/main" w="9525">
                   <a:solidFill>
                     <a:srgbClr val="000000"/>
                   </a:solidFill>
@@ -1622,7 +1622,7 @@
             </a:ln>
             <a:extLst>
               <a:ext uri="{91240B29-F687-4f45-9708-019B960494DF}">
-                <a14:hiddenLine xmlns:a14="http://schemas.microsoft.com/office/drawing/2010/main" xmlns="" w="9525">
+                <a14:hiddenLine xmlns="" xmlns:a14="http://schemas.microsoft.com/office/drawing/2010/main" w="9525">
                   <a:solidFill>
                     <a:srgbClr val="000000"/>
                   </a:solidFill>
@@ -1684,7 +1684,7 @@
             </a:ln>
             <a:extLst>
               <a:ext uri="{91240B29-F687-4f45-9708-019B960494DF}">
-                <a14:hiddenLine xmlns:a14="http://schemas.microsoft.com/office/drawing/2010/main" xmlns="" w="9525">
+                <a14:hiddenLine xmlns="" xmlns:a14="http://schemas.microsoft.com/office/drawing/2010/main" w="9525">
                   <a:solidFill>
                     <a:srgbClr val="000000"/>
                   </a:solidFill>
@@ -1774,7 +1774,7 @@
             </a:ln>
             <a:extLst>
               <a:ext uri="{91240B29-F687-4f45-9708-019B960494DF}">
-                <a14:hiddenLine xmlns:a14="http://schemas.microsoft.com/office/drawing/2010/main" xmlns="" w="9525">
+                <a14:hiddenLine xmlns="" xmlns:a14="http://schemas.microsoft.com/office/drawing/2010/main" w="9525">
                   <a:solidFill>
                     <a:srgbClr val="000000"/>
                   </a:solidFill>
@@ -1836,7 +1836,7 @@
             </a:ln>
             <a:extLst>
               <a:ext uri="{91240B29-F687-4f45-9708-019B960494DF}">
-                <a14:hiddenLine xmlns:a14="http://schemas.microsoft.com/office/drawing/2010/main" xmlns="" w="9525">
+                <a14:hiddenLine xmlns="" xmlns:a14="http://schemas.microsoft.com/office/drawing/2010/main" w="9525">
                   <a:solidFill>
                     <a:srgbClr val="000000"/>
                   </a:solidFill>
@@ -1898,7 +1898,7 @@
             </a:ln>
             <a:extLst>
               <a:ext uri="{91240B29-F687-4f45-9708-019B960494DF}">
-                <a14:hiddenLine xmlns:a14="http://schemas.microsoft.com/office/drawing/2010/main" xmlns="" w="9525">
+                <a14:hiddenLine xmlns="" xmlns:a14="http://schemas.microsoft.com/office/drawing/2010/main" w="9525">
                   <a:solidFill>
                     <a:srgbClr val="000000"/>
                   </a:solidFill>
@@ -1988,7 +1988,7 @@
             </a:ln>
             <a:extLst>
               <a:ext uri="{91240B29-F687-4f45-9708-019B960494DF}">
-                <a14:hiddenLine xmlns:a14="http://schemas.microsoft.com/office/drawing/2010/main" xmlns="" w="9525">
+                <a14:hiddenLine xmlns="" xmlns:a14="http://schemas.microsoft.com/office/drawing/2010/main" w="9525">
                   <a:solidFill>
                     <a:srgbClr val="000000"/>
                   </a:solidFill>
@@ -2078,7 +2078,7 @@
             </a:ln>
             <a:extLst>
               <a:ext uri="{91240B29-F687-4f45-9708-019B960494DF}">
-                <a14:hiddenLine xmlns:a14="http://schemas.microsoft.com/office/drawing/2010/main" xmlns="" w="9525">
+                <a14:hiddenLine xmlns="" xmlns:a14="http://schemas.microsoft.com/office/drawing/2010/main" w="9525">
                   <a:solidFill>
                     <a:srgbClr val="000000"/>
                   </a:solidFill>
@@ -2140,7 +2140,7 @@
             </a:ln>
             <a:extLst>
               <a:ext uri="{91240B29-F687-4f45-9708-019B960494DF}">
-                <a14:hiddenLine xmlns:a14="http://schemas.microsoft.com/office/drawing/2010/main" xmlns="" w="9525">
+                <a14:hiddenLine xmlns="" xmlns:a14="http://schemas.microsoft.com/office/drawing/2010/main" w="9525">
                   <a:solidFill>
                     <a:srgbClr val="000000"/>
                   </a:solidFill>
@@ -2250,7 +2250,7 @@
             </a:ln>
             <a:extLst>
               <a:ext uri="{91240B29-F687-4f45-9708-019B960494DF}">
-                <a14:hiddenLine xmlns:a14="http://schemas.microsoft.com/office/drawing/2010/main" xmlns="" w="9525">
+                <a14:hiddenLine xmlns="" xmlns:a14="http://schemas.microsoft.com/office/drawing/2010/main" w="9525">
                   <a:solidFill>
                     <a:srgbClr val="000000"/>
                   </a:solidFill>
@@ -2312,7 +2312,7 @@
             </a:ln>
             <a:extLst>
               <a:ext uri="{91240B29-F687-4f45-9708-019B960494DF}">
-                <a14:hiddenLine xmlns:a14="http://schemas.microsoft.com/office/drawing/2010/main" xmlns="" w="9525">
+                <a14:hiddenLine xmlns="" xmlns:a14="http://schemas.microsoft.com/office/drawing/2010/main" w="9525">
                   <a:solidFill>
                     <a:srgbClr val="000000"/>
                   </a:solidFill>
@@ -2402,7 +2402,7 @@
             </a:ln>
             <a:extLst>
               <a:ext uri="{91240B29-F687-4f45-9708-019B960494DF}">
-                <a14:hiddenLine xmlns:a14="http://schemas.microsoft.com/office/drawing/2010/main" xmlns="" w="9525">
+                <a14:hiddenLine xmlns="" xmlns:a14="http://schemas.microsoft.com/office/drawing/2010/main" w="9525">
                   <a:solidFill>
                     <a:srgbClr val="000000"/>
                   </a:solidFill>
@@ -2492,7 +2492,7 @@
             </a:ln>
             <a:extLst>
               <a:ext uri="{91240B29-F687-4f45-9708-019B960494DF}">
-                <a14:hiddenLine xmlns:a14="http://schemas.microsoft.com/office/drawing/2010/main" xmlns="" w="9525">
+                <a14:hiddenLine xmlns="" xmlns:a14="http://schemas.microsoft.com/office/drawing/2010/main" w="9525">
                   <a:solidFill>
                     <a:srgbClr val="000000"/>
                   </a:solidFill>
@@ -2554,7 +2554,7 @@
             </a:ln>
             <a:extLst>
               <a:ext uri="{91240B29-F687-4f45-9708-019B960494DF}">
-                <a14:hiddenLine xmlns:a14="http://schemas.microsoft.com/office/drawing/2010/main" xmlns="" w="9525">
+                <a14:hiddenLine xmlns="" xmlns:a14="http://schemas.microsoft.com/office/drawing/2010/main" w="9525">
                   <a:solidFill>
                     <a:srgbClr val="000000"/>
                   </a:solidFill>
@@ -2644,7 +2644,7 @@
             </a:ln>
             <a:extLst>
               <a:ext uri="{91240B29-F687-4f45-9708-019B960494DF}">
-                <a14:hiddenLine xmlns:a14="http://schemas.microsoft.com/office/drawing/2010/main" xmlns="" w="9525">
+                <a14:hiddenLine xmlns="" xmlns:a14="http://schemas.microsoft.com/office/drawing/2010/main" w="9525">
                   <a:solidFill>
                     <a:srgbClr val="000000"/>
                   </a:solidFill>
@@ -2734,7 +2734,7 @@
             </a:ln>
             <a:extLst>
               <a:ext uri="{91240B29-F687-4f45-9708-019B960494DF}">
-                <a14:hiddenLine xmlns:a14="http://schemas.microsoft.com/office/drawing/2010/main" xmlns="" w="9525">
+                <a14:hiddenLine xmlns="" xmlns:a14="http://schemas.microsoft.com/office/drawing/2010/main" w="9525">
                   <a:solidFill>
                     <a:srgbClr val="000000"/>
                   </a:solidFill>
@@ -2790,7 +2790,7 @@
             </a:ln>
             <a:extLst>
               <a:ext uri="{91240B29-F687-4f45-9708-019B960494DF}">
-                <a14:hiddenLine xmlns:a14="http://schemas.microsoft.com/office/drawing/2010/main" xmlns="" w="9525">
+                <a14:hiddenLine xmlns="" xmlns:a14="http://schemas.microsoft.com/office/drawing/2010/main" w="9525">
                   <a:solidFill>
                     <a:srgbClr val="000000"/>
                   </a:solidFill>
@@ -2880,7 +2880,7 @@
             </a:ln>
             <a:extLst>
               <a:ext uri="{91240B29-F687-4f45-9708-019B960494DF}">
-                <a14:hiddenLine xmlns:a14="http://schemas.microsoft.com/office/drawing/2010/main" xmlns="" w="9525">
+                <a14:hiddenLine xmlns="" xmlns:a14="http://schemas.microsoft.com/office/drawing/2010/main" w="9525">
                   <a:solidFill>
                     <a:srgbClr val="000000"/>
                   </a:solidFill>
@@ -2936,7 +2936,7 @@
             </a:ln>
             <a:extLst>
               <a:ext uri="{91240B29-F687-4f45-9708-019B960494DF}">
-                <a14:hiddenLine xmlns:a14="http://schemas.microsoft.com/office/drawing/2010/main" xmlns="" w="9525">
+                <a14:hiddenLine xmlns="" xmlns:a14="http://schemas.microsoft.com/office/drawing/2010/main" w="9525">
                   <a:solidFill>
                     <a:srgbClr val="000000"/>
                   </a:solidFill>
@@ -3026,7 +3026,7 @@
             </a:ln>
             <a:extLst>
               <a:ext uri="{91240B29-F687-4f45-9708-019B960494DF}">
-                <a14:hiddenLine xmlns:a14="http://schemas.microsoft.com/office/drawing/2010/main" xmlns="" w="9525">
+                <a14:hiddenLine xmlns="" xmlns:a14="http://schemas.microsoft.com/office/drawing/2010/main" w="9525">
                   <a:solidFill>
                     <a:srgbClr val="000000"/>
                   </a:solidFill>
@@ -3094,7 +3094,7 @@
             </a:ln>
             <a:extLst>
               <a:ext uri="{91240B29-F687-4f45-9708-019B960494DF}">
-                <a14:hiddenLine xmlns:a14="http://schemas.microsoft.com/office/drawing/2010/main" xmlns="" w="9525">
+                <a14:hiddenLine xmlns="" xmlns:a14="http://schemas.microsoft.com/office/drawing/2010/main" w="9525">
                   <a:solidFill>
                     <a:srgbClr val="000000"/>
                   </a:solidFill>
@@ -3184,7 +3184,7 @@
             </a:ln>
             <a:extLst>
               <a:ext uri="{91240B29-F687-4f45-9708-019B960494DF}">
-                <a14:hiddenLine xmlns:a14="http://schemas.microsoft.com/office/drawing/2010/main" xmlns="" w="9525">
+                <a14:hiddenLine xmlns="" xmlns:a14="http://schemas.microsoft.com/office/drawing/2010/main" w="9525">
                   <a:solidFill>
                     <a:srgbClr val="000000"/>
                   </a:solidFill>
@@ -3252,7 +3252,7 @@
             </a:ln>
             <a:extLst>
               <a:ext uri="{91240B29-F687-4f45-9708-019B960494DF}">
-                <a14:hiddenLine xmlns:a14="http://schemas.microsoft.com/office/drawing/2010/main" xmlns="" w="9525">
+                <a14:hiddenLine xmlns="" xmlns:a14="http://schemas.microsoft.com/office/drawing/2010/main" w="9525">
                   <a:solidFill>
                     <a:srgbClr val="000000"/>
                   </a:solidFill>
@@ -3342,7 +3342,7 @@
             </a:ln>
             <a:extLst>
               <a:ext uri="{91240B29-F687-4f45-9708-019B960494DF}">
-                <a14:hiddenLine xmlns:a14="http://schemas.microsoft.com/office/drawing/2010/main" xmlns="" w="9525">
+                <a14:hiddenLine xmlns="" xmlns:a14="http://schemas.microsoft.com/office/drawing/2010/main" w="9525">
                   <a:solidFill>
                     <a:srgbClr val="000000"/>
                   </a:solidFill>
@@ -3376,7 +3376,7 @@
             </a:ln>
             <a:extLst>
               <a:ext uri="{91240B29-F687-4f45-9708-019B960494DF}">
-                <a14:hiddenLine xmlns:a14="http://schemas.microsoft.com/office/drawing/2010/main" xmlns="" w="9525">
+                <a14:hiddenLine xmlns="" xmlns:a14="http://schemas.microsoft.com/office/drawing/2010/main" w="9525">
                   <a:solidFill>
                     <a:srgbClr val="000000"/>
                   </a:solidFill>
@@ -3466,7 +3466,7 @@
             </a:ln>
             <a:extLst>
               <a:ext uri="{91240B29-F687-4f45-9708-019B960494DF}">
-                <a14:hiddenLine xmlns:a14="http://schemas.microsoft.com/office/drawing/2010/main" xmlns="" w="9525">
+                <a14:hiddenLine xmlns="" xmlns:a14="http://schemas.microsoft.com/office/drawing/2010/main" w="9525">
                   <a:solidFill>
                     <a:srgbClr val="000000"/>
                   </a:solidFill>
@@ -3528,7 +3528,7 @@
             </a:ln>
             <a:extLst>
               <a:ext uri="{91240B29-F687-4f45-9708-019B960494DF}">
-                <a14:hiddenLine xmlns:a14="http://schemas.microsoft.com/office/drawing/2010/main" xmlns="" w="9525">
+                <a14:hiddenLine xmlns="" xmlns:a14="http://schemas.microsoft.com/office/drawing/2010/main" w="9525">
                   <a:solidFill>
                     <a:srgbClr val="000000"/>
                   </a:solidFill>
@@ -3590,7 +3590,7 @@
             </a:ln>
             <a:extLst>
               <a:ext uri="{91240B29-F687-4f45-9708-019B960494DF}">
-                <a14:hiddenLine xmlns:a14="http://schemas.microsoft.com/office/drawing/2010/main" xmlns="" w="9525">
+                <a14:hiddenLine xmlns="" xmlns:a14="http://schemas.microsoft.com/office/drawing/2010/main" w="9525">
                   <a:solidFill>
                     <a:srgbClr val="000000"/>
                   </a:solidFill>
@@ -3680,7 +3680,7 @@
             </a:ln>
             <a:extLst>
               <a:ext uri="{91240B29-F687-4f45-9708-019B960494DF}">
-                <a14:hiddenLine xmlns:a14="http://schemas.microsoft.com/office/drawing/2010/main" xmlns="" w="9525">
+                <a14:hiddenLine xmlns="" xmlns:a14="http://schemas.microsoft.com/office/drawing/2010/main" w="9525">
                   <a:solidFill>
                     <a:srgbClr val="000000"/>
                   </a:solidFill>
@@ -3748,7 +3748,7 @@
             </a:ln>
             <a:extLst>
               <a:ext uri="{91240B29-F687-4f45-9708-019B960494DF}">
-                <a14:hiddenLine xmlns:a14="http://schemas.microsoft.com/office/drawing/2010/main" xmlns="" w="9525">
+                <a14:hiddenLine xmlns="" xmlns:a14="http://schemas.microsoft.com/office/drawing/2010/main" w="9525">
                   <a:solidFill>
                     <a:srgbClr val="000000"/>
                   </a:solidFill>
@@ -3810,7 +3810,7 @@
             </a:ln>
             <a:extLst>
               <a:ext uri="{91240B29-F687-4f45-9708-019B960494DF}">
-                <a14:hiddenLine xmlns:a14="http://schemas.microsoft.com/office/drawing/2010/main" xmlns="" w="9525">
+                <a14:hiddenLine xmlns="" xmlns:a14="http://schemas.microsoft.com/office/drawing/2010/main" w="9525">
                   <a:solidFill>
                     <a:srgbClr val="000000"/>
                   </a:solidFill>
@@ -3900,7 +3900,7 @@
             </a:ln>
             <a:extLst>
               <a:ext uri="{91240B29-F687-4f45-9708-019B960494DF}">
-                <a14:hiddenLine xmlns:a14="http://schemas.microsoft.com/office/drawing/2010/main" xmlns="" w="9525">
+                <a14:hiddenLine xmlns="" xmlns:a14="http://schemas.microsoft.com/office/drawing/2010/main" w="9525">
                   <a:solidFill>
                     <a:srgbClr val="000000"/>
                   </a:solidFill>
@@ -3962,7 +3962,7 @@
             </a:ln>
             <a:extLst>
               <a:ext uri="{91240B29-F687-4f45-9708-019B960494DF}">
-                <a14:hiddenLine xmlns:a14="http://schemas.microsoft.com/office/drawing/2010/main" xmlns="" w="9525">
+                <a14:hiddenLine xmlns="" xmlns:a14="http://schemas.microsoft.com/office/drawing/2010/main" w="9525">
                   <a:solidFill>
                     <a:srgbClr val="000000"/>
                   </a:solidFill>
@@ -4052,7 +4052,7 @@
             </a:ln>
             <a:extLst>
               <a:ext uri="{91240B29-F687-4f45-9708-019B960494DF}">
-                <a14:hiddenLine xmlns:a14="http://schemas.microsoft.com/office/drawing/2010/main" xmlns="" w="9525">
+                <a14:hiddenLine xmlns="" xmlns:a14="http://schemas.microsoft.com/office/drawing/2010/main" w="9525">
                   <a:solidFill>
                     <a:srgbClr val="000000"/>
                   </a:solidFill>
@@ -4114,7 +4114,7 @@
             </a:ln>
             <a:extLst>
               <a:ext uri="{91240B29-F687-4f45-9708-019B960494DF}">
-                <a14:hiddenLine xmlns:a14="http://schemas.microsoft.com/office/drawing/2010/main" xmlns="" w="9525">
+                <a14:hiddenLine xmlns="" xmlns:a14="http://schemas.microsoft.com/office/drawing/2010/main" w="9525">
                   <a:solidFill>
                     <a:srgbClr val="000000"/>
                   </a:solidFill>
@@ -4204,7 +4204,7 @@
             </a:ln>
             <a:extLst>
               <a:ext uri="{91240B29-F687-4f45-9708-019B960494DF}">
-                <a14:hiddenLine xmlns:a14="http://schemas.microsoft.com/office/drawing/2010/main" xmlns="" w="9525">
+                <a14:hiddenLine xmlns="" xmlns:a14="http://schemas.microsoft.com/office/drawing/2010/main" w="9525">
                   <a:solidFill>
                     <a:srgbClr val="000000"/>
                   </a:solidFill>
@@ -4238,7 +4238,7 @@
             </a:ln>
             <a:extLst>
               <a:ext uri="{91240B29-F687-4f45-9708-019B960494DF}">
-                <a14:hiddenLine xmlns:a14="http://schemas.microsoft.com/office/drawing/2010/main" xmlns="" w="9525">
+                <a14:hiddenLine xmlns="" xmlns:a14="http://schemas.microsoft.com/office/drawing/2010/main" w="9525">
                   <a:solidFill>
                     <a:srgbClr val="000000"/>
                   </a:solidFill>
@@ -4303,7 +4303,7 @@
             </a:ln>
             <a:extLst>
               <a:ext uri="{91240B29-F687-4f45-9708-019B960494DF}">
-                <a14:hiddenLine xmlns:a14="http://schemas.microsoft.com/office/drawing/2010/main" xmlns="" w="9525">
+                <a14:hiddenLine xmlns="" xmlns:a14="http://schemas.microsoft.com/office/drawing/2010/main" w="9525">
                   <a:solidFill>
                     <a:srgbClr val="000000"/>
                   </a:solidFill>
@@ -4393,7 +4393,7 @@
             </a:ln>
             <a:extLst>
               <a:ext uri="{91240B29-F687-4f45-9708-019B960494DF}">
-                <a14:hiddenLine xmlns:a14="http://schemas.microsoft.com/office/drawing/2010/main" xmlns="" w="9525">
+                <a14:hiddenLine xmlns="" xmlns:a14="http://schemas.microsoft.com/office/drawing/2010/main" w="9525">
                   <a:solidFill>
                     <a:srgbClr val="000000"/>
                   </a:solidFill>
@@ -4455,7 +4455,7 @@
             </a:ln>
             <a:extLst>
               <a:ext uri="{91240B29-F687-4f45-9708-019B960494DF}">
-                <a14:hiddenLine xmlns:a14="http://schemas.microsoft.com/office/drawing/2010/main" xmlns="" w="9525">
+                <a14:hiddenLine xmlns="" xmlns:a14="http://schemas.microsoft.com/office/drawing/2010/main" w="9525">
                   <a:solidFill>
                     <a:srgbClr val="000000"/>
                   </a:solidFill>
@@ -4545,7 +4545,7 @@
             </a:ln>
             <a:extLst>
               <a:ext uri="{91240B29-F687-4f45-9708-019B960494DF}">
-                <a14:hiddenLine xmlns:a14="http://schemas.microsoft.com/office/drawing/2010/main" xmlns="" w="9525">
+                <a14:hiddenLine xmlns="" xmlns:a14="http://schemas.microsoft.com/office/drawing/2010/main" w="9525">
                   <a:solidFill>
                     <a:srgbClr val="000000"/>
                   </a:solidFill>
@@ -4635,7 +4635,7 @@
             </a:ln>
             <a:extLst>
               <a:ext uri="{91240B29-F687-4f45-9708-019B960494DF}">
-                <a14:hiddenLine xmlns:a14="http://schemas.microsoft.com/office/drawing/2010/main" xmlns="" w="9525">
+                <a14:hiddenLine xmlns="" xmlns:a14="http://schemas.microsoft.com/office/drawing/2010/main" w="9525">
                   <a:solidFill>
                     <a:srgbClr val="000000"/>
                   </a:solidFill>
@@ -4700,7 +4700,7 @@
             </a:ln>
             <a:extLst>
               <a:ext uri="{91240B29-F687-4f45-9708-019B960494DF}">
-                <a14:hiddenLine xmlns:a14="http://schemas.microsoft.com/office/drawing/2010/main" xmlns="" w="9525">
+                <a14:hiddenLine xmlns="" xmlns:a14="http://schemas.microsoft.com/office/drawing/2010/main" w="9525">
                   <a:solidFill>
                     <a:srgbClr val="000000"/>
                   </a:solidFill>
@@ -4762,7 +4762,7 @@
             </a:ln>
             <a:extLst>
               <a:ext uri="{91240B29-F687-4f45-9708-019B960494DF}">
-                <a14:hiddenLine xmlns:a14="http://schemas.microsoft.com/office/drawing/2010/main" xmlns="" w="9525">
+                <a14:hiddenLine xmlns="" xmlns:a14="http://schemas.microsoft.com/office/drawing/2010/main" w="9525">
                   <a:solidFill>
                     <a:srgbClr val="000000"/>
                   </a:solidFill>
@@ -4852,7 +4852,7 @@
             </a:ln>
             <a:extLst>
               <a:ext uri="{91240B29-F687-4f45-9708-019B960494DF}">
-                <a14:hiddenLine xmlns:a14="http://schemas.microsoft.com/office/drawing/2010/main" xmlns="" w="9525">
+                <a14:hiddenLine xmlns="" xmlns:a14="http://schemas.microsoft.com/office/drawing/2010/main" w="9525">
                   <a:solidFill>
                     <a:srgbClr val="000000"/>
                   </a:solidFill>
@@ -4942,7 +4942,7 @@
             </a:ln>
             <a:extLst>
               <a:ext uri="{91240B29-F687-4f45-9708-019B960494DF}">
-                <a14:hiddenLine xmlns:a14="http://schemas.microsoft.com/office/drawing/2010/main" xmlns="" w="9525">
+                <a14:hiddenLine xmlns="" xmlns:a14="http://schemas.microsoft.com/office/drawing/2010/main" w="9525">
                   <a:solidFill>
                     <a:srgbClr val="000000"/>
                   </a:solidFill>
@@ -5004,7 +5004,7 @@
             </a:ln>
             <a:extLst>
               <a:ext uri="{91240B29-F687-4f45-9708-019B960494DF}">
-                <a14:hiddenLine xmlns:a14="http://schemas.microsoft.com/office/drawing/2010/main" xmlns="" w="9525">
+                <a14:hiddenLine xmlns="" xmlns:a14="http://schemas.microsoft.com/office/drawing/2010/main" w="9525">
                   <a:solidFill>
                     <a:srgbClr val="000000"/>
                   </a:solidFill>
@@ -5124,7 +5124,7 @@
             </a:ln>
             <a:extLst>
               <a:ext uri="{91240B29-F687-4f45-9708-019B960494DF}">
-                <a14:hiddenLine xmlns:a14="http://schemas.microsoft.com/office/drawing/2010/main" xmlns="" w="9525">
+                <a14:hiddenLine xmlns="" xmlns:a14="http://schemas.microsoft.com/office/drawing/2010/main" w="9525">
                   <a:solidFill>
                     <a:srgbClr val="000000"/>
                   </a:solidFill>
@@ -5192,7 +5192,7 @@
             </a:ln>
             <a:extLst>
               <a:ext uri="{91240B29-F687-4f45-9708-019B960494DF}">
-                <a14:hiddenLine xmlns:a14="http://schemas.microsoft.com/office/drawing/2010/main" xmlns="" w="9525">
+                <a14:hiddenLine xmlns="" xmlns:a14="http://schemas.microsoft.com/office/drawing/2010/main" w="9525">
                   <a:solidFill>
                     <a:srgbClr val="000000"/>
                   </a:solidFill>
@@ -5282,7 +5282,7 @@
             </a:ln>
             <a:extLst>
               <a:ext uri="{91240B29-F687-4f45-9708-019B960494DF}">
-                <a14:hiddenLine xmlns:a14="http://schemas.microsoft.com/office/drawing/2010/main" xmlns="" w="9525">
+                <a14:hiddenLine xmlns="" xmlns:a14="http://schemas.microsoft.com/office/drawing/2010/main" w="9525">
                   <a:solidFill>
                     <a:srgbClr val="000000"/>
                   </a:solidFill>
@@ -5422,7 +5422,7 @@
           <a:p>
             <a:fld id="{EC4347D3-4C9A-C240-8F14-750059DFEEB0}" type="datetimeFigureOut">
               <a:rPr lang="en-US" smtClean="0"/>
-              <a:t>1/23/24</a:t>
+              <a:t>8/27/24</a:t>
             </a:fld>
             <a:endParaRPr lang="en-US"/>
           </a:p>
@@ -5689,7 +5689,7 @@
           <a:p>
             <a:fld id="{EC4347D3-4C9A-C240-8F14-750059DFEEB0}" type="datetimeFigureOut">
               <a:rPr lang="en-US" smtClean="0"/>
-              <a:t>1/23/24</a:t>
+              <a:t>8/27/24</a:t>
             </a:fld>
             <a:endParaRPr lang="en-US"/>
           </a:p>
@@ -5885,7 +5885,7 @@
           <a:p>
             <a:fld id="{EC4347D3-4C9A-C240-8F14-750059DFEEB0}" type="datetimeFigureOut">
               <a:rPr lang="en-US" smtClean="0"/>
-              <a:t>1/23/24</a:t>
+              <a:t>8/27/24</a:t>
             </a:fld>
             <a:endParaRPr lang="en-US"/>
           </a:p>
@@ -6148,7 +6148,7 @@
           <a:p>
             <a:fld id="{EC4347D3-4C9A-C240-8F14-750059DFEEB0}" type="datetimeFigureOut">
               <a:rPr lang="en-US" smtClean="0"/>
-              <a:t>1/23/24</a:t>
+              <a:t>8/27/24</a:t>
             </a:fld>
             <a:endParaRPr lang="en-US"/>
           </a:p>
@@ -6582,7 +6582,7 @@
           <a:p>
             <a:fld id="{EC4347D3-4C9A-C240-8F14-750059DFEEB0}" type="datetimeFigureOut">
               <a:rPr lang="en-US" smtClean="0"/>
-              <a:t>1/23/24</a:t>
+              <a:t>8/27/24</a:t>
             </a:fld>
             <a:endParaRPr lang="en-US"/>
           </a:p>
@@ -7128,7 +7128,7 @@
           <a:p>
             <a:fld id="{EC4347D3-4C9A-C240-8F14-750059DFEEB0}" type="datetimeFigureOut">
               <a:rPr lang="en-US" smtClean="0"/>
-              <a:t>1/23/24</a:t>
+              <a:t>8/27/24</a:t>
             </a:fld>
             <a:endParaRPr lang="en-US"/>
           </a:p>
@@ -7848,7 +7848,7 @@
           <a:p>
             <a:fld id="{EC4347D3-4C9A-C240-8F14-750059DFEEB0}" type="datetimeFigureOut">
               <a:rPr lang="en-US" smtClean="0"/>
-              <a:t>1/23/24</a:t>
+              <a:t>8/27/24</a:t>
             </a:fld>
             <a:endParaRPr lang="en-US"/>
           </a:p>
@@ -8018,7 +8018,7 @@
           <a:p>
             <a:fld id="{EC4347D3-4C9A-C240-8F14-750059DFEEB0}" type="datetimeFigureOut">
               <a:rPr lang="en-US" smtClean="0"/>
-              <a:t>1/23/24</a:t>
+              <a:t>8/27/24</a:t>
             </a:fld>
             <a:endParaRPr lang="en-US"/>
           </a:p>
@@ -8198,7 +8198,7 @@
           <a:p>
             <a:fld id="{EC4347D3-4C9A-C240-8F14-750059DFEEB0}" type="datetimeFigureOut">
               <a:rPr lang="en-US" smtClean="0"/>
-              <a:t>1/23/24</a:t>
+              <a:t>8/27/24</a:t>
             </a:fld>
             <a:endParaRPr lang="en-US"/>
           </a:p>
@@ -8368,7 +8368,7 @@
           <a:p>
             <a:fld id="{EC4347D3-4C9A-C240-8F14-750059DFEEB0}" type="datetimeFigureOut">
               <a:rPr lang="en-US" smtClean="0"/>
-              <a:t>1/23/24</a:t>
+              <a:t>8/27/24</a:t>
             </a:fld>
             <a:endParaRPr lang="en-US"/>
           </a:p>
@@ -8618,7 +8618,7 @@
           <a:p>
             <a:fld id="{EC4347D3-4C9A-C240-8F14-750059DFEEB0}" type="datetimeFigureOut">
               <a:rPr lang="en-US" smtClean="0"/>
-              <a:t>1/23/24</a:t>
+              <a:t>8/27/24</a:t>
             </a:fld>
             <a:endParaRPr lang="en-US"/>
           </a:p>
@@ -8850,7 +8850,7 @@
           <a:p>
             <a:fld id="{EC4347D3-4C9A-C240-8F14-750059DFEEB0}" type="datetimeFigureOut">
               <a:rPr lang="en-US" smtClean="0"/>
-              <a:t>1/23/24</a:t>
+              <a:t>8/27/24</a:t>
             </a:fld>
             <a:endParaRPr lang="en-US"/>
           </a:p>
@@ -9236,7 +9236,7 @@
           <a:p>
             <a:fld id="{EC4347D3-4C9A-C240-8F14-750059DFEEB0}" type="datetimeFigureOut">
               <a:rPr lang="en-US" smtClean="0"/>
-              <a:t>1/23/24</a:t>
+              <a:t>8/27/24</a:t>
             </a:fld>
             <a:endParaRPr lang="en-US"/>
           </a:p>
@@ -9359,7 +9359,7 @@
           <a:p>
             <a:fld id="{EC4347D3-4C9A-C240-8F14-750059DFEEB0}" type="datetimeFigureOut">
               <a:rPr lang="en-US" smtClean="0"/>
-              <a:t>1/23/24</a:t>
+              <a:t>8/27/24</a:t>
             </a:fld>
             <a:endParaRPr lang="en-US"/>
           </a:p>
@@ -9454,7 +9454,7 @@
           <a:p>
             <a:fld id="{EC4347D3-4C9A-C240-8F14-750059DFEEB0}" type="datetimeFigureOut">
               <a:rPr lang="en-US" smtClean="0"/>
-              <a:t>1/23/24</a:t>
+              <a:t>8/27/24</a:t>
             </a:fld>
             <a:endParaRPr lang="en-US"/>
           </a:p>
@@ -9703,7 +9703,7 @@
           <a:p>
             <a:fld id="{EC4347D3-4C9A-C240-8F14-750059DFEEB0}" type="datetimeFigureOut">
               <a:rPr lang="en-US" smtClean="0"/>
-              <a:t>1/23/24</a:t>
+              <a:t>8/27/24</a:t>
             </a:fld>
             <a:endParaRPr lang="en-US"/>
           </a:p>
@@ -9988,7 +9988,7 @@
           <a:p>
             <a:fld id="{EC4347D3-4C9A-C240-8F14-750059DFEEB0}" type="datetimeFigureOut">
               <a:rPr lang="en-US" smtClean="0"/>
-              <a:t>1/23/24</a:t>
+              <a:t>8/27/24</a:t>
             </a:fld>
             <a:endParaRPr lang="en-US"/>
           </a:p>
@@ -10111,7 +10111,7 @@
           <a:noFill/>
           <a:extLst>
             <a:ext uri="{909E8E84-426E-40dd-AFC4-6F175D3DCCD1}">
-              <a14:hiddenFill xmlns:a14="http://schemas.microsoft.com/office/drawing/2010/main" xmlns="">
+              <a14:hiddenFill xmlns="" xmlns:a14="http://schemas.microsoft.com/office/drawing/2010/main">
                 <a:solidFill>
                   <a:srgbClr val="FFFFFF"/>
                 </a:solidFill>
@@ -10185,7 +10185,7 @@
               </a:ln>
               <a:extLst>
                 <a:ext uri="{91240B29-F687-4f45-9708-019B960494DF}">
-                  <a14:hiddenLine xmlns:a14="http://schemas.microsoft.com/office/drawing/2010/main" xmlns="" w="9525">
+                  <a14:hiddenLine xmlns="" xmlns:a14="http://schemas.microsoft.com/office/drawing/2010/main" w="9525">
                     <a:solidFill>
                       <a:srgbClr val="000000"/>
                     </a:solidFill>
@@ -10275,7 +10275,7 @@
               </a:ln>
               <a:extLst>
                 <a:ext uri="{91240B29-F687-4f45-9708-019B960494DF}">
-                  <a14:hiddenLine xmlns:a14="http://schemas.microsoft.com/office/drawing/2010/main" xmlns="" w="9525">
+                  <a14:hiddenLine xmlns="" xmlns:a14="http://schemas.microsoft.com/office/drawing/2010/main" w="9525">
                     <a:solidFill>
                       <a:srgbClr val="000000"/>
                     </a:solidFill>
@@ -10365,7 +10365,7 @@
               </a:ln>
               <a:extLst>
                 <a:ext uri="{91240B29-F687-4f45-9708-019B960494DF}">
-                  <a14:hiddenLine xmlns:a14="http://schemas.microsoft.com/office/drawing/2010/main" xmlns="" w="9525">
+                  <a14:hiddenLine xmlns="" xmlns:a14="http://schemas.microsoft.com/office/drawing/2010/main" w="9525">
                     <a:solidFill>
                       <a:srgbClr val="000000"/>
                     </a:solidFill>
@@ -10427,7 +10427,7 @@
               </a:ln>
               <a:extLst>
                 <a:ext uri="{91240B29-F687-4f45-9708-019B960494DF}">
-                  <a14:hiddenLine xmlns:a14="http://schemas.microsoft.com/office/drawing/2010/main" xmlns="" w="9525">
+                  <a14:hiddenLine xmlns="" xmlns:a14="http://schemas.microsoft.com/office/drawing/2010/main" w="9525">
                     <a:solidFill>
                       <a:srgbClr val="000000"/>
                     </a:solidFill>
@@ -10517,7 +10517,7 @@
               </a:ln>
               <a:extLst>
                 <a:ext uri="{91240B29-F687-4f45-9708-019B960494DF}">
-                  <a14:hiddenLine xmlns:a14="http://schemas.microsoft.com/office/drawing/2010/main" xmlns="" w="9525">
+                  <a14:hiddenLine xmlns="" xmlns:a14="http://schemas.microsoft.com/office/drawing/2010/main" w="9525">
                     <a:solidFill>
                       <a:srgbClr val="000000"/>
                     </a:solidFill>
@@ -10579,7 +10579,7 @@
               </a:ln>
               <a:extLst>
                 <a:ext uri="{91240B29-F687-4f45-9708-019B960494DF}">
-                  <a14:hiddenLine xmlns:a14="http://schemas.microsoft.com/office/drawing/2010/main" xmlns="" w="9525">
+                  <a14:hiddenLine xmlns="" xmlns:a14="http://schemas.microsoft.com/office/drawing/2010/main" w="9525">
                     <a:solidFill>
                       <a:srgbClr val="000000"/>
                     </a:solidFill>
@@ -10641,7 +10641,7 @@
               </a:ln>
               <a:extLst>
                 <a:ext uri="{91240B29-F687-4f45-9708-019B960494DF}">
-                  <a14:hiddenLine xmlns:a14="http://schemas.microsoft.com/office/drawing/2010/main" xmlns="" w="9525">
+                  <a14:hiddenLine xmlns="" xmlns:a14="http://schemas.microsoft.com/office/drawing/2010/main" w="9525">
                     <a:solidFill>
                       <a:srgbClr val="000000"/>
                     </a:solidFill>
@@ -10731,7 +10731,7 @@
               </a:ln>
               <a:extLst>
                 <a:ext uri="{91240B29-F687-4f45-9708-019B960494DF}">
-                  <a14:hiddenLine xmlns:a14="http://schemas.microsoft.com/office/drawing/2010/main" xmlns="" w="9525">
+                  <a14:hiddenLine xmlns="" xmlns:a14="http://schemas.microsoft.com/office/drawing/2010/main" w="9525">
                     <a:solidFill>
                       <a:srgbClr val="000000"/>
                     </a:solidFill>
@@ -10821,7 +10821,7 @@
               </a:ln>
               <a:extLst>
                 <a:ext uri="{91240B29-F687-4f45-9708-019B960494DF}">
-                  <a14:hiddenLine xmlns:a14="http://schemas.microsoft.com/office/drawing/2010/main" xmlns="" w="9525">
+                  <a14:hiddenLine xmlns="" xmlns:a14="http://schemas.microsoft.com/office/drawing/2010/main" w="9525">
                     <a:solidFill>
                       <a:srgbClr val="000000"/>
                     </a:solidFill>
@@ -10883,7 +10883,7 @@
               </a:ln>
               <a:extLst>
                 <a:ext uri="{91240B29-F687-4f45-9708-019B960494DF}">
-                  <a14:hiddenLine xmlns:a14="http://schemas.microsoft.com/office/drawing/2010/main" xmlns="" w="9525">
+                  <a14:hiddenLine xmlns="" xmlns:a14="http://schemas.microsoft.com/office/drawing/2010/main" w="9525">
                     <a:solidFill>
                       <a:srgbClr val="000000"/>
                     </a:solidFill>
@@ -10993,7 +10993,7 @@
               </a:ln>
               <a:extLst>
                 <a:ext uri="{91240B29-F687-4f45-9708-019B960494DF}">
-                  <a14:hiddenLine xmlns:a14="http://schemas.microsoft.com/office/drawing/2010/main" xmlns="" w="9525">
+                  <a14:hiddenLine xmlns="" xmlns:a14="http://schemas.microsoft.com/office/drawing/2010/main" w="9525">
                     <a:solidFill>
                       <a:srgbClr val="000000"/>
                     </a:solidFill>
@@ -11077,7 +11077,7 @@
               </a:ln>
               <a:extLst>
                 <a:ext uri="{91240B29-F687-4f45-9708-019B960494DF}">
-                  <a14:hiddenLine xmlns:a14="http://schemas.microsoft.com/office/drawing/2010/main" xmlns="" w="9525">
+                  <a14:hiddenLine xmlns="" xmlns:a14="http://schemas.microsoft.com/office/drawing/2010/main" w="9525">
                     <a:solidFill>
                       <a:srgbClr val="000000"/>
                     </a:solidFill>
@@ -11139,7 +11139,7 @@
               </a:ln>
               <a:extLst>
                 <a:ext uri="{91240B29-F687-4f45-9708-019B960494DF}">
-                  <a14:hiddenLine xmlns:a14="http://schemas.microsoft.com/office/drawing/2010/main" xmlns="" w="9525">
+                  <a14:hiddenLine xmlns="" xmlns:a14="http://schemas.microsoft.com/office/drawing/2010/main" w="9525">
                     <a:solidFill>
                       <a:srgbClr val="000000"/>
                     </a:solidFill>
@@ -11201,7 +11201,7 @@
               </a:ln>
               <a:extLst>
                 <a:ext uri="{91240B29-F687-4f45-9708-019B960494DF}">
-                  <a14:hiddenLine xmlns:a14="http://schemas.microsoft.com/office/drawing/2010/main" xmlns="" w="9525">
+                  <a14:hiddenLine xmlns="" xmlns:a14="http://schemas.microsoft.com/office/drawing/2010/main" w="9525">
                     <a:solidFill>
                       <a:srgbClr val="000000"/>
                     </a:solidFill>
@@ -11291,7 +11291,7 @@
               </a:ln>
               <a:extLst>
                 <a:ext uri="{91240B29-F687-4f45-9708-019B960494DF}">
-                  <a14:hiddenLine xmlns:a14="http://schemas.microsoft.com/office/drawing/2010/main" xmlns="" w="9525">
+                  <a14:hiddenLine xmlns="" xmlns:a14="http://schemas.microsoft.com/office/drawing/2010/main" w="9525">
                     <a:solidFill>
                       <a:srgbClr val="000000"/>
                     </a:solidFill>
@@ -11325,7 +11325,7 @@
               </a:ln>
               <a:extLst>
                 <a:ext uri="{91240B29-F687-4f45-9708-019B960494DF}">
-                  <a14:hiddenLine xmlns:a14="http://schemas.microsoft.com/office/drawing/2010/main" xmlns="" w="9525">
+                  <a14:hiddenLine xmlns="" xmlns:a14="http://schemas.microsoft.com/office/drawing/2010/main" w="9525">
                     <a:solidFill>
                       <a:srgbClr val="000000"/>
                     </a:solidFill>
@@ -11390,7 +11390,7 @@
               </a:ln>
               <a:extLst>
                 <a:ext uri="{91240B29-F687-4f45-9708-019B960494DF}">
-                  <a14:hiddenLine xmlns:a14="http://schemas.microsoft.com/office/drawing/2010/main" xmlns="" w="9525">
+                  <a14:hiddenLine xmlns="" xmlns:a14="http://schemas.microsoft.com/office/drawing/2010/main" w="9525">
                     <a:solidFill>
                       <a:srgbClr val="000000"/>
                     </a:solidFill>
@@ -11480,7 +11480,7 @@
               </a:ln>
               <a:extLst>
                 <a:ext uri="{91240B29-F687-4f45-9708-019B960494DF}">
-                  <a14:hiddenLine xmlns:a14="http://schemas.microsoft.com/office/drawing/2010/main" xmlns="" w="9525">
+                  <a14:hiddenLine xmlns="" xmlns:a14="http://schemas.microsoft.com/office/drawing/2010/main" w="9525">
                     <a:solidFill>
                       <a:srgbClr val="000000"/>
                     </a:solidFill>
@@ -11542,7 +11542,7 @@
               </a:ln>
               <a:extLst>
                 <a:ext uri="{91240B29-F687-4f45-9708-019B960494DF}">
-                  <a14:hiddenLine xmlns:a14="http://schemas.microsoft.com/office/drawing/2010/main" xmlns="" w="9525">
+                  <a14:hiddenLine xmlns="" xmlns:a14="http://schemas.microsoft.com/office/drawing/2010/main" w="9525">
                     <a:solidFill>
                       <a:srgbClr val="000000"/>
                     </a:solidFill>
@@ -11632,7 +11632,7 @@
               </a:ln>
               <a:extLst>
                 <a:ext uri="{91240B29-F687-4f45-9708-019B960494DF}">
-                  <a14:hiddenLine xmlns:a14="http://schemas.microsoft.com/office/drawing/2010/main" xmlns="" w="9525">
+                  <a14:hiddenLine xmlns="" xmlns:a14="http://schemas.microsoft.com/office/drawing/2010/main" w="9525">
                     <a:solidFill>
                       <a:srgbClr val="000000"/>
                     </a:solidFill>
@@ -11697,7 +11697,7 @@
               </a:ln>
               <a:extLst>
                 <a:ext uri="{91240B29-F687-4f45-9708-019B960494DF}">
-                  <a14:hiddenLine xmlns:a14="http://schemas.microsoft.com/office/drawing/2010/main" xmlns="" w="9525">
+                  <a14:hiddenLine xmlns="" xmlns:a14="http://schemas.microsoft.com/office/drawing/2010/main" w="9525">
                     <a:solidFill>
                       <a:srgbClr val="000000"/>
                     </a:solidFill>
@@ -11759,7 +11759,7 @@
               </a:ln>
               <a:extLst>
                 <a:ext uri="{91240B29-F687-4f45-9708-019B960494DF}">
-                  <a14:hiddenLine xmlns:a14="http://schemas.microsoft.com/office/drawing/2010/main" xmlns="" w="9525">
+                  <a14:hiddenLine xmlns="" xmlns:a14="http://schemas.microsoft.com/office/drawing/2010/main" w="9525">
                     <a:solidFill>
                       <a:srgbClr val="000000"/>
                     </a:solidFill>
@@ -11849,7 +11849,7 @@
               </a:ln>
               <a:extLst>
                 <a:ext uri="{91240B29-F687-4f45-9708-019B960494DF}">
-                  <a14:hiddenLine xmlns:a14="http://schemas.microsoft.com/office/drawing/2010/main" xmlns="" w="9525">
+                  <a14:hiddenLine xmlns="" xmlns:a14="http://schemas.microsoft.com/office/drawing/2010/main" w="9525">
                     <a:solidFill>
                       <a:srgbClr val="000000"/>
                     </a:solidFill>
@@ -11939,7 +11939,7 @@
               </a:ln>
               <a:extLst>
                 <a:ext uri="{91240B29-F687-4f45-9708-019B960494DF}">
-                  <a14:hiddenLine xmlns:a14="http://schemas.microsoft.com/office/drawing/2010/main" xmlns="" w="9525">
+                  <a14:hiddenLine xmlns="" xmlns:a14="http://schemas.microsoft.com/office/drawing/2010/main" w="9525">
                     <a:solidFill>
                       <a:srgbClr val="000000"/>
                     </a:solidFill>
@@ -12004,7 +12004,7 @@
               </a:ln>
               <a:extLst>
                 <a:ext uri="{91240B29-F687-4f45-9708-019B960494DF}">
-                  <a14:hiddenLine xmlns:a14="http://schemas.microsoft.com/office/drawing/2010/main" xmlns="" w="9525">
+                  <a14:hiddenLine xmlns="" xmlns:a14="http://schemas.microsoft.com/office/drawing/2010/main" w="9525">
                     <a:solidFill>
                       <a:srgbClr val="000000"/>
                     </a:solidFill>
@@ -12124,7 +12124,7 @@
               </a:ln>
               <a:extLst>
                 <a:ext uri="{91240B29-F687-4f45-9708-019B960494DF}">
-                  <a14:hiddenLine xmlns:a14="http://schemas.microsoft.com/office/drawing/2010/main" xmlns="" w="9525">
+                  <a14:hiddenLine xmlns="" xmlns:a14="http://schemas.microsoft.com/office/drawing/2010/main" w="9525">
                     <a:solidFill>
                       <a:srgbClr val="000000"/>
                     </a:solidFill>
@@ -12205,7 +12205,7 @@
               </a:ln>
               <a:extLst>
                 <a:ext uri="{91240B29-F687-4f45-9708-019B960494DF}">
-                  <a14:hiddenLine xmlns:a14="http://schemas.microsoft.com/office/drawing/2010/main" xmlns="" w="9525">
+                  <a14:hiddenLine xmlns="" xmlns:a14="http://schemas.microsoft.com/office/drawing/2010/main" w="9525">
                     <a:solidFill>
                       <a:srgbClr val="000000"/>
                     </a:solidFill>
@@ -12320,7 +12320,7 @@
               </a:ln>
               <a:extLst>
                 <a:ext uri="{91240B29-F687-4f45-9708-019B960494DF}">
-                  <a14:hiddenLine xmlns:a14="http://schemas.microsoft.com/office/drawing/2010/main" xmlns="" w="9525">
+                  <a14:hiddenLine xmlns="" xmlns:a14="http://schemas.microsoft.com/office/drawing/2010/main" w="9525">
                     <a:solidFill>
                       <a:srgbClr val="000000"/>
                     </a:solidFill>
@@ -12410,7 +12410,7 @@
               </a:ln>
               <a:extLst>
                 <a:ext uri="{91240B29-F687-4f45-9708-019B960494DF}">
-                  <a14:hiddenLine xmlns:a14="http://schemas.microsoft.com/office/drawing/2010/main" xmlns="" w="9525">
+                  <a14:hiddenLine xmlns="" xmlns:a14="http://schemas.microsoft.com/office/drawing/2010/main" w="9525">
                     <a:solidFill>
                       <a:srgbClr val="000000"/>
                     </a:solidFill>
@@ -12475,7 +12475,7 @@
               </a:ln>
               <a:extLst>
                 <a:ext uri="{91240B29-F687-4f45-9708-019B960494DF}">
-                  <a14:hiddenLine xmlns:a14="http://schemas.microsoft.com/office/drawing/2010/main" xmlns="" w="9525">
+                  <a14:hiddenLine xmlns="" xmlns:a14="http://schemas.microsoft.com/office/drawing/2010/main" w="9525">
                     <a:solidFill>
                       <a:srgbClr val="000000"/>
                     </a:solidFill>
@@ -12565,7 +12565,7 @@
               </a:ln>
               <a:extLst>
                 <a:ext uri="{91240B29-F687-4f45-9708-019B960494DF}">
-                  <a14:hiddenLine xmlns:a14="http://schemas.microsoft.com/office/drawing/2010/main" xmlns="" w="9525">
+                  <a14:hiddenLine xmlns="" xmlns:a14="http://schemas.microsoft.com/office/drawing/2010/main" w="9525">
                     <a:solidFill>
                       <a:srgbClr val="000000"/>
                     </a:solidFill>
@@ -12633,7 +12633,7 @@
               </a:ln>
               <a:extLst>
                 <a:ext uri="{91240B29-F687-4f45-9708-019B960494DF}">
-                  <a14:hiddenLine xmlns:a14="http://schemas.microsoft.com/office/drawing/2010/main" xmlns="" w="9525">
+                  <a14:hiddenLine xmlns="" xmlns:a14="http://schemas.microsoft.com/office/drawing/2010/main" w="9525">
                     <a:solidFill>
                       <a:srgbClr val="000000"/>
                     </a:solidFill>
@@ -12723,7 +12723,7 @@
               </a:ln>
               <a:extLst>
                 <a:ext uri="{91240B29-F687-4f45-9708-019B960494DF}">
-                  <a14:hiddenLine xmlns:a14="http://schemas.microsoft.com/office/drawing/2010/main" xmlns="" w="9525">
+                  <a14:hiddenLine xmlns="" xmlns:a14="http://schemas.microsoft.com/office/drawing/2010/main" w="9525">
                     <a:solidFill>
                       <a:srgbClr val="000000"/>
                     </a:solidFill>
@@ -12791,7 +12791,7 @@
               </a:ln>
               <a:extLst>
                 <a:ext uri="{91240B29-F687-4f45-9708-019B960494DF}">
-                  <a14:hiddenLine xmlns:a14="http://schemas.microsoft.com/office/drawing/2010/main" xmlns="" w="9525">
+                  <a14:hiddenLine xmlns="" xmlns:a14="http://schemas.microsoft.com/office/drawing/2010/main" w="9525">
                     <a:solidFill>
                       <a:srgbClr val="000000"/>
                     </a:solidFill>
@@ -12881,7 +12881,7 @@
               </a:ln>
               <a:extLst>
                 <a:ext uri="{91240B29-F687-4f45-9708-019B960494DF}">
-                  <a14:hiddenLine xmlns:a14="http://schemas.microsoft.com/office/drawing/2010/main" xmlns="" w="9525">
+                  <a14:hiddenLine xmlns="" xmlns:a14="http://schemas.microsoft.com/office/drawing/2010/main" w="9525">
                     <a:solidFill>
                       <a:srgbClr val="000000"/>
                     </a:solidFill>
@@ -12915,7 +12915,7 @@
               </a:ln>
               <a:extLst>
                 <a:ext uri="{91240B29-F687-4f45-9708-019B960494DF}">
-                  <a14:hiddenLine xmlns:a14="http://schemas.microsoft.com/office/drawing/2010/main" xmlns="" w="9525">
+                  <a14:hiddenLine xmlns="" xmlns:a14="http://schemas.microsoft.com/office/drawing/2010/main" w="9525">
                     <a:solidFill>
                       <a:srgbClr val="000000"/>
                     </a:solidFill>
@@ -13055,7 +13055,7 @@
           <a:p>
             <a:fld id="{EC4347D3-4C9A-C240-8F14-750059DFEEB0}" type="datetimeFigureOut">
               <a:rPr lang="en-US" smtClean="0"/>
-              <a:t>1/23/24</a:t>
+              <a:t>8/27/24</a:t>
             </a:fld>
             <a:endParaRPr lang="en-US"/>
           </a:p>

--- a/slides/01-WhatIsAComputer.pptx
+++ b/slides/01-WhatIsAComputer.pptx
@@ -234,7 +234,7 @@
           <a:p>
             <a:fld id="{C5B45307-6ED4-B142-BD64-10F739779302}" type="datetimeFigureOut">
               <a:rPr lang="en-US" smtClean="0"/>
-              <a:t>8/27/24</a:t>
+              <a:t>8/29/24</a:t>
             </a:fld>
             <a:endParaRPr lang="en-US"/>
           </a:p>
@@ -1197,7 +1197,7 @@
           <a:noFill/>
           <a:extLst>
             <a:ext uri="{909E8E84-426E-40dd-AFC4-6F175D3DCCD1}">
-              <a14:hiddenFill xmlns="" xmlns:a14="http://schemas.microsoft.com/office/drawing/2010/main">
+              <a14:hiddenFill xmlns:a14="http://schemas.microsoft.com/office/drawing/2010/main" xmlns="">
                 <a:solidFill>
                   <a:srgbClr val="FFFFFF"/>
                 </a:solidFill>
@@ -1256,7 +1256,7 @@
             </a:ln>
             <a:extLst>
               <a:ext uri="{91240B29-F687-4f45-9708-019B960494DF}">
-                <a14:hiddenLine xmlns="" xmlns:a14="http://schemas.microsoft.com/office/drawing/2010/main" w="9525">
+                <a14:hiddenLine xmlns:a14="http://schemas.microsoft.com/office/drawing/2010/main" xmlns="" w="9525">
                   <a:solidFill>
                     <a:srgbClr val="000000"/>
                   </a:solidFill>
@@ -1346,7 +1346,7 @@
             </a:ln>
             <a:extLst>
               <a:ext uri="{91240B29-F687-4f45-9708-019B960494DF}">
-                <a14:hiddenLine xmlns="" xmlns:a14="http://schemas.microsoft.com/office/drawing/2010/main" w="9525">
+                <a14:hiddenLine xmlns:a14="http://schemas.microsoft.com/office/drawing/2010/main" xmlns="" w="9525">
                   <a:solidFill>
                     <a:srgbClr val="000000"/>
                   </a:solidFill>
@@ -1436,7 +1436,7 @@
             </a:ln>
             <a:extLst>
               <a:ext uri="{91240B29-F687-4f45-9708-019B960494DF}">
-                <a14:hiddenLine xmlns="" xmlns:a14="http://schemas.microsoft.com/office/drawing/2010/main" w="9525">
+                <a14:hiddenLine xmlns:a14="http://schemas.microsoft.com/office/drawing/2010/main" xmlns="" w="9525">
                   <a:solidFill>
                     <a:srgbClr val="000000"/>
                   </a:solidFill>
@@ -1470,7 +1470,7 @@
             </a:ln>
             <a:extLst>
               <a:ext uri="{91240B29-F687-4f45-9708-019B960494DF}">
-                <a14:hiddenLine xmlns="" xmlns:a14="http://schemas.microsoft.com/office/drawing/2010/main" w="9525">
+                <a14:hiddenLine xmlns:a14="http://schemas.microsoft.com/office/drawing/2010/main" xmlns="" w="9525">
                   <a:solidFill>
                     <a:srgbClr val="000000"/>
                   </a:solidFill>
@@ -1560,7 +1560,7 @@
             </a:ln>
             <a:extLst>
               <a:ext uri="{91240B29-F687-4f45-9708-019B960494DF}">
-                <a14:hiddenLine xmlns="" xmlns:a14="http://schemas.microsoft.com/office/drawing/2010/main" w="9525">
+                <a14:hiddenLine xmlns:a14="http://schemas.microsoft.com/office/drawing/2010/main" xmlns="" w="9525">
                   <a:solidFill>
                     <a:srgbClr val="000000"/>
                   </a:solidFill>
@@ -1622,7 +1622,7 @@
             </a:ln>
             <a:extLst>
               <a:ext uri="{91240B29-F687-4f45-9708-019B960494DF}">
-                <a14:hiddenLine xmlns="" xmlns:a14="http://schemas.microsoft.com/office/drawing/2010/main" w="9525">
+                <a14:hiddenLine xmlns:a14="http://schemas.microsoft.com/office/drawing/2010/main" xmlns="" w="9525">
                   <a:solidFill>
                     <a:srgbClr val="000000"/>
                   </a:solidFill>
@@ -1684,7 +1684,7 @@
             </a:ln>
             <a:extLst>
               <a:ext uri="{91240B29-F687-4f45-9708-019B960494DF}">
-                <a14:hiddenLine xmlns="" xmlns:a14="http://schemas.microsoft.com/office/drawing/2010/main" w="9525">
+                <a14:hiddenLine xmlns:a14="http://schemas.microsoft.com/office/drawing/2010/main" xmlns="" w="9525">
                   <a:solidFill>
                     <a:srgbClr val="000000"/>
                   </a:solidFill>
@@ -1774,7 +1774,7 @@
             </a:ln>
             <a:extLst>
               <a:ext uri="{91240B29-F687-4f45-9708-019B960494DF}">
-                <a14:hiddenLine xmlns="" xmlns:a14="http://schemas.microsoft.com/office/drawing/2010/main" w="9525">
+                <a14:hiddenLine xmlns:a14="http://schemas.microsoft.com/office/drawing/2010/main" xmlns="" w="9525">
                   <a:solidFill>
                     <a:srgbClr val="000000"/>
                   </a:solidFill>
@@ -1836,7 +1836,7 @@
             </a:ln>
             <a:extLst>
               <a:ext uri="{91240B29-F687-4f45-9708-019B960494DF}">
-                <a14:hiddenLine xmlns="" xmlns:a14="http://schemas.microsoft.com/office/drawing/2010/main" w="9525">
+                <a14:hiddenLine xmlns:a14="http://schemas.microsoft.com/office/drawing/2010/main" xmlns="" w="9525">
                   <a:solidFill>
                     <a:srgbClr val="000000"/>
                   </a:solidFill>
@@ -1898,7 +1898,7 @@
             </a:ln>
             <a:extLst>
               <a:ext uri="{91240B29-F687-4f45-9708-019B960494DF}">
-                <a14:hiddenLine xmlns="" xmlns:a14="http://schemas.microsoft.com/office/drawing/2010/main" w="9525">
+                <a14:hiddenLine xmlns:a14="http://schemas.microsoft.com/office/drawing/2010/main" xmlns="" w="9525">
                   <a:solidFill>
                     <a:srgbClr val="000000"/>
                   </a:solidFill>
@@ -1988,7 +1988,7 @@
             </a:ln>
             <a:extLst>
               <a:ext uri="{91240B29-F687-4f45-9708-019B960494DF}">
-                <a14:hiddenLine xmlns="" xmlns:a14="http://schemas.microsoft.com/office/drawing/2010/main" w="9525">
+                <a14:hiddenLine xmlns:a14="http://schemas.microsoft.com/office/drawing/2010/main" xmlns="" w="9525">
                   <a:solidFill>
                     <a:srgbClr val="000000"/>
                   </a:solidFill>
@@ -2078,7 +2078,7 @@
             </a:ln>
             <a:extLst>
               <a:ext uri="{91240B29-F687-4f45-9708-019B960494DF}">
-                <a14:hiddenLine xmlns="" xmlns:a14="http://schemas.microsoft.com/office/drawing/2010/main" w="9525">
+                <a14:hiddenLine xmlns:a14="http://schemas.microsoft.com/office/drawing/2010/main" xmlns="" w="9525">
                   <a:solidFill>
                     <a:srgbClr val="000000"/>
                   </a:solidFill>
@@ -2140,7 +2140,7 @@
             </a:ln>
             <a:extLst>
               <a:ext uri="{91240B29-F687-4f45-9708-019B960494DF}">
-                <a14:hiddenLine xmlns="" xmlns:a14="http://schemas.microsoft.com/office/drawing/2010/main" w="9525">
+                <a14:hiddenLine xmlns:a14="http://schemas.microsoft.com/office/drawing/2010/main" xmlns="" w="9525">
                   <a:solidFill>
                     <a:srgbClr val="000000"/>
                   </a:solidFill>
@@ -2250,7 +2250,7 @@
             </a:ln>
             <a:extLst>
               <a:ext uri="{91240B29-F687-4f45-9708-019B960494DF}">
-                <a14:hiddenLine xmlns="" xmlns:a14="http://schemas.microsoft.com/office/drawing/2010/main" w="9525">
+                <a14:hiddenLine xmlns:a14="http://schemas.microsoft.com/office/drawing/2010/main" xmlns="" w="9525">
                   <a:solidFill>
                     <a:srgbClr val="000000"/>
                   </a:solidFill>
@@ -2312,7 +2312,7 @@
             </a:ln>
             <a:extLst>
               <a:ext uri="{91240B29-F687-4f45-9708-019B960494DF}">
-                <a14:hiddenLine xmlns="" xmlns:a14="http://schemas.microsoft.com/office/drawing/2010/main" w="9525">
+                <a14:hiddenLine xmlns:a14="http://schemas.microsoft.com/office/drawing/2010/main" xmlns="" w="9525">
                   <a:solidFill>
                     <a:srgbClr val="000000"/>
                   </a:solidFill>
@@ -2402,7 +2402,7 @@
             </a:ln>
             <a:extLst>
               <a:ext uri="{91240B29-F687-4f45-9708-019B960494DF}">
-                <a14:hiddenLine xmlns="" xmlns:a14="http://schemas.microsoft.com/office/drawing/2010/main" w="9525">
+                <a14:hiddenLine xmlns:a14="http://schemas.microsoft.com/office/drawing/2010/main" xmlns="" w="9525">
                   <a:solidFill>
                     <a:srgbClr val="000000"/>
                   </a:solidFill>
@@ -2492,7 +2492,7 @@
             </a:ln>
             <a:extLst>
               <a:ext uri="{91240B29-F687-4f45-9708-019B960494DF}">
-                <a14:hiddenLine xmlns="" xmlns:a14="http://schemas.microsoft.com/office/drawing/2010/main" w="9525">
+                <a14:hiddenLine xmlns:a14="http://schemas.microsoft.com/office/drawing/2010/main" xmlns="" w="9525">
                   <a:solidFill>
                     <a:srgbClr val="000000"/>
                   </a:solidFill>
@@ -2554,7 +2554,7 @@
             </a:ln>
             <a:extLst>
               <a:ext uri="{91240B29-F687-4f45-9708-019B960494DF}">
-                <a14:hiddenLine xmlns="" xmlns:a14="http://schemas.microsoft.com/office/drawing/2010/main" w="9525">
+                <a14:hiddenLine xmlns:a14="http://schemas.microsoft.com/office/drawing/2010/main" xmlns="" w="9525">
                   <a:solidFill>
                     <a:srgbClr val="000000"/>
                   </a:solidFill>
@@ -2644,7 +2644,7 @@
             </a:ln>
             <a:extLst>
               <a:ext uri="{91240B29-F687-4f45-9708-019B960494DF}">
-                <a14:hiddenLine xmlns="" xmlns:a14="http://schemas.microsoft.com/office/drawing/2010/main" w="9525">
+                <a14:hiddenLine xmlns:a14="http://schemas.microsoft.com/office/drawing/2010/main" xmlns="" w="9525">
                   <a:solidFill>
                     <a:srgbClr val="000000"/>
                   </a:solidFill>
@@ -2734,7 +2734,7 @@
             </a:ln>
             <a:extLst>
               <a:ext uri="{91240B29-F687-4f45-9708-019B960494DF}">
-                <a14:hiddenLine xmlns="" xmlns:a14="http://schemas.microsoft.com/office/drawing/2010/main" w="9525">
+                <a14:hiddenLine xmlns:a14="http://schemas.microsoft.com/office/drawing/2010/main" xmlns="" w="9525">
                   <a:solidFill>
                     <a:srgbClr val="000000"/>
                   </a:solidFill>
@@ -2790,7 +2790,7 @@
             </a:ln>
             <a:extLst>
               <a:ext uri="{91240B29-F687-4f45-9708-019B960494DF}">
-                <a14:hiddenLine xmlns="" xmlns:a14="http://schemas.microsoft.com/office/drawing/2010/main" w="9525">
+                <a14:hiddenLine xmlns:a14="http://schemas.microsoft.com/office/drawing/2010/main" xmlns="" w="9525">
                   <a:solidFill>
                     <a:srgbClr val="000000"/>
                   </a:solidFill>
@@ -2880,7 +2880,7 @@
             </a:ln>
             <a:extLst>
               <a:ext uri="{91240B29-F687-4f45-9708-019B960494DF}">
-                <a14:hiddenLine xmlns="" xmlns:a14="http://schemas.microsoft.com/office/drawing/2010/main" w="9525">
+                <a14:hiddenLine xmlns:a14="http://schemas.microsoft.com/office/drawing/2010/main" xmlns="" w="9525">
                   <a:solidFill>
                     <a:srgbClr val="000000"/>
                   </a:solidFill>
@@ -2936,7 +2936,7 @@
             </a:ln>
             <a:extLst>
               <a:ext uri="{91240B29-F687-4f45-9708-019B960494DF}">
-                <a14:hiddenLine xmlns="" xmlns:a14="http://schemas.microsoft.com/office/drawing/2010/main" w="9525">
+                <a14:hiddenLine xmlns:a14="http://schemas.microsoft.com/office/drawing/2010/main" xmlns="" w="9525">
                   <a:solidFill>
                     <a:srgbClr val="000000"/>
                   </a:solidFill>
@@ -3026,7 +3026,7 @@
             </a:ln>
             <a:extLst>
               <a:ext uri="{91240B29-F687-4f45-9708-019B960494DF}">
-                <a14:hiddenLine xmlns="" xmlns:a14="http://schemas.microsoft.com/office/drawing/2010/main" w="9525">
+                <a14:hiddenLine xmlns:a14="http://schemas.microsoft.com/office/drawing/2010/main" xmlns="" w="9525">
                   <a:solidFill>
                     <a:srgbClr val="000000"/>
                   </a:solidFill>
@@ -3094,7 +3094,7 @@
             </a:ln>
             <a:extLst>
               <a:ext uri="{91240B29-F687-4f45-9708-019B960494DF}">
-                <a14:hiddenLine xmlns="" xmlns:a14="http://schemas.microsoft.com/office/drawing/2010/main" w="9525">
+                <a14:hiddenLine xmlns:a14="http://schemas.microsoft.com/office/drawing/2010/main" xmlns="" w="9525">
                   <a:solidFill>
                     <a:srgbClr val="000000"/>
                   </a:solidFill>
@@ -3184,7 +3184,7 @@
             </a:ln>
             <a:extLst>
               <a:ext uri="{91240B29-F687-4f45-9708-019B960494DF}">
-                <a14:hiddenLine xmlns="" xmlns:a14="http://schemas.microsoft.com/office/drawing/2010/main" w="9525">
+                <a14:hiddenLine xmlns:a14="http://schemas.microsoft.com/office/drawing/2010/main" xmlns="" w="9525">
                   <a:solidFill>
                     <a:srgbClr val="000000"/>
                   </a:solidFill>
@@ -3252,7 +3252,7 @@
             </a:ln>
             <a:extLst>
               <a:ext uri="{91240B29-F687-4f45-9708-019B960494DF}">
-                <a14:hiddenLine xmlns="" xmlns:a14="http://schemas.microsoft.com/office/drawing/2010/main" w="9525">
+                <a14:hiddenLine xmlns:a14="http://schemas.microsoft.com/office/drawing/2010/main" xmlns="" w="9525">
                   <a:solidFill>
                     <a:srgbClr val="000000"/>
                   </a:solidFill>
@@ -3342,7 +3342,7 @@
             </a:ln>
             <a:extLst>
               <a:ext uri="{91240B29-F687-4f45-9708-019B960494DF}">
-                <a14:hiddenLine xmlns="" xmlns:a14="http://schemas.microsoft.com/office/drawing/2010/main" w="9525">
+                <a14:hiddenLine xmlns:a14="http://schemas.microsoft.com/office/drawing/2010/main" xmlns="" w="9525">
                   <a:solidFill>
                     <a:srgbClr val="000000"/>
                   </a:solidFill>
@@ -3376,7 +3376,7 @@
             </a:ln>
             <a:extLst>
               <a:ext uri="{91240B29-F687-4f45-9708-019B960494DF}">
-                <a14:hiddenLine xmlns="" xmlns:a14="http://schemas.microsoft.com/office/drawing/2010/main" w="9525">
+                <a14:hiddenLine xmlns:a14="http://schemas.microsoft.com/office/drawing/2010/main" xmlns="" w="9525">
                   <a:solidFill>
                     <a:srgbClr val="000000"/>
                   </a:solidFill>
@@ -3466,7 +3466,7 @@
             </a:ln>
             <a:extLst>
               <a:ext uri="{91240B29-F687-4f45-9708-019B960494DF}">
-                <a14:hiddenLine xmlns="" xmlns:a14="http://schemas.microsoft.com/office/drawing/2010/main" w="9525">
+                <a14:hiddenLine xmlns:a14="http://schemas.microsoft.com/office/drawing/2010/main" xmlns="" w="9525">
                   <a:solidFill>
                     <a:srgbClr val="000000"/>
                   </a:solidFill>
@@ -3528,7 +3528,7 @@
             </a:ln>
             <a:extLst>
               <a:ext uri="{91240B29-F687-4f45-9708-019B960494DF}">
-                <a14:hiddenLine xmlns="" xmlns:a14="http://schemas.microsoft.com/office/drawing/2010/main" w="9525">
+                <a14:hiddenLine xmlns:a14="http://schemas.microsoft.com/office/drawing/2010/main" xmlns="" w="9525">
                   <a:solidFill>
                     <a:srgbClr val="000000"/>
                   </a:solidFill>
@@ -3590,7 +3590,7 @@
             </a:ln>
             <a:extLst>
               <a:ext uri="{91240B29-F687-4f45-9708-019B960494DF}">
-                <a14:hiddenLine xmlns="" xmlns:a14="http://schemas.microsoft.com/office/drawing/2010/main" w="9525">
+                <a14:hiddenLine xmlns:a14="http://schemas.microsoft.com/office/drawing/2010/main" xmlns="" w="9525">
                   <a:solidFill>
                     <a:srgbClr val="000000"/>
                   </a:solidFill>
@@ -3680,7 +3680,7 @@
             </a:ln>
             <a:extLst>
               <a:ext uri="{91240B29-F687-4f45-9708-019B960494DF}">
-                <a14:hiddenLine xmlns="" xmlns:a14="http://schemas.microsoft.com/office/drawing/2010/main" w="9525">
+                <a14:hiddenLine xmlns:a14="http://schemas.microsoft.com/office/drawing/2010/main" xmlns="" w="9525">
                   <a:solidFill>
                     <a:srgbClr val="000000"/>
                   </a:solidFill>
@@ -3748,7 +3748,7 @@
             </a:ln>
             <a:extLst>
               <a:ext uri="{91240B29-F687-4f45-9708-019B960494DF}">
-                <a14:hiddenLine xmlns="" xmlns:a14="http://schemas.microsoft.com/office/drawing/2010/main" w="9525">
+                <a14:hiddenLine xmlns:a14="http://schemas.microsoft.com/office/drawing/2010/main" xmlns="" w="9525">
                   <a:solidFill>
                     <a:srgbClr val="000000"/>
                   </a:solidFill>
@@ -3810,7 +3810,7 @@
             </a:ln>
             <a:extLst>
               <a:ext uri="{91240B29-F687-4f45-9708-019B960494DF}">
-                <a14:hiddenLine xmlns="" xmlns:a14="http://schemas.microsoft.com/office/drawing/2010/main" w="9525">
+                <a14:hiddenLine xmlns:a14="http://schemas.microsoft.com/office/drawing/2010/main" xmlns="" w="9525">
                   <a:solidFill>
                     <a:srgbClr val="000000"/>
                   </a:solidFill>
@@ -3900,7 +3900,7 @@
             </a:ln>
             <a:extLst>
               <a:ext uri="{91240B29-F687-4f45-9708-019B960494DF}">
-                <a14:hiddenLine xmlns="" xmlns:a14="http://schemas.microsoft.com/office/drawing/2010/main" w="9525">
+                <a14:hiddenLine xmlns:a14="http://schemas.microsoft.com/office/drawing/2010/main" xmlns="" w="9525">
                   <a:solidFill>
                     <a:srgbClr val="000000"/>
                   </a:solidFill>
@@ -3962,7 +3962,7 @@
             </a:ln>
             <a:extLst>
               <a:ext uri="{91240B29-F687-4f45-9708-019B960494DF}">
-                <a14:hiddenLine xmlns="" xmlns:a14="http://schemas.microsoft.com/office/drawing/2010/main" w="9525">
+                <a14:hiddenLine xmlns:a14="http://schemas.microsoft.com/office/drawing/2010/main" xmlns="" w="9525">
                   <a:solidFill>
                     <a:srgbClr val="000000"/>
                   </a:solidFill>
@@ -4052,7 +4052,7 @@
             </a:ln>
             <a:extLst>
               <a:ext uri="{91240B29-F687-4f45-9708-019B960494DF}">
-                <a14:hiddenLine xmlns="" xmlns:a14="http://schemas.microsoft.com/office/drawing/2010/main" w="9525">
+                <a14:hiddenLine xmlns:a14="http://schemas.microsoft.com/office/drawing/2010/main" xmlns="" w="9525">
                   <a:solidFill>
                     <a:srgbClr val="000000"/>
                   </a:solidFill>
@@ -4114,7 +4114,7 @@
             </a:ln>
             <a:extLst>
               <a:ext uri="{91240B29-F687-4f45-9708-019B960494DF}">
-                <a14:hiddenLine xmlns="" xmlns:a14="http://schemas.microsoft.com/office/drawing/2010/main" w="9525">
+                <a14:hiddenLine xmlns:a14="http://schemas.microsoft.com/office/drawing/2010/main" xmlns="" w="9525">
                   <a:solidFill>
                     <a:srgbClr val="000000"/>
                   </a:solidFill>
@@ -4204,7 +4204,7 @@
             </a:ln>
             <a:extLst>
               <a:ext uri="{91240B29-F687-4f45-9708-019B960494DF}">
-                <a14:hiddenLine xmlns="" xmlns:a14="http://schemas.microsoft.com/office/drawing/2010/main" w="9525">
+                <a14:hiddenLine xmlns:a14="http://schemas.microsoft.com/office/drawing/2010/main" xmlns="" w="9525">
                   <a:solidFill>
                     <a:srgbClr val="000000"/>
                   </a:solidFill>
@@ -4238,7 +4238,7 @@
             </a:ln>
             <a:extLst>
               <a:ext uri="{91240B29-F687-4f45-9708-019B960494DF}">
-                <a14:hiddenLine xmlns="" xmlns:a14="http://schemas.microsoft.com/office/drawing/2010/main" w="9525">
+                <a14:hiddenLine xmlns:a14="http://schemas.microsoft.com/office/drawing/2010/main" xmlns="" w="9525">
                   <a:solidFill>
                     <a:srgbClr val="000000"/>
                   </a:solidFill>
@@ -4303,7 +4303,7 @@
             </a:ln>
             <a:extLst>
               <a:ext uri="{91240B29-F687-4f45-9708-019B960494DF}">
-                <a14:hiddenLine xmlns="" xmlns:a14="http://schemas.microsoft.com/office/drawing/2010/main" w="9525">
+                <a14:hiddenLine xmlns:a14="http://schemas.microsoft.com/office/drawing/2010/main" xmlns="" w="9525">
                   <a:solidFill>
                     <a:srgbClr val="000000"/>
                   </a:solidFill>
@@ -4393,7 +4393,7 @@
             </a:ln>
             <a:extLst>
               <a:ext uri="{91240B29-F687-4f45-9708-019B960494DF}">
-                <a14:hiddenLine xmlns="" xmlns:a14="http://schemas.microsoft.com/office/drawing/2010/main" w="9525">
+                <a14:hiddenLine xmlns:a14="http://schemas.microsoft.com/office/drawing/2010/main" xmlns="" w="9525">
                   <a:solidFill>
                     <a:srgbClr val="000000"/>
                   </a:solidFill>
@@ -4455,7 +4455,7 @@
             </a:ln>
             <a:extLst>
               <a:ext uri="{91240B29-F687-4f45-9708-019B960494DF}">
-                <a14:hiddenLine xmlns="" xmlns:a14="http://schemas.microsoft.com/office/drawing/2010/main" w="9525">
+                <a14:hiddenLine xmlns:a14="http://schemas.microsoft.com/office/drawing/2010/main" xmlns="" w="9525">
                   <a:solidFill>
                     <a:srgbClr val="000000"/>
                   </a:solidFill>
@@ -4545,7 +4545,7 @@
             </a:ln>
             <a:extLst>
               <a:ext uri="{91240B29-F687-4f45-9708-019B960494DF}">
-                <a14:hiddenLine xmlns="" xmlns:a14="http://schemas.microsoft.com/office/drawing/2010/main" w="9525">
+                <a14:hiddenLine xmlns:a14="http://schemas.microsoft.com/office/drawing/2010/main" xmlns="" w="9525">
                   <a:solidFill>
                     <a:srgbClr val="000000"/>
                   </a:solidFill>
@@ -4635,7 +4635,7 @@
             </a:ln>
             <a:extLst>
               <a:ext uri="{91240B29-F687-4f45-9708-019B960494DF}">
-                <a14:hiddenLine xmlns="" xmlns:a14="http://schemas.microsoft.com/office/drawing/2010/main" w="9525">
+                <a14:hiddenLine xmlns:a14="http://schemas.microsoft.com/office/drawing/2010/main" xmlns="" w="9525">
                   <a:solidFill>
                     <a:srgbClr val="000000"/>
                   </a:solidFill>
@@ -4700,7 +4700,7 @@
             </a:ln>
             <a:extLst>
               <a:ext uri="{91240B29-F687-4f45-9708-019B960494DF}">
-                <a14:hiddenLine xmlns="" xmlns:a14="http://schemas.microsoft.com/office/drawing/2010/main" w="9525">
+                <a14:hiddenLine xmlns:a14="http://schemas.microsoft.com/office/drawing/2010/main" xmlns="" w="9525">
                   <a:solidFill>
                     <a:srgbClr val="000000"/>
                   </a:solidFill>
@@ -4762,7 +4762,7 @@
             </a:ln>
             <a:extLst>
               <a:ext uri="{91240B29-F687-4f45-9708-019B960494DF}">
-                <a14:hiddenLine xmlns="" xmlns:a14="http://schemas.microsoft.com/office/drawing/2010/main" w="9525">
+                <a14:hiddenLine xmlns:a14="http://schemas.microsoft.com/office/drawing/2010/main" xmlns="" w="9525">
                   <a:solidFill>
                     <a:srgbClr val="000000"/>
                   </a:solidFill>
@@ -4852,7 +4852,7 @@
             </a:ln>
             <a:extLst>
               <a:ext uri="{91240B29-F687-4f45-9708-019B960494DF}">
-                <a14:hiddenLine xmlns="" xmlns:a14="http://schemas.microsoft.com/office/drawing/2010/main" w="9525">
+                <a14:hiddenLine xmlns:a14="http://schemas.microsoft.com/office/drawing/2010/main" xmlns="" w="9525">
                   <a:solidFill>
                     <a:srgbClr val="000000"/>
                   </a:solidFill>
@@ -4942,7 +4942,7 @@
             </a:ln>
             <a:extLst>
               <a:ext uri="{91240B29-F687-4f45-9708-019B960494DF}">
-                <a14:hiddenLine xmlns="" xmlns:a14="http://schemas.microsoft.com/office/drawing/2010/main" w="9525">
+                <a14:hiddenLine xmlns:a14="http://schemas.microsoft.com/office/drawing/2010/main" xmlns="" w="9525">
                   <a:solidFill>
                     <a:srgbClr val="000000"/>
                   </a:solidFill>
@@ -5004,7 +5004,7 @@
             </a:ln>
             <a:extLst>
               <a:ext uri="{91240B29-F687-4f45-9708-019B960494DF}">
-                <a14:hiddenLine xmlns="" xmlns:a14="http://schemas.microsoft.com/office/drawing/2010/main" w="9525">
+                <a14:hiddenLine xmlns:a14="http://schemas.microsoft.com/office/drawing/2010/main" xmlns="" w="9525">
                   <a:solidFill>
                     <a:srgbClr val="000000"/>
                   </a:solidFill>
@@ -5124,7 +5124,7 @@
             </a:ln>
             <a:extLst>
               <a:ext uri="{91240B29-F687-4f45-9708-019B960494DF}">
-                <a14:hiddenLine xmlns="" xmlns:a14="http://schemas.microsoft.com/office/drawing/2010/main" w="9525">
+                <a14:hiddenLine xmlns:a14="http://schemas.microsoft.com/office/drawing/2010/main" xmlns="" w="9525">
                   <a:solidFill>
                     <a:srgbClr val="000000"/>
                   </a:solidFill>
@@ -5192,7 +5192,7 @@
             </a:ln>
             <a:extLst>
               <a:ext uri="{91240B29-F687-4f45-9708-019B960494DF}">
-                <a14:hiddenLine xmlns="" xmlns:a14="http://schemas.microsoft.com/office/drawing/2010/main" w="9525">
+                <a14:hiddenLine xmlns:a14="http://schemas.microsoft.com/office/drawing/2010/main" xmlns="" w="9525">
                   <a:solidFill>
                     <a:srgbClr val="000000"/>
                   </a:solidFill>
@@ -5282,7 +5282,7 @@
             </a:ln>
             <a:extLst>
               <a:ext uri="{91240B29-F687-4f45-9708-019B960494DF}">
-                <a14:hiddenLine xmlns="" xmlns:a14="http://schemas.microsoft.com/office/drawing/2010/main" w="9525">
+                <a14:hiddenLine xmlns:a14="http://schemas.microsoft.com/office/drawing/2010/main" xmlns="" w="9525">
                   <a:solidFill>
                     <a:srgbClr val="000000"/>
                   </a:solidFill>
@@ -5422,7 +5422,7 @@
           <a:p>
             <a:fld id="{EC4347D3-4C9A-C240-8F14-750059DFEEB0}" type="datetimeFigureOut">
               <a:rPr lang="en-US" smtClean="0"/>
-              <a:t>8/27/24</a:t>
+              <a:t>8/29/24</a:t>
             </a:fld>
             <a:endParaRPr lang="en-US"/>
           </a:p>
@@ -5689,7 +5689,7 @@
           <a:p>
             <a:fld id="{EC4347D3-4C9A-C240-8F14-750059DFEEB0}" type="datetimeFigureOut">
               <a:rPr lang="en-US" smtClean="0"/>
-              <a:t>8/27/24</a:t>
+              <a:t>8/29/24</a:t>
             </a:fld>
             <a:endParaRPr lang="en-US"/>
           </a:p>
@@ -5885,7 +5885,7 @@
           <a:p>
             <a:fld id="{EC4347D3-4C9A-C240-8F14-750059DFEEB0}" type="datetimeFigureOut">
               <a:rPr lang="en-US" smtClean="0"/>
-              <a:t>8/27/24</a:t>
+              <a:t>8/29/24</a:t>
             </a:fld>
             <a:endParaRPr lang="en-US"/>
           </a:p>
@@ -6148,7 +6148,7 @@
           <a:p>
             <a:fld id="{EC4347D3-4C9A-C240-8F14-750059DFEEB0}" type="datetimeFigureOut">
               <a:rPr lang="en-US" smtClean="0"/>
-              <a:t>8/27/24</a:t>
+              <a:t>8/29/24</a:t>
             </a:fld>
             <a:endParaRPr lang="en-US"/>
           </a:p>
@@ -6582,7 +6582,7 @@
           <a:p>
             <a:fld id="{EC4347D3-4C9A-C240-8F14-750059DFEEB0}" type="datetimeFigureOut">
               <a:rPr lang="en-US" smtClean="0"/>
-              <a:t>8/27/24</a:t>
+              <a:t>8/29/24</a:t>
             </a:fld>
             <a:endParaRPr lang="en-US"/>
           </a:p>
@@ -7128,7 +7128,7 @@
           <a:p>
             <a:fld id="{EC4347D3-4C9A-C240-8F14-750059DFEEB0}" type="datetimeFigureOut">
               <a:rPr lang="en-US" smtClean="0"/>
-              <a:t>8/27/24</a:t>
+              <a:t>8/29/24</a:t>
             </a:fld>
             <a:endParaRPr lang="en-US"/>
           </a:p>
@@ -7848,7 +7848,7 @@
           <a:p>
             <a:fld id="{EC4347D3-4C9A-C240-8F14-750059DFEEB0}" type="datetimeFigureOut">
               <a:rPr lang="en-US" smtClean="0"/>
-              <a:t>8/27/24</a:t>
+              <a:t>8/29/24</a:t>
             </a:fld>
             <a:endParaRPr lang="en-US"/>
           </a:p>
@@ -8018,7 +8018,7 @@
           <a:p>
             <a:fld id="{EC4347D3-4C9A-C240-8F14-750059DFEEB0}" type="datetimeFigureOut">
               <a:rPr lang="en-US" smtClean="0"/>
-              <a:t>8/27/24</a:t>
+              <a:t>8/29/24</a:t>
             </a:fld>
             <a:endParaRPr lang="en-US"/>
           </a:p>
@@ -8198,7 +8198,7 @@
           <a:p>
             <a:fld id="{EC4347D3-4C9A-C240-8F14-750059DFEEB0}" type="datetimeFigureOut">
               <a:rPr lang="en-US" smtClean="0"/>
-              <a:t>8/27/24</a:t>
+              <a:t>8/29/24</a:t>
             </a:fld>
             <a:endParaRPr lang="en-US"/>
           </a:p>
@@ -8368,7 +8368,7 @@
           <a:p>
             <a:fld id="{EC4347D3-4C9A-C240-8F14-750059DFEEB0}" type="datetimeFigureOut">
               <a:rPr lang="en-US" smtClean="0"/>
-              <a:t>8/27/24</a:t>
+              <a:t>8/29/24</a:t>
             </a:fld>
             <a:endParaRPr lang="en-US"/>
           </a:p>
@@ -8618,7 +8618,7 @@
           <a:p>
             <a:fld id="{EC4347D3-4C9A-C240-8F14-750059DFEEB0}" type="datetimeFigureOut">
               <a:rPr lang="en-US" smtClean="0"/>
-              <a:t>8/27/24</a:t>
+              <a:t>8/29/24</a:t>
             </a:fld>
             <a:endParaRPr lang="en-US"/>
           </a:p>
@@ -8850,7 +8850,7 @@
           <a:p>
             <a:fld id="{EC4347D3-4C9A-C240-8F14-750059DFEEB0}" type="datetimeFigureOut">
               <a:rPr lang="en-US" smtClean="0"/>
-              <a:t>8/27/24</a:t>
+              <a:t>8/29/24</a:t>
             </a:fld>
             <a:endParaRPr lang="en-US"/>
           </a:p>
@@ -9236,7 +9236,7 @@
           <a:p>
             <a:fld id="{EC4347D3-4C9A-C240-8F14-750059DFEEB0}" type="datetimeFigureOut">
               <a:rPr lang="en-US" smtClean="0"/>
-              <a:t>8/27/24</a:t>
+              <a:t>8/29/24</a:t>
             </a:fld>
             <a:endParaRPr lang="en-US"/>
           </a:p>
@@ -9359,7 +9359,7 @@
           <a:p>
             <a:fld id="{EC4347D3-4C9A-C240-8F14-750059DFEEB0}" type="datetimeFigureOut">
               <a:rPr lang="en-US" smtClean="0"/>
-              <a:t>8/27/24</a:t>
+              <a:t>8/29/24</a:t>
             </a:fld>
             <a:endParaRPr lang="en-US"/>
           </a:p>
@@ -9454,7 +9454,7 @@
           <a:p>
             <a:fld id="{EC4347D3-4C9A-C240-8F14-750059DFEEB0}" type="datetimeFigureOut">
               <a:rPr lang="en-US" smtClean="0"/>
-              <a:t>8/27/24</a:t>
+              <a:t>8/29/24</a:t>
             </a:fld>
             <a:endParaRPr lang="en-US"/>
           </a:p>
@@ -9703,7 +9703,7 @@
           <a:p>
             <a:fld id="{EC4347D3-4C9A-C240-8F14-750059DFEEB0}" type="datetimeFigureOut">
               <a:rPr lang="en-US" smtClean="0"/>
-              <a:t>8/27/24</a:t>
+              <a:t>8/29/24</a:t>
             </a:fld>
             <a:endParaRPr lang="en-US"/>
           </a:p>
@@ -9988,7 +9988,7 @@
           <a:p>
             <a:fld id="{EC4347D3-4C9A-C240-8F14-750059DFEEB0}" type="datetimeFigureOut">
               <a:rPr lang="en-US" smtClean="0"/>
-              <a:t>8/27/24</a:t>
+              <a:t>8/29/24</a:t>
             </a:fld>
             <a:endParaRPr lang="en-US"/>
           </a:p>
@@ -10111,7 +10111,7 @@
           <a:noFill/>
           <a:extLst>
             <a:ext uri="{909E8E84-426E-40dd-AFC4-6F175D3DCCD1}">
-              <a14:hiddenFill xmlns="" xmlns:a14="http://schemas.microsoft.com/office/drawing/2010/main">
+              <a14:hiddenFill xmlns:a14="http://schemas.microsoft.com/office/drawing/2010/main" xmlns="">
                 <a:solidFill>
                   <a:srgbClr val="FFFFFF"/>
                 </a:solidFill>
@@ -10185,7 +10185,7 @@
               </a:ln>
               <a:extLst>
                 <a:ext uri="{91240B29-F687-4f45-9708-019B960494DF}">
-                  <a14:hiddenLine xmlns="" xmlns:a14="http://schemas.microsoft.com/office/drawing/2010/main" w="9525">
+                  <a14:hiddenLine xmlns:a14="http://schemas.microsoft.com/office/drawing/2010/main" xmlns="" w="9525">
                     <a:solidFill>
                       <a:srgbClr val="000000"/>
                     </a:solidFill>
@@ -10275,7 +10275,7 @@
               </a:ln>
               <a:extLst>
                 <a:ext uri="{91240B29-F687-4f45-9708-019B960494DF}">
-                  <a14:hiddenLine xmlns="" xmlns:a14="http://schemas.microsoft.com/office/drawing/2010/main" w="9525">
+                  <a14:hiddenLine xmlns:a14="http://schemas.microsoft.com/office/drawing/2010/main" xmlns="" w="9525">
                     <a:solidFill>
                       <a:srgbClr val="000000"/>
                     </a:solidFill>
@@ -10365,7 +10365,7 @@
               </a:ln>
               <a:extLst>
                 <a:ext uri="{91240B29-F687-4f45-9708-019B960494DF}">
-                  <a14:hiddenLine xmlns="" xmlns:a14="http://schemas.microsoft.com/office/drawing/2010/main" w="9525">
+                  <a14:hiddenLine xmlns:a14="http://schemas.microsoft.com/office/drawing/2010/main" xmlns="" w="9525">
                     <a:solidFill>
                       <a:srgbClr val="000000"/>
                     </a:solidFill>
@@ -10427,7 +10427,7 @@
               </a:ln>
               <a:extLst>
                 <a:ext uri="{91240B29-F687-4f45-9708-019B960494DF}">
-                  <a14:hiddenLine xmlns="" xmlns:a14="http://schemas.microsoft.com/office/drawing/2010/main" w="9525">
+                  <a14:hiddenLine xmlns:a14="http://schemas.microsoft.com/office/drawing/2010/main" xmlns="" w="9525">
                     <a:solidFill>
                       <a:srgbClr val="000000"/>
                     </a:solidFill>
@@ -10517,7 +10517,7 @@
               </a:ln>
               <a:extLst>
                 <a:ext uri="{91240B29-F687-4f45-9708-019B960494DF}">
-                  <a14:hiddenLine xmlns="" xmlns:a14="http://schemas.microsoft.com/office/drawing/2010/main" w="9525">
+                  <a14:hiddenLine xmlns:a14="http://schemas.microsoft.com/office/drawing/2010/main" xmlns="" w="9525">
                     <a:solidFill>
                       <a:srgbClr val="000000"/>
                     </a:solidFill>
@@ -10579,7 +10579,7 @@
               </a:ln>
               <a:extLst>
                 <a:ext uri="{91240B29-F687-4f45-9708-019B960494DF}">
-                  <a14:hiddenLine xmlns="" xmlns:a14="http://schemas.microsoft.com/office/drawing/2010/main" w="9525">
+                  <a14:hiddenLine xmlns:a14="http://schemas.microsoft.com/office/drawing/2010/main" xmlns="" w="9525">
                     <a:solidFill>
                       <a:srgbClr val="000000"/>
                     </a:solidFill>
@@ -10641,7 +10641,7 @@
               </a:ln>
               <a:extLst>
                 <a:ext uri="{91240B29-F687-4f45-9708-019B960494DF}">
-                  <a14:hiddenLine xmlns="" xmlns:a14="http://schemas.microsoft.com/office/drawing/2010/main" w="9525">
+                  <a14:hiddenLine xmlns:a14="http://schemas.microsoft.com/office/drawing/2010/main" xmlns="" w="9525">
                     <a:solidFill>
                       <a:srgbClr val="000000"/>
                     </a:solidFill>
@@ -10731,7 +10731,7 @@
               </a:ln>
               <a:extLst>
                 <a:ext uri="{91240B29-F687-4f45-9708-019B960494DF}">
-                  <a14:hiddenLine xmlns="" xmlns:a14="http://schemas.microsoft.com/office/drawing/2010/main" w="9525">
+                  <a14:hiddenLine xmlns:a14="http://schemas.microsoft.com/office/drawing/2010/main" xmlns="" w="9525">
                     <a:solidFill>
                       <a:srgbClr val="000000"/>
                     </a:solidFill>
@@ -10821,7 +10821,7 @@
               </a:ln>
               <a:extLst>
                 <a:ext uri="{91240B29-F687-4f45-9708-019B960494DF}">
-                  <a14:hiddenLine xmlns="" xmlns:a14="http://schemas.microsoft.com/office/drawing/2010/main" w="9525">
+                  <a14:hiddenLine xmlns:a14="http://schemas.microsoft.com/office/drawing/2010/main" xmlns="" w="9525">
                     <a:solidFill>
                       <a:srgbClr val="000000"/>
                     </a:solidFill>
@@ -10883,7 +10883,7 @@
               </a:ln>
               <a:extLst>
                 <a:ext uri="{91240B29-F687-4f45-9708-019B960494DF}">
-                  <a14:hiddenLine xmlns="" xmlns:a14="http://schemas.microsoft.com/office/drawing/2010/main" w="9525">
+                  <a14:hiddenLine xmlns:a14="http://schemas.microsoft.com/office/drawing/2010/main" xmlns="" w="9525">
                     <a:solidFill>
                       <a:srgbClr val="000000"/>
                     </a:solidFill>
@@ -10993,7 +10993,7 @@
               </a:ln>
               <a:extLst>
                 <a:ext uri="{91240B29-F687-4f45-9708-019B960494DF}">
-                  <a14:hiddenLine xmlns="" xmlns:a14="http://schemas.microsoft.com/office/drawing/2010/main" w="9525">
+                  <a14:hiddenLine xmlns:a14="http://schemas.microsoft.com/office/drawing/2010/main" xmlns="" w="9525">
                     <a:solidFill>
                       <a:srgbClr val="000000"/>
                     </a:solidFill>
@@ -11077,7 +11077,7 @@
               </a:ln>
               <a:extLst>
                 <a:ext uri="{91240B29-F687-4f45-9708-019B960494DF}">
-                  <a14:hiddenLine xmlns="" xmlns:a14="http://schemas.microsoft.com/office/drawing/2010/main" w="9525">
+                  <a14:hiddenLine xmlns:a14="http://schemas.microsoft.com/office/drawing/2010/main" xmlns="" w="9525">
                     <a:solidFill>
                       <a:srgbClr val="000000"/>
                     </a:solidFill>
@@ -11139,7 +11139,7 @@
               </a:ln>
               <a:extLst>
                 <a:ext uri="{91240B29-F687-4f45-9708-019B960494DF}">
-                  <a14:hiddenLine xmlns="" xmlns:a14="http://schemas.microsoft.com/office/drawing/2010/main" w="9525">
+                  <a14:hiddenLine xmlns:a14="http://schemas.microsoft.com/office/drawing/2010/main" xmlns="" w="9525">
                     <a:solidFill>
                       <a:srgbClr val="000000"/>
                     </a:solidFill>
@@ -11201,7 +11201,7 @@
               </a:ln>
               <a:extLst>
                 <a:ext uri="{91240B29-F687-4f45-9708-019B960494DF}">
-                  <a14:hiddenLine xmlns="" xmlns:a14="http://schemas.microsoft.com/office/drawing/2010/main" w="9525">
+                  <a14:hiddenLine xmlns:a14="http://schemas.microsoft.com/office/drawing/2010/main" xmlns="" w="9525">
                     <a:solidFill>
                       <a:srgbClr val="000000"/>
                     </a:solidFill>
@@ -11291,7 +11291,7 @@
               </a:ln>
               <a:extLst>
                 <a:ext uri="{91240B29-F687-4f45-9708-019B960494DF}">
-                  <a14:hiddenLine xmlns="" xmlns:a14="http://schemas.microsoft.com/office/drawing/2010/main" w="9525">
+                  <a14:hiddenLine xmlns:a14="http://schemas.microsoft.com/office/drawing/2010/main" xmlns="" w="9525">
                     <a:solidFill>
                       <a:srgbClr val="000000"/>
                     </a:solidFill>
@@ -11325,7 +11325,7 @@
               </a:ln>
               <a:extLst>
                 <a:ext uri="{91240B29-F687-4f45-9708-019B960494DF}">
-                  <a14:hiddenLine xmlns="" xmlns:a14="http://schemas.microsoft.com/office/drawing/2010/main" w="9525">
+                  <a14:hiddenLine xmlns:a14="http://schemas.microsoft.com/office/drawing/2010/main" xmlns="" w="9525">
                     <a:solidFill>
                       <a:srgbClr val="000000"/>
                     </a:solidFill>
@@ -11390,7 +11390,7 @@
               </a:ln>
               <a:extLst>
                 <a:ext uri="{91240B29-F687-4f45-9708-019B960494DF}">
-                  <a14:hiddenLine xmlns="" xmlns:a14="http://schemas.microsoft.com/office/drawing/2010/main" w="9525">
+                  <a14:hiddenLine xmlns:a14="http://schemas.microsoft.com/office/drawing/2010/main" xmlns="" w="9525">
                     <a:solidFill>
                       <a:srgbClr val="000000"/>
                     </a:solidFill>
@@ -11480,7 +11480,7 @@
               </a:ln>
               <a:extLst>
                 <a:ext uri="{91240B29-F687-4f45-9708-019B960494DF}">
-                  <a14:hiddenLine xmlns="" xmlns:a14="http://schemas.microsoft.com/office/drawing/2010/main" w="9525">
+                  <a14:hiddenLine xmlns:a14="http://schemas.microsoft.com/office/drawing/2010/main" xmlns="" w="9525">
                     <a:solidFill>
                       <a:srgbClr val="000000"/>
                     </a:solidFill>
@@ -11542,7 +11542,7 @@
               </a:ln>
               <a:extLst>
                 <a:ext uri="{91240B29-F687-4f45-9708-019B960494DF}">
-                  <a14:hiddenLine xmlns="" xmlns:a14="http://schemas.microsoft.com/office/drawing/2010/main" w="9525">
+                  <a14:hiddenLine xmlns:a14="http://schemas.microsoft.com/office/drawing/2010/main" xmlns="" w="9525">
                     <a:solidFill>
                       <a:srgbClr val="000000"/>
                     </a:solidFill>
@@ -11632,7 +11632,7 @@
               </a:ln>
               <a:extLst>
                 <a:ext uri="{91240B29-F687-4f45-9708-019B960494DF}">
-                  <a14:hiddenLine xmlns="" xmlns:a14="http://schemas.microsoft.com/office/drawing/2010/main" w="9525">
+                  <a14:hiddenLine xmlns:a14="http://schemas.microsoft.com/office/drawing/2010/main" xmlns="" w="9525">
                     <a:solidFill>
                       <a:srgbClr val="000000"/>
                     </a:solidFill>
@@ -11697,7 +11697,7 @@
               </a:ln>
               <a:extLst>
                 <a:ext uri="{91240B29-F687-4f45-9708-019B960494DF}">
-                  <a14:hiddenLine xmlns="" xmlns:a14="http://schemas.microsoft.com/office/drawing/2010/main" w="9525">
+                  <a14:hiddenLine xmlns:a14="http://schemas.microsoft.com/office/drawing/2010/main" xmlns="" w="9525">
                     <a:solidFill>
                       <a:srgbClr val="000000"/>
                     </a:solidFill>
@@ -11759,7 +11759,7 @@
               </a:ln>
               <a:extLst>
                 <a:ext uri="{91240B29-F687-4f45-9708-019B960494DF}">
-                  <a14:hiddenLine xmlns="" xmlns:a14="http://schemas.microsoft.com/office/drawing/2010/main" w="9525">
+                  <a14:hiddenLine xmlns:a14="http://schemas.microsoft.com/office/drawing/2010/main" xmlns="" w="9525">
                     <a:solidFill>
                       <a:srgbClr val="000000"/>
                     </a:solidFill>
@@ -11849,7 +11849,7 @@
               </a:ln>
               <a:extLst>
                 <a:ext uri="{91240B29-F687-4f45-9708-019B960494DF}">
-                  <a14:hiddenLine xmlns="" xmlns:a14="http://schemas.microsoft.com/office/drawing/2010/main" w="9525">
+                  <a14:hiddenLine xmlns:a14="http://schemas.microsoft.com/office/drawing/2010/main" xmlns="" w="9525">
                     <a:solidFill>
                       <a:srgbClr val="000000"/>
                     </a:solidFill>
@@ -11939,7 +11939,7 @@
               </a:ln>
               <a:extLst>
                 <a:ext uri="{91240B29-F687-4f45-9708-019B960494DF}">
-                  <a14:hiddenLine xmlns="" xmlns:a14="http://schemas.microsoft.com/office/drawing/2010/main" w="9525">
+                  <a14:hiddenLine xmlns:a14="http://schemas.microsoft.com/office/drawing/2010/main" xmlns="" w="9525">
                     <a:solidFill>
                       <a:srgbClr val="000000"/>
                     </a:solidFill>
@@ -12004,7 +12004,7 @@
               </a:ln>
               <a:extLst>
                 <a:ext uri="{91240B29-F687-4f45-9708-019B960494DF}">
-                  <a14:hiddenLine xmlns="" xmlns:a14="http://schemas.microsoft.com/office/drawing/2010/main" w="9525">
+                  <a14:hiddenLine xmlns:a14="http://schemas.microsoft.com/office/drawing/2010/main" xmlns="" w="9525">
                     <a:solidFill>
                       <a:srgbClr val="000000"/>
                     </a:solidFill>
@@ -12124,7 +12124,7 @@
               </a:ln>
               <a:extLst>
                 <a:ext uri="{91240B29-F687-4f45-9708-019B960494DF}">
-                  <a14:hiddenLine xmlns="" xmlns:a14="http://schemas.microsoft.com/office/drawing/2010/main" w="9525">
+                  <a14:hiddenLine xmlns:a14="http://schemas.microsoft.com/office/drawing/2010/main" xmlns="" w="9525">
                     <a:solidFill>
                       <a:srgbClr val="000000"/>
                     </a:solidFill>
@@ -12205,7 +12205,7 @@
               </a:ln>
               <a:extLst>
                 <a:ext uri="{91240B29-F687-4f45-9708-019B960494DF}">
-                  <a14:hiddenLine xmlns="" xmlns:a14="http://schemas.microsoft.com/office/drawing/2010/main" w="9525">
+                  <a14:hiddenLine xmlns:a14="http://schemas.microsoft.com/office/drawing/2010/main" xmlns="" w="9525">
                     <a:solidFill>
                       <a:srgbClr val="000000"/>
                     </a:solidFill>
@@ -12320,7 +12320,7 @@
               </a:ln>
               <a:extLst>
                 <a:ext uri="{91240B29-F687-4f45-9708-019B960494DF}">
-                  <a14:hiddenLine xmlns="" xmlns:a14="http://schemas.microsoft.com/office/drawing/2010/main" w="9525">
+                  <a14:hiddenLine xmlns:a14="http://schemas.microsoft.com/office/drawing/2010/main" xmlns="" w="9525">
                     <a:solidFill>
                       <a:srgbClr val="000000"/>
                     </a:solidFill>
@@ -12410,7 +12410,7 @@
               </a:ln>
               <a:extLst>
                 <a:ext uri="{91240B29-F687-4f45-9708-019B960494DF}">
-                  <a14:hiddenLine xmlns="" xmlns:a14="http://schemas.microsoft.com/office/drawing/2010/main" w="9525">
+                  <a14:hiddenLine xmlns:a14="http://schemas.microsoft.com/office/drawing/2010/main" xmlns="" w="9525">
                     <a:solidFill>
                       <a:srgbClr val="000000"/>
                     </a:solidFill>
@@ -12475,7 +12475,7 @@
               </a:ln>
               <a:extLst>
                 <a:ext uri="{91240B29-F687-4f45-9708-019B960494DF}">
-                  <a14:hiddenLine xmlns="" xmlns:a14="http://schemas.microsoft.com/office/drawing/2010/main" w="9525">
+                  <a14:hiddenLine xmlns:a14="http://schemas.microsoft.com/office/drawing/2010/main" xmlns="" w="9525">
                     <a:solidFill>
                       <a:srgbClr val="000000"/>
                     </a:solidFill>
@@ -12565,7 +12565,7 @@
               </a:ln>
               <a:extLst>
                 <a:ext uri="{91240B29-F687-4f45-9708-019B960494DF}">
-                  <a14:hiddenLine xmlns="" xmlns:a14="http://schemas.microsoft.com/office/drawing/2010/main" w="9525">
+                  <a14:hiddenLine xmlns:a14="http://schemas.microsoft.com/office/drawing/2010/main" xmlns="" w="9525">
                     <a:solidFill>
                       <a:srgbClr val="000000"/>
                     </a:solidFill>
@@ -12633,7 +12633,7 @@
               </a:ln>
               <a:extLst>
                 <a:ext uri="{91240B29-F687-4f45-9708-019B960494DF}">
-                  <a14:hiddenLine xmlns="" xmlns:a14="http://schemas.microsoft.com/office/drawing/2010/main" w="9525">
+                  <a14:hiddenLine xmlns:a14="http://schemas.microsoft.com/office/drawing/2010/main" xmlns="" w="9525">
                     <a:solidFill>
                       <a:srgbClr val="000000"/>
                     </a:solidFill>
@@ -12723,7 +12723,7 @@
               </a:ln>
               <a:extLst>
                 <a:ext uri="{91240B29-F687-4f45-9708-019B960494DF}">
-                  <a14:hiddenLine xmlns="" xmlns:a14="http://schemas.microsoft.com/office/drawing/2010/main" w="9525">
+                  <a14:hiddenLine xmlns:a14="http://schemas.microsoft.com/office/drawing/2010/main" xmlns="" w="9525">
                     <a:solidFill>
                       <a:srgbClr val="000000"/>
                     </a:solidFill>
@@ -12791,7 +12791,7 @@
               </a:ln>
               <a:extLst>
                 <a:ext uri="{91240B29-F687-4f45-9708-019B960494DF}">
-                  <a14:hiddenLine xmlns="" xmlns:a14="http://schemas.microsoft.com/office/drawing/2010/main" w="9525">
+                  <a14:hiddenLine xmlns:a14="http://schemas.microsoft.com/office/drawing/2010/main" xmlns="" w="9525">
                     <a:solidFill>
                       <a:srgbClr val="000000"/>
                     </a:solidFill>
@@ -12881,7 +12881,7 @@
               </a:ln>
               <a:extLst>
                 <a:ext uri="{91240B29-F687-4f45-9708-019B960494DF}">
-                  <a14:hiddenLine xmlns="" xmlns:a14="http://schemas.microsoft.com/office/drawing/2010/main" w="9525">
+                  <a14:hiddenLine xmlns:a14="http://schemas.microsoft.com/office/drawing/2010/main" xmlns="" w="9525">
                     <a:solidFill>
                       <a:srgbClr val="000000"/>
                     </a:solidFill>
@@ -12915,7 +12915,7 @@
               </a:ln>
               <a:extLst>
                 <a:ext uri="{91240B29-F687-4f45-9708-019B960494DF}">
-                  <a14:hiddenLine xmlns="" xmlns:a14="http://schemas.microsoft.com/office/drawing/2010/main" w="9525">
+                  <a14:hiddenLine xmlns:a14="http://schemas.microsoft.com/office/drawing/2010/main" xmlns="" w="9525">
                     <a:solidFill>
                       <a:srgbClr val="000000"/>
                     </a:solidFill>
@@ -13055,7 +13055,7 @@
           <a:p>
             <a:fld id="{EC4347D3-4C9A-C240-8F14-750059DFEEB0}" type="datetimeFigureOut">
               <a:rPr lang="en-US" smtClean="0"/>
-              <a:t>8/27/24</a:t>
+              <a:t>8/29/24</a:t>
             </a:fld>
             <a:endParaRPr lang="en-US"/>
           </a:p>

--- a/slides/01-WhatIsAComputer.pptx
+++ b/slides/01-WhatIsAComputer.pptx
@@ -234,7 +234,7 @@
           <a:p>
             <a:fld id="{C5B45307-6ED4-B142-BD64-10F739779302}" type="datetimeFigureOut">
               <a:rPr lang="en-US" smtClean="0"/>
-              <a:t>8/29/24</a:t>
+              <a:t>1/16/25</a:t>
             </a:fld>
             <a:endParaRPr lang="en-US"/>
           </a:p>
@@ -1197,7 +1197,7 @@
           <a:noFill/>
           <a:extLst>
             <a:ext uri="{909E8E84-426E-40dd-AFC4-6F175D3DCCD1}">
-              <a14:hiddenFill xmlns:a14="http://schemas.microsoft.com/office/drawing/2010/main" xmlns="">
+              <a14:hiddenFill xmlns="" xmlns:a14="http://schemas.microsoft.com/office/drawing/2010/main">
                 <a:solidFill>
                   <a:srgbClr val="FFFFFF"/>
                 </a:solidFill>
@@ -1256,7 +1256,7 @@
             </a:ln>
             <a:extLst>
               <a:ext uri="{91240B29-F687-4f45-9708-019B960494DF}">
-                <a14:hiddenLine xmlns:a14="http://schemas.microsoft.com/office/drawing/2010/main" xmlns="" w="9525">
+                <a14:hiddenLine xmlns="" xmlns:a14="http://schemas.microsoft.com/office/drawing/2010/main" w="9525">
                   <a:solidFill>
                     <a:srgbClr val="000000"/>
                   </a:solidFill>
@@ -1346,7 +1346,7 @@
             </a:ln>
             <a:extLst>
               <a:ext uri="{91240B29-F687-4f45-9708-019B960494DF}">
-                <a14:hiddenLine xmlns:a14="http://schemas.microsoft.com/office/drawing/2010/main" xmlns="" w="9525">
+                <a14:hiddenLine xmlns="" xmlns:a14="http://schemas.microsoft.com/office/drawing/2010/main" w="9525">
                   <a:solidFill>
                     <a:srgbClr val="000000"/>
                   </a:solidFill>
@@ -1436,7 +1436,7 @@
             </a:ln>
             <a:extLst>
               <a:ext uri="{91240B29-F687-4f45-9708-019B960494DF}">
-                <a14:hiddenLine xmlns:a14="http://schemas.microsoft.com/office/drawing/2010/main" xmlns="" w="9525">
+                <a14:hiddenLine xmlns="" xmlns:a14="http://schemas.microsoft.com/office/drawing/2010/main" w="9525">
                   <a:solidFill>
                     <a:srgbClr val="000000"/>
                   </a:solidFill>
@@ -1470,7 +1470,7 @@
             </a:ln>
             <a:extLst>
               <a:ext uri="{91240B29-F687-4f45-9708-019B960494DF}">
-                <a14:hiddenLine xmlns:a14="http://schemas.microsoft.com/office/drawing/2010/main" xmlns="" w="9525">
+                <a14:hiddenLine xmlns="" xmlns:a14="http://schemas.microsoft.com/office/drawing/2010/main" w="9525">
                   <a:solidFill>
                     <a:srgbClr val="000000"/>
                   </a:solidFill>
@@ -1560,7 +1560,7 @@
             </a:ln>
             <a:extLst>
               <a:ext uri="{91240B29-F687-4f45-9708-019B960494DF}">
-                <a14:hiddenLine xmlns:a14="http://schemas.microsoft.com/office/drawing/2010/main" xmlns="" w="9525">
+                <a14:hiddenLine xmlns="" xmlns:a14="http://schemas.microsoft.com/office/drawing/2010/main" w="9525">
                   <a:solidFill>
                     <a:srgbClr val="000000"/>
                   </a:solidFill>
@@ -1622,7 +1622,7 @@
             </a:ln>
             <a:extLst>
               <a:ext uri="{91240B29-F687-4f45-9708-019B960494DF}">
-                <a14:hiddenLine xmlns:a14="http://schemas.microsoft.com/office/drawing/2010/main" xmlns="" w="9525">
+                <a14:hiddenLine xmlns="" xmlns:a14="http://schemas.microsoft.com/office/drawing/2010/main" w="9525">
                   <a:solidFill>
                     <a:srgbClr val="000000"/>
                   </a:solidFill>
@@ -1684,7 +1684,7 @@
             </a:ln>
             <a:extLst>
               <a:ext uri="{91240B29-F687-4f45-9708-019B960494DF}">
-                <a14:hiddenLine xmlns:a14="http://schemas.microsoft.com/office/drawing/2010/main" xmlns="" w="9525">
+                <a14:hiddenLine xmlns="" xmlns:a14="http://schemas.microsoft.com/office/drawing/2010/main" w="9525">
                   <a:solidFill>
                     <a:srgbClr val="000000"/>
                   </a:solidFill>
@@ -1774,7 +1774,7 @@
             </a:ln>
             <a:extLst>
               <a:ext uri="{91240B29-F687-4f45-9708-019B960494DF}">
-                <a14:hiddenLine xmlns:a14="http://schemas.microsoft.com/office/drawing/2010/main" xmlns="" w="9525">
+                <a14:hiddenLine xmlns="" xmlns:a14="http://schemas.microsoft.com/office/drawing/2010/main" w="9525">
                   <a:solidFill>
                     <a:srgbClr val="000000"/>
                   </a:solidFill>
@@ -1836,7 +1836,7 @@
             </a:ln>
             <a:extLst>
               <a:ext uri="{91240B29-F687-4f45-9708-019B960494DF}">
-                <a14:hiddenLine xmlns:a14="http://schemas.microsoft.com/office/drawing/2010/main" xmlns="" w="9525">
+                <a14:hiddenLine xmlns="" xmlns:a14="http://schemas.microsoft.com/office/drawing/2010/main" w="9525">
                   <a:solidFill>
                     <a:srgbClr val="000000"/>
                   </a:solidFill>
@@ -1898,7 +1898,7 @@
             </a:ln>
             <a:extLst>
               <a:ext uri="{91240B29-F687-4f45-9708-019B960494DF}">
-                <a14:hiddenLine xmlns:a14="http://schemas.microsoft.com/office/drawing/2010/main" xmlns="" w="9525">
+                <a14:hiddenLine xmlns="" xmlns:a14="http://schemas.microsoft.com/office/drawing/2010/main" w="9525">
                   <a:solidFill>
                     <a:srgbClr val="000000"/>
                   </a:solidFill>
@@ -1988,7 +1988,7 @@
             </a:ln>
             <a:extLst>
               <a:ext uri="{91240B29-F687-4f45-9708-019B960494DF}">
-                <a14:hiddenLine xmlns:a14="http://schemas.microsoft.com/office/drawing/2010/main" xmlns="" w="9525">
+                <a14:hiddenLine xmlns="" xmlns:a14="http://schemas.microsoft.com/office/drawing/2010/main" w="9525">
                   <a:solidFill>
                     <a:srgbClr val="000000"/>
                   </a:solidFill>
@@ -2078,7 +2078,7 @@
             </a:ln>
             <a:extLst>
               <a:ext uri="{91240B29-F687-4f45-9708-019B960494DF}">
-                <a14:hiddenLine xmlns:a14="http://schemas.microsoft.com/office/drawing/2010/main" xmlns="" w="9525">
+                <a14:hiddenLine xmlns="" xmlns:a14="http://schemas.microsoft.com/office/drawing/2010/main" w="9525">
                   <a:solidFill>
                     <a:srgbClr val="000000"/>
                   </a:solidFill>
@@ -2140,7 +2140,7 @@
             </a:ln>
             <a:extLst>
               <a:ext uri="{91240B29-F687-4f45-9708-019B960494DF}">
-                <a14:hiddenLine xmlns:a14="http://schemas.microsoft.com/office/drawing/2010/main" xmlns="" w="9525">
+                <a14:hiddenLine xmlns="" xmlns:a14="http://schemas.microsoft.com/office/drawing/2010/main" w="9525">
                   <a:solidFill>
                     <a:srgbClr val="000000"/>
                   </a:solidFill>
@@ -2250,7 +2250,7 @@
             </a:ln>
             <a:extLst>
               <a:ext uri="{91240B29-F687-4f45-9708-019B960494DF}">
-                <a14:hiddenLine xmlns:a14="http://schemas.microsoft.com/office/drawing/2010/main" xmlns="" w="9525">
+                <a14:hiddenLine xmlns="" xmlns:a14="http://schemas.microsoft.com/office/drawing/2010/main" w="9525">
                   <a:solidFill>
                     <a:srgbClr val="000000"/>
                   </a:solidFill>
@@ -2312,7 +2312,7 @@
             </a:ln>
             <a:extLst>
               <a:ext uri="{91240B29-F687-4f45-9708-019B960494DF}">
-                <a14:hiddenLine xmlns:a14="http://schemas.microsoft.com/office/drawing/2010/main" xmlns="" w="9525">
+                <a14:hiddenLine xmlns="" xmlns:a14="http://schemas.microsoft.com/office/drawing/2010/main" w="9525">
                   <a:solidFill>
                     <a:srgbClr val="000000"/>
                   </a:solidFill>
@@ -2402,7 +2402,7 @@
             </a:ln>
             <a:extLst>
               <a:ext uri="{91240B29-F687-4f45-9708-019B960494DF}">
-                <a14:hiddenLine xmlns:a14="http://schemas.microsoft.com/office/drawing/2010/main" xmlns="" w="9525">
+                <a14:hiddenLine xmlns="" xmlns:a14="http://schemas.microsoft.com/office/drawing/2010/main" w="9525">
                   <a:solidFill>
                     <a:srgbClr val="000000"/>
                   </a:solidFill>
@@ -2492,7 +2492,7 @@
             </a:ln>
             <a:extLst>
               <a:ext uri="{91240B29-F687-4f45-9708-019B960494DF}">
-                <a14:hiddenLine xmlns:a14="http://schemas.microsoft.com/office/drawing/2010/main" xmlns="" w="9525">
+                <a14:hiddenLine xmlns="" xmlns:a14="http://schemas.microsoft.com/office/drawing/2010/main" w="9525">
                   <a:solidFill>
                     <a:srgbClr val="000000"/>
                   </a:solidFill>
@@ -2554,7 +2554,7 @@
             </a:ln>
             <a:extLst>
               <a:ext uri="{91240B29-F687-4f45-9708-019B960494DF}">
-                <a14:hiddenLine xmlns:a14="http://schemas.microsoft.com/office/drawing/2010/main" xmlns="" w="9525">
+                <a14:hiddenLine xmlns="" xmlns:a14="http://schemas.microsoft.com/office/drawing/2010/main" w="9525">
                   <a:solidFill>
                     <a:srgbClr val="000000"/>
                   </a:solidFill>
@@ -2644,7 +2644,7 @@
             </a:ln>
             <a:extLst>
               <a:ext uri="{91240B29-F687-4f45-9708-019B960494DF}">
-                <a14:hiddenLine xmlns:a14="http://schemas.microsoft.com/office/drawing/2010/main" xmlns="" w="9525">
+                <a14:hiddenLine xmlns="" xmlns:a14="http://schemas.microsoft.com/office/drawing/2010/main" w="9525">
                   <a:solidFill>
                     <a:srgbClr val="000000"/>
                   </a:solidFill>
@@ -2734,7 +2734,7 @@
             </a:ln>
             <a:extLst>
               <a:ext uri="{91240B29-F687-4f45-9708-019B960494DF}">
-                <a14:hiddenLine xmlns:a14="http://schemas.microsoft.com/office/drawing/2010/main" xmlns="" w="9525">
+                <a14:hiddenLine xmlns="" xmlns:a14="http://schemas.microsoft.com/office/drawing/2010/main" w="9525">
                   <a:solidFill>
                     <a:srgbClr val="000000"/>
                   </a:solidFill>
@@ -2790,7 +2790,7 @@
             </a:ln>
             <a:extLst>
               <a:ext uri="{91240B29-F687-4f45-9708-019B960494DF}">
-                <a14:hiddenLine xmlns:a14="http://schemas.microsoft.com/office/drawing/2010/main" xmlns="" w="9525">
+                <a14:hiddenLine xmlns="" xmlns:a14="http://schemas.microsoft.com/office/drawing/2010/main" w="9525">
                   <a:solidFill>
                     <a:srgbClr val="000000"/>
                   </a:solidFill>
@@ -2880,7 +2880,7 @@
             </a:ln>
             <a:extLst>
               <a:ext uri="{91240B29-F687-4f45-9708-019B960494DF}">
-                <a14:hiddenLine xmlns:a14="http://schemas.microsoft.com/office/drawing/2010/main" xmlns="" w="9525">
+                <a14:hiddenLine xmlns="" xmlns:a14="http://schemas.microsoft.com/office/drawing/2010/main" w="9525">
                   <a:solidFill>
                     <a:srgbClr val="000000"/>
                   </a:solidFill>
@@ -2936,7 +2936,7 @@
             </a:ln>
             <a:extLst>
               <a:ext uri="{91240B29-F687-4f45-9708-019B960494DF}">
-                <a14:hiddenLine xmlns:a14="http://schemas.microsoft.com/office/drawing/2010/main" xmlns="" w="9525">
+                <a14:hiddenLine xmlns="" xmlns:a14="http://schemas.microsoft.com/office/drawing/2010/main" w="9525">
                   <a:solidFill>
                     <a:srgbClr val="000000"/>
                   </a:solidFill>
@@ -3026,7 +3026,7 @@
             </a:ln>
             <a:extLst>
               <a:ext uri="{91240B29-F687-4f45-9708-019B960494DF}">
-                <a14:hiddenLine xmlns:a14="http://schemas.microsoft.com/office/drawing/2010/main" xmlns="" w="9525">
+                <a14:hiddenLine xmlns="" xmlns:a14="http://schemas.microsoft.com/office/drawing/2010/main" w="9525">
                   <a:solidFill>
                     <a:srgbClr val="000000"/>
                   </a:solidFill>
@@ -3094,7 +3094,7 @@
             </a:ln>
             <a:extLst>
               <a:ext uri="{91240B29-F687-4f45-9708-019B960494DF}">
-                <a14:hiddenLine xmlns:a14="http://schemas.microsoft.com/office/drawing/2010/main" xmlns="" w="9525">
+                <a14:hiddenLine xmlns="" xmlns:a14="http://schemas.microsoft.com/office/drawing/2010/main" w="9525">
                   <a:solidFill>
                     <a:srgbClr val="000000"/>
                   </a:solidFill>
@@ -3184,7 +3184,7 @@
             </a:ln>
             <a:extLst>
               <a:ext uri="{91240B29-F687-4f45-9708-019B960494DF}">
-                <a14:hiddenLine xmlns:a14="http://schemas.microsoft.com/office/drawing/2010/main" xmlns="" w="9525">
+                <a14:hiddenLine xmlns="" xmlns:a14="http://schemas.microsoft.com/office/drawing/2010/main" w="9525">
                   <a:solidFill>
                     <a:srgbClr val="000000"/>
                   </a:solidFill>
@@ -3252,7 +3252,7 @@
             </a:ln>
             <a:extLst>
               <a:ext uri="{91240B29-F687-4f45-9708-019B960494DF}">
-                <a14:hiddenLine xmlns:a14="http://schemas.microsoft.com/office/drawing/2010/main" xmlns="" w="9525">
+                <a14:hiddenLine xmlns="" xmlns:a14="http://schemas.microsoft.com/office/drawing/2010/main" w="9525">
                   <a:solidFill>
                     <a:srgbClr val="000000"/>
                   </a:solidFill>
@@ -3342,7 +3342,7 @@
             </a:ln>
             <a:extLst>
               <a:ext uri="{91240B29-F687-4f45-9708-019B960494DF}">
-                <a14:hiddenLine xmlns:a14="http://schemas.microsoft.com/office/drawing/2010/main" xmlns="" w="9525">
+                <a14:hiddenLine xmlns="" xmlns:a14="http://schemas.microsoft.com/office/drawing/2010/main" w="9525">
                   <a:solidFill>
                     <a:srgbClr val="000000"/>
                   </a:solidFill>
@@ -3376,7 +3376,7 @@
             </a:ln>
             <a:extLst>
               <a:ext uri="{91240B29-F687-4f45-9708-019B960494DF}">
-                <a14:hiddenLine xmlns:a14="http://schemas.microsoft.com/office/drawing/2010/main" xmlns="" w="9525">
+                <a14:hiddenLine xmlns="" xmlns:a14="http://schemas.microsoft.com/office/drawing/2010/main" w="9525">
                   <a:solidFill>
                     <a:srgbClr val="000000"/>
                   </a:solidFill>
@@ -3466,7 +3466,7 @@
             </a:ln>
             <a:extLst>
               <a:ext uri="{91240B29-F687-4f45-9708-019B960494DF}">
-                <a14:hiddenLine xmlns:a14="http://schemas.microsoft.com/office/drawing/2010/main" xmlns="" w="9525">
+                <a14:hiddenLine xmlns="" xmlns:a14="http://schemas.microsoft.com/office/drawing/2010/main" w="9525">
                   <a:solidFill>
                     <a:srgbClr val="000000"/>
                   </a:solidFill>
@@ -3528,7 +3528,7 @@
             </a:ln>
             <a:extLst>
               <a:ext uri="{91240B29-F687-4f45-9708-019B960494DF}">
-                <a14:hiddenLine xmlns:a14="http://schemas.microsoft.com/office/drawing/2010/main" xmlns="" w="9525">
+                <a14:hiddenLine xmlns="" xmlns:a14="http://schemas.microsoft.com/office/drawing/2010/main" w="9525">
                   <a:solidFill>
                     <a:srgbClr val="000000"/>
                   </a:solidFill>
@@ -3590,7 +3590,7 @@
             </a:ln>
             <a:extLst>
               <a:ext uri="{91240B29-F687-4f45-9708-019B960494DF}">
-                <a14:hiddenLine xmlns:a14="http://schemas.microsoft.com/office/drawing/2010/main" xmlns="" w="9525">
+                <a14:hiddenLine xmlns="" xmlns:a14="http://schemas.microsoft.com/office/drawing/2010/main" w="9525">
                   <a:solidFill>
                     <a:srgbClr val="000000"/>
                   </a:solidFill>
@@ -3680,7 +3680,7 @@
             </a:ln>
             <a:extLst>
               <a:ext uri="{91240B29-F687-4f45-9708-019B960494DF}">
-                <a14:hiddenLine xmlns:a14="http://schemas.microsoft.com/office/drawing/2010/main" xmlns="" w="9525">
+                <a14:hiddenLine xmlns="" xmlns:a14="http://schemas.microsoft.com/office/drawing/2010/main" w="9525">
                   <a:solidFill>
                     <a:srgbClr val="000000"/>
                   </a:solidFill>
@@ -3748,7 +3748,7 @@
             </a:ln>
             <a:extLst>
               <a:ext uri="{91240B29-F687-4f45-9708-019B960494DF}">
-                <a14:hiddenLine xmlns:a14="http://schemas.microsoft.com/office/drawing/2010/main" xmlns="" w="9525">
+                <a14:hiddenLine xmlns="" xmlns:a14="http://schemas.microsoft.com/office/drawing/2010/main" w="9525">
                   <a:solidFill>
                     <a:srgbClr val="000000"/>
                   </a:solidFill>
@@ -3810,7 +3810,7 @@
             </a:ln>
             <a:extLst>
               <a:ext uri="{91240B29-F687-4f45-9708-019B960494DF}">
-                <a14:hiddenLine xmlns:a14="http://schemas.microsoft.com/office/drawing/2010/main" xmlns="" w="9525">
+                <a14:hiddenLine xmlns="" xmlns:a14="http://schemas.microsoft.com/office/drawing/2010/main" w="9525">
                   <a:solidFill>
                     <a:srgbClr val="000000"/>
                   </a:solidFill>
@@ -3900,7 +3900,7 @@
             </a:ln>
             <a:extLst>
               <a:ext uri="{91240B29-F687-4f45-9708-019B960494DF}">
-                <a14:hiddenLine xmlns:a14="http://schemas.microsoft.com/office/drawing/2010/main" xmlns="" w="9525">
+                <a14:hiddenLine xmlns="" xmlns:a14="http://schemas.microsoft.com/office/drawing/2010/main" w="9525">
                   <a:solidFill>
                     <a:srgbClr val="000000"/>
                   </a:solidFill>
@@ -3962,7 +3962,7 @@
             </a:ln>
             <a:extLst>
               <a:ext uri="{91240B29-F687-4f45-9708-019B960494DF}">
-                <a14:hiddenLine xmlns:a14="http://schemas.microsoft.com/office/drawing/2010/main" xmlns="" w="9525">
+                <a14:hiddenLine xmlns="" xmlns:a14="http://schemas.microsoft.com/office/drawing/2010/main" w="9525">
                   <a:solidFill>
                     <a:srgbClr val="000000"/>
                   </a:solidFill>
@@ -4052,7 +4052,7 @@
             </a:ln>
             <a:extLst>
               <a:ext uri="{91240B29-F687-4f45-9708-019B960494DF}">
-                <a14:hiddenLine xmlns:a14="http://schemas.microsoft.com/office/drawing/2010/main" xmlns="" w="9525">
+                <a14:hiddenLine xmlns="" xmlns:a14="http://schemas.microsoft.com/office/drawing/2010/main" w="9525">
                   <a:solidFill>
                     <a:srgbClr val="000000"/>
                   </a:solidFill>
@@ -4114,7 +4114,7 @@
             </a:ln>
             <a:extLst>
               <a:ext uri="{91240B29-F687-4f45-9708-019B960494DF}">
-                <a14:hiddenLine xmlns:a14="http://schemas.microsoft.com/office/drawing/2010/main" xmlns="" w="9525">
+                <a14:hiddenLine xmlns="" xmlns:a14="http://schemas.microsoft.com/office/drawing/2010/main" w="9525">
                   <a:solidFill>
                     <a:srgbClr val="000000"/>
                   </a:solidFill>
@@ -4204,7 +4204,7 @@
             </a:ln>
             <a:extLst>
               <a:ext uri="{91240B29-F687-4f45-9708-019B960494DF}">
-                <a14:hiddenLine xmlns:a14="http://schemas.microsoft.com/office/drawing/2010/main" xmlns="" w="9525">
+                <a14:hiddenLine xmlns="" xmlns:a14="http://schemas.microsoft.com/office/drawing/2010/main" w="9525">
                   <a:solidFill>
                     <a:srgbClr val="000000"/>
                   </a:solidFill>
@@ -4238,7 +4238,7 @@
             </a:ln>
             <a:extLst>
               <a:ext uri="{91240B29-F687-4f45-9708-019B960494DF}">
-                <a14:hiddenLine xmlns:a14="http://schemas.microsoft.com/office/drawing/2010/main" xmlns="" w="9525">
+                <a14:hiddenLine xmlns="" xmlns:a14="http://schemas.microsoft.com/office/drawing/2010/main" w="9525">
                   <a:solidFill>
                     <a:srgbClr val="000000"/>
                   </a:solidFill>
@@ -4303,7 +4303,7 @@
             </a:ln>
             <a:extLst>
               <a:ext uri="{91240B29-F687-4f45-9708-019B960494DF}">
-                <a14:hiddenLine xmlns:a14="http://schemas.microsoft.com/office/drawing/2010/main" xmlns="" w="9525">
+                <a14:hiddenLine xmlns="" xmlns:a14="http://schemas.microsoft.com/office/drawing/2010/main" w="9525">
                   <a:solidFill>
                     <a:srgbClr val="000000"/>
                   </a:solidFill>
@@ -4393,7 +4393,7 @@
             </a:ln>
             <a:extLst>
               <a:ext uri="{91240B29-F687-4f45-9708-019B960494DF}">
-                <a14:hiddenLine xmlns:a14="http://schemas.microsoft.com/office/drawing/2010/main" xmlns="" w="9525">
+                <a14:hiddenLine xmlns="" xmlns:a14="http://schemas.microsoft.com/office/drawing/2010/main" w="9525">
                   <a:solidFill>
                     <a:srgbClr val="000000"/>
                   </a:solidFill>
@@ -4455,7 +4455,7 @@
             </a:ln>
             <a:extLst>
               <a:ext uri="{91240B29-F687-4f45-9708-019B960494DF}">
-                <a14:hiddenLine xmlns:a14="http://schemas.microsoft.com/office/drawing/2010/main" xmlns="" w="9525">
+                <a14:hiddenLine xmlns="" xmlns:a14="http://schemas.microsoft.com/office/drawing/2010/main" w="9525">
                   <a:solidFill>
                     <a:srgbClr val="000000"/>
                   </a:solidFill>
@@ -4545,7 +4545,7 @@
             </a:ln>
             <a:extLst>
               <a:ext uri="{91240B29-F687-4f45-9708-019B960494DF}">
-                <a14:hiddenLine xmlns:a14="http://schemas.microsoft.com/office/drawing/2010/main" xmlns="" w="9525">
+                <a14:hiddenLine xmlns="" xmlns:a14="http://schemas.microsoft.com/office/drawing/2010/main" w="9525">
                   <a:solidFill>
                     <a:srgbClr val="000000"/>
                   </a:solidFill>
@@ -4635,7 +4635,7 @@
             </a:ln>
             <a:extLst>
               <a:ext uri="{91240B29-F687-4f45-9708-019B960494DF}">
-                <a14:hiddenLine xmlns:a14="http://schemas.microsoft.com/office/drawing/2010/main" xmlns="" w="9525">
+                <a14:hiddenLine xmlns="" xmlns:a14="http://schemas.microsoft.com/office/drawing/2010/main" w="9525">
                   <a:solidFill>
                     <a:srgbClr val="000000"/>
                   </a:solidFill>
@@ -4700,7 +4700,7 @@
             </a:ln>
             <a:extLst>
               <a:ext uri="{91240B29-F687-4f45-9708-019B960494DF}">
-                <a14:hiddenLine xmlns:a14="http://schemas.microsoft.com/office/drawing/2010/main" xmlns="" w="9525">
+                <a14:hiddenLine xmlns="" xmlns:a14="http://schemas.microsoft.com/office/drawing/2010/main" w="9525">
                   <a:solidFill>
                     <a:srgbClr val="000000"/>
                   </a:solidFill>
@@ -4762,7 +4762,7 @@
             </a:ln>
             <a:extLst>
               <a:ext uri="{91240B29-F687-4f45-9708-019B960494DF}">
-                <a14:hiddenLine xmlns:a14="http://schemas.microsoft.com/office/drawing/2010/main" xmlns="" w="9525">
+                <a14:hiddenLine xmlns="" xmlns:a14="http://schemas.microsoft.com/office/drawing/2010/main" w="9525">
                   <a:solidFill>
                     <a:srgbClr val="000000"/>
                   </a:solidFill>
@@ -4852,7 +4852,7 @@
             </a:ln>
             <a:extLst>
               <a:ext uri="{91240B29-F687-4f45-9708-019B960494DF}">
-                <a14:hiddenLine xmlns:a14="http://schemas.microsoft.com/office/drawing/2010/main" xmlns="" w="9525">
+                <a14:hiddenLine xmlns="" xmlns:a14="http://schemas.microsoft.com/office/drawing/2010/main" w="9525">
                   <a:solidFill>
                     <a:srgbClr val="000000"/>
                   </a:solidFill>
@@ -4942,7 +4942,7 @@
             </a:ln>
             <a:extLst>
               <a:ext uri="{91240B29-F687-4f45-9708-019B960494DF}">
-                <a14:hiddenLine xmlns:a14="http://schemas.microsoft.com/office/drawing/2010/main" xmlns="" w="9525">
+                <a14:hiddenLine xmlns="" xmlns:a14="http://schemas.microsoft.com/office/drawing/2010/main" w="9525">
                   <a:solidFill>
                     <a:srgbClr val="000000"/>
                   </a:solidFill>
@@ -5004,7 +5004,7 @@
             </a:ln>
             <a:extLst>
               <a:ext uri="{91240B29-F687-4f45-9708-019B960494DF}">
-                <a14:hiddenLine xmlns:a14="http://schemas.microsoft.com/office/drawing/2010/main" xmlns="" w="9525">
+                <a14:hiddenLine xmlns="" xmlns:a14="http://schemas.microsoft.com/office/drawing/2010/main" w="9525">
                   <a:solidFill>
                     <a:srgbClr val="000000"/>
                   </a:solidFill>
@@ -5124,7 +5124,7 @@
             </a:ln>
             <a:extLst>
               <a:ext uri="{91240B29-F687-4f45-9708-019B960494DF}">
-                <a14:hiddenLine xmlns:a14="http://schemas.microsoft.com/office/drawing/2010/main" xmlns="" w="9525">
+                <a14:hiddenLine xmlns="" xmlns:a14="http://schemas.microsoft.com/office/drawing/2010/main" w="9525">
                   <a:solidFill>
                     <a:srgbClr val="000000"/>
                   </a:solidFill>
@@ -5192,7 +5192,7 @@
             </a:ln>
             <a:extLst>
               <a:ext uri="{91240B29-F687-4f45-9708-019B960494DF}">
-                <a14:hiddenLine xmlns:a14="http://schemas.microsoft.com/office/drawing/2010/main" xmlns="" w="9525">
+                <a14:hiddenLine xmlns="" xmlns:a14="http://schemas.microsoft.com/office/drawing/2010/main" w="9525">
                   <a:solidFill>
                     <a:srgbClr val="000000"/>
                   </a:solidFill>
@@ -5282,7 +5282,7 @@
             </a:ln>
             <a:extLst>
               <a:ext uri="{91240B29-F687-4f45-9708-019B960494DF}">
-                <a14:hiddenLine xmlns:a14="http://schemas.microsoft.com/office/drawing/2010/main" xmlns="" w="9525">
+                <a14:hiddenLine xmlns="" xmlns:a14="http://schemas.microsoft.com/office/drawing/2010/main" w="9525">
                   <a:solidFill>
                     <a:srgbClr val="000000"/>
                   </a:solidFill>
@@ -5422,7 +5422,7 @@
           <a:p>
             <a:fld id="{EC4347D3-4C9A-C240-8F14-750059DFEEB0}" type="datetimeFigureOut">
               <a:rPr lang="en-US" smtClean="0"/>
-              <a:t>8/29/24</a:t>
+              <a:t>1/16/25</a:t>
             </a:fld>
             <a:endParaRPr lang="en-US"/>
           </a:p>
@@ -5689,7 +5689,7 @@
           <a:p>
             <a:fld id="{EC4347D3-4C9A-C240-8F14-750059DFEEB0}" type="datetimeFigureOut">
               <a:rPr lang="en-US" smtClean="0"/>
-              <a:t>8/29/24</a:t>
+              <a:t>1/16/25</a:t>
             </a:fld>
             <a:endParaRPr lang="en-US"/>
           </a:p>
@@ -5885,7 +5885,7 @@
           <a:p>
             <a:fld id="{EC4347D3-4C9A-C240-8F14-750059DFEEB0}" type="datetimeFigureOut">
               <a:rPr lang="en-US" smtClean="0"/>
-              <a:t>8/29/24</a:t>
+              <a:t>1/16/25</a:t>
             </a:fld>
             <a:endParaRPr lang="en-US"/>
           </a:p>
@@ -6148,7 +6148,7 @@
           <a:p>
             <a:fld id="{EC4347D3-4C9A-C240-8F14-750059DFEEB0}" type="datetimeFigureOut">
               <a:rPr lang="en-US" smtClean="0"/>
-              <a:t>8/29/24</a:t>
+              <a:t>1/16/25</a:t>
             </a:fld>
             <a:endParaRPr lang="en-US"/>
           </a:p>
@@ -6582,7 +6582,7 @@
           <a:p>
             <a:fld id="{EC4347D3-4C9A-C240-8F14-750059DFEEB0}" type="datetimeFigureOut">
               <a:rPr lang="en-US" smtClean="0"/>
-              <a:t>8/29/24</a:t>
+              <a:t>1/16/25</a:t>
             </a:fld>
             <a:endParaRPr lang="en-US"/>
           </a:p>
@@ -7128,7 +7128,7 @@
           <a:p>
             <a:fld id="{EC4347D3-4C9A-C240-8F14-750059DFEEB0}" type="datetimeFigureOut">
               <a:rPr lang="en-US" smtClean="0"/>
-              <a:t>8/29/24</a:t>
+              <a:t>1/16/25</a:t>
             </a:fld>
             <a:endParaRPr lang="en-US"/>
           </a:p>
@@ -7848,7 +7848,7 @@
           <a:p>
             <a:fld id="{EC4347D3-4C9A-C240-8F14-750059DFEEB0}" type="datetimeFigureOut">
               <a:rPr lang="en-US" smtClean="0"/>
-              <a:t>8/29/24</a:t>
+              <a:t>1/16/25</a:t>
             </a:fld>
             <a:endParaRPr lang="en-US"/>
           </a:p>
@@ -8018,7 +8018,7 @@
           <a:p>
             <a:fld id="{EC4347D3-4C9A-C240-8F14-750059DFEEB0}" type="datetimeFigureOut">
               <a:rPr lang="en-US" smtClean="0"/>
-              <a:t>8/29/24</a:t>
+              <a:t>1/16/25</a:t>
             </a:fld>
             <a:endParaRPr lang="en-US"/>
           </a:p>
@@ -8198,7 +8198,7 @@
           <a:p>
             <a:fld id="{EC4347D3-4C9A-C240-8F14-750059DFEEB0}" type="datetimeFigureOut">
               <a:rPr lang="en-US" smtClean="0"/>
-              <a:t>8/29/24</a:t>
+              <a:t>1/16/25</a:t>
             </a:fld>
             <a:endParaRPr lang="en-US"/>
           </a:p>
@@ -8368,7 +8368,7 @@
           <a:p>
             <a:fld id="{EC4347D3-4C9A-C240-8F14-750059DFEEB0}" type="datetimeFigureOut">
               <a:rPr lang="en-US" smtClean="0"/>
-              <a:t>8/29/24</a:t>
+              <a:t>1/16/25</a:t>
             </a:fld>
             <a:endParaRPr lang="en-US"/>
           </a:p>
@@ -8618,7 +8618,7 @@
           <a:p>
             <a:fld id="{EC4347D3-4C9A-C240-8F14-750059DFEEB0}" type="datetimeFigureOut">
               <a:rPr lang="en-US" smtClean="0"/>
-              <a:t>8/29/24</a:t>
+              <a:t>1/16/25</a:t>
             </a:fld>
             <a:endParaRPr lang="en-US"/>
           </a:p>
@@ -8850,7 +8850,7 @@
           <a:p>
             <a:fld id="{EC4347D3-4C9A-C240-8F14-750059DFEEB0}" type="datetimeFigureOut">
               <a:rPr lang="en-US" smtClean="0"/>
-              <a:t>8/29/24</a:t>
+              <a:t>1/16/25</a:t>
             </a:fld>
             <a:endParaRPr lang="en-US"/>
           </a:p>
@@ -9236,7 +9236,7 @@
           <a:p>
             <a:fld id="{EC4347D3-4C9A-C240-8F14-750059DFEEB0}" type="datetimeFigureOut">
               <a:rPr lang="en-US" smtClean="0"/>
-              <a:t>8/29/24</a:t>
+              <a:t>1/16/25</a:t>
             </a:fld>
             <a:endParaRPr lang="en-US"/>
           </a:p>
@@ -9359,7 +9359,7 @@
           <a:p>
             <a:fld id="{EC4347D3-4C9A-C240-8F14-750059DFEEB0}" type="datetimeFigureOut">
               <a:rPr lang="en-US" smtClean="0"/>
-              <a:t>8/29/24</a:t>
+              <a:t>1/16/25</a:t>
             </a:fld>
             <a:endParaRPr lang="en-US"/>
           </a:p>
@@ -9454,7 +9454,7 @@
           <a:p>
             <a:fld id="{EC4347D3-4C9A-C240-8F14-750059DFEEB0}" type="datetimeFigureOut">
               <a:rPr lang="en-US" smtClean="0"/>
-              <a:t>8/29/24</a:t>
+              <a:t>1/16/25</a:t>
             </a:fld>
             <a:endParaRPr lang="en-US"/>
           </a:p>
@@ -9703,7 +9703,7 @@
           <a:p>
             <a:fld id="{EC4347D3-4C9A-C240-8F14-750059DFEEB0}" type="datetimeFigureOut">
               <a:rPr lang="en-US" smtClean="0"/>
-              <a:t>8/29/24</a:t>
+              <a:t>1/16/25</a:t>
             </a:fld>
             <a:endParaRPr lang="en-US"/>
           </a:p>
@@ -9988,7 +9988,7 @@
           <a:p>
             <a:fld id="{EC4347D3-4C9A-C240-8F14-750059DFEEB0}" type="datetimeFigureOut">
               <a:rPr lang="en-US" smtClean="0"/>
-              <a:t>8/29/24</a:t>
+              <a:t>1/16/25</a:t>
             </a:fld>
             <a:endParaRPr lang="en-US"/>
           </a:p>
@@ -10111,7 +10111,7 @@
           <a:noFill/>
           <a:extLst>
             <a:ext uri="{909E8E84-426E-40dd-AFC4-6F175D3DCCD1}">
-              <a14:hiddenFill xmlns:a14="http://schemas.microsoft.com/office/drawing/2010/main" xmlns="">
+              <a14:hiddenFill xmlns="" xmlns:a14="http://schemas.microsoft.com/office/drawing/2010/main">
                 <a:solidFill>
                   <a:srgbClr val="FFFFFF"/>
                 </a:solidFill>
@@ -10185,7 +10185,7 @@
               </a:ln>
               <a:extLst>
                 <a:ext uri="{91240B29-F687-4f45-9708-019B960494DF}">
-                  <a14:hiddenLine xmlns:a14="http://schemas.microsoft.com/office/drawing/2010/main" xmlns="" w="9525">
+                  <a14:hiddenLine xmlns="" xmlns:a14="http://schemas.microsoft.com/office/drawing/2010/main" w="9525">
                     <a:solidFill>
                       <a:srgbClr val="000000"/>
                     </a:solidFill>
@@ -10275,7 +10275,7 @@
               </a:ln>
               <a:extLst>
                 <a:ext uri="{91240B29-F687-4f45-9708-019B960494DF}">
-                  <a14:hiddenLine xmlns:a14="http://schemas.microsoft.com/office/drawing/2010/main" xmlns="" w="9525">
+                  <a14:hiddenLine xmlns="" xmlns:a14="http://schemas.microsoft.com/office/drawing/2010/main" w="9525">
                     <a:solidFill>
                       <a:srgbClr val="000000"/>
                     </a:solidFill>
@@ -10365,7 +10365,7 @@
               </a:ln>
               <a:extLst>
                 <a:ext uri="{91240B29-F687-4f45-9708-019B960494DF}">
-                  <a14:hiddenLine xmlns:a14="http://schemas.microsoft.com/office/drawing/2010/main" xmlns="" w="9525">
+                  <a14:hiddenLine xmlns="" xmlns:a14="http://schemas.microsoft.com/office/drawing/2010/main" w="9525">
                     <a:solidFill>
                       <a:srgbClr val="000000"/>
                     </a:solidFill>
@@ -10427,7 +10427,7 @@
               </a:ln>
               <a:extLst>
                 <a:ext uri="{91240B29-F687-4f45-9708-019B960494DF}">
-                  <a14:hiddenLine xmlns:a14="http://schemas.microsoft.com/office/drawing/2010/main" xmlns="" w="9525">
+                  <a14:hiddenLine xmlns="" xmlns:a14="http://schemas.microsoft.com/office/drawing/2010/main" w="9525">
                     <a:solidFill>
                       <a:srgbClr val="000000"/>
                     </a:solidFill>
@@ -10517,7 +10517,7 @@
               </a:ln>
               <a:extLst>
                 <a:ext uri="{91240B29-F687-4f45-9708-019B960494DF}">
-                  <a14:hiddenLine xmlns:a14="http://schemas.microsoft.com/office/drawing/2010/main" xmlns="" w="9525">
+                  <a14:hiddenLine xmlns="" xmlns:a14="http://schemas.microsoft.com/office/drawing/2010/main" w="9525">
                     <a:solidFill>
                       <a:srgbClr val="000000"/>
                     </a:solidFill>
@@ -10579,7 +10579,7 @@
               </a:ln>
               <a:extLst>
                 <a:ext uri="{91240B29-F687-4f45-9708-019B960494DF}">
-                  <a14:hiddenLine xmlns:a14="http://schemas.microsoft.com/office/drawing/2010/main" xmlns="" w="9525">
+                  <a14:hiddenLine xmlns="" xmlns:a14="http://schemas.microsoft.com/office/drawing/2010/main" w="9525">
                     <a:solidFill>
                       <a:srgbClr val="000000"/>
                     </a:solidFill>
@@ -10641,7 +10641,7 @@
               </a:ln>
               <a:extLst>
                 <a:ext uri="{91240B29-F687-4f45-9708-019B960494DF}">
-                  <a14:hiddenLine xmlns:a14="http://schemas.microsoft.com/office/drawing/2010/main" xmlns="" w="9525">
+                  <a14:hiddenLine xmlns="" xmlns:a14="http://schemas.microsoft.com/office/drawing/2010/main" w="9525">
                     <a:solidFill>
                       <a:srgbClr val="000000"/>
                     </a:solidFill>
@@ -10731,7 +10731,7 @@
               </a:ln>
               <a:extLst>
                 <a:ext uri="{91240B29-F687-4f45-9708-019B960494DF}">
-                  <a14:hiddenLine xmlns:a14="http://schemas.microsoft.com/office/drawing/2010/main" xmlns="" w="9525">
+                  <a14:hiddenLine xmlns="" xmlns:a14="http://schemas.microsoft.com/office/drawing/2010/main" w="9525">
                     <a:solidFill>
                       <a:srgbClr val="000000"/>
                     </a:solidFill>
@@ -10821,7 +10821,7 @@
               </a:ln>
               <a:extLst>
                 <a:ext uri="{91240B29-F687-4f45-9708-019B960494DF}">
-                  <a14:hiddenLine xmlns:a14="http://schemas.microsoft.com/office/drawing/2010/main" xmlns="" w="9525">
+                  <a14:hiddenLine xmlns="" xmlns:a14="http://schemas.microsoft.com/office/drawing/2010/main" w="9525">
                     <a:solidFill>
                       <a:srgbClr val="000000"/>
                     </a:solidFill>
@@ -10883,7 +10883,7 @@
               </a:ln>
               <a:extLst>
                 <a:ext uri="{91240B29-F687-4f45-9708-019B960494DF}">
-                  <a14:hiddenLine xmlns:a14="http://schemas.microsoft.com/office/drawing/2010/main" xmlns="" w="9525">
+                  <a14:hiddenLine xmlns="" xmlns:a14="http://schemas.microsoft.com/office/drawing/2010/main" w="9525">
                     <a:solidFill>
                       <a:srgbClr val="000000"/>
                     </a:solidFill>
@@ -10993,7 +10993,7 @@
               </a:ln>
               <a:extLst>
                 <a:ext uri="{91240B29-F687-4f45-9708-019B960494DF}">
-                  <a14:hiddenLine xmlns:a14="http://schemas.microsoft.com/office/drawing/2010/main" xmlns="" w="9525">
+                  <a14:hiddenLine xmlns="" xmlns:a14="http://schemas.microsoft.com/office/drawing/2010/main" w="9525">
                     <a:solidFill>
                       <a:srgbClr val="000000"/>
                     </a:solidFill>
@@ -11077,7 +11077,7 @@
               </a:ln>
               <a:extLst>
                 <a:ext uri="{91240B29-F687-4f45-9708-019B960494DF}">
-                  <a14:hiddenLine xmlns:a14="http://schemas.microsoft.com/office/drawing/2010/main" xmlns="" w="9525">
+                  <a14:hiddenLine xmlns="" xmlns:a14="http://schemas.microsoft.com/office/drawing/2010/main" w="9525">
                     <a:solidFill>
                       <a:srgbClr val="000000"/>
                     </a:solidFill>
@@ -11139,7 +11139,7 @@
               </a:ln>
               <a:extLst>
                 <a:ext uri="{91240B29-F687-4f45-9708-019B960494DF}">
-                  <a14:hiddenLine xmlns:a14="http://schemas.microsoft.com/office/drawing/2010/main" xmlns="" w="9525">
+                  <a14:hiddenLine xmlns="" xmlns:a14="http://schemas.microsoft.com/office/drawing/2010/main" w="9525">
                     <a:solidFill>
                       <a:srgbClr val="000000"/>
                     </a:solidFill>
@@ -11201,7 +11201,7 @@
               </a:ln>
               <a:extLst>
                 <a:ext uri="{91240B29-F687-4f45-9708-019B960494DF}">
-                  <a14:hiddenLine xmlns:a14="http://schemas.microsoft.com/office/drawing/2010/main" xmlns="" w="9525">
+                  <a14:hiddenLine xmlns="" xmlns:a14="http://schemas.microsoft.com/office/drawing/2010/main" w="9525">
                     <a:solidFill>
                       <a:srgbClr val="000000"/>
                     </a:solidFill>
@@ -11291,7 +11291,7 @@
               </a:ln>
               <a:extLst>
                 <a:ext uri="{91240B29-F687-4f45-9708-019B960494DF}">
-                  <a14:hiddenLine xmlns:a14="http://schemas.microsoft.com/office/drawing/2010/main" xmlns="" w="9525">
+                  <a14:hiddenLine xmlns="" xmlns:a14="http://schemas.microsoft.com/office/drawing/2010/main" w="9525">
                     <a:solidFill>
                       <a:srgbClr val="000000"/>
                     </a:solidFill>
@@ -11325,7 +11325,7 @@
               </a:ln>
               <a:extLst>
                 <a:ext uri="{91240B29-F687-4f45-9708-019B960494DF}">
-                  <a14:hiddenLine xmlns:a14="http://schemas.microsoft.com/office/drawing/2010/main" xmlns="" w="9525">
+                  <a14:hiddenLine xmlns="" xmlns:a14="http://schemas.microsoft.com/office/drawing/2010/main" w="9525">
                     <a:solidFill>
                       <a:srgbClr val="000000"/>
                     </a:solidFill>
@@ -11390,7 +11390,7 @@
               </a:ln>
               <a:extLst>
                 <a:ext uri="{91240B29-F687-4f45-9708-019B960494DF}">
-                  <a14:hiddenLine xmlns:a14="http://schemas.microsoft.com/office/drawing/2010/main" xmlns="" w="9525">
+                  <a14:hiddenLine xmlns="" xmlns:a14="http://schemas.microsoft.com/office/drawing/2010/main" w="9525">
                     <a:solidFill>
                       <a:srgbClr val="000000"/>
                     </a:solidFill>
@@ -11480,7 +11480,7 @@
               </a:ln>
               <a:extLst>
                 <a:ext uri="{91240B29-F687-4f45-9708-019B960494DF}">
-                  <a14:hiddenLine xmlns:a14="http://schemas.microsoft.com/office/drawing/2010/main" xmlns="" w="9525">
+                  <a14:hiddenLine xmlns="" xmlns:a14="http://schemas.microsoft.com/office/drawing/2010/main" w="9525">
                     <a:solidFill>
                       <a:srgbClr val="000000"/>
                     </a:solidFill>
@@ -11542,7 +11542,7 @@
               </a:ln>
               <a:extLst>
                 <a:ext uri="{91240B29-F687-4f45-9708-019B960494DF}">
-                  <a14:hiddenLine xmlns:a14="http://schemas.microsoft.com/office/drawing/2010/main" xmlns="" w="9525">
+                  <a14:hiddenLine xmlns="" xmlns:a14="http://schemas.microsoft.com/office/drawing/2010/main" w="9525">
                     <a:solidFill>
                       <a:srgbClr val="000000"/>
                     </a:solidFill>
@@ -11632,7 +11632,7 @@
               </a:ln>
               <a:extLst>
                 <a:ext uri="{91240B29-F687-4f45-9708-019B960494DF}">
-                  <a14:hiddenLine xmlns:a14="http://schemas.microsoft.com/office/drawing/2010/main" xmlns="" w="9525">
+                  <a14:hiddenLine xmlns="" xmlns:a14="http://schemas.microsoft.com/office/drawing/2010/main" w="9525">
                     <a:solidFill>
                       <a:srgbClr val="000000"/>
                     </a:solidFill>
@@ -11697,7 +11697,7 @@
               </a:ln>
               <a:extLst>
                 <a:ext uri="{91240B29-F687-4f45-9708-019B960494DF}">
-                  <a14:hiddenLine xmlns:a14="http://schemas.microsoft.com/office/drawing/2010/main" xmlns="" w="9525">
+                  <a14:hiddenLine xmlns="" xmlns:a14="http://schemas.microsoft.com/office/drawing/2010/main" w="9525">
                     <a:solidFill>
                       <a:srgbClr val="000000"/>
                     </a:solidFill>
@@ -11759,7 +11759,7 @@
               </a:ln>
               <a:extLst>
                 <a:ext uri="{91240B29-F687-4f45-9708-019B960494DF}">
-                  <a14:hiddenLine xmlns:a14="http://schemas.microsoft.com/office/drawing/2010/main" xmlns="" w="9525">
+                  <a14:hiddenLine xmlns="" xmlns:a14="http://schemas.microsoft.com/office/drawing/2010/main" w="9525">
                     <a:solidFill>
                       <a:srgbClr val="000000"/>
                     </a:solidFill>
@@ -11849,7 +11849,7 @@
               </a:ln>
               <a:extLst>
                 <a:ext uri="{91240B29-F687-4f45-9708-019B960494DF}">
-                  <a14:hiddenLine xmlns:a14="http://schemas.microsoft.com/office/drawing/2010/main" xmlns="" w="9525">
+                  <a14:hiddenLine xmlns="" xmlns:a14="http://schemas.microsoft.com/office/drawing/2010/main" w="9525">
                     <a:solidFill>
                       <a:srgbClr val="000000"/>
                     </a:solidFill>
@@ -11939,7 +11939,7 @@
               </a:ln>
               <a:extLst>
                 <a:ext uri="{91240B29-F687-4f45-9708-019B960494DF}">
-                  <a14:hiddenLine xmlns:a14="http://schemas.microsoft.com/office/drawing/2010/main" xmlns="" w="9525">
+                  <a14:hiddenLine xmlns="" xmlns:a14="http://schemas.microsoft.com/office/drawing/2010/main" w="9525">
                     <a:solidFill>
                       <a:srgbClr val="000000"/>
                     </a:solidFill>
@@ -12004,7 +12004,7 @@
               </a:ln>
               <a:extLst>
                 <a:ext uri="{91240B29-F687-4f45-9708-019B960494DF}">
-                  <a14:hiddenLine xmlns:a14="http://schemas.microsoft.com/office/drawing/2010/main" xmlns="" w="9525">
+                  <a14:hiddenLine xmlns="" xmlns:a14="http://schemas.microsoft.com/office/drawing/2010/main" w="9525">
                     <a:solidFill>
                       <a:srgbClr val="000000"/>
                     </a:solidFill>
@@ -12124,7 +12124,7 @@
               </a:ln>
               <a:extLst>
                 <a:ext uri="{91240B29-F687-4f45-9708-019B960494DF}">
-                  <a14:hiddenLine xmlns:a14="http://schemas.microsoft.com/office/drawing/2010/main" xmlns="" w="9525">
+                  <a14:hiddenLine xmlns="" xmlns:a14="http://schemas.microsoft.com/office/drawing/2010/main" w="9525">
                     <a:solidFill>
                       <a:srgbClr val="000000"/>
                     </a:solidFill>
@@ -12205,7 +12205,7 @@
               </a:ln>
               <a:extLst>
                 <a:ext uri="{91240B29-F687-4f45-9708-019B960494DF}">
-                  <a14:hiddenLine xmlns:a14="http://schemas.microsoft.com/office/drawing/2010/main" xmlns="" w="9525">
+                  <a14:hiddenLine xmlns="" xmlns:a14="http://schemas.microsoft.com/office/drawing/2010/main" w="9525">
                     <a:solidFill>
                       <a:srgbClr val="000000"/>
                     </a:solidFill>
@@ -12320,7 +12320,7 @@
               </a:ln>
               <a:extLst>
                 <a:ext uri="{91240B29-F687-4f45-9708-019B960494DF}">
-                  <a14:hiddenLine xmlns:a14="http://schemas.microsoft.com/office/drawing/2010/main" xmlns="" w="9525">
+                  <a14:hiddenLine xmlns="" xmlns:a14="http://schemas.microsoft.com/office/drawing/2010/main" w="9525">
                     <a:solidFill>
                       <a:srgbClr val="000000"/>
                     </a:solidFill>
@@ -12410,7 +12410,7 @@
               </a:ln>
               <a:extLst>
                 <a:ext uri="{91240B29-F687-4f45-9708-019B960494DF}">
-                  <a14:hiddenLine xmlns:a14="http://schemas.microsoft.com/office/drawing/2010/main" xmlns="" w="9525">
+                  <a14:hiddenLine xmlns="" xmlns:a14="http://schemas.microsoft.com/office/drawing/2010/main" w="9525">
                     <a:solidFill>
                       <a:srgbClr val="000000"/>
                     </a:solidFill>
@@ -12475,7 +12475,7 @@
               </a:ln>
               <a:extLst>
                 <a:ext uri="{91240B29-F687-4f45-9708-019B960494DF}">
-                  <a14:hiddenLine xmlns:a14="http://schemas.microsoft.com/office/drawing/2010/main" xmlns="" w="9525">
+                  <a14:hiddenLine xmlns="" xmlns:a14="http://schemas.microsoft.com/office/drawing/2010/main" w="9525">
                     <a:solidFill>
                       <a:srgbClr val="000000"/>
                     </a:solidFill>
@@ -12565,7 +12565,7 @@
               </a:ln>
               <a:extLst>
                 <a:ext uri="{91240B29-F687-4f45-9708-019B960494DF}">
-                  <a14:hiddenLine xmlns:a14="http://schemas.microsoft.com/office/drawing/2010/main" xmlns="" w="9525">
+                  <a14:hiddenLine xmlns="" xmlns:a14="http://schemas.microsoft.com/office/drawing/2010/main" w="9525">
                     <a:solidFill>
                       <a:srgbClr val="000000"/>
                     </a:solidFill>
@@ -12633,7 +12633,7 @@
               </a:ln>
               <a:extLst>
                 <a:ext uri="{91240B29-F687-4f45-9708-019B960494DF}">
-                  <a14:hiddenLine xmlns:a14="http://schemas.microsoft.com/office/drawing/2010/main" xmlns="" w="9525">
+                  <a14:hiddenLine xmlns="" xmlns:a14="http://schemas.microsoft.com/office/drawing/2010/main" w="9525">
                     <a:solidFill>
                       <a:srgbClr val="000000"/>
                     </a:solidFill>
@@ -12723,7 +12723,7 @@
               </a:ln>
               <a:extLst>
                 <a:ext uri="{91240B29-F687-4f45-9708-019B960494DF}">
-                  <a14:hiddenLine xmlns:a14="http://schemas.microsoft.com/office/drawing/2010/main" xmlns="" w="9525">
+                  <a14:hiddenLine xmlns="" xmlns:a14="http://schemas.microsoft.com/office/drawing/2010/main" w="9525">
                     <a:solidFill>
                       <a:srgbClr val="000000"/>
                     </a:solidFill>
@@ -12791,7 +12791,7 @@
               </a:ln>
               <a:extLst>
                 <a:ext uri="{91240B29-F687-4f45-9708-019B960494DF}">
-                  <a14:hiddenLine xmlns:a14="http://schemas.microsoft.com/office/drawing/2010/main" xmlns="" w="9525">
+                  <a14:hiddenLine xmlns="" xmlns:a14="http://schemas.microsoft.com/office/drawing/2010/main" w="9525">
                     <a:solidFill>
                       <a:srgbClr val="000000"/>
                     </a:solidFill>
@@ -12881,7 +12881,7 @@
               </a:ln>
               <a:extLst>
                 <a:ext uri="{91240B29-F687-4f45-9708-019B960494DF}">
-                  <a14:hiddenLine xmlns:a14="http://schemas.microsoft.com/office/drawing/2010/main" xmlns="" w="9525">
+                  <a14:hiddenLine xmlns="" xmlns:a14="http://schemas.microsoft.com/office/drawing/2010/main" w="9525">
                     <a:solidFill>
                       <a:srgbClr val="000000"/>
                     </a:solidFill>
@@ -12915,7 +12915,7 @@
               </a:ln>
               <a:extLst>
                 <a:ext uri="{91240B29-F687-4f45-9708-019B960494DF}">
-                  <a14:hiddenLine xmlns:a14="http://schemas.microsoft.com/office/drawing/2010/main" xmlns="" w="9525">
+                  <a14:hiddenLine xmlns="" xmlns:a14="http://schemas.microsoft.com/office/drawing/2010/main" w="9525">
                     <a:solidFill>
                       <a:srgbClr val="000000"/>
                     </a:solidFill>
@@ -13055,7 +13055,7 @@
           <a:p>
             <a:fld id="{EC4347D3-4C9A-C240-8F14-750059DFEEB0}" type="datetimeFigureOut">
               <a:rPr lang="en-US" smtClean="0"/>
-              <a:t>8/29/24</a:t>
+              <a:t>1/16/25</a:t>
             </a:fld>
             <a:endParaRPr lang="en-US"/>
           </a:p>

--- a/slides/01-WhatIsAComputer.pptx
+++ b/slides/01-WhatIsAComputer.pptx
@@ -234,7 +234,7 @@
           <a:p>
             <a:fld id="{C5B45307-6ED4-B142-BD64-10F739779302}" type="datetimeFigureOut">
               <a:rPr lang="en-US" smtClean="0"/>
-              <a:t>1/16/25</a:t>
+              <a:t>8/25/25</a:t>
             </a:fld>
             <a:endParaRPr lang="en-US"/>
           </a:p>
@@ -1197,7 +1197,7 @@
           <a:noFill/>
           <a:extLst>
             <a:ext uri="{909E8E84-426E-40dd-AFC4-6F175D3DCCD1}">
-              <a14:hiddenFill xmlns="" xmlns:a14="http://schemas.microsoft.com/office/drawing/2010/main">
+              <a14:hiddenFill xmlns:a14="http://schemas.microsoft.com/office/drawing/2010/main" xmlns="">
                 <a:solidFill>
                   <a:srgbClr val="FFFFFF"/>
                 </a:solidFill>
@@ -1256,7 +1256,7 @@
             </a:ln>
             <a:extLst>
               <a:ext uri="{91240B29-F687-4f45-9708-019B960494DF}">
-                <a14:hiddenLine xmlns="" xmlns:a14="http://schemas.microsoft.com/office/drawing/2010/main" w="9525">
+                <a14:hiddenLine xmlns:a14="http://schemas.microsoft.com/office/drawing/2010/main" xmlns="" w="9525">
                   <a:solidFill>
                     <a:srgbClr val="000000"/>
                   </a:solidFill>
@@ -1346,7 +1346,7 @@
             </a:ln>
             <a:extLst>
               <a:ext uri="{91240B29-F687-4f45-9708-019B960494DF}">
-                <a14:hiddenLine xmlns="" xmlns:a14="http://schemas.microsoft.com/office/drawing/2010/main" w="9525">
+                <a14:hiddenLine xmlns:a14="http://schemas.microsoft.com/office/drawing/2010/main" xmlns="" w="9525">
                   <a:solidFill>
                     <a:srgbClr val="000000"/>
                   </a:solidFill>
@@ -1436,7 +1436,7 @@
             </a:ln>
             <a:extLst>
               <a:ext uri="{91240B29-F687-4f45-9708-019B960494DF}">
-                <a14:hiddenLine xmlns="" xmlns:a14="http://schemas.microsoft.com/office/drawing/2010/main" w="9525">
+                <a14:hiddenLine xmlns:a14="http://schemas.microsoft.com/office/drawing/2010/main" xmlns="" w="9525">
                   <a:solidFill>
                     <a:srgbClr val="000000"/>
                   </a:solidFill>
@@ -1470,7 +1470,7 @@
             </a:ln>
             <a:extLst>
               <a:ext uri="{91240B29-F687-4f45-9708-019B960494DF}">
-                <a14:hiddenLine xmlns="" xmlns:a14="http://schemas.microsoft.com/office/drawing/2010/main" w="9525">
+                <a14:hiddenLine xmlns:a14="http://schemas.microsoft.com/office/drawing/2010/main" xmlns="" w="9525">
                   <a:solidFill>
                     <a:srgbClr val="000000"/>
                   </a:solidFill>
@@ -1560,7 +1560,7 @@
             </a:ln>
             <a:extLst>
               <a:ext uri="{91240B29-F687-4f45-9708-019B960494DF}">
-                <a14:hiddenLine xmlns="" xmlns:a14="http://schemas.microsoft.com/office/drawing/2010/main" w="9525">
+                <a14:hiddenLine xmlns:a14="http://schemas.microsoft.com/office/drawing/2010/main" xmlns="" w="9525">
                   <a:solidFill>
                     <a:srgbClr val="000000"/>
                   </a:solidFill>
@@ -1622,7 +1622,7 @@
             </a:ln>
             <a:extLst>
               <a:ext uri="{91240B29-F687-4f45-9708-019B960494DF}">
-                <a14:hiddenLine xmlns="" xmlns:a14="http://schemas.microsoft.com/office/drawing/2010/main" w="9525">
+                <a14:hiddenLine xmlns:a14="http://schemas.microsoft.com/office/drawing/2010/main" xmlns="" w="9525">
                   <a:solidFill>
                     <a:srgbClr val="000000"/>
                   </a:solidFill>
@@ -1684,7 +1684,7 @@
             </a:ln>
             <a:extLst>
               <a:ext uri="{91240B29-F687-4f45-9708-019B960494DF}">
-                <a14:hiddenLine xmlns="" xmlns:a14="http://schemas.microsoft.com/office/drawing/2010/main" w="9525">
+                <a14:hiddenLine xmlns:a14="http://schemas.microsoft.com/office/drawing/2010/main" xmlns="" w="9525">
                   <a:solidFill>
                     <a:srgbClr val="000000"/>
                   </a:solidFill>
@@ -1774,7 +1774,7 @@
             </a:ln>
             <a:extLst>
               <a:ext uri="{91240B29-F687-4f45-9708-019B960494DF}">
-                <a14:hiddenLine xmlns="" xmlns:a14="http://schemas.microsoft.com/office/drawing/2010/main" w="9525">
+                <a14:hiddenLine xmlns:a14="http://schemas.microsoft.com/office/drawing/2010/main" xmlns="" w="9525">
                   <a:solidFill>
                     <a:srgbClr val="000000"/>
                   </a:solidFill>
@@ -1836,7 +1836,7 @@
             </a:ln>
             <a:extLst>
               <a:ext uri="{91240B29-F687-4f45-9708-019B960494DF}">
-                <a14:hiddenLine xmlns="" xmlns:a14="http://schemas.microsoft.com/office/drawing/2010/main" w="9525">
+                <a14:hiddenLine xmlns:a14="http://schemas.microsoft.com/office/drawing/2010/main" xmlns="" w="9525">
                   <a:solidFill>
                     <a:srgbClr val="000000"/>
                   </a:solidFill>
@@ -1898,7 +1898,7 @@
             </a:ln>
             <a:extLst>
               <a:ext uri="{91240B29-F687-4f45-9708-019B960494DF}">
-                <a14:hiddenLine xmlns="" xmlns:a14="http://schemas.microsoft.com/office/drawing/2010/main" w="9525">
+                <a14:hiddenLine xmlns:a14="http://schemas.microsoft.com/office/drawing/2010/main" xmlns="" w="9525">
                   <a:solidFill>
                     <a:srgbClr val="000000"/>
                   </a:solidFill>
@@ -1988,7 +1988,7 @@
             </a:ln>
             <a:extLst>
               <a:ext uri="{91240B29-F687-4f45-9708-019B960494DF}">
-                <a14:hiddenLine xmlns="" xmlns:a14="http://schemas.microsoft.com/office/drawing/2010/main" w="9525">
+                <a14:hiddenLine xmlns:a14="http://schemas.microsoft.com/office/drawing/2010/main" xmlns="" w="9525">
                   <a:solidFill>
                     <a:srgbClr val="000000"/>
                   </a:solidFill>
@@ -2078,7 +2078,7 @@
             </a:ln>
             <a:extLst>
               <a:ext uri="{91240B29-F687-4f45-9708-019B960494DF}">
-                <a14:hiddenLine xmlns="" xmlns:a14="http://schemas.microsoft.com/office/drawing/2010/main" w="9525">
+                <a14:hiddenLine xmlns:a14="http://schemas.microsoft.com/office/drawing/2010/main" xmlns="" w="9525">
                   <a:solidFill>
                     <a:srgbClr val="000000"/>
                   </a:solidFill>
@@ -2140,7 +2140,7 @@
             </a:ln>
             <a:extLst>
               <a:ext uri="{91240B29-F687-4f45-9708-019B960494DF}">
-                <a14:hiddenLine xmlns="" xmlns:a14="http://schemas.microsoft.com/office/drawing/2010/main" w="9525">
+                <a14:hiddenLine xmlns:a14="http://schemas.microsoft.com/office/drawing/2010/main" xmlns="" w="9525">
                   <a:solidFill>
                     <a:srgbClr val="000000"/>
                   </a:solidFill>
@@ -2250,7 +2250,7 @@
             </a:ln>
             <a:extLst>
               <a:ext uri="{91240B29-F687-4f45-9708-019B960494DF}">
-                <a14:hiddenLine xmlns="" xmlns:a14="http://schemas.microsoft.com/office/drawing/2010/main" w="9525">
+                <a14:hiddenLine xmlns:a14="http://schemas.microsoft.com/office/drawing/2010/main" xmlns="" w="9525">
                   <a:solidFill>
                     <a:srgbClr val="000000"/>
                   </a:solidFill>
@@ -2312,7 +2312,7 @@
             </a:ln>
             <a:extLst>
               <a:ext uri="{91240B29-F687-4f45-9708-019B960494DF}">
-                <a14:hiddenLine xmlns="" xmlns:a14="http://schemas.microsoft.com/office/drawing/2010/main" w="9525">
+                <a14:hiddenLine xmlns:a14="http://schemas.microsoft.com/office/drawing/2010/main" xmlns="" w="9525">
                   <a:solidFill>
                     <a:srgbClr val="000000"/>
                   </a:solidFill>
@@ -2402,7 +2402,7 @@
             </a:ln>
             <a:extLst>
               <a:ext uri="{91240B29-F687-4f45-9708-019B960494DF}">
-                <a14:hiddenLine xmlns="" xmlns:a14="http://schemas.microsoft.com/office/drawing/2010/main" w="9525">
+                <a14:hiddenLine xmlns:a14="http://schemas.microsoft.com/office/drawing/2010/main" xmlns="" w="9525">
                   <a:solidFill>
                     <a:srgbClr val="000000"/>
                   </a:solidFill>
@@ -2492,7 +2492,7 @@
             </a:ln>
             <a:extLst>
               <a:ext uri="{91240B29-F687-4f45-9708-019B960494DF}">
-                <a14:hiddenLine xmlns="" xmlns:a14="http://schemas.microsoft.com/office/drawing/2010/main" w="9525">
+                <a14:hiddenLine xmlns:a14="http://schemas.microsoft.com/office/drawing/2010/main" xmlns="" w="9525">
                   <a:solidFill>
                     <a:srgbClr val="000000"/>
                   </a:solidFill>
@@ -2554,7 +2554,7 @@
             </a:ln>
             <a:extLst>
               <a:ext uri="{91240B29-F687-4f45-9708-019B960494DF}">
-                <a14:hiddenLine xmlns="" xmlns:a14="http://schemas.microsoft.com/office/drawing/2010/main" w="9525">
+                <a14:hiddenLine xmlns:a14="http://schemas.microsoft.com/office/drawing/2010/main" xmlns="" w="9525">
                   <a:solidFill>
                     <a:srgbClr val="000000"/>
                   </a:solidFill>
@@ -2644,7 +2644,7 @@
             </a:ln>
             <a:extLst>
               <a:ext uri="{91240B29-F687-4f45-9708-019B960494DF}">
-                <a14:hiddenLine xmlns="" xmlns:a14="http://schemas.microsoft.com/office/drawing/2010/main" w="9525">
+                <a14:hiddenLine xmlns:a14="http://schemas.microsoft.com/office/drawing/2010/main" xmlns="" w="9525">
                   <a:solidFill>
                     <a:srgbClr val="000000"/>
                   </a:solidFill>
@@ -2734,7 +2734,7 @@
             </a:ln>
             <a:extLst>
               <a:ext uri="{91240B29-F687-4f45-9708-019B960494DF}">
-                <a14:hiddenLine xmlns="" xmlns:a14="http://schemas.microsoft.com/office/drawing/2010/main" w="9525">
+                <a14:hiddenLine xmlns:a14="http://schemas.microsoft.com/office/drawing/2010/main" xmlns="" w="9525">
                   <a:solidFill>
                     <a:srgbClr val="000000"/>
                   </a:solidFill>
@@ -2790,7 +2790,7 @@
             </a:ln>
             <a:extLst>
               <a:ext uri="{91240B29-F687-4f45-9708-019B960494DF}">
-                <a14:hiddenLine xmlns="" xmlns:a14="http://schemas.microsoft.com/office/drawing/2010/main" w="9525">
+                <a14:hiddenLine xmlns:a14="http://schemas.microsoft.com/office/drawing/2010/main" xmlns="" w="9525">
                   <a:solidFill>
                     <a:srgbClr val="000000"/>
                   </a:solidFill>
@@ -2880,7 +2880,7 @@
             </a:ln>
             <a:extLst>
               <a:ext uri="{91240B29-F687-4f45-9708-019B960494DF}">
-                <a14:hiddenLine xmlns="" xmlns:a14="http://schemas.microsoft.com/office/drawing/2010/main" w="9525">
+                <a14:hiddenLine xmlns:a14="http://schemas.microsoft.com/office/drawing/2010/main" xmlns="" w="9525">
                   <a:solidFill>
                     <a:srgbClr val="000000"/>
                   </a:solidFill>
@@ -2936,7 +2936,7 @@
             </a:ln>
             <a:extLst>
               <a:ext uri="{91240B29-F687-4f45-9708-019B960494DF}">
-                <a14:hiddenLine xmlns="" xmlns:a14="http://schemas.microsoft.com/office/drawing/2010/main" w="9525">
+                <a14:hiddenLine xmlns:a14="http://schemas.microsoft.com/office/drawing/2010/main" xmlns="" w="9525">
                   <a:solidFill>
                     <a:srgbClr val="000000"/>
                   </a:solidFill>
@@ -3026,7 +3026,7 @@
             </a:ln>
             <a:extLst>
               <a:ext uri="{91240B29-F687-4f45-9708-019B960494DF}">
-                <a14:hiddenLine xmlns="" xmlns:a14="http://schemas.microsoft.com/office/drawing/2010/main" w="9525">
+                <a14:hiddenLine xmlns:a14="http://schemas.microsoft.com/office/drawing/2010/main" xmlns="" w="9525">
                   <a:solidFill>
                     <a:srgbClr val="000000"/>
                   </a:solidFill>
@@ -3094,7 +3094,7 @@
             </a:ln>
             <a:extLst>
               <a:ext uri="{91240B29-F687-4f45-9708-019B960494DF}">
-                <a14:hiddenLine xmlns="" xmlns:a14="http://schemas.microsoft.com/office/drawing/2010/main" w="9525">
+                <a14:hiddenLine xmlns:a14="http://schemas.microsoft.com/office/drawing/2010/main" xmlns="" w="9525">
                   <a:solidFill>
                     <a:srgbClr val="000000"/>
                   </a:solidFill>
@@ -3184,7 +3184,7 @@
             </a:ln>
             <a:extLst>
               <a:ext uri="{91240B29-F687-4f45-9708-019B960494DF}">
-                <a14:hiddenLine xmlns="" xmlns:a14="http://schemas.microsoft.com/office/drawing/2010/main" w="9525">
+                <a14:hiddenLine xmlns:a14="http://schemas.microsoft.com/office/drawing/2010/main" xmlns="" w="9525">
                   <a:solidFill>
                     <a:srgbClr val="000000"/>
                   </a:solidFill>
@@ -3252,7 +3252,7 @@
             </a:ln>
             <a:extLst>
               <a:ext uri="{91240B29-F687-4f45-9708-019B960494DF}">
-                <a14:hiddenLine xmlns="" xmlns:a14="http://schemas.microsoft.com/office/drawing/2010/main" w="9525">
+                <a14:hiddenLine xmlns:a14="http://schemas.microsoft.com/office/drawing/2010/main" xmlns="" w="9525">
                   <a:solidFill>
                     <a:srgbClr val="000000"/>
                   </a:solidFill>
@@ -3342,7 +3342,7 @@
             </a:ln>
             <a:extLst>
               <a:ext uri="{91240B29-F687-4f45-9708-019B960494DF}">
-                <a14:hiddenLine xmlns="" xmlns:a14="http://schemas.microsoft.com/office/drawing/2010/main" w="9525">
+                <a14:hiddenLine xmlns:a14="http://schemas.microsoft.com/office/drawing/2010/main" xmlns="" w="9525">
                   <a:solidFill>
                     <a:srgbClr val="000000"/>
                   </a:solidFill>
@@ -3376,7 +3376,7 @@
             </a:ln>
             <a:extLst>
               <a:ext uri="{91240B29-F687-4f45-9708-019B960494DF}">
-                <a14:hiddenLine xmlns="" xmlns:a14="http://schemas.microsoft.com/office/drawing/2010/main" w="9525">
+                <a14:hiddenLine xmlns:a14="http://schemas.microsoft.com/office/drawing/2010/main" xmlns="" w="9525">
                   <a:solidFill>
                     <a:srgbClr val="000000"/>
                   </a:solidFill>
@@ -3466,7 +3466,7 @@
             </a:ln>
             <a:extLst>
               <a:ext uri="{91240B29-F687-4f45-9708-019B960494DF}">
-                <a14:hiddenLine xmlns="" xmlns:a14="http://schemas.microsoft.com/office/drawing/2010/main" w="9525">
+                <a14:hiddenLine xmlns:a14="http://schemas.microsoft.com/office/drawing/2010/main" xmlns="" w="9525">
                   <a:solidFill>
                     <a:srgbClr val="000000"/>
                   </a:solidFill>
@@ -3528,7 +3528,7 @@
             </a:ln>
             <a:extLst>
               <a:ext uri="{91240B29-F687-4f45-9708-019B960494DF}">
-                <a14:hiddenLine xmlns="" xmlns:a14="http://schemas.microsoft.com/office/drawing/2010/main" w="9525">
+                <a14:hiddenLine xmlns:a14="http://schemas.microsoft.com/office/drawing/2010/main" xmlns="" w="9525">
                   <a:solidFill>
                     <a:srgbClr val="000000"/>
                   </a:solidFill>
@@ -3590,7 +3590,7 @@
             </a:ln>
             <a:extLst>
               <a:ext uri="{91240B29-F687-4f45-9708-019B960494DF}">
-                <a14:hiddenLine xmlns="" xmlns:a14="http://schemas.microsoft.com/office/drawing/2010/main" w="9525">
+                <a14:hiddenLine xmlns:a14="http://schemas.microsoft.com/office/drawing/2010/main" xmlns="" w="9525">
                   <a:solidFill>
                     <a:srgbClr val="000000"/>
                   </a:solidFill>
@@ -3680,7 +3680,7 @@
             </a:ln>
             <a:extLst>
               <a:ext uri="{91240B29-F687-4f45-9708-019B960494DF}">
-                <a14:hiddenLine xmlns="" xmlns:a14="http://schemas.microsoft.com/office/drawing/2010/main" w="9525">
+                <a14:hiddenLine xmlns:a14="http://schemas.microsoft.com/office/drawing/2010/main" xmlns="" w="9525">
                   <a:solidFill>
                     <a:srgbClr val="000000"/>
                   </a:solidFill>
@@ -3748,7 +3748,7 @@
             </a:ln>
             <a:extLst>
               <a:ext uri="{91240B29-F687-4f45-9708-019B960494DF}">
-                <a14:hiddenLine xmlns="" xmlns:a14="http://schemas.microsoft.com/office/drawing/2010/main" w="9525">
+                <a14:hiddenLine xmlns:a14="http://schemas.microsoft.com/office/drawing/2010/main" xmlns="" w="9525">
                   <a:solidFill>
                     <a:srgbClr val="000000"/>
                   </a:solidFill>
@@ -3810,7 +3810,7 @@
             </a:ln>
             <a:extLst>
               <a:ext uri="{91240B29-F687-4f45-9708-019B960494DF}">
-                <a14:hiddenLine xmlns="" xmlns:a14="http://schemas.microsoft.com/office/drawing/2010/main" w="9525">
+                <a14:hiddenLine xmlns:a14="http://schemas.microsoft.com/office/drawing/2010/main" xmlns="" w="9525">
                   <a:solidFill>
                     <a:srgbClr val="000000"/>
                   </a:solidFill>
@@ -3900,7 +3900,7 @@
             </a:ln>
             <a:extLst>
               <a:ext uri="{91240B29-F687-4f45-9708-019B960494DF}">
-                <a14:hiddenLine xmlns="" xmlns:a14="http://schemas.microsoft.com/office/drawing/2010/main" w="9525">
+                <a14:hiddenLine xmlns:a14="http://schemas.microsoft.com/office/drawing/2010/main" xmlns="" w="9525">
                   <a:solidFill>
                     <a:srgbClr val="000000"/>
                   </a:solidFill>
@@ -3962,7 +3962,7 @@
             </a:ln>
             <a:extLst>
               <a:ext uri="{91240B29-F687-4f45-9708-019B960494DF}">
-                <a14:hiddenLine xmlns="" xmlns:a14="http://schemas.microsoft.com/office/drawing/2010/main" w="9525">
+                <a14:hiddenLine xmlns:a14="http://schemas.microsoft.com/office/drawing/2010/main" xmlns="" w="9525">
                   <a:solidFill>
                     <a:srgbClr val="000000"/>
                   </a:solidFill>
@@ -4052,7 +4052,7 @@
             </a:ln>
             <a:extLst>
               <a:ext uri="{91240B29-F687-4f45-9708-019B960494DF}">
-                <a14:hiddenLine xmlns="" xmlns:a14="http://schemas.microsoft.com/office/drawing/2010/main" w="9525">
+                <a14:hiddenLine xmlns:a14="http://schemas.microsoft.com/office/drawing/2010/main" xmlns="" w="9525">
                   <a:solidFill>
                     <a:srgbClr val="000000"/>
                   </a:solidFill>
@@ -4114,7 +4114,7 @@
             </a:ln>
             <a:extLst>
               <a:ext uri="{91240B29-F687-4f45-9708-019B960494DF}">
-                <a14:hiddenLine xmlns="" xmlns:a14="http://schemas.microsoft.com/office/drawing/2010/main" w="9525">
+                <a14:hiddenLine xmlns:a14="http://schemas.microsoft.com/office/drawing/2010/main" xmlns="" w="9525">
                   <a:solidFill>
                     <a:srgbClr val="000000"/>
                   </a:solidFill>
@@ -4204,7 +4204,7 @@
             </a:ln>
             <a:extLst>
               <a:ext uri="{91240B29-F687-4f45-9708-019B960494DF}">
-                <a14:hiddenLine xmlns="" xmlns:a14="http://schemas.microsoft.com/office/drawing/2010/main" w="9525">
+                <a14:hiddenLine xmlns:a14="http://schemas.microsoft.com/office/drawing/2010/main" xmlns="" w="9525">
                   <a:solidFill>
                     <a:srgbClr val="000000"/>
                   </a:solidFill>
@@ -4238,7 +4238,7 @@
             </a:ln>
             <a:extLst>
               <a:ext uri="{91240B29-F687-4f45-9708-019B960494DF}">
-                <a14:hiddenLine xmlns="" xmlns:a14="http://schemas.microsoft.com/office/drawing/2010/main" w="9525">
+                <a14:hiddenLine xmlns:a14="http://schemas.microsoft.com/office/drawing/2010/main" xmlns="" w="9525">
                   <a:solidFill>
                     <a:srgbClr val="000000"/>
                   </a:solidFill>
@@ -4303,7 +4303,7 @@
             </a:ln>
             <a:extLst>
               <a:ext uri="{91240B29-F687-4f45-9708-019B960494DF}">
-                <a14:hiddenLine xmlns="" xmlns:a14="http://schemas.microsoft.com/office/drawing/2010/main" w="9525">
+                <a14:hiddenLine xmlns:a14="http://schemas.microsoft.com/office/drawing/2010/main" xmlns="" w="9525">
                   <a:solidFill>
                     <a:srgbClr val="000000"/>
                   </a:solidFill>
@@ -4393,7 +4393,7 @@
             </a:ln>
             <a:extLst>
               <a:ext uri="{91240B29-F687-4f45-9708-019B960494DF}">
-                <a14:hiddenLine xmlns="" xmlns:a14="http://schemas.microsoft.com/office/drawing/2010/main" w="9525">
+                <a14:hiddenLine xmlns:a14="http://schemas.microsoft.com/office/drawing/2010/main" xmlns="" w="9525">
                   <a:solidFill>
                     <a:srgbClr val="000000"/>
                   </a:solidFill>
@@ -4455,7 +4455,7 @@
             </a:ln>
             <a:extLst>
               <a:ext uri="{91240B29-F687-4f45-9708-019B960494DF}">
-                <a14:hiddenLine xmlns="" xmlns:a14="http://schemas.microsoft.com/office/drawing/2010/main" w="9525">
+                <a14:hiddenLine xmlns:a14="http://schemas.microsoft.com/office/drawing/2010/main" xmlns="" w="9525">
                   <a:solidFill>
                     <a:srgbClr val="000000"/>
                   </a:solidFill>
@@ -4545,7 +4545,7 @@
             </a:ln>
             <a:extLst>
               <a:ext uri="{91240B29-F687-4f45-9708-019B960494DF}">
-                <a14:hiddenLine xmlns="" xmlns:a14="http://schemas.microsoft.com/office/drawing/2010/main" w="9525">
+                <a14:hiddenLine xmlns:a14="http://schemas.microsoft.com/office/drawing/2010/main" xmlns="" w="9525">
                   <a:solidFill>
                     <a:srgbClr val="000000"/>
                   </a:solidFill>
@@ -4635,7 +4635,7 @@
             </a:ln>
             <a:extLst>
               <a:ext uri="{91240B29-F687-4f45-9708-019B960494DF}">
-                <a14:hiddenLine xmlns="" xmlns:a14="http://schemas.microsoft.com/office/drawing/2010/main" w="9525">
+                <a14:hiddenLine xmlns:a14="http://schemas.microsoft.com/office/drawing/2010/main" xmlns="" w="9525">
                   <a:solidFill>
                     <a:srgbClr val="000000"/>
                   </a:solidFill>
@@ -4700,7 +4700,7 @@
             </a:ln>
             <a:extLst>
               <a:ext uri="{91240B29-F687-4f45-9708-019B960494DF}">
-                <a14:hiddenLine xmlns="" xmlns:a14="http://schemas.microsoft.com/office/drawing/2010/main" w="9525">
+                <a14:hiddenLine xmlns:a14="http://schemas.microsoft.com/office/drawing/2010/main" xmlns="" w="9525">
                   <a:solidFill>
                     <a:srgbClr val="000000"/>
                   </a:solidFill>
@@ -4762,7 +4762,7 @@
             </a:ln>
             <a:extLst>
               <a:ext uri="{91240B29-F687-4f45-9708-019B960494DF}">
-                <a14:hiddenLine xmlns="" xmlns:a14="http://schemas.microsoft.com/office/drawing/2010/main" w="9525">
+                <a14:hiddenLine xmlns:a14="http://schemas.microsoft.com/office/drawing/2010/main" xmlns="" w="9525">
                   <a:solidFill>
                     <a:srgbClr val="000000"/>
                   </a:solidFill>
@@ -4852,7 +4852,7 @@
             </a:ln>
             <a:extLst>
               <a:ext uri="{91240B29-F687-4f45-9708-019B960494DF}">
-                <a14:hiddenLine xmlns="" xmlns:a14="http://schemas.microsoft.com/office/drawing/2010/main" w="9525">
+                <a14:hiddenLine xmlns:a14="http://schemas.microsoft.com/office/drawing/2010/main" xmlns="" w="9525">
                   <a:solidFill>
                     <a:srgbClr val="000000"/>
                   </a:solidFill>
@@ -4942,7 +4942,7 @@
             </a:ln>
             <a:extLst>
               <a:ext uri="{91240B29-F687-4f45-9708-019B960494DF}">
-                <a14:hiddenLine xmlns="" xmlns:a14="http://schemas.microsoft.com/office/drawing/2010/main" w="9525">
+                <a14:hiddenLine xmlns:a14="http://schemas.microsoft.com/office/drawing/2010/main" xmlns="" w="9525">
                   <a:solidFill>
                     <a:srgbClr val="000000"/>
                   </a:solidFill>
@@ -5004,7 +5004,7 @@
             </a:ln>
             <a:extLst>
               <a:ext uri="{91240B29-F687-4f45-9708-019B960494DF}">
-                <a14:hiddenLine xmlns="" xmlns:a14="http://schemas.microsoft.com/office/drawing/2010/main" w="9525">
+                <a14:hiddenLine xmlns:a14="http://schemas.microsoft.com/office/drawing/2010/main" xmlns="" w="9525">
                   <a:solidFill>
                     <a:srgbClr val="000000"/>
                   </a:solidFill>
@@ -5124,7 +5124,7 @@
             </a:ln>
             <a:extLst>
               <a:ext uri="{91240B29-F687-4f45-9708-019B960494DF}">
-                <a14:hiddenLine xmlns="" xmlns:a14="http://schemas.microsoft.com/office/drawing/2010/main" w="9525">
+                <a14:hiddenLine xmlns:a14="http://schemas.microsoft.com/office/drawing/2010/main" xmlns="" w="9525">
                   <a:solidFill>
                     <a:srgbClr val="000000"/>
                   </a:solidFill>
@@ -5192,7 +5192,7 @@
             </a:ln>
             <a:extLst>
               <a:ext uri="{91240B29-F687-4f45-9708-019B960494DF}">
-                <a14:hiddenLine xmlns="" xmlns:a14="http://schemas.microsoft.com/office/drawing/2010/main" w="9525">
+                <a14:hiddenLine xmlns:a14="http://schemas.microsoft.com/office/drawing/2010/main" xmlns="" w="9525">
                   <a:solidFill>
                     <a:srgbClr val="000000"/>
                   </a:solidFill>
@@ -5282,7 +5282,7 @@
             </a:ln>
             <a:extLst>
               <a:ext uri="{91240B29-F687-4f45-9708-019B960494DF}">
-                <a14:hiddenLine xmlns="" xmlns:a14="http://schemas.microsoft.com/office/drawing/2010/main" w="9525">
+                <a14:hiddenLine xmlns:a14="http://schemas.microsoft.com/office/drawing/2010/main" xmlns="" w="9525">
                   <a:solidFill>
                     <a:srgbClr val="000000"/>
                   </a:solidFill>
@@ -5422,7 +5422,7 @@
           <a:p>
             <a:fld id="{EC4347D3-4C9A-C240-8F14-750059DFEEB0}" type="datetimeFigureOut">
               <a:rPr lang="en-US" smtClean="0"/>
-              <a:t>1/16/25</a:t>
+              <a:t>8/25/25</a:t>
             </a:fld>
             <a:endParaRPr lang="en-US"/>
           </a:p>
@@ -5689,7 +5689,7 @@
           <a:p>
             <a:fld id="{EC4347D3-4C9A-C240-8F14-750059DFEEB0}" type="datetimeFigureOut">
               <a:rPr lang="en-US" smtClean="0"/>
-              <a:t>1/16/25</a:t>
+              <a:t>8/25/25</a:t>
             </a:fld>
             <a:endParaRPr lang="en-US"/>
           </a:p>
@@ -5885,7 +5885,7 @@
           <a:p>
             <a:fld id="{EC4347D3-4C9A-C240-8F14-750059DFEEB0}" type="datetimeFigureOut">
               <a:rPr lang="en-US" smtClean="0"/>
-              <a:t>1/16/25</a:t>
+              <a:t>8/25/25</a:t>
             </a:fld>
             <a:endParaRPr lang="en-US"/>
           </a:p>
@@ -6148,7 +6148,7 @@
           <a:p>
             <a:fld id="{EC4347D3-4C9A-C240-8F14-750059DFEEB0}" type="datetimeFigureOut">
               <a:rPr lang="en-US" smtClean="0"/>
-              <a:t>1/16/25</a:t>
+              <a:t>8/25/25</a:t>
             </a:fld>
             <a:endParaRPr lang="en-US"/>
           </a:p>
@@ -6582,7 +6582,7 @@
           <a:p>
             <a:fld id="{EC4347D3-4C9A-C240-8F14-750059DFEEB0}" type="datetimeFigureOut">
               <a:rPr lang="en-US" smtClean="0"/>
-              <a:t>1/16/25</a:t>
+              <a:t>8/25/25</a:t>
             </a:fld>
             <a:endParaRPr lang="en-US"/>
           </a:p>
@@ -7128,7 +7128,7 @@
           <a:p>
             <a:fld id="{EC4347D3-4C9A-C240-8F14-750059DFEEB0}" type="datetimeFigureOut">
               <a:rPr lang="en-US" smtClean="0"/>
-              <a:t>1/16/25</a:t>
+              <a:t>8/25/25</a:t>
             </a:fld>
             <a:endParaRPr lang="en-US"/>
           </a:p>
@@ -7848,7 +7848,7 @@
           <a:p>
             <a:fld id="{EC4347D3-4C9A-C240-8F14-750059DFEEB0}" type="datetimeFigureOut">
               <a:rPr lang="en-US" smtClean="0"/>
-              <a:t>1/16/25</a:t>
+              <a:t>8/25/25</a:t>
             </a:fld>
             <a:endParaRPr lang="en-US"/>
           </a:p>
@@ -8018,7 +8018,7 @@
           <a:p>
             <a:fld id="{EC4347D3-4C9A-C240-8F14-750059DFEEB0}" type="datetimeFigureOut">
               <a:rPr lang="en-US" smtClean="0"/>
-              <a:t>1/16/25</a:t>
+              <a:t>8/25/25</a:t>
             </a:fld>
             <a:endParaRPr lang="en-US"/>
           </a:p>
@@ -8198,7 +8198,7 @@
           <a:p>
             <a:fld id="{EC4347D3-4C9A-C240-8F14-750059DFEEB0}" type="datetimeFigureOut">
               <a:rPr lang="en-US" smtClean="0"/>
-              <a:t>1/16/25</a:t>
+              <a:t>8/25/25</a:t>
             </a:fld>
             <a:endParaRPr lang="en-US"/>
           </a:p>
@@ -8368,7 +8368,7 @@
           <a:p>
             <a:fld id="{EC4347D3-4C9A-C240-8F14-750059DFEEB0}" type="datetimeFigureOut">
               <a:rPr lang="en-US" smtClean="0"/>
-              <a:t>1/16/25</a:t>
+              <a:t>8/25/25</a:t>
             </a:fld>
             <a:endParaRPr lang="en-US"/>
           </a:p>
@@ -8618,7 +8618,7 @@
           <a:p>
             <a:fld id="{EC4347D3-4C9A-C240-8F14-750059DFEEB0}" type="datetimeFigureOut">
               <a:rPr lang="en-US" smtClean="0"/>
-              <a:t>1/16/25</a:t>
+              <a:t>8/25/25</a:t>
             </a:fld>
             <a:endParaRPr lang="en-US"/>
           </a:p>
@@ -8850,7 +8850,7 @@
           <a:p>
             <a:fld id="{EC4347D3-4C9A-C240-8F14-750059DFEEB0}" type="datetimeFigureOut">
               <a:rPr lang="en-US" smtClean="0"/>
-              <a:t>1/16/25</a:t>
+              <a:t>8/25/25</a:t>
             </a:fld>
             <a:endParaRPr lang="en-US"/>
           </a:p>
@@ -9236,7 +9236,7 @@
           <a:p>
             <a:fld id="{EC4347D3-4C9A-C240-8F14-750059DFEEB0}" type="datetimeFigureOut">
               <a:rPr lang="en-US" smtClean="0"/>
-              <a:t>1/16/25</a:t>
+              <a:t>8/25/25</a:t>
             </a:fld>
             <a:endParaRPr lang="en-US"/>
           </a:p>
@@ -9359,7 +9359,7 @@
           <a:p>
             <a:fld id="{EC4347D3-4C9A-C240-8F14-750059DFEEB0}" type="datetimeFigureOut">
               <a:rPr lang="en-US" smtClean="0"/>
-              <a:t>1/16/25</a:t>
+              <a:t>8/25/25</a:t>
             </a:fld>
             <a:endParaRPr lang="en-US"/>
           </a:p>
@@ -9454,7 +9454,7 @@
           <a:p>
             <a:fld id="{EC4347D3-4C9A-C240-8F14-750059DFEEB0}" type="datetimeFigureOut">
               <a:rPr lang="en-US" smtClean="0"/>
-              <a:t>1/16/25</a:t>
+              <a:t>8/25/25</a:t>
             </a:fld>
             <a:endParaRPr lang="en-US"/>
           </a:p>
@@ -9703,7 +9703,7 @@
           <a:p>
             <a:fld id="{EC4347D3-4C9A-C240-8F14-750059DFEEB0}" type="datetimeFigureOut">
               <a:rPr lang="en-US" smtClean="0"/>
-              <a:t>1/16/25</a:t>
+              <a:t>8/25/25</a:t>
             </a:fld>
             <a:endParaRPr lang="en-US"/>
           </a:p>
@@ -9988,7 +9988,7 @@
           <a:p>
             <a:fld id="{EC4347D3-4C9A-C240-8F14-750059DFEEB0}" type="datetimeFigureOut">
               <a:rPr lang="en-US" smtClean="0"/>
-              <a:t>1/16/25</a:t>
+              <a:t>8/25/25</a:t>
             </a:fld>
             <a:endParaRPr lang="en-US"/>
           </a:p>
@@ -10111,7 +10111,7 @@
           <a:noFill/>
           <a:extLst>
             <a:ext uri="{909E8E84-426E-40dd-AFC4-6F175D3DCCD1}">
-              <a14:hiddenFill xmlns="" xmlns:a14="http://schemas.microsoft.com/office/drawing/2010/main">
+              <a14:hiddenFill xmlns:a14="http://schemas.microsoft.com/office/drawing/2010/main" xmlns="">
                 <a:solidFill>
                   <a:srgbClr val="FFFFFF"/>
                 </a:solidFill>
@@ -10185,7 +10185,7 @@
               </a:ln>
               <a:extLst>
                 <a:ext uri="{91240B29-F687-4f45-9708-019B960494DF}">
-                  <a14:hiddenLine xmlns="" xmlns:a14="http://schemas.microsoft.com/office/drawing/2010/main" w="9525">
+                  <a14:hiddenLine xmlns:a14="http://schemas.microsoft.com/office/drawing/2010/main" xmlns="" w="9525">
                     <a:solidFill>
                       <a:srgbClr val="000000"/>
                     </a:solidFill>
@@ -10275,7 +10275,7 @@
               </a:ln>
               <a:extLst>
                 <a:ext uri="{91240B29-F687-4f45-9708-019B960494DF}">
-                  <a14:hiddenLine xmlns="" xmlns:a14="http://schemas.microsoft.com/office/drawing/2010/main" w="9525">
+                  <a14:hiddenLine xmlns:a14="http://schemas.microsoft.com/office/drawing/2010/main" xmlns="" w="9525">
                     <a:solidFill>
                       <a:srgbClr val="000000"/>
                     </a:solidFill>
@@ -10365,7 +10365,7 @@
               </a:ln>
               <a:extLst>
                 <a:ext uri="{91240B29-F687-4f45-9708-019B960494DF}">
-                  <a14:hiddenLine xmlns="" xmlns:a14="http://schemas.microsoft.com/office/drawing/2010/main" w="9525">
+                  <a14:hiddenLine xmlns:a14="http://schemas.microsoft.com/office/drawing/2010/main" xmlns="" w="9525">
                     <a:solidFill>
                       <a:srgbClr val="000000"/>
                     </a:solidFill>
@@ -10427,7 +10427,7 @@
               </a:ln>
               <a:extLst>
                 <a:ext uri="{91240B29-F687-4f45-9708-019B960494DF}">
-                  <a14:hiddenLine xmlns="" xmlns:a14="http://schemas.microsoft.com/office/drawing/2010/main" w="9525">
+                  <a14:hiddenLine xmlns:a14="http://schemas.microsoft.com/office/drawing/2010/main" xmlns="" w="9525">
                     <a:solidFill>
                       <a:srgbClr val="000000"/>
                     </a:solidFill>
@@ -10517,7 +10517,7 @@
               </a:ln>
               <a:extLst>
                 <a:ext uri="{91240B29-F687-4f45-9708-019B960494DF}">
-                  <a14:hiddenLine xmlns="" xmlns:a14="http://schemas.microsoft.com/office/drawing/2010/main" w="9525">
+                  <a14:hiddenLine xmlns:a14="http://schemas.microsoft.com/office/drawing/2010/main" xmlns="" w="9525">
                     <a:solidFill>
                       <a:srgbClr val="000000"/>
                     </a:solidFill>
@@ -10579,7 +10579,7 @@
               </a:ln>
               <a:extLst>
                 <a:ext uri="{91240B29-F687-4f45-9708-019B960494DF}">
-                  <a14:hiddenLine xmlns="" xmlns:a14="http://schemas.microsoft.com/office/drawing/2010/main" w="9525">
+                  <a14:hiddenLine xmlns:a14="http://schemas.microsoft.com/office/drawing/2010/main" xmlns="" w="9525">
                     <a:solidFill>
                       <a:srgbClr val="000000"/>
                     </a:solidFill>
@@ -10641,7 +10641,7 @@
               </a:ln>
               <a:extLst>
                 <a:ext uri="{91240B29-F687-4f45-9708-019B960494DF}">
-                  <a14:hiddenLine xmlns="" xmlns:a14="http://schemas.microsoft.com/office/drawing/2010/main" w="9525">
+                  <a14:hiddenLine xmlns:a14="http://schemas.microsoft.com/office/drawing/2010/main" xmlns="" w="9525">
                     <a:solidFill>
                       <a:srgbClr val="000000"/>
                     </a:solidFill>
@@ -10731,7 +10731,7 @@
               </a:ln>
               <a:extLst>
                 <a:ext uri="{91240B29-F687-4f45-9708-019B960494DF}">
-                  <a14:hiddenLine xmlns="" xmlns:a14="http://schemas.microsoft.com/office/drawing/2010/main" w="9525">
+                  <a14:hiddenLine xmlns:a14="http://schemas.microsoft.com/office/drawing/2010/main" xmlns="" w="9525">
                     <a:solidFill>
                       <a:srgbClr val="000000"/>
                     </a:solidFill>
@@ -10821,7 +10821,7 @@
               </a:ln>
               <a:extLst>
                 <a:ext uri="{91240B29-F687-4f45-9708-019B960494DF}">
-                  <a14:hiddenLine xmlns="" xmlns:a14="http://schemas.microsoft.com/office/drawing/2010/main" w="9525">
+                  <a14:hiddenLine xmlns:a14="http://schemas.microsoft.com/office/drawing/2010/main" xmlns="" w="9525">
                     <a:solidFill>
                       <a:srgbClr val="000000"/>
                     </a:solidFill>
@@ -10883,7 +10883,7 @@
               </a:ln>
               <a:extLst>
                 <a:ext uri="{91240B29-F687-4f45-9708-019B960494DF}">
-                  <a14:hiddenLine xmlns="" xmlns:a14="http://schemas.microsoft.com/office/drawing/2010/main" w="9525">
+                  <a14:hiddenLine xmlns:a14="http://schemas.microsoft.com/office/drawing/2010/main" xmlns="" w="9525">
                     <a:solidFill>
                       <a:srgbClr val="000000"/>
                     </a:solidFill>
@@ -10993,7 +10993,7 @@
               </a:ln>
               <a:extLst>
                 <a:ext uri="{91240B29-F687-4f45-9708-019B960494DF}">
-                  <a14:hiddenLine xmlns="" xmlns:a14="http://schemas.microsoft.com/office/drawing/2010/main" w="9525">
+                  <a14:hiddenLine xmlns:a14="http://schemas.microsoft.com/office/drawing/2010/main" xmlns="" w="9525">
                     <a:solidFill>
                       <a:srgbClr val="000000"/>
                     </a:solidFill>
@@ -11077,7 +11077,7 @@
               </a:ln>
               <a:extLst>
                 <a:ext uri="{91240B29-F687-4f45-9708-019B960494DF}">
-                  <a14:hiddenLine xmlns="" xmlns:a14="http://schemas.microsoft.com/office/drawing/2010/main" w="9525">
+                  <a14:hiddenLine xmlns:a14="http://schemas.microsoft.com/office/drawing/2010/main" xmlns="" w="9525">
                     <a:solidFill>
                       <a:srgbClr val="000000"/>
                     </a:solidFill>
@@ -11139,7 +11139,7 @@
               </a:ln>
               <a:extLst>
                 <a:ext uri="{91240B29-F687-4f45-9708-019B960494DF}">
-                  <a14:hiddenLine xmlns="" xmlns:a14="http://schemas.microsoft.com/office/drawing/2010/main" w="9525">
+                  <a14:hiddenLine xmlns:a14="http://schemas.microsoft.com/office/drawing/2010/main" xmlns="" w="9525">
                     <a:solidFill>
                       <a:srgbClr val="000000"/>
                     </a:solidFill>
@@ -11201,7 +11201,7 @@
               </a:ln>
               <a:extLst>
                 <a:ext uri="{91240B29-F687-4f45-9708-019B960494DF}">
-                  <a14:hiddenLine xmlns="" xmlns:a14="http://schemas.microsoft.com/office/drawing/2010/main" w="9525">
+                  <a14:hiddenLine xmlns:a14="http://schemas.microsoft.com/office/drawing/2010/main" xmlns="" w="9525">
                     <a:solidFill>
                       <a:srgbClr val="000000"/>
                     </a:solidFill>
@@ -11291,7 +11291,7 @@
               </a:ln>
               <a:extLst>
                 <a:ext uri="{91240B29-F687-4f45-9708-019B960494DF}">
-                  <a14:hiddenLine xmlns="" xmlns:a14="http://schemas.microsoft.com/office/drawing/2010/main" w="9525">
+                  <a14:hiddenLine xmlns:a14="http://schemas.microsoft.com/office/drawing/2010/main" xmlns="" w="9525">
                     <a:solidFill>
                       <a:srgbClr val="000000"/>
                     </a:solidFill>
@@ -11325,7 +11325,7 @@
               </a:ln>
               <a:extLst>
                 <a:ext uri="{91240B29-F687-4f45-9708-019B960494DF}">
-                  <a14:hiddenLine xmlns="" xmlns:a14="http://schemas.microsoft.com/office/drawing/2010/main" w="9525">
+                  <a14:hiddenLine xmlns:a14="http://schemas.microsoft.com/office/drawing/2010/main" xmlns="" w="9525">
                     <a:solidFill>
                       <a:srgbClr val="000000"/>
                     </a:solidFill>
@@ -11390,7 +11390,7 @@
               </a:ln>
               <a:extLst>
                 <a:ext uri="{91240B29-F687-4f45-9708-019B960494DF}">
-                  <a14:hiddenLine xmlns="" xmlns:a14="http://schemas.microsoft.com/office/drawing/2010/main" w="9525">
+                  <a14:hiddenLine xmlns:a14="http://schemas.microsoft.com/office/drawing/2010/main" xmlns="" w="9525">
                     <a:solidFill>
                       <a:srgbClr val="000000"/>
                     </a:solidFill>
@@ -11480,7 +11480,7 @@
               </a:ln>
               <a:extLst>
                 <a:ext uri="{91240B29-F687-4f45-9708-019B960494DF}">
-                  <a14:hiddenLine xmlns="" xmlns:a14="http://schemas.microsoft.com/office/drawing/2010/main" w="9525">
+                  <a14:hiddenLine xmlns:a14="http://schemas.microsoft.com/office/drawing/2010/main" xmlns="" w="9525">
                     <a:solidFill>
                       <a:srgbClr val="000000"/>
                     </a:solidFill>
@@ -11542,7 +11542,7 @@
               </a:ln>
               <a:extLst>
                 <a:ext uri="{91240B29-F687-4f45-9708-019B960494DF}">
-                  <a14:hiddenLine xmlns="" xmlns:a14="http://schemas.microsoft.com/office/drawing/2010/main" w="9525">
+                  <a14:hiddenLine xmlns:a14="http://schemas.microsoft.com/office/drawing/2010/main" xmlns="" w="9525">
                     <a:solidFill>
                       <a:srgbClr val="000000"/>
                     </a:solidFill>
@@ -11632,7 +11632,7 @@
               </a:ln>
               <a:extLst>
                 <a:ext uri="{91240B29-F687-4f45-9708-019B960494DF}">
-                  <a14:hiddenLine xmlns="" xmlns:a14="http://schemas.microsoft.com/office/drawing/2010/main" w="9525">
+                  <a14:hiddenLine xmlns:a14="http://schemas.microsoft.com/office/drawing/2010/main" xmlns="" w="9525">
                     <a:solidFill>
                       <a:srgbClr val="000000"/>
                     </a:solidFill>
@@ -11697,7 +11697,7 @@
               </a:ln>
               <a:extLst>
                 <a:ext uri="{91240B29-F687-4f45-9708-019B960494DF}">
-                  <a14:hiddenLine xmlns="" xmlns:a14="http://schemas.microsoft.com/office/drawing/2010/main" w="9525">
+                  <a14:hiddenLine xmlns:a14="http://schemas.microsoft.com/office/drawing/2010/main" xmlns="" w="9525">
                     <a:solidFill>
                       <a:srgbClr val="000000"/>
                     </a:solidFill>
@@ -11759,7 +11759,7 @@
               </a:ln>
               <a:extLst>
                 <a:ext uri="{91240B29-F687-4f45-9708-019B960494DF}">
-                  <a14:hiddenLine xmlns="" xmlns:a14="http://schemas.microsoft.com/office/drawing/2010/main" w="9525">
+                  <a14:hiddenLine xmlns:a14="http://schemas.microsoft.com/office/drawing/2010/main" xmlns="" w="9525">
                     <a:solidFill>
                       <a:srgbClr val="000000"/>
                     </a:solidFill>
@@ -11849,7 +11849,7 @@
               </a:ln>
               <a:extLst>
                 <a:ext uri="{91240B29-F687-4f45-9708-019B960494DF}">
-                  <a14:hiddenLine xmlns="" xmlns:a14="http://schemas.microsoft.com/office/drawing/2010/main" w="9525">
+                  <a14:hiddenLine xmlns:a14="http://schemas.microsoft.com/office/drawing/2010/main" xmlns="" w="9525">
                     <a:solidFill>
                       <a:srgbClr val="000000"/>
                     </a:solidFill>
@@ -11939,7 +11939,7 @@
               </a:ln>
               <a:extLst>
                 <a:ext uri="{91240B29-F687-4f45-9708-019B960494DF}">
-                  <a14:hiddenLine xmlns="" xmlns:a14="http://schemas.microsoft.com/office/drawing/2010/main" w="9525">
+                  <a14:hiddenLine xmlns:a14="http://schemas.microsoft.com/office/drawing/2010/main" xmlns="" w="9525">
                     <a:solidFill>
                       <a:srgbClr val="000000"/>
                     </a:solidFill>
@@ -12004,7 +12004,7 @@
               </a:ln>
               <a:extLst>
                 <a:ext uri="{91240B29-F687-4f45-9708-019B960494DF}">
-                  <a14:hiddenLine xmlns="" xmlns:a14="http://schemas.microsoft.com/office/drawing/2010/main" w="9525">
+                  <a14:hiddenLine xmlns:a14="http://schemas.microsoft.com/office/drawing/2010/main" xmlns="" w="9525">
                     <a:solidFill>
                       <a:srgbClr val="000000"/>
                     </a:solidFill>
@@ -12124,7 +12124,7 @@
               </a:ln>
               <a:extLst>
                 <a:ext uri="{91240B29-F687-4f45-9708-019B960494DF}">
-                  <a14:hiddenLine xmlns="" xmlns:a14="http://schemas.microsoft.com/office/drawing/2010/main" w="9525">
+                  <a14:hiddenLine xmlns:a14="http://schemas.microsoft.com/office/drawing/2010/main" xmlns="" w="9525">
                     <a:solidFill>
                       <a:srgbClr val="000000"/>
                     </a:solidFill>
@@ -12205,7 +12205,7 @@
               </a:ln>
               <a:extLst>
                 <a:ext uri="{91240B29-F687-4f45-9708-019B960494DF}">
-                  <a14:hiddenLine xmlns="" xmlns:a14="http://schemas.microsoft.com/office/drawing/2010/main" w="9525">
+                  <a14:hiddenLine xmlns:a14="http://schemas.microsoft.com/office/drawing/2010/main" xmlns="" w="9525">
                     <a:solidFill>
                       <a:srgbClr val="000000"/>
                     </a:solidFill>
@@ -12320,7 +12320,7 @@
               </a:ln>
               <a:extLst>
                 <a:ext uri="{91240B29-F687-4f45-9708-019B960494DF}">
-                  <a14:hiddenLine xmlns="" xmlns:a14="http://schemas.microsoft.com/office/drawing/2010/main" w="9525">
+                  <a14:hiddenLine xmlns:a14="http://schemas.microsoft.com/office/drawing/2010/main" xmlns="" w="9525">
                     <a:solidFill>
                       <a:srgbClr val="000000"/>
                     </a:solidFill>
@@ -12410,7 +12410,7 @@
               </a:ln>
               <a:extLst>
                 <a:ext uri="{91240B29-F687-4f45-9708-019B960494DF}">
-                  <a14:hiddenLine xmlns="" xmlns:a14="http://schemas.microsoft.com/office/drawing/2010/main" w="9525">
+                  <a14:hiddenLine xmlns:a14="http://schemas.microsoft.com/office/drawing/2010/main" xmlns="" w="9525">
                     <a:solidFill>
                       <a:srgbClr val="000000"/>
                     </a:solidFill>
@@ -12475,7 +12475,7 @@
               </a:ln>
               <a:extLst>
                 <a:ext uri="{91240B29-F687-4f45-9708-019B960494DF}">
-                  <a14:hiddenLine xmlns="" xmlns:a14="http://schemas.microsoft.com/office/drawing/2010/main" w="9525">
+                  <a14:hiddenLine xmlns:a14="http://schemas.microsoft.com/office/drawing/2010/main" xmlns="" w="9525">
                     <a:solidFill>
                       <a:srgbClr val="000000"/>
                     </a:solidFill>
@@ -12565,7 +12565,7 @@
               </a:ln>
               <a:extLst>
                 <a:ext uri="{91240B29-F687-4f45-9708-019B960494DF}">
-                  <a14:hiddenLine xmlns="" xmlns:a14="http://schemas.microsoft.com/office/drawing/2010/main" w="9525">
+                  <a14:hiddenLine xmlns:a14="http://schemas.microsoft.com/office/drawing/2010/main" xmlns="" w="9525">
                     <a:solidFill>
                       <a:srgbClr val="000000"/>
                     </a:solidFill>
@@ -12633,7 +12633,7 @@
               </a:ln>
               <a:extLst>
                 <a:ext uri="{91240B29-F687-4f45-9708-019B960494DF}">
-                  <a14:hiddenLine xmlns="" xmlns:a14="http://schemas.microsoft.com/office/drawing/2010/main" w="9525">
+                  <a14:hiddenLine xmlns:a14="http://schemas.microsoft.com/office/drawing/2010/main" xmlns="" w="9525">
                     <a:solidFill>
                       <a:srgbClr val="000000"/>
                     </a:solidFill>
@@ -12723,7 +12723,7 @@
               </a:ln>
               <a:extLst>
                 <a:ext uri="{91240B29-F687-4f45-9708-019B960494DF}">
-                  <a14:hiddenLine xmlns="" xmlns:a14="http://schemas.microsoft.com/office/drawing/2010/main" w="9525">
+                  <a14:hiddenLine xmlns:a14="http://schemas.microsoft.com/office/drawing/2010/main" xmlns="" w="9525">
                     <a:solidFill>
                       <a:srgbClr val="000000"/>
                     </a:solidFill>
@@ -12791,7 +12791,7 @@
               </a:ln>
               <a:extLst>
                 <a:ext uri="{91240B29-F687-4f45-9708-019B960494DF}">
-                  <a14:hiddenLine xmlns="" xmlns:a14="http://schemas.microsoft.com/office/drawing/2010/main" w="9525">
+                  <a14:hiddenLine xmlns:a14="http://schemas.microsoft.com/office/drawing/2010/main" xmlns="" w="9525">
                     <a:solidFill>
                       <a:srgbClr val="000000"/>
                     </a:solidFill>
@@ -12881,7 +12881,7 @@
               </a:ln>
               <a:extLst>
                 <a:ext uri="{91240B29-F687-4f45-9708-019B960494DF}">
-                  <a14:hiddenLine xmlns="" xmlns:a14="http://schemas.microsoft.com/office/drawing/2010/main" w="9525">
+                  <a14:hiddenLine xmlns:a14="http://schemas.microsoft.com/office/drawing/2010/main" xmlns="" w="9525">
                     <a:solidFill>
                       <a:srgbClr val="000000"/>
                     </a:solidFill>
@@ -12915,7 +12915,7 @@
               </a:ln>
               <a:extLst>
                 <a:ext uri="{91240B29-F687-4f45-9708-019B960494DF}">
-                  <a14:hiddenLine xmlns="" xmlns:a14="http://schemas.microsoft.com/office/drawing/2010/main" w="9525">
+                  <a14:hiddenLine xmlns:a14="http://schemas.microsoft.com/office/drawing/2010/main" xmlns="" w="9525">
                     <a:solidFill>
                       <a:srgbClr val="000000"/>
                     </a:solidFill>
@@ -13055,7 +13055,7 @@
           <a:p>
             <a:fld id="{EC4347D3-4C9A-C240-8F14-750059DFEEB0}" type="datetimeFigureOut">
               <a:rPr lang="en-US" smtClean="0"/>
-              <a:t>1/16/25</a:t>
+              <a:t>8/25/25</a:t>
             </a:fld>
             <a:endParaRPr lang="en-US"/>
           </a:p>

--- a/slides/01-WhatIsAComputer.pptx
+++ b/slides/01-WhatIsAComputer.pptx
@@ -234,7 +234,7 @@
           <a:p>
             <a:fld id="{C5B45307-6ED4-B142-BD64-10F739779302}" type="datetimeFigureOut">
               <a:rPr lang="en-US" smtClean="0"/>
-              <a:t>8/25/25</a:t>
+              <a:t>9/2/25</a:t>
             </a:fld>
             <a:endParaRPr lang="en-US"/>
           </a:p>
@@ -1197,7 +1197,7 @@
           <a:noFill/>
           <a:extLst>
             <a:ext uri="{909E8E84-426E-40dd-AFC4-6F175D3DCCD1}">
-              <a14:hiddenFill xmlns:a14="http://schemas.microsoft.com/office/drawing/2010/main" xmlns="">
+              <a14:hiddenFill xmlns="" xmlns:a14="http://schemas.microsoft.com/office/drawing/2010/main">
                 <a:solidFill>
                   <a:srgbClr val="FFFFFF"/>
                 </a:solidFill>
@@ -1256,7 +1256,7 @@
             </a:ln>
             <a:extLst>
               <a:ext uri="{91240B29-F687-4f45-9708-019B960494DF}">
-                <a14:hiddenLine xmlns:a14="http://schemas.microsoft.com/office/drawing/2010/main" xmlns="" w="9525">
+                <a14:hiddenLine xmlns="" xmlns:a14="http://schemas.microsoft.com/office/drawing/2010/main" w="9525">
                   <a:solidFill>
                     <a:srgbClr val="000000"/>
                   </a:solidFill>
@@ -1346,7 +1346,7 @@
             </a:ln>
             <a:extLst>
               <a:ext uri="{91240B29-F687-4f45-9708-019B960494DF}">
-                <a14:hiddenLine xmlns:a14="http://schemas.microsoft.com/office/drawing/2010/main" xmlns="" w="9525">
+                <a14:hiddenLine xmlns="" xmlns:a14="http://schemas.microsoft.com/office/drawing/2010/main" w="9525">
                   <a:solidFill>
                     <a:srgbClr val="000000"/>
                   </a:solidFill>
@@ -1436,7 +1436,7 @@
             </a:ln>
             <a:extLst>
               <a:ext uri="{91240B29-F687-4f45-9708-019B960494DF}">
-                <a14:hiddenLine xmlns:a14="http://schemas.microsoft.com/office/drawing/2010/main" xmlns="" w="9525">
+                <a14:hiddenLine xmlns="" xmlns:a14="http://schemas.microsoft.com/office/drawing/2010/main" w="9525">
                   <a:solidFill>
                     <a:srgbClr val="000000"/>
                   </a:solidFill>
@@ -1470,7 +1470,7 @@
             </a:ln>
             <a:extLst>
               <a:ext uri="{91240B29-F687-4f45-9708-019B960494DF}">
-                <a14:hiddenLine xmlns:a14="http://schemas.microsoft.com/office/drawing/2010/main" xmlns="" w="9525">
+                <a14:hiddenLine xmlns="" xmlns:a14="http://schemas.microsoft.com/office/drawing/2010/main" w="9525">
                   <a:solidFill>
                     <a:srgbClr val="000000"/>
                   </a:solidFill>
@@ -1560,7 +1560,7 @@
             </a:ln>
             <a:extLst>
               <a:ext uri="{91240B29-F687-4f45-9708-019B960494DF}">
-                <a14:hiddenLine xmlns:a14="http://schemas.microsoft.com/office/drawing/2010/main" xmlns="" w="9525">
+                <a14:hiddenLine xmlns="" xmlns:a14="http://schemas.microsoft.com/office/drawing/2010/main" w="9525">
                   <a:solidFill>
                     <a:srgbClr val="000000"/>
                   </a:solidFill>
@@ -1622,7 +1622,7 @@
             </a:ln>
             <a:extLst>
               <a:ext uri="{91240B29-F687-4f45-9708-019B960494DF}">
-                <a14:hiddenLine xmlns:a14="http://schemas.microsoft.com/office/drawing/2010/main" xmlns="" w="9525">
+                <a14:hiddenLine xmlns="" xmlns:a14="http://schemas.microsoft.com/office/drawing/2010/main" w="9525">
                   <a:solidFill>
                     <a:srgbClr val="000000"/>
                   </a:solidFill>
@@ -1684,7 +1684,7 @@
             </a:ln>
             <a:extLst>
               <a:ext uri="{91240B29-F687-4f45-9708-019B960494DF}">
-                <a14:hiddenLine xmlns:a14="http://schemas.microsoft.com/office/drawing/2010/main" xmlns="" w="9525">
+                <a14:hiddenLine xmlns="" xmlns:a14="http://schemas.microsoft.com/office/drawing/2010/main" w="9525">
                   <a:solidFill>
                     <a:srgbClr val="000000"/>
                   </a:solidFill>
@@ -1774,7 +1774,7 @@
             </a:ln>
             <a:extLst>
               <a:ext uri="{91240B29-F687-4f45-9708-019B960494DF}">
-                <a14:hiddenLine xmlns:a14="http://schemas.microsoft.com/office/drawing/2010/main" xmlns="" w="9525">
+                <a14:hiddenLine xmlns="" xmlns:a14="http://schemas.microsoft.com/office/drawing/2010/main" w="9525">
                   <a:solidFill>
                     <a:srgbClr val="000000"/>
                   </a:solidFill>
@@ -1836,7 +1836,7 @@
             </a:ln>
             <a:extLst>
               <a:ext uri="{91240B29-F687-4f45-9708-019B960494DF}">
-                <a14:hiddenLine xmlns:a14="http://schemas.microsoft.com/office/drawing/2010/main" xmlns="" w="9525">
+                <a14:hiddenLine xmlns="" xmlns:a14="http://schemas.microsoft.com/office/drawing/2010/main" w="9525">
                   <a:solidFill>
                     <a:srgbClr val="000000"/>
                   </a:solidFill>
@@ -1898,7 +1898,7 @@
             </a:ln>
             <a:extLst>
               <a:ext uri="{91240B29-F687-4f45-9708-019B960494DF}">
-                <a14:hiddenLine xmlns:a14="http://schemas.microsoft.com/office/drawing/2010/main" xmlns="" w="9525">
+                <a14:hiddenLine xmlns="" xmlns:a14="http://schemas.microsoft.com/office/drawing/2010/main" w="9525">
                   <a:solidFill>
                     <a:srgbClr val="000000"/>
                   </a:solidFill>
@@ -1988,7 +1988,7 @@
             </a:ln>
             <a:extLst>
               <a:ext uri="{91240B29-F687-4f45-9708-019B960494DF}">
-                <a14:hiddenLine xmlns:a14="http://schemas.microsoft.com/office/drawing/2010/main" xmlns="" w="9525">
+                <a14:hiddenLine xmlns="" xmlns:a14="http://schemas.microsoft.com/office/drawing/2010/main" w="9525">
                   <a:solidFill>
                     <a:srgbClr val="000000"/>
                   </a:solidFill>
@@ -2078,7 +2078,7 @@
             </a:ln>
             <a:extLst>
               <a:ext uri="{91240B29-F687-4f45-9708-019B960494DF}">
-                <a14:hiddenLine xmlns:a14="http://schemas.microsoft.com/office/drawing/2010/main" xmlns="" w="9525">
+                <a14:hiddenLine xmlns="" xmlns:a14="http://schemas.microsoft.com/office/drawing/2010/main" w="9525">
                   <a:solidFill>
                     <a:srgbClr val="000000"/>
                   </a:solidFill>
@@ -2140,7 +2140,7 @@
             </a:ln>
             <a:extLst>
               <a:ext uri="{91240B29-F687-4f45-9708-019B960494DF}">
-                <a14:hiddenLine xmlns:a14="http://schemas.microsoft.com/office/drawing/2010/main" xmlns="" w="9525">
+                <a14:hiddenLine xmlns="" xmlns:a14="http://schemas.microsoft.com/office/drawing/2010/main" w="9525">
                   <a:solidFill>
                     <a:srgbClr val="000000"/>
                   </a:solidFill>
@@ -2250,7 +2250,7 @@
             </a:ln>
             <a:extLst>
               <a:ext uri="{91240B29-F687-4f45-9708-019B960494DF}">
-                <a14:hiddenLine xmlns:a14="http://schemas.microsoft.com/office/drawing/2010/main" xmlns="" w="9525">
+                <a14:hiddenLine xmlns="" xmlns:a14="http://schemas.microsoft.com/office/drawing/2010/main" w="9525">
                   <a:solidFill>
                     <a:srgbClr val="000000"/>
                   </a:solidFill>
@@ -2312,7 +2312,7 @@
             </a:ln>
             <a:extLst>
               <a:ext uri="{91240B29-F687-4f45-9708-019B960494DF}">
-                <a14:hiddenLine xmlns:a14="http://schemas.microsoft.com/office/drawing/2010/main" xmlns="" w="9525">
+                <a14:hiddenLine xmlns="" xmlns:a14="http://schemas.microsoft.com/office/drawing/2010/main" w="9525">
                   <a:solidFill>
                     <a:srgbClr val="000000"/>
                   </a:solidFill>
@@ -2402,7 +2402,7 @@
             </a:ln>
             <a:extLst>
               <a:ext uri="{91240B29-F687-4f45-9708-019B960494DF}">
-                <a14:hiddenLine xmlns:a14="http://schemas.microsoft.com/office/drawing/2010/main" xmlns="" w="9525">
+                <a14:hiddenLine xmlns="" xmlns:a14="http://schemas.microsoft.com/office/drawing/2010/main" w="9525">
                   <a:solidFill>
                     <a:srgbClr val="000000"/>
                   </a:solidFill>
@@ -2492,7 +2492,7 @@
             </a:ln>
             <a:extLst>
               <a:ext uri="{91240B29-F687-4f45-9708-019B960494DF}">
-                <a14:hiddenLine xmlns:a14="http://schemas.microsoft.com/office/drawing/2010/main" xmlns="" w="9525">
+                <a14:hiddenLine xmlns="" xmlns:a14="http://schemas.microsoft.com/office/drawing/2010/main" w="9525">
                   <a:solidFill>
                     <a:srgbClr val="000000"/>
                   </a:solidFill>
@@ -2554,7 +2554,7 @@
             </a:ln>
             <a:extLst>
               <a:ext uri="{91240B29-F687-4f45-9708-019B960494DF}">
-                <a14:hiddenLine xmlns:a14="http://schemas.microsoft.com/office/drawing/2010/main" xmlns="" w="9525">
+                <a14:hiddenLine xmlns="" xmlns:a14="http://schemas.microsoft.com/office/drawing/2010/main" w="9525">
                   <a:solidFill>
                     <a:srgbClr val="000000"/>
                   </a:solidFill>
@@ -2644,7 +2644,7 @@
             </a:ln>
             <a:extLst>
               <a:ext uri="{91240B29-F687-4f45-9708-019B960494DF}">
-                <a14:hiddenLine xmlns:a14="http://schemas.microsoft.com/office/drawing/2010/main" xmlns="" w="9525">
+                <a14:hiddenLine xmlns="" xmlns:a14="http://schemas.microsoft.com/office/drawing/2010/main" w="9525">
                   <a:solidFill>
                     <a:srgbClr val="000000"/>
                   </a:solidFill>
@@ -2734,7 +2734,7 @@
             </a:ln>
             <a:extLst>
               <a:ext uri="{91240B29-F687-4f45-9708-019B960494DF}">
-                <a14:hiddenLine xmlns:a14="http://schemas.microsoft.com/office/drawing/2010/main" xmlns="" w="9525">
+                <a14:hiddenLine xmlns="" xmlns:a14="http://schemas.microsoft.com/office/drawing/2010/main" w="9525">
                   <a:solidFill>
                     <a:srgbClr val="000000"/>
                   </a:solidFill>
@@ -2790,7 +2790,7 @@
             </a:ln>
             <a:extLst>
               <a:ext uri="{91240B29-F687-4f45-9708-019B960494DF}">
-                <a14:hiddenLine xmlns:a14="http://schemas.microsoft.com/office/drawing/2010/main" xmlns="" w="9525">
+                <a14:hiddenLine xmlns="" xmlns:a14="http://schemas.microsoft.com/office/drawing/2010/main" w="9525">
                   <a:solidFill>
                     <a:srgbClr val="000000"/>
                   </a:solidFill>
@@ -2880,7 +2880,7 @@
             </a:ln>
             <a:extLst>
               <a:ext uri="{91240B29-F687-4f45-9708-019B960494DF}">
-                <a14:hiddenLine xmlns:a14="http://schemas.microsoft.com/office/drawing/2010/main" xmlns="" w="9525">
+                <a14:hiddenLine xmlns="" xmlns:a14="http://schemas.microsoft.com/office/drawing/2010/main" w="9525">
                   <a:solidFill>
                     <a:srgbClr val="000000"/>
                   </a:solidFill>
@@ -2936,7 +2936,7 @@
             </a:ln>
             <a:extLst>
               <a:ext uri="{91240B29-F687-4f45-9708-019B960494DF}">
-                <a14:hiddenLine xmlns:a14="http://schemas.microsoft.com/office/drawing/2010/main" xmlns="" w="9525">
+                <a14:hiddenLine xmlns="" xmlns:a14="http://schemas.microsoft.com/office/drawing/2010/main" w="9525">
                   <a:solidFill>
                     <a:srgbClr val="000000"/>
                   </a:solidFill>
@@ -3026,7 +3026,7 @@
             </a:ln>
             <a:extLst>
               <a:ext uri="{91240B29-F687-4f45-9708-019B960494DF}">
-                <a14:hiddenLine xmlns:a14="http://schemas.microsoft.com/office/drawing/2010/main" xmlns="" w="9525">
+                <a14:hiddenLine xmlns="" xmlns:a14="http://schemas.microsoft.com/office/drawing/2010/main" w="9525">
                   <a:solidFill>
                     <a:srgbClr val="000000"/>
                   </a:solidFill>
@@ -3094,7 +3094,7 @@
             </a:ln>
             <a:extLst>
               <a:ext uri="{91240B29-F687-4f45-9708-019B960494DF}">
-                <a14:hiddenLine xmlns:a14="http://schemas.microsoft.com/office/drawing/2010/main" xmlns="" w="9525">
+                <a14:hiddenLine xmlns="" xmlns:a14="http://schemas.microsoft.com/office/drawing/2010/main" w="9525">
                   <a:solidFill>
                     <a:srgbClr val="000000"/>
                   </a:solidFill>
@@ -3184,7 +3184,7 @@
             </a:ln>
             <a:extLst>
               <a:ext uri="{91240B29-F687-4f45-9708-019B960494DF}">
-                <a14:hiddenLine xmlns:a14="http://schemas.microsoft.com/office/drawing/2010/main" xmlns="" w="9525">
+                <a14:hiddenLine xmlns="" xmlns:a14="http://schemas.microsoft.com/office/drawing/2010/main" w="9525">
                   <a:solidFill>
                     <a:srgbClr val="000000"/>
                   </a:solidFill>
@@ -3252,7 +3252,7 @@
             </a:ln>
             <a:extLst>
               <a:ext uri="{91240B29-F687-4f45-9708-019B960494DF}">
-                <a14:hiddenLine xmlns:a14="http://schemas.microsoft.com/office/drawing/2010/main" xmlns="" w="9525">
+                <a14:hiddenLine xmlns="" xmlns:a14="http://schemas.microsoft.com/office/drawing/2010/main" w="9525">
                   <a:solidFill>
                     <a:srgbClr val="000000"/>
                   </a:solidFill>
@@ -3342,7 +3342,7 @@
             </a:ln>
             <a:extLst>
               <a:ext uri="{91240B29-F687-4f45-9708-019B960494DF}">
-                <a14:hiddenLine xmlns:a14="http://schemas.microsoft.com/office/drawing/2010/main" xmlns="" w="9525">
+                <a14:hiddenLine xmlns="" xmlns:a14="http://schemas.microsoft.com/office/drawing/2010/main" w="9525">
                   <a:solidFill>
                     <a:srgbClr val="000000"/>
                   </a:solidFill>
@@ -3376,7 +3376,7 @@
             </a:ln>
             <a:extLst>
               <a:ext uri="{91240B29-F687-4f45-9708-019B960494DF}">
-                <a14:hiddenLine xmlns:a14="http://schemas.microsoft.com/office/drawing/2010/main" xmlns="" w="9525">
+                <a14:hiddenLine xmlns="" xmlns:a14="http://schemas.microsoft.com/office/drawing/2010/main" w="9525">
                   <a:solidFill>
                     <a:srgbClr val="000000"/>
                   </a:solidFill>
@@ -3466,7 +3466,7 @@
             </a:ln>
             <a:extLst>
               <a:ext uri="{91240B29-F687-4f45-9708-019B960494DF}">
-                <a14:hiddenLine xmlns:a14="http://schemas.microsoft.com/office/drawing/2010/main" xmlns="" w="9525">
+                <a14:hiddenLine xmlns="" xmlns:a14="http://schemas.microsoft.com/office/drawing/2010/main" w="9525">
                   <a:solidFill>
                     <a:srgbClr val="000000"/>
                   </a:solidFill>
@@ -3528,7 +3528,7 @@
             </a:ln>
             <a:extLst>
               <a:ext uri="{91240B29-F687-4f45-9708-019B960494DF}">
-                <a14:hiddenLine xmlns:a14="http://schemas.microsoft.com/office/drawing/2010/main" xmlns="" w="9525">
+                <a14:hiddenLine xmlns="" xmlns:a14="http://schemas.microsoft.com/office/drawing/2010/main" w="9525">
                   <a:solidFill>
                     <a:srgbClr val="000000"/>
                   </a:solidFill>
@@ -3590,7 +3590,7 @@
             </a:ln>
             <a:extLst>
               <a:ext uri="{91240B29-F687-4f45-9708-019B960494DF}">
-                <a14:hiddenLine xmlns:a14="http://schemas.microsoft.com/office/drawing/2010/main" xmlns="" w="9525">
+                <a14:hiddenLine xmlns="" xmlns:a14="http://schemas.microsoft.com/office/drawing/2010/main" w="9525">
                   <a:solidFill>
                     <a:srgbClr val="000000"/>
                   </a:solidFill>
@@ -3680,7 +3680,7 @@
             </a:ln>
             <a:extLst>
               <a:ext uri="{91240B29-F687-4f45-9708-019B960494DF}">
-                <a14:hiddenLine xmlns:a14="http://schemas.microsoft.com/office/drawing/2010/main" xmlns="" w="9525">
+                <a14:hiddenLine xmlns="" xmlns:a14="http://schemas.microsoft.com/office/drawing/2010/main" w="9525">
                   <a:solidFill>
                     <a:srgbClr val="000000"/>
                   </a:solidFill>
@@ -3748,7 +3748,7 @@
             </a:ln>
             <a:extLst>
               <a:ext uri="{91240B29-F687-4f45-9708-019B960494DF}">
-                <a14:hiddenLine xmlns:a14="http://schemas.microsoft.com/office/drawing/2010/main" xmlns="" w="9525">
+                <a14:hiddenLine xmlns="" xmlns:a14="http://schemas.microsoft.com/office/drawing/2010/main" w="9525">
                   <a:solidFill>
                     <a:srgbClr val="000000"/>
                   </a:solidFill>
@@ -3810,7 +3810,7 @@
             </a:ln>
             <a:extLst>
               <a:ext uri="{91240B29-F687-4f45-9708-019B960494DF}">
-                <a14:hiddenLine xmlns:a14="http://schemas.microsoft.com/office/drawing/2010/main" xmlns="" w="9525">
+                <a14:hiddenLine xmlns="" xmlns:a14="http://schemas.microsoft.com/office/drawing/2010/main" w="9525">
                   <a:solidFill>
                     <a:srgbClr val="000000"/>
                   </a:solidFill>
@@ -3900,7 +3900,7 @@
             </a:ln>
             <a:extLst>
               <a:ext uri="{91240B29-F687-4f45-9708-019B960494DF}">
-                <a14:hiddenLine xmlns:a14="http://schemas.microsoft.com/office/drawing/2010/main" xmlns="" w="9525">
+                <a14:hiddenLine xmlns="" xmlns:a14="http://schemas.microsoft.com/office/drawing/2010/main" w="9525">
                   <a:solidFill>
                     <a:srgbClr val="000000"/>
                   </a:solidFill>
@@ -3962,7 +3962,7 @@
             </a:ln>
             <a:extLst>
               <a:ext uri="{91240B29-F687-4f45-9708-019B960494DF}">
-                <a14:hiddenLine xmlns:a14="http://schemas.microsoft.com/office/drawing/2010/main" xmlns="" w="9525">
+                <a14:hiddenLine xmlns="" xmlns:a14="http://schemas.microsoft.com/office/drawing/2010/main" w="9525">
                   <a:solidFill>
                     <a:srgbClr val="000000"/>
                   </a:solidFill>
@@ -4052,7 +4052,7 @@
             </a:ln>
             <a:extLst>
               <a:ext uri="{91240B29-F687-4f45-9708-019B960494DF}">
-                <a14:hiddenLine xmlns:a14="http://schemas.microsoft.com/office/drawing/2010/main" xmlns="" w="9525">
+                <a14:hiddenLine xmlns="" xmlns:a14="http://schemas.microsoft.com/office/drawing/2010/main" w="9525">
                   <a:solidFill>
                     <a:srgbClr val="000000"/>
                   </a:solidFill>
@@ -4114,7 +4114,7 @@
             </a:ln>
             <a:extLst>
               <a:ext uri="{91240B29-F687-4f45-9708-019B960494DF}">
-                <a14:hiddenLine xmlns:a14="http://schemas.microsoft.com/office/drawing/2010/main" xmlns="" w="9525">
+                <a14:hiddenLine xmlns="" xmlns:a14="http://schemas.microsoft.com/office/drawing/2010/main" w="9525">
                   <a:solidFill>
                     <a:srgbClr val="000000"/>
                   </a:solidFill>
@@ -4204,7 +4204,7 @@
             </a:ln>
             <a:extLst>
               <a:ext uri="{91240B29-F687-4f45-9708-019B960494DF}">
-                <a14:hiddenLine xmlns:a14="http://schemas.microsoft.com/office/drawing/2010/main" xmlns="" w="9525">
+                <a14:hiddenLine xmlns="" xmlns:a14="http://schemas.microsoft.com/office/drawing/2010/main" w="9525">
                   <a:solidFill>
                     <a:srgbClr val="000000"/>
                   </a:solidFill>
@@ -4238,7 +4238,7 @@
             </a:ln>
             <a:extLst>
               <a:ext uri="{91240B29-F687-4f45-9708-019B960494DF}">
-                <a14:hiddenLine xmlns:a14="http://schemas.microsoft.com/office/drawing/2010/main" xmlns="" w="9525">
+                <a14:hiddenLine xmlns="" xmlns:a14="http://schemas.microsoft.com/office/drawing/2010/main" w="9525">
                   <a:solidFill>
                     <a:srgbClr val="000000"/>
                   </a:solidFill>
@@ -4303,7 +4303,7 @@
             </a:ln>
             <a:extLst>
               <a:ext uri="{91240B29-F687-4f45-9708-019B960494DF}">
-                <a14:hiddenLine xmlns:a14="http://schemas.microsoft.com/office/drawing/2010/main" xmlns="" w="9525">
+                <a14:hiddenLine xmlns="" xmlns:a14="http://schemas.microsoft.com/office/drawing/2010/main" w="9525">
                   <a:solidFill>
                     <a:srgbClr val="000000"/>
                   </a:solidFill>
@@ -4393,7 +4393,7 @@
             </a:ln>
             <a:extLst>
               <a:ext uri="{91240B29-F687-4f45-9708-019B960494DF}">
-                <a14:hiddenLine xmlns:a14="http://schemas.microsoft.com/office/drawing/2010/main" xmlns="" w="9525">
+                <a14:hiddenLine xmlns="" xmlns:a14="http://schemas.microsoft.com/office/drawing/2010/main" w="9525">
                   <a:solidFill>
                     <a:srgbClr val="000000"/>
                   </a:solidFill>
@@ -4455,7 +4455,7 @@
             </a:ln>
             <a:extLst>
               <a:ext uri="{91240B29-F687-4f45-9708-019B960494DF}">
-                <a14:hiddenLine xmlns:a14="http://schemas.microsoft.com/office/drawing/2010/main" xmlns="" w="9525">
+                <a14:hiddenLine xmlns="" xmlns:a14="http://schemas.microsoft.com/office/drawing/2010/main" w="9525">
                   <a:solidFill>
                     <a:srgbClr val="000000"/>
                   </a:solidFill>
@@ -4545,7 +4545,7 @@
             </a:ln>
             <a:extLst>
               <a:ext uri="{91240B29-F687-4f45-9708-019B960494DF}">
-                <a14:hiddenLine xmlns:a14="http://schemas.microsoft.com/office/drawing/2010/main" xmlns="" w="9525">
+                <a14:hiddenLine xmlns="" xmlns:a14="http://schemas.microsoft.com/office/drawing/2010/main" w="9525">
                   <a:solidFill>
                     <a:srgbClr val="000000"/>
                   </a:solidFill>
@@ -4635,7 +4635,7 @@
             </a:ln>
             <a:extLst>
               <a:ext uri="{91240B29-F687-4f45-9708-019B960494DF}">
-                <a14:hiddenLine xmlns:a14="http://schemas.microsoft.com/office/drawing/2010/main" xmlns="" w="9525">
+                <a14:hiddenLine xmlns="" xmlns:a14="http://schemas.microsoft.com/office/drawing/2010/main" w="9525">
                   <a:solidFill>
                     <a:srgbClr val="000000"/>
                   </a:solidFill>
@@ -4700,7 +4700,7 @@
             </a:ln>
             <a:extLst>
               <a:ext uri="{91240B29-F687-4f45-9708-019B960494DF}">
-                <a14:hiddenLine xmlns:a14="http://schemas.microsoft.com/office/drawing/2010/main" xmlns="" w="9525">
+                <a14:hiddenLine xmlns="" xmlns:a14="http://schemas.microsoft.com/office/drawing/2010/main" w="9525">
                   <a:solidFill>
                     <a:srgbClr val="000000"/>
                   </a:solidFill>
@@ -4762,7 +4762,7 @@
             </a:ln>
             <a:extLst>
               <a:ext uri="{91240B29-F687-4f45-9708-019B960494DF}">
-                <a14:hiddenLine xmlns:a14="http://schemas.microsoft.com/office/drawing/2010/main" xmlns="" w="9525">
+                <a14:hiddenLine xmlns="" xmlns:a14="http://schemas.microsoft.com/office/drawing/2010/main" w="9525">
                   <a:solidFill>
                     <a:srgbClr val="000000"/>
                   </a:solidFill>
@@ -4852,7 +4852,7 @@
             </a:ln>
             <a:extLst>
               <a:ext uri="{91240B29-F687-4f45-9708-019B960494DF}">
-                <a14:hiddenLine xmlns:a14="http://schemas.microsoft.com/office/drawing/2010/main" xmlns="" w="9525">
+                <a14:hiddenLine xmlns="" xmlns:a14="http://schemas.microsoft.com/office/drawing/2010/main" w="9525">
                   <a:solidFill>
                     <a:srgbClr val="000000"/>
                   </a:solidFill>
@@ -4942,7 +4942,7 @@
             </a:ln>
             <a:extLst>
               <a:ext uri="{91240B29-F687-4f45-9708-019B960494DF}">
-                <a14:hiddenLine xmlns:a14="http://schemas.microsoft.com/office/drawing/2010/main" xmlns="" w="9525">
+                <a14:hiddenLine xmlns="" xmlns:a14="http://schemas.microsoft.com/office/drawing/2010/main" w="9525">
                   <a:solidFill>
                     <a:srgbClr val="000000"/>
                   </a:solidFill>
@@ -5004,7 +5004,7 @@
             </a:ln>
             <a:extLst>
               <a:ext uri="{91240B29-F687-4f45-9708-019B960494DF}">
-                <a14:hiddenLine xmlns:a14="http://schemas.microsoft.com/office/drawing/2010/main" xmlns="" w="9525">
+                <a14:hiddenLine xmlns="" xmlns:a14="http://schemas.microsoft.com/office/drawing/2010/main" w="9525">
                   <a:solidFill>
                     <a:srgbClr val="000000"/>
                   </a:solidFill>
@@ -5124,7 +5124,7 @@
             </a:ln>
             <a:extLst>
               <a:ext uri="{91240B29-F687-4f45-9708-019B960494DF}">
-                <a14:hiddenLine xmlns:a14="http://schemas.microsoft.com/office/drawing/2010/main" xmlns="" w="9525">
+                <a14:hiddenLine xmlns="" xmlns:a14="http://schemas.microsoft.com/office/drawing/2010/main" w="9525">
                   <a:solidFill>
                     <a:srgbClr val="000000"/>
                   </a:solidFill>
@@ -5192,7 +5192,7 @@
             </a:ln>
             <a:extLst>
               <a:ext uri="{91240B29-F687-4f45-9708-019B960494DF}">
-                <a14:hiddenLine xmlns:a14="http://schemas.microsoft.com/office/drawing/2010/main" xmlns="" w="9525">
+                <a14:hiddenLine xmlns="" xmlns:a14="http://schemas.microsoft.com/office/drawing/2010/main" w="9525">
                   <a:solidFill>
                     <a:srgbClr val="000000"/>
                   </a:solidFill>
@@ -5282,7 +5282,7 @@
             </a:ln>
             <a:extLst>
               <a:ext uri="{91240B29-F687-4f45-9708-019B960494DF}">
-                <a14:hiddenLine xmlns:a14="http://schemas.microsoft.com/office/drawing/2010/main" xmlns="" w="9525">
+                <a14:hiddenLine xmlns="" xmlns:a14="http://schemas.microsoft.com/office/drawing/2010/main" w="9525">
                   <a:solidFill>
                     <a:srgbClr val="000000"/>
                   </a:solidFill>
@@ -5422,7 +5422,7 @@
           <a:p>
             <a:fld id="{EC4347D3-4C9A-C240-8F14-750059DFEEB0}" type="datetimeFigureOut">
               <a:rPr lang="en-US" smtClean="0"/>
-              <a:t>8/25/25</a:t>
+              <a:t>9/2/25</a:t>
             </a:fld>
             <a:endParaRPr lang="en-US"/>
           </a:p>
@@ -5689,7 +5689,7 @@
           <a:p>
             <a:fld id="{EC4347D3-4C9A-C240-8F14-750059DFEEB0}" type="datetimeFigureOut">
               <a:rPr lang="en-US" smtClean="0"/>
-              <a:t>8/25/25</a:t>
+              <a:t>9/2/25</a:t>
             </a:fld>
             <a:endParaRPr lang="en-US"/>
           </a:p>
@@ -5885,7 +5885,7 @@
           <a:p>
             <a:fld id="{EC4347D3-4C9A-C240-8F14-750059DFEEB0}" type="datetimeFigureOut">
               <a:rPr lang="en-US" smtClean="0"/>
-              <a:t>8/25/25</a:t>
+              <a:t>9/2/25</a:t>
             </a:fld>
             <a:endParaRPr lang="en-US"/>
           </a:p>
@@ -6148,7 +6148,7 @@
           <a:p>
             <a:fld id="{EC4347D3-4C9A-C240-8F14-750059DFEEB0}" type="datetimeFigureOut">
               <a:rPr lang="en-US" smtClean="0"/>
-              <a:t>8/25/25</a:t>
+              <a:t>9/2/25</a:t>
             </a:fld>
             <a:endParaRPr lang="en-US"/>
           </a:p>
@@ -6582,7 +6582,7 @@
           <a:p>
             <a:fld id="{EC4347D3-4C9A-C240-8F14-750059DFEEB0}" type="datetimeFigureOut">
               <a:rPr lang="en-US" smtClean="0"/>
-              <a:t>8/25/25</a:t>
+              <a:t>9/2/25</a:t>
             </a:fld>
             <a:endParaRPr lang="en-US"/>
           </a:p>
@@ -7128,7 +7128,7 @@
           <a:p>
             <a:fld id="{EC4347D3-4C9A-C240-8F14-750059DFEEB0}" type="datetimeFigureOut">
               <a:rPr lang="en-US" smtClean="0"/>
-              <a:t>8/25/25</a:t>
+              <a:t>9/2/25</a:t>
             </a:fld>
             <a:endParaRPr lang="en-US"/>
           </a:p>
@@ -7848,7 +7848,7 @@
           <a:p>
             <a:fld id="{EC4347D3-4C9A-C240-8F14-750059DFEEB0}" type="datetimeFigureOut">
               <a:rPr lang="en-US" smtClean="0"/>
-              <a:t>8/25/25</a:t>
+              <a:t>9/2/25</a:t>
             </a:fld>
             <a:endParaRPr lang="en-US"/>
           </a:p>
@@ -8018,7 +8018,7 @@
           <a:p>
             <a:fld id="{EC4347D3-4C9A-C240-8F14-750059DFEEB0}" type="datetimeFigureOut">
               <a:rPr lang="en-US" smtClean="0"/>
-              <a:t>8/25/25</a:t>
+              <a:t>9/2/25</a:t>
             </a:fld>
             <a:endParaRPr lang="en-US"/>
           </a:p>
@@ -8198,7 +8198,7 @@
           <a:p>
             <a:fld id="{EC4347D3-4C9A-C240-8F14-750059DFEEB0}" type="datetimeFigureOut">
               <a:rPr lang="en-US" smtClean="0"/>
-              <a:t>8/25/25</a:t>
+              <a:t>9/2/25</a:t>
             </a:fld>
             <a:endParaRPr lang="en-US"/>
           </a:p>
@@ -8368,7 +8368,7 @@
           <a:p>
             <a:fld id="{EC4347D3-4C9A-C240-8F14-750059DFEEB0}" type="datetimeFigureOut">
               <a:rPr lang="en-US" smtClean="0"/>
-              <a:t>8/25/25</a:t>
+              <a:t>9/2/25</a:t>
             </a:fld>
             <a:endParaRPr lang="en-US"/>
           </a:p>
@@ -8618,7 +8618,7 @@
           <a:p>
             <a:fld id="{EC4347D3-4C9A-C240-8F14-750059DFEEB0}" type="datetimeFigureOut">
               <a:rPr lang="en-US" smtClean="0"/>
-              <a:t>8/25/25</a:t>
+              <a:t>9/2/25</a:t>
             </a:fld>
             <a:endParaRPr lang="en-US"/>
           </a:p>
@@ -8850,7 +8850,7 @@
           <a:p>
             <a:fld id="{EC4347D3-4C9A-C240-8F14-750059DFEEB0}" type="datetimeFigureOut">
               <a:rPr lang="en-US" smtClean="0"/>
-              <a:t>8/25/25</a:t>
+              <a:t>9/2/25</a:t>
             </a:fld>
             <a:endParaRPr lang="en-US"/>
           </a:p>
@@ -9236,7 +9236,7 @@
           <a:p>
             <a:fld id="{EC4347D3-4C9A-C240-8F14-750059DFEEB0}" type="datetimeFigureOut">
               <a:rPr lang="en-US" smtClean="0"/>
-              <a:t>8/25/25</a:t>
+              <a:t>9/2/25</a:t>
             </a:fld>
             <a:endParaRPr lang="en-US"/>
           </a:p>
@@ -9359,7 +9359,7 @@
           <a:p>
             <a:fld id="{EC4347D3-4C9A-C240-8F14-750059DFEEB0}" type="datetimeFigureOut">
               <a:rPr lang="en-US" smtClean="0"/>
-              <a:t>8/25/25</a:t>
+              <a:t>9/2/25</a:t>
             </a:fld>
             <a:endParaRPr lang="en-US"/>
           </a:p>
@@ -9454,7 +9454,7 @@
           <a:p>
             <a:fld id="{EC4347D3-4C9A-C240-8F14-750059DFEEB0}" type="datetimeFigureOut">
               <a:rPr lang="en-US" smtClean="0"/>
-              <a:t>8/25/25</a:t>
+              <a:t>9/2/25</a:t>
             </a:fld>
             <a:endParaRPr lang="en-US"/>
           </a:p>
@@ -9703,7 +9703,7 @@
           <a:p>
             <a:fld id="{EC4347D3-4C9A-C240-8F14-750059DFEEB0}" type="datetimeFigureOut">
               <a:rPr lang="en-US" smtClean="0"/>
-              <a:t>8/25/25</a:t>
+              <a:t>9/2/25</a:t>
             </a:fld>
             <a:endParaRPr lang="en-US"/>
           </a:p>
@@ -9988,7 +9988,7 @@
           <a:p>
             <a:fld id="{EC4347D3-4C9A-C240-8F14-750059DFEEB0}" type="datetimeFigureOut">
               <a:rPr lang="en-US" smtClean="0"/>
-              <a:t>8/25/25</a:t>
+              <a:t>9/2/25</a:t>
             </a:fld>
             <a:endParaRPr lang="en-US"/>
           </a:p>
@@ -10111,7 +10111,7 @@
           <a:noFill/>
           <a:extLst>
             <a:ext uri="{909E8E84-426E-40dd-AFC4-6F175D3DCCD1}">
-              <a14:hiddenFill xmlns:a14="http://schemas.microsoft.com/office/drawing/2010/main" xmlns="">
+              <a14:hiddenFill xmlns="" xmlns:a14="http://schemas.microsoft.com/office/drawing/2010/main">
                 <a:solidFill>
                   <a:srgbClr val="FFFFFF"/>
                 </a:solidFill>
@@ -10185,7 +10185,7 @@
               </a:ln>
               <a:extLst>
                 <a:ext uri="{91240B29-F687-4f45-9708-019B960494DF}">
-                  <a14:hiddenLine xmlns:a14="http://schemas.microsoft.com/office/drawing/2010/main" xmlns="" w="9525">
+                  <a14:hiddenLine xmlns="" xmlns:a14="http://schemas.microsoft.com/office/drawing/2010/main" w="9525">
                     <a:solidFill>
                       <a:srgbClr val="000000"/>
                     </a:solidFill>
@@ -10275,7 +10275,7 @@
               </a:ln>
               <a:extLst>
                 <a:ext uri="{91240B29-F687-4f45-9708-019B960494DF}">
-                  <a14:hiddenLine xmlns:a14="http://schemas.microsoft.com/office/drawing/2010/main" xmlns="" w="9525">
+                  <a14:hiddenLine xmlns="" xmlns:a14="http://schemas.microsoft.com/office/drawing/2010/main" w="9525">
                     <a:solidFill>
                       <a:srgbClr val="000000"/>
                     </a:solidFill>
@@ -10365,7 +10365,7 @@
               </a:ln>
               <a:extLst>
                 <a:ext uri="{91240B29-F687-4f45-9708-019B960494DF}">
-                  <a14:hiddenLine xmlns:a14="http://schemas.microsoft.com/office/drawing/2010/main" xmlns="" w="9525">
+                  <a14:hiddenLine xmlns="" xmlns:a14="http://schemas.microsoft.com/office/drawing/2010/main" w="9525">
                     <a:solidFill>
                       <a:srgbClr val="000000"/>
                     </a:solidFill>
@@ -10427,7 +10427,7 @@
               </a:ln>
               <a:extLst>
                 <a:ext uri="{91240B29-F687-4f45-9708-019B960494DF}">
-                  <a14:hiddenLine xmlns:a14="http://schemas.microsoft.com/office/drawing/2010/main" xmlns="" w="9525">
+                  <a14:hiddenLine xmlns="" xmlns:a14="http://schemas.microsoft.com/office/drawing/2010/main" w="9525">
                     <a:solidFill>
                       <a:srgbClr val="000000"/>
                     </a:solidFill>
@@ -10517,7 +10517,7 @@
               </a:ln>
               <a:extLst>
                 <a:ext uri="{91240B29-F687-4f45-9708-019B960494DF}">
-                  <a14:hiddenLine xmlns:a14="http://schemas.microsoft.com/office/drawing/2010/main" xmlns="" w="9525">
+                  <a14:hiddenLine xmlns="" xmlns:a14="http://schemas.microsoft.com/office/drawing/2010/main" w="9525">
                     <a:solidFill>
                       <a:srgbClr val="000000"/>
                     </a:solidFill>
@@ -10579,7 +10579,7 @@
               </a:ln>
               <a:extLst>
                 <a:ext uri="{91240B29-F687-4f45-9708-019B960494DF}">
-                  <a14:hiddenLine xmlns:a14="http://schemas.microsoft.com/office/drawing/2010/main" xmlns="" w="9525">
+                  <a14:hiddenLine xmlns="" xmlns:a14="http://schemas.microsoft.com/office/drawing/2010/main" w="9525">
                     <a:solidFill>
                       <a:srgbClr val="000000"/>
                     </a:solidFill>
@@ -10641,7 +10641,7 @@
               </a:ln>
               <a:extLst>
                 <a:ext uri="{91240B29-F687-4f45-9708-019B960494DF}">
-                  <a14:hiddenLine xmlns:a14="http://schemas.microsoft.com/office/drawing/2010/main" xmlns="" w="9525">
+                  <a14:hiddenLine xmlns="" xmlns:a14="http://schemas.microsoft.com/office/drawing/2010/main" w="9525">
                     <a:solidFill>
                       <a:srgbClr val="000000"/>
                     </a:solidFill>
@@ -10731,7 +10731,7 @@
               </a:ln>
               <a:extLst>
                 <a:ext uri="{91240B29-F687-4f45-9708-019B960494DF}">
-                  <a14:hiddenLine xmlns:a14="http://schemas.microsoft.com/office/drawing/2010/main" xmlns="" w="9525">
+                  <a14:hiddenLine xmlns="" xmlns:a14="http://schemas.microsoft.com/office/drawing/2010/main" w="9525">
                     <a:solidFill>
                       <a:srgbClr val="000000"/>
                     </a:solidFill>
@@ -10821,7 +10821,7 @@
               </a:ln>
               <a:extLst>
                 <a:ext uri="{91240B29-F687-4f45-9708-019B960494DF}">
-                  <a14:hiddenLine xmlns:a14="http://schemas.microsoft.com/office/drawing/2010/main" xmlns="" w="9525">
+                  <a14:hiddenLine xmlns="" xmlns:a14="http://schemas.microsoft.com/office/drawing/2010/main" w="9525">
                     <a:solidFill>
                       <a:srgbClr val="000000"/>
                     </a:solidFill>
@@ -10883,7 +10883,7 @@
               </a:ln>
               <a:extLst>
                 <a:ext uri="{91240B29-F687-4f45-9708-019B960494DF}">
-                  <a14:hiddenLine xmlns:a14="http://schemas.microsoft.com/office/drawing/2010/main" xmlns="" w="9525">
+                  <a14:hiddenLine xmlns="" xmlns:a14="http://schemas.microsoft.com/office/drawing/2010/main" w="9525">
                     <a:solidFill>
                       <a:srgbClr val="000000"/>
                     </a:solidFill>
@@ -10993,7 +10993,7 @@
               </a:ln>
               <a:extLst>
                 <a:ext uri="{91240B29-F687-4f45-9708-019B960494DF}">
-                  <a14:hiddenLine xmlns:a14="http://schemas.microsoft.com/office/drawing/2010/main" xmlns="" w="9525">
+                  <a14:hiddenLine xmlns="" xmlns:a14="http://schemas.microsoft.com/office/drawing/2010/main" w="9525">
                     <a:solidFill>
                       <a:srgbClr val="000000"/>
                     </a:solidFill>
@@ -11077,7 +11077,7 @@
               </a:ln>
               <a:extLst>
                 <a:ext uri="{91240B29-F687-4f45-9708-019B960494DF}">
-                  <a14:hiddenLine xmlns:a14="http://schemas.microsoft.com/office/drawing/2010/main" xmlns="" w="9525">
+                  <a14:hiddenLine xmlns="" xmlns:a14="http://schemas.microsoft.com/office/drawing/2010/main" w="9525">
                     <a:solidFill>
                       <a:srgbClr val="000000"/>
                     </a:solidFill>
@@ -11139,7 +11139,7 @@
               </a:ln>
               <a:extLst>
                 <a:ext uri="{91240B29-F687-4f45-9708-019B960494DF}">
-                  <a14:hiddenLine xmlns:a14="http://schemas.microsoft.com/office/drawing/2010/main" xmlns="" w="9525">
+                  <a14:hiddenLine xmlns="" xmlns:a14="http://schemas.microsoft.com/office/drawing/2010/main" w="9525">
                     <a:solidFill>
                       <a:srgbClr val="000000"/>
                     </a:solidFill>
@@ -11201,7 +11201,7 @@
               </a:ln>
               <a:extLst>
                 <a:ext uri="{91240B29-F687-4f45-9708-019B960494DF}">
-                  <a14:hiddenLine xmlns:a14="http://schemas.microsoft.com/office/drawing/2010/main" xmlns="" w="9525">
+                  <a14:hiddenLine xmlns="" xmlns:a14="http://schemas.microsoft.com/office/drawing/2010/main" w="9525">
                     <a:solidFill>
                       <a:srgbClr val="000000"/>
                     </a:solidFill>
@@ -11291,7 +11291,7 @@
               </a:ln>
               <a:extLst>
                 <a:ext uri="{91240B29-F687-4f45-9708-019B960494DF}">
-                  <a14:hiddenLine xmlns:a14="http://schemas.microsoft.com/office/drawing/2010/main" xmlns="" w="9525">
+                  <a14:hiddenLine xmlns="" xmlns:a14="http://schemas.microsoft.com/office/drawing/2010/main" w="9525">
                     <a:solidFill>
                       <a:srgbClr val="000000"/>
                     </a:solidFill>
@@ -11325,7 +11325,7 @@
               </a:ln>
               <a:extLst>
                 <a:ext uri="{91240B29-F687-4f45-9708-019B960494DF}">
-                  <a14:hiddenLine xmlns:a14="http://schemas.microsoft.com/office/drawing/2010/main" xmlns="" w="9525">
+                  <a14:hiddenLine xmlns="" xmlns:a14="http://schemas.microsoft.com/office/drawing/2010/main" w="9525">
                     <a:solidFill>
                       <a:srgbClr val="000000"/>
                     </a:solidFill>
@@ -11390,7 +11390,7 @@
               </a:ln>
               <a:extLst>
                 <a:ext uri="{91240B29-F687-4f45-9708-019B960494DF}">
-                  <a14:hiddenLine xmlns:a14="http://schemas.microsoft.com/office/drawing/2010/main" xmlns="" w="9525">
+                  <a14:hiddenLine xmlns="" xmlns:a14="http://schemas.microsoft.com/office/drawing/2010/main" w="9525">
                     <a:solidFill>
                       <a:srgbClr val="000000"/>
                     </a:solidFill>
@@ -11480,7 +11480,7 @@
               </a:ln>
               <a:extLst>
                 <a:ext uri="{91240B29-F687-4f45-9708-019B960494DF}">
-                  <a14:hiddenLine xmlns:a14="http://schemas.microsoft.com/office/drawing/2010/main" xmlns="" w="9525">
+                  <a14:hiddenLine xmlns="" xmlns:a14="http://schemas.microsoft.com/office/drawing/2010/main" w="9525">
                     <a:solidFill>
                       <a:srgbClr val="000000"/>
                     </a:solidFill>
@@ -11542,7 +11542,7 @@
               </a:ln>
               <a:extLst>
                 <a:ext uri="{91240B29-F687-4f45-9708-019B960494DF}">
-                  <a14:hiddenLine xmlns:a14="http://schemas.microsoft.com/office/drawing/2010/main" xmlns="" w="9525">
+                  <a14:hiddenLine xmlns="" xmlns:a14="http://schemas.microsoft.com/office/drawing/2010/main" w="9525">
                     <a:solidFill>
                       <a:srgbClr val="000000"/>
                     </a:solidFill>
@@ -11632,7 +11632,7 @@
               </a:ln>
               <a:extLst>
                 <a:ext uri="{91240B29-F687-4f45-9708-019B960494DF}">
-                  <a14:hiddenLine xmlns:a14="http://schemas.microsoft.com/office/drawing/2010/main" xmlns="" w="9525">
+                  <a14:hiddenLine xmlns="" xmlns:a14="http://schemas.microsoft.com/office/drawing/2010/main" w="9525">
                     <a:solidFill>
                       <a:srgbClr val="000000"/>
                     </a:solidFill>
@@ -11697,7 +11697,7 @@
               </a:ln>
               <a:extLst>
                 <a:ext uri="{91240B29-F687-4f45-9708-019B960494DF}">
-                  <a14:hiddenLine xmlns:a14="http://schemas.microsoft.com/office/drawing/2010/main" xmlns="" w="9525">
+                  <a14:hiddenLine xmlns="" xmlns:a14="http://schemas.microsoft.com/office/drawing/2010/main" w="9525">
                     <a:solidFill>
                       <a:srgbClr val="000000"/>
                     </a:solidFill>
@@ -11759,7 +11759,7 @@
               </a:ln>
               <a:extLst>
                 <a:ext uri="{91240B29-F687-4f45-9708-019B960494DF}">
-                  <a14:hiddenLine xmlns:a14="http://schemas.microsoft.com/office/drawing/2010/main" xmlns="" w="9525">
+                  <a14:hiddenLine xmlns="" xmlns:a14="http://schemas.microsoft.com/office/drawing/2010/main" w="9525">
                     <a:solidFill>
                       <a:srgbClr val="000000"/>
                     </a:solidFill>
@@ -11849,7 +11849,7 @@
               </a:ln>
               <a:extLst>
                 <a:ext uri="{91240B29-F687-4f45-9708-019B960494DF}">
-                  <a14:hiddenLine xmlns:a14="http://schemas.microsoft.com/office/drawing/2010/main" xmlns="" w="9525">
+                  <a14:hiddenLine xmlns="" xmlns:a14="http://schemas.microsoft.com/office/drawing/2010/main" w="9525">
                     <a:solidFill>
                       <a:srgbClr val="000000"/>
                     </a:solidFill>
@@ -11939,7 +11939,7 @@
               </a:ln>
               <a:extLst>
                 <a:ext uri="{91240B29-F687-4f45-9708-019B960494DF}">
-                  <a14:hiddenLine xmlns:a14="http://schemas.microsoft.com/office/drawing/2010/main" xmlns="" w="9525">
+                  <a14:hiddenLine xmlns="" xmlns:a14="http://schemas.microsoft.com/office/drawing/2010/main" w="9525">
                     <a:solidFill>
                       <a:srgbClr val="000000"/>
                     </a:solidFill>
@@ -12004,7 +12004,7 @@
               </a:ln>
               <a:extLst>
                 <a:ext uri="{91240B29-F687-4f45-9708-019B960494DF}">
-                  <a14:hiddenLine xmlns:a14="http://schemas.microsoft.com/office/drawing/2010/main" xmlns="" w="9525">
+                  <a14:hiddenLine xmlns="" xmlns:a14="http://schemas.microsoft.com/office/drawing/2010/main" w="9525">
                     <a:solidFill>
                       <a:srgbClr val="000000"/>
                     </a:solidFill>
@@ -12124,7 +12124,7 @@
               </a:ln>
               <a:extLst>
                 <a:ext uri="{91240B29-F687-4f45-9708-019B960494DF}">
-                  <a14:hiddenLine xmlns:a14="http://schemas.microsoft.com/office/drawing/2010/main" xmlns="" w="9525">
+                  <a14:hiddenLine xmlns="" xmlns:a14="http://schemas.microsoft.com/office/drawing/2010/main" w="9525">
                     <a:solidFill>
                       <a:srgbClr val="000000"/>
                     </a:solidFill>
@@ -12205,7 +12205,7 @@
               </a:ln>
               <a:extLst>
                 <a:ext uri="{91240B29-F687-4f45-9708-019B960494DF}">
-                  <a14:hiddenLine xmlns:a14="http://schemas.microsoft.com/office/drawing/2010/main" xmlns="" w="9525">
+                  <a14:hiddenLine xmlns="" xmlns:a14="http://schemas.microsoft.com/office/drawing/2010/main" w="9525">
                     <a:solidFill>
                       <a:srgbClr val="000000"/>
                     </a:solidFill>
@@ -12320,7 +12320,7 @@
               </a:ln>
               <a:extLst>
                 <a:ext uri="{91240B29-F687-4f45-9708-019B960494DF}">
-                  <a14:hiddenLine xmlns:a14="http://schemas.microsoft.com/office/drawing/2010/main" xmlns="" w="9525">
+                  <a14:hiddenLine xmlns="" xmlns:a14="http://schemas.microsoft.com/office/drawing/2010/main" w="9525">
                     <a:solidFill>
                       <a:srgbClr val="000000"/>
                     </a:solidFill>
@@ -12410,7 +12410,7 @@
               </a:ln>
               <a:extLst>
                 <a:ext uri="{91240B29-F687-4f45-9708-019B960494DF}">
-                  <a14:hiddenLine xmlns:a14="http://schemas.microsoft.com/office/drawing/2010/main" xmlns="" w="9525">
+                  <a14:hiddenLine xmlns="" xmlns:a14="http://schemas.microsoft.com/office/drawing/2010/main" w="9525">
                     <a:solidFill>
                       <a:srgbClr val="000000"/>
                     </a:solidFill>
@@ -12475,7 +12475,7 @@
               </a:ln>
               <a:extLst>
                 <a:ext uri="{91240B29-F687-4f45-9708-019B960494DF}">
-                  <a14:hiddenLine xmlns:a14="http://schemas.microsoft.com/office/drawing/2010/main" xmlns="" w="9525">
+                  <a14:hiddenLine xmlns="" xmlns:a14="http://schemas.microsoft.com/office/drawing/2010/main" w="9525">
                     <a:solidFill>
                       <a:srgbClr val="000000"/>
                     </a:solidFill>
@@ -12565,7 +12565,7 @@
               </a:ln>
               <a:extLst>
                 <a:ext uri="{91240B29-F687-4f45-9708-019B960494DF}">
-                  <a14:hiddenLine xmlns:a14="http://schemas.microsoft.com/office/drawing/2010/main" xmlns="" w="9525">
+                  <a14:hiddenLine xmlns="" xmlns:a14="http://schemas.microsoft.com/office/drawing/2010/main" w="9525">
                     <a:solidFill>
                       <a:srgbClr val="000000"/>
                     </a:solidFill>
@@ -12633,7 +12633,7 @@
               </a:ln>
               <a:extLst>
                 <a:ext uri="{91240B29-F687-4f45-9708-019B960494DF}">
-                  <a14:hiddenLine xmlns:a14="http://schemas.microsoft.com/office/drawing/2010/main" xmlns="" w="9525">
+                  <a14:hiddenLine xmlns="" xmlns:a14="http://schemas.microsoft.com/office/drawing/2010/main" w="9525">
                     <a:solidFill>
                       <a:srgbClr val="000000"/>
                     </a:solidFill>
@@ -12723,7 +12723,7 @@
               </a:ln>
               <a:extLst>
                 <a:ext uri="{91240B29-F687-4f45-9708-019B960494DF}">
-                  <a14:hiddenLine xmlns:a14="http://schemas.microsoft.com/office/drawing/2010/main" xmlns="" w="9525">
+                  <a14:hiddenLine xmlns="" xmlns:a14="http://schemas.microsoft.com/office/drawing/2010/main" w="9525">
                     <a:solidFill>
                       <a:srgbClr val="000000"/>
                     </a:solidFill>
@@ -12791,7 +12791,7 @@
               </a:ln>
               <a:extLst>
                 <a:ext uri="{91240B29-F687-4f45-9708-019B960494DF}">
-                  <a14:hiddenLine xmlns:a14="http://schemas.microsoft.com/office/drawing/2010/main" xmlns="" w="9525">
+                  <a14:hiddenLine xmlns="" xmlns:a14="http://schemas.microsoft.com/office/drawing/2010/main" w="9525">
                     <a:solidFill>
                       <a:srgbClr val="000000"/>
                     </a:solidFill>
@@ -12881,7 +12881,7 @@
               </a:ln>
               <a:extLst>
                 <a:ext uri="{91240B29-F687-4f45-9708-019B960494DF}">
-                  <a14:hiddenLine xmlns:a14="http://schemas.microsoft.com/office/drawing/2010/main" xmlns="" w="9525">
+                  <a14:hiddenLine xmlns="" xmlns:a14="http://schemas.microsoft.com/office/drawing/2010/main" w="9525">
                     <a:solidFill>
                       <a:srgbClr val="000000"/>
                     </a:solidFill>
@@ -12915,7 +12915,7 @@
               </a:ln>
               <a:extLst>
                 <a:ext uri="{91240B29-F687-4f45-9708-019B960494DF}">
-                  <a14:hiddenLine xmlns:a14="http://schemas.microsoft.com/office/drawing/2010/main" xmlns="" w="9525">
+                  <a14:hiddenLine xmlns="" xmlns:a14="http://schemas.microsoft.com/office/drawing/2010/main" w="9525">
                     <a:solidFill>
                       <a:srgbClr val="000000"/>
                     </a:solidFill>
@@ -13055,7 +13055,7 @@
           <a:p>
             <a:fld id="{EC4347D3-4C9A-C240-8F14-750059DFEEB0}" type="datetimeFigureOut">
               <a:rPr lang="en-US" smtClean="0"/>
-              <a:t>8/25/25</a:t>
+              <a:t>9/2/25</a:t>
             </a:fld>
             <a:endParaRPr lang="en-US"/>
           </a:p>
